--- a/documentation/Ada Chat.pptx
+++ b/documentation/Ada Chat.pptx
@@ -4,9 +4,21 @@
   <p:sldMasterIdLst>
     <p:sldMasterId id="2147483648" r:id="rId1"/>
   </p:sldMasterIdLst>
+  <p:notesMasterIdLst>
+    <p:notesMasterId r:id="rId13"/>
+  </p:notesMasterIdLst>
   <p:sldIdLst>
     <p:sldId id="256" r:id="rId2"/>
     <p:sldId id="257" r:id="rId3"/>
+    <p:sldId id="258" r:id="rId4"/>
+    <p:sldId id="259" r:id="rId5"/>
+    <p:sldId id="260" r:id="rId6"/>
+    <p:sldId id="261" r:id="rId7"/>
+    <p:sldId id="265" r:id="rId8"/>
+    <p:sldId id="262" r:id="rId9"/>
+    <p:sldId id="263" r:id="rId10"/>
+    <p:sldId id="264" r:id="rId11"/>
+    <p:sldId id="266" r:id="rId12"/>
   </p:sldIdLst>
   <p:sldSz cx="9144000" cy="6858000" type="screen4x3"/>
   <p:notesSz cx="6858000" cy="9144000"/>
@@ -111,6 +123,448 @@
     </p:ext>
   </p:extLst>
 </p:presentation>
+</file>
+
+<file path=ppt/notesMasters/notesMaster1.xml><?xml version="1.0" encoding="utf-8"?>
+<p:notesMaster xmlns:a="http://schemas.openxmlformats.org/drawingml/2006/main" xmlns:r="http://schemas.openxmlformats.org/officeDocument/2006/relationships" xmlns:p="http://schemas.openxmlformats.org/presentationml/2006/main">
+  <p:cSld>
+    <p:bg>
+      <p:bgRef idx="1001">
+        <a:schemeClr val="bg1"/>
+      </p:bgRef>
+    </p:bg>
+    <p:spTree>
+      <p:nvGrpSpPr>
+        <p:cNvPr id="1" name=""/>
+        <p:cNvGrpSpPr/>
+        <p:nvPr/>
+      </p:nvGrpSpPr>
+      <p:grpSpPr>
+        <a:xfrm>
+          <a:off x="0" y="0"/>
+          <a:ext cx="0" cy="0"/>
+          <a:chOff x="0" y="0"/>
+          <a:chExt cx="0" cy="0"/>
+        </a:xfrm>
+      </p:grpSpPr>
+      <p:sp>
+        <p:nvSpPr>
+          <p:cNvPr id="2" name="Kopfzeilenplatzhalter 1"/>
+          <p:cNvSpPr>
+            <a:spLocks noGrp="1"/>
+          </p:cNvSpPr>
+          <p:nvPr>
+            <p:ph type="hdr" sz="quarter"/>
+          </p:nvPr>
+        </p:nvSpPr>
+        <p:spPr>
+          <a:xfrm>
+            <a:off x="0" y="0"/>
+            <a:ext cx="2971800" cy="458788"/>
+          </a:xfrm>
+          <a:prstGeom prst="rect">
+            <a:avLst/>
+          </a:prstGeom>
+        </p:spPr>
+        <p:txBody>
+          <a:bodyPr vert="horz" lIns="91440" tIns="45720" rIns="91440" bIns="45720" rtlCol="0"/>
+          <a:lstStyle>
+            <a:lvl1pPr algn="l">
+              <a:defRPr sz="1200"/>
+            </a:lvl1pPr>
+          </a:lstStyle>
+          <a:p>
+            <a:endParaRPr lang="de-DE"/>
+          </a:p>
+        </p:txBody>
+      </p:sp>
+      <p:sp>
+        <p:nvSpPr>
+          <p:cNvPr id="3" name="Datumsplatzhalter 2"/>
+          <p:cNvSpPr>
+            <a:spLocks noGrp="1"/>
+          </p:cNvSpPr>
+          <p:nvPr>
+            <p:ph type="dt" idx="1"/>
+          </p:nvPr>
+        </p:nvSpPr>
+        <p:spPr>
+          <a:xfrm>
+            <a:off x="3884613" y="0"/>
+            <a:ext cx="2971800" cy="458788"/>
+          </a:xfrm>
+          <a:prstGeom prst="rect">
+            <a:avLst/>
+          </a:prstGeom>
+        </p:spPr>
+        <p:txBody>
+          <a:bodyPr vert="horz" lIns="91440" tIns="45720" rIns="91440" bIns="45720" rtlCol="0"/>
+          <a:lstStyle>
+            <a:lvl1pPr algn="r">
+              <a:defRPr sz="1200"/>
+            </a:lvl1pPr>
+          </a:lstStyle>
+          <a:p>
+            <a:fld id="{17D3A48C-A592-4DCA-964C-2AA7FC1C9F64}" type="datetimeFigureOut">
+              <a:rPr lang="de-DE" smtClean="0"/>
+              <a:t>08.05.2016</a:t>
+            </a:fld>
+            <a:endParaRPr lang="de-DE"/>
+          </a:p>
+        </p:txBody>
+      </p:sp>
+      <p:sp>
+        <p:nvSpPr>
+          <p:cNvPr id="4" name="Folienbildplatzhalter 3"/>
+          <p:cNvSpPr>
+            <a:spLocks noGrp="1" noRot="1" noChangeAspect="1"/>
+          </p:cNvSpPr>
+          <p:nvPr>
+            <p:ph type="sldImg" idx="2"/>
+          </p:nvPr>
+        </p:nvSpPr>
+        <p:spPr>
+          <a:xfrm>
+            <a:off x="1371600" y="1143000"/>
+            <a:ext cx="4114800" cy="3086100"/>
+          </a:xfrm>
+          <a:prstGeom prst="rect">
+            <a:avLst/>
+          </a:prstGeom>
+          <a:noFill/>
+          <a:ln w="12700">
+            <a:solidFill>
+              <a:prstClr val="black"/>
+            </a:solidFill>
+          </a:ln>
+        </p:spPr>
+        <p:txBody>
+          <a:bodyPr vert="horz" lIns="91440" tIns="45720" rIns="91440" bIns="45720" rtlCol="0" anchor="ctr"/>
+          <a:lstStyle/>
+          <a:p>
+            <a:endParaRPr lang="de-DE"/>
+          </a:p>
+        </p:txBody>
+      </p:sp>
+      <p:sp>
+        <p:nvSpPr>
+          <p:cNvPr id="5" name="Notizenplatzhalter 4"/>
+          <p:cNvSpPr>
+            <a:spLocks noGrp="1"/>
+          </p:cNvSpPr>
+          <p:nvPr>
+            <p:ph type="body" sz="quarter" idx="3"/>
+          </p:nvPr>
+        </p:nvSpPr>
+        <p:spPr>
+          <a:xfrm>
+            <a:off x="685800" y="4400550"/>
+            <a:ext cx="5486400" cy="3600450"/>
+          </a:xfrm>
+          <a:prstGeom prst="rect">
+            <a:avLst/>
+          </a:prstGeom>
+        </p:spPr>
+        <p:txBody>
+          <a:bodyPr vert="horz" lIns="91440" tIns="45720" rIns="91440" bIns="45720" rtlCol="0"/>
+          <a:lstStyle/>
+          <a:p>
+            <a:pPr lvl="0"/>
+            <a:r>
+              <a:rPr lang="de-DE" smtClean="0"/>
+              <a:t>Textmasterformat bearbeiten</a:t>
+            </a:r>
+          </a:p>
+          <a:p>
+            <a:pPr lvl="1"/>
+            <a:r>
+              <a:rPr lang="de-DE" smtClean="0"/>
+              <a:t>Zweite Ebene</a:t>
+            </a:r>
+          </a:p>
+          <a:p>
+            <a:pPr lvl="2"/>
+            <a:r>
+              <a:rPr lang="de-DE" smtClean="0"/>
+              <a:t>Dritte Ebene</a:t>
+            </a:r>
+          </a:p>
+          <a:p>
+            <a:pPr lvl="3"/>
+            <a:r>
+              <a:rPr lang="de-DE" smtClean="0"/>
+              <a:t>Vierte Ebene</a:t>
+            </a:r>
+          </a:p>
+          <a:p>
+            <a:pPr lvl="4"/>
+            <a:r>
+              <a:rPr lang="de-DE" smtClean="0"/>
+              <a:t>Fünfte Ebene</a:t>
+            </a:r>
+            <a:endParaRPr lang="de-DE"/>
+          </a:p>
+        </p:txBody>
+      </p:sp>
+      <p:sp>
+        <p:nvSpPr>
+          <p:cNvPr id="6" name="Fußzeilenplatzhalter 5"/>
+          <p:cNvSpPr>
+            <a:spLocks noGrp="1"/>
+          </p:cNvSpPr>
+          <p:nvPr>
+            <p:ph type="ftr" sz="quarter" idx="4"/>
+          </p:nvPr>
+        </p:nvSpPr>
+        <p:spPr>
+          <a:xfrm>
+            <a:off x="0" y="8685213"/>
+            <a:ext cx="2971800" cy="458787"/>
+          </a:xfrm>
+          <a:prstGeom prst="rect">
+            <a:avLst/>
+          </a:prstGeom>
+        </p:spPr>
+        <p:txBody>
+          <a:bodyPr vert="horz" lIns="91440" tIns="45720" rIns="91440" bIns="45720" rtlCol="0" anchor="b"/>
+          <a:lstStyle>
+            <a:lvl1pPr algn="l">
+              <a:defRPr sz="1200"/>
+            </a:lvl1pPr>
+          </a:lstStyle>
+          <a:p>
+            <a:endParaRPr lang="de-DE"/>
+          </a:p>
+        </p:txBody>
+      </p:sp>
+      <p:sp>
+        <p:nvSpPr>
+          <p:cNvPr id="7" name="Foliennummernplatzhalter 6"/>
+          <p:cNvSpPr>
+            <a:spLocks noGrp="1"/>
+          </p:cNvSpPr>
+          <p:nvPr>
+            <p:ph type="sldNum" sz="quarter" idx="5"/>
+          </p:nvPr>
+        </p:nvSpPr>
+        <p:spPr>
+          <a:xfrm>
+            <a:off x="3884613" y="8685213"/>
+            <a:ext cx="2971800" cy="458787"/>
+          </a:xfrm>
+          <a:prstGeom prst="rect">
+            <a:avLst/>
+          </a:prstGeom>
+        </p:spPr>
+        <p:txBody>
+          <a:bodyPr vert="horz" lIns="91440" tIns="45720" rIns="91440" bIns="45720" rtlCol="0" anchor="b"/>
+          <a:lstStyle>
+            <a:lvl1pPr algn="r">
+              <a:defRPr sz="1200"/>
+            </a:lvl1pPr>
+          </a:lstStyle>
+          <a:p>
+            <a:fld id="{B86A5C8B-E559-406D-A6CE-B08D815A3D7D}" type="slidenum">
+              <a:rPr lang="de-DE" smtClean="0"/>
+              <a:t>‹Nr.›</a:t>
+            </a:fld>
+            <a:endParaRPr lang="de-DE"/>
+          </a:p>
+        </p:txBody>
+      </p:sp>
+    </p:spTree>
+    <p:extLst>
+      <p:ext uri="{BB962C8B-B14F-4D97-AF65-F5344CB8AC3E}">
+        <p14:creationId xmlns:p14="http://schemas.microsoft.com/office/powerpoint/2010/main" val="642917521"/>
+      </p:ext>
+    </p:extLst>
+  </p:cSld>
+  <p:clrMap bg1="lt1" tx1="dk1" bg2="lt2" tx2="dk2" accent1="accent1" accent2="accent2" accent3="accent3" accent4="accent4" accent5="accent5" accent6="accent6" hlink="hlink" folHlink="folHlink"/>
+  <p:notesStyle>
+    <a:lvl1pPr marL="0" algn="l" defTabSz="914400" rtl="0" eaLnBrk="1" latinLnBrk="0" hangingPunct="1">
+      <a:defRPr sz="1200" kern="1200">
+        <a:solidFill>
+          <a:schemeClr val="tx1"/>
+        </a:solidFill>
+        <a:latin typeface="+mn-lt"/>
+        <a:ea typeface="+mn-ea"/>
+        <a:cs typeface="+mn-cs"/>
+      </a:defRPr>
+    </a:lvl1pPr>
+    <a:lvl2pPr marL="457200" algn="l" defTabSz="914400" rtl="0" eaLnBrk="1" latinLnBrk="0" hangingPunct="1">
+      <a:defRPr sz="1200" kern="1200">
+        <a:solidFill>
+          <a:schemeClr val="tx1"/>
+        </a:solidFill>
+        <a:latin typeface="+mn-lt"/>
+        <a:ea typeface="+mn-ea"/>
+        <a:cs typeface="+mn-cs"/>
+      </a:defRPr>
+    </a:lvl2pPr>
+    <a:lvl3pPr marL="914400" algn="l" defTabSz="914400" rtl="0" eaLnBrk="1" latinLnBrk="0" hangingPunct="1">
+      <a:defRPr sz="1200" kern="1200">
+        <a:solidFill>
+          <a:schemeClr val="tx1"/>
+        </a:solidFill>
+        <a:latin typeface="+mn-lt"/>
+        <a:ea typeface="+mn-ea"/>
+        <a:cs typeface="+mn-cs"/>
+      </a:defRPr>
+    </a:lvl3pPr>
+    <a:lvl4pPr marL="1371600" algn="l" defTabSz="914400" rtl="0" eaLnBrk="1" latinLnBrk="0" hangingPunct="1">
+      <a:defRPr sz="1200" kern="1200">
+        <a:solidFill>
+          <a:schemeClr val="tx1"/>
+        </a:solidFill>
+        <a:latin typeface="+mn-lt"/>
+        <a:ea typeface="+mn-ea"/>
+        <a:cs typeface="+mn-cs"/>
+      </a:defRPr>
+    </a:lvl4pPr>
+    <a:lvl5pPr marL="1828800" algn="l" defTabSz="914400" rtl="0" eaLnBrk="1" latinLnBrk="0" hangingPunct="1">
+      <a:defRPr sz="1200" kern="1200">
+        <a:solidFill>
+          <a:schemeClr val="tx1"/>
+        </a:solidFill>
+        <a:latin typeface="+mn-lt"/>
+        <a:ea typeface="+mn-ea"/>
+        <a:cs typeface="+mn-cs"/>
+      </a:defRPr>
+    </a:lvl5pPr>
+    <a:lvl6pPr marL="2286000" algn="l" defTabSz="914400" rtl="0" eaLnBrk="1" latinLnBrk="0" hangingPunct="1">
+      <a:defRPr sz="1200" kern="1200">
+        <a:solidFill>
+          <a:schemeClr val="tx1"/>
+        </a:solidFill>
+        <a:latin typeface="+mn-lt"/>
+        <a:ea typeface="+mn-ea"/>
+        <a:cs typeface="+mn-cs"/>
+      </a:defRPr>
+    </a:lvl6pPr>
+    <a:lvl7pPr marL="2743200" algn="l" defTabSz="914400" rtl="0" eaLnBrk="1" latinLnBrk="0" hangingPunct="1">
+      <a:defRPr sz="1200" kern="1200">
+        <a:solidFill>
+          <a:schemeClr val="tx1"/>
+        </a:solidFill>
+        <a:latin typeface="+mn-lt"/>
+        <a:ea typeface="+mn-ea"/>
+        <a:cs typeface="+mn-cs"/>
+      </a:defRPr>
+    </a:lvl7pPr>
+    <a:lvl8pPr marL="3200400" algn="l" defTabSz="914400" rtl="0" eaLnBrk="1" latinLnBrk="0" hangingPunct="1">
+      <a:defRPr sz="1200" kern="1200">
+        <a:solidFill>
+          <a:schemeClr val="tx1"/>
+        </a:solidFill>
+        <a:latin typeface="+mn-lt"/>
+        <a:ea typeface="+mn-ea"/>
+        <a:cs typeface="+mn-cs"/>
+      </a:defRPr>
+    </a:lvl8pPr>
+    <a:lvl9pPr marL="3657600" algn="l" defTabSz="914400" rtl="0" eaLnBrk="1" latinLnBrk="0" hangingPunct="1">
+      <a:defRPr sz="1200" kern="1200">
+        <a:solidFill>
+          <a:schemeClr val="tx1"/>
+        </a:solidFill>
+        <a:latin typeface="+mn-lt"/>
+        <a:ea typeface="+mn-ea"/>
+        <a:cs typeface="+mn-cs"/>
+      </a:defRPr>
+    </a:lvl9pPr>
+  </p:notesStyle>
+</p:notesMaster>
+</file>
+
+<file path=ppt/notesSlides/notesSlide1.xml><?xml version="1.0" encoding="utf-8"?>
+<p:notes xmlns:a="http://schemas.openxmlformats.org/drawingml/2006/main" xmlns:r="http://schemas.openxmlformats.org/officeDocument/2006/relationships" xmlns:p="http://schemas.openxmlformats.org/presentationml/2006/main">
+  <p:cSld>
+    <p:spTree>
+      <p:nvGrpSpPr>
+        <p:cNvPr id="1" name=""/>
+        <p:cNvGrpSpPr/>
+        <p:nvPr/>
+      </p:nvGrpSpPr>
+      <p:grpSpPr>
+        <a:xfrm>
+          <a:off x="0" y="0"/>
+          <a:ext cx="0" cy="0"/>
+          <a:chOff x="0" y="0"/>
+          <a:chExt cx="0" cy="0"/>
+        </a:xfrm>
+      </p:grpSpPr>
+      <p:sp>
+        <p:nvSpPr>
+          <p:cNvPr id="2" name="Folienbildplatzhalter 1"/>
+          <p:cNvSpPr>
+            <a:spLocks noGrp="1" noRot="1" noChangeAspect="1"/>
+          </p:cNvSpPr>
+          <p:nvPr>
+            <p:ph type="sldImg"/>
+          </p:nvPr>
+        </p:nvSpPr>
+        <p:spPr/>
+      </p:sp>
+      <p:sp>
+        <p:nvSpPr>
+          <p:cNvPr id="3" name="Notizenplatzhalter 2"/>
+          <p:cNvSpPr>
+            <a:spLocks noGrp="1"/>
+          </p:cNvSpPr>
+          <p:nvPr>
+            <p:ph type="body" idx="1"/>
+          </p:nvPr>
+        </p:nvSpPr>
+        <p:spPr/>
+        <p:txBody>
+          <a:bodyPr/>
+          <a:lstStyle/>
+          <a:p>
+            <a:r>
+              <a:rPr lang="de-DE" dirty="0" smtClean="0"/>
+              <a:t>Warum</a:t>
+            </a:r>
+            <a:r>
+              <a:rPr lang="de-DE" baseline="0" dirty="0" smtClean="0"/>
+              <a:t> Chat? Gute Abdeckung der Kursinhalte (diese nennen: Nebenläufigkeitskonzepte Ada, GUI mit GTK, Objektorientiert…), gut auf die Gruppenmitglieder aufteilbar, grobes Anreißen der Funktionalität</a:t>
+            </a:r>
+            <a:endParaRPr lang="de-DE" dirty="0"/>
+          </a:p>
+        </p:txBody>
+      </p:sp>
+      <p:sp>
+        <p:nvSpPr>
+          <p:cNvPr id="4" name="Foliennummernplatzhalter 3"/>
+          <p:cNvSpPr>
+            <a:spLocks noGrp="1"/>
+          </p:cNvSpPr>
+          <p:nvPr>
+            <p:ph type="sldNum" sz="quarter" idx="10"/>
+          </p:nvPr>
+        </p:nvSpPr>
+        <p:spPr/>
+        <p:txBody>
+          <a:bodyPr/>
+          <a:lstStyle/>
+          <a:p>
+            <a:fld id="{B86A5C8B-E559-406D-A6CE-B08D815A3D7D}" type="slidenum">
+              <a:rPr lang="de-DE" smtClean="0"/>
+              <a:t>3</a:t>
+            </a:fld>
+            <a:endParaRPr lang="de-DE"/>
+          </a:p>
+        </p:txBody>
+      </p:sp>
+    </p:spTree>
+    <p:extLst>
+      <p:ext uri="{BB962C8B-B14F-4D97-AF65-F5344CB8AC3E}">
+        <p14:creationId xmlns:p14="http://schemas.microsoft.com/office/powerpoint/2010/main" val="3149184629"/>
+      </p:ext>
+    </p:extLst>
+  </p:cSld>
+  <p:clrMapOvr>
+    <a:masterClrMapping/>
+  </p:clrMapOvr>
+</p:notes>
 </file>
 
 <file path=ppt/slideLayouts/slideLayout1.xml><?xml version="1.0" encoding="utf-8"?>
@@ -1465,6 +1919,1312 @@
 </p:sld>
 </file>
 
+<file path=ppt/slides/slide10.xml><?xml version="1.0" encoding="utf-8"?>
+<p:sld xmlns:a="http://schemas.openxmlformats.org/drawingml/2006/main" xmlns:r="http://schemas.openxmlformats.org/officeDocument/2006/relationships" xmlns:p="http://schemas.openxmlformats.org/presentationml/2006/main">
+  <p:cSld>
+    <p:spTree>
+      <p:nvGrpSpPr>
+        <p:cNvPr id="1" name=""/>
+        <p:cNvGrpSpPr/>
+        <p:nvPr/>
+      </p:nvGrpSpPr>
+      <p:grpSpPr>
+        <a:xfrm>
+          <a:off x="0" y="0"/>
+          <a:ext cx="0" cy="0"/>
+          <a:chOff x="0" y="0"/>
+          <a:chExt cx="0" cy="0"/>
+        </a:xfrm>
+      </p:grpSpPr>
+      <p:sp>
+        <p:nvSpPr>
+          <p:cNvPr id="2" name="Titel 1"/>
+          <p:cNvSpPr>
+            <a:spLocks noGrp="1"/>
+          </p:cNvSpPr>
+          <p:nvPr>
+            <p:ph type="title"/>
+          </p:nvPr>
+        </p:nvSpPr>
+        <p:spPr>
+          <a:xfrm>
+            <a:off x="360000" y="1317222"/>
+            <a:ext cx="8246118" cy="569556"/>
+          </a:xfrm>
+        </p:spPr>
+        <p:txBody>
+          <a:bodyPr/>
+          <a:lstStyle/>
+          <a:p>
+            <a:r>
+              <a:rPr lang="de-DE" dirty="0" smtClean="0"/>
+              <a:t>Hindernisse</a:t>
+            </a:r>
+            <a:endParaRPr lang="de-DE" dirty="0"/>
+          </a:p>
+        </p:txBody>
+      </p:sp>
+      <p:sp>
+        <p:nvSpPr>
+          <p:cNvPr id="3" name="Inhaltsplatzhalter 2"/>
+          <p:cNvSpPr>
+            <a:spLocks noGrp="1"/>
+          </p:cNvSpPr>
+          <p:nvPr>
+            <p:ph idx="1"/>
+          </p:nvPr>
+        </p:nvSpPr>
+        <p:spPr/>
+        <p:txBody>
+          <a:bodyPr/>
+          <a:lstStyle/>
+          <a:p>
+            <a:r>
+              <a:rPr lang="de-DE" dirty="0" smtClean="0"/>
+              <a:t>Dokumentation von Ada und GTK</a:t>
+            </a:r>
+          </a:p>
+          <a:p>
+            <a:r>
+              <a:rPr lang="de-DE" dirty="0" smtClean="0"/>
+              <a:t>Zirkuläre Abhängigkeiten</a:t>
+            </a:r>
+          </a:p>
+          <a:p>
+            <a:r>
+              <a:rPr lang="de-DE" dirty="0" smtClean="0"/>
+              <a:t>Pointer Verhalten unklar, wann Call </a:t>
+            </a:r>
+            <a:r>
+              <a:rPr lang="de-DE" dirty="0" err="1" smtClean="0"/>
+              <a:t>by</a:t>
+            </a:r>
+            <a:r>
+              <a:rPr lang="de-DE" dirty="0" smtClean="0"/>
+              <a:t> Value wann Call </a:t>
+            </a:r>
+            <a:r>
+              <a:rPr lang="de-DE" dirty="0" err="1" smtClean="0"/>
+              <a:t>by</a:t>
+            </a:r>
+            <a:r>
+              <a:rPr lang="de-DE" dirty="0" smtClean="0"/>
+              <a:t> Reference </a:t>
+            </a:r>
+          </a:p>
+          <a:p>
+            <a:r>
+              <a:rPr lang="de-DE" dirty="0" err="1" smtClean="0"/>
+              <a:t>Compilermagic</a:t>
+            </a:r>
+            <a:endParaRPr lang="de-DE" dirty="0"/>
+          </a:p>
+        </p:txBody>
+      </p:sp>
+    </p:spTree>
+    <p:extLst>
+      <p:ext uri="{BB962C8B-B14F-4D97-AF65-F5344CB8AC3E}">
+        <p14:creationId xmlns:p14="http://schemas.microsoft.com/office/powerpoint/2010/main" val="2243141793"/>
+      </p:ext>
+    </p:extLst>
+  </p:cSld>
+  <p:clrMapOvr>
+    <a:masterClrMapping/>
+  </p:clrMapOvr>
+  <p:timing>
+    <p:tnLst>
+      <p:par>
+        <p:cTn id="1" dur="indefinite" restart="never" nodeType="tmRoot"/>
+      </p:par>
+    </p:tnLst>
+  </p:timing>
+</p:sld>
+</file>
+
+<file path=ppt/slides/slide11.xml><?xml version="1.0" encoding="utf-8"?>
+<p:sld xmlns:a="http://schemas.openxmlformats.org/drawingml/2006/main" xmlns:r="http://schemas.openxmlformats.org/officeDocument/2006/relationships" xmlns:p="http://schemas.openxmlformats.org/presentationml/2006/main">
+  <p:cSld>
+    <p:spTree>
+      <p:nvGrpSpPr>
+        <p:cNvPr id="1" name=""/>
+        <p:cNvGrpSpPr/>
+        <p:nvPr/>
+      </p:nvGrpSpPr>
+      <p:grpSpPr>
+        <a:xfrm>
+          <a:off x="0" y="0"/>
+          <a:ext cx="0" cy="0"/>
+          <a:chOff x="0" y="0"/>
+          <a:chExt cx="0" cy="0"/>
+        </a:xfrm>
+      </p:grpSpPr>
+      <p:sp>
+        <p:nvSpPr>
+          <p:cNvPr id="2" name="Titel 1"/>
+          <p:cNvSpPr>
+            <a:spLocks noGrp="1"/>
+          </p:cNvSpPr>
+          <p:nvPr>
+            <p:ph type="title"/>
+          </p:nvPr>
+        </p:nvSpPr>
+        <p:spPr>
+          <a:xfrm>
+            <a:off x="360000" y="1317222"/>
+            <a:ext cx="8246118" cy="569556"/>
+          </a:xfrm>
+        </p:spPr>
+        <p:txBody>
+          <a:bodyPr/>
+          <a:lstStyle/>
+          <a:p>
+            <a:r>
+              <a:rPr lang="de-DE" dirty="0" smtClean="0"/>
+              <a:t>Implementierungslogik – anderes Wort finden</a:t>
+            </a:r>
+            <a:endParaRPr lang="de-DE" dirty="0"/>
+          </a:p>
+        </p:txBody>
+      </p:sp>
+      <p:sp>
+        <p:nvSpPr>
+          <p:cNvPr id="7" name="Gestreifter Pfeil nach rechts 6"/>
+          <p:cNvSpPr/>
+          <p:nvPr/>
+        </p:nvSpPr>
+        <p:spPr>
+          <a:xfrm rot="5400000">
+            <a:off x="391202" y="2898741"/>
+            <a:ext cx="3282319" cy="2138093"/>
+          </a:xfrm>
+          <a:prstGeom prst="stripedRightArrow">
+            <a:avLst/>
+          </a:prstGeom>
+          <a:solidFill>
+            <a:schemeClr val="bg1"/>
+          </a:solidFill>
+          <a:ln>
+            <a:solidFill>
+              <a:srgbClr val="FF0000"/>
+            </a:solidFill>
+          </a:ln>
+        </p:spPr>
+        <p:style>
+          <a:lnRef idx="2">
+            <a:schemeClr val="accent1">
+              <a:shade val="50000"/>
+            </a:schemeClr>
+          </a:lnRef>
+          <a:fillRef idx="1">
+            <a:schemeClr val="accent1"/>
+          </a:fillRef>
+          <a:effectRef idx="0">
+            <a:schemeClr val="accent1"/>
+          </a:effectRef>
+          <a:fontRef idx="minor">
+            <a:schemeClr val="lt1"/>
+          </a:fontRef>
+        </p:style>
+        <p:txBody>
+          <a:bodyPr rtlCol="0" anchor="ctr"/>
+          <a:lstStyle/>
+          <a:p>
+            <a:pPr algn="ctr"/>
+            <a:endParaRPr lang="de-DE"/>
+          </a:p>
+        </p:txBody>
+      </p:sp>
+      <p:sp>
+        <p:nvSpPr>
+          <p:cNvPr id="8" name="Rechteck 7"/>
+          <p:cNvSpPr/>
+          <p:nvPr/>
+        </p:nvSpPr>
+        <p:spPr>
+          <a:xfrm>
+            <a:off x="1630828" y="2780907"/>
+            <a:ext cx="311084" cy="245097"/>
+          </a:xfrm>
+          <a:prstGeom prst="rect">
+            <a:avLst/>
+          </a:prstGeom>
+          <a:solidFill>
+            <a:schemeClr val="bg1"/>
+          </a:solidFill>
+        </p:spPr>
+        <p:style>
+          <a:lnRef idx="2">
+            <a:schemeClr val="dk1">
+              <a:shade val="50000"/>
+            </a:schemeClr>
+          </a:lnRef>
+          <a:fillRef idx="1">
+            <a:schemeClr val="dk1"/>
+          </a:fillRef>
+          <a:effectRef idx="0">
+            <a:schemeClr val="dk1"/>
+          </a:effectRef>
+          <a:fontRef idx="minor">
+            <a:schemeClr val="lt1"/>
+          </a:fontRef>
+        </p:style>
+        <p:txBody>
+          <a:bodyPr rtlCol="0" anchor="ctr"/>
+          <a:lstStyle/>
+          <a:p>
+            <a:pPr algn="ctr"/>
+            <a:endParaRPr lang="de-DE"/>
+          </a:p>
+        </p:txBody>
+      </p:sp>
+      <p:sp>
+        <p:nvSpPr>
+          <p:cNvPr id="9" name="Rechteck 8"/>
+          <p:cNvSpPr/>
+          <p:nvPr/>
+        </p:nvSpPr>
+        <p:spPr>
+          <a:xfrm>
+            <a:off x="1630828" y="3235186"/>
+            <a:ext cx="311084" cy="245097"/>
+          </a:xfrm>
+          <a:prstGeom prst="rect">
+            <a:avLst/>
+          </a:prstGeom>
+          <a:solidFill>
+            <a:schemeClr val="bg1"/>
+          </a:solidFill>
+        </p:spPr>
+        <p:style>
+          <a:lnRef idx="2">
+            <a:schemeClr val="dk1">
+              <a:shade val="50000"/>
+            </a:schemeClr>
+          </a:lnRef>
+          <a:fillRef idx="1">
+            <a:schemeClr val="dk1"/>
+          </a:fillRef>
+          <a:effectRef idx="0">
+            <a:schemeClr val="dk1"/>
+          </a:effectRef>
+          <a:fontRef idx="minor">
+            <a:schemeClr val="lt1"/>
+          </a:fontRef>
+        </p:style>
+        <p:txBody>
+          <a:bodyPr rtlCol="0" anchor="ctr"/>
+          <a:lstStyle/>
+          <a:p>
+            <a:pPr algn="ctr"/>
+            <a:endParaRPr lang="de-DE"/>
+          </a:p>
+        </p:txBody>
+      </p:sp>
+      <p:sp>
+        <p:nvSpPr>
+          <p:cNvPr id="10" name="Rechteck 9"/>
+          <p:cNvSpPr/>
+          <p:nvPr/>
+        </p:nvSpPr>
+        <p:spPr>
+          <a:xfrm>
+            <a:off x="1630828" y="3722690"/>
+            <a:ext cx="311084" cy="245097"/>
+          </a:xfrm>
+          <a:prstGeom prst="rect">
+            <a:avLst/>
+          </a:prstGeom>
+          <a:solidFill>
+            <a:schemeClr val="bg1"/>
+          </a:solidFill>
+        </p:spPr>
+        <p:style>
+          <a:lnRef idx="2">
+            <a:schemeClr val="dk1">
+              <a:shade val="50000"/>
+            </a:schemeClr>
+          </a:lnRef>
+          <a:fillRef idx="1">
+            <a:schemeClr val="dk1"/>
+          </a:fillRef>
+          <a:effectRef idx="0">
+            <a:schemeClr val="dk1"/>
+          </a:effectRef>
+          <a:fontRef idx="minor">
+            <a:schemeClr val="lt1"/>
+          </a:fontRef>
+        </p:style>
+        <p:txBody>
+          <a:bodyPr rtlCol="0" anchor="ctr"/>
+          <a:lstStyle/>
+          <a:p>
+            <a:pPr algn="ctr"/>
+            <a:endParaRPr lang="de-DE"/>
+          </a:p>
+        </p:txBody>
+      </p:sp>
+      <p:sp>
+        <p:nvSpPr>
+          <p:cNvPr id="11" name="Rechteck 10"/>
+          <p:cNvSpPr/>
+          <p:nvPr/>
+        </p:nvSpPr>
+        <p:spPr>
+          <a:xfrm>
+            <a:off x="1630828" y="4178314"/>
+            <a:ext cx="311084" cy="245097"/>
+          </a:xfrm>
+          <a:prstGeom prst="rect">
+            <a:avLst/>
+          </a:prstGeom>
+          <a:solidFill>
+            <a:schemeClr val="bg1"/>
+          </a:solidFill>
+        </p:spPr>
+        <p:style>
+          <a:lnRef idx="2">
+            <a:schemeClr val="dk1">
+              <a:shade val="50000"/>
+            </a:schemeClr>
+          </a:lnRef>
+          <a:fillRef idx="1">
+            <a:schemeClr val="dk1"/>
+          </a:fillRef>
+          <a:effectRef idx="0">
+            <a:schemeClr val="dk1"/>
+          </a:effectRef>
+          <a:fontRef idx="minor">
+            <a:schemeClr val="lt1"/>
+          </a:fontRef>
+        </p:style>
+        <p:txBody>
+          <a:bodyPr rtlCol="0" anchor="ctr"/>
+          <a:lstStyle/>
+          <a:p>
+            <a:pPr algn="ctr"/>
+            <a:endParaRPr lang="de-DE"/>
+          </a:p>
+        </p:txBody>
+      </p:sp>
+      <p:sp>
+        <p:nvSpPr>
+          <p:cNvPr id="13" name="Multiplizieren 12"/>
+          <p:cNvSpPr/>
+          <p:nvPr/>
+        </p:nvSpPr>
+        <p:spPr>
+          <a:xfrm>
+            <a:off x="1647324" y="2737589"/>
+            <a:ext cx="278091" cy="331731"/>
+          </a:xfrm>
+          <a:prstGeom prst="mathMultiply">
+            <a:avLst/>
+          </a:prstGeom>
+          <a:solidFill>
+            <a:srgbClr val="FF0000"/>
+          </a:solidFill>
+          <a:ln>
+            <a:solidFill>
+              <a:srgbClr val="FF0000"/>
+            </a:solidFill>
+          </a:ln>
+        </p:spPr>
+        <p:style>
+          <a:lnRef idx="2">
+            <a:schemeClr val="accent1">
+              <a:shade val="50000"/>
+            </a:schemeClr>
+          </a:lnRef>
+          <a:fillRef idx="1">
+            <a:schemeClr val="accent1"/>
+          </a:fillRef>
+          <a:effectRef idx="0">
+            <a:schemeClr val="accent1"/>
+          </a:effectRef>
+          <a:fontRef idx="minor">
+            <a:schemeClr val="lt1"/>
+          </a:fontRef>
+        </p:style>
+        <p:txBody>
+          <a:bodyPr rtlCol="0" anchor="ctr"/>
+          <a:lstStyle/>
+          <a:p>
+            <a:pPr algn="ctr"/>
+            <a:endParaRPr lang="de-DE"/>
+          </a:p>
+        </p:txBody>
+      </p:sp>
+      <p:sp>
+        <p:nvSpPr>
+          <p:cNvPr id="14" name="Multiplizieren 13"/>
+          <p:cNvSpPr/>
+          <p:nvPr/>
+        </p:nvSpPr>
+        <p:spPr>
+          <a:xfrm>
+            <a:off x="1649680" y="3191868"/>
+            <a:ext cx="278091" cy="331731"/>
+          </a:xfrm>
+          <a:prstGeom prst="mathMultiply">
+            <a:avLst/>
+          </a:prstGeom>
+          <a:solidFill>
+            <a:srgbClr val="FF0000"/>
+          </a:solidFill>
+          <a:ln>
+            <a:solidFill>
+              <a:srgbClr val="FF0000"/>
+            </a:solidFill>
+          </a:ln>
+        </p:spPr>
+        <p:style>
+          <a:lnRef idx="2">
+            <a:schemeClr val="accent1">
+              <a:shade val="50000"/>
+            </a:schemeClr>
+          </a:lnRef>
+          <a:fillRef idx="1">
+            <a:schemeClr val="accent1"/>
+          </a:fillRef>
+          <a:effectRef idx="0">
+            <a:schemeClr val="accent1"/>
+          </a:effectRef>
+          <a:fontRef idx="minor">
+            <a:schemeClr val="lt1"/>
+          </a:fontRef>
+        </p:style>
+        <p:txBody>
+          <a:bodyPr rtlCol="0" anchor="ctr"/>
+          <a:lstStyle/>
+          <a:p>
+            <a:pPr algn="ctr"/>
+            <a:endParaRPr lang="de-DE"/>
+          </a:p>
+        </p:txBody>
+      </p:sp>
+      <p:sp>
+        <p:nvSpPr>
+          <p:cNvPr id="15" name="Multiplizieren 14"/>
+          <p:cNvSpPr/>
+          <p:nvPr/>
+        </p:nvSpPr>
+        <p:spPr>
+          <a:xfrm>
+            <a:off x="1663821" y="4134996"/>
+            <a:ext cx="278091" cy="331731"/>
+          </a:xfrm>
+          <a:prstGeom prst="mathMultiply">
+            <a:avLst/>
+          </a:prstGeom>
+          <a:solidFill>
+            <a:srgbClr val="FF0000"/>
+          </a:solidFill>
+          <a:ln>
+            <a:solidFill>
+              <a:srgbClr val="FF0000"/>
+            </a:solidFill>
+          </a:ln>
+        </p:spPr>
+        <p:style>
+          <a:lnRef idx="2">
+            <a:schemeClr val="accent1">
+              <a:shade val="50000"/>
+            </a:schemeClr>
+          </a:lnRef>
+          <a:fillRef idx="1">
+            <a:schemeClr val="accent1"/>
+          </a:fillRef>
+          <a:effectRef idx="0">
+            <a:schemeClr val="accent1"/>
+          </a:effectRef>
+          <a:fontRef idx="minor">
+            <a:schemeClr val="lt1"/>
+          </a:fontRef>
+        </p:style>
+        <p:txBody>
+          <a:bodyPr rtlCol="0" anchor="ctr"/>
+          <a:lstStyle/>
+          <a:p>
+            <a:pPr algn="ctr"/>
+            <a:endParaRPr lang="de-DE"/>
+          </a:p>
+        </p:txBody>
+      </p:sp>
+      <p:sp>
+        <p:nvSpPr>
+          <p:cNvPr id="16" name="Multiplizieren 15"/>
+          <p:cNvSpPr/>
+          <p:nvPr/>
+        </p:nvSpPr>
+        <p:spPr>
+          <a:xfrm>
+            <a:off x="1647324" y="3690810"/>
+            <a:ext cx="278091" cy="331731"/>
+          </a:xfrm>
+          <a:prstGeom prst="mathMultiply">
+            <a:avLst/>
+          </a:prstGeom>
+          <a:solidFill>
+            <a:srgbClr val="FF0000"/>
+          </a:solidFill>
+          <a:ln>
+            <a:solidFill>
+              <a:srgbClr val="FF0000"/>
+            </a:solidFill>
+          </a:ln>
+        </p:spPr>
+        <p:style>
+          <a:lnRef idx="2">
+            <a:schemeClr val="accent1">
+              <a:shade val="50000"/>
+            </a:schemeClr>
+          </a:lnRef>
+          <a:fillRef idx="1">
+            <a:schemeClr val="accent1"/>
+          </a:fillRef>
+          <a:effectRef idx="0">
+            <a:schemeClr val="accent1"/>
+          </a:effectRef>
+          <a:fontRef idx="minor">
+            <a:schemeClr val="lt1"/>
+          </a:fontRef>
+        </p:style>
+        <p:txBody>
+          <a:bodyPr rtlCol="0" anchor="ctr"/>
+          <a:lstStyle/>
+          <a:p>
+            <a:pPr algn="ctr"/>
+            <a:endParaRPr lang="de-DE"/>
+          </a:p>
+        </p:txBody>
+      </p:sp>
+      <p:cxnSp>
+        <p:nvCxnSpPr>
+          <p:cNvPr id="18" name="Gerader Verbinder 17"/>
+          <p:cNvCxnSpPr/>
+          <p:nvPr/>
+        </p:nvCxnSpPr>
+        <p:spPr>
+          <a:xfrm>
+            <a:off x="2187009" y="2903453"/>
+            <a:ext cx="254523" cy="0"/>
+          </a:xfrm>
+          <a:prstGeom prst="line">
+            <a:avLst/>
+          </a:prstGeom>
+        </p:spPr>
+        <p:style>
+          <a:lnRef idx="1">
+            <a:schemeClr val="dk1"/>
+          </a:lnRef>
+          <a:fillRef idx="0">
+            <a:schemeClr val="dk1"/>
+          </a:fillRef>
+          <a:effectRef idx="0">
+            <a:schemeClr val="dk1"/>
+          </a:effectRef>
+          <a:fontRef idx="minor">
+            <a:schemeClr val="tx1"/>
+          </a:fontRef>
+        </p:style>
+      </p:cxnSp>
+      <p:cxnSp>
+        <p:nvCxnSpPr>
+          <p:cNvPr id="21" name="Gerader Verbinder 20"/>
+          <p:cNvCxnSpPr/>
+          <p:nvPr/>
+        </p:nvCxnSpPr>
+        <p:spPr>
+          <a:xfrm>
+            <a:off x="2187009" y="2999292"/>
+            <a:ext cx="254523" cy="0"/>
+          </a:xfrm>
+          <a:prstGeom prst="line">
+            <a:avLst/>
+          </a:prstGeom>
+        </p:spPr>
+        <p:style>
+          <a:lnRef idx="1">
+            <a:schemeClr val="dk1"/>
+          </a:lnRef>
+          <a:fillRef idx="0">
+            <a:schemeClr val="dk1"/>
+          </a:fillRef>
+          <a:effectRef idx="0">
+            <a:schemeClr val="dk1"/>
+          </a:effectRef>
+          <a:fontRef idx="minor">
+            <a:schemeClr val="tx1"/>
+          </a:fontRef>
+        </p:style>
+      </p:cxnSp>
+      <p:cxnSp>
+        <p:nvCxnSpPr>
+          <p:cNvPr id="22" name="Gerader Verbinder 21"/>
+          <p:cNvCxnSpPr/>
+          <p:nvPr/>
+        </p:nvCxnSpPr>
+        <p:spPr>
+          <a:xfrm>
+            <a:off x="2187009" y="3235186"/>
+            <a:ext cx="254523" cy="0"/>
+          </a:xfrm>
+          <a:prstGeom prst="line">
+            <a:avLst/>
+          </a:prstGeom>
+        </p:spPr>
+        <p:style>
+          <a:lnRef idx="1">
+            <a:schemeClr val="dk1"/>
+          </a:lnRef>
+          <a:fillRef idx="0">
+            <a:schemeClr val="dk1"/>
+          </a:fillRef>
+          <a:effectRef idx="0">
+            <a:schemeClr val="dk1"/>
+          </a:effectRef>
+          <a:fontRef idx="minor">
+            <a:schemeClr val="tx1"/>
+          </a:fontRef>
+        </p:style>
+      </p:cxnSp>
+      <p:cxnSp>
+        <p:nvCxnSpPr>
+          <p:cNvPr id="23" name="Gerader Verbinder 22"/>
+          <p:cNvCxnSpPr/>
+          <p:nvPr/>
+        </p:nvCxnSpPr>
+        <p:spPr>
+          <a:xfrm>
+            <a:off x="2187008" y="3357733"/>
+            <a:ext cx="254523" cy="0"/>
+          </a:xfrm>
+          <a:prstGeom prst="line">
+            <a:avLst/>
+          </a:prstGeom>
+        </p:spPr>
+        <p:style>
+          <a:lnRef idx="1">
+            <a:schemeClr val="dk1"/>
+          </a:lnRef>
+          <a:fillRef idx="0">
+            <a:schemeClr val="dk1"/>
+          </a:fillRef>
+          <a:effectRef idx="0">
+            <a:schemeClr val="dk1"/>
+          </a:effectRef>
+          <a:fontRef idx="minor">
+            <a:schemeClr val="tx1"/>
+          </a:fontRef>
+        </p:style>
+      </p:cxnSp>
+      <p:cxnSp>
+        <p:nvCxnSpPr>
+          <p:cNvPr id="24" name="Gerader Verbinder 23"/>
+          <p:cNvCxnSpPr/>
+          <p:nvPr/>
+        </p:nvCxnSpPr>
+        <p:spPr>
+          <a:xfrm>
+            <a:off x="2187008" y="3480283"/>
+            <a:ext cx="254523" cy="0"/>
+          </a:xfrm>
+          <a:prstGeom prst="line">
+            <a:avLst/>
+          </a:prstGeom>
+        </p:spPr>
+        <p:style>
+          <a:lnRef idx="1">
+            <a:schemeClr val="dk1"/>
+          </a:lnRef>
+          <a:fillRef idx="0">
+            <a:schemeClr val="dk1"/>
+          </a:fillRef>
+          <a:effectRef idx="0">
+            <a:schemeClr val="dk1"/>
+          </a:effectRef>
+          <a:fontRef idx="minor">
+            <a:schemeClr val="tx1"/>
+          </a:fontRef>
+        </p:style>
+      </p:cxnSp>
+      <p:cxnSp>
+        <p:nvCxnSpPr>
+          <p:cNvPr id="26" name="Gerader Verbinder 25"/>
+          <p:cNvCxnSpPr/>
+          <p:nvPr/>
+        </p:nvCxnSpPr>
+        <p:spPr>
+          <a:xfrm>
+            <a:off x="2187007" y="4274149"/>
+            <a:ext cx="254523" cy="0"/>
+          </a:xfrm>
+          <a:prstGeom prst="line">
+            <a:avLst/>
+          </a:prstGeom>
+        </p:spPr>
+        <p:style>
+          <a:lnRef idx="1">
+            <a:schemeClr val="dk1"/>
+          </a:lnRef>
+          <a:fillRef idx="0">
+            <a:schemeClr val="dk1"/>
+          </a:fillRef>
+          <a:effectRef idx="0">
+            <a:schemeClr val="dk1"/>
+          </a:effectRef>
+          <a:fontRef idx="minor">
+            <a:schemeClr val="tx1"/>
+          </a:fontRef>
+        </p:style>
+      </p:cxnSp>
+      <p:cxnSp>
+        <p:nvCxnSpPr>
+          <p:cNvPr id="27" name="Gerader Verbinder 26"/>
+          <p:cNvCxnSpPr/>
+          <p:nvPr/>
+        </p:nvCxnSpPr>
+        <p:spPr>
+          <a:xfrm>
+            <a:off x="2187006" y="4178314"/>
+            <a:ext cx="254523" cy="0"/>
+          </a:xfrm>
+          <a:prstGeom prst="line">
+            <a:avLst/>
+          </a:prstGeom>
+        </p:spPr>
+        <p:style>
+          <a:lnRef idx="1">
+            <a:schemeClr val="dk1"/>
+          </a:lnRef>
+          <a:fillRef idx="0">
+            <a:schemeClr val="dk1"/>
+          </a:fillRef>
+          <a:effectRef idx="0">
+            <a:schemeClr val="dk1"/>
+          </a:effectRef>
+          <a:fontRef idx="minor">
+            <a:schemeClr val="tx1"/>
+          </a:fontRef>
+        </p:style>
+      </p:cxnSp>
+      <p:pic>
+        <p:nvPicPr>
+          <p:cNvPr id="2050" name="Picture 2" descr="https://upload.wikimedia.org/wikipedia/commons/thumb/9/92/The_death.png/113px-The_death.png"/>
+          <p:cNvPicPr>
+            <a:picLocks noChangeAspect="1" noChangeArrowheads="1"/>
+          </p:cNvPicPr>
+          <p:nvPr/>
+        </p:nvPicPr>
+        <p:blipFill>
+          <a:blip r:embed="rId2">
+            <a:extLst>
+              <a:ext uri="{28A0092B-C50C-407E-A947-70E740481C1C}">
+                <a14:useLocalDpi xmlns:a14="http://schemas.microsoft.com/office/drawing/2010/main" val="0"/>
+              </a:ext>
+            </a:extLst>
+          </a:blip>
+          <a:srcRect/>
+          <a:stretch>
+            <a:fillRect/>
+          </a:stretch>
+        </p:blipFill>
+        <p:spPr bwMode="auto">
+          <a:xfrm>
+            <a:off x="1827431" y="4745049"/>
+            <a:ext cx="501861" cy="532950"/>
+          </a:xfrm>
+          <a:prstGeom prst="rect">
+            <a:avLst/>
+          </a:prstGeom>
+          <a:noFill/>
+          <a:extLst>
+            <a:ext uri="{909E8E84-426E-40DD-AFC4-6F175D3DCCD1}">
+              <a14:hiddenFill xmlns:a14="http://schemas.microsoft.com/office/drawing/2010/main">
+                <a:solidFill>
+                  <a:srgbClr val="FFFFFF"/>
+                </a:solidFill>
+              </a14:hiddenFill>
+            </a:ext>
+          </a:extLst>
+        </p:spPr>
+      </p:pic>
+      <p:pic>
+        <p:nvPicPr>
+          <p:cNvPr id="28" name="Grafik 27"/>
+          <p:cNvPicPr>
+            <a:picLocks noChangeAspect="1"/>
+          </p:cNvPicPr>
+          <p:nvPr/>
+        </p:nvPicPr>
+        <p:blipFill>
+          <a:blip r:embed="rId3" cstate="print">
+            <a:extLst>
+              <a:ext uri="{28A0092B-C50C-407E-A947-70E740481C1C}">
+                <a14:useLocalDpi xmlns:a14="http://schemas.microsoft.com/office/drawing/2010/main" val="0"/>
+              </a:ext>
+            </a:extLst>
+          </a:blip>
+          <a:stretch>
+            <a:fillRect/>
+          </a:stretch>
+        </p:blipFill>
+        <p:spPr>
+          <a:xfrm>
+            <a:off x="2217534" y="3738293"/>
+            <a:ext cx="186275" cy="274156"/>
+          </a:xfrm>
+          <a:prstGeom prst="rect">
+            <a:avLst/>
+          </a:prstGeom>
+        </p:spPr>
+      </p:pic>
+      <p:sp>
+        <p:nvSpPr>
+          <p:cNvPr id="3" name="Rechteck 2"/>
+          <p:cNvSpPr/>
+          <p:nvPr/>
+        </p:nvSpPr>
+        <p:spPr>
+          <a:xfrm>
+            <a:off x="3365370" y="2020930"/>
+            <a:ext cx="1225485" cy="978362"/>
+          </a:xfrm>
+          <a:prstGeom prst="rect">
+            <a:avLst/>
+          </a:prstGeom>
+        </p:spPr>
+        <p:style>
+          <a:lnRef idx="2">
+            <a:schemeClr val="accent1">
+              <a:shade val="50000"/>
+            </a:schemeClr>
+          </a:lnRef>
+          <a:fillRef idx="1">
+            <a:schemeClr val="accent1"/>
+          </a:fillRef>
+          <a:effectRef idx="0">
+            <a:schemeClr val="accent1"/>
+          </a:effectRef>
+          <a:fontRef idx="minor">
+            <a:schemeClr val="lt1"/>
+          </a:fontRef>
+        </p:style>
+        <p:txBody>
+          <a:bodyPr rtlCol="0" anchor="ctr"/>
+          <a:lstStyle/>
+          <a:p>
+            <a:pPr algn="ctr"/>
+            <a:r>
+              <a:rPr lang="de-DE" dirty="0" smtClean="0"/>
+              <a:t>Chaträume</a:t>
+            </a:r>
+            <a:endParaRPr lang="de-DE" dirty="0"/>
+          </a:p>
+        </p:txBody>
+      </p:sp>
+      <p:sp>
+        <p:nvSpPr>
+          <p:cNvPr id="25" name="Rechteck 24"/>
+          <p:cNvSpPr/>
+          <p:nvPr/>
+        </p:nvSpPr>
+        <p:spPr>
+          <a:xfrm>
+            <a:off x="5990722" y="2032247"/>
+            <a:ext cx="1225485" cy="978362"/>
+          </a:xfrm>
+          <a:prstGeom prst="rect">
+            <a:avLst/>
+          </a:prstGeom>
+        </p:spPr>
+        <p:style>
+          <a:lnRef idx="2">
+            <a:schemeClr val="accent1">
+              <a:shade val="50000"/>
+            </a:schemeClr>
+          </a:lnRef>
+          <a:fillRef idx="1">
+            <a:schemeClr val="accent1"/>
+          </a:fillRef>
+          <a:effectRef idx="0">
+            <a:schemeClr val="accent1"/>
+          </a:effectRef>
+          <a:fontRef idx="minor">
+            <a:schemeClr val="lt1"/>
+          </a:fontRef>
+        </p:style>
+        <p:txBody>
+          <a:bodyPr rtlCol="0" anchor="ctr"/>
+          <a:lstStyle/>
+          <a:p>
+            <a:pPr algn="ctr"/>
+            <a:r>
+              <a:rPr lang="de-DE" dirty="0" smtClean="0"/>
+              <a:t>Server</a:t>
+            </a:r>
+          </a:p>
+          <a:p>
+            <a:pPr algn="ctr"/>
+            <a:r>
+              <a:rPr lang="de-DE" dirty="0" smtClean="0"/>
+              <a:t>Client</a:t>
+            </a:r>
+            <a:endParaRPr lang="de-DE" dirty="0"/>
+          </a:p>
+        </p:txBody>
+      </p:sp>
+      <p:sp>
+        <p:nvSpPr>
+          <p:cNvPr id="4" name="Pfeil nach rechts 3"/>
+          <p:cNvSpPr/>
+          <p:nvPr/>
+        </p:nvSpPr>
+        <p:spPr>
+          <a:xfrm>
+            <a:off x="4742670" y="2267795"/>
+            <a:ext cx="978408" cy="484632"/>
+          </a:xfrm>
+          <a:prstGeom prst="rightArrow">
+            <a:avLst/>
+          </a:prstGeom>
+        </p:spPr>
+        <p:style>
+          <a:lnRef idx="2">
+            <a:schemeClr val="accent1">
+              <a:shade val="50000"/>
+            </a:schemeClr>
+          </a:lnRef>
+          <a:fillRef idx="1">
+            <a:schemeClr val="accent1"/>
+          </a:fillRef>
+          <a:effectRef idx="0">
+            <a:schemeClr val="accent1"/>
+          </a:effectRef>
+          <a:fontRef idx="minor">
+            <a:schemeClr val="lt1"/>
+          </a:fontRef>
+        </p:style>
+        <p:txBody>
+          <a:bodyPr rtlCol="0" anchor="ctr"/>
+          <a:lstStyle/>
+          <a:p>
+            <a:pPr algn="ctr"/>
+            <a:endParaRPr lang="de-DE"/>
+          </a:p>
+        </p:txBody>
+      </p:sp>
+      <p:sp>
+        <p:nvSpPr>
+          <p:cNvPr id="5" name="Pfeil nach rechts 4"/>
+          <p:cNvSpPr/>
+          <p:nvPr/>
+        </p:nvSpPr>
+        <p:spPr>
+          <a:xfrm rot="2576998">
+            <a:off x="5591084" y="5279894"/>
+            <a:ext cx="978408" cy="484632"/>
+          </a:xfrm>
+          <a:prstGeom prst="rightArrow">
+            <a:avLst/>
+          </a:prstGeom>
+        </p:spPr>
+        <p:style>
+          <a:lnRef idx="2">
+            <a:schemeClr val="accent1">
+              <a:shade val="50000"/>
+            </a:schemeClr>
+          </a:lnRef>
+          <a:fillRef idx="1">
+            <a:schemeClr val="accent1"/>
+          </a:fillRef>
+          <a:effectRef idx="0">
+            <a:schemeClr val="accent1"/>
+          </a:effectRef>
+          <a:fontRef idx="minor">
+            <a:schemeClr val="lt1"/>
+          </a:fontRef>
+        </p:style>
+        <p:txBody>
+          <a:bodyPr rtlCol="0" anchor="ctr"/>
+          <a:lstStyle/>
+          <a:p>
+            <a:pPr algn="ctr"/>
+            <a:endParaRPr lang="de-DE"/>
+          </a:p>
+        </p:txBody>
+      </p:sp>
+      <p:sp>
+        <p:nvSpPr>
+          <p:cNvPr id="32" name="Rechteck 31"/>
+          <p:cNvSpPr/>
+          <p:nvPr/>
+        </p:nvSpPr>
+        <p:spPr>
+          <a:xfrm>
+            <a:off x="4590853" y="3784968"/>
+            <a:ext cx="1225485" cy="978362"/>
+          </a:xfrm>
+          <a:prstGeom prst="rect">
+            <a:avLst/>
+          </a:prstGeom>
+        </p:spPr>
+        <p:style>
+          <a:lnRef idx="2">
+            <a:schemeClr val="accent1">
+              <a:shade val="50000"/>
+            </a:schemeClr>
+          </a:lnRef>
+          <a:fillRef idx="1">
+            <a:schemeClr val="accent1"/>
+          </a:fillRef>
+          <a:effectRef idx="0">
+            <a:schemeClr val="accent1"/>
+          </a:effectRef>
+          <a:fontRef idx="minor">
+            <a:schemeClr val="lt1"/>
+          </a:fontRef>
+        </p:style>
+        <p:txBody>
+          <a:bodyPr rtlCol="0" anchor="ctr"/>
+          <a:lstStyle/>
+          <a:p>
+            <a:pPr algn="ctr"/>
+            <a:r>
+              <a:rPr lang="de-DE" dirty="0" smtClean="0"/>
+              <a:t>Chaträume</a:t>
+            </a:r>
+            <a:endParaRPr lang="de-DE" dirty="0"/>
+          </a:p>
+        </p:txBody>
+      </p:sp>
+      <p:sp>
+        <p:nvSpPr>
+          <p:cNvPr id="33" name="Rechteck 32"/>
+          <p:cNvSpPr/>
+          <p:nvPr/>
+        </p:nvSpPr>
+        <p:spPr>
+          <a:xfrm>
+            <a:off x="7041821" y="3784968"/>
+            <a:ext cx="1225485" cy="978362"/>
+          </a:xfrm>
+          <a:prstGeom prst="rect">
+            <a:avLst/>
+          </a:prstGeom>
+        </p:spPr>
+        <p:style>
+          <a:lnRef idx="2">
+            <a:schemeClr val="accent1">
+              <a:shade val="50000"/>
+            </a:schemeClr>
+          </a:lnRef>
+          <a:fillRef idx="1">
+            <a:schemeClr val="accent1"/>
+          </a:fillRef>
+          <a:effectRef idx="0">
+            <a:schemeClr val="accent1"/>
+          </a:effectRef>
+          <a:fontRef idx="minor">
+            <a:schemeClr val="lt1"/>
+          </a:fontRef>
+        </p:style>
+        <p:txBody>
+          <a:bodyPr rtlCol="0" anchor="ctr"/>
+          <a:lstStyle/>
+          <a:p>
+            <a:pPr algn="ctr"/>
+            <a:r>
+              <a:rPr lang="de-DE" dirty="0" smtClean="0"/>
+              <a:t>Server</a:t>
+            </a:r>
+          </a:p>
+        </p:txBody>
+      </p:sp>
+      <p:sp>
+        <p:nvSpPr>
+          <p:cNvPr id="34" name="Rechteck 33"/>
+          <p:cNvSpPr/>
+          <p:nvPr/>
+        </p:nvSpPr>
+        <p:spPr>
+          <a:xfrm>
+            <a:off x="7041821" y="5397980"/>
+            <a:ext cx="1225485" cy="978362"/>
+          </a:xfrm>
+          <a:prstGeom prst="rect">
+            <a:avLst/>
+          </a:prstGeom>
+        </p:spPr>
+        <p:style>
+          <a:lnRef idx="2">
+            <a:schemeClr val="accent1">
+              <a:shade val="50000"/>
+            </a:schemeClr>
+          </a:lnRef>
+          <a:fillRef idx="1">
+            <a:schemeClr val="accent1"/>
+          </a:fillRef>
+          <a:effectRef idx="0">
+            <a:schemeClr val="accent1"/>
+          </a:effectRef>
+          <a:fontRef idx="minor">
+            <a:schemeClr val="lt1"/>
+          </a:fontRef>
+        </p:style>
+        <p:txBody>
+          <a:bodyPr rtlCol="0" anchor="ctr"/>
+          <a:lstStyle/>
+          <a:p>
+            <a:pPr algn="ctr"/>
+            <a:r>
+              <a:rPr lang="de-DE" dirty="0" smtClean="0"/>
+              <a:t>Client</a:t>
+            </a:r>
+            <a:endParaRPr lang="de-DE" dirty="0"/>
+          </a:p>
+        </p:txBody>
+      </p:sp>
+      <p:sp>
+        <p:nvSpPr>
+          <p:cNvPr id="35" name="Pfeil nach rechts 34"/>
+          <p:cNvSpPr/>
+          <p:nvPr/>
+        </p:nvSpPr>
+        <p:spPr>
+          <a:xfrm>
+            <a:off x="5939875" y="3677812"/>
+            <a:ext cx="978408" cy="484632"/>
+          </a:xfrm>
+          <a:prstGeom prst="rightArrow">
+            <a:avLst/>
+          </a:prstGeom>
+        </p:spPr>
+        <p:style>
+          <a:lnRef idx="2">
+            <a:schemeClr val="accent1">
+              <a:shade val="50000"/>
+            </a:schemeClr>
+          </a:lnRef>
+          <a:fillRef idx="1">
+            <a:schemeClr val="accent1"/>
+          </a:fillRef>
+          <a:effectRef idx="0">
+            <a:schemeClr val="accent1"/>
+          </a:effectRef>
+          <a:fontRef idx="minor">
+            <a:schemeClr val="lt1"/>
+          </a:fontRef>
+        </p:style>
+        <p:txBody>
+          <a:bodyPr rtlCol="0" anchor="ctr"/>
+          <a:lstStyle/>
+          <a:p>
+            <a:pPr algn="ctr"/>
+            <a:endParaRPr lang="de-DE"/>
+          </a:p>
+        </p:txBody>
+      </p:sp>
+      <p:sp>
+        <p:nvSpPr>
+          <p:cNvPr id="36" name="Pfeil nach rechts 35"/>
+          <p:cNvSpPr/>
+          <p:nvPr/>
+        </p:nvSpPr>
+        <p:spPr>
+          <a:xfrm rot="5400000">
+            <a:off x="7240276" y="4877427"/>
+            <a:ext cx="978408" cy="484632"/>
+          </a:xfrm>
+          <a:prstGeom prst="rightArrow">
+            <a:avLst/>
+          </a:prstGeom>
+        </p:spPr>
+        <p:style>
+          <a:lnRef idx="2">
+            <a:schemeClr val="accent1">
+              <a:shade val="50000"/>
+            </a:schemeClr>
+          </a:lnRef>
+          <a:fillRef idx="1">
+            <a:schemeClr val="accent1"/>
+          </a:fillRef>
+          <a:effectRef idx="0">
+            <a:schemeClr val="accent1"/>
+          </a:effectRef>
+          <a:fontRef idx="minor">
+            <a:schemeClr val="lt1"/>
+          </a:fontRef>
+        </p:style>
+        <p:txBody>
+          <a:bodyPr rtlCol="0" anchor="ctr"/>
+          <a:lstStyle/>
+          <a:p>
+            <a:pPr algn="ctr"/>
+            <a:endParaRPr lang="de-DE"/>
+          </a:p>
+        </p:txBody>
+      </p:sp>
+      <p:sp>
+        <p:nvSpPr>
+          <p:cNvPr id="37" name="Pfeil nach rechts 36"/>
+          <p:cNvSpPr/>
+          <p:nvPr/>
+        </p:nvSpPr>
+        <p:spPr>
+          <a:xfrm rot="10800000">
+            <a:off x="5939875" y="4300861"/>
+            <a:ext cx="978408" cy="484632"/>
+          </a:xfrm>
+          <a:prstGeom prst="rightArrow">
+            <a:avLst/>
+          </a:prstGeom>
+        </p:spPr>
+        <p:style>
+          <a:lnRef idx="2">
+            <a:schemeClr val="accent1">
+              <a:shade val="50000"/>
+            </a:schemeClr>
+          </a:lnRef>
+          <a:fillRef idx="1">
+            <a:schemeClr val="accent1"/>
+          </a:fillRef>
+          <a:effectRef idx="0">
+            <a:schemeClr val="accent1"/>
+          </a:effectRef>
+          <a:fontRef idx="minor">
+            <a:schemeClr val="lt1"/>
+          </a:fontRef>
+        </p:style>
+        <p:txBody>
+          <a:bodyPr rtlCol="0" anchor="ctr"/>
+          <a:lstStyle/>
+          <a:p>
+            <a:pPr algn="ctr"/>
+            <a:endParaRPr lang="de-DE"/>
+          </a:p>
+        </p:txBody>
+      </p:sp>
+    </p:spTree>
+    <p:extLst>
+      <p:ext uri="{BB962C8B-B14F-4D97-AF65-F5344CB8AC3E}">
+        <p14:creationId xmlns:p14="http://schemas.microsoft.com/office/powerpoint/2010/main" val="3629875903"/>
+      </p:ext>
+    </p:extLst>
+  </p:cSld>
+  <p:clrMapOvr>
+    <a:masterClrMapping/>
+  </p:clrMapOvr>
+  <p:timing>
+    <p:tnLst>
+      <p:par>
+        <p:cTn id="1" dur="indefinite" restart="never" nodeType="tmRoot"/>
+      </p:par>
+    </p:tnLst>
+  </p:timing>
+</p:sld>
+</file>
+
 <file path=ppt/slides/slide2.xml><?xml version="1.0" encoding="utf-8"?>
 <p:sld xmlns:a="http://schemas.openxmlformats.org/drawingml/2006/main" xmlns:r="http://schemas.openxmlformats.org/officeDocument/2006/relationships" xmlns:p="http://schemas.openxmlformats.org/presentationml/2006/main">
   <p:cSld>
@@ -1527,8 +3287,16 @@
           <a:p>
             <a:r>
               <a:rPr lang="de-DE" dirty="0" smtClean="0"/>
-              <a:t>Projektidee und Vorgehen</a:t>
-            </a:r>
+              <a:t>Projektidee </a:t>
+            </a:r>
+            <a:endParaRPr lang="de-DE" dirty="0"/>
+          </a:p>
+          <a:p>
+            <a:r>
+              <a:rPr lang="de-DE" dirty="0" smtClean="0"/>
+              <a:t>Vorgehen</a:t>
+            </a:r>
+            <a:endParaRPr lang="de-DE" dirty="0" smtClean="0"/>
           </a:p>
           <a:p>
             <a:r>
@@ -1547,6 +3315,13 @@
               <a:rPr lang="de-DE" dirty="0" smtClean="0"/>
               <a:t>Anwendungspräsentation</a:t>
             </a:r>
+          </a:p>
+          <a:p>
+            <a:r>
+              <a:rPr lang="de-DE" dirty="0" smtClean="0"/>
+              <a:t>Erweiterbarkeit</a:t>
+            </a:r>
+            <a:endParaRPr lang="de-DE" dirty="0" smtClean="0"/>
           </a:p>
           <a:p>
             <a:r>
@@ -1567,6 +3342,2549 @@
   <p:clrMapOvr>
     <a:masterClrMapping/>
   </p:clrMapOvr>
+</p:sld>
+</file>
+
+<file path=ppt/slides/slide3.xml><?xml version="1.0" encoding="utf-8"?>
+<p:sld xmlns:a="http://schemas.openxmlformats.org/drawingml/2006/main" xmlns:r="http://schemas.openxmlformats.org/officeDocument/2006/relationships" xmlns:p="http://schemas.openxmlformats.org/presentationml/2006/main">
+  <p:cSld>
+    <p:spTree>
+      <p:nvGrpSpPr>
+        <p:cNvPr id="1" name=""/>
+        <p:cNvGrpSpPr/>
+        <p:nvPr/>
+      </p:nvGrpSpPr>
+      <p:grpSpPr>
+        <a:xfrm>
+          <a:off x="0" y="0"/>
+          <a:ext cx="0" cy="0"/>
+          <a:chOff x="0" y="0"/>
+          <a:chExt cx="0" cy="0"/>
+        </a:xfrm>
+      </p:grpSpPr>
+      <p:sp>
+        <p:nvSpPr>
+          <p:cNvPr id="2" name="Titel 1"/>
+          <p:cNvSpPr>
+            <a:spLocks noGrp="1"/>
+          </p:cNvSpPr>
+          <p:nvPr>
+            <p:ph type="title"/>
+          </p:nvPr>
+        </p:nvSpPr>
+        <p:spPr>
+          <a:xfrm>
+            <a:off x="360000" y="1317222"/>
+            <a:ext cx="8246118" cy="569556"/>
+          </a:xfrm>
+        </p:spPr>
+        <p:txBody>
+          <a:bodyPr/>
+          <a:lstStyle/>
+          <a:p>
+            <a:r>
+              <a:rPr lang="de-DE" dirty="0" smtClean="0"/>
+              <a:t>Projektidee</a:t>
+            </a:r>
+            <a:endParaRPr lang="de-DE" dirty="0"/>
+          </a:p>
+        </p:txBody>
+      </p:sp>
+      <p:pic>
+        <p:nvPicPr>
+          <p:cNvPr id="1026" name="Picture 2" descr="https://bestwinsoft.com/images/ICQ_1.png"/>
+          <p:cNvPicPr>
+            <a:picLocks noChangeAspect="1" noChangeArrowheads="1"/>
+          </p:cNvPicPr>
+          <p:nvPr/>
+        </p:nvPicPr>
+        <p:blipFill>
+          <a:blip r:embed="rId5">
+            <a:extLst>
+              <a:ext uri="{28A0092B-C50C-407E-A947-70E740481C1C}">
+                <a14:useLocalDpi xmlns:a14="http://schemas.microsoft.com/office/drawing/2010/main" val="0"/>
+              </a:ext>
+            </a:extLst>
+          </a:blip>
+          <a:srcRect/>
+          <a:stretch>
+            <a:fillRect/>
+          </a:stretch>
+        </p:blipFill>
+        <p:spPr bwMode="auto">
+          <a:xfrm>
+            <a:off x="1868965" y="2020852"/>
+            <a:ext cx="5437357" cy="3843273"/>
+          </a:xfrm>
+          <a:prstGeom prst="rect">
+            <a:avLst/>
+          </a:prstGeom>
+          <a:noFill/>
+          <a:extLst>
+            <a:ext uri="{909E8E84-426E-40DD-AFC4-6F175D3DCCD1}">
+              <a14:hiddenFill xmlns:a14="http://schemas.microsoft.com/office/drawing/2010/main">
+                <a:solidFill>
+                  <a:srgbClr val="FFFFFF"/>
+                </a:solidFill>
+              </a14:hiddenFill>
+            </a:ext>
+          </a:extLst>
+        </p:spPr>
+      </p:pic>
+      <p:pic>
+        <p:nvPicPr>
+          <p:cNvPr id="4" name="icq - sms">
+            <a:hlinkClick r:id="" action="ppaction://media"/>
+          </p:cNvPr>
+          <p:cNvPicPr>
+            <a:picLocks noChangeAspect="1"/>
+          </p:cNvPicPr>
+          <p:nvPr>
+            <a:audioFile r:link="rId2"/>
+            <p:extLst>
+              <p:ext uri="{DAA4B4D4-6D71-4841-9C94-3DE7FCFB9230}">
+                <p14:media xmlns:p14="http://schemas.microsoft.com/office/powerpoint/2010/main" r:embed="rId1"/>
+              </p:ext>
+            </p:extLst>
+          </p:nvPr>
+        </p:nvPicPr>
+        <p:blipFill>
+          <a:blip r:embed="rId6"/>
+          <a:stretch>
+            <a:fillRect/>
+          </a:stretch>
+        </p:blipFill>
+        <p:spPr>
+          <a:xfrm>
+            <a:off x="7680106" y="5620444"/>
+            <a:ext cx="487362" cy="487362"/>
+          </a:xfrm>
+          <a:prstGeom prst="rect">
+            <a:avLst/>
+          </a:prstGeom>
+        </p:spPr>
+      </p:pic>
+    </p:spTree>
+    <p:extLst>
+      <p:ext uri="{BB962C8B-B14F-4D97-AF65-F5344CB8AC3E}">
+        <p14:creationId xmlns:p14="http://schemas.microsoft.com/office/powerpoint/2010/main" val="65982326"/>
+      </p:ext>
+    </p:extLst>
+  </p:cSld>
+  <p:clrMapOvr>
+    <a:masterClrMapping/>
+  </p:clrMapOvr>
+  <p:timing>
+    <p:tnLst>
+      <p:par>
+        <p:cTn id="1" dur="indefinite" restart="never" nodeType="tmRoot">
+          <p:childTnLst>
+            <p:seq concurrent="1" nextAc="seek">
+              <p:cTn id="2" restart="whenNotActive" fill="hold" evtFilter="cancelBubble" nodeType="interactiveSeq">
+                <p:stCondLst>
+                  <p:cond evt="onClick" delay="0">
+                    <p:tgtEl>
+                      <p:spTgt spid="4"/>
+                    </p:tgtEl>
+                  </p:cond>
+                </p:stCondLst>
+                <p:endSync evt="end" delay="0">
+                  <p:rtn val="all"/>
+                </p:endSync>
+                <p:childTnLst>
+                  <p:par>
+                    <p:cTn id="3" fill="hold">
+                      <p:stCondLst>
+                        <p:cond delay="0"/>
+                      </p:stCondLst>
+                      <p:childTnLst>
+                        <p:par>
+                          <p:cTn id="4" fill="hold">
+                            <p:stCondLst>
+                              <p:cond delay="0"/>
+                            </p:stCondLst>
+                            <p:childTnLst>
+                              <p:par>
+                                <p:cTn id="5" presetID="1" presetClass="mediacall" presetSubtype="0" fill="hold" nodeType="clickEffect">
+                                  <p:stCondLst>
+                                    <p:cond delay="0"/>
+                                  </p:stCondLst>
+                                  <p:childTnLst>
+                                    <p:cmd type="call" cmd="playFrom(0.0)">
+                                      <p:cBhvr>
+                                        <p:cTn id="6" dur="1724" fill="hold"/>
+                                        <p:tgtEl>
+                                          <p:spTgt spid="4"/>
+                                        </p:tgtEl>
+                                      </p:cBhvr>
+                                    </p:cmd>
+                                  </p:childTnLst>
+                                </p:cTn>
+                              </p:par>
+                            </p:childTnLst>
+                          </p:cTn>
+                        </p:par>
+                      </p:childTnLst>
+                    </p:cTn>
+                  </p:par>
+                </p:childTnLst>
+              </p:cTn>
+              <p:nextCondLst>
+                <p:cond evt="onClick" delay="0">
+                  <p:tgtEl>
+                    <p:spTgt spid="4"/>
+                  </p:tgtEl>
+                </p:cond>
+              </p:nextCondLst>
+            </p:seq>
+            <p:audio>
+              <p:cMediaNode vol="100000">
+                <p:cTn id="7" fill="hold" display="0">
+                  <p:stCondLst>
+                    <p:cond delay="indefinite"/>
+                  </p:stCondLst>
+                  <p:endCondLst>
+                    <p:cond evt="onStopAudio" delay="0">
+                      <p:tgtEl>
+                        <p:sldTgt/>
+                      </p:tgtEl>
+                    </p:cond>
+                  </p:endCondLst>
+                </p:cTn>
+                <p:tgtEl>
+                  <p:spTgt spid="4"/>
+                </p:tgtEl>
+              </p:cMediaNode>
+            </p:audio>
+          </p:childTnLst>
+        </p:cTn>
+      </p:par>
+    </p:tnLst>
+  </p:timing>
+</p:sld>
+</file>
+
+<file path=ppt/slides/slide4.xml><?xml version="1.0" encoding="utf-8"?>
+<p:sld xmlns:a="http://schemas.openxmlformats.org/drawingml/2006/main" xmlns:r="http://schemas.openxmlformats.org/officeDocument/2006/relationships" xmlns:p="http://schemas.openxmlformats.org/presentationml/2006/main">
+  <p:cSld>
+    <p:spTree>
+      <p:nvGrpSpPr>
+        <p:cNvPr id="1" name=""/>
+        <p:cNvGrpSpPr/>
+        <p:nvPr/>
+      </p:nvGrpSpPr>
+      <p:grpSpPr>
+        <a:xfrm>
+          <a:off x="0" y="0"/>
+          <a:ext cx="0" cy="0"/>
+          <a:chOff x="0" y="0"/>
+          <a:chExt cx="0" cy="0"/>
+        </a:xfrm>
+      </p:grpSpPr>
+      <p:sp>
+        <p:nvSpPr>
+          <p:cNvPr id="2" name="Titel 1"/>
+          <p:cNvSpPr>
+            <a:spLocks noGrp="1"/>
+          </p:cNvSpPr>
+          <p:nvPr>
+            <p:ph type="title"/>
+          </p:nvPr>
+        </p:nvSpPr>
+        <p:spPr>
+          <a:xfrm>
+            <a:off x="360000" y="1317222"/>
+            <a:ext cx="8246118" cy="569556"/>
+          </a:xfrm>
+        </p:spPr>
+        <p:txBody>
+          <a:bodyPr/>
+          <a:lstStyle/>
+          <a:p>
+            <a:r>
+              <a:rPr lang="de-DE" dirty="0" smtClean="0"/>
+              <a:t>Vorgehen</a:t>
+            </a:r>
+            <a:endParaRPr lang="de-DE" dirty="0"/>
+          </a:p>
+        </p:txBody>
+      </p:sp>
+      <p:sp>
+        <p:nvSpPr>
+          <p:cNvPr id="3" name="Inhaltsplatzhalter 2"/>
+          <p:cNvSpPr>
+            <a:spLocks noGrp="1"/>
+          </p:cNvSpPr>
+          <p:nvPr>
+            <p:ph idx="1"/>
+          </p:nvPr>
+        </p:nvSpPr>
+        <p:spPr/>
+        <p:txBody>
+          <a:bodyPr/>
+          <a:lstStyle/>
+          <a:p>
+            <a:r>
+              <a:rPr lang="de-DE" dirty="0" smtClean="0"/>
+              <a:t>Fällt </a:t>
+            </a:r>
+            <a:r>
+              <a:rPr lang="de-DE" dirty="0" err="1" smtClean="0"/>
+              <a:t>evtl</a:t>
+            </a:r>
+            <a:r>
+              <a:rPr lang="de-DE" dirty="0" smtClean="0"/>
+              <a:t> raus, diskutierbar.</a:t>
+            </a:r>
+          </a:p>
+          <a:p>
+            <a:r>
+              <a:rPr lang="de-DE" dirty="0" smtClean="0"/>
+              <a:t>Was sollte rein?</a:t>
+            </a:r>
+          </a:p>
+        </p:txBody>
+      </p:sp>
+    </p:spTree>
+    <p:extLst>
+      <p:ext uri="{BB962C8B-B14F-4D97-AF65-F5344CB8AC3E}">
+        <p14:creationId xmlns:p14="http://schemas.microsoft.com/office/powerpoint/2010/main" val="3150950865"/>
+      </p:ext>
+    </p:extLst>
+  </p:cSld>
+  <p:clrMapOvr>
+    <a:masterClrMapping/>
+  </p:clrMapOvr>
+</p:sld>
+</file>
+
+<file path=ppt/slides/slide5.xml><?xml version="1.0" encoding="utf-8"?>
+<p:sld xmlns:a="http://schemas.openxmlformats.org/drawingml/2006/main" xmlns:r="http://schemas.openxmlformats.org/officeDocument/2006/relationships" xmlns:p="http://schemas.openxmlformats.org/presentationml/2006/main">
+  <p:cSld>
+    <p:spTree>
+      <p:nvGrpSpPr>
+        <p:cNvPr id="1" name=""/>
+        <p:cNvGrpSpPr/>
+        <p:nvPr/>
+      </p:nvGrpSpPr>
+      <p:grpSpPr>
+        <a:xfrm>
+          <a:off x="0" y="0"/>
+          <a:ext cx="0" cy="0"/>
+          <a:chOff x="0" y="0"/>
+          <a:chExt cx="0" cy="0"/>
+        </a:xfrm>
+      </p:grpSpPr>
+      <p:sp>
+        <p:nvSpPr>
+          <p:cNvPr id="2" name="Titel 1"/>
+          <p:cNvSpPr>
+            <a:spLocks noGrp="1"/>
+          </p:cNvSpPr>
+          <p:nvPr>
+            <p:ph type="title"/>
+          </p:nvPr>
+        </p:nvSpPr>
+        <p:spPr>
+          <a:xfrm>
+            <a:off x="360000" y="1317222"/>
+            <a:ext cx="8246118" cy="569556"/>
+          </a:xfrm>
+        </p:spPr>
+        <p:txBody>
+          <a:bodyPr/>
+          <a:lstStyle/>
+          <a:p>
+            <a:r>
+              <a:rPr lang="de-DE" dirty="0" smtClean="0"/>
+              <a:t>Kommunikationsprotokoll</a:t>
+            </a:r>
+            <a:endParaRPr lang="de-DE" dirty="0"/>
+          </a:p>
+        </p:txBody>
+      </p:sp>
+      <p:sp>
+        <p:nvSpPr>
+          <p:cNvPr id="3" name="Inhaltsplatzhalter 2"/>
+          <p:cNvSpPr>
+            <a:spLocks noGrp="1"/>
+          </p:cNvSpPr>
+          <p:nvPr>
+            <p:ph idx="1"/>
+          </p:nvPr>
+        </p:nvSpPr>
+        <p:spPr/>
+        <p:txBody>
+          <a:bodyPr/>
+          <a:lstStyle/>
+          <a:p>
+            <a:r>
+              <a:rPr lang="de-DE" dirty="0" smtClean="0"/>
+              <a:t>Allgemeines</a:t>
+            </a:r>
+          </a:p>
+          <a:p>
+            <a:r>
+              <a:rPr lang="de-DE" dirty="0" smtClean="0"/>
+              <a:t>Grundlegende Funktionsweise</a:t>
+            </a:r>
+          </a:p>
+          <a:p>
+            <a:r>
+              <a:rPr lang="de-DE" dirty="0" smtClean="0"/>
+              <a:t>Welche Typen? Welche Funktion?</a:t>
+            </a:r>
+          </a:p>
+          <a:p>
+            <a:r>
+              <a:rPr lang="de-DE" dirty="0" smtClean="0"/>
+              <a:t>Trennzeichen, Endzeichen</a:t>
+            </a:r>
+          </a:p>
+          <a:p>
+            <a:r>
+              <a:rPr lang="de-DE" dirty="0" smtClean="0"/>
+              <a:t>Beispielhafter Ablauf zur Demo</a:t>
+            </a:r>
+            <a:endParaRPr lang="de-DE" dirty="0"/>
+          </a:p>
+        </p:txBody>
+      </p:sp>
+    </p:spTree>
+    <p:extLst>
+      <p:ext uri="{BB962C8B-B14F-4D97-AF65-F5344CB8AC3E}">
+        <p14:creationId xmlns:p14="http://schemas.microsoft.com/office/powerpoint/2010/main" val="752607744"/>
+      </p:ext>
+    </p:extLst>
+  </p:cSld>
+  <p:clrMapOvr>
+    <a:masterClrMapping/>
+  </p:clrMapOvr>
+</p:sld>
+</file>
+
+<file path=ppt/slides/slide6.xml><?xml version="1.0" encoding="utf-8"?>
+<p:sld xmlns:a="http://schemas.openxmlformats.org/drawingml/2006/main" xmlns:r="http://schemas.openxmlformats.org/officeDocument/2006/relationships" xmlns:p="http://schemas.openxmlformats.org/presentationml/2006/main">
+  <p:cSld>
+    <p:spTree>
+      <p:nvGrpSpPr>
+        <p:cNvPr id="1" name=""/>
+        <p:cNvGrpSpPr/>
+        <p:nvPr/>
+      </p:nvGrpSpPr>
+      <p:grpSpPr>
+        <a:xfrm>
+          <a:off x="0" y="0"/>
+          <a:ext cx="0" cy="0"/>
+          <a:chOff x="0" y="0"/>
+          <a:chExt cx="0" cy="0"/>
+        </a:xfrm>
+      </p:grpSpPr>
+      <p:sp>
+        <p:nvSpPr>
+          <p:cNvPr id="2" name="Titel 1"/>
+          <p:cNvSpPr>
+            <a:spLocks noGrp="1"/>
+          </p:cNvSpPr>
+          <p:nvPr>
+            <p:ph type="title"/>
+          </p:nvPr>
+        </p:nvSpPr>
+        <p:spPr>
+          <a:xfrm>
+            <a:off x="360000" y="1317222"/>
+            <a:ext cx="8246118" cy="569556"/>
+          </a:xfrm>
+        </p:spPr>
+        <p:txBody>
+          <a:bodyPr/>
+          <a:lstStyle/>
+          <a:p>
+            <a:r>
+              <a:rPr lang="de-DE" dirty="0" smtClean="0"/>
+              <a:t>Implementierungslogik – anderes Wort finden</a:t>
+            </a:r>
+            <a:endParaRPr lang="de-DE" dirty="0"/>
+          </a:p>
+        </p:txBody>
+      </p:sp>
+      <p:sp>
+        <p:nvSpPr>
+          <p:cNvPr id="3" name="Inhaltsplatzhalter 2"/>
+          <p:cNvSpPr>
+            <a:spLocks noGrp="1"/>
+          </p:cNvSpPr>
+          <p:nvPr>
+            <p:ph idx="1"/>
+          </p:nvPr>
+        </p:nvSpPr>
+        <p:spPr/>
+        <p:txBody>
+          <a:bodyPr/>
+          <a:lstStyle/>
+          <a:p>
+            <a:r>
+              <a:rPr lang="de-DE" dirty="0" smtClean="0"/>
+              <a:t>Bild Server, frei dazu reden</a:t>
+            </a:r>
+          </a:p>
+          <a:p>
+            <a:r>
+              <a:rPr lang="de-DE" dirty="0" smtClean="0"/>
+              <a:t>Client analog</a:t>
+            </a:r>
+            <a:endParaRPr lang="de-DE" dirty="0"/>
+          </a:p>
+        </p:txBody>
+      </p:sp>
+    </p:spTree>
+    <p:extLst>
+      <p:ext uri="{BB962C8B-B14F-4D97-AF65-F5344CB8AC3E}">
+        <p14:creationId xmlns:p14="http://schemas.microsoft.com/office/powerpoint/2010/main" val="2694720648"/>
+      </p:ext>
+    </p:extLst>
+  </p:cSld>
+  <p:clrMapOvr>
+    <a:masterClrMapping/>
+  </p:clrMapOvr>
+</p:sld>
+</file>
+
+<file path=ppt/slides/slide7.xml><?xml version="1.0" encoding="utf-8"?>
+<p:sld xmlns:a="http://schemas.openxmlformats.org/drawingml/2006/main" xmlns:r="http://schemas.openxmlformats.org/officeDocument/2006/relationships" xmlns:p="http://schemas.openxmlformats.org/presentationml/2006/main">
+  <p:cSld>
+    <p:spTree>
+      <p:nvGrpSpPr>
+        <p:cNvPr id="1" name=""/>
+        <p:cNvGrpSpPr/>
+        <p:nvPr/>
+      </p:nvGrpSpPr>
+      <p:grpSpPr>
+        <a:xfrm>
+          <a:off x="0" y="0"/>
+          <a:ext cx="0" cy="0"/>
+          <a:chOff x="0" y="0"/>
+          <a:chExt cx="0" cy="0"/>
+        </a:xfrm>
+      </p:grpSpPr>
+      <p:sp>
+        <p:nvSpPr>
+          <p:cNvPr id="2" name="Titel 1"/>
+          <p:cNvSpPr>
+            <a:spLocks noGrp="1"/>
+          </p:cNvSpPr>
+          <p:nvPr>
+            <p:ph type="title"/>
+          </p:nvPr>
+        </p:nvSpPr>
+        <p:spPr>
+          <a:xfrm>
+            <a:off x="360000" y="1317222"/>
+            <a:ext cx="8246118" cy="569556"/>
+          </a:xfrm>
+        </p:spPr>
+        <p:txBody>
+          <a:bodyPr/>
+          <a:lstStyle/>
+          <a:p>
+            <a:r>
+              <a:rPr lang="de-DE" dirty="0" smtClean="0"/>
+              <a:t>Implementierungslogik – anderes Wort finden</a:t>
+            </a:r>
+            <a:endParaRPr lang="de-DE" dirty="0"/>
+          </a:p>
+        </p:txBody>
+      </p:sp>
+      <p:sp>
+        <p:nvSpPr>
+          <p:cNvPr id="7" name="Gestreifter Pfeil nach rechts 6"/>
+          <p:cNvSpPr/>
+          <p:nvPr/>
+        </p:nvSpPr>
+        <p:spPr>
+          <a:xfrm rot="5400000">
+            <a:off x="1616458" y="3216782"/>
+            <a:ext cx="3282319" cy="2138093"/>
+          </a:xfrm>
+          <a:prstGeom prst="stripedRightArrow">
+            <a:avLst/>
+          </a:prstGeom>
+          <a:solidFill>
+            <a:schemeClr val="bg1"/>
+          </a:solidFill>
+          <a:ln w="19050">
+            <a:solidFill>
+              <a:srgbClr val="FF0000"/>
+            </a:solidFill>
+          </a:ln>
+        </p:spPr>
+        <p:style>
+          <a:lnRef idx="2">
+            <a:schemeClr val="accent1">
+              <a:shade val="50000"/>
+            </a:schemeClr>
+          </a:lnRef>
+          <a:fillRef idx="1">
+            <a:schemeClr val="accent1"/>
+          </a:fillRef>
+          <a:effectRef idx="0">
+            <a:schemeClr val="accent1"/>
+          </a:effectRef>
+          <a:fontRef idx="minor">
+            <a:schemeClr val="lt1"/>
+          </a:fontRef>
+        </p:style>
+        <p:txBody>
+          <a:bodyPr rtlCol="0" anchor="ctr"/>
+          <a:lstStyle/>
+          <a:p>
+            <a:pPr algn="ctr"/>
+            <a:endParaRPr lang="de-DE"/>
+          </a:p>
+        </p:txBody>
+      </p:sp>
+      <p:sp>
+        <p:nvSpPr>
+          <p:cNvPr id="8" name="Rechteck 7"/>
+          <p:cNvSpPr/>
+          <p:nvPr/>
+        </p:nvSpPr>
+        <p:spPr>
+          <a:xfrm>
+            <a:off x="2856084" y="3098948"/>
+            <a:ext cx="311084" cy="245097"/>
+          </a:xfrm>
+          <a:prstGeom prst="rect">
+            <a:avLst/>
+          </a:prstGeom>
+          <a:solidFill>
+            <a:schemeClr val="bg1"/>
+          </a:solidFill>
+        </p:spPr>
+        <p:style>
+          <a:lnRef idx="2">
+            <a:schemeClr val="dk1">
+              <a:shade val="50000"/>
+            </a:schemeClr>
+          </a:lnRef>
+          <a:fillRef idx="1">
+            <a:schemeClr val="dk1"/>
+          </a:fillRef>
+          <a:effectRef idx="0">
+            <a:schemeClr val="dk1"/>
+          </a:effectRef>
+          <a:fontRef idx="minor">
+            <a:schemeClr val="lt1"/>
+          </a:fontRef>
+        </p:style>
+        <p:txBody>
+          <a:bodyPr rtlCol="0" anchor="ctr"/>
+          <a:lstStyle/>
+          <a:p>
+            <a:pPr algn="ctr"/>
+            <a:endParaRPr lang="de-DE"/>
+          </a:p>
+        </p:txBody>
+      </p:sp>
+      <p:sp>
+        <p:nvSpPr>
+          <p:cNvPr id="9" name="Rechteck 8"/>
+          <p:cNvSpPr/>
+          <p:nvPr/>
+        </p:nvSpPr>
+        <p:spPr>
+          <a:xfrm>
+            <a:off x="2856084" y="3553227"/>
+            <a:ext cx="311084" cy="245097"/>
+          </a:xfrm>
+          <a:prstGeom prst="rect">
+            <a:avLst/>
+          </a:prstGeom>
+          <a:solidFill>
+            <a:schemeClr val="bg1"/>
+          </a:solidFill>
+        </p:spPr>
+        <p:style>
+          <a:lnRef idx="2">
+            <a:schemeClr val="dk1">
+              <a:shade val="50000"/>
+            </a:schemeClr>
+          </a:lnRef>
+          <a:fillRef idx="1">
+            <a:schemeClr val="dk1"/>
+          </a:fillRef>
+          <a:effectRef idx="0">
+            <a:schemeClr val="dk1"/>
+          </a:effectRef>
+          <a:fontRef idx="minor">
+            <a:schemeClr val="lt1"/>
+          </a:fontRef>
+        </p:style>
+        <p:txBody>
+          <a:bodyPr rtlCol="0" anchor="ctr"/>
+          <a:lstStyle/>
+          <a:p>
+            <a:pPr algn="ctr"/>
+            <a:endParaRPr lang="de-DE"/>
+          </a:p>
+        </p:txBody>
+      </p:sp>
+      <p:sp>
+        <p:nvSpPr>
+          <p:cNvPr id="10" name="Rechteck 9"/>
+          <p:cNvSpPr/>
+          <p:nvPr/>
+        </p:nvSpPr>
+        <p:spPr>
+          <a:xfrm>
+            <a:off x="2856084" y="4040731"/>
+            <a:ext cx="311084" cy="245097"/>
+          </a:xfrm>
+          <a:prstGeom prst="rect">
+            <a:avLst/>
+          </a:prstGeom>
+          <a:solidFill>
+            <a:schemeClr val="bg1"/>
+          </a:solidFill>
+        </p:spPr>
+        <p:style>
+          <a:lnRef idx="2">
+            <a:schemeClr val="dk1">
+              <a:shade val="50000"/>
+            </a:schemeClr>
+          </a:lnRef>
+          <a:fillRef idx="1">
+            <a:schemeClr val="dk1"/>
+          </a:fillRef>
+          <a:effectRef idx="0">
+            <a:schemeClr val="dk1"/>
+          </a:effectRef>
+          <a:fontRef idx="minor">
+            <a:schemeClr val="lt1"/>
+          </a:fontRef>
+        </p:style>
+        <p:txBody>
+          <a:bodyPr rtlCol="0" anchor="ctr"/>
+          <a:lstStyle/>
+          <a:p>
+            <a:pPr algn="ctr"/>
+            <a:endParaRPr lang="de-DE"/>
+          </a:p>
+        </p:txBody>
+      </p:sp>
+      <p:sp>
+        <p:nvSpPr>
+          <p:cNvPr id="11" name="Rechteck 10"/>
+          <p:cNvSpPr/>
+          <p:nvPr/>
+        </p:nvSpPr>
+        <p:spPr>
+          <a:xfrm>
+            <a:off x="2856084" y="4496355"/>
+            <a:ext cx="311084" cy="245097"/>
+          </a:xfrm>
+          <a:prstGeom prst="rect">
+            <a:avLst/>
+          </a:prstGeom>
+          <a:solidFill>
+            <a:schemeClr val="bg1"/>
+          </a:solidFill>
+        </p:spPr>
+        <p:style>
+          <a:lnRef idx="2">
+            <a:schemeClr val="dk1">
+              <a:shade val="50000"/>
+            </a:schemeClr>
+          </a:lnRef>
+          <a:fillRef idx="1">
+            <a:schemeClr val="dk1"/>
+          </a:fillRef>
+          <a:effectRef idx="0">
+            <a:schemeClr val="dk1"/>
+          </a:effectRef>
+          <a:fontRef idx="minor">
+            <a:schemeClr val="lt1"/>
+          </a:fontRef>
+        </p:style>
+        <p:txBody>
+          <a:bodyPr rtlCol="0" anchor="ctr"/>
+          <a:lstStyle/>
+          <a:p>
+            <a:pPr algn="ctr"/>
+            <a:endParaRPr lang="de-DE"/>
+          </a:p>
+        </p:txBody>
+      </p:sp>
+      <p:sp>
+        <p:nvSpPr>
+          <p:cNvPr id="13" name="Multiplizieren 12"/>
+          <p:cNvSpPr/>
+          <p:nvPr/>
+        </p:nvSpPr>
+        <p:spPr>
+          <a:xfrm>
+            <a:off x="2872580" y="3055630"/>
+            <a:ext cx="278091" cy="331731"/>
+          </a:xfrm>
+          <a:prstGeom prst="mathMultiply">
+            <a:avLst/>
+          </a:prstGeom>
+          <a:solidFill>
+            <a:srgbClr val="FF0000"/>
+          </a:solidFill>
+          <a:ln>
+            <a:solidFill>
+              <a:srgbClr val="FF0000"/>
+            </a:solidFill>
+          </a:ln>
+        </p:spPr>
+        <p:style>
+          <a:lnRef idx="2">
+            <a:schemeClr val="accent1">
+              <a:shade val="50000"/>
+            </a:schemeClr>
+          </a:lnRef>
+          <a:fillRef idx="1">
+            <a:schemeClr val="accent1"/>
+          </a:fillRef>
+          <a:effectRef idx="0">
+            <a:schemeClr val="accent1"/>
+          </a:effectRef>
+          <a:fontRef idx="minor">
+            <a:schemeClr val="lt1"/>
+          </a:fontRef>
+        </p:style>
+        <p:txBody>
+          <a:bodyPr rtlCol="0" anchor="ctr"/>
+          <a:lstStyle/>
+          <a:p>
+            <a:pPr algn="ctr"/>
+            <a:endParaRPr lang="de-DE"/>
+          </a:p>
+        </p:txBody>
+      </p:sp>
+      <p:sp>
+        <p:nvSpPr>
+          <p:cNvPr id="14" name="Multiplizieren 13"/>
+          <p:cNvSpPr/>
+          <p:nvPr/>
+        </p:nvSpPr>
+        <p:spPr>
+          <a:xfrm>
+            <a:off x="2874936" y="3509909"/>
+            <a:ext cx="278091" cy="331731"/>
+          </a:xfrm>
+          <a:prstGeom prst="mathMultiply">
+            <a:avLst/>
+          </a:prstGeom>
+          <a:solidFill>
+            <a:srgbClr val="FF0000"/>
+          </a:solidFill>
+          <a:ln>
+            <a:solidFill>
+              <a:srgbClr val="FF0000"/>
+            </a:solidFill>
+          </a:ln>
+        </p:spPr>
+        <p:style>
+          <a:lnRef idx="2">
+            <a:schemeClr val="accent1">
+              <a:shade val="50000"/>
+            </a:schemeClr>
+          </a:lnRef>
+          <a:fillRef idx="1">
+            <a:schemeClr val="accent1"/>
+          </a:fillRef>
+          <a:effectRef idx="0">
+            <a:schemeClr val="accent1"/>
+          </a:effectRef>
+          <a:fontRef idx="minor">
+            <a:schemeClr val="lt1"/>
+          </a:fontRef>
+        </p:style>
+        <p:txBody>
+          <a:bodyPr rtlCol="0" anchor="ctr"/>
+          <a:lstStyle/>
+          <a:p>
+            <a:pPr algn="ctr"/>
+            <a:endParaRPr lang="de-DE"/>
+          </a:p>
+        </p:txBody>
+      </p:sp>
+      <p:sp>
+        <p:nvSpPr>
+          <p:cNvPr id="15" name="Multiplizieren 14"/>
+          <p:cNvSpPr/>
+          <p:nvPr/>
+        </p:nvSpPr>
+        <p:spPr>
+          <a:xfrm>
+            <a:off x="2889077" y="4453037"/>
+            <a:ext cx="278091" cy="331731"/>
+          </a:xfrm>
+          <a:prstGeom prst="mathMultiply">
+            <a:avLst/>
+          </a:prstGeom>
+          <a:solidFill>
+            <a:srgbClr val="FF0000"/>
+          </a:solidFill>
+          <a:ln>
+            <a:solidFill>
+              <a:srgbClr val="FF0000"/>
+            </a:solidFill>
+          </a:ln>
+        </p:spPr>
+        <p:style>
+          <a:lnRef idx="2">
+            <a:schemeClr val="accent1">
+              <a:shade val="50000"/>
+            </a:schemeClr>
+          </a:lnRef>
+          <a:fillRef idx="1">
+            <a:schemeClr val="accent1"/>
+          </a:fillRef>
+          <a:effectRef idx="0">
+            <a:schemeClr val="accent1"/>
+          </a:effectRef>
+          <a:fontRef idx="minor">
+            <a:schemeClr val="lt1"/>
+          </a:fontRef>
+        </p:style>
+        <p:txBody>
+          <a:bodyPr rtlCol="0" anchor="ctr"/>
+          <a:lstStyle/>
+          <a:p>
+            <a:pPr algn="ctr"/>
+            <a:endParaRPr lang="de-DE"/>
+          </a:p>
+        </p:txBody>
+      </p:sp>
+      <p:sp>
+        <p:nvSpPr>
+          <p:cNvPr id="16" name="Multiplizieren 15"/>
+          <p:cNvSpPr/>
+          <p:nvPr/>
+        </p:nvSpPr>
+        <p:spPr>
+          <a:xfrm>
+            <a:off x="2872580" y="4008851"/>
+            <a:ext cx="278091" cy="331731"/>
+          </a:xfrm>
+          <a:prstGeom prst="mathMultiply">
+            <a:avLst/>
+          </a:prstGeom>
+          <a:solidFill>
+            <a:srgbClr val="FF0000"/>
+          </a:solidFill>
+          <a:ln>
+            <a:solidFill>
+              <a:srgbClr val="FF0000"/>
+            </a:solidFill>
+          </a:ln>
+        </p:spPr>
+        <p:style>
+          <a:lnRef idx="2">
+            <a:schemeClr val="accent1">
+              <a:shade val="50000"/>
+            </a:schemeClr>
+          </a:lnRef>
+          <a:fillRef idx="1">
+            <a:schemeClr val="accent1"/>
+          </a:fillRef>
+          <a:effectRef idx="0">
+            <a:schemeClr val="accent1"/>
+          </a:effectRef>
+          <a:fontRef idx="minor">
+            <a:schemeClr val="lt1"/>
+          </a:fontRef>
+        </p:style>
+        <p:txBody>
+          <a:bodyPr rtlCol="0" anchor="ctr"/>
+          <a:lstStyle/>
+          <a:p>
+            <a:pPr algn="ctr"/>
+            <a:endParaRPr lang="de-DE"/>
+          </a:p>
+        </p:txBody>
+      </p:sp>
+      <p:cxnSp>
+        <p:nvCxnSpPr>
+          <p:cNvPr id="18" name="Gerader Verbinder 17"/>
+          <p:cNvCxnSpPr/>
+          <p:nvPr/>
+        </p:nvCxnSpPr>
+        <p:spPr>
+          <a:xfrm>
+            <a:off x="3412265" y="3221494"/>
+            <a:ext cx="254523" cy="0"/>
+          </a:xfrm>
+          <a:prstGeom prst="line">
+            <a:avLst/>
+          </a:prstGeom>
+        </p:spPr>
+        <p:style>
+          <a:lnRef idx="1">
+            <a:schemeClr val="dk1"/>
+          </a:lnRef>
+          <a:fillRef idx="0">
+            <a:schemeClr val="dk1"/>
+          </a:fillRef>
+          <a:effectRef idx="0">
+            <a:schemeClr val="dk1"/>
+          </a:effectRef>
+          <a:fontRef idx="minor">
+            <a:schemeClr val="tx1"/>
+          </a:fontRef>
+        </p:style>
+      </p:cxnSp>
+      <p:cxnSp>
+        <p:nvCxnSpPr>
+          <p:cNvPr id="21" name="Gerader Verbinder 20"/>
+          <p:cNvCxnSpPr/>
+          <p:nvPr/>
+        </p:nvCxnSpPr>
+        <p:spPr>
+          <a:xfrm>
+            <a:off x="3412265" y="3317333"/>
+            <a:ext cx="254523" cy="0"/>
+          </a:xfrm>
+          <a:prstGeom prst="line">
+            <a:avLst/>
+          </a:prstGeom>
+        </p:spPr>
+        <p:style>
+          <a:lnRef idx="1">
+            <a:schemeClr val="dk1"/>
+          </a:lnRef>
+          <a:fillRef idx="0">
+            <a:schemeClr val="dk1"/>
+          </a:fillRef>
+          <a:effectRef idx="0">
+            <a:schemeClr val="dk1"/>
+          </a:effectRef>
+          <a:fontRef idx="minor">
+            <a:schemeClr val="tx1"/>
+          </a:fontRef>
+        </p:style>
+      </p:cxnSp>
+      <p:cxnSp>
+        <p:nvCxnSpPr>
+          <p:cNvPr id="22" name="Gerader Verbinder 21"/>
+          <p:cNvCxnSpPr/>
+          <p:nvPr/>
+        </p:nvCxnSpPr>
+        <p:spPr>
+          <a:xfrm>
+            <a:off x="3412265" y="3553227"/>
+            <a:ext cx="254523" cy="0"/>
+          </a:xfrm>
+          <a:prstGeom prst="line">
+            <a:avLst/>
+          </a:prstGeom>
+        </p:spPr>
+        <p:style>
+          <a:lnRef idx="1">
+            <a:schemeClr val="dk1"/>
+          </a:lnRef>
+          <a:fillRef idx="0">
+            <a:schemeClr val="dk1"/>
+          </a:fillRef>
+          <a:effectRef idx="0">
+            <a:schemeClr val="dk1"/>
+          </a:effectRef>
+          <a:fontRef idx="minor">
+            <a:schemeClr val="tx1"/>
+          </a:fontRef>
+        </p:style>
+      </p:cxnSp>
+      <p:cxnSp>
+        <p:nvCxnSpPr>
+          <p:cNvPr id="23" name="Gerader Verbinder 22"/>
+          <p:cNvCxnSpPr/>
+          <p:nvPr/>
+        </p:nvCxnSpPr>
+        <p:spPr>
+          <a:xfrm>
+            <a:off x="3412264" y="3675774"/>
+            <a:ext cx="254523" cy="0"/>
+          </a:xfrm>
+          <a:prstGeom prst="line">
+            <a:avLst/>
+          </a:prstGeom>
+        </p:spPr>
+        <p:style>
+          <a:lnRef idx="1">
+            <a:schemeClr val="dk1"/>
+          </a:lnRef>
+          <a:fillRef idx="0">
+            <a:schemeClr val="dk1"/>
+          </a:fillRef>
+          <a:effectRef idx="0">
+            <a:schemeClr val="dk1"/>
+          </a:effectRef>
+          <a:fontRef idx="minor">
+            <a:schemeClr val="tx1"/>
+          </a:fontRef>
+        </p:style>
+      </p:cxnSp>
+      <p:cxnSp>
+        <p:nvCxnSpPr>
+          <p:cNvPr id="24" name="Gerader Verbinder 23"/>
+          <p:cNvCxnSpPr/>
+          <p:nvPr/>
+        </p:nvCxnSpPr>
+        <p:spPr>
+          <a:xfrm>
+            <a:off x="3412264" y="3798324"/>
+            <a:ext cx="254523" cy="0"/>
+          </a:xfrm>
+          <a:prstGeom prst="line">
+            <a:avLst/>
+          </a:prstGeom>
+        </p:spPr>
+        <p:style>
+          <a:lnRef idx="1">
+            <a:schemeClr val="dk1"/>
+          </a:lnRef>
+          <a:fillRef idx="0">
+            <a:schemeClr val="dk1"/>
+          </a:fillRef>
+          <a:effectRef idx="0">
+            <a:schemeClr val="dk1"/>
+          </a:effectRef>
+          <a:fontRef idx="minor">
+            <a:schemeClr val="tx1"/>
+          </a:fontRef>
+        </p:style>
+      </p:cxnSp>
+      <p:cxnSp>
+        <p:nvCxnSpPr>
+          <p:cNvPr id="26" name="Gerader Verbinder 25"/>
+          <p:cNvCxnSpPr/>
+          <p:nvPr/>
+        </p:nvCxnSpPr>
+        <p:spPr>
+          <a:xfrm>
+            <a:off x="3412263" y="4592190"/>
+            <a:ext cx="254523" cy="0"/>
+          </a:xfrm>
+          <a:prstGeom prst="line">
+            <a:avLst/>
+          </a:prstGeom>
+        </p:spPr>
+        <p:style>
+          <a:lnRef idx="1">
+            <a:schemeClr val="dk1"/>
+          </a:lnRef>
+          <a:fillRef idx="0">
+            <a:schemeClr val="dk1"/>
+          </a:fillRef>
+          <a:effectRef idx="0">
+            <a:schemeClr val="dk1"/>
+          </a:effectRef>
+          <a:fontRef idx="minor">
+            <a:schemeClr val="tx1"/>
+          </a:fontRef>
+        </p:style>
+      </p:cxnSp>
+      <p:cxnSp>
+        <p:nvCxnSpPr>
+          <p:cNvPr id="27" name="Gerader Verbinder 26"/>
+          <p:cNvCxnSpPr/>
+          <p:nvPr/>
+        </p:nvCxnSpPr>
+        <p:spPr>
+          <a:xfrm>
+            <a:off x="3412262" y="4496355"/>
+            <a:ext cx="254523" cy="0"/>
+          </a:xfrm>
+          <a:prstGeom prst="line">
+            <a:avLst/>
+          </a:prstGeom>
+        </p:spPr>
+        <p:style>
+          <a:lnRef idx="1">
+            <a:schemeClr val="dk1"/>
+          </a:lnRef>
+          <a:fillRef idx="0">
+            <a:schemeClr val="dk1"/>
+          </a:fillRef>
+          <a:effectRef idx="0">
+            <a:schemeClr val="dk1"/>
+          </a:effectRef>
+          <a:fontRef idx="minor">
+            <a:schemeClr val="tx1"/>
+          </a:fontRef>
+        </p:style>
+      </p:cxnSp>
+      <p:pic>
+        <p:nvPicPr>
+          <p:cNvPr id="2050" name="Picture 2" descr="https://upload.wikimedia.org/wikipedia/commons/thumb/9/92/The_death.png/113px-The_death.png"/>
+          <p:cNvPicPr>
+            <a:picLocks noChangeAspect="1" noChangeArrowheads="1"/>
+          </p:cNvPicPr>
+          <p:nvPr/>
+        </p:nvPicPr>
+        <p:blipFill>
+          <a:blip r:embed="rId2">
+            <a:extLst>
+              <a:ext uri="{28A0092B-C50C-407E-A947-70E740481C1C}">
+                <a14:useLocalDpi xmlns:a14="http://schemas.microsoft.com/office/drawing/2010/main" val="0"/>
+              </a:ext>
+            </a:extLst>
+          </a:blip>
+          <a:srcRect/>
+          <a:stretch>
+            <a:fillRect/>
+          </a:stretch>
+        </p:blipFill>
+        <p:spPr bwMode="auto">
+          <a:xfrm>
+            <a:off x="8257877" y="5095942"/>
+            <a:ext cx="501861" cy="532950"/>
+          </a:xfrm>
+          <a:prstGeom prst="rect">
+            <a:avLst/>
+          </a:prstGeom>
+          <a:noFill/>
+          <a:extLst>
+            <a:ext uri="{909E8E84-426E-40DD-AFC4-6F175D3DCCD1}">
+              <a14:hiddenFill xmlns:a14="http://schemas.microsoft.com/office/drawing/2010/main">
+                <a:solidFill>
+                  <a:srgbClr val="FFFFFF"/>
+                </a:solidFill>
+              </a14:hiddenFill>
+            </a:ext>
+          </a:extLst>
+        </p:spPr>
+      </p:pic>
+      <p:pic>
+        <p:nvPicPr>
+          <p:cNvPr id="28" name="Grafik 27"/>
+          <p:cNvPicPr>
+            <a:picLocks noChangeAspect="1"/>
+          </p:cNvPicPr>
+          <p:nvPr/>
+        </p:nvPicPr>
+        <p:blipFill>
+          <a:blip r:embed="rId3" cstate="print">
+            <a:extLst>
+              <a:ext uri="{28A0092B-C50C-407E-A947-70E740481C1C}">
+                <a14:useLocalDpi xmlns:a14="http://schemas.microsoft.com/office/drawing/2010/main" val="0"/>
+              </a:ext>
+            </a:extLst>
+          </a:blip>
+          <a:stretch>
+            <a:fillRect/>
+          </a:stretch>
+        </p:blipFill>
+        <p:spPr>
+          <a:xfrm>
+            <a:off x="3150670" y="5258942"/>
+            <a:ext cx="186275" cy="274156"/>
+          </a:xfrm>
+          <a:prstGeom prst="rect">
+            <a:avLst/>
+          </a:prstGeom>
+        </p:spPr>
+      </p:pic>
+      <p:sp>
+        <p:nvSpPr>
+          <p:cNvPr id="30" name="Nach oben gekrümmter Pfeil 29"/>
+          <p:cNvSpPr/>
+          <p:nvPr/>
+        </p:nvSpPr>
+        <p:spPr>
+          <a:xfrm rot="5400000">
+            <a:off x="2681352" y="5066271"/>
+            <a:ext cx="455013" cy="332990"/>
+          </a:xfrm>
+          <a:prstGeom prst="curvedUpArrow">
+            <a:avLst/>
+          </a:prstGeom>
+          <a:solidFill>
+            <a:srgbClr val="FF0000"/>
+          </a:solidFill>
+          <a:ln>
+            <a:solidFill>
+              <a:srgbClr val="FF0000"/>
+            </a:solidFill>
+          </a:ln>
+        </p:spPr>
+        <p:style>
+          <a:lnRef idx="2">
+            <a:schemeClr val="accent1">
+              <a:shade val="50000"/>
+            </a:schemeClr>
+          </a:lnRef>
+          <a:fillRef idx="1">
+            <a:schemeClr val="accent1"/>
+          </a:fillRef>
+          <a:effectRef idx="0">
+            <a:schemeClr val="accent1"/>
+          </a:effectRef>
+          <a:fontRef idx="minor">
+            <a:schemeClr val="lt1"/>
+          </a:fontRef>
+        </p:style>
+        <p:txBody>
+          <a:bodyPr rtlCol="0" anchor="ctr"/>
+          <a:lstStyle/>
+          <a:p>
+            <a:pPr algn="ctr"/>
+            <a:endParaRPr lang="de-DE">
+              <a:solidFill>
+                <a:schemeClr val="tx1"/>
+              </a:solidFill>
+            </a:endParaRPr>
+          </a:p>
+        </p:txBody>
+      </p:sp>
+      <p:sp>
+        <p:nvSpPr>
+          <p:cNvPr id="31" name="Textfeld 30"/>
+          <p:cNvSpPr txBox="1"/>
+          <p:nvPr/>
+        </p:nvSpPr>
+        <p:spPr>
+          <a:xfrm>
+            <a:off x="-9100" y="3558682"/>
+            <a:ext cx="1456232" cy="369332"/>
+          </a:xfrm>
+          <a:prstGeom prst="rect">
+            <a:avLst/>
+          </a:prstGeom>
+          <a:noFill/>
+        </p:spPr>
+        <p:txBody>
+          <a:bodyPr wrap="none" rtlCol="0">
+            <a:spAutoFit/>
+          </a:bodyPr>
+          <a:lstStyle/>
+          <a:p>
+            <a:r>
+              <a:rPr lang="de-DE" dirty="0" smtClean="0"/>
+              <a:t>Server startet</a:t>
+            </a:r>
+          </a:p>
+        </p:txBody>
+      </p:sp>
+      <p:sp>
+        <p:nvSpPr>
+          <p:cNvPr id="2048" name="Pfeil nach rechts 2047"/>
+          <p:cNvSpPr/>
+          <p:nvPr/>
+        </p:nvSpPr>
+        <p:spPr>
+          <a:xfrm>
+            <a:off x="4791162" y="3952743"/>
+            <a:ext cx="488258" cy="314381"/>
+          </a:xfrm>
+          <a:prstGeom prst="rightArrow">
+            <a:avLst/>
+          </a:prstGeom>
+        </p:spPr>
+        <p:style>
+          <a:lnRef idx="2">
+            <a:schemeClr val="dk1">
+              <a:shade val="50000"/>
+            </a:schemeClr>
+          </a:lnRef>
+          <a:fillRef idx="1">
+            <a:schemeClr val="dk1"/>
+          </a:fillRef>
+          <a:effectRef idx="0">
+            <a:schemeClr val="dk1"/>
+          </a:effectRef>
+          <a:fontRef idx="minor">
+            <a:schemeClr val="lt1"/>
+          </a:fontRef>
+        </p:style>
+        <p:txBody>
+          <a:bodyPr rtlCol="0" anchor="ctr"/>
+          <a:lstStyle/>
+          <a:p>
+            <a:pPr algn="ctr"/>
+            <a:endParaRPr lang="de-DE"/>
+          </a:p>
+        </p:txBody>
+      </p:sp>
+      <p:cxnSp>
+        <p:nvCxnSpPr>
+          <p:cNvPr id="37" name="Gerader Verbinder 36"/>
+          <p:cNvCxnSpPr/>
+          <p:nvPr/>
+        </p:nvCxnSpPr>
+        <p:spPr>
+          <a:xfrm>
+            <a:off x="3412262" y="4175615"/>
+            <a:ext cx="254523" cy="0"/>
+          </a:xfrm>
+          <a:prstGeom prst="line">
+            <a:avLst/>
+          </a:prstGeom>
+        </p:spPr>
+        <p:style>
+          <a:lnRef idx="1">
+            <a:schemeClr val="dk1"/>
+          </a:lnRef>
+          <a:fillRef idx="0">
+            <a:schemeClr val="dk1"/>
+          </a:fillRef>
+          <a:effectRef idx="0">
+            <a:schemeClr val="dk1"/>
+          </a:effectRef>
+          <a:fontRef idx="minor">
+            <a:schemeClr val="tx1"/>
+          </a:fontRef>
+        </p:style>
+      </p:cxnSp>
+      <p:sp>
+        <p:nvSpPr>
+          <p:cNvPr id="38" name="Nach oben gekrümmter Pfeil 37"/>
+          <p:cNvSpPr/>
+          <p:nvPr/>
+        </p:nvSpPr>
+        <p:spPr>
+          <a:xfrm rot="16200000">
+            <a:off x="3351251" y="5055140"/>
+            <a:ext cx="455013" cy="332990"/>
+          </a:xfrm>
+          <a:prstGeom prst="curvedUpArrow">
+            <a:avLst/>
+          </a:prstGeom>
+          <a:solidFill>
+            <a:srgbClr val="FF0000"/>
+          </a:solidFill>
+          <a:ln>
+            <a:solidFill>
+              <a:srgbClr val="FF0000"/>
+            </a:solidFill>
+          </a:ln>
+        </p:spPr>
+        <p:style>
+          <a:lnRef idx="2">
+            <a:schemeClr val="accent1">
+              <a:shade val="50000"/>
+            </a:schemeClr>
+          </a:lnRef>
+          <a:fillRef idx="1">
+            <a:schemeClr val="accent1"/>
+          </a:fillRef>
+          <a:effectRef idx="0">
+            <a:schemeClr val="accent1"/>
+          </a:effectRef>
+          <a:fontRef idx="minor">
+            <a:schemeClr val="lt1"/>
+          </a:fontRef>
+        </p:style>
+        <p:txBody>
+          <a:bodyPr rtlCol="0" anchor="ctr"/>
+          <a:lstStyle/>
+          <a:p>
+            <a:pPr algn="ctr"/>
+            <a:endParaRPr lang="de-DE">
+              <a:solidFill>
+                <a:schemeClr val="tx1"/>
+              </a:solidFill>
+            </a:endParaRPr>
+          </a:p>
+        </p:txBody>
+      </p:sp>
+      <p:pic>
+        <p:nvPicPr>
+          <p:cNvPr id="2061" name="Grafik 2060"/>
+          <p:cNvPicPr>
+            <a:picLocks noChangeAspect="1"/>
+          </p:cNvPicPr>
+          <p:nvPr/>
+        </p:nvPicPr>
+        <p:blipFill>
+          <a:blip r:embed="rId4" cstate="print">
+            <a:extLst>
+              <a:ext uri="{28A0092B-C50C-407E-A947-70E740481C1C}">
+                <a14:useLocalDpi xmlns:a14="http://schemas.microsoft.com/office/drawing/2010/main" val="0"/>
+              </a:ext>
+            </a:extLst>
+          </a:blip>
+          <a:stretch>
+            <a:fillRect/>
+          </a:stretch>
+        </p:blipFill>
+        <p:spPr>
+          <a:xfrm>
+            <a:off x="5738094" y="2644669"/>
+            <a:ext cx="1022195" cy="1538971"/>
+          </a:xfrm>
+          <a:prstGeom prst="rect">
+            <a:avLst/>
+          </a:prstGeom>
+        </p:spPr>
+      </p:pic>
+      <p:pic>
+        <p:nvPicPr>
+          <p:cNvPr id="89" name="Picture 2" descr="https://image.freepik.com/free-icon/envelope-rectangular-outline-variant_318-46239.jpg"/>
+          <p:cNvPicPr>
+            <a:picLocks noChangeAspect="1" noChangeArrowheads="1"/>
+          </p:cNvPicPr>
+          <p:nvPr/>
+        </p:nvPicPr>
+        <p:blipFill>
+          <a:blip r:embed="rId5" cstate="print">
+            <a:extLst>
+              <a:ext uri="{28A0092B-C50C-407E-A947-70E740481C1C}">
+                <a14:useLocalDpi xmlns:a14="http://schemas.microsoft.com/office/drawing/2010/main" val="0"/>
+              </a:ext>
+            </a:extLst>
+          </a:blip>
+          <a:srcRect/>
+          <a:stretch>
+            <a:fillRect/>
+          </a:stretch>
+        </p:blipFill>
+        <p:spPr bwMode="auto">
+          <a:xfrm>
+            <a:off x="7555177" y="3387361"/>
+            <a:ext cx="375444" cy="375444"/>
+          </a:xfrm>
+          <a:prstGeom prst="rect">
+            <a:avLst/>
+          </a:prstGeom>
+          <a:noFill/>
+          <a:extLst>
+            <a:ext uri="{909E8E84-426E-40DD-AFC4-6F175D3DCCD1}">
+              <a14:hiddenFill xmlns:a14="http://schemas.microsoft.com/office/drawing/2010/main">
+                <a:solidFill>
+                  <a:srgbClr val="FFFFFF"/>
+                </a:solidFill>
+              </a14:hiddenFill>
+            </a:ext>
+          </a:extLst>
+        </p:spPr>
+      </p:pic>
+      <p:pic>
+        <p:nvPicPr>
+          <p:cNvPr id="90" name="Picture 2" descr="https://image.freepik.com/free-icon/envelope-rectangular-outline-variant_318-46239.jpg"/>
+          <p:cNvPicPr>
+            <a:picLocks noChangeAspect="1" noChangeArrowheads="1"/>
+          </p:cNvPicPr>
+          <p:nvPr/>
+        </p:nvPicPr>
+        <p:blipFill>
+          <a:blip r:embed="rId5" cstate="print">
+            <a:extLst>
+              <a:ext uri="{28A0092B-C50C-407E-A947-70E740481C1C}">
+                <a14:useLocalDpi xmlns:a14="http://schemas.microsoft.com/office/drawing/2010/main" val="0"/>
+              </a:ext>
+            </a:extLst>
+          </a:blip>
+          <a:srcRect/>
+          <a:stretch>
+            <a:fillRect/>
+          </a:stretch>
+        </p:blipFill>
+        <p:spPr bwMode="auto">
+          <a:xfrm>
+            <a:off x="7555177" y="3777840"/>
+            <a:ext cx="375444" cy="375444"/>
+          </a:xfrm>
+          <a:prstGeom prst="rect">
+            <a:avLst/>
+          </a:prstGeom>
+          <a:noFill/>
+          <a:extLst>
+            <a:ext uri="{909E8E84-426E-40DD-AFC4-6F175D3DCCD1}">
+              <a14:hiddenFill xmlns:a14="http://schemas.microsoft.com/office/drawing/2010/main">
+                <a:solidFill>
+                  <a:srgbClr val="FFFFFF"/>
+                </a:solidFill>
+              </a14:hiddenFill>
+            </a:ext>
+          </a:extLst>
+        </p:spPr>
+      </p:pic>
+      <p:sp>
+        <p:nvSpPr>
+          <p:cNvPr id="91" name="Line 43"/>
+          <p:cNvSpPr>
+            <a:spLocks noChangeShapeType="1"/>
+          </p:cNvSpPr>
+          <p:nvPr/>
+        </p:nvSpPr>
+        <p:spPr bwMode="auto">
+          <a:xfrm>
+            <a:off x="7468890" y="3780016"/>
+            <a:ext cx="181930" cy="0"/>
+          </a:xfrm>
+          <a:prstGeom prst="line">
+            <a:avLst/>
+          </a:prstGeom>
+          <a:noFill/>
+          <a:ln w="28575">
+            <a:solidFill>
+              <a:schemeClr val="tx1"/>
+            </a:solidFill>
+            <a:round/>
+            <a:headEnd/>
+            <a:tailEnd type="triangle" w="med" len="med"/>
+          </a:ln>
+          <a:extLst>
+            <a:ext uri="{909E8E84-426E-40DD-AFC4-6F175D3DCCD1}">
+              <a14:hiddenFill xmlns:a14="http://schemas.microsoft.com/office/drawing/2010/main">
+                <a:noFill/>
+              </a14:hiddenFill>
+            </a:ext>
+          </a:extLst>
+        </p:spPr>
+        <p:txBody>
+          <a:bodyPr lIns="82124" tIns="41061" rIns="82124" bIns="41061"/>
+          <a:lstStyle/>
+          <a:p>
+            <a:endParaRPr lang="de-DE"/>
+          </a:p>
+        </p:txBody>
+      </p:sp>
+      <p:sp>
+        <p:nvSpPr>
+          <p:cNvPr id="92" name="Line 43"/>
+          <p:cNvSpPr>
+            <a:spLocks noChangeShapeType="1"/>
+          </p:cNvSpPr>
+          <p:nvPr/>
+        </p:nvSpPr>
+        <p:spPr bwMode="auto">
+          <a:xfrm flipH="1">
+            <a:off x="7459533" y="3387361"/>
+            <a:ext cx="191287" cy="0"/>
+          </a:xfrm>
+          <a:prstGeom prst="line">
+            <a:avLst/>
+          </a:prstGeom>
+          <a:noFill/>
+          <a:ln w="28575">
+            <a:solidFill>
+              <a:schemeClr val="tx1"/>
+            </a:solidFill>
+            <a:round/>
+            <a:headEnd/>
+            <a:tailEnd type="triangle" w="med" len="med"/>
+          </a:ln>
+          <a:extLst>
+            <a:ext uri="{909E8E84-426E-40DD-AFC4-6F175D3DCCD1}">
+              <a14:hiddenFill xmlns:a14="http://schemas.microsoft.com/office/drawing/2010/main">
+                <a:noFill/>
+              </a14:hiddenFill>
+            </a:ext>
+          </a:extLst>
+        </p:spPr>
+        <p:txBody>
+          <a:bodyPr lIns="82124" tIns="41061" rIns="82124" bIns="41061"/>
+          <a:lstStyle/>
+          <a:p>
+            <a:endParaRPr lang="de-DE"/>
+          </a:p>
+        </p:txBody>
+      </p:sp>
+      <p:pic>
+        <p:nvPicPr>
+          <p:cNvPr id="93" name="Grafik 92"/>
+          <p:cNvPicPr>
+            <a:picLocks noChangeAspect="1"/>
+          </p:cNvPicPr>
+          <p:nvPr/>
+        </p:nvPicPr>
+        <p:blipFill>
+          <a:blip r:embed="rId4" cstate="print">
+            <a:extLst>
+              <a:ext uri="{28A0092B-C50C-407E-A947-70E740481C1C}">
+                <a14:useLocalDpi xmlns:a14="http://schemas.microsoft.com/office/drawing/2010/main" val="0"/>
+              </a:ext>
+            </a:extLst>
+          </a:blip>
+          <a:stretch>
+            <a:fillRect/>
+          </a:stretch>
+        </p:blipFill>
+        <p:spPr>
+          <a:xfrm>
+            <a:off x="5738094" y="4426548"/>
+            <a:ext cx="1022195" cy="1538971"/>
+          </a:xfrm>
+          <a:prstGeom prst="rect">
+            <a:avLst/>
+          </a:prstGeom>
+          <a:effectLst/>
+        </p:spPr>
+      </p:pic>
+      <p:pic>
+        <p:nvPicPr>
+          <p:cNvPr id="94" name="Picture 2" descr="https://image.freepik.com/free-icon/envelope-rectangular-outline-variant_318-46239.jpg"/>
+          <p:cNvPicPr>
+            <a:picLocks noChangeAspect="1" noChangeArrowheads="1"/>
+          </p:cNvPicPr>
+          <p:nvPr/>
+        </p:nvPicPr>
+        <p:blipFill>
+          <a:blip r:embed="rId5" cstate="print">
+            <a:extLst>
+              <a:ext uri="{28A0092B-C50C-407E-A947-70E740481C1C}">
+                <a14:useLocalDpi xmlns:a14="http://schemas.microsoft.com/office/drawing/2010/main" val="0"/>
+              </a:ext>
+            </a:extLst>
+          </a:blip>
+          <a:srcRect/>
+          <a:stretch>
+            <a:fillRect/>
+          </a:stretch>
+        </p:blipFill>
+        <p:spPr bwMode="auto">
+          <a:xfrm>
+            <a:off x="6984889" y="5142619"/>
+            <a:ext cx="375444" cy="375444"/>
+          </a:xfrm>
+          <a:prstGeom prst="rect">
+            <a:avLst/>
+          </a:prstGeom>
+          <a:noFill/>
+          <a:effectLst/>
+          <a:extLst>
+            <a:ext uri="{909E8E84-426E-40DD-AFC4-6F175D3DCCD1}">
+              <a14:hiddenFill xmlns:a14="http://schemas.microsoft.com/office/drawing/2010/main">
+                <a:solidFill>
+                  <a:srgbClr val="FFFFFF"/>
+                </a:solidFill>
+              </a14:hiddenFill>
+            </a:ext>
+          </a:extLst>
+        </p:spPr>
+      </p:pic>
+      <p:pic>
+        <p:nvPicPr>
+          <p:cNvPr id="95" name="Picture 2" descr="https://image.freepik.com/free-icon/envelope-rectangular-outline-variant_318-46239.jpg"/>
+          <p:cNvPicPr>
+            <a:picLocks noChangeAspect="1" noChangeArrowheads="1"/>
+          </p:cNvPicPr>
+          <p:nvPr/>
+        </p:nvPicPr>
+        <p:blipFill>
+          <a:blip r:embed="rId5" cstate="print">
+            <a:extLst>
+              <a:ext uri="{28A0092B-C50C-407E-A947-70E740481C1C}">
+                <a14:useLocalDpi xmlns:a14="http://schemas.microsoft.com/office/drawing/2010/main" val="0"/>
+              </a:ext>
+            </a:extLst>
+          </a:blip>
+          <a:srcRect/>
+          <a:stretch>
+            <a:fillRect/>
+          </a:stretch>
+        </p:blipFill>
+        <p:spPr bwMode="auto">
+          <a:xfrm>
+            <a:off x="6984889" y="5533098"/>
+            <a:ext cx="375444" cy="375444"/>
+          </a:xfrm>
+          <a:prstGeom prst="rect">
+            <a:avLst/>
+          </a:prstGeom>
+          <a:noFill/>
+          <a:effectLst/>
+          <a:extLst>
+            <a:ext uri="{909E8E84-426E-40DD-AFC4-6F175D3DCCD1}">
+              <a14:hiddenFill xmlns:a14="http://schemas.microsoft.com/office/drawing/2010/main">
+                <a:solidFill>
+                  <a:srgbClr val="FFFFFF"/>
+                </a:solidFill>
+              </a14:hiddenFill>
+            </a:ext>
+          </a:extLst>
+        </p:spPr>
+      </p:pic>
+      <p:sp>
+        <p:nvSpPr>
+          <p:cNvPr id="96" name="Line 43"/>
+          <p:cNvSpPr>
+            <a:spLocks noChangeShapeType="1"/>
+          </p:cNvSpPr>
+          <p:nvPr/>
+        </p:nvSpPr>
+        <p:spPr bwMode="auto">
+          <a:xfrm>
+            <a:off x="6898602" y="5535274"/>
+            <a:ext cx="181930" cy="0"/>
+          </a:xfrm>
+          <a:prstGeom prst="line">
+            <a:avLst/>
+          </a:prstGeom>
+          <a:noFill/>
+          <a:ln w="28575">
+            <a:solidFill>
+              <a:schemeClr val="tx1"/>
+            </a:solidFill>
+            <a:round/>
+            <a:headEnd/>
+            <a:tailEnd type="triangle" w="med" len="med"/>
+          </a:ln>
+          <a:effectLst/>
+          <a:extLst>
+            <a:ext uri="{909E8E84-426E-40DD-AFC4-6F175D3DCCD1}">
+              <a14:hiddenFill xmlns:a14="http://schemas.microsoft.com/office/drawing/2010/main">
+                <a:noFill/>
+              </a14:hiddenFill>
+            </a:ext>
+          </a:extLst>
+        </p:spPr>
+        <p:txBody>
+          <a:bodyPr lIns="82124" tIns="41061" rIns="82124" bIns="41061"/>
+          <a:lstStyle/>
+          <a:p>
+            <a:endParaRPr lang="de-DE"/>
+          </a:p>
+        </p:txBody>
+      </p:sp>
+      <p:sp>
+        <p:nvSpPr>
+          <p:cNvPr id="97" name="Line 43"/>
+          <p:cNvSpPr>
+            <a:spLocks noChangeShapeType="1"/>
+          </p:cNvSpPr>
+          <p:nvPr/>
+        </p:nvSpPr>
+        <p:spPr bwMode="auto">
+          <a:xfrm flipH="1">
+            <a:off x="6889245" y="5142619"/>
+            <a:ext cx="191287" cy="0"/>
+          </a:xfrm>
+          <a:prstGeom prst="line">
+            <a:avLst/>
+          </a:prstGeom>
+          <a:noFill/>
+          <a:ln w="28575">
+            <a:solidFill>
+              <a:schemeClr val="tx1"/>
+            </a:solidFill>
+            <a:round/>
+            <a:headEnd/>
+            <a:tailEnd type="triangle" w="med" len="med"/>
+          </a:ln>
+          <a:effectLst/>
+          <a:extLst>
+            <a:ext uri="{909E8E84-426E-40DD-AFC4-6F175D3DCCD1}">
+              <a14:hiddenFill xmlns:a14="http://schemas.microsoft.com/office/drawing/2010/main">
+                <a:noFill/>
+              </a14:hiddenFill>
+            </a:ext>
+          </a:extLst>
+        </p:spPr>
+        <p:txBody>
+          <a:bodyPr lIns="82124" tIns="41061" rIns="82124" bIns="41061"/>
+          <a:lstStyle/>
+          <a:p>
+            <a:endParaRPr lang="de-DE"/>
+          </a:p>
+        </p:txBody>
+      </p:sp>
+      <p:sp>
+        <p:nvSpPr>
+          <p:cNvPr id="2062" name="Textfeld 2061"/>
+          <p:cNvSpPr txBox="1"/>
+          <p:nvPr/>
+        </p:nvSpPr>
+        <p:spPr>
+          <a:xfrm>
+            <a:off x="5962093" y="5637763"/>
+            <a:ext cx="574196" cy="769441"/>
+          </a:xfrm>
+          <a:prstGeom prst="rect">
+            <a:avLst/>
+          </a:prstGeom>
+          <a:noFill/>
+        </p:spPr>
+        <p:txBody>
+          <a:bodyPr wrap="none" rtlCol="0">
+            <a:spAutoFit/>
+          </a:bodyPr>
+          <a:lstStyle/>
+          <a:p>
+            <a:r>
+              <a:rPr lang="de-DE" sz="4400" dirty="0" smtClean="0"/>
+              <a:t>…</a:t>
+            </a:r>
+            <a:endParaRPr lang="de-DE" sz="4400" dirty="0"/>
+          </a:p>
+        </p:txBody>
+      </p:sp>
+      <p:pic>
+        <p:nvPicPr>
+          <p:cNvPr id="101" name="Picture 2" descr="https://image.freepik.com/free-icon/envelope-rectangular-outline-variant_318-46239.jpg"/>
+          <p:cNvPicPr>
+            <a:picLocks noChangeAspect="1" noChangeArrowheads="1"/>
+          </p:cNvPicPr>
+          <p:nvPr/>
+        </p:nvPicPr>
+        <p:blipFill>
+          <a:blip r:embed="rId5" cstate="print">
+            <a:extLst>
+              <a:ext uri="{28A0092B-C50C-407E-A947-70E740481C1C}">
+                <a14:useLocalDpi xmlns:a14="http://schemas.microsoft.com/office/drawing/2010/main" val="0"/>
+              </a:ext>
+            </a:extLst>
+          </a:blip>
+          <a:srcRect/>
+          <a:stretch>
+            <a:fillRect/>
+          </a:stretch>
+        </p:blipFill>
+        <p:spPr bwMode="auto">
+          <a:xfrm>
+            <a:off x="7555177" y="5157654"/>
+            <a:ext cx="375444" cy="375444"/>
+          </a:xfrm>
+          <a:prstGeom prst="rect">
+            <a:avLst/>
+          </a:prstGeom>
+          <a:noFill/>
+          <a:extLst>
+            <a:ext uri="{909E8E84-426E-40DD-AFC4-6F175D3DCCD1}">
+              <a14:hiddenFill xmlns:a14="http://schemas.microsoft.com/office/drawing/2010/main">
+                <a:solidFill>
+                  <a:srgbClr val="FFFFFF"/>
+                </a:solidFill>
+              </a14:hiddenFill>
+            </a:ext>
+          </a:extLst>
+        </p:spPr>
+      </p:pic>
+      <p:sp>
+        <p:nvSpPr>
+          <p:cNvPr id="102" name="Line 43"/>
+          <p:cNvSpPr>
+            <a:spLocks noChangeShapeType="1"/>
+          </p:cNvSpPr>
+          <p:nvPr/>
+        </p:nvSpPr>
+        <p:spPr bwMode="auto">
+          <a:xfrm flipH="1">
+            <a:off x="7459533" y="5157654"/>
+            <a:ext cx="191287" cy="0"/>
+          </a:xfrm>
+          <a:prstGeom prst="line">
+            <a:avLst/>
+          </a:prstGeom>
+          <a:noFill/>
+          <a:ln w="28575">
+            <a:solidFill>
+              <a:schemeClr val="tx1"/>
+            </a:solidFill>
+            <a:round/>
+            <a:headEnd/>
+            <a:tailEnd type="triangle" w="med" len="med"/>
+          </a:ln>
+          <a:extLst>
+            <a:ext uri="{909E8E84-426E-40DD-AFC4-6F175D3DCCD1}">
+              <a14:hiddenFill xmlns:a14="http://schemas.microsoft.com/office/drawing/2010/main">
+                <a:noFill/>
+              </a14:hiddenFill>
+            </a:ext>
+          </a:extLst>
+        </p:spPr>
+        <p:txBody>
+          <a:bodyPr lIns="82124" tIns="41061" rIns="82124" bIns="41061"/>
+          <a:lstStyle/>
+          <a:p>
+            <a:endParaRPr lang="de-DE"/>
+          </a:p>
+        </p:txBody>
+      </p:sp>
+      <p:sp>
+        <p:nvSpPr>
+          <p:cNvPr id="2063" name="&quot;Nein&quot;-Symbol 2062"/>
+          <p:cNvSpPr/>
+          <p:nvPr/>
+        </p:nvSpPr>
+        <p:spPr>
+          <a:xfrm>
+            <a:off x="7892760" y="5341270"/>
+            <a:ext cx="141402" cy="156217"/>
+          </a:xfrm>
+          <a:prstGeom prst="noSmoking">
+            <a:avLst/>
+          </a:prstGeom>
+          <a:solidFill>
+            <a:srgbClr val="FF0000"/>
+          </a:solidFill>
+          <a:ln>
+            <a:solidFill>
+              <a:srgbClr val="FF0000"/>
+            </a:solidFill>
+          </a:ln>
+        </p:spPr>
+        <p:style>
+          <a:lnRef idx="2">
+            <a:schemeClr val="accent1">
+              <a:shade val="50000"/>
+            </a:schemeClr>
+          </a:lnRef>
+          <a:fillRef idx="1">
+            <a:schemeClr val="accent1"/>
+          </a:fillRef>
+          <a:effectRef idx="0">
+            <a:schemeClr val="accent1"/>
+          </a:effectRef>
+          <a:fontRef idx="minor">
+            <a:schemeClr val="lt1"/>
+          </a:fontRef>
+        </p:style>
+        <p:txBody>
+          <a:bodyPr rtlCol="0" anchor="ctr"/>
+          <a:lstStyle/>
+          <a:p>
+            <a:pPr algn="ctr"/>
+            <a:endParaRPr lang="de-DE">
+              <a:solidFill>
+                <a:schemeClr val="tx1"/>
+              </a:solidFill>
+            </a:endParaRPr>
+          </a:p>
+        </p:txBody>
+      </p:sp>
+      <p:sp>
+        <p:nvSpPr>
+          <p:cNvPr id="103" name="Pfeil nach rechts 102"/>
+          <p:cNvSpPr/>
+          <p:nvPr/>
+        </p:nvSpPr>
+        <p:spPr>
+          <a:xfrm>
+            <a:off x="1543863" y="3944345"/>
+            <a:ext cx="488258" cy="314381"/>
+          </a:xfrm>
+          <a:prstGeom prst="rightArrow">
+            <a:avLst/>
+          </a:prstGeom>
+        </p:spPr>
+        <p:style>
+          <a:lnRef idx="2">
+            <a:schemeClr val="dk1">
+              <a:shade val="50000"/>
+            </a:schemeClr>
+          </a:lnRef>
+          <a:fillRef idx="1">
+            <a:schemeClr val="dk1"/>
+          </a:fillRef>
+          <a:effectRef idx="0">
+            <a:schemeClr val="dk1"/>
+          </a:effectRef>
+          <a:fontRef idx="minor">
+            <a:schemeClr val="lt1"/>
+          </a:fontRef>
+        </p:style>
+        <p:txBody>
+          <a:bodyPr rtlCol="0" anchor="ctr"/>
+          <a:lstStyle/>
+          <a:p>
+            <a:pPr algn="ctr"/>
+            <a:endParaRPr lang="de-DE"/>
+          </a:p>
+        </p:txBody>
+      </p:sp>
+      <p:sp>
+        <p:nvSpPr>
+          <p:cNvPr id="104" name="Textfeld 103"/>
+          <p:cNvSpPr txBox="1"/>
+          <p:nvPr/>
+        </p:nvSpPr>
+        <p:spPr>
+          <a:xfrm>
+            <a:off x="2392007" y="2168622"/>
+            <a:ext cx="1889876" cy="369332"/>
+          </a:xfrm>
+          <a:prstGeom prst="rect">
+            <a:avLst/>
+          </a:prstGeom>
+          <a:noFill/>
+        </p:spPr>
+        <p:txBody>
+          <a:bodyPr wrap="none" rtlCol="0">
+            <a:spAutoFit/>
+          </a:bodyPr>
+          <a:lstStyle/>
+          <a:p>
+            <a:r>
+              <a:rPr lang="de-DE" dirty="0" smtClean="0"/>
+              <a:t>Main-Task läuft an</a:t>
+            </a:r>
+          </a:p>
+        </p:txBody>
+      </p:sp>
+      <p:sp>
+        <p:nvSpPr>
+          <p:cNvPr id="105" name="Textfeld 104"/>
+          <p:cNvSpPr txBox="1"/>
+          <p:nvPr/>
+        </p:nvSpPr>
+        <p:spPr>
+          <a:xfrm>
+            <a:off x="4676012" y="2168622"/>
+            <a:ext cx="3254609" cy="369332"/>
+          </a:xfrm>
+          <a:prstGeom prst="rect">
+            <a:avLst/>
+          </a:prstGeom>
+          <a:noFill/>
+        </p:spPr>
+        <p:txBody>
+          <a:bodyPr wrap="none" rtlCol="0">
+            <a:spAutoFit/>
+          </a:bodyPr>
+          <a:lstStyle/>
+          <a:p>
+            <a:r>
+              <a:rPr lang="de-DE" dirty="0" smtClean="0"/>
+              <a:t>Client-Tasks pro Nutzer erzeugen</a:t>
+            </a:r>
+          </a:p>
+        </p:txBody>
+      </p:sp>
+      <p:pic>
+        <p:nvPicPr>
+          <p:cNvPr id="114" name="Picture 2" descr="https://image.freepik.com/free-icon/envelope-rectangular-outline-variant_318-46239.jpg"/>
+          <p:cNvPicPr>
+            <a:picLocks noChangeAspect="1" noChangeArrowheads="1"/>
+          </p:cNvPicPr>
+          <p:nvPr/>
+        </p:nvPicPr>
+        <p:blipFill>
+          <a:blip r:embed="rId5" cstate="print">
+            <a:extLst>
+              <a:ext uri="{28A0092B-C50C-407E-A947-70E740481C1C}">
+                <a14:useLocalDpi xmlns:a14="http://schemas.microsoft.com/office/drawing/2010/main" val="0"/>
+              </a:ext>
+            </a:extLst>
+          </a:blip>
+          <a:srcRect/>
+          <a:stretch>
+            <a:fillRect/>
+          </a:stretch>
+        </p:blipFill>
+        <p:spPr bwMode="auto">
+          <a:xfrm>
+            <a:off x="6974898" y="3386275"/>
+            <a:ext cx="375444" cy="375444"/>
+          </a:xfrm>
+          <a:prstGeom prst="rect">
+            <a:avLst/>
+          </a:prstGeom>
+          <a:noFill/>
+          <a:extLst>
+            <a:ext uri="{909E8E84-426E-40DD-AFC4-6F175D3DCCD1}">
+              <a14:hiddenFill xmlns:a14="http://schemas.microsoft.com/office/drawing/2010/main">
+                <a:solidFill>
+                  <a:srgbClr val="FFFFFF"/>
+                </a:solidFill>
+              </a14:hiddenFill>
+            </a:ext>
+          </a:extLst>
+        </p:spPr>
+      </p:pic>
+      <p:sp>
+        <p:nvSpPr>
+          <p:cNvPr id="115" name="Line 43"/>
+          <p:cNvSpPr>
+            <a:spLocks noChangeShapeType="1"/>
+          </p:cNvSpPr>
+          <p:nvPr/>
+        </p:nvSpPr>
+        <p:spPr bwMode="auto">
+          <a:xfrm flipH="1">
+            <a:off x="6879254" y="3386275"/>
+            <a:ext cx="191287" cy="0"/>
+          </a:xfrm>
+          <a:prstGeom prst="line">
+            <a:avLst/>
+          </a:prstGeom>
+          <a:noFill/>
+          <a:ln w="28575">
+            <a:solidFill>
+              <a:schemeClr val="tx1"/>
+            </a:solidFill>
+            <a:round/>
+            <a:headEnd/>
+            <a:tailEnd type="triangle" w="med" len="med"/>
+          </a:ln>
+          <a:extLst>
+            <a:ext uri="{909E8E84-426E-40DD-AFC4-6F175D3DCCD1}">
+              <a14:hiddenFill xmlns:a14="http://schemas.microsoft.com/office/drawing/2010/main">
+                <a:noFill/>
+              </a14:hiddenFill>
+            </a:ext>
+          </a:extLst>
+        </p:spPr>
+        <p:txBody>
+          <a:bodyPr lIns="82124" tIns="41061" rIns="82124" bIns="41061"/>
+          <a:lstStyle/>
+          <a:p>
+            <a:endParaRPr lang="de-DE"/>
+          </a:p>
+        </p:txBody>
+      </p:sp>
+      <p:sp>
+        <p:nvSpPr>
+          <p:cNvPr id="2065" name="Rad 2064"/>
+          <p:cNvSpPr/>
+          <p:nvPr/>
+        </p:nvSpPr>
+        <p:spPr>
+          <a:xfrm>
+            <a:off x="7318131" y="3572662"/>
+            <a:ext cx="141402" cy="140721"/>
+          </a:xfrm>
+          <a:prstGeom prst="donut">
+            <a:avLst/>
+          </a:prstGeom>
+          <a:solidFill>
+            <a:srgbClr val="00B050"/>
+          </a:solidFill>
+          <a:ln>
+            <a:solidFill>
+              <a:srgbClr val="00B050"/>
+            </a:solidFill>
+          </a:ln>
+        </p:spPr>
+        <p:style>
+          <a:lnRef idx="2">
+            <a:schemeClr val="accent1">
+              <a:shade val="50000"/>
+            </a:schemeClr>
+          </a:lnRef>
+          <a:fillRef idx="1">
+            <a:schemeClr val="accent1"/>
+          </a:fillRef>
+          <a:effectRef idx="0">
+            <a:schemeClr val="accent1"/>
+          </a:effectRef>
+          <a:fontRef idx="minor">
+            <a:schemeClr val="lt1"/>
+          </a:fontRef>
+        </p:style>
+        <p:txBody>
+          <a:bodyPr rtlCol="0" anchor="ctr"/>
+          <a:lstStyle/>
+          <a:p>
+            <a:pPr algn="ctr"/>
+            <a:endParaRPr lang="de-DE">
+              <a:ln>
+                <a:solidFill>
+                  <a:srgbClr val="00B050"/>
+                </a:solidFill>
+              </a:ln>
+              <a:solidFill>
+                <a:srgbClr val="00B050"/>
+              </a:solidFill>
+            </a:endParaRPr>
+          </a:p>
+        </p:txBody>
+      </p:sp>
+      <p:pic>
+        <p:nvPicPr>
+          <p:cNvPr id="2066" name="Picture 4" descr="Play 1 Hot icon"/>
+          <p:cNvPicPr>
+            <a:picLocks noChangeAspect="1" noChangeArrowheads="1"/>
+          </p:cNvPicPr>
+          <p:nvPr/>
+        </p:nvPicPr>
+        <p:blipFill>
+          <a:blip r:embed="rId6" cstate="print">
+            <a:extLst>
+              <a:ext uri="{28A0092B-C50C-407E-A947-70E740481C1C}">
+                <a14:useLocalDpi xmlns:a14="http://schemas.microsoft.com/office/drawing/2010/main" val="0"/>
+              </a:ext>
+            </a:extLst>
+          </a:blip>
+          <a:srcRect/>
+          <a:stretch>
+            <a:fillRect/>
+          </a:stretch>
+        </p:blipFill>
+        <p:spPr bwMode="auto">
+          <a:xfrm>
+            <a:off x="484461" y="3855134"/>
+            <a:ext cx="485448" cy="485448"/>
+          </a:xfrm>
+          <a:prstGeom prst="rect">
+            <a:avLst/>
+          </a:prstGeom>
+          <a:noFill/>
+          <a:extLst>
+            <a:ext uri="{909E8E84-426E-40DD-AFC4-6F175D3DCCD1}">
+              <a14:hiddenFill xmlns:a14="http://schemas.microsoft.com/office/drawing/2010/main">
+                <a:solidFill>
+                  <a:srgbClr val="FFFFFF"/>
+                </a:solidFill>
+              </a14:hiddenFill>
+            </a:ext>
+          </a:extLst>
+        </p:spPr>
+      </p:pic>
+    </p:spTree>
+    <p:extLst>
+      <p:ext uri="{BB962C8B-B14F-4D97-AF65-F5344CB8AC3E}">
+        <p14:creationId xmlns:p14="http://schemas.microsoft.com/office/powerpoint/2010/main" val="1187591999"/>
+      </p:ext>
+    </p:extLst>
+  </p:cSld>
+  <p:clrMapOvr>
+    <a:masterClrMapping/>
+  </p:clrMapOvr>
+  <p:timing>
+    <p:tnLst>
+      <p:par>
+        <p:cTn id="1" dur="indefinite" restart="never" nodeType="tmRoot"/>
+      </p:par>
+    </p:tnLst>
+  </p:timing>
+</p:sld>
+</file>
+
+<file path=ppt/slides/slide8.xml><?xml version="1.0" encoding="utf-8"?>
+<p:sld xmlns:a="http://schemas.openxmlformats.org/drawingml/2006/main" xmlns:r="http://schemas.openxmlformats.org/officeDocument/2006/relationships" xmlns:p="http://schemas.openxmlformats.org/presentationml/2006/main">
+  <p:cSld>
+    <p:spTree>
+      <p:nvGrpSpPr>
+        <p:cNvPr id="1" name=""/>
+        <p:cNvGrpSpPr/>
+        <p:nvPr/>
+      </p:nvGrpSpPr>
+      <p:grpSpPr>
+        <a:xfrm>
+          <a:off x="0" y="0"/>
+          <a:ext cx="0" cy="0"/>
+          <a:chOff x="0" y="0"/>
+          <a:chExt cx="0" cy="0"/>
+        </a:xfrm>
+      </p:grpSpPr>
+      <p:sp>
+        <p:nvSpPr>
+          <p:cNvPr id="2" name="Titel 1"/>
+          <p:cNvSpPr>
+            <a:spLocks noGrp="1"/>
+          </p:cNvSpPr>
+          <p:nvPr>
+            <p:ph type="title"/>
+          </p:nvPr>
+        </p:nvSpPr>
+        <p:spPr>
+          <a:xfrm>
+            <a:off x="360000" y="1317222"/>
+            <a:ext cx="8246118" cy="569556"/>
+          </a:xfrm>
+        </p:spPr>
+        <p:txBody>
+          <a:bodyPr/>
+          <a:lstStyle/>
+          <a:p>
+            <a:r>
+              <a:rPr lang="de-DE" dirty="0" smtClean="0"/>
+              <a:t>Anwendungspräsentation</a:t>
+            </a:r>
+            <a:endParaRPr lang="de-DE" dirty="0"/>
+          </a:p>
+        </p:txBody>
+      </p:sp>
+      <p:sp>
+        <p:nvSpPr>
+          <p:cNvPr id="3" name="Inhaltsplatzhalter 2"/>
+          <p:cNvSpPr>
+            <a:spLocks noGrp="1"/>
+          </p:cNvSpPr>
+          <p:nvPr>
+            <p:ph idx="1"/>
+          </p:nvPr>
+        </p:nvSpPr>
+        <p:spPr/>
+        <p:txBody>
+          <a:bodyPr/>
+          <a:lstStyle/>
+          <a:p>
+            <a:r>
+              <a:rPr lang="de-DE" dirty="0" smtClean="0"/>
+              <a:t>Server und Clients startklar, von unterschiedlichen Rechnern aus!</a:t>
+            </a:r>
+          </a:p>
+          <a:p>
+            <a:r>
+              <a:rPr lang="de-DE" dirty="0" smtClean="0"/>
+              <a:t>Funktionen demonstrieren </a:t>
+            </a:r>
+          </a:p>
+          <a:p>
+            <a:r>
+              <a:rPr lang="de-DE" dirty="0" smtClean="0"/>
+              <a:t>Wenn es um die Server Funktionen geht, Server auf Präsentationslaptop, wenn um die Client Funktionen extra Client </a:t>
+            </a:r>
+            <a:r>
+              <a:rPr lang="de-DE" dirty="0"/>
+              <a:t>F</a:t>
+            </a:r>
+            <a:r>
+              <a:rPr lang="de-DE" dirty="0" smtClean="0"/>
+              <a:t>enster auf diesem Laptop ansonsten kommt </a:t>
+            </a:r>
+            <a:r>
+              <a:rPr lang="de-DE" dirty="0"/>
+              <a:t>I</a:t>
+            </a:r>
+            <a:r>
+              <a:rPr lang="de-DE" dirty="0" smtClean="0"/>
+              <a:t>nput von außerhalb</a:t>
+            </a:r>
+            <a:endParaRPr lang="de-DE" dirty="0"/>
+          </a:p>
+        </p:txBody>
+      </p:sp>
+    </p:spTree>
+    <p:extLst>
+      <p:ext uri="{BB962C8B-B14F-4D97-AF65-F5344CB8AC3E}">
+        <p14:creationId xmlns:p14="http://schemas.microsoft.com/office/powerpoint/2010/main" val="3584050163"/>
+      </p:ext>
+    </p:extLst>
+  </p:cSld>
+  <p:clrMapOvr>
+    <a:masterClrMapping/>
+  </p:clrMapOvr>
+  <p:timing>
+    <p:tnLst>
+      <p:par>
+        <p:cTn id="1" dur="indefinite" restart="never" nodeType="tmRoot"/>
+      </p:par>
+    </p:tnLst>
+  </p:timing>
+</p:sld>
+</file>
+
+<file path=ppt/slides/slide9.xml><?xml version="1.0" encoding="utf-8"?>
+<p:sld xmlns:a="http://schemas.openxmlformats.org/drawingml/2006/main" xmlns:r="http://schemas.openxmlformats.org/officeDocument/2006/relationships" xmlns:p="http://schemas.openxmlformats.org/presentationml/2006/main">
+  <p:cSld>
+    <p:spTree>
+      <p:nvGrpSpPr>
+        <p:cNvPr id="1" name=""/>
+        <p:cNvGrpSpPr/>
+        <p:nvPr/>
+      </p:nvGrpSpPr>
+      <p:grpSpPr>
+        <a:xfrm>
+          <a:off x="0" y="0"/>
+          <a:ext cx="0" cy="0"/>
+          <a:chOff x="0" y="0"/>
+          <a:chExt cx="0" cy="0"/>
+        </a:xfrm>
+      </p:grpSpPr>
+      <p:sp>
+        <p:nvSpPr>
+          <p:cNvPr id="2" name="Titel 1"/>
+          <p:cNvSpPr>
+            <a:spLocks noGrp="1"/>
+          </p:cNvSpPr>
+          <p:nvPr>
+            <p:ph type="title"/>
+          </p:nvPr>
+        </p:nvSpPr>
+        <p:spPr>
+          <a:xfrm>
+            <a:off x="360000" y="1317222"/>
+            <a:ext cx="8246118" cy="569556"/>
+          </a:xfrm>
+        </p:spPr>
+        <p:txBody>
+          <a:bodyPr/>
+          <a:lstStyle/>
+          <a:p>
+            <a:r>
+              <a:rPr lang="de-DE" dirty="0" smtClean="0"/>
+              <a:t>Erweiterbarkeit</a:t>
+            </a:r>
+            <a:endParaRPr lang="de-DE" dirty="0"/>
+          </a:p>
+        </p:txBody>
+      </p:sp>
+      <p:sp>
+        <p:nvSpPr>
+          <p:cNvPr id="3" name="Inhaltsplatzhalter 2"/>
+          <p:cNvSpPr>
+            <a:spLocks noGrp="1"/>
+          </p:cNvSpPr>
+          <p:nvPr>
+            <p:ph idx="1"/>
+          </p:nvPr>
+        </p:nvSpPr>
+        <p:spPr/>
+        <p:txBody>
+          <a:bodyPr/>
+          <a:lstStyle/>
+          <a:p>
+            <a:r>
+              <a:rPr lang="de-DE" dirty="0" smtClean="0"/>
+              <a:t>Protokoll leicht erweiterbar durch Typen</a:t>
+            </a:r>
+          </a:p>
+          <a:p>
+            <a:r>
+              <a:rPr lang="de-DE" dirty="0" smtClean="0"/>
+              <a:t>Ideen nennen, </a:t>
+            </a:r>
+            <a:r>
+              <a:rPr lang="de-DE" dirty="0" err="1" smtClean="0"/>
+              <a:t>z.b.</a:t>
+            </a:r>
+            <a:r>
+              <a:rPr lang="de-DE" dirty="0" smtClean="0"/>
+              <a:t> </a:t>
+            </a:r>
+            <a:r>
+              <a:rPr lang="de-DE" dirty="0" err="1" smtClean="0"/>
+              <a:t>Smiles</a:t>
+            </a:r>
+            <a:r>
+              <a:rPr lang="de-DE" dirty="0" smtClean="0"/>
+              <a:t>, </a:t>
+            </a:r>
+            <a:r>
+              <a:rPr lang="de-DE" dirty="0" err="1" smtClean="0"/>
+              <a:t>History</a:t>
+            </a:r>
+            <a:r>
+              <a:rPr lang="de-DE" dirty="0" smtClean="0"/>
+              <a:t> Log, Spiele wie in </a:t>
+            </a:r>
+            <a:r>
+              <a:rPr lang="de-DE" dirty="0" err="1" smtClean="0"/>
+              <a:t>ClientGUI</a:t>
+            </a:r>
+            <a:r>
+              <a:rPr lang="de-DE" dirty="0" smtClean="0"/>
+              <a:t> schon zu sehen</a:t>
+            </a:r>
+            <a:endParaRPr lang="de-DE" dirty="0"/>
+          </a:p>
+        </p:txBody>
+      </p:sp>
+    </p:spTree>
+    <p:extLst>
+      <p:ext uri="{BB962C8B-B14F-4D97-AF65-F5344CB8AC3E}">
+        <p14:creationId xmlns:p14="http://schemas.microsoft.com/office/powerpoint/2010/main" val="2380641263"/>
+      </p:ext>
+    </p:extLst>
+  </p:cSld>
+  <p:clrMapOvr>
+    <a:masterClrMapping/>
+  </p:clrMapOvr>
+  <p:timing>
+    <p:tnLst>
+      <p:par>
+        <p:cTn id="1" dur="indefinite" restart="never" nodeType="tmRoot"/>
+      </p:par>
+    </p:tnLst>
+  </p:timing>
 </p:sld>
 </file>
 
@@ -1829,4 +6147,265 @@
     </a:ext>
   </a:extLst>
 </a:theme>
+</file>
+
+<file path=ppt/theme/theme2.xml><?xml version="1.0" encoding="utf-8"?>
+<a:theme xmlns:a="http://schemas.openxmlformats.org/drawingml/2006/main" name="Office Theme">
+  <a:themeElements>
+    <a:clrScheme name="Office">
+      <a:dk1>
+        <a:sysClr val="windowText" lastClr="000000"/>
+      </a:dk1>
+      <a:lt1>
+        <a:sysClr val="window" lastClr="FFFFFF"/>
+      </a:lt1>
+      <a:dk2>
+        <a:srgbClr val="44546A"/>
+      </a:dk2>
+      <a:lt2>
+        <a:srgbClr val="E7E6E6"/>
+      </a:lt2>
+      <a:accent1>
+        <a:srgbClr val="5B9BD5"/>
+      </a:accent1>
+      <a:accent2>
+        <a:srgbClr val="ED7D31"/>
+      </a:accent2>
+      <a:accent3>
+        <a:srgbClr val="A5A5A5"/>
+      </a:accent3>
+      <a:accent4>
+        <a:srgbClr val="FFC000"/>
+      </a:accent4>
+      <a:accent5>
+        <a:srgbClr val="4472C4"/>
+      </a:accent5>
+      <a:accent6>
+        <a:srgbClr val="70AD47"/>
+      </a:accent6>
+      <a:hlink>
+        <a:srgbClr val="0563C1"/>
+      </a:hlink>
+      <a:folHlink>
+        <a:srgbClr val="954F72"/>
+      </a:folHlink>
+    </a:clrScheme>
+    <a:fontScheme name="Office">
+      <a:majorFont>
+        <a:latin typeface="Calibri Light" panose="020F0302020204030204"/>
+        <a:ea typeface=""/>
+        <a:cs typeface=""/>
+        <a:font script="Jpan" typeface="ＭＳ Ｐゴシック"/>
+        <a:font script="Hang" typeface="맑은 고딕"/>
+        <a:font script="Hans" typeface="宋体"/>
+        <a:font script="Hant" typeface="新細明體"/>
+        <a:font script="Arab" typeface="Times New Roman"/>
+        <a:font script="Hebr" typeface="Times New Roman"/>
+        <a:font script="Thai" typeface="Angsana New"/>
+        <a:font script="Ethi" typeface="Nyala"/>
+        <a:font script="Beng" typeface="Vrinda"/>
+        <a:font script="Gujr" typeface="Shruti"/>
+        <a:font script="Khmr" typeface="MoolBoran"/>
+        <a:font script="Knda" typeface="Tunga"/>
+        <a:font script="Guru" typeface="Raavi"/>
+        <a:font script="Cans" typeface="Euphemia"/>
+        <a:font script="Cher" typeface="Plantagenet Cherokee"/>
+        <a:font script="Yiii" typeface="Microsoft Yi Baiti"/>
+        <a:font script="Tibt" typeface="Microsoft Himalaya"/>
+        <a:font script="Thaa" typeface="MV Boli"/>
+        <a:font script="Deva" typeface="Mangal"/>
+        <a:font script="Telu" typeface="Gautami"/>
+        <a:font script="Taml" typeface="Latha"/>
+        <a:font script="Syrc" typeface="Estrangelo Edessa"/>
+        <a:font script="Orya" typeface="Kalinga"/>
+        <a:font script="Mlym" typeface="Kartika"/>
+        <a:font script="Laoo" typeface="DokChampa"/>
+        <a:font script="Sinh" typeface="Iskoola Pota"/>
+        <a:font script="Mong" typeface="Mongolian Baiti"/>
+        <a:font script="Viet" typeface="Times New Roman"/>
+        <a:font script="Uigh" typeface="Microsoft Uighur"/>
+        <a:font script="Geor" typeface="Sylfaen"/>
+      </a:majorFont>
+      <a:minorFont>
+        <a:latin typeface="Calibri" panose="020F0502020204030204"/>
+        <a:ea typeface=""/>
+        <a:cs typeface=""/>
+        <a:font script="Jpan" typeface="ＭＳ Ｐゴシック"/>
+        <a:font script="Hang" typeface="맑은 고딕"/>
+        <a:font script="Hans" typeface="宋体"/>
+        <a:font script="Hant" typeface="新細明體"/>
+        <a:font script="Arab" typeface="Arial"/>
+        <a:font script="Hebr" typeface="Arial"/>
+        <a:font script="Thai" typeface="Cordia New"/>
+        <a:font script="Ethi" typeface="Nyala"/>
+        <a:font script="Beng" typeface="Vrinda"/>
+        <a:font script="Gujr" typeface="Shruti"/>
+        <a:font script="Khmr" typeface="DaunPenh"/>
+        <a:font script="Knda" typeface="Tunga"/>
+        <a:font script="Guru" typeface="Raavi"/>
+        <a:font script="Cans" typeface="Euphemia"/>
+        <a:font script="Cher" typeface="Plantagenet Cherokee"/>
+        <a:font script="Yiii" typeface="Microsoft Yi Baiti"/>
+        <a:font script="Tibt" typeface="Microsoft Himalaya"/>
+        <a:font script="Thaa" typeface="MV Boli"/>
+        <a:font script="Deva" typeface="Mangal"/>
+        <a:font script="Telu" typeface="Gautami"/>
+        <a:font script="Taml" typeface="Latha"/>
+        <a:font script="Syrc" typeface="Estrangelo Edessa"/>
+        <a:font script="Orya" typeface="Kalinga"/>
+        <a:font script="Mlym" typeface="Kartika"/>
+        <a:font script="Laoo" typeface="DokChampa"/>
+        <a:font script="Sinh" typeface="Iskoola Pota"/>
+        <a:font script="Mong" typeface="Mongolian Baiti"/>
+        <a:font script="Viet" typeface="Arial"/>
+        <a:font script="Uigh" typeface="Microsoft Uighur"/>
+        <a:font script="Geor" typeface="Sylfaen"/>
+      </a:minorFont>
+    </a:fontScheme>
+    <a:fmtScheme name="Office">
+      <a:fillStyleLst>
+        <a:solidFill>
+          <a:schemeClr val="phClr"/>
+        </a:solidFill>
+        <a:gradFill rotWithShape="1">
+          <a:gsLst>
+            <a:gs pos="0">
+              <a:schemeClr val="phClr">
+                <a:lumMod val="110000"/>
+                <a:satMod val="105000"/>
+                <a:tint val="67000"/>
+              </a:schemeClr>
+            </a:gs>
+            <a:gs pos="50000">
+              <a:schemeClr val="phClr">
+                <a:lumMod val="105000"/>
+                <a:satMod val="103000"/>
+                <a:tint val="73000"/>
+              </a:schemeClr>
+            </a:gs>
+            <a:gs pos="100000">
+              <a:schemeClr val="phClr">
+                <a:lumMod val="105000"/>
+                <a:satMod val="109000"/>
+                <a:tint val="81000"/>
+              </a:schemeClr>
+            </a:gs>
+          </a:gsLst>
+          <a:lin ang="5400000" scaled="0"/>
+        </a:gradFill>
+        <a:gradFill rotWithShape="1">
+          <a:gsLst>
+            <a:gs pos="0">
+              <a:schemeClr val="phClr">
+                <a:satMod val="103000"/>
+                <a:lumMod val="102000"/>
+                <a:tint val="94000"/>
+              </a:schemeClr>
+            </a:gs>
+            <a:gs pos="50000">
+              <a:schemeClr val="phClr">
+                <a:satMod val="110000"/>
+                <a:lumMod val="100000"/>
+                <a:shade val="100000"/>
+              </a:schemeClr>
+            </a:gs>
+            <a:gs pos="100000">
+              <a:schemeClr val="phClr">
+                <a:lumMod val="99000"/>
+                <a:satMod val="120000"/>
+                <a:shade val="78000"/>
+              </a:schemeClr>
+            </a:gs>
+          </a:gsLst>
+          <a:lin ang="5400000" scaled="0"/>
+        </a:gradFill>
+      </a:fillStyleLst>
+      <a:lnStyleLst>
+        <a:ln w="6350" cap="flat" cmpd="sng" algn="ctr">
+          <a:solidFill>
+            <a:schemeClr val="phClr"/>
+          </a:solidFill>
+          <a:prstDash val="solid"/>
+          <a:miter lim="800000"/>
+        </a:ln>
+        <a:ln w="12700" cap="flat" cmpd="sng" algn="ctr">
+          <a:solidFill>
+            <a:schemeClr val="phClr"/>
+          </a:solidFill>
+          <a:prstDash val="solid"/>
+          <a:miter lim="800000"/>
+        </a:ln>
+        <a:ln w="19050" cap="flat" cmpd="sng" algn="ctr">
+          <a:solidFill>
+            <a:schemeClr val="phClr"/>
+          </a:solidFill>
+          <a:prstDash val="solid"/>
+          <a:miter lim="800000"/>
+        </a:ln>
+      </a:lnStyleLst>
+      <a:effectStyleLst>
+        <a:effectStyle>
+          <a:effectLst/>
+        </a:effectStyle>
+        <a:effectStyle>
+          <a:effectLst/>
+        </a:effectStyle>
+        <a:effectStyle>
+          <a:effectLst>
+            <a:outerShdw blurRad="57150" dist="19050" dir="5400000" algn="ctr" rotWithShape="0">
+              <a:srgbClr val="000000">
+                <a:alpha val="63000"/>
+              </a:srgbClr>
+            </a:outerShdw>
+          </a:effectLst>
+        </a:effectStyle>
+      </a:effectStyleLst>
+      <a:bgFillStyleLst>
+        <a:solidFill>
+          <a:schemeClr val="phClr"/>
+        </a:solidFill>
+        <a:solidFill>
+          <a:schemeClr val="phClr">
+            <a:tint val="95000"/>
+            <a:satMod val="170000"/>
+          </a:schemeClr>
+        </a:solidFill>
+        <a:gradFill rotWithShape="1">
+          <a:gsLst>
+            <a:gs pos="0">
+              <a:schemeClr val="phClr">
+                <a:tint val="93000"/>
+                <a:satMod val="150000"/>
+                <a:shade val="98000"/>
+                <a:lumMod val="102000"/>
+              </a:schemeClr>
+            </a:gs>
+            <a:gs pos="50000">
+              <a:schemeClr val="phClr">
+                <a:tint val="98000"/>
+                <a:satMod val="130000"/>
+                <a:shade val="90000"/>
+                <a:lumMod val="103000"/>
+              </a:schemeClr>
+            </a:gs>
+            <a:gs pos="100000">
+              <a:schemeClr val="phClr">
+                <a:shade val="63000"/>
+                <a:satMod val="120000"/>
+              </a:schemeClr>
+            </a:gs>
+          </a:gsLst>
+          <a:lin ang="5400000" scaled="0"/>
+        </a:gradFill>
+      </a:bgFillStyleLst>
+    </a:fmtScheme>
+  </a:themeElements>
+  <a:objectDefaults/>
+  <a:extraClrSchemeLst/>
+  <a:extLst>
+    <a:ext uri="{05A4C25C-085E-4340-85A3-A5531E510DB2}">
+      <thm15:themeFamily xmlns:thm15="http://schemas.microsoft.com/office/thememl/2012/main" name="Office Theme" id="{62F939B6-93AF-4DB8-9C6B-D6C7DFDC589F}" vid="{4A3C46E8-61CC-4603-A589-7422A47A8E4A}"/>
+    </a:ext>
+  </a:extLst>
+</a:theme>
 </file>
--- a/documentation/Ada Chat.pptx
+++ b/documentation/Ada Chat.pptx
@@ -5,7 +5,7 @@
     <p:sldMasterId id="2147483648" r:id="rId1"/>
   </p:sldMasterIdLst>
   <p:notesMasterIdLst>
-    <p:notesMasterId r:id="rId13"/>
+    <p:notesMasterId r:id="rId12"/>
   </p:notesMasterIdLst>
   <p:sldIdLst>
     <p:sldId id="256" r:id="rId2"/>
@@ -13,12 +13,11 @@
     <p:sldId id="258" r:id="rId4"/>
     <p:sldId id="259" r:id="rId5"/>
     <p:sldId id="260" r:id="rId6"/>
-    <p:sldId id="261" r:id="rId7"/>
-    <p:sldId id="265" r:id="rId8"/>
-    <p:sldId id="262" r:id="rId9"/>
-    <p:sldId id="263" r:id="rId10"/>
-    <p:sldId id="264" r:id="rId11"/>
-    <p:sldId id="266" r:id="rId12"/>
+    <p:sldId id="265" r:id="rId7"/>
+    <p:sldId id="262" r:id="rId8"/>
+    <p:sldId id="263" r:id="rId9"/>
+    <p:sldId id="264" r:id="rId10"/>
+    <p:sldId id="266" r:id="rId11"/>
   </p:sldIdLst>
   <p:sldSz cx="9144000" cy="6858000" type="screen4x3"/>
   <p:notesSz cx="6858000" cy="9144000"/>
@@ -558,6 +557,104 @@
     <p:extLst>
       <p:ext uri="{BB962C8B-B14F-4D97-AF65-F5344CB8AC3E}">
         <p14:creationId xmlns:p14="http://schemas.microsoft.com/office/powerpoint/2010/main" val="3149184629"/>
+      </p:ext>
+    </p:extLst>
+  </p:cSld>
+  <p:clrMapOvr>
+    <a:masterClrMapping/>
+  </p:clrMapOvr>
+</p:notes>
+</file>
+
+<file path=ppt/notesSlides/notesSlide2.xml><?xml version="1.0" encoding="utf-8"?>
+<p:notes xmlns:a="http://schemas.openxmlformats.org/drawingml/2006/main" xmlns:r="http://schemas.openxmlformats.org/officeDocument/2006/relationships" xmlns:p="http://schemas.openxmlformats.org/presentationml/2006/main">
+  <p:cSld>
+    <p:spTree>
+      <p:nvGrpSpPr>
+        <p:cNvPr id="1" name=""/>
+        <p:cNvGrpSpPr/>
+        <p:nvPr/>
+      </p:nvGrpSpPr>
+      <p:grpSpPr>
+        <a:xfrm>
+          <a:off x="0" y="0"/>
+          <a:ext cx="0" cy="0"/>
+          <a:chOff x="0" y="0"/>
+          <a:chExt cx="0" cy="0"/>
+        </a:xfrm>
+      </p:grpSpPr>
+      <p:sp>
+        <p:nvSpPr>
+          <p:cNvPr id="2" name="Folienbildplatzhalter 1"/>
+          <p:cNvSpPr>
+            <a:spLocks noGrp="1" noRot="1" noChangeAspect="1"/>
+          </p:cNvSpPr>
+          <p:nvPr>
+            <p:ph type="sldImg"/>
+          </p:nvPr>
+        </p:nvSpPr>
+        <p:spPr/>
+      </p:sp>
+      <p:sp>
+        <p:nvSpPr>
+          <p:cNvPr id="3" name="Notizenplatzhalter 2"/>
+          <p:cNvSpPr>
+            <a:spLocks noGrp="1"/>
+          </p:cNvSpPr>
+          <p:nvPr>
+            <p:ph type="body" idx="1"/>
+          </p:nvPr>
+        </p:nvSpPr>
+        <p:spPr/>
+        <p:txBody>
+          <a:bodyPr/>
+          <a:lstStyle/>
+          <a:p>
+            <a:r>
+              <a:rPr lang="de-DE" dirty="0" smtClean="0"/>
+              <a:t>Bild Server, frei dazu reden,</a:t>
+            </a:r>
+            <a:r>
+              <a:rPr lang="de-DE" baseline="0" dirty="0" smtClean="0"/>
+              <a:t> </a:t>
+            </a:r>
+            <a:r>
+              <a:rPr lang="de-DE" dirty="0" smtClean="0"/>
+              <a:t>Client analog</a:t>
+            </a:r>
+          </a:p>
+          <a:p>
+            <a:endParaRPr lang="de-DE" dirty="0"/>
+          </a:p>
+        </p:txBody>
+      </p:sp>
+      <p:sp>
+        <p:nvSpPr>
+          <p:cNvPr id="4" name="Foliennummernplatzhalter 3"/>
+          <p:cNvSpPr>
+            <a:spLocks noGrp="1"/>
+          </p:cNvSpPr>
+          <p:nvPr>
+            <p:ph type="sldNum" sz="quarter" idx="10"/>
+          </p:nvPr>
+        </p:nvSpPr>
+        <p:spPr/>
+        <p:txBody>
+          <a:bodyPr/>
+          <a:lstStyle/>
+          <a:p>
+            <a:fld id="{B86A5C8B-E559-406D-A6CE-B08D815A3D7D}" type="slidenum">
+              <a:rPr lang="de-DE" smtClean="0"/>
+              <a:t>6</a:t>
+            </a:fld>
+            <a:endParaRPr lang="de-DE"/>
+          </a:p>
+        </p:txBody>
+      </p:sp>
+    </p:spTree>
+    <p:extLst>
+      <p:ext uri="{BB962C8B-B14F-4D97-AF65-F5344CB8AC3E}">
+        <p14:creationId xmlns:p14="http://schemas.microsoft.com/office/powerpoint/2010/main" val="3383661962"/>
       </p:ext>
     </p:extLst>
   </p:cSld>
@@ -1958,128 +2055,6 @@
           <a:p>
             <a:r>
               <a:rPr lang="de-DE" dirty="0" smtClean="0"/>
-              <a:t>Hindernisse</a:t>
-            </a:r>
-            <a:endParaRPr lang="de-DE" dirty="0"/>
-          </a:p>
-        </p:txBody>
-      </p:sp>
-      <p:sp>
-        <p:nvSpPr>
-          <p:cNvPr id="3" name="Inhaltsplatzhalter 2"/>
-          <p:cNvSpPr>
-            <a:spLocks noGrp="1"/>
-          </p:cNvSpPr>
-          <p:nvPr>
-            <p:ph idx="1"/>
-          </p:nvPr>
-        </p:nvSpPr>
-        <p:spPr/>
-        <p:txBody>
-          <a:bodyPr/>
-          <a:lstStyle/>
-          <a:p>
-            <a:r>
-              <a:rPr lang="de-DE" dirty="0" smtClean="0"/>
-              <a:t>Dokumentation von Ada und GTK</a:t>
-            </a:r>
-          </a:p>
-          <a:p>
-            <a:r>
-              <a:rPr lang="de-DE" dirty="0" smtClean="0"/>
-              <a:t>Zirkuläre Abhängigkeiten</a:t>
-            </a:r>
-          </a:p>
-          <a:p>
-            <a:r>
-              <a:rPr lang="de-DE" dirty="0" smtClean="0"/>
-              <a:t>Pointer Verhalten unklar, wann Call </a:t>
-            </a:r>
-            <a:r>
-              <a:rPr lang="de-DE" dirty="0" err="1" smtClean="0"/>
-              <a:t>by</a:t>
-            </a:r>
-            <a:r>
-              <a:rPr lang="de-DE" dirty="0" smtClean="0"/>
-              <a:t> Value wann Call </a:t>
-            </a:r>
-            <a:r>
-              <a:rPr lang="de-DE" dirty="0" err="1" smtClean="0"/>
-              <a:t>by</a:t>
-            </a:r>
-            <a:r>
-              <a:rPr lang="de-DE" dirty="0" smtClean="0"/>
-              <a:t> Reference </a:t>
-            </a:r>
-          </a:p>
-          <a:p>
-            <a:r>
-              <a:rPr lang="de-DE" dirty="0" err="1" smtClean="0"/>
-              <a:t>Compilermagic</a:t>
-            </a:r>
-            <a:endParaRPr lang="de-DE" dirty="0"/>
-          </a:p>
-        </p:txBody>
-      </p:sp>
-    </p:spTree>
-    <p:extLst>
-      <p:ext uri="{BB962C8B-B14F-4D97-AF65-F5344CB8AC3E}">
-        <p14:creationId xmlns:p14="http://schemas.microsoft.com/office/powerpoint/2010/main" val="2243141793"/>
-      </p:ext>
-    </p:extLst>
-  </p:cSld>
-  <p:clrMapOvr>
-    <a:masterClrMapping/>
-  </p:clrMapOvr>
-  <p:timing>
-    <p:tnLst>
-      <p:par>
-        <p:cTn id="1" dur="indefinite" restart="never" nodeType="tmRoot"/>
-      </p:par>
-    </p:tnLst>
-  </p:timing>
-</p:sld>
-</file>
-
-<file path=ppt/slides/slide11.xml><?xml version="1.0" encoding="utf-8"?>
-<p:sld xmlns:a="http://schemas.openxmlformats.org/drawingml/2006/main" xmlns:r="http://schemas.openxmlformats.org/officeDocument/2006/relationships" xmlns:p="http://schemas.openxmlformats.org/presentationml/2006/main">
-  <p:cSld>
-    <p:spTree>
-      <p:nvGrpSpPr>
-        <p:cNvPr id="1" name=""/>
-        <p:cNvGrpSpPr/>
-        <p:nvPr/>
-      </p:nvGrpSpPr>
-      <p:grpSpPr>
-        <a:xfrm>
-          <a:off x="0" y="0"/>
-          <a:ext cx="0" cy="0"/>
-          <a:chOff x="0" y="0"/>
-          <a:chExt cx="0" cy="0"/>
-        </a:xfrm>
-      </p:grpSpPr>
-      <p:sp>
-        <p:nvSpPr>
-          <p:cNvPr id="2" name="Titel 1"/>
-          <p:cNvSpPr>
-            <a:spLocks noGrp="1"/>
-          </p:cNvSpPr>
-          <p:nvPr>
-            <p:ph type="title"/>
-          </p:nvPr>
-        </p:nvSpPr>
-        <p:spPr>
-          <a:xfrm>
-            <a:off x="360000" y="1317222"/>
-            <a:ext cx="8246118" cy="569556"/>
-          </a:xfrm>
-        </p:spPr>
-        <p:txBody>
-          <a:bodyPr/>
-          <a:lstStyle/>
-          <a:p>
-            <a:r>
-              <a:rPr lang="de-DE" dirty="0" smtClean="0"/>
               <a:t>Implementierungslogik – anderes Wort finden</a:t>
             </a:r>
             <a:endParaRPr lang="de-DE" dirty="0"/>
@@ -3342,6 +3317,13 @@
   <p:clrMapOvr>
     <a:masterClrMapping/>
   </p:clrMapOvr>
+  <p:timing>
+    <p:tnLst>
+      <p:par>
+        <p:cTn id="1" dur="indefinite" restart="never" nodeType="tmRoot"/>
+      </p:par>
+    </p:tnLst>
+  </p:timing>
 </p:sld>
 </file>
 
@@ -3655,6 +3637,13 @@
   <p:clrMapOvr>
     <a:masterClrMapping/>
   </p:clrMapOvr>
+  <p:timing>
+    <p:tnLst>
+      <p:par>
+        <p:cTn id="1" dur="indefinite" restart="never" nodeType="tmRoot"/>
+      </p:par>
+    </p:tnLst>
+  </p:timing>
 </p:sld>
 </file>
 
@@ -3760,97 +3749,17 @@
   <p:clrMapOvr>
     <a:masterClrMapping/>
   </p:clrMapOvr>
+  <p:timing>
+    <p:tnLst>
+      <p:par>
+        <p:cTn id="1" dur="indefinite" restart="never" nodeType="tmRoot"/>
+      </p:par>
+    </p:tnLst>
+  </p:timing>
 </p:sld>
 </file>
 
 <file path=ppt/slides/slide6.xml><?xml version="1.0" encoding="utf-8"?>
-<p:sld xmlns:a="http://schemas.openxmlformats.org/drawingml/2006/main" xmlns:r="http://schemas.openxmlformats.org/officeDocument/2006/relationships" xmlns:p="http://schemas.openxmlformats.org/presentationml/2006/main">
-  <p:cSld>
-    <p:spTree>
-      <p:nvGrpSpPr>
-        <p:cNvPr id="1" name=""/>
-        <p:cNvGrpSpPr/>
-        <p:nvPr/>
-      </p:nvGrpSpPr>
-      <p:grpSpPr>
-        <a:xfrm>
-          <a:off x="0" y="0"/>
-          <a:ext cx="0" cy="0"/>
-          <a:chOff x="0" y="0"/>
-          <a:chExt cx="0" cy="0"/>
-        </a:xfrm>
-      </p:grpSpPr>
-      <p:sp>
-        <p:nvSpPr>
-          <p:cNvPr id="2" name="Titel 1"/>
-          <p:cNvSpPr>
-            <a:spLocks noGrp="1"/>
-          </p:cNvSpPr>
-          <p:nvPr>
-            <p:ph type="title"/>
-          </p:nvPr>
-        </p:nvSpPr>
-        <p:spPr>
-          <a:xfrm>
-            <a:off x="360000" y="1317222"/>
-            <a:ext cx="8246118" cy="569556"/>
-          </a:xfrm>
-        </p:spPr>
-        <p:txBody>
-          <a:bodyPr/>
-          <a:lstStyle/>
-          <a:p>
-            <a:r>
-              <a:rPr lang="de-DE" dirty="0" smtClean="0"/>
-              <a:t>Implementierungslogik – anderes Wort finden</a:t>
-            </a:r>
-            <a:endParaRPr lang="de-DE" dirty="0"/>
-          </a:p>
-        </p:txBody>
-      </p:sp>
-      <p:sp>
-        <p:nvSpPr>
-          <p:cNvPr id="3" name="Inhaltsplatzhalter 2"/>
-          <p:cNvSpPr>
-            <a:spLocks noGrp="1"/>
-          </p:cNvSpPr>
-          <p:nvPr>
-            <p:ph idx="1"/>
-          </p:nvPr>
-        </p:nvSpPr>
-        <p:spPr/>
-        <p:txBody>
-          <a:bodyPr/>
-          <a:lstStyle/>
-          <a:p>
-            <a:r>
-              <a:rPr lang="de-DE" dirty="0" smtClean="0"/>
-              <a:t>Bild Server, frei dazu reden</a:t>
-            </a:r>
-          </a:p>
-          <a:p>
-            <a:r>
-              <a:rPr lang="de-DE" dirty="0" smtClean="0"/>
-              <a:t>Client analog</a:t>
-            </a:r>
-            <a:endParaRPr lang="de-DE" dirty="0"/>
-          </a:p>
-        </p:txBody>
-      </p:sp>
-    </p:spTree>
-    <p:extLst>
-      <p:ext uri="{BB962C8B-B14F-4D97-AF65-F5344CB8AC3E}">
-        <p14:creationId xmlns:p14="http://schemas.microsoft.com/office/powerpoint/2010/main" val="2694720648"/>
-      </p:ext>
-    </p:extLst>
-  </p:cSld>
-  <p:clrMapOvr>
-    <a:masterClrMapping/>
-  </p:clrMapOvr>
-</p:sld>
-</file>
-
-<file path=ppt/slides/slide7.xml><?xml version="1.0" encoding="utf-8"?>
 <p:sld xmlns:a="http://schemas.openxmlformats.org/drawingml/2006/main" xmlns:r="http://schemas.openxmlformats.org/officeDocument/2006/relationships" xmlns:p="http://schemas.openxmlformats.org/presentationml/2006/main">
   <p:cSld>
     <p:spTree>
@@ -4526,7 +4435,7 @@
           <p:nvPr/>
         </p:nvPicPr>
         <p:blipFill>
-          <a:blip r:embed="rId2">
+          <a:blip r:embed="rId3">
             <a:extLst>
               <a:ext uri="{28A0092B-C50C-407E-A947-70E740481C1C}">
                 <a14:useLocalDpi xmlns:a14="http://schemas.microsoft.com/office/drawing/2010/main" val="0"/>
@@ -4567,7 +4476,7 @@
           <p:nvPr/>
         </p:nvPicPr>
         <p:blipFill>
-          <a:blip r:embed="rId3" cstate="print">
+          <a:blip r:embed="rId4" cstate="print">
             <a:extLst>
               <a:ext uri="{28A0092B-C50C-407E-A947-70E740481C1C}">
                 <a14:useLocalDpi xmlns:a14="http://schemas.microsoft.com/office/drawing/2010/main" val="0"/>
@@ -4800,7 +4709,7 @@
           <p:nvPr/>
         </p:nvPicPr>
         <p:blipFill>
-          <a:blip r:embed="rId4" cstate="print">
+          <a:blip r:embed="rId5" cstate="print">
             <a:extLst>
               <a:ext uri="{28A0092B-C50C-407E-A947-70E740481C1C}">
                 <a14:useLocalDpi xmlns:a14="http://schemas.microsoft.com/office/drawing/2010/main" val="0"/>
@@ -4830,7 +4739,7 @@
           <p:nvPr/>
         </p:nvPicPr>
         <p:blipFill>
-          <a:blip r:embed="rId5" cstate="print">
+          <a:blip r:embed="rId6" cstate="print">
             <a:extLst>
               <a:ext uri="{28A0092B-C50C-407E-A947-70E740481C1C}">
                 <a14:useLocalDpi xmlns:a14="http://schemas.microsoft.com/office/drawing/2010/main" val="0"/>
@@ -4871,7 +4780,7 @@
           <p:nvPr/>
         </p:nvPicPr>
         <p:blipFill>
-          <a:blip r:embed="rId5" cstate="print">
+          <a:blip r:embed="rId6" cstate="print">
             <a:extLst>
               <a:ext uri="{28A0092B-C50C-407E-A947-70E740481C1C}">
                 <a14:useLocalDpi xmlns:a14="http://schemas.microsoft.com/office/drawing/2010/main" val="0"/>
@@ -4994,7 +4903,7 @@
           <p:nvPr/>
         </p:nvPicPr>
         <p:blipFill>
-          <a:blip r:embed="rId4" cstate="print">
+          <a:blip r:embed="rId5" cstate="print">
             <a:extLst>
               <a:ext uri="{28A0092B-C50C-407E-A947-70E740481C1C}">
                 <a14:useLocalDpi xmlns:a14="http://schemas.microsoft.com/office/drawing/2010/main" val="0"/>
@@ -5025,7 +4934,7 @@
           <p:nvPr/>
         </p:nvPicPr>
         <p:blipFill>
-          <a:blip r:embed="rId5" cstate="print">
+          <a:blip r:embed="rId6" cstate="print">
             <a:extLst>
               <a:ext uri="{28A0092B-C50C-407E-A947-70E740481C1C}">
                 <a14:useLocalDpi xmlns:a14="http://schemas.microsoft.com/office/drawing/2010/main" val="0"/>
@@ -5067,7 +4976,7 @@
           <p:nvPr/>
         </p:nvPicPr>
         <p:blipFill>
-          <a:blip r:embed="rId5" cstate="print">
+          <a:blip r:embed="rId6" cstate="print">
             <a:extLst>
               <a:ext uri="{28A0092B-C50C-407E-A947-70E740481C1C}">
                 <a14:useLocalDpi xmlns:a14="http://schemas.microsoft.com/office/drawing/2010/main" val="0"/>
@@ -5223,7 +5132,7 @@
           <p:nvPr/>
         </p:nvPicPr>
         <p:blipFill>
-          <a:blip r:embed="rId5" cstate="print">
+          <a:blip r:embed="rId6" cstate="print">
             <a:extLst>
               <a:ext uri="{28A0092B-C50C-407E-A947-70E740481C1C}">
                 <a14:useLocalDpi xmlns:a14="http://schemas.microsoft.com/office/drawing/2010/main" val="0"/>
@@ -5455,7 +5364,7 @@
           <p:nvPr/>
         </p:nvPicPr>
         <p:blipFill>
-          <a:blip r:embed="rId5" cstate="print">
+          <a:blip r:embed="rId6" cstate="print">
             <a:extLst>
               <a:ext uri="{28A0092B-C50C-407E-A947-70E740481C1C}">
                 <a14:useLocalDpi xmlns:a14="http://schemas.microsoft.com/office/drawing/2010/main" val="0"/>
@@ -5594,7 +5503,7 @@
           <p:nvPr/>
         </p:nvPicPr>
         <p:blipFill>
-          <a:blip r:embed="rId6" cstate="print">
+          <a:blip r:embed="rId7" cstate="print">
             <a:extLst>
               <a:ext uri="{28A0092B-C50C-407E-A947-70E740481C1C}">
                 <a14:useLocalDpi xmlns:a14="http://schemas.microsoft.com/office/drawing/2010/main" val="0"/>
@@ -5630,6 +5539,122 @@
     <p:extLst>
       <p:ext uri="{BB962C8B-B14F-4D97-AF65-F5344CB8AC3E}">
         <p14:creationId xmlns:p14="http://schemas.microsoft.com/office/powerpoint/2010/main" val="1187591999"/>
+      </p:ext>
+    </p:extLst>
+  </p:cSld>
+  <p:clrMapOvr>
+    <a:masterClrMapping/>
+  </p:clrMapOvr>
+  <p:timing>
+    <p:tnLst>
+      <p:par>
+        <p:cTn id="1" dur="indefinite" restart="never" nodeType="tmRoot"/>
+      </p:par>
+    </p:tnLst>
+  </p:timing>
+</p:sld>
+</file>
+
+<file path=ppt/slides/slide7.xml><?xml version="1.0" encoding="utf-8"?>
+<p:sld xmlns:a="http://schemas.openxmlformats.org/drawingml/2006/main" xmlns:r="http://schemas.openxmlformats.org/officeDocument/2006/relationships" xmlns:p="http://schemas.openxmlformats.org/presentationml/2006/main">
+  <p:cSld>
+    <p:spTree>
+      <p:nvGrpSpPr>
+        <p:cNvPr id="1" name=""/>
+        <p:cNvGrpSpPr/>
+        <p:nvPr/>
+      </p:nvGrpSpPr>
+      <p:grpSpPr>
+        <a:xfrm>
+          <a:off x="0" y="0"/>
+          <a:ext cx="0" cy="0"/>
+          <a:chOff x="0" y="0"/>
+          <a:chExt cx="0" cy="0"/>
+        </a:xfrm>
+      </p:grpSpPr>
+      <p:sp>
+        <p:nvSpPr>
+          <p:cNvPr id="2" name="Titel 1"/>
+          <p:cNvSpPr>
+            <a:spLocks noGrp="1"/>
+          </p:cNvSpPr>
+          <p:nvPr>
+            <p:ph type="title"/>
+          </p:nvPr>
+        </p:nvSpPr>
+        <p:spPr>
+          <a:xfrm>
+            <a:off x="360000" y="1317222"/>
+            <a:ext cx="8246118" cy="569556"/>
+          </a:xfrm>
+        </p:spPr>
+        <p:txBody>
+          <a:bodyPr/>
+          <a:lstStyle/>
+          <a:p>
+            <a:r>
+              <a:rPr lang="de-DE" dirty="0" smtClean="0"/>
+              <a:t>Anwendungspräsentation</a:t>
+            </a:r>
+            <a:endParaRPr lang="de-DE" dirty="0"/>
+          </a:p>
+        </p:txBody>
+      </p:sp>
+      <p:sp>
+        <p:nvSpPr>
+          <p:cNvPr id="3" name="Inhaltsplatzhalter 2"/>
+          <p:cNvSpPr>
+            <a:spLocks noGrp="1"/>
+          </p:cNvSpPr>
+          <p:nvPr>
+            <p:ph idx="1"/>
+          </p:nvPr>
+        </p:nvSpPr>
+        <p:spPr/>
+        <p:txBody>
+          <a:bodyPr/>
+          <a:lstStyle/>
+          <a:p>
+            <a:r>
+              <a:rPr lang="de-DE" dirty="0" smtClean="0"/>
+              <a:t>Server und Clients startklar, von unterschiedlichen Rechnern aus!</a:t>
+            </a:r>
+          </a:p>
+          <a:p>
+            <a:r>
+              <a:rPr lang="de-DE" dirty="0" smtClean="0"/>
+              <a:t>Funktionen demonstrieren </a:t>
+            </a:r>
+          </a:p>
+          <a:p>
+            <a:r>
+              <a:rPr lang="de-DE" dirty="0" smtClean="0"/>
+              <a:t>Wenn es um die Server Funktionen geht, Server auf Präsentationslaptop, wenn um die Client Funktionen extra Client </a:t>
+            </a:r>
+            <a:r>
+              <a:rPr lang="de-DE" dirty="0"/>
+              <a:t>F</a:t>
+            </a:r>
+            <a:r>
+              <a:rPr lang="de-DE" dirty="0" smtClean="0"/>
+              <a:t>enster auf diesem Laptop ansonsten kommt </a:t>
+            </a:r>
+            <a:r>
+              <a:rPr lang="de-DE" dirty="0"/>
+              <a:t>I</a:t>
+            </a:r>
+            <a:r>
+              <a:rPr lang="de-DE" dirty="0" smtClean="0"/>
+              <a:t>nput von außerhalb</a:t>
+            </a:r>
+            <a:endParaRPr lang="de-DE" dirty="0"/>
+          </a:p>
+        </p:txBody>
+      </p:sp>
+    </p:spTree>
+    <p:extLst>
+      <p:ext uri="{BB962C8B-B14F-4D97-AF65-F5344CB8AC3E}">
+        <p14:creationId xmlns:p14="http://schemas.microsoft.com/office/powerpoint/2010/main" val="3584050163"/>
       </p:ext>
     </p:extLst>
   </p:cSld>
@@ -5685,7 +5710,7 @@
           <a:p>
             <a:r>
               <a:rPr lang="de-DE" dirty="0" smtClean="0"/>
-              <a:t>Anwendungspräsentation</a:t>
+              <a:t>Erweiterbarkeit</a:t>
             </a:r>
             <a:endParaRPr lang="de-DE" dirty="0"/>
           </a:p>
@@ -5708,35 +5733,45 @@
           <a:p>
             <a:r>
               <a:rPr lang="de-DE" dirty="0" smtClean="0"/>
-              <a:t>Server und Clients startklar, von unterschiedlichen Rechnern aus!</a:t>
+              <a:t>Protokoll leicht erweiterbar durch Typen</a:t>
             </a:r>
           </a:p>
           <a:p>
             <a:r>
               <a:rPr lang="de-DE" dirty="0" smtClean="0"/>
-              <a:t>Funktionen demonstrieren </a:t>
-            </a:r>
-          </a:p>
-          <a:p>
+              <a:t>Ideen nennen, </a:t>
+            </a:r>
+            <a:r>
+              <a:rPr lang="de-DE" dirty="0" err="1" smtClean="0"/>
+              <a:t>z.b.</a:t>
+            </a:r>
             <a:r>
               <a:rPr lang="de-DE" dirty="0" smtClean="0"/>
-              <a:t>Wenn es um die Server Funktionen geht, Server auf Präsentationslaptop, wenn um die Client Funktionen extra Client </a:t>
-            </a:r>
-            <a:r>
-              <a:rPr lang="de-DE" dirty="0"/>
-              <a:t>F</a:t>
+              <a:t> </a:t>
+            </a:r>
+            <a:r>
+              <a:rPr lang="de-DE" dirty="0" err="1" smtClean="0"/>
+              <a:t>Smiles</a:t>
             </a:r>
             <a:r>
               <a:rPr lang="de-DE" dirty="0" smtClean="0"/>
-              <a:t>enster auf diesem Laptop ansonsten kommt </a:t>
-            </a:r>
-            <a:r>
-              <a:rPr lang="de-DE" dirty="0"/>
-              <a:t>I</a:t>
+              <a:t>, </a:t>
+            </a:r>
+            <a:r>
+              <a:rPr lang="de-DE" dirty="0" err="1" smtClean="0"/>
+              <a:t>History</a:t>
             </a:r>
             <a:r>
               <a:rPr lang="de-DE" dirty="0" smtClean="0"/>
-              <a:t>nput von außerhalb</a:t>
+              <a:t> Log, Spiele wie in </a:t>
+            </a:r>
+            <a:r>
+              <a:rPr lang="de-DE" dirty="0" err="1" smtClean="0"/>
+              <a:t>ClientGUI</a:t>
+            </a:r>
+            <a:r>
+              <a:rPr lang="de-DE" dirty="0" smtClean="0"/>
+              <a:t> schon zu sehen</a:t>
             </a:r>
             <a:endParaRPr lang="de-DE" dirty="0"/>
           </a:p>
@@ -5745,7 +5780,7 @@
     </p:spTree>
     <p:extLst>
       <p:ext uri="{BB962C8B-B14F-4D97-AF65-F5344CB8AC3E}">
-        <p14:creationId xmlns:p14="http://schemas.microsoft.com/office/powerpoint/2010/main" val="3584050163"/>
+        <p14:creationId xmlns:p14="http://schemas.microsoft.com/office/powerpoint/2010/main" val="2380641263"/>
       </p:ext>
     </p:extLst>
   </p:cSld>
@@ -5801,7 +5836,7 @@
           <a:p>
             <a:r>
               <a:rPr lang="de-DE" dirty="0" smtClean="0"/>
-              <a:t>Erweiterbarkeit</a:t>
+              <a:t>Hindernisse</a:t>
             </a:r>
             <a:endParaRPr lang="de-DE" dirty="0"/>
           </a:p>
@@ -5824,45 +5859,41 @@
           <a:p>
             <a:r>
               <a:rPr lang="de-DE" dirty="0" smtClean="0"/>
-              <a:t>Protokoll leicht erweiterbar durch Typen</a:t>
+              <a:t>Dokumentation von Ada und GTK</a:t>
             </a:r>
           </a:p>
           <a:p>
             <a:r>
               <a:rPr lang="de-DE" dirty="0" smtClean="0"/>
-              <a:t>Ideen nennen, </a:t>
+              <a:t>Zirkuläre Abhängigkeiten</a:t>
+            </a:r>
+          </a:p>
+          <a:p>
+            <a:r>
+              <a:rPr lang="de-DE" dirty="0" smtClean="0"/>
+              <a:t>Pointer Verhalten unklar, wann Call </a:t>
             </a:r>
             <a:r>
               <a:rPr lang="de-DE" dirty="0" err="1" smtClean="0"/>
-              <a:t>z.b.</a:t>
+              <a:t>by</a:t>
             </a:r>
             <a:r>
               <a:rPr lang="de-DE" dirty="0" smtClean="0"/>
-              <a:t> </a:t>
+              <a:t> Value wann Call </a:t>
             </a:r>
             <a:r>
               <a:rPr lang="de-DE" dirty="0" err="1" smtClean="0"/>
-              <a:t>Smiles</a:t>
+              <a:t>by</a:t>
             </a:r>
             <a:r>
               <a:rPr lang="de-DE" dirty="0" smtClean="0"/>
-              <a:t>, </a:t>
-            </a:r>
+              <a:t> Reference </a:t>
+            </a:r>
+          </a:p>
+          <a:p>
             <a:r>
               <a:rPr lang="de-DE" dirty="0" err="1" smtClean="0"/>
-              <a:t>History</a:t>
-            </a:r>
-            <a:r>
-              <a:rPr lang="de-DE" dirty="0" smtClean="0"/>
-              <a:t> Log, Spiele wie in </a:t>
-            </a:r>
-            <a:r>
-              <a:rPr lang="de-DE" dirty="0" err="1" smtClean="0"/>
-              <a:t>ClientGUI</a:t>
-            </a:r>
-            <a:r>
-              <a:rPr lang="de-DE" dirty="0" smtClean="0"/>
-              <a:t> schon zu sehen</a:t>
+              <a:t>Compilermagic</a:t>
             </a:r>
             <a:endParaRPr lang="de-DE" dirty="0"/>
           </a:p>
@@ -5871,7 +5902,7 @@
     </p:spTree>
     <p:extLst>
       <p:ext uri="{BB962C8B-B14F-4D97-AF65-F5344CB8AC3E}">
-        <p14:creationId xmlns:p14="http://schemas.microsoft.com/office/powerpoint/2010/main" val="2380641263"/>
+        <p14:creationId xmlns:p14="http://schemas.microsoft.com/office/powerpoint/2010/main" val="2243141793"/>
       </p:ext>
     </p:extLst>
   </p:cSld>

--- a/documentation/Ada Chat.pptx
+++ b/documentation/Ada Chat.pptx
@@ -5,7 +5,7 @@
     <p:sldMasterId id="2147483648" r:id="rId1"/>
   </p:sldMasterIdLst>
   <p:notesMasterIdLst>
-    <p:notesMasterId r:id="rId12"/>
+    <p:notesMasterId r:id="rId21"/>
   </p:notesMasterIdLst>
   <p:sldIdLst>
     <p:sldId id="256" r:id="rId2"/>
@@ -17,7 +17,16 @@
     <p:sldId id="262" r:id="rId8"/>
     <p:sldId id="263" r:id="rId9"/>
     <p:sldId id="264" r:id="rId10"/>
-    <p:sldId id="266" r:id="rId11"/>
+    <p:sldId id="267" r:id="rId11"/>
+    <p:sldId id="269" r:id="rId12"/>
+    <p:sldId id="268" r:id="rId13"/>
+    <p:sldId id="276" r:id="rId14"/>
+    <p:sldId id="270" r:id="rId15"/>
+    <p:sldId id="275" r:id="rId16"/>
+    <p:sldId id="271" r:id="rId17"/>
+    <p:sldId id="272" r:id="rId18"/>
+    <p:sldId id="273" r:id="rId19"/>
+    <p:sldId id="274" r:id="rId20"/>
   </p:sldIdLst>
   <p:sldSz cx="9144000" cy="6858000" type="screen4x3"/>
   <p:notesSz cx="6858000" cy="9144000"/>
@@ -2063,26 +2072,91 @@
       </p:sp>
       <p:sp>
         <p:nvSpPr>
-          <p:cNvPr id="7" name="Gestreifter Pfeil nach rechts 6"/>
+          <p:cNvPr id="6" name="Rechteck 5"/>
           <p:cNvSpPr/>
           <p:nvPr/>
         </p:nvSpPr>
         <p:spPr>
-          <a:xfrm rot="5400000">
-            <a:off x="391202" y="2898741"/>
-            <a:ext cx="3282319" cy="2138093"/>
-          </a:xfrm>
-          <a:prstGeom prst="stripedRightArrow">
-            <a:avLst/>
-          </a:prstGeom>
-          <a:solidFill>
-            <a:schemeClr val="bg1"/>
-          </a:solidFill>
-          <a:ln>
-            <a:solidFill>
-              <a:srgbClr val="FF0000"/>
-            </a:solidFill>
-          </a:ln>
+          <a:xfrm>
+            <a:off x="553673" y="2224209"/>
+            <a:ext cx="1744911" cy="2176715"/>
+          </a:xfrm>
+          <a:prstGeom prst="rect">
+            <a:avLst/>
+          </a:prstGeom>
+          <a:noFill/>
+          <a:ln/>
+        </p:spPr>
+        <p:style>
+          <a:lnRef idx="2">
+            <a:schemeClr val="dk1">
+              <a:shade val="50000"/>
+            </a:schemeClr>
+          </a:lnRef>
+          <a:fillRef idx="1">
+            <a:schemeClr val="dk1"/>
+          </a:fillRef>
+          <a:effectRef idx="0">
+            <a:schemeClr val="dk1"/>
+          </a:effectRef>
+          <a:fontRef idx="minor">
+            <a:schemeClr val="lt1"/>
+          </a:fontRef>
+        </p:style>
+        <p:txBody>
+          <a:bodyPr rtlCol="0" anchor="ctr"/>
+          <a:lstStyle/>
+          <a:p>
+            <a:pPr algn="ctr"/>
+            <a:endParaRPr lang="de-DE"/>
+          </a:p>
+        </p:txBody>
+      </p:sp>
+      <p:sp>
+        <p:nvSpPr>
+          <p:cNvPr id="12" name="Textfeld 11"/>
+          <p:cNvSpPr txBox="1"/>
+          <p:nvPr/>
+        </p:nvSpPr>
+        <p:spPr>
+          <a:xfrm>
+            <a:off x="441114" y="1886778"/>
+            <a:ext cx="1593909" cy="369332"/>
+          </a:xfrm>
+          <a:prstGeom prst="rect">
+            <a:avLst/>
+          </a:prstGeom>
+          <a:noFill/>
+        </p:spPr>
+        <p:txBody>
+          <a:bodyPr wrap="square" rtlCol="0">
+            <a:spAutoFit/>
+          </a:bodyPr>
+          <a:lstStyle/>
+          <a:p>
+            <a:r>
+              <a:rPr lang="de-DE" dirty="0" err="1" smtClean="0"/>
+              <a:t>Chatrooms.ads</a:t>
+            </a:r>
+            <a:endParaRPr lang="de-DE" dirty="0"/>
+          </a:p>
+        </p:txBody>
+      </p:sp>
+      <p:sp>
+        <p:nvSpPr>
+          <p:cNvPr id="17" name="Rechteck 16"/>
+          <p:cNvSpPr/>
+          <p:nvPr/>
+        </p:nvSpPr>
+        <p:spPr>
+          <a:xfrm>
+            <a:off x="675169" y="2353487"/>
+            <a:ext cx="1459684" cy="738664"/>
+          </a:xfrm>
+          <a:prstGeom prst="rect">
+            <a:avLst/>
+          </a:prstGeom>
+          <a:noFill/>
         </p:spPr>
         <p:style>
           <a:lnRef idx="2">
@@ -2111,21 +2185,67 @@
       </p:sp>
       <p:sp>
         <p:nvSpPr>
-          <p:cNvPr id="8" name="Rechteck 7"/>
+          <p:cNvPr id="19" name="Textfeld 18"/>
+          <p:cNvSpPr txBox="1"/>
+          <p:nvPr/>
+        </p:nvSpPr>
+        <p:spPr>
+          <a:xfrm>
+            <a:off x="675169" y="2353486"/>
+            <a:ext cx="1688264" cy="738664"/>
+          </a:xfrm>
+          <a:prstGeom prst="rect">
+            <a:avLst/>
+          </a:prstGeom>
+          <a:noFill/>
+        </p:spPr>
+        <p:txBody>
+          <a:bodyPr wrap="square" rtlCol="0">
+            <a:spAutoFit/>
+          </a:bodyPr>
+          <a:lstStyle/>
+          <a:p>
+            <a:r>
+              <a:rPr lang="de-DE" sz="1400" dirty="0" smtClean="0"/>
+              <a:t>Type Chatroom </a:t>
+            </a:r>
+            <a:r>
+              <a:rPr lang="de-DE" sz="1400" dirty="0" err="1" smtClean="0"/>
+              <a:t>is</a:t>
+            </a:r>
+            <a:endParaRPr lang="de-DE" sz="1400" dirty="0" smtClean="0"/>
+          </a:p>
+          <a:p>
+            <a:r>
+              <a:rPr lang="de-DE" sz="1400" dirty="0" smtClean="0"/>
+              <a:t>      - Client</a:t>
+            </a:r>
+          </a:p>
+          <a:p>
+            <a:r>
+              <a:rPr lang="de-DE" sz="1400" dirty="0" smtClean="0"/>
+              <a:t>End type;</a:t>
+            </a:r>
+            <a:endParaRPr lang="de-DE" sz="1400" dirty="0"/>
+          </a:p>
+        </p:txBody>
+      </p:sp>
+      <p:sp>
+        <p:nvSpPr>
+          <p:cNvPr id="38" name="Rechteck 37"/>
           <p:cNvSpPr/>
           <p:nvPr/>
         </p:nvSpPr>
         <p:spPr>
           <a:xfrm>
-            <a:off x="1630828" y="2780907"/>
-            <a:ext cx="311084" cy="245097"/>
-          </a:xfrm>
-          <a:prstGeom prst="rect">
-            <a:avLst/>
-          </a:prstGeom>
-          <a:solidFill>
-            <a:schemeClr val="bg1"/>
-          </a:solidFill>
+            <a:off x="6204911" y="2224209"/>
+            <a:ext cx="2293137" cy="2725658"/>
+          </a:xfrm>
+          <a:prstGeom prst="rect">
+            <a:avLst/>
+          </a:prstGeom>
+          <a:noFill/>
+          <a:ln/>
         </p:spPr>
         <p:style>
           <a:lnRef idx="2">
@@ -2154,21 +2274,628 @@
       </p:sp>
       <p:sp>
         <p:nvSpPr>
-          <p:cNvPr id="9" name="Rechteck 8"/>
+          <p:cNvPr id="39" name="Textfeld 38"/>
+          <p:cNvSpPr txBox="1"/>
+          <p:nvPr/>
+        </p:nvSpPr>
+        <p:spPr>
+          <a:xfrm>
+            <a:off x="6105081" y="1886778"/>
+            <a:ext cx="1629569" cy="369332"/>
+          </a:xfrm>
+          <a:prstGeom prst="rect">
+            <a:avLst/>
+          </a:prstGeom>
+          <a:noFill/>
+        </p:spPr>
+        <p:txBody>
+          <a:bodyPr wrap="square" rtlCol="0">
+            <a:spAutoFit/>
+          </a:bodyPr>
+          <a:lstStyle/>
+          <a:p>
+            <a:r>
+              <a:rPr lang="de-DE" dirty="0" err="1" smtClean="0"/>
+              <a:t>ServerLogic.ads</a:t>
+            </a:r>
+            <a:endParaRPr lang="de-DE" dirty="0"/>
+          </a:p>
+        </p:txBody>
+      </p:sp>
+      <p:sp>
+        <p:nvSpPr>
+          <p:cNvPr id="40" name="Rechteck 39"/>
           <p:cNvSpPr/>
           <p:nvPr/>
         </p:nvSpPr>
         <p:spPr>
           <a:xfrm>
-            <a:off x="1630828" y="3235186"/>
-            <a:ext cx="311084" cy="245097"/>
-          </a:xfrm>
-          <a:prstGeom prst="rect">
+            <a:off x="6339136" y="2353487"/>
+            <a:ext cx="1459684" cy="954106"/>
+          </a:xfrm>
+          <a:prstGeom prst="rect">
+            <a:avLst/>
+          </a:prstGeom>
+          <a:noFill/>
+        </p:spPr>
+        <p:style>
+          <a:lnRef idx="2">
+            <a:schemeClr val="accent1">
+              <a:shade val="50000"/>
+            </a:schemeClr>
+          </a:lnRef>
+          <a:fillRef idx="1">
+            <a:schemeClr val="accent1"/>
+          </a:fillRef>
+          <a:effectRef idx="0">
+            <a:schemeClr val="accent1"/>
+          </a:effectRef>
+          <a:fontRef idx="minor">
+            <a:schemeClr val="lt1"/>
+          </a:fontRef>
+        </p:style>
+        <p:txBody>
+          <a:bodyPr rtlCol="0" anchor="ctr"/>
+          <a:lstStyle/>
+          <a:p>
+            <a:pPr algn="ctr"/>
+            <a:endParaRPr lang="de-DE"/>
+          </a:p>
+        </p:txBody>
+      </p:sp>
+      <p:sp>
+        <p:nvSpPr>
+          <p:cNvPr id="41" name="Textfeld 40"/>
+          <p:cNvSpPr txBox="1"/>
+          <p:nvPr/>
+        </p:nvSpPr>
+        <p:spPr>
+          <a:xfrm>
+            <a:off x="6339136" y="2353486"/>
+            <a:ext cx="1688264" cy="954107"/>
+          </a:xfrm>
+          <a:prstGeom prst="rect">
+            <a:avLst/>
+          </a:prstGeom>
+          <a:noFill/>
+        </p:spPr>
+        <p:txBody>
+          <a:bodyPr wrap="square" rtlCol="0">
+            <a:spAutoFit/>
+          </a:bodyPr>
+          <a:lstStyle/>
+          <a:p>
+            <a:r>
+              <a:rPr lang="de-DE" sz="1400" dirty="0" smtClean="0"/>
+              <a:t>Type Server </a:t>
+            </a:r>
+            <a:r>
+              <a:rPr lang="de-DE" sz="1400" dirty="0" err="1" smtClean="0"/>
+              <a:t>is</a:t>
+            </a:r>
+            <a:endParaRPr lang="de-DE" sz="1400" dirty="0" smtClean="0"/>
+          </a:p>
+          <a:p>
+            <a:r>
+              <a:rPr lang="de-DE" sz="1400" dirty="0" smtClean="0"/>
+              <a:t>      - Client</a:t>
+            </a:r>
+          </a:p>
+          <a:p>
+            <a:r>
+              <a:rPr lang="de-DE" sz="1400" dirty="0"/>
+              <a:t> </a:t>
+            </a:r>
+            <a:r>
+              <a:rPr lang="de-DE" sz="1400" dirty="0" smtClean="0"/>
+              <a:t>     - Chatroom</a:t>
+            </a:r>
+          </a:p>
+          <a:p>
+            <a:r>
+              <a:rPr lang="de-DE" sz="1400" dirty="0" smtClean="0"/>
+              <a:t>End type;</a:t>
+            </a:r>
+            <a:endParaRPr lang="de-DE" sz="1400" dirty="0"/>
+          </a:p>
+        </p:txBody>
+      </p:sp>
+      <p:sp>
+        <p:nvSpPr>
+          <p:cNvPr id="42" name="Rechteck 41"/>
+          <p:cNvSpPr/>
+          <p:nvPr/>
+        </p:nvSpPr>
+        <p:spPr>
+          <a:xfrm>
+            <a:off x="6339136" y="3436871"/>
+            <a:ext cx="1459684" cy="728804"/>
+          </a:xfrm>
+          <a:prstGeom prst="rect">
+            <a:avLst/>
+          </a:prstGeom>
+          <a:noFill/>
+        </p:spPr>
+        <p:style>
+          <a:lnRef idx="2">
+            <a:schemeClr val="accent1">
+              <a:shade val="50000"/>
+            </a:schemeClr>
+          </a:lnRef>
+          <a:fillRef idx="1">
+            <a:schemeClr val="accent1"/>
+          </a:fillRef>
+          <a:effectRef idx="0">
+            <a:schemeClr val="accent1"/>
+          </a:effectRef>
+          <a:fontRef idx="minor">
+            <a:schemeClr val="lt1"/>
+          </a:fontRef>
+        </p:style>
+        <p:txBody>
+          <a:bodyPr rtlCol="0" anchor="ctr"/>
+          <a:lstStyle/>
+          <a:p>
+            <a:pPr algn="ctr"/>
+            <a:endParaRPr lang="de-DE"/>
+          </a:p>
+        </p:txBody>
+      </p:sp>
+      <p:sp>
+        <p:nvSpPr>
+          <p:cNvPr id="43" name="Textfeld 42"/>
+          <p:cNvSpPr txBox="1"/>
+          <p:nvPr/>
+        </p:nvSpPr>
+        <p:spPr>
+          <a:xfrm>
+            <a:off x="6339136" y="3427011"/>
+            <a:ext cx="1688264" cy="738664"/>
+          </a:xfrm>
+          <a:prstGeom prst="rect">
+            <a:avLst/>
+          </a:prstGeom>
+          <a:noFill/>
+        </p:spPr>
+        <p:txBody>
+          <a:bodyPr wrap="square" rtlCol="0">
+            <a:spAutoFit/>
+          </a:bodyPr>
+          <a:lstStyle/>
+          <a:p>
+            <a:r>
+              <a:rPr lang="de-DE" sz="1400" dirty="0" smtClean="0"/>
+              <a:t>Type Client </a:t>
+            </a:r>
+            <a:r>
+              <a:rPr lang="de-DE" sz="1400" dirty="0" err="1" smtClean="0"/>
+              <a:t>is</a:t>
+            </a:r>
+            <a:endParaRPr lang="de-DE" sz="1400" dirty="0" smtClean="0"/>
+          </a:p>
+          <a:p>
+            <a:r>
+              <a:rPr lang="de-DE" sz="1400" dirty="0" smtClean="0"/>
+              <a:t>      …</a:t>
+            </a:r>
+          </a:p>
+          <a:p>
+            <a:r>
+              <a:rPr lang="de-DE" sz="1400" dirty="0" smtClean="0"/>
+              <a:t>End type;</a:t>
+            </a:r>
+            <a:endParaRPr lang="de-DE" sz="1400" dirty="0"/>
+          </a:p>
+        </p:txBody>
+      </p:sp>
+      <p:cxnSp>
+        <p:nvCxnSpPr>
+          <p:cNvPr id="2061" name="Gerader Verbinder 2060"/>
+          <p:cNvCxnSpPr/>
+          <p:nvPr/>
+        </p:nvCxnSpPr>
+        <p:spPr>
+          <a:xfrm>
+            <a:off x="7798820" y="2810675"/>
+            <a:ext cx="380446" cy="0"/>
+          </a:xfrm>
+          <a:prstGeom prst="line">
+            <a:avLst/>
+          </a:prstGeom>
+        </p:spPr>
+        <p:style>
+          <a:lnRef idx="2">
+            <a:schemeClr val="accent2"/>
+          </a:lnRef>
+          <a:fillRef idx="0">
+            <a:schemeClr val="accent2"/>
+          </a:fillRef>
+          <a:effectRef idx="1">
+            <a:schemeClr val="accent2"/>
+          </a:effectRef>
+          <a:fontRef idx="minor">
+            <a:schemeClr val="tx1"/>
+          </a:fontRef>
+        </p:style>
+      </p:cxnSp>
+      <p:cxnSp>
+        <p:nvCxnSpPr>
+          <p:cNvPr id="2063" name="Gerader Verbinder 2062"/>
+          <p:cNvCxnSpPr/>
+          <p:nvPr/>
+        </p:nvCxnSpPr>
+        <p:spPr>
+          <a:xfrm>
+            <a:off x="8179266" y="2819064"/>
+            <a:ext cx="0" cy="1023456"/>
+          </a:xfrm>
+          <a:prstGeom prst="line">
+            <a:avLst/>
+          </a:prstGeom>
+        </p:spPr>
+        <p:style>
+          <a:lnRef idx="2">
+            <a:schemeClr val="accent2"/>
+          </a:lnRef>
+          <a:fillRef idx="0">
+            <a:schemeClr val="accent2"/>
+          </a:fillRef>
+          <a:effectRef idx="1">
+            <a:schemeClr val="accent2"/>
+          </a:effectRef>
+          <a:fontRef idx="minor">
+            <a:schemeClr val="tx1"/>
+          </a:fontRef>
+        </p:style>
+      </p:cxnSp>
+      <p:cxnSp>
+        <p:nvCxnSpPr>
+          <p:cNvPr id="2066" name="Gerade Verbindung mit Pfeil 2065"/>
+          <p:cNvCxnSpPr/>
+          <p:nvPr/>
+        </p:nvCxnSpPr>
+        <p:spPr>
+          <a:xfrm flipH="1">
+            <a:off x="7798820" y="3842520"/>
+            <a:ext cx="380446" cy="0"/>
+          </a:xfrm>
+          <a:prstGeom prst="straightConnector1">
+            <a:avLst/>
+          </a:prstGeom>
+          <a:ln>
+            <a:tailEnd type="triangle"/>
+          </a:ln>
+        </p:spPr>
+        <p:style>
+          <a:lnRef idx="2">
+            <a:schemeClr val="accent2"/>
+          </a:lnRef>
+          <a:fillRef idx="0">
+            <a:schemeClr val="accent2"/>
+          </a:fillRef>
+          <a:effectRef idx="1">
+            <a:schemeClr val="accent2"/>
+          </a:effectRef>
+          <a:fontRef idx="minor">
+            <a:schemeClr val="tx1"/>
+          </a:fontRef>
+        </p:style>
+      </p:cxnSp>
+      <p:cxnSp>
+        <p:nvCxnSpPr>
+          <p:cNvPr id="2069" name="Gerade Verbindung mit Pfeil 2068"/>
+          <p:cNvCxnSpPr>
+            <a:endCxn id="43" idx="1"/>
+          </p:cNvCxnSpPr>
+          <p:nvPr/>
+        </p:nvCxnSpPr>
+        <p:spPr>
+          <a:xfrm>
+            <a:off x="2134853" y="2995232"/>
+            <a:ext cx="4204283" cy="801111"/>
+          </a:xfrm>
+          <a:prstGeom prst="straightConnector1">
+            <a:avLst/>
+          </a:prstGeom>
+          <a:ln>
+            <a:tailEnd type="triangle"/>
+          </a:ln>
+        </p:spPr>
+        <p:style>
+          <a:lnRef idx="2">
+            <a:schemeClr val="accent2"/>
+          </a:lnRef>
+          <a:fillRef idx="0">
+            <a:schemeClr val="accent2"/>
+          </a:fillRef>
+          <a:effectRef idx="1">
+            <a:schemeClr val="accent2"/>
+          </a:effectRef>
+          <a:fontRef idx="minor">
+            <a:schemeClr val="tx1"/>
+          </a:fontRef>
+        </p:style>
+      </p:cxnSp>
+      <p:cxnSp>
+        <p:nvCxnSpPr>
+          <p:cNvPr id="2071" name="Gerade Verbindung mit Pfeil 2070"/>
+          <p:cNvCxnSpPr>
+            <a:stCxn id="41" idx="1"/>
+          </p:cNvCxnSpPr>
+          <p:nvPr/>
+        </p:nvCxnSpPr>
+        <p:spPr>
+          <a:xfrm flipH="1" flipV="1">
+            <a:off x="2134853" y="2810675"/>
+            <a:ext cx="4204283" cy="19865"/>
+          </a:xfrm>
+          <a:prstGeom prst="straightConnector1">
+            <a:avLst/>
+          </a:prstGeom>
+          <a:ln>
+            <a:tailEnd type="triangle"/>
+          </a:ln>
+        </p:spPr>
+        <p:style>
+          <a:lnRef idx="2">
+            <a:schemeClr val="accent2"/>
+          </a:lnRef>
+          <a:fillRef idx="0">
+            <a:schemeClr val="accent2"/>
+          </a:fillRef>
+          <a:effectRef idx="1">
+            <a:schemeClr val="accent2"/>
+          </a:effectRef>
+          <a:fontRef idx="minor">
+            <a:schemeClr val="tx1"/>
+          </a:fontRef>
+        </p:style>
+      </p:cxnSp>
+      <p:sp>
+        <p:nvSpPr>
+          <p:cNvPr id="2074" name="Gewitterblitz 2073"/>
+          <p:cNvSpPr/>
+          <p:nvPr/>
+        </p:nvSpPr>
+        <p:spPr>
+          <a:xfrm rot="20902562" flipH="1">
+            <a:off x="3515663" y="4063089"/>
+            <a:ext cx="926776" cy="995926"/>
+          </a:xfrm>
+          <a:prstGeom prst="lightningBolt">
             <a:avLst/>
           </a:prstGeom>
           <a:solidFill>
-            <a:schemeClr val="bg1"/>
+            <a:srgbClr val="FF0000"/>
           </a:solidFill>
+        </p:spPr>
+        <p:style>
+          <a:lnRef idx="1">
+            <a:schemeClr val="accent2"/>
+          </a:lnRef>
+          <a:fillRef idx="3">
+            <a:schemeClr val="accent2"/>
+          </a:fillRef>
+          <a:effectRef idx="2">
+            <a:schemeClr val="accent2"/>
+          </a:effectRef>
+          <a:fontRef idx="minor">
+            <a:schemeClr val="lt1"/>
+          </a:fontRef>
+        </p:style>
+        <p:txBody>
+          <a:bodyPr rtlCol="0" anchor="ctr"/>
+          <a:lstStyle/>
+          <a:p>
+            <a:pPr algn="ctr"/>
+            <a:endParaRPr lang="de-DE"/>
+          </a:p>
+        </p:txBody>
+      </p:sp>
+      <p:sp>
+        <p:nvSpPr>
+          <p:cNvPr id="3" name="Textfeld 2"/>
+          <p:cNvSpPr txBox="1"/>
+          <p:nvPr/>
+        </p:nvSpPr>
+        <p:spPr>
+          <a:xfrm rot="653261">
+            <a:off x="3305125" y="3338370"/>
+            <a:ext cx="1718676" cy="307777"/>
+          </a:xfrm>
+          <a:prstGeom prst="rect">
+            <a:avLst/>
+          </a:prstGeom>
+          <a:noFill/>
+        </p:spPr>
+        <p:txBody>
+          <a:bodyPr wrap="none" rtlCol="0">
+            <a:spAutoFit/>
+          </a:bodyPr>
+          <a:lstStyle/>
+          <a:p>
+            <a:r>
+              <a:rPr lang="de-DE" sz="1400" dirty="0" err="1" smtClean="0"/>
+              <a:t>With</a:t>
+            </a:r>
+            <a:r>
+              <a:rPr lang="de-DE" sz="1400" dirty="0" smtClean="0"/>
+              <a:t> </a:t>
+            </a:r>
+            <a:r>
+              <a:rPr lang="de-DE" sz="1400" dirty="0" err="1" smtClean="0"/>
+              <a:t>ServerLogic.ads</a:t>
+            </a:r>
+            <a:endParaRPr lang="de-DE" sz="1400" dirty="0"/>
+          </a:p>
+        </p:txBody>
+      </p:sp>
+      <p:sp>
+        <p:nvSpPr>
+          <p:cNvPr id="20" name="Textfeld 19"/>
+          <p:cNvSpPr txBox="1"/>
+          <p:nvPr/>
+        </p:nvSpPr>
+        <p:spPr>
+          <a:xfrm>
+            <a:off x="3424834" y="2527910"/>
+            <a:ext cx="1677319" cy="307777"/>
+          </a:xfrm>
+          <a:prstGeom prst="rect">
+            <a:avLst/>
+          </a:prstGeom>
+          <a:noFill/>
+        </p:spPr>
+        <p:txBody>
+          <a:bodyPr wrap="none" rtlCol="0">
+            <a:spAutoFit/>
+          </a:bodyPr>
+          <a:lstStyle/>
+          <a:p>
+            <a:r>
+              <a:rPr lang="de-DE" sz="1400" dirty="0" err="1" smtClean="0"/>
+              <a:t>With</a:t>
+            </a:r>
+            <a:r>
+              <a:rPr lang="de-DE" sz="1400" dirty="0" smtClean="0"/>
+              <a:t> </a:t>
+            </a:r>
+            <a:r>
+              <a:rPr lang="de-DE" sz="1400" dirty="0" err="1" smtClean="0"/>
+              <a:t>Chatrooms.ads</a:t>
+            </a:r>
+            <a:endParaRPr lang="de-DE" sz="1400" dirty="0"/>
+          </a:p>
+        </p:txBody>
+      </p:sp>
+    </p:spTree>
+    <p:extLst>
+      <p:ext uri="{BB962C8B-B14F-4D97-AF65-F5344CB8AC3E}">
+        <p14:creationId xmlns:p14="http://schemas.microsoft.com/office/powerpoint/2010/main" val="923356769"/>
+      </p:ext>
+    </p:extLst>
+  </p:cSld>
+  <p:clrMapOvr>
+    <a:masterClrMapping/>
+  </p:clrMapOvr>
+  <p:timing>
+    <p:tnLst>
+      <p:par>
+        <p:cTn id="1" dur="indefinite" restart="never" nodeType="tmRoot"/>
+      </p:par>
+    </p:tnLst>
+  </p:timing>
+</p:sld>
+</file>
+
+<file path=ppt/slides/slide11.xml><?xml version="1.0" encoding="utf-8"?>
+<p:sld xmlns:a="http://schemas.openxmlformats.org/drawingml/2006/main" xmlns:r="http://schemas.openxmlformats.org/officeDocument/2006/relationships" xmlns:p="http://schemas.openxmlformats.org/presentationml/2006/main">
+  <p:cSld>
+    <p:spTree>
+      <p:nvGrpSpPr>
+        <p:cNvPr id="1" name=""/>
+        <p:cNvGrpSpPr/>
+        <p:nvPr/>
+      </p:nvGrpSpPr>
+      <p:grpSpPr>
+        <a:xfrm>
+          <a:off x="0" y="0"/>
+          <a:ext cx="0" cy="0"/>
+          <a:chOff x="0" y="0"/>
+          <a:chExt cx="0" cy="0"/>
+        </a:xfrm>
+      </p:grpSpPr>
+      <p:sp>
+        <p:nvSpPr>
+          <p:cNvPr id="2" name="Titel 1"/>
+          <p:cNvSpPr>
+            <a:spLocks noGrp="1"/>
+          </p:cNvSpPr>
+          <p:nvPr>
+            <p:ph type="title"/>
+          </p:nvPr>
+        </p:nvSpPr>
+        <p:spPr>
+          <a:xfrm>
+            <a:off x="360000" y="1317222"/>
+            <a:ext cx="8246118" cy="569556"/>
+          </a:xfrm>
+        </p:spPr>
+        <p:txBody>
+          <a:bodyPr/>
+          <a:lstStyle/>
+          <a:p>
+            <a:r>
+              <a:rPr lang="de-DE" dirty="0" smtClean="0"/>
+              <a:t>Implementierungslogik – anderes Wort finden</a:t>
+            </a:r>
+            <a:endParaRPr lang="de-DE" dirty="0"/>
+          </a:p>
+        </p:txBody>
+      </p:sp>
+      <p:sp>
+        <p:nvSpPr>
+          <p:cNvPr id="19" name="Textfeld 18"/>
+          <p:cNvSpPr txBox="1"/>
+          <p:nvPr/>
+        </p:nvSpPr>
+        <p:spPr>
+          <a:xfrm>
+            <a:off x="3402989" y="4642452"/>
+            <a:ext cx="1688264" cy="738664"/>
+          </a:xfrm>
+          <a:prstGeom prst="rect">
+            <a:avLst/>
+          </a:prstGeom>
+          <a:noFill/>
+        </p:spPr>
+        <p:txBody>
+          <a:bodyPr wrap="square" rtlCol="0">
+            <a:spAutoFit/>
+          </a:bodyPr>
+          <a:lstStyle/>
+          <a:p>
+            <a:r>
+              <a:rPr lang="de-DE" sz="1400" dirty="0" smtClean="0"/>
+              <a:t>Type Chatroom </a:t>
+            </a:r>
+            <a:r>
+              <a:rPr lang="de-DE" sz="1400" dirty="0" err="1" smtClean="0"/>
+              <a:t>is</a:t>
+            </a:r>
+            <a:endParaRPr lang="de-DE" sz="1400" dirty="0" smtClean="0"/>
+          </a:p>
+          <a:p>
+            <a:r>
+              <a:rPr lang="de-DE" sz="1400" dirty="0" smtClean="0"/>
+              <a:t>      - Client</a:t>
+            </a:r>
+          </a:p>
+          <a:p>
+            <a:r>
+              <a:rPr lang="de-DE" sz="1400" dirty="0" smtClean="0"/>
+              <a:t>End type;</a:t>
+            </a:r>
+            <a:endParaRPr lang="de-DE" sz="1400" dirty="0"/>
+          </a:p>
+        </p:txBody>
+      </p:sp>
+      <p:sp>
+        <p:nvSpPr>
+          <p:cNvPr id="38" name="Rechteck 37"/>
+          <p:cNvSpPr/>
+          <p:nvPr/>
+        </p:nvSpPr>
+        <p:spPr>
+          <a:xfrm>
+            <a:off x="3268764" y="2618490"/>
+            <a:ext cx="1747853" cy="3119579"/>
+          </a:xfrm>
+          <a:prstGeom prst="rect">
+            <a:avLst/>
+          </a:prstGeom>
+          <a:noFill/>
+          <a:ln/>
         </p:spPr>
         <p:style>
           <a:lnRef idx="2">
@@ -2197,21 +2924,384 @@
       </p:sp>
       <p:sp>
         <p:nvSpPr>
-          <p:cNvPr id="10" name="Rechteck 9"/>
+          <p:cNvPr id="39" name="Textfeld 38"/>
+          <p:cNvSpPr txBox="1"/>
+          <p:nvPr/>
+        </p:nvSpPr>
+        <p:spPr>
+          <a:xfrm>
+            <a:off x="3151321" y="2295941"/>
+            <a:ext cx="2904695" cy="369332"/>
+          </a:xfrm>
+          <a:prstGeom prst="rect">
+            <a:avLst/>
+          </a:prstGeom>
+          <a:noFill/>
+        </p:spPr>
+        <p:txBody>
+          <a:bodyPr wrap="square" rtlCol="0">
+            <a:spAutoFit/>
+          </a:bodyPr>
+          <a:lstStyle/>
+          <a:p>
+            <a:r>
+              <a:rPr lang="de-DE" dirty="0" err="1" smtClean="0"/>
+              <a:t>Everything.ads</a:t>
+            </a:r>
+            <a:endParaRPr lang="de-DE" dirty="0"/>
+          </a:p>
+        </p:txBody>
+      </p:sp>
+      <p:sp>
+        <p:nvSpPr>
+          <p:cNvPr id="40" name="Rechteck 39"/>
           <p:cNvSpPr/>
           <p:nvPr/>
         </p:nvSpPr>
         <p:spPr>
           <a:xfrm>
-            <a:off x="1630828" y="3722690"/>
-            <a:ext cx="311084" cy="245097"/>
-          </a:xfrm>
-          <a:prstGeom prst="rect">
-            <a:avLst/>
-          </a:prstGeom>
-          <a:solidFill>
-            <a:schemeClr val="bg1"/>
-          </a:solidFill>
+            <a:off x="3402989" y="2747769"/>
+            <a:ext cx="1459684" cy="954106"/>
+          </a:xfrm>
+          <a:prstGeom prst="rect">
+            <a:avLst/>
+          </a:prstGeom>
+          <a:noFill/>
+        </p:spPr>
+        <p:style>
+          <a:lnRef idx="2">
+            <a:schemeClr val="accent1">
+              <a:shade val="50000"/>
+            </a:schemeClr>
+          </a:lnRef>
+          <a:fillRef idx="1">
+            <a:schemeClr val="accent1"/>
+          </a:fillRef>
+          <a:effectRef idx="0">
+            <a:schemeClr val="accent1"/>
+          </a:effectRef>
+          <a:fontRef idx="minor">
+            <a:schemeClr val="lt1"/>
+          </a:fontRef>
+        </p:style>
+        <p:txBody>
+          <a:bodyPr rtlCol="0" anchor="ctr"/>
+          <a:lstStyle/>
+          <a:p>
+            <a:pPr algn="ctr"/>
+            <a:endParaRPr lang="de-DE"/>
+          </a:p>
+        </p:txBody>
+      </p:sp>
+      <p:sp>
+        <p:nvSpPr>
+          <p:cNvPr id="41" name="Textfeld 40"/>
+          <p:cNvSpPr txBox="1"/>
+          <p:nvPr/>
+        </p:nvSpPr>
+        <p:spPr>
+          <a:xfrm>
+            <a:off x="3402989" y="2747768"/>
+            <a:ext cx="1688264" cy="954107"/>
+          </a:xfrm>
+          <a:prstGeom prst="rect">
+            <a:avLst/>
+          </a:prstGeom>
+          <a:noFill/>
+        </p:spPr>
+        <p:txBody>
+          <a:bodyPr wrap="square" rtlCol="0">
+            <a:spAutoFit/>
+          </a:bodyPr>
+          <a:lstStyle/>
+          <a:p>
+            <a:r>
+              <a:rPr lang="de-DE" sz="1400" dirty="0" smtClean="0"/>
+              <a:t>Type Server </a:t>
+            </a:r>
+            <a:r>
+              <a:rPr lang="de-DE" sz="1400" dirty="0" err="1" smtClean="0"/>
+              <a:t>is</a:t>
+            </a:r>
+            <a:endParaRPr lang="de-DE" sz="1400" dirty="0" smtClean="0"/>
+          </a:p>
+          <a:p>
+            <a:r>
+              <a:rPr lang="de-DE" sz="1400" dirty="0" smtClean="0"/>
+              <a:t>      - Client</a:t>
+            </a:r>
+          </a:p>
+          <a:p>
+            <a:r>
+              <a:rPr lang="de-DE" sz="1400" dirty="0"/>
+              <a:t> </a:t>
+            </a:r>
+            <a:r>
+              <a:rPr lang="de-DE" sz="1400" dirty="0" smtClean="0"/>
+              <a:t>     - Chatroom</a:t>
+            </a:r>
+          </a:p>
+          <a:p>
+            <a:r>
+              <a:rPr lang="de-DE" sz="1400" dirty="0" smtClean="0"/>
+              <a:t>End type;</a:t>
+            </a:r>
+            <a:endParaRPr lang="de-DE" sz="1400" dirty="0"/>
+          </a:p>
+        </p:txBody>
+      </p:sp>
+      <p:sp>
+        <p:nvSpPr>
+          <p:cNvPr id="42" name="Rechteck 41"/>
+          <p:cNvSpPr/>
+          <p:nvPr/>
+        </p:nvSpPr>
+        <p:spPr>
+          <a:xfrm>
+            <a:off x="3402989" y="3831153"/>
+            <a:ext cx="1459684" cy="728804"/>
+          </a:xfrm>
+          <a:prstGeom prst="rect">
+            <a:avLst/>
+          </a:prstGeom>
+          <a:noFill/>
+        </p:spPr>
+        <p:style>
+          <a:lnRef idx="2">
+            <a:schemeClr val="accent1">
+              <a:shade val="50000"/>
+            </a:schemeClr>
+          </a:lnRef>
+          <a:fillRef idx="1">
+            <a:schemeClr val="accent1"/>
+          </a:fillRef>
+          <a:effectRef idx="0">
+            <a:schemeClr val="accent1"/>
+          </a:effectRef>
+          <a:fontRef idx="minor">
+            <a:schemeClr val="lt1"/>
+          </a:fontRef>
+        </p:style>
+        <p:txBody>
+          <a:bodyPr rtlCol="0" anchor="ctr"/>
+          <a:lstStyle/>
+          <a:p>
+            <a:pPr algn="ctr"/>
+            <a:endParaRPr lang="de-DE"/>
+          </a:p>
+        </p:txBody>
+      </p:sp>
+      <p:sp>
+        <p:nvSpPr>
+          <p:cNvPr id="43" name="Textfeld 42"/>
+          <p:cNvSpPr txBox="1"/>
+          <p:nvPr/>
+        </p:nvSpPr>
+        <p:spPr>
+          <a:xfrm>
+            <a:off x="3402989" y="3821293"/>
+            <a:ext cx="1688264" cy="738664"/>
+          </a:xfrm>
+          <a:prstGeom prst="rect">
+            <a:avLst/>
+          </a:prstGeom>
+          <a:noFill/>
+        </p:spPr>
+        <p:txBody>
+          <a:bodyPr wrap="square" rtlCol="0">
+            <a:spAutoFit/>
+          </a:bodyPr>
+          <a:lstStyle/>
+          <a:p>
+            <a:r>
+              <a:rPr lang="de-DE" sz="1400" dirty="0" smtClean="0"/>
+              <a:t>Type Client </a:t>
+            </a:r>
+            <a:r>
+              <a:rPr lang="de-DE" sz="1400" dirty="0" err="1" smtClean="0"/>
+              <a:t>is</a:t>
+            </a:r>
+            <a:endParaRPr lang="de-DE" sz="1400" dirty="0" smtClean="0"/>
+          </a:p>
+          <a:p>
+            <a:r>
+              <a:rPr lang="de-DE" sz="1400" dirty="0" smtClean="0"/>
+              <a:t>      …</a:t>
+            </a:r>
+          </a:p>
+          <a:p>
+            <a:r>
+              <a:rPr lang="de-DE" sz="1400" dirty="0" smtClean="0"/>
+              <a:t>End type;</a:t>
+            </a:r>
+            <a:endParaRPr lang="de-DE" sz="1400" dirty="0"/>
+          </a:p>
+        </p:txBody>
+      </p:sp>
+      <p:sp>
+        <p:nvSpPr>
+          <p:cNvPr id="23" name="Rechteck 22"/>
+          <p:cNvSpPr/>
+          <p:nvPr/>
+        </p:nvSpPr>
+        <p:spPr>
+          <a:xfrm>
+            <a:off x="3402989" y="4679375"/>
+            <a:ext cx="1459684" cy="728804"/>
+          </a:xfrm>
+          <a:prstGeom prst="rect">
+            <a:avLst/>
+          </a:prstGeom>
+          <a:noFill/>
+        </p:spPr>
+        <p:style>
+          <a:lnRef idx="2">
+            <a:schemeClr val="accent1">
+              <a:shade val="50000"/>
+            </a:schemeClr>
+          </a:lnRef>
+          <a:fillRef idx="1">
+            <a:schemeClr val="accent1"/>
+          </a:fillRef>
+          <a:effectRef idx="0">
+            <a:schemeClr val="accent1"/>
+          </a:effectRef>
+          <a:fontRef idx="minor">
+            <a:schemeClr val="lt1"/>
+          </a:fontRef>
+        </p:style>
+        <p:txBody>
+          <a:bodyPr rtlCol="0" anchor="ctr"/>
+          <a:lstStyle/>
+          <a:p>
+            <a:pPr algn="ctr"/>
+            <a:endParaRPr lang="de-DE"/>
+          </a:p>
+        </p:txBody>
+      </p:sp>
+      <p:sp>
+        <p:nvSpPr>
+          <p:cNvPr id="5" name="Textfeld 4"/>
+          <p:cNvSpPr txBox="1"/>
+          <p:nvPr/>
+        </p:nvSpPr>
+        <p:spPr>
+          <a:xfrm>
+            <a:off x="5377341" y="3701875"/>
+            <a:ext cx="2072081" cy="646331"/>
+          </a:xfrm>
+          <a:prstGeom prst="rect">
+            <a:avLst/>
+          </a:prstGeom>
+          <a:noFill/>
+        </p:spPr>
+        <p:txBody>
+          <a:bodyPr wrap="square" rtlCol="0">
+            <a:spAutoFit/>
+          </a:bodyPr>
+          <a:lstStyle/>
+          <a:p>
+            <a:r>
+              <a:rPr lang="de-DE" dirty="0" smtClean="0">
+                <a:solidFill>
+                  <a:schemeClr val="accent2">
+                    <a:lumMod val="75000"/>
+                  </a:schemeClr>
+                </a:solidFill>
+              </a:rPr>
+              <a:t>Keine äußeren Abhängigkeiten!</a:t>
+            </a:r>
+            <a:endParaRPr lang="de-DE" dirty="0">
+              <a:solidFill>
+                <a:schemeClr val="accent2">
+                  <a:lumMod val="75000"/>
+                </a:schemeClr>
+              </a:solidFill>
+            </a:endParaRPr>
+          </a:p>
+        </p:txBody>
+      </p:sp>
+    </p:spTree>
+    <p:extLst>
+      <p:ext uri="{BB962C8B-B14F-4D97-AF65-F5344CB8AC3E}">
+        <p14:creationId xmlns:p14="http://schemas.microsoft.com/office/powerpoint/2010/main" val="780916344"/>
+      </p:ext>
+    </p:extLst>
+  </p:cSld>
+  <p:clrMapOvr>
+    <a:masterClrMapping/>
+  </p:clrMapOvr>
+  <p:timing>
+    <p:tnLst>
+      <p:par>
+        <p:cTn id="1" dur="indefinite" restart="never" nodeType="tmRoot"/>
+      </p:par>
+    </p:tnLst>
+  </p:timing>
+</p:sld>
+</file>
+
+<file path=ppt/slides/slide12.xml><?xml version="1.0" encoding="utf-8"?>
+<p:sld xmlns:a="http://schemas.openxmlformats.org/drawingml/2006/main" xmlns:r="http://schemas.openxmlformats.org/officeDocument/2006/relationships" xmlns:p="http://schemas.openxmlformats.org/presentationml/2006/main">
+  <p:cSld>
+    <p:spTree>
+      <p:nvGrpSpPr>
+        <p:cNvPr id="1" name=""/>
+        <p:cNvGrpSpPr/>
+        <p:nvPr/>
+      </p:nvGrpSpPr>
+      <p:grpSpPr>
+        <a:xfrm>
+          <a:off x="0" y="0"/>
+          <a:ext cx="0" cy="0"/>
+          <a:chOff x="0" y="0"/>
+          <a:chExt cx="0" cy="0"/>
+        </a:xfrm>
+      </p:grpSpPr>
+      <p:sp>
+        <p:nvSpPr>
+          <p:cNvPr id="2" name="Titel 1"/>
+          <p:cNvSpPr>
+            <a:spLocks noGrp="1"/>
+          </p:cNvSpPr>
+          <p:nvPr>
+            <p:ph type="title"/>
+          </p:nvPr>
+        </p:nvSpPr>
+        <p:spPr>
+          <a:xfrm>
+            <a:off x="360000" y="1317222"/>
+            <a:ext cx="8246118" cy="569556"/>
+          </a:xfrm>
+        </p:spPr>
+        <p:txBody>
+          <a:bodyPr/>
+          <a:lstStyle/>
+          <a:p>
+            <a:r>
+              <a:rPr lang="de-DE" dirty="0" smtClean="0"/>
+              <a:t>Implementierungslogik – anderes Wort finden</a:t>
+            </a:r>
+            <a:endParaRPr lang="de-DE" dirty="0"/>
+          </a:p>
+        </p:txBody>
+      </p:sp>
+      <p:sp>
+        <p:nvSpPr>
+          <p:cNvPr id="6" name="Rechteck 5"/>
+          <p:cNvSpPr/>
+          <p:nvPr/>
+        </p:nvSpPr>
+        <p:spPr>
+          <a:xfrm>
+            <a:off x="553673" y="2224209"/>
+            <a:ext cx="1744911" cy="2176715"/>
+          </a:xfrm>
+          <a:prstGeom prst="rect">
+            <a:avLst/>
+          </a:prstGeom>
+          <a:noFill/>
+          <a:ln/>
         </p:spPr>
         <p:style>
           <a:lnRef idx="2">
@@ -2240,21 +3330,138 @@
       </p:sp>
       <p:sp>
         <p:nvSpPr>
-          <p:cNvPr id="11" name="Rechteck 10"/>
+          <p:cNvPr id="12" name="Textfeld 11"/>
+          <p:cNvSpPr txBox="1"/>
+          <p:nvPr/>
+        </p:nvSpPr>
+        <p:spPr>
+          <a:xfrm>
+            <a:off x="441114" y="1886778"/>
+            <a:ext cx="1593909" cy="369332"/>
+          </a:xfrm>
+          <a:prstGeom prst="rect">
+            <a:avLst/>
+          </a:prstGeom>
+          <a:noFill/>
+        </p:spPr>
+        <p:txBody>
+          <a:bodyPr wrap="square" rtlCol="0">
+            <a:spAutoFit/>
+          </a:bodyPr>
+          <a:lstStyle/>
+          <a:p>
+            <a:r>
+              <a:rPr lang="de-DE" dirty="0" err="1" smtClean="0"/>
+              <a:t>Chatrooms.ads</a:t>
+            </a:r>
+            <a:endParaRPr lang="de-DE" dirty="0"/>
+          </a:p>
+        </p:txBody>
+      </p:sp>
+      <p:sp>
+        <p:nvSpPr>
+          <p:cNvPr id="17" name="Rechteck 16"/>
           <p:cNvSpPr/>
           <p:nvPr/>
         </p:nvSpPr>
         <p:spPr>
           <a:xfrm>
-            <a:off x="1630828" y="4178314"/>
-            <a:ext cx="311084" cy="245097"/>
-          </a:xfrm>
-          <a:prstGeom prst="rect">
-            <a:avLst/>
-          </a:prstGeom>
-          <a:solidFill>
-            <a:schemeClr val="bg1"/>
-          </a:solidFill>
+            <a:off x="675169" y="2353487"/>
+            <a:ext cx="1459684" cy="738664"/>
+          </a:xfrm>
+          <a:prstGeom prst="rect">
+            <a:avLst/>
+          </a:prstGeom>
+          <a:noFill/>
+        </p:spPr>
+        <p:style>
+          <a:lnRef idx="2">
+            <a:schemeClr val="accent1">
+              <a:shade val="50000"/>
+            </a:schemeClr>
+          </a:lnRef>
+          <a:fillRef idx="1">
+            <a:schemeClr val="accent1"/>
+          </a:fillRef>
+          <a:effectRef idx="0">
+            <a:schemeClr val="accent1"/>
+          </a:effectRef>
+          <a:fontRef idx="minor">
+            <a:schemeClr val="lt1"/>
+          </a:fontRef>
+        </p:style>
+        <p:txBody>
+          <a:bodyPr rtlCol="0" anchor="ctr"/>
+          <a:lstStyle/>
+          <a:p>
+            <a:pPr algn="ctr"/>
+            <a:endParaRPr lang="de-DE"/>
+          </a:p>
+        </p:txBody>
+      </p:sp>
+      <p:sp>
+        <p:nvSpPr>
+          <p:cNvPr id="19" name="Textfeld 18"/>
+          <p:cNvSpPr txBox="1"/>
+          <p:nvPr/>
+        </p:nvSpPr>
+        <p:spPr>
+          <a:xfrm>
+            <a:off x="675169" y="2353486"/>
+            <a:ext cx="1688264" cy="738664"/>
+          </a:xfrm>
+          <a:prstGeom prst="rect">
+            <a:avLst/>
+          </a:prstGeom>
+          <a:noFill/>
+        </p:spPr>
+        <p:txBody>
+          <a:bodyPr wrap="square" rtlCol="0">
+            <a:spAutoFit/>
+          </a:bodyPr>
+          <a:lstStyle/>
+          <a:p>
+            <a:r>
+              <a:rPr lang="de-DE" sz="1400" dirty="0" smtClean="0"/>
+              <a:t>Type Chatroom </a:t>
+            </a:r>
+            <a:r>
+              <a:rPr lang="de-DE" sz="1400" dirty="0" err="1" smtClean="0"/>
+              <a:t>is</a:t>
+            </a:r>
+            <a:endParaRPr lang="de-DE" sz="1400" dirty="0" smtClean="0"/>
+          </a:p>
+          <a:p>
+            <a:r>
+              <a:rPr lang="de-DE" sz="1400" dirty="0" smtClean="0"/>
+              <a:t>      - Client</a:t>
+            </a:r>
+          </a:p>
+          <a:p>
+            <a:r>
+              <a:rPr lang="de-DE" sz="1400" dirty="0" smtClean="0"/>
+              <a:t>End type;</a:t>
+            </a:r>
+            <a:endParaRPr lang="de-DE" sz="1400" dirty="0"/>
+          </a:p>
+        </p:txBody>
+      </p:sp>
+      <p:sp>
+        <p:nvSpPr>
+          <p:cNvPr id="38" name="Rechteck 37"/>
+          <p:cNvSpPr/>
+          <p:nvPr/>
+        </p:nvSpPr>
+        <p:spPr>
+          <a:xfrm>
+            <a:off x="6204911" y="2224209"/>
+            <a:ext cx="2293137" cy="2725658"/>
+          </a:xfrm>
+          <a:prstGeom prst="rect">
+            <a:avLst/>
+          </a:prstGeom>
+          <a:noFill/>
+          <a:ln/>
         </p:spPr>
         <p:style>
           <a:lnRef idx="2">
@@ -2283,26 +3490,49 @@
       </p:sp>
       <p:sp>
         <p:nvSpPr>
-          <p:cNvPr id="13" name="Multiplizieren 12"/>
+          <p:cNvPr id="39" name="Textfeld 38"/>
+          <p:cNvSpPr txBox="1"/>
+          <p:nvPr/>
+        </p:nvSpPr>
+        <p:spPr>
+          <a:xfrm>
+            <a:off x="6105081" y="1886778"/>
+            <a:ext cx="1629569" cy="369332"/>
+          </a:xfrm>
+          <a:prstGeom prst="rect">
+            <a:avLst/>
+          </a:prstGeom>
+          <a:noFill/>
+        </p:spPr>
+        <p:txBody>
+          <a:bodyPr wrap="square" rtlCol="0">
+            <a:spAutoFit/>
+          </a:bodyPr>
+          <a:lstStyle/>
+          <a:p>
+            <a:r>
+              <a:rPr lang="de-DE" dirty="0" err="1" smtClean="0"/>
+              <a:t>ServerLogic.ads</a:t>
+            </a:r>
+            <a:endParaRPr lang="de-DE" dirty="0"/>
+          </a:p>
+        </p:txBody>
+      </p:sp>
+      <p:sp>
+        <p:nvSpPr>
+          <p:cNvPr id="40" name="Rechteck 39"/>
           <p:cNvSpPr/>
           <p:nvPr/>
         </p:nvSpPr>
         <p:spPr>
           <a:xfrm>
-            <a:off x="1647324" y="2737589"/>
-            <a:ext cx="278091" cy="331731"/>
-          </a:xfrm>
-          <a:prstGeom prst="mathMultiply">
-            <a:avLst/>
-          </a:prstGeom>
-          <a:solidFill>
-            <a:srgbClr val="FF0000"/>
-          </a:solidFill>
-          <a:ln>
-            <a:solidFill>
-              <a:srgbClr val="FF0000"/>
-            </a:solidFill>
-          </a:ln>
+            <a:off x="6339136" y="2353487"/>
+            <a:ext cx="1459684" cy="954106"/>
+          </a:xfrm>
+          <a:prstGeom prst="rect">
+            <a:avLst/>
+          </a:prstGeom>
+          <a:noFill/>
         </p:spPr>
         <p:style>
           <a:lnRef idx="2">
@@ -2331,26 +3561,339 @@
       </p:sp>
       <p:sp>
         <p:nvSpPr>
-          <p:cNvPr id="14" name="Multiplizieren 13"/>
+          <p:cNvPr id="41" name="Textfeld 40"/>
+          <p:cNvSpPr txBox="1"/>
+          <p:nvPr/>
+        </p:nvSpPr>
+        <p:spPr>
+          <a:xfrm>
+            <a:off x="6339136" y="2353486"/>
+            <a:ext cx="1688264" cy="954107"/>
+          </a:xfrm>
+          <a:prstGeom prst="rect">
+            <a:avLst/>
+          </a:prstGeom>
+          <a:noFill/>
+        </p:spPr>
+        <p:txBody>
+          <a:bodyPr wrap="square" rtlCol="0">
+            <a:spAutoFit/>
+          </a:bodyPr>
+          <a:lstStyle/>
+          <a:p>
+            <a:r>
+              <a:rPr lang="de-DE" sz="1400" dirty="0" smtClean="0"/>
+              <a:t>Type Server </a:t>
+            </a:r>
+            <a:r>
+              <a:rPr lang="de-DE" sz="1400" dirty="0" err="1" smtClean="0"/>
+              <a:t>is</a:t>
+            </a:r>
+            <a:endParaRPr lang="de-DE" sz="1400" dirty="0" smtClean="0"/>
+          </a:p>
+          <a:p>
+            <a:r>
+              <a:rPr lang="de-DE" sz="1400" dirty="0" smtClean="0"/>
+              <a:t>      - Client</a:t>
+            </a:r>
+          </a:p>
+          <a:p>
+            <a:r>
+              <a:rPr lang="de-DE" sz="1400" dirty="0"/>
+              <a:t> </a:t>
+            </a:r>
+            <a:r>
+              <a:rPr lang="de-DE" sz="1400" dirty="0" smtClean="0"/>
+              <a:t>     - Chatroom</a:t>
+            </a:r>
+          </a:p>
+          <a:p>
+            <a:r>
+              <a:rPr lang="de-DE" sz="1400" dirty="0" smtClean="0"/>
+              <a:t>End type;</a:t>
+            </a:r>
+            <a:endParaRPr lang="de-DE" sz="1400" dirty="0"/>
+          </a:p>
+        </p:txBody>
+      </p:sp>
+      <p:cxnSp>
+        <p:nvCxnSpPr>
+          <p:cNvPr id="2069" name="Gerade Verbindung mit Pfeil 2068"/>
+          <p:cNvCxnSpPr/>
+          <p:nvPr/>
+        </p:nvCxnSpPr>
+        <p:spPr>
+          <a:xfrm>
+            <a:off x="2134853" y="2995232"/>
+            <a:ext cx="1222702" cy="2123715"/>
+          </a:xfrm>
+          <a:prstGeom prst="straightConnector1">
+            <a:avLst/>
+          </a:prstGeom>
+          <a:ln>
+            <a:tailEnd type="triangle"/>
+          </a:ln>
+        </p:spPr>
+        <p:style>
+          <a:lnRef idx="2">
+            <a:schemeClr val="accent2"/>
+          </a:lnRef>
+          <a:fillRef idx="0">
+            <a:schemeClr val="accent2"/>
+          </a:fillRef>
+          <a:effectRef idx="1">
+            <a:schemeClr val="accent2"/>
+          </a:effectRef>
+          <a:fontRef idx="minor">
+            <a:schemeClr val="tx1"/>
+          </a:fontRef>
+        </p:style>
+      </p:cxnSp>
+      <p:cxnSp>
+        <p:nvCxnSpPr>
+          <p:cNvPr id="2071" name="Gerade Verbindung mit Pfeil 2070"/>
+          <p:cNvCxnSpPr>
+            <a:stCxn id="41" idx="1"/>
+          </p:cNvCxnSpPr>
+          <p:nvPr/>
+        </p:nvCxnSpPr>
+        <p:spPr>
+          <a:xfrm flipH="1" flipV="1">
+            <a:off x="2134853" y="2810675"/>
+            <a:ext cx="4204283" cy="19865"/>
+          </a:xfrm>
+          <a:prstGeom prst="straightConnector1">
+            <a:avLst/>
+          </a:prstGeom>
+          <a:ln>
+            <a:tailEnd type="triangle"/>
+          </a:ln>
+        </p:spPr>
+        <p:style>
+          <a:lnRef idx="2">
+            <a:schemeClr val="accent2"/>
+          </a:lnRef>
+          <a:fillRef idx="0">
+            <a:schemeClr val="accent2"/>
+          </a:fillRef>
+          <a:effectRef idx="1">
+            <a:schemeClr val="accent2"/>
+          </a:effectRef>
+          <a:fontRef idx="minor">
+            <a:schemeClr val="tx1"/>
+          </a:fontRef>
+        </p:style>
+      </p:cxnSp>
+      <p:sp>
+        <p:nvSpPr>
+          <p:cNvPr id="3" name="Textfeld 2"/>
+          <p:cNvSpPr txBox="1"/>
+          <p:nvPr/>
+        </p:nvSpPr>
+        <p:spPr>
+          <a:xfrm rot="3596617">
+            <a:off x="2154106" y="3862159"/>
+            <a:ext cx="1372427" cy="307777"/>
+          </a:xfrm>
+          <a:prstGeom prst="rect">
+            <a:avLst/>
+          </a:prstGeom>
+          <a:noFill/>
+        </p:spPr>
+        <p:txBody>
+          <a:bodyPr wrap="none" rtlCol="0">
+            <a:spAutoFit/>
+          </a:bodyPr>
+          <a:lstStyle/>
+          <a:p>
+            <a:r>
+              <a:rPr lang="de-DE" sz="1400" dirty="0" err="1" smtClean="0"/>
+              <a:t>With</a:t>
+            </a:r>
+            <a:r>
+              <a:rPr lang="de-DE" sz="1400" dirty="0" smtClean="0"/>
+              <a:t> </a:t>
+            </a:r>
+            <a:r>
+              <a:rPr lang="de-DE" sz="1400" dirty="0" err="1" smtClean="0"/>
+              <a:t>Clients.ads</a:t>
+            </a:r>
+            <a:endParaRPr lang="de-DE" sz="1400" dirty="0"/>
+          </a:p>
+        </p:txBody>
+      </p:sp>
+      <p:sp>
+        <p:nvSpPr>
+          <p:cNvPr id="20" name="Textfeld 19"/>
+          <p:cNvSpPr txBox="1"/>
+          <p:nvPr/>
+        </p:nvSpPr>
+        <p:spPr>
+          <a:xfrm>
+            <a:off x="3424834" y="2527910"/>
+            <a:ext cx="1677319" cy="307777"/>
+          </a:xfrm>
+          <a:prstGeom prst="rect">
+            <a:avLst/>
+          </a:prstGeom>
+          <a:noFill/>
+        </p:spPr>
+        <p:txBody>
+          <a:bodyPr wrap="none" rtlCol="0">
+            <a:spAutoFit/>
+          </a:bodyPr>
+          <a:lstStyle/>
+          <a:p>
+            <a:r>
+              <a:rPr lang="de-DE" sz="1400" dirty="0" err="1" smtClean="0"/>
+              <a:t>With</a:t>
+            </a:r>
+            <a:r>
+              <a:rPr lang="de-DE" sz="1400" dirty="0" smtClean="0"/>
+              <a:t> </a:t>
+            </a:r>
+            <a:r>
+              <a:rPr lang="de-DE" sz="1400" dirty="0" err="1" smtClean="0"/>
+              <a:t>Chatrooms.ads</a:t>
+            </a:r>
+            <a:endParaRPr lang="de-DE" sz="1400" dirty="0"/>
+          </a:p>
+        </p:txBody>
+      </p:sp>
+      <p:sp>
+        <p:nvSpPr>
+          <p:cNvPr id="27" name="Rechteck 26"/>
           <p:cNvSpPr/>
           <p:nvPr/>
         </p:nvSpPr>
         <p:spPr>
           <a:xfrm>
-            <a:off x="1649680" y="3191868"/>
-            <a:ext cx="278091" cy="331731"/>
-          </a:xfrm>
-          <a:prstGeom prst="mathMultiply">
-            <a:avLst/>
-          </a:prstGeom>
-          <a:solidFill>
-            <a:srgbClr val="FF0000"/>
-          </a:solidFill>
-          <a:ln>
-            <a:solidFill>
-              <a:srgbClr val="FF0000"/>
-            </a:solidFill>
-          </a:ln>
+            <a:off x="3257489" y="4726264"/>
+            <a:ext cx="1779911" cy="1492125"/>
+          </a:xfrm>
+          <a:prstGeom prst="rect">
+            <a:avLst/>
+          </a:prstGeom>
+          <a:noFill/>
+          <a:ln/>
+        </p:spPr>
+        <p:style>
+          <a:lnRef idx="2">
+            <a:schemeClr val="dk1">
+              <a:shade val="50000"/>
+            </a:schemeClr>
+          </a:lnRef>
+          <a:fillRef idx="1">
+            <a:schemeClr val="dk1"/>
+          </a:fillRef>
+          <a:effectRef idx="0">
+            <a:schemeClr val="dk1"/>
+          </a:effectRef>
+          <a:fontRef idx="minor">
+            <a:schemeClr val="lt1"/>
+          </a:fontRef>
+        </p:style>
+        <p:txBody>
+          <a:bodyPr rtlCol="0" anchor="ctr"/>
+          <a:lstStyle/>
+          <a:p>
+            <a:pPr algn="ctr"/>
+            <a:endParaRPr lang="de-DE"/>
+          </a:p>
+        </p:txBody>
+      </p:sp>
+      <p:sp>
+        <p:nvSpPr>
+          <p:cNvPr id="28" name="Textfeld 27"/>
+          <p:cNvSpPr txBox="1"/>
+          <p:nvPr/>
+        </p:nvSpPr>
+        <p:spPr>
+          <a:xfrm>
+            <a:off x="3187670" y="4400924"/>
+            <a:ext cx="1629569" cy="369332"/>
+          </a:xfrm>
+          <a:prstGeom prst="rect">
+            <a:avLst/>
+          </a:prstGeom>
+          <a:noFill/>
+        </p:spPr>
+        <p:txBody>
+          <a:bodyPr wrap="square" rtlCol="0">
+            <a:spAutoFit/>
+          </a:bodyPr>
+          <a:lstStyle/>
+          <a:p>
+            <a:r>
+              <a:rPr lang="de-DE" dirty="0" err="1" smtClean="0"/>
+              <a:t>Clients.ads</a:t>
+            </a:r>
+            <a:endParaRPr lang="de-DE" dirty="0"/>
+          </a:p>
+        </p:txBody>
+      </p:sp>
+      <p:sp>
+        <p:nvSpPr>
+          <p:cNvPr id="29" name="Textfeld 28"/>
+          <p:cNvSpPr txBox="1"/>
+          <p:nvPr/>
+        </p:nvSpPr>
+        <p:spPr>
+          <a:xfrm>
+            <a:off x="3349136" y="4823640"/>
+            <a:ext cx="1688264" cy="738664"/>
+          </a:xfrm>
+          <a:prstGeom prst="rect">
+            <a:avLst/>
+          </a:prstGeom>
+          <a:noFill/>
+        </p:spPr>
+        <p:txBody>
+          <a:bodyPr wrap="square" rtlCol="0">
+            <a:spAutoFit/>
+          </a:bodyPr>
+          <a:lstStyle/>
+          <a:p>
+            <a:r>
+              <a:rPr lang="de-DE" sz="1400" dirty="0" smtClean="0"/>
+              <a:t>Type Client </a:t>
+            </a:r>
+            <a:r>
+              <a:rPr lang="de-DE" sz="1400" dirty="0" err="1" smtClean="0"/>
+              <a:t>is</a:t>
+            </a:r>
+            <a:endParaRPr lang="de-DE" sz="1400" dirty="0" smtClean="0"/>
+          </a:p>
+          <a:p>
+            <a:r>
+              <a:rPr lang="de-DE" sz="1400" dirty="0" smtClean="0"/>
+              <a:t>      …</a:t>
+            </a:r>
+          </a:p>
+          <a:p>
+            <a:r>
+              <a:rPr lang="de-DE" sz="1400" dirty="0" smtClean="0"/>
+              <a:t>End type;</a:t>
+            </a:r>
+            <a:endParaRPr lang="de-DE" sz="1400" dirty="0"/>
+          </a:p>
+        </p:txBody>
+      </p:sp>
+      <p:sp>
+        <p:nvSpPr>
+          <p:cNvPr id="31" name="Rechteck 30"/>
+          <p:cNvSpPr/>
+          <p:nvPr/>
+        </p:nvSpPr>
+        <p:spPr>
+          <a:xfrm>
+            <a:off x="3357555" y="4823641"/>
+            <a:ext cx="1459684" cy="836039"/>
+          </a:xfrm>
+          <a:prstGeom prst="rect">
+            <a:avLst/>
+          </a:prstGeom>
+          <a:noFill/>
         </p:spPr>
         <p:style>
           <a:lnRef idx="2">
@@ -2377,28 +3920,229 @@
           </a:p>
         </p:txBody>
       </p:sp>
-      <p:sp>
-        <p:nvSpPr>
-          <p:cNvPr id="15" name="Multiplizieren 14"/>
+      <p:cxnSp>
+        <p:nvCxnSpPr>
+          <p:cNvPr id="7" name="Gerade Verbindung mit Pfeil 6"/>
+          <p:cNvCxnSpPr/>
+          <p:nvPr/>
+        </p:nvCxnSpPr>
+        <p:spPr>
+          <a:xfrm flipH="1">
+            <a:off x="5102154" y="3307593"/>
+            <a:ext cx="1236982" cy="1717413"/>
+          </a:xfrm>
+          <a:prstGeom prst="straightConnector1">
+            <a:avLst/>
+          </a:prstGeom>
+          <a:ln>
+            <a:tailEnd type="triangle"/>
+          </a:ln>
+        </p:spPr>
+        <p:style>
+          <a:lnRef idx="2">
+            <a:schemeClr val="accent2"/>
+          </a:lnRef>
+          <a:fillRef idx="0">
+            <a:schemeClr val="accent2"/>
+          </a:fillRef>
+          <a:effectRef idx="1">
+            <a:schemeClr val="accent2"/>
+          </a:effectRef>
+          <a:fontRef idx="minor">
+            <a:schemeClr val="tx1"/>
+          </a:fontRef>
+        </p:style>
+      </p:cxnSp>
+      <p:sp>
+        <p:nvSpPr>
+          <p:cNvPr id="36" name="Textfeld 35"/>
+          <p:cNvSpPr txBox="1"/>
+          <p:nvPr/>
+        </p:nvSpPr>
+        <p:spPr>
+          <a:xfrm rot="18339854">
+            <a:off x="4794195" y="3881325"/>
+            <a:ext cx="1718676" cy="307777"/>
+          </a:xfrm>
+          <a:prstGeom prst="rect">
+            <a:avLst/>
+          </a:prstGeom>
+          <a:noFill/>
+        </p:spPr>
+        <p:txBody>
+          <a:bodyPr wrap="none" rtlCol="0">
+            <a:spAutoFit/>
+          </a:bodyPr>
+          <a:lstStyle/>
+          <a:p>
+            <a:r>
+              <a:rPr lang="de-DE" sz="1400" dirty="0" err="1" smtClean="0"/>
+              <a:t>With</a:t>
+            </a:r>
+            <a:r>
+              <a:rPr lang="de-DE" sz="1400" dirty="0" smtClean="0"/>
+              <a:t> </a:t>
+            </a:r>
+            <a:r>
+              <a:rPr lang="de-DE" sz="1400" dirty="0" err="1" smtClean="0"/>
+              <a:t>ServerLogic.ads</a:t>
+            </a:r>
+            <a:endParaRPr lang="de-DE" sz="1400" dirty="0"/>
+          </a:p>
+        </p:txBody>
+      </p:sp>
+    </p:spTree>
+    <p:extLst>
+      <p:ext uri="{BB962C8B-B14F-4D97-AF65-F5344CB8AC3E}">
+        <p14:creationId xmlns:p14="http://schemas.microsoft.com/office/powerpoint/2010/main" val="4243061322"/>
+      </p:ext>
+    </p:extLst>
+  </p:cSld>
+  <p:clrMapOvr>
+    <a:masterClrMapping/>
+  </p:clrMapOvr>
+  <p:timing>
+    <p:tnLst>
+      <p:par>
+        <p:cTn id="1" dur="indefinite" restart="never" nodeType="tmRoot"/>
+      </p:par>
+    </p:tnLst>
+  </p:timing>
+</p:sld>
+</file>
+
+<file path=ppt/slides/slide13.xml><?xml version="1.0" encoding="utf-8"?>
+<p:sld xmlns:a="http://schemas.openxmlformats.org/drawingml/2006/main" xmlns:r="http://schemas.openxmlformats.org/officeDocument/2006/relationships" xmlns:p="http://schemas.openxmlformats.org/presentationml/2006/main">
+  <p:cSld>
+    <p:spTree>
+      <p:nvGrpSpPr>
+        <p:cNvPr id="1" name=""/>
+        <p:cNvGrpSpPr/>
+        <p:nvPr/>
+      </p:nvGrpSpPr>
+      <p:grpSpPr>
+        <a:xfrm>
+          <a:off x="0" y="0"/>
+          <a:ext cx="0" cy="0"/>
+          <a:chOff x="0" y="0"/>
+          <a:chExt cx="0" cy="0"/>
+        </a:xfrm>
+      </p:grpSpPr>
+      <p:sp>
+        <p:nvSpPr>
+          <p:cNvPr id="2" name="Titel 1"/>
+          <p:cNvSpPr>
+            <a:spLocks noGrp="1"/>
+          </p:cNvSpPr>
+          <p:nvPr>
+            <p:ph type="title"/>
+          </p:nvPr>
+        </p:nvSpPr>
+        <p:spPr>
+          <a:xfrm>
+            <a:off x="360000" y="1317222"/>
+            <a:ext cx="8246118" cy="569556"/>
+          </a:xfrm>
+        </p:spPr>
+        <p:txBody>
+          <a:bodyPr/>
+          <a:lstStyle/>
+          <a:p>
+            <a:r>
+              <a:rPr lang="de-DE" dirty="0" smtClean="0"/>
+              <a:t>Implementierungslogik – anderes Wort finden</a:t>
+            </a:r>
+            <a:endParaRPr lang="de-DE" dirty="0"/>
+          </a:p>
+        </p:txBody>
+      </p:sp>
+      <p:sp>
+        <p:nvSpPr>
+          <p:cNvPr id="6" name="Rechteck 5"/>
           <p:cNvSpPr/>
           <p:nvPr/>
         </p:nvSpPr>
         <p:spPr>
           <a:xfrm>
-            <a:off x="1663821" y="4134996"/>
-            <a:ext cx="278091" cy="331731"/>
-          </a:xfrm>
-          <a:prstGeom prst="mathMultiply">
-            <a:avLst/>
-          </a:prstGeom>
-          <a:solidFill>
-            <a:srgbClr val="FF0000"/>
-          </a:solidFill>
-          <a:ln>
-            <a:solidFill>
-              <a:srgbClr val="FF0000"/>
-            </a:solidFill>
-          </a:ln>
+            <a:off x="553673" y="2224209"/>
+            <a:ext cx="1744911" cy="2176715"/>
+          </a:xfrm>
+          <a:prstGeom prst="rect">
+            <a:avLst/>
+          </a:prstGeom>
+          <a:noFill/>
+          <a:ln/>
+        </p:spPr>
+        <p:style>
+          <a:lnRef idx="2">
+            <a:schemeClr val="dk1">
+              <a:shade val="50000"/>
+            </a:schemeClr>
+          </a:lnRef>
+          <a:fillRef idx="1">
+            <a:schemeClr val="dk1"/>
+          </a:fillRef>
+          <a:effectRef idx="0">
+            <a:schemeClr val="dk1"/>
+          </a:effectRef>
+          <a:fontRef idx="minor">
+            <a:schemeClr val="lt1"/>
+          </a:fontRef>
+        </p:style>
+        <p:txBody>
+          <a:bodyPr rtlCol="0" anchor="ctr"/>
+          <a:lstStyle/>
+          <a:p>
+            <a:pPr algn="ctr"/>
+            <a:endParaRPr lang="de-DE"/>
+          </a:p>
+        </p:txBody>
+      </p:sp>
+      <p:sp>
+        <p:nvSpPr>
+          <p:cNvPr id="12" name="Textfeld 11"/>
+          <p:cNvSpPr txBox="1"/>
+          <p:nvPr/>
+        </p:nvSpPr>
+        <p:spPr>
+          <a:xfrm>
+            <a:off x="441114" y="1886778"/>
+            <a:ext cx="1593909" cy="369332"/>
+          </a:xfrm>
+          <a:prstGeom prst="rect">
+            <a:avLst/>
+          </a:prstGeom>
+          <a:noFill/>
+        </p:spPr>
+        <p:txBody>
+          <a:bodyPr wrap="square" rtlCol="0">
+            <a:spAutoFit/>
+          </a:bodyPr>
+          <a:lstStyle/>
+          <a:p>
+            <a:r>
+              <a:rPr lang="de-DE" dirty="0" err="1" smtClean="0"/>
+              <a:t>Chatrooms.ads</a:t>
+            </a:r>
+            <a:endParaRPr lang="de-DE" dirty="0"/>
+          </a:p>
+        </p:txBody>
+      </p:sp>
+      <p:sp>
+        <p:nvSpPr>
+          <p:cNvPr id="17" name="Rechteck 16"/>
+          <p:cNvSpPr/>
+          <p:nvPr/>
+        </p:nvSpPr>
+        <p:spPr>
+          <a:xfrm>
+            <a:off x="675169" y="2353487"/>
+            <a:ext cx="1459684" cy="738664"/>
+          </a:xfrm>
+          <a:prstGeom prst="rect">
+            <a:avLst/>
+          </a:prstGeom>
+          <a:noFill/>
         </p:spPr>
         <p:style>
           <a:lnRef idx="2">
@@ -2427,26 +4171,138 @@
       </p:sp>
       <p:sp>
         <p:nvSpPr>
-          <p:cNvPr id="16" name="Multiplizieren 15"/>
+          <p:cNvPr id="19" name="Textfeld 18"/>
+          <p:cNvSpPr txBox="1"/>
+          <p:nvPr/>
+        </p:nvSpPr>
+        <p:spPr>
+          <a:xfrm>
+            <a:off x="675169" y="2353486"/>
+            <a:ext cx="1688264" cy="738664"/>
+          </a:xfrm>
+          <a:prstGeom prst="rect">
+            <a:avLst/>
+          </a:prstGeom>
+          <a:noFill/>
+        </p:spPr>
+        <p:txBody>
+          <a:bodyPr wrap="square" rtlCol="0">
+            <a:spAutoFit/>
+          </a:bodyPr>
+          <a:lstStyle/>
+          <a:p>
+            <a:r>
+              <a:rPr lang="de-DE" sz="1400" dirty="0" smtClean="0"/>
+              <a:t>Type Chatroom </a:t>
+            </a:r>
+            <a:r>
+              <a:rPr lang="de-DE" sz="1400" dirty="0" err="1" smtClean="0"/>
+              <a:t>is</a:t>
+            </a:r>
+            <a:endParaRPr lang="de-DE" sz="1400" dirty="0" smtClean="0"/>
+          </a:p>
+          <a:p>
+            <a:r>
+              <a:rPr lang="de-DE" sz="1400" dirty="0" smtClean="0"/>
+              <a:t>      - Client</a:t>
+            </a:r>
+          </a:p>
+          <a:p>
+            <a:r>
+              <a:rPr lang="de-DE" sz="1400" dirty="0" smtClean="0"/>
+              <a:t>End type;</a:t>
+            </a:r>
+            <a:endParaRPr lang="de-DE" sz="1400" dirty="0"/>
+          </a:p>
+        </p:txBody>
+      </p:sp>
+      <p:sp>
+        <p:nvSpPr>
+          <p:cNvPr id="38" name="Rechteck 37"/>
           <p:cNvSpPr/>
           <p:nvPr/>
         </p:nvSpPr>
         <p:spPr>
           <a:xfrm>
-            <a:off x="1647324" y="3690810"/>
-            <a:ext cx="278091" cy="331731"/>
-          </a:xfrm>
-          <a:prstGeom prst="mathMultiply">
-            <a:avLst/>
-          </a:prstGeom>
-          <a:solidFill>
-            <a:srgbClr val="FF0000"/>
-          </a:solidFill>
-          <a:ln>
-            <a:solidFill>
-              <a:srgbClr val="FF0000"/>
-            </a:solidFill>
-          </a:ln>
+            <a:off x="6204911" y="2224209"/>
+            <a:ext cx="2293137" cy="2725658"/>
+          </a:xfrm>
+          <a:prstGeom prst="rect">
+            <a:avLst/>
+          </a:prstGeom>
+          <a:noFill/>
+          <a:ln/>
+        </p:spPr>
+        <p:style>
+          <a:lnRef idx="2">
+            <a:schemeClr val="dk1">
+              <a:shade val="50000"/>
+            </a:schemeClr>
+          </a:lnRef>
+          <a:fillRef idx="1">
+            <a:schemeClr val="dk1"/>
+          </a:fillRef>
+          <a:effectRef idx="0">
+            <a:schemeClr val="dk1"/>
+          </a:effectRef>
+          <a:fontRef idx="minor">
+            <a:schemeClr val="lt1"/>
+          </a:fontRef>
+        </p:style>
+        <p:txBody>
+          <a:bodyPr rtlCol="0" anchor="ctr"/>
+          <a:lstStyle/>
+          <a:p>
+            <a:pPr algn="ctr"/>
+            <a:endParaRPr lang="de-DE"/>
+          </a:p>
+        </p:txBody>
+      </p:sp>
+      <p:sp>
+        <p:nvSpPr>
+          <p:cNvPr id="39" name="Textfeld 38"/>
+          <p:cNvSpPr txBox="1"/>
+          <p:nvPr/>
+        </p:nvSpPr>
+        <p:spPr>
+          <a:xfrm>
+            <a:off x="6105081" y="1886778"/>
+            <a:ext cx="1629569" cy="369332"/>
+          </a:xfrm>
+          <a:prstGeom prst="rect">
+            <a:avLst/>
+          </a:prstGeom>
+          <a:noFill/>
+        </p:spPr>
+        <p:txBody>
+          <a:bodyPr wrap="square" rtlCol="0">
+            <a:spAutoFit/>
+          </a:bodyPr>
+          <a:lstStyle/>
+          <a:p>
+            <a:r>
+              <a:rPr lang="de-DE" dirty="0" err="1" smtClean="0"/>
+              <a:t>ServerLogic.ads</a:t>
+            </a:r>
+            <a:endParaRPr lang="de-DE" dirty="0"/>
+          </a:p>
+        </p:txBody>
+      </p:sp>
+      <p:sp>
+        <p:nvSpPr>
+          <p:cNvPr id="40" name="Rechteck 39"/>
+          <p:cNvSpPr/>
+          <p:nvPr/>
+        </p:nvSpPr>
+        <p:spPr>
+          <a:xfrm>
+            <a:off x="6339136" y="2353487"/>
+            <a:ext cx="1459684" cy="954106"/>
+          </a:xfrm>
+          <a:prstGeom prst="rect">
+            <a:avLst/>
+          </a:prstGeom>
+          <a:noFill/>
         </p:spPr>
         <p:style>
           <a:lnRef idx="2">
@@ -2473,30 +4329,90 @@
           </a:p>
         </p:txBody>
       </p:sp>
+      <p:sp>
+        <p:nvSpPr>
+          <p:cNvPr id="41" name="Textfeld 40"/>
+          <p:cNvSpPr txBox="1"/>
+          <p:nvPr/>
+        </p:nvSpPr>
+        <p:spPr>
+          <a:xfrm>
+            <a:off x="6339136" y="2353486"/>
+            <a:ext cx="1688264" cy="954107"/>
+          </a:xfrm>
+          <a:prstGeom prst="rect">
+            <a:avLst/>
+          </a:prstGeom>
+          <a:noFill/>
+        </p:spPr>
+        <p:txBody>
+          <a:bodyPr wrap="square" rtlCol="0">
+            <a:spAutoFit/>
+          </a:bodyPr>
+          <a:lstStyle/>
+          <a:p>
+            <a:r>
+              <a:rPr lang="de-DE" sz="1400" dirty="0" smtClean="0"/>
+              <a:t>Type Server </a:t>
+            </a:r>
+            <a:r>
+              <a:rPr lang="de-DE" sz="1400" dirty="0" err="1" smtClean="0"/>
+              <a:t>is</a:t>
+            </a:r>
+            <a:endParaRPr lang="de-DE" sz="1400" dirty="0" smtClean="0"/>
+          </a:p>
+          <a:p>
+            <a:r>
+              <a:rPr lang="de-DE" sz="1400" dirty="0" smtClean="0"/>
+              <a:t>      - Client</a:t>
+            </a:r>
+          </a:p>
+          <a:p>
+            <a:r>
+              <a:rPr lang="de-DE" sz="1400" dirty="0"/>
+              <a:t> </a:t>
+            </a:r>
+            <a:r>
+              <a:rPr lang="de-DE" sz="1400" dirty="0" smtClean="0"/>
+              <a:t>     - Chatroom</a:t>
+            </a:r>
+          </a:p>
+          <a:p>
+            <a:r>
+              <a:rPr lang="de-DE" sz="1400" dirty="0" smtClean="0"/>
+              <a:t>End type;</a:t>
+            </a:r>
+            <a:endParaRPr lang="de-DE" sz="1400" dirty="0"/>
+          </a:p>
+        </p:txBody>
+      </p:sp>
       <p:cxnSp>
         <p:nvCxnSpPr>
-          <p:cNvPr id="18" name="Gerader Verbinder 17"/>
+          <p:cNvPr id="2069" name="Gerade Verbindung mit Pfeil 2068"/>
           <p:cNvCxnSpPr/>
           <p:nvPr/>
         </p:nvCxnSpPr>
         <p:spPr>
           <a:xfrm>
-            <a:off x="2187009" y="2903453"/>
-            <a:ext cx="254523" cy="0"/>
-          </a:xfrm>
-          <a:prstGeom prst="line">
-            <a:avLst/>
-          </a:prstGeom>
+            <a:off x="2134853" y="2995232"/>
+            <a:ext cx="1222702" cy="2123715"/>
+          </a:xfrm>
+          <a:prstGeom prst="straightConnector1">
+            <a:avLst/>
+          </a:prstGeom>
+          <a:ln>
+            <a:tailEnd type="triangle"/>
+          </a:ln>
         </p:spPr>
         <p:style>
-          <a:lnRef idx="1">
-            <a:schemeClr val="dk1"/>
+          <a:lnRef idx="2">
+            <a:schemeClr val="accent2"/>
           </a:lnRef>
           <a:fillRef idx="0">
-            <a:schemeClr val="dk1"/>
+            <a:schemeClr val="accent2"/>
           </a:fillRef>
-          <a:effectRef idx="0">
-            <a:schemeClr val="dk1"/>
+          <a:effectRef idx="1">
+            <a:schemeClr val="accent2"/>
           </a:effectRef>
           <a:fontRef idx="minor">
             <a:schemeClr val="tx1"/>
@@ -2505,269 +4421,249 @@
       </p:cxnSp>
       <p:cxnSp>
         <p:nvCxnSpPr>
-          <p:cNvPr id="21" name="Gerader Verbinder 20"/>
-          <p:cNvCxnSpPr/>
+          <p:cNvPr id="2071" name="Gerade Verbindung mit Pfeil 2070"/>
+          <p:cNvCxnSpPr>
+            <a:stCxn id="41" idx="1"/>
+          </p:cNvCxnSpPr>
           <p:nvPr/>
         </p:nvCxnSpPr>
         <p:spPr>
-          <a:xfrm>
-            <a:off x="2187009" y="2999292"/>
-            <a:ext cx="254523" cy="0"/>
-          </a:xfrm>
-          <a:prstGeom prst="line">
-            <a:avLst/>
-          </a:prstGeom>
+          <a:xfrm flipH="1" flipV="1">
+            <a:off x="2134853" y="2810675"/>
+            <a:ext cx="4204283" cy="19865"/>
+          </a:xfrm>
+          <a:prstGeom prst="straightConnector1">
+            <a:avLst/>
+          </a:prstGeom>
+          <a:ln>
+            <a:tailEnd type="triangle"/>
+          </a:ln>
         </p:spPr>
         <p:style>
-          <a:lnRef idx="1">
-            <a:schemeClr val="dk1"/>
+          <a:lnRef idx="2">
+            <a:schemeClr val="accent2"/>
           </a:lnRef>
           <a:fillRef idx="0">
+            <a:schemeClr val="accent2"/>
+          </a:fillRef>
+          <a:effectRef idx="1">
+            <a:schemeClr val="accent2"/>
+          </a:effectRef>
+          <a:fontRef idx="minor">
+            <a:schemeClr val="tx1"/>
+          </a:fontRef>
+        </p:style>
+      </p:cxnSp>
+      <p:sp>
+        <p:nvSpPr>
+          <p:cNvPr id="3" name="Textfeld 2"/>
+          <p:cNvSpPr txBox="1"/>
+          <p:nvPr/>
+        </p:nvSpPr>
+        <p:spPr>
+          <a:xfrm rot="3596617">
+            <a:off x="2154106" y="3862159"/>
+            <a:ext cx="1372427" cy="307777"/>
+          </a:xfrm>
+          <a:prstGeom prst="rect">
+            <a:avLst/>
+          </a:prstGeom>
+          <a:noFill/>
+        </p:spPr>
+        <p:txBody>
+          <a:bodyPr wrap="none" rtlCol="0">
+            <a:spAutoFit/>
+          </a:bodyPr>
+          <a:lstStyle/>
+          <a:p>
+            <a:r>
+              <a:rPr lang="de-DE" sz="1400" dirty="0" err="1" smtClean="0"/>
+              <a:t>With</a:t>
+            </a:r>
+            <a:r>
+              <a:rPr lang="de-DE" sz="1400" dirty="0" smtClean="0"/>
+              <a:t> </a:t>
+            </a:r>
+            <a:r>
+              <a:rPr lang="de-DE" sz="1400" dirty="0" err="1" smtClean="0"/>
+              <a:t>Clients.ads</a:t>
+            </a:r>
+            <a:endParaRPr lang="de-DE" sz="1400" dirty="0"/>
+          </a:p>
+        </p:txBody>
+      </p:sp>
+      <p:sp>
+        <p:nvSpPr>
+          <p:cNvPr id="20" name="Textfeld 19"/>
+          <p:cNvSpPr txBox="1"/>
+          <p:nvPr/>
+        </p:nvSpPr>
+        <p:spPr>
+          <a:xfrm>
+            <a:off x="3424834" y="2527910"/>
+            <a:ext cx="1677319" cy="307777"/>
+          </a:xfrm>
+          <a:prstGeom prst="rect">
+            <a:avLst/>
+          </a:prstGeom>
+          <a:noFill/>
+        </p:spPr>
+        <p:txBody>
+          <a:bodyPr wrap="none" rtlCol="0">
+            <a:spAutoFit/>
+          </a:bodyPr>
+          <a:lstStyle/>
+          <a:p>
+            <a:r>
+              <a:rPr lang="de-DE" sz="1400" dirty="0" err="1" smtClean="0"/>
+              <a:t>With</a:t>
+            </a:r>
+            <a:r>
+              <a:rPr lang="de-DE" sz="1400" dirty="0" smtClean="0"/>
+              <a:t> </a:t>
+            </a:r>
+            <a:r>
+              <a:rPr lang="de-DE" sz="1400" dirty="0" err="1" smtClean="0"/>
+              <a:t>Chatrooms.ads</a:t>
+            </a:r>
+            <a:endParaRPr lang="de-DE" sz="1400" dirty="0"/>
+          </a:p>
+        </p:txBody>
+      </p:sp>
+      <p:sp>
+        <p:nvSpPr>
+          <p:cNvPr id="27" name="Rechteck 26"/>
+          <p:cNvSpPr/>
+          <p:nvPr/>
+        </p:nvSpPr>
+        <p:spPr>
+          <a:xfrm>
+            <a:off x="3257489" y="4726264"/>
+            <a:ext cx="1779911" cy="1492125"/>
+          </a:xfrm>
+          <a:prstGeom prst="rect">
+            <a:avLst/>
+          </a:prstGeom>
+          <a:noFill/>
+          <a:ln/>
+        </p:spPr>
+        <p:style>
+          <a:lnRef idx="2">
+            <a:schemeClr val="dk1">
+              <a:shade val="50000"/>
+            </a:schemeClr>
+          </a:lnRef>
+          <a:fillRef idx="1">
             <a:schemeClr val="dk1"/>
           </a:fillRef>
           <a:effectRef idx="0">
             <a:schemeClr val="dk1"/>
           </a:effectRef>
           <a:fontRef idx="minor">
-            <a:schemeClr val="tx1"/>
+            <a:schemeClr val="lt1"/>
           </a:fontRef>
         </p:style>
-      </p:cxnSp>
-      <p:cxnSp>
-        <p:nvCxnSpPr>
-          <p:cNvPr id="22" name="Gerader Verbinder 21"/>
-          <p:cNvCxnSpPr/>
-          <p:nvPr/>
-        </p:nvCxnSpPr>
-        <p:spPr>
-          <a:xfrm>
-            <a:off x="2187009" y="3235186"/>
-            <a:ext cx="254523" cy="0"/>
-          </a:xfrm>
-          <a:prstGeom prst="line">
-            <a:avLst/>
-          </a:prstGeom>
-        </p:spPr>
-        <p:style>
-          <a:lnRef idx="1">
-            <a:schemeClr val="dk1"/>
-          </a:lnRef>
-          <a:fillRef idx="0">
-            <a:schemeClr val="dk1"/>
-          </a:fillRef>
-          <a:effectRef idx="0">
-            <a:schemeClr val="dk1"/>
-          </a:effectRef>
-          <a:fontRef idx="minor">
-            <a:schemeClr val="tx1"/>
-          </a:fontRef>
-        </p:style>
-      </p:cxnSp>
-      <p:cxnSp>
-        <p:nvCxnSpPr>
-          <p:cNvPr id="23" name="Gerader Verbinder 22"/>
-          <p:cNvCxnSpPr/>
-          <p:nvPr/>
-        </p:nvCxnSpPr>
-        <p:spPr>
-          <a:xfrm>
-            <a:off x="2187008" y="3357733"/>
-            <a:ext cx="254523" cy="0"/>
-          </a:xfrm>
-          <a:prstGeom prst="line">
-            <a:avLst/>
-          </a:prstGeom>
-        </p:spPr>
-        <p:style>
-          <a:lnRef idx="1">
-            <a:schemeClr val="dk1"/>
-          </a:lnRef>
-          <a:fillRef idx="0">
-            <a:schemeClr val="dk1"/>
-          </a:fillRef>
-          <a:effectRef idx="0">
-            <a:schemeClr val="dk1"/>
-          </a:effectRef>
-          <a:fontRef idx="minor">
-            <a:schemeClr val="tx1"/>
-          </a:fontRef>
-        </p:style>
-      </p:cxnSp>
-      <p:cxnSp>
-        <p:nvCxnSpPr>
-          <p:cNvPr id="24" name="Gerader Verbinder 23"/>
-          <p:cNvCxnSpPr/>
-          <p:nvPr/>
-        </p:nvCxnSpPr>
-        <p:spPr>
-          <a:xfrm>
-            <a:off x="2187008" y="3480283"/>
-            <a:ext cx="254523" cy="0"/>
-          </a:xfrm>
-          <a:prstGeom prst="line">
-            <a:avLst/>
-          </a:prstGeom>
-        </p:spPr>
-        <p:style>
-          <a:lnRef idx="1">
-            <a:schemeClr val="dk1"/>
-          </a:lnRef>
-          <a:fillRef idx="0">
-            <a:schemeClr val="dk1"/>
-          </a:fillRef>
-          <a:effectRef idx="0">
-            <a:schemeClr val="dk1"/>
-          </a:effectRef>
-          <a:fontRef idx="minor">
-            <a:schemeClr val="tx1"/>
-          </a:fontRef>
-        </p:style>
-      </p:cxnSp>
-      <p:cxnSp>
-        <p:nvCxnSpPr>
-          <p:cNvPr id="26" name="Gerader Verbinder 25"/>
-          <p:cNvCxnSpPr/>
-          <p:nvPr/>
-        </p:nvCxnSpPr>
-        <p:spPr>
-          <a:xfrm>
-            <a:off x="2187007" y="4274149"/>
-            <a:ext cx="254523" cy="0"/>
-          </a:xfrm>
-          <a:prstGeom prst="line">
-            <a:avLst/>
-          </a:prstGeom>
-        </p:spPr>
-        <p:style>
-          <a:lnRef idx="1">
-            <a:schemeClr val="dk1"/>
-          </a:lnRef>
-          <a:fillRef idx="0">
-            <a:schemeClr val="dk1"/>
-          </a:fillRef>
-          <a:effectRef idx="0">
-            <a:schemeClr val="dk1"/>
-          </a:effectRef>
-          <a:fontRef idx="minor">
-            <a:schemeClr val="tx1"/>
-          </a:fontRef>
-        </p:style>
-      </p:cxnSp>
-      <p:cxnSp>
-        <p:nvCxnSpPr>
-          <p:cNvPr id="27" name="Gerader Verbinder 26"/>
-          <p:cNvCxnSpPr/>
-          <p:nvPr/>
-        </p:nvCxnSpPr>
-        <p:spPr>
-          <a:xfrm>
-            <a:off x="2187006" y="4178314"/>
-            <a:ext cx="254523" cy="0"/>
-          </a:xfrm>
-          <a:prstGeom prst="line">
-            <a:avLst/>
-          </a:prstGeom>
-        </p:spPr>
-        <p:style>
-          <a:lnRef idx="1">
-            <a:schemeClr val="dk1"/>
-          </a:lnRef>
-          <a:fillRef idx="0">
-            <a:schemeClr val="dk1"/>
-          </a:fillRef>
-          <a:effectRef idx="0">
-            <a:schemeClr val="dk1"/>
-          </a:effectRef>
-          <a:fontRef idx="minor">
-            <a:schemeClr val="tx1"/>
-          </a:fontRef>
-        </p:style>
-      </p:cxnSp>
-      <p:pic>
-        <p:nvPicPr>
-          <p:cNvPr id="2050" name="Picture 2" descr="https://upload.wikimedia.org/wikipedia/commons/thumb/9/92/The_death.png/113px-The_death.png"/>
-          <p:cNvPicPr>
-            <a:picLocks noChangeAspect="1" noChangeArrowheads="1"/>
-          </p:cNvPicPr>
-          <p:nvPr/>
-        </p:nvPicPr>
-        <p:blipFill>
-          <a:blip r:embed="rId2">
-            <a:extLst>
-              <a:ext uri="{28A0092B-C50C-407E-A947-70E740481C1C}">
-                <a14:useLocalDpi xmlns:a14="http://schemas.microsoft.com/office/drawing/2010/main" val="0"/>
-              </a:ext>
-            </a:extLst>
-          </a:blip>
-          <a:srcRect/>
-          <a:stretch>
-            <a:fillRect/>
-          </a:stretch>
-        </p:blipFill>
-        <p:spPr bwMode="auto">
-          <a:xfrm>
-            <a:off x="1827431" y="4745049"/>
-            <a:ext cx="501861" cy="532950"/>
-          </a:xfrm>
-          <a:prstGeom prst="rect">
-            <a:avLst/>
-          </a:prstGeom>
-          <a:noFill/>
-          <a:extLst>
-            <a:ext uri="{909E8E84-426E-40DD-AFC4-6F175D3DCCD1}">
-              <a14:hiddenFill xmlns:a14="http://schemas.microsoft.com/office/drawing/2010/main">
-                <a:solidFill>
-                  <a:srgbClr val="FFFFFF"/>
-                </a:solidFill>
-              </a14:hiddenFill>
-            </a:ext>
-          </a:extLst>
-        </p:spPr>
-      </p:pic>
-      <p:pic>
-        <p:nvPicPr>
-          <p:cNvPr id="28" name="Grafik 27"/>
-          <p:cNvPicPr>
-            <a:picLocks noChangeAspect="1"/>
-          </p:cNvPicPr>
-          <p:nvPr/>
-        </p:nvPicPr>
-        <p:blipFill>
-          <a:blip r:embed="rId3" cstate="print">
-            <a:extLst>
-              <a:ext uri="{28A0092B-C50C-407E-A947-70E740481C1C}">
-                <a14:useLocalDpi xmlns:a14="http://schemas.microsoft.com/office/drawing/2010/main" val="0"/>
-              </a:ext>
-            </a:extLst>
-          </a:blip>
-          <a:stretch>
-            <a:fillRect/>
-          </a:stretch>
-        </p:blipFill>
-        <p:spPr>
-          <a:xfrm>
-            <a:off x="2217534" y="3738293"/>
-            <a:ext cx="186275" cy="274156"/>
-          </a:xfrm>
-          <a:prstGeom prst="rect">
-            <a:avLst/>
-          </a:prstGeom>
-        </p:spPr>
-      </p:pic>
-      <p:sp>
-        <p:nvSpPr>
-          <p:cNvPr id="3" name="Rechteck 2"/>
+        <p:txBody>
+          <a:bodyPr rtlCol="0" anchor="ctr"/>
+          <a:lstStyle/>
+          <a:p>
+            <a:pPr algn="ctr"/>
+            <a:endParaRPr lang="de-DE"/>
+          </a:p>
+        </p:txBody>
+      </p:sp>
+      <p:sp>
+        <p:nvSpPr>
+          <p:cNvPr id="28" name="Textfeld 27"/>
+          <p:cNvSpPr txBox="1"/>
+          <p:nvPr/>
+        </p:nvSpPr>
+        <p:spPr>
+          <a:xfrm>
+            <a:off x="3187670" y="4400924"/>
+            <a:ext cx="1629569" cy="369332"/>
+          </a:xfrm>
+          <a:prstGeom prst="rect">
+            <a:avLst/>
+          </a:prstGeom>
+          <a:noFill/>
+        </p:spPr>
+        <p:txBody>
+          <a:bodyPr wrap="square" rtlCol="0">
+            <a:spAutoFit/>
+          </a:bodyPr>
+          <a:lstStyle/>
+          <a:p>
+            <a:r>
+              <a:rPr lang="de-DE" dirty="0" err="1" smtClean="0"/>
+              <a:t>Clients.ads</a:t>
+            </a:r>
+            <a:endParaRPr lang="de-DE" dirty="0"/>
+          </a:p>
+        </p:txBody>
+      </p:sp>
+      <p:sp>
+        <p:nvSpPr>
+          <p:cNvPr id="29" name="Textfeld 28"/>
+          <p:cNvSpPr txBox="1"/>
+          <p:nvPr/>
+        </p:nvSpPr>
+        <p:spPr>
+          <a:xfrm>
+            <a:off x="3349136" y="4823640"/>
+            <a:ext cx="1688264" cy="738664"/>
+          </a:xfrm>
+          <a:prstGeom prst="rect">
+            <a:avLst/>
+          </a:prstGeom>
+          <a:noFill/>
+        </p:spPr>
+        <p:txBody>
+          <a:bodyPr wrap="square" rtlCol="0">
+            <a:spAutoFit/>
+          </a:bodyPr>
+          <a:lstStyle/>
+          <a:p>
+            <a:r>
+              <a:rPr lang="de-DE" sz="1400" dirty="0" smtClean="0"/>
+              <a:t>Type Client </a:t>
+            </a:r>
+            <a:r>
+              <a:rPr lang="de-DE" sz="1400" dirty="0" err="1" smtClean="0"/>
+              <a:t>is</a:t>
+            </a:r>
+            <a:endParaRPr lang="de-DE" sz="1400" dirty="0" smtClean="0"/>
+          </a:p>
+          <a:p>
+            <a:r>
+              <a:rPr lang="de-DE" sz="1400" dirty="0" smtClean="0"/>
+              <a:t>      …</a:t>
+            </a:r>
+          </a:p>
+          <a:p>
+            <a:r>
+              <a:rPr lang="de-DE" sz="1400" dirty="0" smtClean="0"/>
+              <a:t>End type;</a:t>
+            </a:r>
+            <a:endParaRPr lang="de-DE" sz="1400" dirty="0"/>
+          </a:p>
+        </p:txBody>
+      </p:sp>
+      <p:sp>
+        <p:nvSpPr>
+          <p:cNvPr id="31" name="Rechteck 30"/>
           <p:cNvSpPr/>
           <p:nvPr/>
         </p:nvSpPr>
         <p:spPr>
           <a:xfrm>
-            <a:off x="3365370" y="2020930"/>
-            <a:ext cx="1225485" cy="978362"/>
-          </a:xfrm>
-          <a:prstGeom prst="rect">
-            <a:avLst/>
-          </a:prstGeom>
+            <a:off x="3357555" y="4823641"/>
+            <a:ext cx="1459684" cy="836039"/>
+          </a:xfrm>
+          <a:prstGeom prst="rect">
+            <a:avLst/>
+          </a:prstGeom>
+          <a:noFill/>
         </p:spPr>
         <p:style>
           <a:lnRef idx="2">
@@ -2790,9 +4686,171 @@
           <a:lstStyle/>
           <a:p>
             <a:pPr algn="ctr"/>
+            <a:endParaRPr lang="de-DE"/>
+          </a:p>
+        </p:txBody>
+      </p:sp>
+      <p:cxnSp>
+        <p:nvCxnSpPr>
+          <p:cNvPr id="7" name="Gerade Verbindung mit Pfeil 6"/>
+          <p:cNvCxnSpPr/>
+          <p:nvPr/>
+        </p:nvCxnSpPr>
+        <p:spPr>
+          <a:xfrm flipH="1">
+            <a:off x="5102154" y="3307593"/>
+            <a:ext cx="1236982" cy="1717413"/>
+          </a:xfrm>
+          <a:prstGeom prst="straightConnector1">
+            <a:avLst/>
+          </a:prstGeom>
+          <a:ln>
+            <a:tailEnd type="triangle"/>
+          </a:ln>
+        </p:spPr>
+        <p:style>
+          <a:lnRef idx="2">
+            <a:schemeClr val="accent2"/>
+          </a:lnRef>
+          <a:fillRef idx="0">
+            <a:schemeClr val="accent2"/>
+          </a:fillRef>
+          <a:effectRef idx="1">
+            <a:schemeClr val="accent2"/>
+          </a:effectRef>
+          <a:fontRef idx="minor">
+            <a:schemeClr val="tx1"/>
+          </a:fontRef>
+        </p:style>
+      </p:cxnSp>
+      <p:sp>
+        <p:nvSpPr>
+          <p:cNvPr id="36" name="Textfeld 35"/>
+          <p:cNvSpPr txBox="1"/>
+          <p:nvPr/>
+        </p:nvSpPr>
+        <p:spPr>
+          <a:xfrm rot="18339854">
+            <a:off x="4794195" y="3881325"/>
+            <a:ext cx="1718676" cy="307777"/>
+          </a:xfrm>
+          <a:prstGeom prst="rect">
+            <a:avLst/>
+          </a:prstGeom>
+          <a:noFill/>
+        </p:spPr>
+        <p:txBody>
+          <a:bodyPr wrap="none" rtlCol="0">
+            <a:spAutoFit/>
+          </a:bodyPr>
+          <a:lstStyle/>
+          <a:p>
+            <a:r>
+              <a:rPr lang="de-DE" sz="1400" dirty="0" err="1" smtClean="0"/>
+              <a:t>With</a:t>
+            </a:r>
+            <a:r>
+              <a:rPr lang="de-DE" sz="1400" dirty="0" smtClean="0"/>
+              <a:t> </a:t>
+            </a:r>
+            <a:r>
+              <a:rPr lang="de-DE" sz="1400" dirty="0" err="1" smtClean="0"/>
+              <a:t>ServerLogic.ads</a:t>
+            </a:r>
+            <a:endParaRPr lang="de-DE" sz="1400" dirty="0"/>
+          </a:p>
+        </p:txBody>
+      </p:sp>
+      <p:pic>
+        <p:nvPicPr>
+          <p:cNvPr id="37" name="Grafik 36"/>
+          <p:cNvPicPr>
+            <a:picLocks noChangeAspect="1"/>
+          </p:cNvPicPr>
+          <p:nvPr/>
+        </p:nvPicPr>
+        <p:blipFill>
+          <a:blip r:embed="rId2">
+            <a:extLst>
+              <a:ext uri="{28A0092B-C50C-407E-A947-70E740481C1C}">
+                <a14:useLocalDpi xmlns:a14="http://schemas.microsoft.com/office/drawing/2010/main" val="0"/>
+              </a:ext>
+            </a:extLst>
+          </a:blip>
+          <a:stretch>
+            <a:fillRect/>
+          </a:stretch>
+        </p:blipFill>
+        <p:spPr>
+          <a:xfrm>
+            <a:off x="3567799" y="3336362"/>
+            <a:ext cx="1128013" cy="881986"/>
+          </a:xfrm>
+          <a:prstGeom prst="rect">
+            <a:avLst/>
+          </a:prstGeom>
+        </p:spPr>
+      </p:pic>
+    </p:spTree>
+    <p:extLst>
+      <p:ext uri="{BB962C8B-B14F-4D97-AF65-F5344CB8AC3E}">
+        <p14:creationId xmlns:p14="http://schemas.microsoft.com/office/powerpoint/2010/main" val="721752843"/>
+      </p:ext>
+    </p:extLst>
+  </p:cSld>
+  <p:clrMapOvr>
+    <a:masterClrMapping/>
+  </p:clrMapOvr>
+  <p:timing>
+    <p:tnLst>
+      <p:par>
+        <p:cTn id="1" dur="indefinite" restart="never" nodeType="tmRoot"/>
+      </p:par>
+    </p:tnLst>
+  </p:timing>
+</p:sld>
+</file>
+
+<file path=ppt/slides/slide14.xml><?xml version="1.0" encoding="utf-8"?>
+<p:sld xmlns:a="http://schemas.openxmlformats.org/drawingml/2006/main" xmlns:r="http://schemas.openxmlformats.org/officeDocument/2006/relationships" xmlns:p="http://schemas.openxmlformats.org/presentationml/2006/main">
+  <p:cSld>
+    <p:spTree>
+      <p:nvGrpSpPr>
+        <p:cNvPr id="1" name=""/>
+        <p:cNvGrpSpPr/>
+        <p:nvPr/>
+      </p:nvGrpSpPr>
+      <p:grpSpPr>
+        <a:xfrm>
+          <a:off x="0" y="0"/>
+          <a:ext cx="0" cy="0"/>
+          <a:chOff x="0" y="0"/>
+          <a:chExt cx="0" cy="0"/>
+        </a:xfrm>
+      </p:grpSpPr>
+      <p:sp>
+        <p:nvSpPr>
+          <p:cNvPr id="2" name="Titel 1"/>
+          <p:cNvSpPr>
+            <a:spLocks noGrp="1"/>
+          </p:cNvSpPr>
+          <p:nvPr>
+            <p:ph type="title"/>
+          </p:nvPr>
+        </p:nvSpPr>
+        <p:spPr>
+          <a:xfrm>
+            <a:off x="360000" y="1317222"/>
+            <a:ext cx="8246118" cy="569556"/>
+          </a:xfrm>
+        </p:spPr>
+        <p:txBody>
+          <a:bodyPr/>
+          <a:lstStyle/>
+          <a:p>
             <a:r>
               <a:rPr lang="de-DE" dirty="0" smtClean="0"/>
-              <a:t>Chaträume</a:t>
+              <a:t>Implementierungslogik – anderes Wort finden</a:t>
             </a:r>
             <a:endParaRPr lang="de-DE" dirty="0"/>
           </a:p>
@@ -2800,18 +4858,91 @@
       </p:sp>
       <p:sp>
         <p:nvSpPr>
-          <p:cNvPr id="25" name="Rechteck 24"/>
+          <p:cNvPr id="6" name="Rechteck 5"/>
           <p:cNvSpPr/>
           <p:nvPr/>
         </p:nvSpPr>
         <p:spPr>
           <a:xfrm>
-            <a:off x="5990722" y="2032247"/>
-            <a:ext cx="1225485" cy="978362"/>
-          </a:xfrm>
-          <a:prstGeom prst="rect">
-            <a:avLst/>
-          </a:prstGeom>
+            <a:off x="553673" y="2224209"/>
+            <a:ext cx="1744911" cy="2176715"/>
+          </a:xfrm>
+          <a:prstGeom prst="rect">
+            <a:avLst/>
+          </a:prstGeom>
+          <a:noFill/>
+          <a:ln/>
+        </p:spPr>
+        <p:style>
+          <a:lnRef idx="2">
+            <a:schemeClr val="dk1">
+              <a:shade val="50000"/>
+            </a:schemeClr>
+          </a:lnRef>
+          <a:fillRef idx="1">
+            <a:schemeClr val="dk1"/>
+          </a:fillRef>
+          <a:effectRef idx="0">
+            <a:schemeClr val="dk1"/>
+          </a:effectRef>
+          <a:fontRef idx="minor">
+            <a:schemeClr val="lt1"/>
+          </a:fontRef>
+        </p:style>
+        <p:txBody>
+          <a:bodyPr rtlCol="0" anchor="ctr"/>
+          <a:lstStyle/>
+          <a:p>
+            <a:pPr algn="ctr"/>
+            <a:endParaRPr lang="de-DE"/>
+          </a:p>
+        </p:txBody>
+      </p:sp>
+      <p:sp>
+        <p:nvSpPr>
+          <p:cNvPr id="12" name="Textfeld 11"/>
+          <p:cNvSpPr txBox="1"/>
+          <p:nvPr/>
+        </p:nvSpPr>
+        <p:spPr>
+          <a:xfrm>
+            <a:off x="441114" y="1886778"/>
+            <a:ext cx="1593909" cy="369332"/>
+          </a:xfrm>
+          <a:prstGeom prst="rect">
+            <a:avLst/>
+          </a:prstGeom>
+          <a:noFill/>
+        </p:spPr>
+        <p:txBody>
+          <a:bodyPr wrap="square" rtlCol="0">
+            <a:spAutoFit/>
+          </a:bodyPr>
+          <a:lstStyle/>
+          <a:p>
+            <a:r>
+              <a:rPr lang="de-DE" dirty="0" err="1" smtClean="0"/>
+              <a:t>Chatrooms.ads</a:t>
+            </a:r>
+            <a:endParaRPr lang="de-DE" dirty="0"/>
+          </a:p>
+        </p:txBody>
+      </p:sp>
+      <p:sp>
+        <p:nvSpPr>
+          <p:cNvPr id="17" name="Rechteck 16"/>
+          <p:cNvSpPr/>
+          <p:nvPr/>
+        </p:nvSpPr>
+        <p:spPr>
+          <a:xfrm>
+            <a:off x="675169" y="2353487"/>
+            <a:ext cx="1459684" cy="738664"/>
+          </a:xfrm>
+          <a:prstGeom prst="rect">
+            <a:avLst/>
+          </a:prstGeom>
+          <a:noFill/>
         </p:spPr>
         <p:style>
           <a:lnRef idx="2">
@@ -2834,16 +4965,124 @@
           <a:lstStyle/>
           <a:p>
             <a:pPr algn="ctr"/>
-            <a:r>
-              <a:rPr lang="de-DE" dirty="0" smtClean="0"/>
-              <a:t>Server</a:t>
-            </a:r>
-          </a:p>
+            <a:endParaRPr lang="de-DE"/>
+          </a:p>
+        </p:txBody>
+      </p:sp>
+      <p:sp>
+        <p:nvSpPr>
+          <p:cNvPr id="19" name="Textfeld 18"/>
+          <p:cNvSpPr txBox="1"/>
+          <p:nvPr/>
+        </p:nvSpPr>
+        <p:spPr>
+          <a:xfrm>
+            <a:off x="675169" y="2353486"/>
+            <a:ext cx="1688264" cy="738664"/>
+          </a:xfrm>
+          <a:prstGeom prst="rect">
+            <a:avLst/>
+          </a:prstGeom>
+          <a:noFill/>
+        </p:spPr>
+        <p:txBody>
+          <a:bodyPr wrap="square" rtlCol="0">
+            <a:spAutoFit/>
+          </a:bodyPr>
+          <a:lstStyle/>
+          <a:p>
+            <a:r>
+              <a:rPr lang="de-DE" sz="1400" dirty="0" smtClean="0"/>
+              <a:t>Type Chatroom </a:t>
+            </a:r>
+            <a:r>
+              <a:rPr lang="de-DE" sz="1400" dirty="0" err="1" smtClean="0"/>
+              <a:t>is</a:t>
+            </a:r>
+            <a:endParaRPr lang="de-DE" sz="1400" dirty="0" smtClean="0"/>
+          </a:p>
+          <a:p>
+            <a:r>
+              <a:rPr lang="de-DE" sz="1400" dirty="0" smtClean="0"/>
+              <a:t>      - Client</a:t>
+            </a:r>
+          </a:p>
+          <a:p>
+            <a:r>
+              <a:rPr lang="de-DE" sz="1400" dirty="0" smtClean="0"/>
+              <a:t>End type;</a:t>
+            </a:r>
+            <a:endParaRPr lang="de-DE" sz="1400" dirty="0"/>
+          </a:p>
+        </p:txBody>
+      </p:sp>
+      <p:sp>
+        <p:nvSpPr>
+          <p:cNvPr id="38" name="Rechteck 37"/>
+          <p:cNvSpPr/>
+          <p:nvPr/>
+        </p:nvSpPr>
+        <p:spPr>
+          <a:xfrm>
+            <a:off x="6204911" y="2224209"/>
+            <a:ext cx="2293137" cy="2725658"/>
+          </a:xfrm>
+          <a:prstGeom prst="rect">
+            <a:avLst/>
+          </a:prstGeom>
+          <a:noFill/>
+          <a:ln/>
+        </p:spPr>
+        <p:style>
+          <a:lnRef idx="2">
+            <a:schemeClr val="dk1">
+              <a:shade val="50000"/>
+            </a:schemeClr>
+          </a:lnRef>
+          <a:fillRef idx="1">
+            <a:schemeClr val="dk1"/>
+          </a:fillRef>
+          <a:effectRef idx="0">
+            <a:schemeClr val="dk1"/>
+          </a:effectRef>
+          <a:fontRef idx="minor">
+            <a:schemeClr val="lt1"/>
+          </a:fontRef>
+        </p:style>
+        <p:txBody>
+          <a:bodyPr rtlCol="0" anchor="ctr"/>
+          <a:lstStyle/>
           <a:p>
             <a:pPr algn="ctr"/>
-            <a:r>
-              <a:rPr lang="de-DE" dirty="0" smtClean="0"/>
-              <a:t>Client</a:t>
+            <a:endParaRPr lang="de-DE"/>
+          </a:p>
+        </p:txBody>
+      </p:sp>
+      <p:sp>
+        <p:nvSpPr>
+          <p:cNvPr id="39" name="Textfeld 38"/>
+          <p:cNvSpPr txBox="1"/>
+          <p:nvPr/>
+        </p:nvSpPr>
+        <p:spPr>
+          <a:xfrm>
+            <a:off x="6105081" y="1886778"/>
+            <a:ext cx="1629569" cy="369332"/>
+          </a:xfrm>
+          <a:prstGeom prst="rect">
+            <a:avLst/>
+          </a:prstGeom>
+          <a:noFill/>
+        </p:spPr>
+        <p:txBody>
+          <a:bodyPr wrap="square" rtlCol="0">
+            <a:spAutoFit/>
+          </a:bodyPr>
+          <a:lstStyle/>
+          <a:p>
+            <a:r>
+              <a:rPr lang="de-DE" dirty="0" err="1" smtClean="0"/>
+              <a:t>ServerLogic.ads</a:t>
             </a:r>
             <a:endParaRPr lang="de-DE" dirty="0"/>
           </a:p>
@@ -2851,18 +5090,19 @@
       </p:sp>
       <p:sp>
         <p:nvSpPr>
-          <p:cNvPr id="4" name="Pfeil nach rechts 3"/>
+          <p:cNvPr id="40" name="Rechteck 39"/>
           <p:cNvSpPr/>
           <p:nvPr/>
         </p:nvSpPr>
         <p:spPr>
           <a:xfrm>
-            <a:off x="4742670" y="2267795"/>
-            <a:ext cx="978408" cy="484632"/>
-          </a:xfrm>
-          <a:prstGeom prst="rightArrow">
-            <a:avLst/>
-          </a:prstGeom>
+            <a:off x="6339136" y="2353487"/>
+            <a:ext cx="1459684" cy="954106"/>
+          </a:xfrm>
+          <a:prstGeom prst="rect">
+            <a:avLst/>
+          </a:prstGeom>
+          <a:noFill/>
         </p:spPr>
         <p:style>
           <a:lnRef idx="2">
@@ -2891,18 +5131,339 @@
       </p:sp>
       <p:sp>
         <p:nvSpPr>
-          <p:cNvPr id="5" name="Pfeil nach rechts 4"/>
+          <p:cNvPr id="41" name="Textfeld 40"/>
+          <p:cNvSpPr txBox="1"/>
+          <p:nvPr/>
+        </p:nvSpPr>
+        <p:spPr>
+          <a:xfrm>
+            <a:off x="6339136" y="2353486"/>
+            <a:ext cx="1688264" cy="954107"/>
+          </a:xfrm>
+          <a:prstGeom prst="rect">
+            <a:avLst/>
+          </a:prstGeom>
+          <a:noFill/>
+        </p:spPr>
+        <p:txBody>
+          <a:bodyPr wrap="square" rtlCol="0">
+            <a:spAutoFit/>
+          </a:bodyPr>
+          <a:lstStyle/>
+          <a:p>
+            <a:r>
+              <a:rPr lang="de-DE" sz="1400" dirty="0" smtClean="0"/>
+              <a:t>Type Server </a:t>
+            </a:r>
+            <a:r>
+              <a:rPr lang="de-DE" sz="1400" dirty="0" err="1" smtClean="0"/>
+              <a:t>is</a:t>
+            </a:r>
+            <a:endParaRPr lang="de-DE" sz="1400" dirty="0" smtClean="0"/>
+          </a:p>
+          <a:p>
+            <a:r>
+              <a:rPr lang="de-DE" sz="1400" dirty="0" smtClean="0"/>
+              <a:t>      - Client</a:t>
+            </a:r>
+          </a:p>
+          <a:p>
+            <a:r>
+              <a:rPr lang="de-DE" sz="1400" dirty="0"/>
+              <a:t> </a:t>
+            </a:r>
+            <a:r>
+              <a:rPr lang="de-DE" sz="1400" dirty="0" smtClean="0"/>
+              <a:t>     - Chatroom</a:t>
+            </a:r>
+          </a:p>
+          <a:p>
+            <a:r>
+              <a:rPr lang="de-DE" sz="1400" dirty="0" smtClean="0"/>
+              <a:t>End type;</a:t>
+            </a:r>
+            <a:endParaRPr lang="de-DE" sz="1400" dirty="0"/>
+          </a:p>
+        </p:txBody>
+      </p:sp>
+      <p:cxnSp>
+        <p:nvCxnSpPr>
+          <p:cNvPr id="2069" name="Gerade Verbindung mit Pfeil 2068"/>
+          <p:cNvCxnSpPr/>
+          <p:nvPr/>
+        </p:nvCxnSpPr>
+        <p:spPr>
+          <a:xfrm>
+            <a:off x="2134853" y="2995232"/>
+            <a:ext cx="1222702" cy="2123715"/>
+          </a:xfrm>
+          <a:prstGeom prst="straightConnector1">
+            <a:avLst/>
+          </a:prstGeom>
+          <a:ln>
+            <a:tailEnd type="triangle"/>
+          </a:ln>
+        </p:spPr>
+        <p:style>
+          <a:lnRef idx="2">
+            <a:schemeClr val="accent2"/>
+          </a:lnRef>
+          <a:fillRef idx="0">
+            <a:schemeClr val="accent2"/>
+          </a:fillRef>
+          <a:effectRef idx="1">
+            <a:schemeClr val="accent2"/>
+          </a:effectRef>
+          <a:fontRef idx="minor">
+            <a:schemeClr val="tx1"/>
+          </a:fontRef>
+        </p:style>
+      </p:cxnSp>
+      <p:cxnSp>
+        <p:nvCxnSpPr>
+          <p:cNvPr id="2071" name="Gerade Verbindung mit Pfeil 2070"/>
+          <p:cNvCxnSpPr>
+            <a:stCxn id="41" idx="1"/>
+          </p:cNvCxnSpPr>
+          <p:nvPr/>
+        </p:nvCxnSpPr>
+        <p:spPr>
+          <a:xfrm flipH="1" flipV="1">
+            <a:off x="2134853" y="2810675"/>
+            <a:ext cx="4204283" cy="19865"/>
+          </a:xfrm>
+          <a:prstGeom prst="straightConnector1">
+            <a:avLst/>
+          </a:prstGeom>
+          <a:ln>
+            <a:tailEnd type="triangle"/>
+          </a:ln>
+        </p:spPr>
+        <p:style>
+          <a:lnRef idx="2">
+            <a:schemeClr val="accent2"/>
+          </a:lnRef>
+          <a:fillRef idx="0">
+            <a:schemeClr val="accent2"/>
+          </a:fillRef>
+          <a:effectRef idx="1">
+            <a:schemeClr val="accent2"/>
+          </a:effectRef>
+          <a:fontRef idx="minor">
+            <a:schemeClr val="tx1"/>
+          </a:fontRef>
+        </p:style>
+      </p:cxnSp>
+      <p:sp>
+        <p:nvSpPr>
+          <p:cNvPr id="3" name="Textfeld 2"/>
+          <p:cNvSpPr txBox="1"/>
+          <p:nvPr/>
+        </p:nvSpPr>
+        <p:spPr>
+          <a:xfrm rot="3596617">
+            <a:off x="2154106" y="3862159"/>
+            <a:ext cx="1372427" cy="307777"/>
+          </a:xfrm>
+          <a:prstGeom prst="rect">
+            <a:avLst/>
+          </a:prstGeom>
+          <a:noFill/>
+        </p:spPr>
+        <p:txBody>
+          <a:bodyPr wrap="none" rtlCol="0">
+            <a:spAutoFit/>
+          </a:bodyPr>
+          <a:lstStyle/>
+          <a:p>
+            <a:r>
+              <a:rPr lang="de-DE" sz="1400" dirty="0" err="1" smtClean="0"/>
+              <a:t>With</a:t>
+            </a:r>
+            <a:r>
+              <a:rPr lang="de-DE" sz="1400" dirty="0" smtClean="0"/>
+              <a:t> </a:t>
+            </a:r>
+            <a:r>
+              <a:rPr lang="de-DE" sz="1400" dirty="0" err="1" smtClean="0"/>
+              <a:t>Clients.ads</a:t>
+            </a:r>
+            <a:endParaRPr lang="de-DE" sz="1400" dirty="0"/>
+          </a:p>
+        </p:txBody>
+      </p:sp>
+      <p:sp>
+        <p:nvSpPr>
+          <p:cNvPr id="20" name="Textfeld 19"/>
+          <p:cNvSpPr txBox="1"/>
+          <p:nvPr/>
+        </p:nvSpPr>
+        <p:spPr>
+          <a:xfrm>
+            <a:off x="3424834" y="2527910"/>
+            <a:ext cx="1677319" cy="307777"/>
+          </a:xfrm>
+          <a:prstGeom prst="rect">
+            <a:avLst/>
+          </a:prstGeom>
+          <a:noFill/>
+        </p:spPr>
+        <p:txBody>
+          <a:bodyPr wrap="none" rtlCol="0">
+            <a:spAutoFit/>
+          </a:bodyPr>
+          <a:lstStyle/>
+          <a:p>
+            <a:r>
+              <a:rPr lang="de-DE" sz="1400" dirty="0" err="1" smtClean="0"/>
+              <a:t>With</a:t>
+            </a:r>
+            <a:r>
+              <a:rPr lang="de-DE" sz="1400" dirty="0" smtClean="0"/>
+              <a:t> </a:t>
+            </a:r>
+            <a:r>
+              <a:rPr lang="de-DE" sz="1400" dirty="0" err="1" smtClean="0"/>
+              <a:t>Chatrooms.ads</a:t>
+            </a:r>
+            <a:endParaRPr lang="de-DE" sz="1400" dirty="0"/>
+          </a:p>
+        </p:txBody>
+      </p:sp>
+      <p:sp>
+        <p:nvSpPr>
+          <p:cNvPr id="27" name="Rechteck 26"/>
           <p:cNvSpPr/>
           <p:nvPr/>
         </p:nvSpPr>
         <p:spPr>
-          <a:xfrm rot="2576998">
-            <a:off x="5591084" y="5279894"/>
-            <a:ext cx="978408" cy="484632"/>
-          </a:xfrm>
-          <a:prstGeom prst="rightArrow">
-            <a:avLst/>
-          </a:prstGeom>
+          <a:xfrm>
+            <a:off x="3257489" y="4726264"/>
+            <a:ext cx="1779911" cy="1492125"/>
+          </a:xfrm>
+          <a:prstGeom prst="rect">
+            <a:avLst/>
+          </a:prstGeom>
+          <a:noFill/>
+          <a:ln/>
+        </p:spPr>
+        <p:style>
+          <a:lnRef idx="2">
+            <a:schemeClr val="dk1">
+              <a:shade val="50000"/>
+            </a:schemeClr>
+          </a:lnRef>
+          <a:fillRef idx="1">
+            <a:schemeClr val="dk1"/>
+          </a:fillRef>
+          <a:effectRef idx="0">
+            <a:schemeClr val="dk1"/>
+          </a:effectRef>
+          <a:fontRef idx="minor">
+            <a:schemeClr val="lt1"/>
+          </a:fontRef>
+        </p:style>
+        <p:txBody>
+          <a:bodyPr rtlCol="0" anchor="ctr"/>
+          <a:lstStyle/>
+          <a:p>
+            <a:pPr algn="ctr"/>
+            <a:endParaRPr lang="de-DE"/>
+          </a:p>
+        </p:txBody>
+      </p:sp>
+      <p:sp>
+        <p:nvSpPr>
+          <p:cNvPr id="28" name="Textfeld 27"/>
+          <p:cNvSpPr txBox="1"/>
+          <p:nvPr/>
+        </p:nvSpPr>
+        <p:spPr>
+          <a:xfrm>
+            <a:off x="3187670" y="4400924"/>
+            <a:ext cx="1629569" cy="369332"/>
+          </a:xfrm>
+          <a:prstGeom prst="rect">
+            <a:avLst/>
+          </a:prstGeom>
+          <a:noFill/>
+        </p:spPr>
+        <p:txBody>
+          <a:bodyPr wrap="square" rtlCol="0">
+            <a:spAutoFit/>
+          </a:bodyPr>
+          <a:lstStyle/>
+          <a:p>
+            <a:r>
+              <a:rPr lang="de-DE" dirty="0" err="1" smtClean="0"/>
+              <a:t>Clients.ads</a:t>
+            </a:r>
+            <a:endParaRPr lang="de-DE" dirty="0"/>
+          </a:p>
+        </p:txBody>
+      </p:sp>
+      <p:sp>
+        <p:nvSpPr>
+          <p:cNvPr id="29" name="Textfeld 28"/>
+          <p:cNvSpPr txBox="1"/>
+          <p:nvPr/>
+        </p:nvSpPr>
+        <p:spPr>
+          <a:xfrm>
+            <a:off x="3349136" y="4823640"/>
+            <a:ext cx="1688264" cy="738664"/>
+          </a:xfrm>
+          <a:prstGeom prst="rect">
+            <a:avLst/>
+          </a:prstGeom>
+          <a:noFill/>
+        </p:spPr>
+        <p:txBody>
+          <a:bodyPr wrap="square" rtlCol="0">
+            <a:spAutoFit/>
+          </a:bodyPr>
+          <a:lstStyle/>
+          <a:p>
+            <a:r>
+              <a:rPr lang="de-DE" sz="1400" dirty="0" smtClean="0"/>
+              <a:t>Type Client </a:t>
+            </a:r>
+            <a:r>
+              <a:rPr lang="de-DE" sz="1400" dirty="0" err="1" smtClean="0"/>
+              <a:t>is</a:t>
+            </a:r>
+            <a:endParaRPr lang="de-DE" sz="1400" dirty="0" smtClean="0"/>
+          </a:p>
+          <a:p>
+            <a:r>
+              <a:rPr lang="de-DE" sz="1400" dirty="0" smtClean="0"/>
+              <a:t>      - Chatroom</a:t>
+            </a:r>
+          </a:p>
+          <a:p>
+            <a:r>
+              <a:rPr lang="de-DE" sz="1400" dirty="0" smtClean="0"/>
+              <a:t>End type;</a:t>
+            </a:r>
+            <a:endParaRPr lang="de-DE" sz="1400" dirty="0"/>
+          </a:p>
+        </p:txBody>
+      </p:sp>
+      <p:sp>
+        <p:nvSpPr>
+          <p:cNvPr id="31" name="Rechteck 30"/>
+          <p:cNvSpPr/>
+          <p:nvPr/>
+        </p:nvSpPr>
+        <p:spPr>
+          <a:xfrm>
+            <a:off x="3357555" y="4823641"/>
+            <a:ext cx="1459684" cy="836039"/>
+          </a:xfrm>
+          <a:prstGeom prst="rect">
+            <a:avLst/>
+          </a:prstGeom>
+          <a:noFill/>
         </p:spPr>
         <p:style>
           <a:lnRef idx="2">
@@ -2929,20 +5490,300 @@
           </a:p>
         </p:txBody>
       </p:sp>
-      <p:sp>
-        <p:nvSpPr>
-          <p:cNvPr id="32" name="Rechteck 31"/>
+      <p:cxnSp>
+        <p:nvCxnSpPr>
+          <p:cNvPr id="7" name="Gerade Verbindung mit Pfeil 6"/>
+          <p:cNvCxnSpPr/>
+          <p:nvPr/>
+        </p:nvCxnSpPr>
+        <p:spPr>
+          <a:xfrm flipH="1">
+            <a:off x="5102154" y="3307593"/>
+            <a:ext cx="1236982" cy="1717413"/>
+          </a:xfrm>
+          <a:prstGeom prst="straightConnector1">
+            <a:avLst/>
+          </a:prstGeom>
+          <a:ln>
+            <a:tailEnd type="triangle"/>
+          </a:ln>
+        </p:spPr>
+        <p:style>
+          <a:lnRef idx="2">
+            <a:schemeClr val="accent2"/>
+          </a:lnRef>
+          <a:fillRef idx="0">
+            <a:schemeClr val="accent2"/>
+          </a:fillRef>
+          <a:effectRef idx="1">
+            <a:schemeClr val="accent2"/>
+          </a:effectRef>
+          <a:fontRef idx="minor">
+            <a:schemeClr val="tx1"/>
+          </a:fontRef>
+        </p:style>
+      </p:cxnSp>
+      <p:sp>
+        <p:nvSpPr>
+          <p:cNvPr id="36" name="Textfeld 35"/>
+          <p:cNvSpPr txBox="1"/>
+          <p:nvPr/>
+        </p:nvSpPr>
+        <p:spPr>
+          <a:xfrm rot="18339854">
+            <a:off x="4794195" y="3881325"/>
+            <a:ext cx="1718676" cy="307777"/>
+          </a:xfrm>
+          <a:prstGeom prst="rect">
+            <a:avLst/>
+          </a:prstGeom>
+          <a:noFill/>
+        </p:spPr>
+        <p:txBody>
+          <a:bodyPr wrap="none" rtlCol="0">
+            <a:spAutoFit/>
+          </a:bodyPr>
+          <a:lstStyle/>
+          <a:p>
+            <a:r>
+              <a:rPr lang="de-DE" sz="1400" dirty="0" err="1" smtClean="0"/>
+              <a:t>With</a:t>
+            </a:r>
+            <a:r>
+              <a:rPr lang="de-DE" sz="1400" dirty="0" smtClean="0"/>
+              <a:t> </a:t>
+            </a:r>
+            <a:r>
+              <a:rPr lang="de-DE" sz="1400" dirty="0" err="1" smtClean="0"/>
+              <a:t>ServerLogic.ads</a:t>
+            </a:r>
+            <a:endParaRPr lang="de-DE" sz="1400" dirty="0"/>
+          </a:p>
+        </p:txBody>
+      </p:sp>
+      <p:cxnSp>
+        <p:nvCxnSpPr>
+          <p:cNvPr id="5" name="Gerade Verbindung mit Pfeil 4"/>
+          <p:cNvCxnSpPr/>
+          <p:nvPr/>
+        </p:nvCxnSpPr>
+        <p:spPr>
+          <a:xfrm flipH="1" flipV="1">
+            <a:off x="1921079" y="3162650"/>
+            <a:ext cx="1266591" cy="2130803"/>
+          </a:xfrm>
+          <a:prstGeom prst="straightConnector1">
+            <a:avLst/>
+          </a:prstGeom>
+          <a:ln>
+            <a:tailEnd type="triangle"/>
+          </a:ln>
+        </p:spPr>
+        <p:style>
+          <a:lnRef idx="2">
+            <a:schemeClr val="accent2"/>
+          </a:lnRef>
+          <a:fillRef idx="0">
+            <a:schemeClr val="accent2"/>
+          </a:fillRef>
+          <a:effectRef idx="1">
+            <a:schemeClr val="accent2"/>
+          </a:effectRef>
+          <a:fontRef idx="minor">
+            <a:schemeClr val="tx1"/>
+          </a:fontRef>
+        </p:style>
+      </p:cxnSp>
+      <p:sp>
+        <p:nvSpPr>
+          <p:cNvPr id="25" name="Textfeld 24"/>
+          <p:cNvSpPr txBox="1"/>
+          <p:nvPr/>
+        </p:nvSpPr>
+        <p:spPr>
+          <a:xfrm rot="3539996">
+            <a:off x="1867451" y="4574216"/>
+            <a:ext cx="1677319" cy="307777"/>
+          </a:xfrm>
+          <a:prstGeom prst="rect">
+            <a:avLst/>
+          </a:prstGeom>
+          <a:noFill/>
+        </p:spPr>
+        <p:txBody>
+          <a:bodyPr wrap="none" rtlCol="0">
+            <a:spAutoFit/>
+          </a:bodyPr>
+          <a:lstStyle/>
+          <a:p>
+            <a:r>
+              <a:rPr lang="de-DE" sz="1400" dirty="0" err="1" smtClean="0"/>
+              <a:t>With</a:t>
+            </a:r>
+            <a:r>
+              <a:rPr lang="de-DE" sz="1400" dirty="0" smtClean="0"/>
+              <a:t> </a:t>
+            </a:r>
+            <a:r>
+              <a:rPr lang="de-DE" sz="1400" dirty="0" err="1" smtClean="0"/>
+              <a:t>Chatrooms.ads</a:t>
+            </a:r>
+            <a:endParaRPr lang="de-DE" sz="1400" dirty="0"/>
+          </a:p>
+        </p:txBody>
+      </p:sp>
+    </p:spTree>
+    <p:extLst>
+      <p:ext uri="{BB962C8B-B14F-4D97-AF65-F5344CB8AC3E}">
+        <p14:creationId xmlns:p14="http://schemas.microsoft.com/office/powerpoint/2010/main" val="1471776724"/>
+      </p:ext>
+    </p:extLst>
+  </p:cSld>
+  <p:clrMapOvr>
+    <a:masterClrMapping/>
+  </p:clrMapOvr>
+  <p:timing>
+    <p:tnLst>
+      <p:par>
+        <p:cTn id="1" dur="indefinite" restart="never" nodeType="tmRoot"/>
+      </p:par>
+    </p:tnLst>
+  </p:timing>
+</p:sld>
+</file>
+
+<file path=ppt/slides/slide15.xml><?xml version="1.0" encoding="utf-8"?>
+<p:sld xmlns:a="http://schemas.openxmlformats.org/drawingml/2006/main" xmlns:r="http://schemas.openxmlformats.org/officeDocument/2006/relationships" xmlns:p="http://schemas.openxmlformats.org/presentationml/2006/main">
+  <p:cSld>
+    <p:spTree>
+      <p:nvGrpSpPr>
+        <p:cNvPr id="1" name=""/>
+        <p:cNvGrpSpPr/>
+        <p:nvPr/>
+      </p:nvGrpSpPr>
+      <p:grpSpPr>
+        <a:xfrm>
+          <a:off x="0" y="0"/>
+          <a:ext cx="0" cy="0"/>
+          <a:chOff x="0" y="0"/>
+          <a:chExt cx="0" cy="0"/>
+        </a:xfrm>
+      </p:grpSpPr>
+      <p:sp>
+        <p:nvSpPr>
+          <p:cNvPr id="2" name="Titel 1"/>
+          <p:cNvSpPr>
+            <a:spLocks noGrp="1"/>
+          </p:cNvSpPr>
+          <p:nvPr>
+            <p:ph type="title"/>
+          </p:nvPr>
+        </p:nvSpPr>
+        <p:spPr>
+          <a:xfrm>
+            <a:off x="360000" y="1317222"/>
+            <a:ext cx="8246118" cy="569556"/>
+          </a:xfrm>
+        </p:spPr>
+        <p:txBody>
+          <a:bodyPr/>
+          <a:lstStyle/>
+          <a:p>
+            <a:r>
+              <a:rPr lang="de-DE" dirty="0" smtClean="0"/>
+              <a:t>Implementierungslogik – anderes Wort finden</a:t>
+            </a:r>
+            <a:endParaRPr lang="de-DE" dirty="0"/>
+          </a:p>
+        </p:txBody>
+      </p:sp>
+      <p:sp>
+        <p:nvSpPr>
+          <p:cNvPr id="6" name="Rechteck 5"/>
           <p:cNvSpPr/>
           <p:nvPr/>
         </p:nvSpPr>
         <p:spPr>
           <a:xfrm>
-            <a:off x="4590853" y="3784968"/>
-            <a:ext cx="1225485" cy="978362"/>
-          </a:xfrm>
-          <a:prstGeom prst="rect">
-            <a:avLst/>
-          </a:prstGeom>
+            <a:off x="553673" y="2224209"/>
+            <a:ext cx="1744911" cy="2176715"/>
+          </a:xfrm>
+          <a:prstGeom prst="rect">
+            <a:avLst/>
+          </a:prstGeom>
+          <a:noFill/>
+          <a:ln/>
+        </p:spPr>
+        <p:style>
+          <a:lnRef idx="2">
+            <a:schemeClr val="dk1">
+              <a:shade val="50000"/>
+            </a:schemeClr>
+          </a:lnRef>
+          <a:fillRef idx="1">
+            <a:schemeClr val="dk1"/>
+          </a:fillRef>
+          <a:effectRef idx="0">
+            <a:schemeClr val="dk1"/>
+          </a:effectRef>
+          <a:fontRef idx="minor">
+            <a:schemeClr val="lt1"/>
+          </a:fontRef>
+        </p:style>
+        <p:txBody>
+          <a:bodyPr rtlCol="0" anchor="ctr"/>
+          <a:lstStyle/>
+          <a:p>
+            <a:pPr algn="ctr"/>
+            <a:endParaRPr lang="de-DE"/>
+          </a:p>
+        </p:txBody>
+      </p:sp>
+      <p:sp>
+        <p:nvSpPr>
+          <p:cNvPr id="12" name="Textfeld 11"/>
+          <p:cNvSpPr txBox="1"/>
+          <p:nvPr/>
+        </p:nvSpPr>
+        <p:spPr>
+          <a:xfrm>
+            <a:off x="441114" y="1886778"/>
+            <a:ext cx="1593909" cy="369332"/>
+          </a:xfrm>
+          <a:prstGeom prst="rect">
+            <a:avLst/>
+          </a:prstGeom>
+          <a:noFill/>
+        </p:spPr>
+        <p:txBody>
+          <a:bodyPr wrap="square" rtlCol="0">
+            <a:spAutoFit/>
+          </a:bodyPr>
+          <a:lstStyle/>
+          <a:p>
+            <a:r>
+              <a:rPr lang="de-DE" dirty="0" err="1" smtClean="0"/>
+              <a:t>Chatrooms.ads</a:t>
+            </a:r>
+            <a:endParaRPr lang="de-DE" dirty="0"/>
+          </a:p>
+        </p:txBody>
+      </p:sp>
+      <p:sp>
+        <p:nvSpPr>
+          <p:cNvPr id="17" name="Rechteck 16"/>
+          <p:cNvSpPr/>
+          <p:nvPr/>
+        </p:nvSpPr>
+        <p:spPr>
+          <a:xfrm>
+            <a:off x="675169" y="2353487"/>
+            <a:ext cx="1459684" cy="738664"/>
+          </a:xfrm>
+          <a:prstGeom prst="rect">
+            <a:avLst/>
+          </a:prstGeom>
+          <a:noFill/>
         </p:spPr>
         <p:style>
           <a:lnRef idx="2">
@@ -2965,9 +5806,124 @@
           <a:lstStyle/>
           <a:p>
             <a:pPr algn="ctr"/>
-            <a:r>
-              <a:rPr lang="de-DE" dirty="0" smtClean="0"/>
-              <a:t>Chaträume</a:t>
+            <a:endParaRPr lang="de-DE"/>
+          </a:p>
+        </p:txBody>
+      </p:sp>
+      <p:sp>
+        <p:nvSpPr>
+          <p:cNvPr id="19" name="Textfeld 18"/>
+          <p:cNvSpPr txBox="1"/>
+          <p:nvPr/>
+        </p:nvSpPr>
+        <p:spPr>
+          <a:xfrm>
+            <a:off x="675169" y="2353486"/>
+            <a:ext cx="1688264" cy="738664"/>
+          </a:xfrm>
+          <a:prstGeom prst="rect">
+            <a:avLst/>
+          </a:prstGeom>
+          <a:noFill/>
+        </p:spPr>
+        <p:txBody>
+          <a:bodyPr wrap="square" rtlCol="0">
+            <a:spAutoFit/>
+          </a:bodyPr>
+          <a:lstStyle/>
+          <a:p>
+            <a:r>
+              <a:rPr lang="de-DE" sz="1400" dirty="0" smtClean="0"/>
+              <a:t>Type Chatroom </a:t>
+            </a:r>
+            <a:r>
+              <a:rPr lang="de-DE" sz="1400" dirty="0" err="1" smtClean="0"/>
+              <a:t>is</a:t>
+            </a:r>
+            <a:endParaRPr lang="de-DE" sz="1400" dirty="0" smtClean="0"/>
+          </a:p>
+          <a:p>
+            <a:r>
+              <a:rPr lang="de-DE" sz="1400" dirty="0" smtClean="0"/>
+              <a:t>      - Client</a:t>
+            </a:r>
+          </a:p>
+          <a:p>
+            <a:r>
+              <a:rPr lang="de-DE" sz="1400" dirty="0" smtClean="0"/>
+              <a:t>End type;</a:t>
+            </a:r>
+            <a:endParaRPr lang="de-DE" sz="1400" dirty="0"/>
+          </a:p>
+        </p:txBody>
+      </p:sp>
+      <p:sp>
+        <p:nvSpPr>
+          <p:cNvPr id="38" name="Rechteck 37"/>
+          <p:cNvSpPr/>
+          <p:nvPr/>
+        </p:nvSpPr>
+        <p:spPr>
+          <a:xfrm>
+            <a:off x="6204911" y="2224209"/>
+            <a:ext cx="2293137" cy="2725658"/>
+          </a:xfrm>
+          <a:prstGeom prst="rect">
+            <a:avLst/>
+          </a:prstGeom>
+          <a:noFill/>
+          <a:ln/>
+        </p:spPr>
+        <p:style>
+          <a:lnRef idx="2">
+            <a:schemeClr val="dk1">
+              <a:shade val="50000"/>
+            </a:schemeClr>
+          </a:lnRef>
+          <a:fillRef idx="1">
+            <a:schemeClr val="dk1"/>
+          </a:fillRef>
+          <a:effectRef idx="0">
+            <a:schemeClr val="dk1"/>
+          </a:effectRef>
+          <a:fontRef idx="minor">
+            <a:schemeClr val="lt1"/>
+          </a:fontRef>
+        </p:style>
+        <p:txBody>
+          <a:bodyPr rtlCol="0" anchor="ctr"/>
+          <a:lstStyle/>
+          <a:p>
+            <a:pPr algn="ctr"/>
+            <a:endParaRPr lang="de-DE"/>
+          </a:p>
+        </p:txBody>
+      </p:sp>
+      <p:sp>
+        <p:nvSpPr>
+          <p:cNvPr id="39" name="Textfeld 38"/>
+          <p:cNvSpPr txBox="1"/>
+          <p:nvPr/>
+        </p:nvSpPr>
+        <p:spPr>
+          <a:xfrm>
+            <a:off x="6105081" y="1886778"/>
+            <a:ext cx="1629569" cy="369332"/>
+          </a:xfrm>
+          <a:prstGeom prst="rect">
+            <a:avLst/>
+          </a:prstGeom>
+          <a:noFill/>
+        </p:spPr>
+        <p:txBody>
+          <a:bodyPr wrap="square" rtlCol="0">
+            <a:spAutoFit/>
+          </a:bodyPr>
+          <a:lstStyle/>
+          <a:p>
+            <a:r>
+              <a:rPr lang="de-DE" dirty="0" err="1" smtClean="0"/>
+              <a:t>ServerLogic.ads</a:t>
             </a:r>
             <a:endParaRPr lang="de-DE" dirty="0"/>
           </a:p>
@@ -2975,18 +5931,19 @@
       </p:sp>
       <p:sp>
         <p:nvSpPr>
-          <p:cNvPr id="33" name="Rechteck 32"/>
+          <p:cNvPr id="40" name="Rechteck 39"/>
           <p:cNvSpPr/>
           <p:nvPr/>
         </p:nvSpPr>
         <p:spPr>
           <a:xfrm>
-            <a:off x="7041821" y="3784968"/>
-            <a:ext cx="1225485" cy="978362"/>
-          </a:xfrm>
-          <a:prstGeom prst="rect">
-            <a:avLst/>
-          </a:prstGeom>
+            <a:off x="6339136" y="2353487"/>
+            <a:ext cx="1459684" cy="954106"/>
+          </a:xfrm>
+          <a:prstGeom prst="rect">
+            <a:avLst/>
+          </a:prstGeom>
+          <a:noFill/>
         </p:spPr>
         <p:style>
           <a:lnRef idx="2">
@@ -3009,27 +5966,345 @@
           <a:lstStyle/>
           <a:p>
             <a:pPr algn="ctr"/>
-            <a:r>
-              <a:rPr lang="de-DE" dirty="0" smtClean="0"/>
-              <a:t>Server</a:t>
-            </a:r>
-          </a:p>
-        </p:txBody>
-      </p:sp>
-      <p:sp>
-        <p:nvSpPr>
-          <p:cNvPr id="34" name="Rechteck 33"/>
+            <a:endParaRPr lang="de-DE"/>
+          </a:p>
+        </p:txBody>
+      </p:sp>
+      <p:sp>
+        <p:nvSpPr>
+          <p:cNvPr id="41" name="Textfeld 40"/>
+          <p:cNvSpPr txBox="1"/>
+          <p:nvPr/>
+        </p:nvSpPr>
+        <p:spPr>
+          <a:xfrm>
+            <a:off x="6339136" y="2353486"/>
+            <a:ext cx="1688264" cy="954107"/>
+          </a:xfrm>
+          <a:prstGeom prst="rect">
+            <a:avLst/>
+          </a:prstGeom>
+          <a:noFill/>
+        </p:spPr>
+        <p:txBody>
+          <a:bodyPr wrap="square" rtlCol="0">
+            <a:spAutoFit/>
+          </a:bodyPr>
+          <a:lstStyle/>
+          <a:p>
+            <a:r>
+              <a:rPr lang="de-DE" sz="1400" dirty="0" smtClean="0"/>
+              <a:t>Type Server </a:t>
+            </a:r>
+            <a:r>
+              <a:rPr lang="de-DE" sz="1400" dirty="0" err="1" smtClean="0"/>
+              <a:t>is</a:t>
+            </a:r>
+            <a:endParaRPr lang="de-DE" sz="1400" dirty="0" smtClean="0"/>
+          </a:p>
+          <a:p>
+            <a:r>
+              <a:rPr lang="de-DE" sz="1400" dirty="0" smtClean="0"/>
+              <a:t>      - Client</a:t>
+            </a:r>
+          </a:p>
+          <a:p>
+            <a:r>
+              <a:rPr lang="de-DE" sz="1400" dirty="0"/>
+              <a:t> </a:t>
+            </a:r>
+            <a:r>
+              <a:rPr lang="de-DE" sz="1400" dirty="0" smtClean="0"/>
+              <a:t>     - Chatroom</a:t>
+            </a:r>
+          </a:p>
+          <a:p>
+            <a:r>
+              <a:rPr lang="de-DE" sz="1400" dirty="0" smtClean="0"/>
+              <a:t>End type;</a:t>
+            </a:r>
+            <a:endParaRPr lang="de-DE" sz="1400" dirty="0"/>
+          </a:p>
+        </p:txBody>
+      </p:sp>
+      <p:cxnSp>
+        <p:nvCxnSpPr>
+          <p:cNvPr id="2069" name="Gerade Verbindung mit Pfeil 2068"/>
+          <p:cNvCxnSpPr/>
+          <p:nvPr/>
+        </p:nvCxnSpPr>
+        <p:spPr>
+          <a:xfrm>
+            <a:off x="2134853" y="2995232"/>
+            <a:ext cx="1222702" cy="2123715"/>
+          </a:xfrm>
+          <a:prstGeom prst="straightConnector1">
+            <a:avLst/>
+          </a:prstGeom>
+          <a:ln>
+            <a:tailEnd type="triangle"/>
+          </a:ln>
+        </p:spPr>
+        <p:style>
+          <a:lnRef idx="2">
+            <a:schemeClr val="accent2"/>
+          </a:lnRef>
+          <a:fillRef idx="0">
+            <a:schemeClr val="accent2"/>
+          </a:fillRef>
+          <a:effectRef idx="1">
+            <a:schemeClr val="accent2"/>
+          </a:effectRef>
+          <a:fontRef idx="minor">
+            <a:schemeClr val="tx1"/>
+          </a:fontRef>
+        </p:style>
+      </p:cxnSp>
+      <p:cxnSp>
+        <p:nvCxnSpPr>
+          <p:cNvPr id="2071" name="Gerade Verbindung mit Pfeil 2070"/>
+          <p:cNvCxnSpPr>
+            <a:stCxn id="41" idx="1"/>
+          </p:cNvCxnSpPr>
+          <p:nvPr/>
+        </p:nvCxnSpPr>
+        <p:spPr>
+          <a:xfrm flipH="1" flipV="1">
+            <a:off x="2134853" y="2810675"/>
+            <a:ext cx="4204283" cy="19865"/>
+          </a:xfrm>
+          <a:prstGeom prst="straightConnector1">
+            <a:avLst/>
+          </a:prstGeom>
+          <a:ln>
+            <a:tailEnd type="triangle"/>
+          </a:ln>
+        </p:spPr>
+        <p:style>
+          <a:lnRef idx="2">
+            <a:schemeClr val="accent2"/>
+          </a:lnRef>
+          <a:fillRef idx="0">
+            <a:schemeClr val="accent2"/>
+          </a:fillRef>
+          <a:effectRef idx="1">
+            <a:schemeClr val="accent2"/>
+          </a:effectRef>
+          <a:fontRef idx="minor">
+            <a:schemeClr val="tx1"/>
+          </a:fontRef>
+        </p:style>
+      </p:cxnSp>
+      <p:sp>
+        <p:nvSpPr>
+          <p:cNvPr id="3" name="Textfeld 2"/>
+          <p:cNvSpPr txBox="1"/>
+          <p:nvPr/>
+        </p:nvSpPr>
+        <p:spPr>
+          <a:xfrm rot="3596617">
+            <a:off x="2154106" y="3862159"/>
+            <a:ext cx="1372427" cy="307777"/>
+          </a:xfrm>
+          <a:prstGeom prst="rect">
+            <a:avLst/>
+          </a:prstGeom>
+          <a:noFill/>
+        </p:spPr>
+        <p:txBody>
+          <a:bodyPr wrap="none" rtlCol="0">
+            <a:spAutoFit/>
+          </a:bodyPr>
+          <a:lstStyle/>
+          <a:p>
+            <a:r>
+              <a:rPr lang="de-DE" sz="1400" dirty="0" err="1" smtClean="0"/>
+              <a:t>With</a:t>
+            </a:r>
+            <a:r>
+              <a:rPr lang="de-DE" sz="1400" dirty="0" smtClean="0"/>
+              <a:t> </a:t>
+            </a:r>
+            <a:r>
+              <a:rPr lang="de-DE" sz="1400" dirty="0" err="1" smtClean="0"/>
+              <a:t>Clients.ads</a:t>
+            </a:r>
+            <a:endParaRPr lang="de-DE" sz="1400" dirty="0"/>
+          </a:p>
+        </p:txBody>
+      </p:sp>
+      <p:sp>
+        <p:nvSpPr>
+          <p:cNvPr id="20" name="Textfeld 19"/>
+          <p:cNvSpPr txBox="1"/>
+          <p:nvPr/>
+        </p:nvSpPr>
+        <p:spPr>
+          <a:xfrm>
+            <a:off x="3424834" y="2527910"/>
+            <a:ext cx="1677319" cy="307777"/>
+          </a:xfrm>
+          <a:prstGeom prst="rect">
+            <a:avLst/>
+          </a:prstGeom>
+          <a:noFill/>
+        </p:spPr>
+        <p:txBody>
+          <a:bodyPr wrap="none" rtlCol="0">
+            <a:spAutoFit/>
+          </a:bodyPr>
+          <a:lstStyle/>
+          <a:p>
+            <a:r>
+              <a:rPr lang="de-DE" sz="1400" dirty="0" err="1" smtClean="0"/>
+              <a:t>With</a:t>
+            </a:r>
+            <a:r>
+              <a:rPr lang="de-DE" sz="1400" dirty="0" smtClean="0"/>
+              <a:t> </a:t>
+            </a:r>
+            <a:r>
+              <a:rPr lang="de-DE" sz="1400" dirty="0" err="1" smtClean="0"/>
+              <a:t>Chatrooms.ads</a:t>
+            </a:r>
+            <a:endParaRPr lang="de-DE" sz="1400" dirty="0"/>
+          </a:p>
+        </p:txBody>
+      </p:sp>
+      <p:sp>
+        <p:nvSpPr>
+          <p:cNvPr id="27" name="Rechteck 26"/>
           <p:cNvSpPr/>
           <p:nvPr/>
         </p:nvSpPr>
         <p:spPr>
           <a:xfrm>
-            <a:off x="7041821" y="5397980"/>
-            <a:ext cx="1225485" cy="978362"/>
-          </a:xfrm>
-          <a:prstGeom prst="rect">
-            <a:avLst/>
-          </a:prstGeom>
+            <a:off x="3257489" y="4726264"/>
+            <a:ext cx="1779911" cy="1492125"/>
+          </a:xfrm>
+          <a:prstGeom prst="rect">
+            <a:avLst/>
+          </a:prstGeom>
+          <a:noFill/>
+          <a:ln/>
+        </p:spPr>
+        <p:style>
+          <a:lnRef idx="2">
+            <a:schemeClr val="dk1">
+              <a:shade val="50000"/>
+            </a:schemeClr>
+          </a:lnRef>
+          <a:fillRef idx="1">
+            <a:schemeClr val="dk1"/>
+          </a:fillRef>
+          <a:effectRef idx="0">
+            <a:schemeClr val="dk1"/>
+          </a:effectRef>
+          <a:fontRef idx="minor">
+            <a:schemeClr val="lt1"/>
+          </a:fontRef>
+        </p:style>
+        <p:txBody>
+          <a:bodyPr rtlCol="0" anchor="ctr"/>
+          <a:lstStyle/>
+          <a:p>
+            <a:pPr algn="ctr"/>
+            <a:endParaRPr lang="de-DE"/>
+          </a:p>
+        </p:txBody>
+      </p:sp>
+      <p:sp>
+        <p:nvSpPr>
+          <p:cNvPr id="28" name="Textfeld 27"/>
+          <p:cNvSpPr txBox="1"/>
+          <p:nvPr/>
+        </p:nvSpPr>
+        <p:spPr>
+          <a:xfrm>
+            <a:off x="3187670" y="4400924"/>
+            <a:ext cx="1629569" cy="369332"/>
+          </a:xfrm>
+          <a:prstGeom prst="rect">
+            <a:avLst/>
+          </a:prstGeom>
+          <a:noFill/>
+        </p:spPr>
+        <p:txBody>
+          <a:bodyPr wrap="square" rtlCol="0">
+            <a:spAutoFit/>
+          </a:bodyPr>
+          <a:lstStyle/>
+          <a:p>
+            <a:r>
+              <a:rPr lang="de-DE" dirty="0" err="1" smtClean="0"/>
+              <a:t>Clients.ads</a:t>
+            </a:r>
+            <a:endParaRPr lang="de-DE" dirty="0"/>
+          </a:p>
+        </p:txBody>
+      </p:sp>
+      <p:sp>
+        <p:nvSpPr>
+          <p:cNvPr id="29" name="Textfeld 28"/>
+          <p:cNvSpPr txBox="1"/>
+          <p:nvPr/>
+        </p:nvSpPr>
+        <p:spPr>
+          <a:xfrm>
+            <a:off x="3349136" y="4823640"/>
+            <a:ext cx="1688264" cy="738664"/>
+          </a:xfrm>
+          <a:prstGeom prst="rect">
+            <a:avLst/>
+          </a:prstGeom>
+          <a:noFill/>
+        </p:spPr>
+        <p:txBody>
+          <a:bodyPr wrap="square" rtlCol="0">
+            <a:spAutoFit/>
+          </a:bodyPr>
+          <a:lstStyle/>
+          <a:p>
+            <a:r>
+              <a:rPr lang="de-DE" sz="1400" dirty="0" smtClean="0"/>
+              <a:t>Type Client </a:t>
+            </a:r>
+            <a:r>
+              <a:rPr lang="de-DE" sz="1400" dirty="0" err="1" smtClean="0"/>
+              <a:t>is</a:t>
+            </a:r>
+            <a:endParaRPr lang="de-DE" sz="1400" dirty="0" smtClean="0"/>
+          </a:p>
+          <a:p>
+            <a:r>
+              <a:rPr lang="de-DE" sz="1400" dirty="0" smtClean="0"/>
+              <a:t>      - Chatroom</a:t>
+            </a:r>
+          </a:p>
+          <a:p>
+            <a:r>
+              <a:rPr lang="de-DE" sz="1400" dirty="0" smtClean="0"/>
+              <a:t>End type;</a:t>
+            </a:r>
+            <a:endParaRPr lang="de-DE" sz="1400" dirty="0"/>
+          </a:p>
+        </p:txBody>
+      </p:sp>
+      <p:sp>
+        <p:nvSpPr>
+          <p:cNvPr id="31" name="Rechteck 30"/>
+          <p:cNvSpPr/>
+          <p:nvPr/>
+        </p:nvSpPr>
+        <p:spPr>
+          <a:xfrm>
+            <a:off x="3357555" y="4823641"/>
+            <a:ext cx="1459684" cy="836039"/>
+          </a:xfrm>
+          <a:prstGeom prst="rect">
+            <a:avLst/>
+          </a:prstGeom>
+          <a:noFill/>
         </p:spPr>
         <p:style>
           <a:lnRef idx="2">
@@ -3052,9 +6327,253 @@
           <a:lstStyle/>
           <a:p>
             <a:pPr algn="ctr"/>
+            <a:endParaRPr lang="de-DE"/>
+          </a:p>
+        </p:txBody>
+      </p:sp>
+      <p:cxnSp>
+        <p:nvCxnSpPr>
+          <p:cNvPr id="7" name="Gerade Verbindung mit Pfeil 6"/>
+          <p:cNvCxnSpPr/>
+          <p:nvPr/>
+        </p:nvCxnSpPr>
+        <p:spPr>
+          <a:xfrm flipH="1">
+            <a:off x="5102154" y="3307593"/>
+            <a:ext cx="1236982" cy="1717413"/>
+          </a:xfrm>
+          <a:prstGeom prst="straightConnector1">
+            <a:avLst/>
+          </a:prstGeom>
+          <a:ln>
+            <a:tailEnd type="triangle"/>
+          </a:ln>
+        </p:spPr>
+        <p:style>
+          <a:lnRef idx="2">
+            <a:schemeClr val="accent2"/>
+          </a:lnRef>
+          <a:fillRef idx="0">
+            <a:schemeClr val="accent2"/>
+          </a:fillRef>
+          <a:effectRef idx="1">
+            <a:schemeClr val="accent2"/>
+          </a:effectRef>
+          <a:fontRef idx="minor">
+            <a:schemeClr val="tx1"/>
+          </a:fontRef>
+        </p:style>
+      </p:cxnSp>
+      <p:sp>
+        <p:nvSpPr>
+          <p:cNvPr id="36" name="Textfeld 35"/>
+          <p:cNvSpPr txBox="1"/>
+          <p:nvPr/>
+        </p:nvSpPr>
+        <p:spPr>
+          <a:xfrm rot="18339854">
+            <a:off x="4794195" y="3881325"/>
+            <a:ext cx="1718676" cy="307777"/>
+          </a:xfrm>
+          <a:prstGeom prst="rect">
+            <a:avLst/>
+          </a:prstGeom>
+          <a:noFill/>
+        </p:spPr>
+        <p:txBody>
+          <a:bodyPr wrap="none" rtlCol="0">
+            <a:spAutoFit/>
+          </a:bodyPr>
+          <a:lstStyle/>
+          <a:p>
+            <a:r>
+              <a:rPr lang="de-DE" sz="1400" dirty="0" err="1" smtClean="0"/>
+              <a:t>With</a:t>
+            </a:r>
+            <a:r>
+              <a:rPr lang="de-DE" sz="1400" dirty="0" smtClean="0"/>
+              <a:t> </a:t>
+            </a:r>
+            <a:r>
+              <a:rPr lang="de-DE" sz="1400" dirty="0" err="1" smtClean="0"/>
+              <a:t>ServerLogic.ads</a:t>
+            </a:r>
+            <a:endParaRPr lang="de-DE" sz="1400" dirty="0"/>
+          </a:p>
+        </p:txBody>
+      </p:sp>
+      <p:cxnSp>
+        <p:nvCxnSpPr>
+          <p:cNvPr id="5" name="Gerade Verbindung mit Pfeil 4"/>
+          <p:cNvCxnSpPr/>
+          <p:nvPr/>
+        </p:nvCxnSpPr>
+        <p:spPr>
+          <a:xfrm flipH="1" flipV="1">
+            <a:off x="1921079" y="3162650"/>
+            <a:ext cx="1266591" cy="2130803"/>
+          </a:xfrm>
+          <a:prstGeom prst="straightConnector1">
+            <a:avLst/>
+          </a:prstGeom>
+          <a:ln>
+            <a:tailEnd type="triangle"/>
+          </a:ln>
+        </p:spPr>
+        <p:style>
+          <a:lnRef idx="2">
+            <a:schemeClr val="accent2"/>
+          </a:lnRef>
+          <a:fillRef idx="0">
+            <a:schemeClr val="accent2"/>
+          </a:fillRef>
+          <a:effectRef idx="1">
+            <a:schemeClr val="accent2"/>
+          </a:effectRef>
+          <a:fontRef idx="minor">
+            <a:schemeClr val="tx1"/>
+          </a:fontRef>
+        </p:style>
+      </p:cxnSp>
+      <p:sp>
+        <p:nvSpPr>
+          <p:cNvPr id="25" name="Textfeld 24"/>
+          <p:cNvSpPr txBox="1"/>
+          <p:nvPr/>
+        </p:nvSpPr>
+        <p:spPr>
+          <a:xfrm rot="3539996">
+            <a:off x="1867451" y="4574216"/>
+            <a:ext cx="1677319" cy="307777"/>
+          </a:xfrm>
+          <a:prstGeom prst="rect">
+            <a:avLst/>
+          </a:prstGeom>
+          <a:noFill/>
+        </p:spPr>
+        <p:txBody>
+          <a:bodyPr wrap="none" rtlCol="0">
+            <a:spAutoFit/>
+          </a:bodyPr>
+          <a:lstStyle/>
+          <a:p>
+            <a:r>
+              <a:rPr lang="de-DE" sz="1400" dirty="0" err="1" smtClean="0"/>
+              <a:t>With</a:t>
+            </a:r>
+            <a:r>
+              <a:rPr lang="de-DE" sz="1400" dirty="0" smtClean="0"/>
+              <a:t> </a:t>
+            </a:r>
+            <a:r>
+              <a:rPr lang="de-DE" sz="1400" dirty="0" err="1" smtClean="0"/>
+              <a:t>Chatrooms.ads</a:t>
+            </a:r>
+            <a:endParaRPr lang="de-DE" sz="1400" dirty="0"/>
+          </a:p>
+        </p:txBody>
+      </p:sp>
+      <p:sp>
+        <p:nvSpPr>
+          <p:cNvPr id="26" name="Gewitterblitz 25"/>
+          <p:cNvSpPr/>
+          <p:nvPr/>
+        </p:nvSpPr>
+        <p:spPr>
+          <a:xfrm rot="20902562" flipH="1">
+            <a:off x="1654638" y="4681996"/>
+            <a:ext cx="926776" cy="995926"/>
+          </a:xfrm>
+          <a:prstGeom prst="lightningBolt">
+            <a:avLst/>
+          </a:prstGeom>
+          <a:solidFill>
+            <a:srgbClr val="FF0000"/>
+          </a:solidFill>
+        </p:spPr>
+        <p:style>
+          <a:lnRef idx="1">
+            <a:schemeClr val="accent2"/>
+          </a:lnRef>
+          <a:fillRef idx="3">
+            <a:schemeClr val="accent2"/>
+          </a:fillRef>
+          <a:effectRef idx="2">
+            <a:schemeClr val="accent2"/>
+          </a:effectRef>
+          <a:fontRef idx="minor">
+            <a:schemeClr val="lt1"/>
+          </a:fontRef>
+        </p:style>
+        <p:txBody>
+          <a:bodyPr rtlCol="0" anchor="ctr"/>
+          <a:lstStyle/>
+          <a:p>
+            <a:pPr algn="ctr"/>
+            <a:endParaRPr lang="de-DE"/>
+          </a:p>
+        </p:txBody>
+      </p:sp>
+    </p:spTree>
+    <p:extLst>
+      <p:ext uri="{BB962C8B-B14F-4D97-AF65-F5344CB8AC3E}">
+        <p14:creationId xmlns:p14="http://schemas.microsoft.com/office/powerpoint/2010/main" val="3589523350"/>
+      </p:ext>
+    </p:extLst>
+  </p:cSld>
+  <p:clrMapOvr>
+    <a:masterClrMapping/>
+  </p:clrMapOvr>
+  <p:timing>
+    <p:tnLst>
+      <p:par>
+        <p:cTn id="1" dur="indefinite" restart="never" nodeType="tmRoot"/>
+      </p:par>
+    </p:tnLst>
+  </p:timing>
+</p:sld>
+</file>
+
+<file path=ppt/slides/slide16.xml><?xml version="1.0" encoding="utf-8"?>
+<p:sld xmlns:a="http://schemas.openxmlformats.org/drawingml/2006/main" xmlns:r="http://schemas.openxmlformats.org/officeDocument/2006/relationships" xmlns:p="http://schemas.openxmlformats.org/presentationml/2006/main">
+  <p:cSld>
+    <p:spTree>
+      <p:nvGrpSpPr>
+        <p:cNvPr id="1" name=""/>
+        <p:cNvGrpSpPr/>
+        <p:nvPr/>
+      </p:nvGrpSpPr>
+      <p:grpSpPr>
+        <a:xfrm>
+          <a:off x="0" y="0"/>
+          <a:ext cx="0" cy="0"/>
+          <a:chOff x="0" y="0"/>
+          <a:chExt cx="0" cy="0"/>
+        </a:xfrm>
+      </p:grpSpPr>
+      <p:sp>
+        <p:nvSpPr>
+          <p:cNvPr id="2" name="Titel 1"/>
+          <p:cNvSpPr>
+            <a:spLocks noGrp="1"/>
+          </p:cNvSpPr>
+          <p:nvPr>
+            <p:ph type="title"/>
+          </p:nvPr>
+        </p:nvSpPr>
+        <p:spPr>
+          <a:xfrm>
+            <a:off x="360000" y="1317222"/>
+            <a:ext cx="8246118" cy="569556"/>
+          </a:xfrm>
+        </p:spPr>
+        <p:txBody>
+          <a:bodyPr/>
+          <a:lstStyle/>
+          <a:p>
             <a:r>
               <a:rPr lang="de-DE" dirty="0" smtClean="0"/>
-              <a:t>Client</a:t>
+              <a:t>Implementierungslogik – anderes Wort finden</a:t>
             </a:r>
             <a:endParaRPr lang="de-DE" dirty="0"/>
           </a:p>
@@ -3062,18 +6581,91 @@
       </p:sp>
       <p:sp>
         <p:nvSpPr>
-          <p:cNvPr id="35" name="Pfeil nach rechts 34"/>
+          <p:cNvPr id="6" name="Rechteck 5"/>
           <p:cNvSpPr/>
           <p:nvPr/>
         </p:nvSpPr>
         <p:spPr>
           <a:xfrm>
-            <a:off x="5939875" y="3677812"/>
-            <a:ext cx="978408" cy="484632"/>
-          </a:xfrm>
-          <a:prstGeom prst="rightArrow">
-            <a:avLst/>
-          </a:prstGeom>
+            <a:off x="553673" y="2224209"/>
+            <a:ext cx="1744911" cy="2176715"/>
+          </a:xfrm>
+          <a:prstGeom prst="rect">
+            <a:avLst/>
+          </a:prstGeom>
+          <a:noFill/>
+          <a:ln/>
+        </p:spPr>
+        <p:style>
+          <a:lnRef idx="2">
+            <a:schemeClr val="dk1">
+              <a:shade val="50000"/>
+            </a:schemeClr>
+          </a:lnRef>
+          <a:fillRef idx="1">
+            <a:schemeClr val="dk1"/>
+          </a:fillRef>
+          <a:effectRef idx="0">
+            <a:schemeClr val="dk1"/>
+          </a:effectRef>
+          <a:fontRef idx="minor">
+            <a:schemeClr val="lt1"/>
+          </a:fontRef>
+        </p:style>
+        <p:txBody>
+          <a:bodyPr rtlCol="0" anchor="ctr"/>
+          <a:lstStyle/>
+          <a:p>
+            <a:pPr algn="ctr"/>
+            <a:endParaRPr lang="de-DE"/>
+          </a:p>
+        </p:txBody>
+      </p:sp>
+      <p:sp>
+        <p:nvSpPr>
+          <p:cNvPr id="12" name="Textfeld 11"/>
+          <p:cNvSpPr txBox="1"/>
+          <p:nvPr/>
+        </p:nvSpPr>
+        <p:spPr>
+          <a:xfrm>
+            <a:off x="441114" y="1886778"/>
+            <a:ext cx="1593909" cy="369332"/>
+          </a:xfrm>
+          <a:prstGeom prst="rect">
+            <a:avLst/>
+          </a:prstGeom>
+          <a:noFill/>
+        </p:spPr>
+        <p:txBody>
+          <a:bodyPr wrap="square" rtlCol="0">
+            <a:spAutoFit/>
+          </a:bodyPr>
+          <a:lstStyle/>
+          <a:p>
+            <a:r>
+              <a:rPr lang="de-DE" dirty="0" err="1" smtClean="0"/>
+              <a:t>Chatrooms.ads</a:t>
+            </a:r>
+            <a:endParaRPr lang="de-DE" dirty="0"/>
+          </a:p>
+        </p:txBody>
+      </p:sp>
+      <p:sp>
+        <p:nvSpPr>
+          <p:cNvPr id="17" name="Rechteck 16"/>
+          <p:cNvSpPr/>
+          <p:nvPr/>
+        </p:nvSpPr>
+        <p:spPr>
+          <a:xfrm>
+            <a:off x="675169" y="2353487"/>
+            <a:ext cx="1459684" cy="738664"/>
+          </a:xfrm>
+          <a:prstGeom prst="rect">
+            <a:avLst/>
+          </a:prstGeom>
+          <a:noFill/>
         </p:spPr>
         <p:style>
           <a:lnRef idx="2">
@@ -3102,18 +6694,138 @@
       </p:sp>
       <p:sp>
         <p:nvSpPr>
-          <p:cNvPr id="36" name="Pfeil nach rechts 35"/>
+          <p:cNvPr id="19" name="Textfeld 18"/>
+          <p:cNvSpPr txBox="1"/>
+          <p:nvPr/>
+        </p:nvSpPr>
+        <p:spPr>
+          <a:xfrm>
+            <a:off x="675169" y="2353486"/>
+            <a:ext cx="1688264" cy="738664"/>
+          </a:xfrm>
+          <a:prstGeom prst="rect">
+            <a:avLst/>
+          </a:prstGeom>
+          <a:noFill/>
+        </p:spPr>
+        <p:txBody>
+          <a:bodyPr wrap="square" rtlCol="0">
+            <a:spAutoFit/>
+          </a:bodyPr>
+          <a:lstStyle/>
+          <a:p>
+            <a:r>
+              <a:rPr lang="de-DE" sz="1400" dirty="0" smtClean="0"/>
+              <a:t>Type Chatroom </a:t>
+            </a:r>
+            <a:r>
+              <a:rPr lang="de-DE" sz="1400" dirty="0" err="1" smtClean="0"/>
+              <a:t>is</a:t>
+            </a:r>
+            <a:endParaRPr lang="de-DE" sz="1400" dirty="0" smtClean="0"/>
+          </a:p>
+          <a:p>
+            <a:r>
+              <a:rPr lang="de-DE" sz="1400" dirty="0" smtClean="0"/>
+              <a:t>      - Client</a:t>
+            </a:r>
+          </a:p>
+          <a:p>
+            <a:r>
+              <a:rPr lang="de-DE" sz="1400" dirty="0" smtClean="0"/>
+              <a:t>End type;</a:t>
+            </a:r>
+            <a:endParaRPr lang="de-DE" sz="1400" dirty="0"/>
+          </a:p>
+        </p:txBody>
+      </p:sp>
+      <p:sp>
+        <p:nvSpPr>
+          <p:cNvPr id="38" name="Rechteck 37"/>
           <p:cNvSpPr/>
           <p:nvPr/>
         </p:nvSpPr>
         <p:spPr>
-          <a:xfrm rot="5400000">
-            <a:off x="7240276" y="4877427"/>
-            <a:ext cx="978408" cy="484632"/>
-          </a:xfrm>
-          <a:prstGeom prst="rightArrow">
-            <a:avLst/>
-          </a:prstGeom>
+          <a:xfrm>
+            <a:off x="6204911" y="2224209"/>
+            <a:ext cx="2293137" cy="2725658"/>
+          </a:xfrm>
+          <a:prstGeom prst="rect">
+            <a:avLst/>
+          </a:prstGeom>
+          <a:noFill/>
+          <a:ln/>
+        </p:spPr>
+        <p:style>
+          <a:lnRef idx="2">
+            <a:schemeClr val="dk1">
+              <a:shade val="50000"/>
+            </a:schemeClr>
+          </a:lnRef>
+          <a:fillRef idx="1">
+            <a:schemeClr val="dk1"/>
+          </a:fillRef>
+          <a:effectRef idx="0">
+            <a:schemeClr val="dk1"/>
+          </a:effectRef>
+          <a:fontRef idx="minor">
+            <a:schemeClr val="lt1"/>
+          </a:fontRef>
+        </p:style>
+        <p:txBody>
+          <a:bodyPr rtlCol="0" anchor="ctr"/>
+          <a:lstStyle/>
+          <a:p>
+            <a:pPr algn="ctr"/>
+            <a:endParaRPr lang="de-DE"/>
+          </a:p>
+        </p:txBody>
+      </p:sp>
+      <p:sp>
+        <p:nvSpPr>
+          <p:cNvPr id="39" name="Textfeld 38"/>
+          <p:cNvSpPr txBox="1"/>
+          <p:nvPr/>
+        </p:nvSpPr>
+        <p:spPr>
+          <a:xfrm>
+            <a:off x="6105081" y="1886778"/>
+            <a:ext cx="1629569" cy="369332"/>
+          </a:xfrm>
+          <a:prstGeom prst="rect">
+            <a:avLst/>
+          </a:prstGeom>
+          <a:noFill/>
+        </p:spPr>
+        <p:txBody>
+          <a:bodyPr wrap="square" rtlCol="0">
+            <a:spAutoFit/>
+          </a:bodyPr>
+          <a:lstStyle/>
+          <a:p>
+            <a:r>
+              <a:rPr lang="de-DE" dirty="0" err="1" smtClean="0"/>
+              <a:t>ServerLogic.ads</a:t>
+            </a:r>
+            <a:endParaRPr lang="de-DE" dirty="0"/>
+          </a:p>
+        </p:txBody>
+      </p:sp>
+      <p:sp>
+        <p:nvSpPr>
+          <p:cNvPr id="40" name="Rechteck 39"/>
+          <p:cNvSpPr/>
+          <p:nvPr/>
+        </p:nvSpPr>
+        <p:spPr>
+          <a:xfrm>
+            <a:off x="6339136" y="2353487"/>
+            <a:ext cx="1459684" cy="954106"/>
+          </a:xfrm>
+          <a:prstGeom prst="rect">
+            <a:avLst/>
+          </a:prstGeom>
+          <a:noFill/>
         </p:spPr>
         <p:style>
           <a:lnRef idx="2">
@@ -3142,18 +6854,339 @@
       </p:sp>
       <p:sp>
         <p:nvSpPr>
-          <p:cNvPr id="37" name="Pfeil nach rechts 36"/>
+          <p:cNvPr id="41" name="Textfeld 40"/>
+          <p:cNvSpPr txBox="1"/>
+          <p:nvPr/>
+        </p:nvSpPr>
+        <p:spPr>
+          <a:xfrm>
+            <a:off x="6339136" y="2353486"/>
+            <a:ext cx="1688264" cy="954107"/>
+          </a:xfrm>
+          <a:prstGeom prst="rect">
+            <a:avLst/>
+          </a:prstGeom>
+          <a:noFill/>
+        </p:spPr>
+        <p:txBody>
+          <a:bodyPr wrap="square" rtlCol="0">
+            <a:spAutoFit/>
+          </a:bodyPr>
+          <a:lstStyle/>
+          <a:p>
+            <a:r>
+              <a:rPr lang="de-DE" sz="1400" dirty="0" smtClean="0"/>
+              <a:t>Type Server </a:t>
+            </a:r>
+            <a:r>
+              <a:rPr lang="de-DE" sz="1400" dirty="0" err="1" smtClean="0"/>
+              <a:t>is</a:t>
+            </a:r>
+            <a:endParaRPr lang="de-DE" sz="1400" dirty="0" smtClean="0"/>
+          </a:p>
+          <a:p>
+            <a:r>
+              <a:rPr lang="de-DE" sz="1400" dirty="0" smtClean="0"/>
+              <a:t>      - Client</a:t>
+            </a:r>
+          </a:p>
+          <a:p>
+            <a:r>
+              <a:rPr lang="de-DE" sz="1400" dirty="0"/>
+              <a:t> </a:t>
+            </a:r>
+            <a:r>
+              <a:rPr lang="de-DE" sz="1400" dirty="0" smtClean="0"/>
+              <a:t>     - Chatroom</a:t>
+            </a:r>
+          </a:p>
+          <a:p>
+            <a:r>
+              <a:rPr lang="de-DE" sz="1400" dirty="0" smtClean="0"/>
+              <a:t>End type;</a:t>
+            </a:r>
+            <a:endParaRPr lang="de-DE" sz="1400" dirty="0"/>
+          </a:p>
+        </p:txBody>
+      </p:sp>
+      <p:cxnSp>
+        <p:nvCxnSpPr>
+          <p:cNvPr id="2069" name="Gerade Verbindung mit Pfeil 2068"/>
+          <p:cNvCxnSpPr/>
+          <p:nvPr/>
+        </p:nvCxnSpPr>
+        <p:spPr>
+          <a:xfrm>
+            <a:off x="2134853" y="2995232"/>
+            <a:ext cx="1222702" cy="2123715"/>
+          </a:xfrm>
+          <a:prstGeom prst="straightConnector1">
+            <a:avLst/>
+          </a:prstGeom>
+          <a:ln>
+            <a:tailEnd type="triangle"/>
+          </a:ln>
+        </p:spPr>
+        <p:style>
+          <a:lnRef idx="2">
+            <a:schemeClr val="accent2"/>
+          </a:lnRef>
+          <a:fillRef idx="0">
+            <a:schemeClr val="accent2"/>
+          </a:fillRef>
+          <a:effectRef idx="1">
+            <a:schemeClr val="accent2"/>
+          </a:effectRef>
+          <a:fontRef idx="minor">
+            <a:schemeClr val="tx1"/>
+          </a:fontRef>
+        </p:style>
+      </p:cxnSp>
+      <p:cxnSp>
+        <p:nvCxnSpPr>
+          <p:cNvPr id="2071" name="Gerade Verbindung mit Pfeil 2070"/>
+          <p:cNvCxnSpPr>
+            <a:stCxn id="41" idx="1"/>
+          </p:cNvCxnSpPr>
+          <p:nvPr/>
+        </p:nvCxnSpPr>
+        <p:spPr>
+          <a:xfrm flipH="1" flipV="1">
+            <a:off x="2134853" y="2810675"/>
+            <a:ext cx="4204283" cy="19865"/>
+          </a:xfrm>
+          <a:prstGeom prst="straightConnector1">
+            <a:avLst/>
+          </a:prstGeom>
+          <a:ln>
+            <a:tailEnd type="triangle"/>
+          </a:ln>
+        </p:spPr>
+        <p:style>
+          <a:lnRef idx="2">
+            <a:schemeClr val="accent2"/>
+          </a:lnRef>
+          <a:fillRef idx="0">
+            <a:schemeClr val="accent2"/>
+          </a:fillRef>
+          <a:effectRef idx="1">
+            <a:schemeClr val="accent2"/>
+          </a:effectRef>
+          <a:fontRef idx="minor">
+            <a:schemeClr val="tx1"/>
+          </a:fontRef>
+        </p:style>
+      </p:cxnSp>
+      <p:sp>
+        <p:nvSpPr>
+          <p:cNvPr id="3" name="Textfeld 2"/>
+          <p:cNvSpPr txBox="1"/>
+          <p:nvPr/>
+        </p:nvSpPr>
+        <p:spPr>
+          <a:xfrm rot="3596617">
+            <a:off x="2154106" y="3862159"/>
+            <a:ext cx="1372427" cy="307777"/>
+          </a:xfrm>
+          <a:prstGeom prst="rect">
+            <a:avLst/>
+          </a:prstGeom>
+          <a:noFill/>
+        </p:spPr>
+        <p:txBody>
+          <a:bodyPr wrap="none" rtlCol="0">
+            <a:spAutoFit/>
+          </a:bodyPr>
+          <a:lstStyle/>
+          <a:p>
+            <a:r>
+              <a:rPr lang="de-DE" sz="1400" dirty="0" err="1" smtClean="0"/>
+              <a:t>With</a:t>
+            </a:r>
+            <a:r>
+              <a:rPr lang="de-DE" sz="1400" dirty="0" smtClean="0"/>
+              <a:t> </a:t>
+            </a:r>
+            <a:r>
+              <a:rPr lang="de-DE" sz="1400" dirty="0" err="1" smtClean="0"/>
+              <a:t>Clients.ads</a:t>
+            </a:r>
+            <a:endParaRPr lang="de-DE" sz="1400" dirty="0"/>
+          </a:p>
+        </p:txBody>
+      </p:sp>
+      <p:sp>
+        <p:nvSpPr>
+          <p:cNvPr id="20" name="Textfeld 19"/>
+          <p:cNvSpPr txBox="1"/>
+          <p:nvPr/>
+        </p:nvSpPr>
+        <p:spPr>
+          <a:xfrm>
+            <a:off x="3424834" y="2527910"/>
+            <a:ext cx="1677319" cy="307777"/>
+          </a:xfrm>
+          <a:prstGeom prst="rect">
+            <a:avLst/>
+          </a:prstGeom>
+          <a:noFill/>
+        </p:spPr>
+        <p:txBody>
+          <a:bodyPr wrap="none" rtlCol="0">
+            <a:spAutoFit/>
+          </a:bodyPr>
+          <a:lstStyle/>
+          <a:p>
+            <a:r>
+              <a:rPr lang="de-DE" sz="1400" dirty="0" err="1" smtClean="0"/>
+              <a:t>With</a:t>
+            </a:r>
+            <a:r>
+              <a:rPr lang="de-DE" sz="1400" dirty="0" smtClean="0"/>
+              <a:t> </a:t>
+            </a:r>
+            <a:r>
+              <a:rPr lang="de-DE" sz="1400" dirty="0" err="1" smtClean="0"/>
+              <a:t>Chatrooms.ads</a:t>
+            </a:r>
+            <a:endParaRPr lang="de-DE" sz="1400" dirty="0"/>
+          </a:p>
+        </p:txBody>
+      </p:sp>
+      <p:sp>
+        <p:nvSpPr>
+          <p:cNvPr id="27" name="Rechteck 26"/>
           <p:cNvSpPr/>
           <p:nvPr/>
         </p:nvSpPr>
         <p:spPr>
-          <a:xfrm rot="10800000">
-            <a:off x="5939875" y="4300861"/>
-            <a:ext cx="978408" cy="484632"/>
-          </a:xfrm>
-          <a:prstGeom prst="rightArrow">
-            <a:avLst/>
-          </a:prstGeom>
+          <a:xfrm>
+            <a:off x="3257489" y="4726264"/>
+            <a:ext cx="1779911" cy="1662076"/>
+          </a:xfrm>
+          <a:prstGeom prst="rect">
+            <a:avLst/>
+          </a:prstGeom>
+          <a:noFill/>
+          <a:ln/>
+        </p:spPr>
+        <p:style>
+          <a:lnRef idx="2">
+            <a:schemeClr val="dk1">
+              <a:shade val="50000"/>
+            </a:schemeClr>
+          </a:lnRef>
+          <a:fillRef idx="1">
+            <a:schemeClr val="dk1"/>
+          </a:fillRef>
+          <a:effectRef idx="0">
+            <a:schemeClr val="dk1"/>
+          </a:effectRef>
+          <a:fontRef idx="minor">
+            <a:schemeClr val="lt1"/>
+          </a:fontRef>
+        </p:style>
+        <p:txBody>
+          <a:bodyPr rtlCol="0" anchor="ctr"/>
+          <a:lstStyle/>
+          <a:p>
+            <a:pPr algn="ctr"/>
+            <a:endParaRPr lang="de-DE"/>
+          </a:p>
+        </p:txBody>
+      </p:sp>
+      <p:sp>
+        <p:nvSpPr>
+          <p:cNvPr id="28" name="Textfeld 27"/>
+          <p:cNvSpPr txBox="1"/>
+          <p:nvPr/>
+        </p:nvSpPr>
+        <p:spPr>
+          <a:xfrm>
+            <a:off x="3187670" y="4400924"/>
+            <a:ext cx="1629569" cy="369332"/>
+          </a:xfrm>
+          <a:prstGeom prst="rect">
+            <a:avLst/>
+          </a:prstGeom>
+          <a:noFill/>
+        </p:spPr>
+        <p:txBody>
+          <a:bodyPr wrap="square" rtlCol="0">
+            <a:spAutoFit/>
+          </a:bodyPr>
+          <a:lstStyle/>
+          <a:p>
+            <a:r>
+              <a:rPr lang="de-DE" dirty="0" err="1" smtClean="0"/>
+              <a:t>Clients.ads</a:t>
+            </a:r>
+            <a:endParaRPr lang="de-DE" dirty="0"/>
+          </a:p>
+        </p:txBody>
+      </p:sp>
+      <p:sp>
+        <p:nvSpPr>
+          <p:cNvPr id="29" name="Textfeld 28"/>
+          <p:cNvSpPr txBox="1"/>
+          <p:nvPr/>
+        </p:nvSpPr>
+        <p:spPr>
+          <a:xfrm>
+            <a:off x="3349136" y="4823640"/>
+            <a:ext cx="1688264" cy="738664"/>
+          </a:xfrm>
+          <a:prstGeom prst="rect">
+            <a:avLst/>
+          </a:prstGeom>
+          <a:noFill/>
+        </p:spPr>
+        <p:txBody>
+          <a:bodyPr wrap="square" rtlCol="0">
+            <a:spAutoFit/>
+          </a:bodyPr>
+          <a:lstStyle/>
+          <a:p>
+            <a:r>
+              <a:rPr lang="de-DE" sz="1400" dirty="0" smtClean="0"/>
+              <a:t>Type Client </a:t>
+            </a:r>
+            <a:r>
+              <a:rPr lang="de-DE" sz="1400" dirty="0" err="1" smtClean="0"/>
+              <a:t>is</a:t>
+            </a:r>
+            <a:endParaRPr lang="de-DE" sz="1400" dirty="0" smtClean="0"/>
+          </a:p>
+          <a:p>
+            <a:r>
+              <a:rPr lang="de-DE" sz="1400" dirty="0" smtClean="0"/>
+              <a:t>      - Chatroom</a:t>
+            </a:r>
+          </a:p>
+          <a:p>
+            <a:r>
+              <a:rPr lang="de-DE" sz="1400" dirty="0" smtClean="0"/>
+              <a:t>End type;</a:t>
+            </a:r>
+            <a:endParaRPr lang="de-DE" sz="1400" dirty="0"/>
+          </a:p>
+        </p:txBody>
+      </p:sp>
+      <p:sp>
+        <p:nvSpPr>
+          <p:cNvPr id="31" name="Rechteck 30"/>
+          <p:cNvSpPr/>
+          <p:nvPr/>
+        </p:nvSpPr>
+        <p:spPr>
+          <a:xfrm>
+            <a:off x="3357555" y="4823641"/>
+            <a:ext cx="1459684" cy="836039"/>
+          </a:xfrm>
+          <a:prstGeom prst="rect">
+            <a:avLst/>
+          </a:prstGeom>
+          <a:noFill/>
         </p:spPr>
         <p:style>
           <a:lnRef idx="2">
@@ -3180,10 +7213,2928 @@
           </a:p>
         </p:txBody>
       </p:sp>
+      <p:cxnSp>
+        <p:nvCxnSpPr>
+          <p:cNvPr id="7" name="Gerade Verbindung mit Pfeil 6"/>
+          <p:cNvCxnSpPr/>
+          <p:nvPr/>
+        </p:nvCxnSpPr>
+        <p:spPr>
+          <a:xfrm flipH="1">
+            <a:off x="5102154" y="3307593"/>
+            <a:ext cx="1236982" cy="1717413"/>
+          </a:xfrm>
+          <a:prstGeom prst="straightConnector1">
+            <a:avLst/>
+          </a:prstGeom>
+          <a:ln>
+            <a:tailEnd type="triangle"/>
+          </a:ln>
+        </p:spPr>
+        <p:style>
+          <a:lnRef idx="2">
+            <a:schemeClr val="accent2"/>
+          </a:lnRef>
+          <a:fillRef idx="0">
+            <a:schemeClr val="accent2"/>
+          </a:fillRef>
+          <a:effectRef idx="1">
+            <a:schemeClr val="accent2"/>
+          </a:effectRef>
+          <a:fontRef idx="minor">
+            <a:schemeClr val="tx1"/>
+          </a:fontRef>
+        </p:style>
+      </p:cxnSp>
+      <p:sp>
+        <p:nvSpPr>
+          <p:cNvPr id="36" name="Textfeld 35"/>
+          <p:cNvSpPr txBox="1"/>
+          <p:nvPr/>
+        </p:nvSpPr>
+        <p:spPr>
+          <a:xfrm rot="18339854">
+            <a:off x="4794195" y="3881325"/>
+            <a:ext cx="1718676" cy="307777"/>
+          </a:xfrm>
+          <a:prstGeom prst="rect">
+            <a:avLst/>
+          </a:prstGeom>
+          <a:noFill/>
+        </p:spPr>
+        <p:txBody>
+          <a:bodyPr wrap="none" rtlCol="0">
+            <a:spAutoFit/>
+          </a:bodyPr>
+          <a:lstStyle/>
+          <a:p>
+            <a:r>
+              <a:rPr lang="de-DE" sz="1400" dirty="0" err="1" smtClean="0"/>
+              <a:t>With</a:t>
+            </a:r>
+            <a:r>
+              <a:rPr lang="de-DE" sz="1400" dirty="0" smtClean="0"/>
+              <a:t> </a:t>
+            </a:r>
+            <a:r>
+              <a:rPr lang="de-DE" sz="1400" dirty="0" err="1" smtClean="0"/>
+              <a:t>ServerLogic.ads</a:t>
+            </a:r>
+            <a:endParaRPr lang="de-DE" sz="1400" dirty="0"/>
+          </a:p>
+        </p:txBody>
+      </p:sp>
+      <p:cxnSp>
+        <p:nvCxnSpPr>
+          <p:cNvPr id="5" name="Gerade Verbindung mit Pfeil 4"/>
+          <p:cNvCxnSpPr/>
+          <p:nvPr/>
+        </p:nvCxnSpPr>
+        <p:spPr>
+          <a:xfrm flipH="1" flipV="1">
+            <a:off x="1921079" y="3162650"/>
+            <a:ext cx="1266591" cy="2130803"/>
+          </a:xfrm>
+          <a:prstGeom prst="straightConnector1">
+            <a:avLst/>
+          </a:prstGeom>
+          <a:ln>
+            <a:prstDash val="sysDash"/>
+            <a:tailEnd type="triangle"/>
+          </a:ln>
+        </p:spPr>
+        <p:style>
+          <a:lnRef idx="2">
+            <a:schemeClr val="accent2"/>
+          </a:lnRef>
+          <a:fillRef idx="0">
+            <a:schemeClr val="accent2"/>
+          </a:fillRef>
+          <a:effectRef idx="1">
+            <a:schemeClr val="accent2"/>
+          </a:effectRef>
+          <a:fontRef idx="minor">
+            <a:schemeClr val="tx1"/>
+          </a:fontRef>
+        </p:style>
+      </p:cxnSp>
+      <p:sp>
+        <p:nvSpPr>
+          <p:cNvPr id="25" name="Textfeld 24"/>
+          <p:cNvSpPr txBox="1"/>
+          <p:nvPr/>
+        </p:nvSpPr>
+        <p:spPr>
+          <a:xfrm rot="3539996">
+            <a:off x="2057194" y="4606022"/>
+            <a:ext cx="1279774" cy="523220"/>
+          </a:xfrm>
+          <a:prstGeom prst="rect">
+            <a:avLst/>
+          </a:prstGeom>
+          <a:noFill/>
+        </p:spPr>
+        <p:txBody>
+          <a:bodyPr wrap="none" rtlCol="0">
+            <a:spAutoFit/>
+          </a:bodyPr>
+          <a:lstStyle/>
+          <a:p>
+            <a:r>
+              <a:rPr lang="de-DE" sz="1400" dirty="0" smtClean="0"/>
+              <a:t>Limited </a:t>
+            </a:r>
+            <a:r>
+              <a:rPr lang="de-DE" sz="1400" dirty="0" err="1" smtClean="0"/>
+              <a:t>with</a:t>
+            </a:r>
+            <a:r>
+              <a:rPr lang="de-DE" sz="1400" dirty="0" smtClean="0"/>
+              <a:t> </a:t>
+            </a:r>
+          </a:p>
+          <a:p>
+            <a:r>
+              <a:rPr lang="de-DE" sz="1400" dirty="0" err="1" smtClean="0"/>
+              <a:t>Chatrooms.ads</a:t>
+            </a:r>
+            <a:endParaRPr lang="de-DE" sz="1400" dirty="0"/>
+          </a:p>
+        </p:txBody>
+      </p:sp>
     </p:spTree>
     <p:extLst>
       <p:ext uri="{BB962C8B-B14F-4D97-AF65-F5344CB8AC3E}">
-        <p14:creationId xmlns:p14="http://schemas.microsoft.com/office/powerpoint/2010/main" val="3629875903"/>
+        <p14:creationId xmlns:p14="http://schemas.microsoft.com/office/powerpoint/2010/main" val="2260166286"/>
+      </p:ext>
+    </p:extLst>
+  </p:cSld>
+  <p:clrMapOvr>
+    <a:masterClrMapping/>
+  </p:clrMapOvr>
+  <p:timing>
+    <p:tnLst>
+      <p:par>
+        <p:cTn id="1" dur="indefinite" restart="never" nodeType="tmRoot"/>
+      </p:par>
+    </p:tnLst>
+  </p:timing>
+</p:sld>
+</file>
+
+<file path=ppt/slides/slide17.xml><?xml version="1.0" encoding="utf-8"?>
+<p:sld xmlns:a="http://schemas.openxmlformats.org/drawingml/2006/main" xmlns:r="http://schemas.openxmlformats.org/officeDocument/2006/relationships" xmlns:p="http://schemas.openxmlformats.org/presentationml/2006/main">
+  <p:cSld>
+    <p:spTree>
+      <p:nvGrpSpPr>
+        <p:cNvPr id="1" name=""/>
+        <p:cNvGrpSpPr/>
+        <p:nvPr/>
+      </p:nvGrpSpPr>
+      <p:grpSpPr>
+        <a:xfrm>
+          <a:off x="0" y="0"/>
+          <a:ext cx="0" cy="0"/>
+          <a:chOff x="0" y="0"/>
+          <a:chExt cx="0" cy="0"/>
+        </a:xfrm>
+      </p:grpSpPr>
+      <p:sp>
+        <p:nvSpPr>
+          <p:cNvPr id="2" name="Titel 1"/>
+          <p:cNvSpPr>
+            <a:spLocks noGrp="1"/>
+          </p:cNvSpPr>
+          <p:nvPr>
+            <p:ph type="title"/>
+          </p:nvPr>
+        </p:nvSpPr>
+        <p:spPr>
+          <a:xfrm>
+            <a:off x="360000" y="1317222"/>
+            <a:ext cx="8246118" cy="569556"/>
+          </a:xfrm>
+        </p:spPr>
+        <p:txBody>
+          <a:bodyPr/>
+          <a:lstStyle/>
+          <a:p>
+            <a:r>
+              <a:rPr lang="de-DE" dirty="0" smtClean="0"/>
+              <a:t>Implementierungslogik – anderes Wort finden</a:t>
+            </a:r>
+            <a:endParaRPr lang="de-DE" dirty="0"/>
+          </a:p>
+        </p:txBody>
+      </p:sp>
+      <p:sp>
+        <p:nvSpPr>
+          <p:cNvPr id="6" name="Rechteck 5"/>
+          <p:cNvSpPr/>
+          <p:nvPr/>
+        </p:nvSpPr>
+        <p:spPr>
+          <a:xfrm>
+            <a:off x="553673" y="2224209"/>
+            <a:ext cx="1744911" cy="2176715"/>
+          </a:xfrm>
+          <a:prstGeom prst="rect">
+            <a:avLst/>
+          </a:prstGeom>
+          <a:noFill/>
+          <a:ln/>
+        </p:spPr>
+        <p:style>
+          <a:lnRef idx="2">
+            <a:schemeClr val="dk1">
+              <a:shade val="50000"/>
+            </a:schemeClr>
+          </a:lnRef>
+          <a:fillRef idx="1">
+            <a:schemeClr val="dk1"/>
+          </a:fillRef>
+          <a:effectRef idx="0">
+            <a:schemeClr val="dk1"/>
+          </a:effectRef>
+          <a:fontRef idx="minor">
+            <a:schemeClr val="lt1"/>
+          </a:fontRef>
+        </p:style>
+        <p:txBody>
+          <a:bodyPr rtlCol="0" anchor="ctr"/>
+          <a:lstStyle/>
+          <a:p>
+            <a:pPr algn="ctr"/>
+            <a:endParaRPr lang="de-DE"/>
+          </a:p>
+        </p:txBody>
+      </p:sp>
+      <p:sp>
+        <p:nvSpPr>
+          <p:cNvPr id="12" name="Textfeld 11"/>
+          <p:cNvSpPr txBox="1"/>
+          <p:nvPr/>
+        </p:nvSpPr>
+        <p:spPr>
+          <a:xfrm>
+            <a:off x="441114" y="1886778"/>
+            <a:ext cx="1593909" cy="369332"/>
+          </a:xfrm>
+          <a:prstGeom prst="rect">
+            <a:avLst/>
+          </a:prstGeom>
+          <a:noFill/>
+        </p:spPr>
+        <p:txBody>
+          <a:bodyPr wrap="square" rtlCol="0">
+            <a:spAutoFit/>
+          </a:bodyPr>
+          <a:lstStyle/>
+          <a:p>
+            <a:r>
+              <a:rPr lang="de-DE" dirty="0" err="1" smtClean="0"/>
+              <a:t>Chatrooms.ads</a:t>
+            </a:r>
+            <a:endParaRPr lang="de-DE" dirty="0"/>
+          </a:p>
+        </p:txBody>
+      </p:sp>
+      <p:sp>
+        <p:nvSpPr>
+          <p:cNvPr id="17" name="Rechteck 16"/>
+          <p:cNvSpPr/>
+          <p:nvPr/>
+        </p:nvSpPr>
+        <p:spPr>
+          <a:xfrm>
+            <a:off x="675169" y="2353487"/>
+            <a:ext cx="1459684" cy="738664"/>
+          </a:xfrm>
+          <a:prstGeom prst="rect">
+            <a:avLst/>
+          </a:prstGeom>
+          <a:noFill/>
+        </p:spPr>
+        <p:style>
+          <a:lnRef idx="2">
+            <a:schemeClr val="accent1">
+              <a:shade val="50000"/>
+            </a:schemeClr>
+          </a:lnRef>
+          <a:fillRef idx="1">
+            <a:schemeClr val="accent1"/>
+          </a:fillRef>
+          <a:effectRef idx="0">
+            <a:schemeClr val="accent1"/>
+          </a:effectRef>
+          <a:fontRef idx="minor">
+            <a:schemeClr val="lt1"/>
+          </a:fontRef>
+        </p:style>
+        <p:txBody>
+          <a:bodyPr rtlCol="0" anchor="ctr"/>
+          <a:lstStyle/>
+          <a:p>
+            <a:pPr algn="ctr"/>
+            <a:endParaRPr lang="de-DE"/>
+          </a:p>
+        </p:txBody>
+      </p:sp>
+      <p:sp>
+        <p:nvSpPr>
+          <p:cNvPr id="19" name="Textfeld 18"/>
+          <p:cNvSpPr txBox="1"/>
+          <p:nvPr/>
+        </p:nvSpPr>
+        <p:spPr>
+          <a:xfrm>
+            <a:off x="675169" y="2353486"/>
+            <a:ext cx="1688264" cy="738664"/>
+          </a:xfrm>
+          <a:prstGeom prst="rect">
+            <a:avLst/>
+          </a:prstGeom>
+          <a:noFill/>
+        </p:spPr>
+        <p:txBody>
+          <a:bodyPr wrap="square" rtlCol="0">
+            <a:spAutoFit/>
+          </a:bodyPr>
+          <a:lstStyle/>
+          <a:p>
+            <a:r>
+              <a:rPr lang="de-DE" sz="1400" dirty="0" smtClean="0"/>
+              <a:t>Type Chatroom </a:t>
+            </a:r>
+            <a:r>
+              <a:rPr lang="de-DE" sz="1400" dirty="0" err="1" smtClean="0"/>
+              <a:t>is</a:t>
+            </a:r>
+            <a:endParaRPr lang="de-DE" sz="1400" dirty="0" smtClean="0"/>
+          </a:p>
+          <a:p>
+            <a:r>
+              <a:rPr lang="de-DE" sz="1400" dirty="0" smtClean="0"/>
+              <a:t>      - Client</a:t>
+            </a:r>
+          </a:p>
+          <a:p>
+            <a:r>
+              <a:rPr lang="de-DE" sz="1400" dirty="0" smtClean="0"/>
+              <a:t>End type;</a:t>
+            </a:r>
+            <a:endParaRPr lang="de-DE" sz="1400" dirty="0"/>
+          </a:p>
+        </p:txBody>
+      </p:sp>
+      <p:sp>
+        <p:nvSpPr>
+          <p:cNvPr id="38" name="Rechteck 37"/>
+          <p:cNvSpPr/>
+          <p:nvPr/>
+        </p:nvSpPr>
+        <p:spPr>
+          <a:xfrm>
+            <a:off x="6204911" y="2224209"/>
+            <a:ext cx="2293137" cy="2725658"/>
+          </a:xfrm>
+          <a:prstGeom prst="rect">
+            <a:avLst/>
+          </a:prstGeom>
+          <a:noFill/>
+          <a:ln/>
+        </p:spPr>
+        <p:style>
+          <a:lnRef idx="2">
+            <a:schemeClr val="dk1">
+              <a:shade val="50000"/>
+            </a:schemeClr>
+          </a:lnRef>
+          <a:fillRef idx="1">
+            <a:schemeClr val="dk1"/>
+          </a:fillRef>
+          <a:effectRef idx="0">
+            <a:schemeClr val="dk1"/>
+          </a:effectRef>
+          <a:fontRef idx="minor">
+            <a:schemeClr val="lt1"/>
+          </a:fontRef>
+        </p:style>
+        <p:txBody>
+          <a:bodyPr rtlCol="0" anchor="ctr"/>
+          <a:lstStyle/>
+          <a:p>
+            <a:pPr algn="ctr"/>
+            <a:endParaRPr lang="de-DE"/>
+          </a:p>
+        </p:txBody>
+      </p:sp>
+      <p:sp>
+        <p:nvSpPr>
+          <p:cNvPr id="39" name="Textfeld 38"/>
+          <p:cNvSpPr txBox="1"/>
+          <p:nvPr/>
+        </p:nvSpPr>
+        <p:spPr>
+          <a:xfrm>
+            <a:off x="6105081" y="1886778"/>
+            <a:ext cx="1629569" cy="369332"/>
+          </a:xfrm>
+          <a:prstGeom prst="rect">
+            <a:avLst/>
+          </a:prstGeom>
+          <a:noFill/>
+        </p:spPr>
+        <p:txBody>
+          <a:bodyPr wrap="square" rtlCol="0">
+            <a:spAutoFit/>
+          </a:bodyPr>
+          <a:lstStyle/>
+          <a:p>
+            <a:r>
+              <a:rPr lang="de-DE" dirty="0" err="1" smtClean="0"/>
+              <a:t>ServerLogic.ads</a:t>
+            </a:r>
+            <a:endParaRPr lang="de-DE" dirty="0"/>
+          </a:p>
+        </p:txBody>
+      </p:sp>
+      <p:sp>
+        <p:nvSpPr>
+          <p:cNvPr id="40" name="Rechteck 39"/>
+          <p:cNvSpPr/>
+          <p:nvPr/>
+        </p:nvSpPr>
+        <p:spPr>
+          <a:xfrm>
+            <a:off x="6339136" y="2353487"/>
+            <a:ext cx="1459684" cy="954106"/>
+          </a:xfrm>
+          <a:prstGeom prst="rect">
+            <a:avLst/>
+          </a:prstGeom>
+          <a:noFill/>
+        </p:spPr>
+        <p:style>
+          <a:lnRef idx="2">
+            <a:schemeClr val="accent1">
+              <a:shade val="50000"/>
+            </a:schemeClr>
+          </a:lnRef>
+          <a:fillRef idx="1">
+            <a:schemeClr val="accent1"/>
+          </a:fillRef>
+          <a:effectRef idx="0">
+            <a:schemeClr val="accent1"/>
+          </a:effectRef>
+          <a:fontRef idx="minor">
+            <a:schemeClr val="lt1"/>
+          </a:fontRef>
+        </p:style>
+        <p:txBody>
+          <a:bodyPr rtlCol="0" anchor="ctr"/>
+          <a:lstStyle/>
+          <a:p>
+            <a:pPr algn="ctr"/>
+            <a:endParaRPr lang="de-DE"/>
+          </a:p>
+        </p:txBody>
+      </p:sp>
+      <p:sp>
+        <p:nvSpPr>
+          <p:cNvPr id="41" name="Textfeld 40"/>
+          <p:cNvSpPr txBox="1"/>
+          <p:nvPr/>
+        </p:nvSpPr>
+        <p:spPr>
+          <a:xfrm>
+            <a:off x="6339136" y="2353486"/>
+            <a:ext cx="1688264" cy="954107"/>
+          </a:xfrm>
+          <a:prstGeom prst="rect">
+            <a:avLst/>
+          </a:prstGeom>
+          <a:noFill/>
+        </p:spPr>
+        <p:txBody>
+          <a:bodyPr wrap="square" rtlCol="0">
+            <a:spAutoFit/>
+          </a:bodyPr>
+          <a:lstStyle/>
+          <a:p>
+            <a:r>
+              <a:rPr lang="de-DE" sz="1400" dirty="0" smtClean="0"/>
+              <a:t>Type Server </a:t>
+            </a:r>
+            <a:r>
+              <a:rPr lang="de-DE" sz="1400" dirty="0" err="1" smtClean="0"/>
+              <a:t>is</a:t>
+            </a:r>
+            <a:endParaRPr lang="de-DE" sz="1400" dirty="0" smtClean="0"/>
+          </a:p>
+          <a:p>
+            <a:r>
+              <a:rPr lang="de-DE" sz="1400" dirty="0" smtClean="0"/>
+              <a:t>      - Client</a:t>
+            </a:r>
+          </a:p>
+          <a:p>
+            <a:r>
+              <a:rPr lang="de-DE" sz="1400" dirty="0"/>
+              <a:t> </a:t>
+            </a:r>
+            <a:r>
+              <a:rPr lang="de-DE" sz="1400" dirty="0" smtClean="0"/>
+              <a:t>     - Chatroom</a:t>
+            </a:r>
+          </a:p>
+          <a:p>
+            <a:r>
+              <a:rPr lang="de-DE" sz="1400" dirty="0" smtClean="0"/>
+              <a:t>End type;</a:t>
+            </a:r>
+            <a:endParaRPr lang="de-DE" sz="1400" dirty="0"/>
+          </a:p>
+        </p:txBody>
+      </p:sp>
+      <p:cxnSp>
+        <p:nvCxnSpPr>
+          <p:cNvPr id="2069" name="Gerade Verbindung mit Pfeil 2068"/>
+          <p:cNvCxnSpPr/>
+          <p:nvPr/>
+        </p:nvCxnSpPr>
+        <p:spPr>
+          <a:xfrm>
+            <a:off x="2134853" y="2995232"/>
+            <a:ext cx="1222702" cy="2123715"/>
+          </a:xfrm>
+          <a:prstGeom prst="straightConnector1">
+            <a:avLst/>
+          </a:prstGeom>
+          <a:ln>
+            <a:tailEnd type="triangle"/>
+          </a:ln>
+        </p:spPr>
+        <p:style>
+          <a:lnRef idx="2">
+            <a:schemeClr val="accent2"/>
+          </a:lnRef>
+          <a:fillRef idx="0">
+            <a:schemeClr val="accent2"/>
+          </a:fillRef>
+          <a:effectRef idx="1">
+            <a:schemeClr val="accent2"/>
+          </a:effectRef>
+          <a:fontRef idx="minor">
+            <a:schemeClr val="tx1"/>
+          </a:fontRef>
+        </p:style>
+      </p:cxnSp>
+      <p:cxnSp>
+        <p:nvCxnSpPr>
+          <p:cNvPr id="2071" name="Gerade Verbindung mit Pfeil 2070"/>
+          <p:cNvCxnSpPr>
+            <a:stCxn id="41" idx="1"/>
+          </p:cNvCxnSpPr>
+          <p:nvPr/>
+        </p:nvCxnSpPr>
+        <p:spPr>
+          <a:xfrm flipH="1" flipV="1">
+            <a:off x="2134853" y="2810675"/>
+            <a:ext cx="4204283" cy="19865"/>
+          </a:xfrm>
+          <a:prstGeom prst="straightConnector1">
+            <a:avLst/>
+          </a:prstGeom>
+          <a:ln>
+            <a:tailEnd type="triangle"/>
+          </a:ln>
+        </p:spPr>
+        <p:style>
+          <a:lnRef idx="2">
+            <a:schemeClr val="accent2"/>
+          </a:lnRef>
+          <a:fillRef idx="0">
+            <a:schemeClr val="accent2"/>
+          </a:fillRef>
+          <a:effectRef idx="1">
+            <a:schemeClr val="accent2"/>
+          </a:effectRef>
+          <a:fontRef idx="minor">
+            <a:schemeClr val="tx1"/>
+          </a:fontRef>
+        </p:style>
+      </p:cxnSp>
+      <p:sp>
+        <p:nvSpPr>
+          <p:cNvPr id="3" name="Textfeld 2"/>
+          <p:cNvSpPr txBox="1"/>
+          <p:nvPr/>
+        </p:nvSpPr>
+        <p:spPr>
+          <a:xfrm rot="3596617">
+            <a:off x="2154106" y="3862159"/>
+            <a:ext cx="1372427" cy="307777"/>
+          </a:xfrm>
+          <a:prstGeom prst="rect">
+            <a:avLst/>
+          </a:prstGeom>
+          <a:noFill/>
+        </p:spPr>
+        <p:txBody>
+          <a:bodyPr wrap="none" rtlCol="0">
+            <a:spAutoFit/>
+          </a:bodyPr>
+          <a:lstStyle/>
+          <a:p>
+            <a:r>
+              <a:rPr lang="de-DE" sz="1400" dirty="0" err="1" smtClean="0"/>
+              <a:t>With</a:t>
+            </a:r>
+            <a:r>
+              <a:rPr lang="de-DE" sz="1400" dirty="0" smtClean="0"/>
+              <a:t> </a:t>
+            </a:r>
+            <a:r>
+              <a:rPr lang="de-DE" sz="1400" dirty="0" err="1" smtClean="0"/>
+              <a:t>Clients.ads</a:t>
+            </a:r>
+            <a:endParaRPr lang="de-DE" sz="1400" dirty="0"/>
+          </a:p>
+        </p:txBody>
+      </p:sp>
+      <p:sp>
+        <p:nvSpPr>
+          <p:cNvPr id="20" name="Textfeld 19"/>
+          <p:cNvSpPr txBox="1"/>
+          <p:nvPr/>
+        </p:nvSpPr>
+        <p:spPr>
+          <a:xfrm>
+            <a:off x="3424834" y="2527910"/>
+            <a:ext cx="1677319" cy="307777"/>
+          </a:xfrm>
+          <a:prstGeom prst="rect">
+            <a:avLst/>
+          </a:prstGeom>
+          <a:noFill/>
+        </p:spPr>
+        <p:txBody>
+          <a:bodyPr wrap="none" rtlCol="0">
+            <a:spAutoFit/>
+          </a:bodyPr>
+          <a:lstStyle/>
+          <a:p>
+            <a:r>
+              <a:rPr lang="de-DE" sz="1400" dirty="0" err="1" smtClean="0"/>
+              <a:t>With</a:t>
+            </a:r>
+            <a:r>
+              <a:rPr lang="de-DE" sz="1400" dirty="0" smtClean="0"/>
+              <a:t> </a:t>
+            </a:r>
+            <a:r>
+              <a:rPr lang="de-DE" sz="1400" dirty="0" err="1" smtClean="0"/>
+              <a:t>Chatrooms.ads</a:t>
+            </a:r>
+            <a:endParaRPr lang="de-DE" sz="1400" dirty="0"/>
+          </a:p>
+        </p:txBody>
+      </p:sp>
+      <p:sp>
+        <p:nvSpPr>
+          <p:cNvPr id="27" name="Rechteck 26"/>
+          <p:cNvSpPr/>
+          <p:nvPr/>
+        </p:nvSpPr>
+        <p:spPr>
+          <a:xfrm>
+            <a:off x="3257489" y="4726264"/>
+            <a:ext cx="1779911" cy="1662076"/>
+          </a:xfrm>
+          <a:prstGeom prst="rect">
+            <a:avLst/>
+          </a:prstGeom>
+          <a:noFill/>
+          <a:ln/>
+        </p:spPr>
+        <p:style>
+          <a:lnRef idx="2">
+            <a:schemeClr val="dk1">
+              <a:shade val="50000"/>
+            </a:schemeClr>
+          </a:lnRef>
+          <a:fillRef idx="1">
+            <a:schemeClr val="dk1"/>
+          </a:fillRef>
+          <a:effectRef idx="0">
+            <a:schemeClr val="dk1"/>
+          </a:effectRef>
+          <a:fontRef idx="minor">
+            <a:schemeClr val="lt1"/>
+          </a:fontRef>
+        </p:style>
+        <p:txBody>
+          <a:bodyPr rtlCol="0" anchor="ctr"/>
+          <a:lstStyle/>
+          <a:p>
+            <a:pPr algn="ctr"/>
+            <a:endParaRPr lang="de-DE"/>
+          </a:p>
+        </p:txBody>
+      </p:sp>
+      <p:sp>
+        <p:nvSpPr>
+          <p:cNvPr id="28" name="Textfeld 27"/>
+          <p:cNvSpPr txBox="1"/>
+          <p:nvPr/>
+        </p:nvSpPr>
+        <p:spPr>
+          <a:xfrm>
+            <a:off x="3187670" y="4400924"/>
+            <a:ext cx="1629569" cy="369332"/>
+          </a:xfrm>
+          <a:prstGeom prst="rect">
+            <a:avLst/>
+          </a:prstGeom>
+          <a:noFill/>
+        </p:spPr>
+        <p:txBody>
+          <a:bodyPr wrap="square" rtlCol="0">
+            <a:spAutoFit/>
+          </a:bodyPr>
+          <a:lstStyle/>
+          <a:p>
+            <a:r>
+              <a:rPr lang="de-DE" dirty="0" err="1" smtClean="0"/>
+              <a:t>Clients.ads</a:t>
+            </a:r>
+            <a:endParaRPr lang="de-DE" dirty="0"/>
+          </a:p>
+        </p:txBody>
+      </p:sp>
+      <p:sp>
+        <p:nvSpPr>
+          <p:cNvPr id="29" name="Textfeld 28"/>
+          <p:cNvSpPr txBox="1"/>
+          <p:nvPr/>
+        </p:nvSpPr>
+        <p:spPr>
+          <a:xfrm>
+            <a:off x="3349136" y="4823640"/>
+            <a:ext cx="1688264" cy="738664"/>
+          </a:xfrm>
+          <a:prstGeom prst="rect">
+            <a:avLst/>
+          </a:prstGeom>
+          <a:noFill/>
+        </p:spPr>
+        <p:txBody>
+          <a:bodyPr wrap="square" rtlCol="0">
+            <a:spAutoFit/>
+          </a:bodyPr>
+          <a:lstStyle/>
+          <a:p>
+            <a:r>
+              <a:rPr lang="de-DE" sz="1400" dirty="0" smtClean="0"/>
+              <a:t>Type Client </a:t>
+            </a:r>
+            <a:r>
+              <a:rPr lang="de-DE" sz="1400" dirty="0" err="1" smtClean="0"/>
+              <a:t>is</a:t>
+            </a:r>
+            <a:endParaRPr lang="de-DE" sz="1400" dirty="0" smtClean="0"/>
+          </a:p>
+          <a:p>
+            <a:r>
+              <a:rPr lang="de-DE" sz="1400" dirty="0" smtClean="0"/>
+              <a:t>      </a:t>
+            </a:r>
+            <a:r>
+              <a:rPr lang="de-DE" sz="1400" dirty="0" smtClean="0">
+                <a:solidFill>
+                  <a:srgbClr val="FF0000"/>
+                </a:solidFill>
+              </a:rPr>
+              <a:t>- Chatroom</a:t>
+            </a:r>
+          </a:p>
+          <a:p>
+            <a:r>
+              <a:rPr lang="de-DE" sz="1400" dirty="0" smtClean="0"/>
+              <a:t>End type;</a:t>
+            </a:r>
+            <a:endParaRPr lang="de-DE" sz="1400" dirty="0"/>
+          </a:p>
+        </p:txBody>
+      </p:sp>
+      <p:sp>
+        <p:nvSpPr>
+          <p:cNvPr id="31" name="Rechteck 30"/>
+          <p:cNvSpPr/>
+          <p:nvPr/>
+        </p:nvSpPr>
+        <p:spPr>
+          <a:xfrm>
+            <a:off x="3357555" y="4823641"/>
+            <a:ext cx="1459684" cy="836039"/>
+          </a:xfrm>
+          <a:prstGeom prst="rect">
+            <a:avLst/>
+          </a:prstGeom>
+          <a:noFill/>
+        </p:spPr>
+        <p:style>
+          <a:lnRef idx="2">
+            <a:schemeClr val="accent1">
+              <a:shade val="50000"/>
+            </a:schemeClr>
+          </a:lnRef>
+          <a:fillRef idx="1">
+            <a:schemeClr val="accent1"/>
+          </a:fillRef>
+          <a:effectRef idx="0">
+            <a:schemeClr val="accent1"/>
+          </a:effectRef>
+          <a:fontRef idx="minor">
+            <a:schemeClr val="lt1"/>
+          </a:fontRef>
+        </p:style>
+        <p:txBody>
+          <a:bodyPr rtlCol="0" anchor="ctr"/>
+          <a:lstStyle/>
+          <a:p>
+            <a:pPr algn="ctr"/>
+            <a:endParaRPr lang="de-DE"/>
+          </a:p>
+        </p:txBody>
+      </p:sp>
+      <p:cxnSp>
+        <p:nvCxnSpPr>
+          <p:cNvPr id="7" name="Gerade Verbindung mit Pfeil 6"/>
+          <p:cNvCxnSpPr/>
+          <p:nvPr/>
+        </p:nvCxnSpPr>
+        <p:spPr>
+          <a:xfrm flipH="1">
+            <a:off x="5102154" y="3307593"/>
+            <a:ext cx="1236982" cy="1717413"/>
+          </a:xfrm>
+          <a:prstGeom prst="straightConnector1">
+            <a:avLst/>
+          </a:prstGeom>
+          <a:ln>
+            <a:tailEnd type="triangle"/>
+          </a:ln>
+        </p:spPr>
+        <p:style>
+          <a:lnRef idx="2">
+            <a:schemeClr val="accent2"/>
+          </a:lnRef>
+          <a:fillRef idx="0">
+            <a:schemeClr val="accent2"/>
+          </a:fillRef>
+          <a:effectRef idx="1">
+            <a:schemeClr val="accent2"/>
+          </a:effectRef>
+          <a:fontRef idx="minor">
+            <a:schemeClr val="tx1"/>
+          </a:fontRef>
+        </p:style>
+      </p:cxnSp>
+      <p:sp>
+        <p:nvSpPr>
+          <p:cNvPr id="36" name="Textfeld 35"/>
+          <p:cNvSpPr txBox="1"/>
+          <p:nvPr/>
+        </p:nvSpPr>
+        <p:spPr>
+          <a:xfrm rot="18339854">
+            <a:off x="4794195" y="3881325"/>
+            <a:ext cx="1718676" cy="307777"/>
+          </a:xfrm>
+          <a:prstGeom prst="rect">
+            <a:avLst/>
+          </a:prstGeom>
+          <a:noFill/>
+        </p:spPr>
+        <p:txBody>
+          <a:bodyPr wrap="none" rtlCol="0">
+            <a:spAutoFit/>
+          </a:bodyPr>
+          <a:lstStyle/>
+          <a:p>
+            <a:r>
+              <a:rPr lang="de-DE" sz="1400" dirty="0" err="1" smtClean="0"/>
+              <a:t>With</a:t>
+            </a:r>
+            <a:r>
+              <a:rPr lang="de-DE" sz="1400" dirty="0" smtClean="0"/>
+              <a:t> </a:t>
+            </a:r>
+            <a:r>
+              <a:rPr lang="de-DE" sz="1400" dirty="0" err="1" smtClean="0"/>
+              <a:t>ServerLogic.ads</a:t>
+            </a:r>
+            <a:endParaRPr lang="de-DE" sz="1400" dirty="0"/>
+          </a:p>
+        </p:txBody>
+      </p:sp>
+      <p:cxnSp>
+        <p:nvCxnSpPr>
+          <p:cNvPr id="5" name="Gerade Verbindung mit Pfeil 4"/>
+          <p:cNvCxnSpPr/>
+          <p:nvPr/>
+        </p:nvCxnSpPr>
+        <p:spPr>
+          <a:xfrm flipH="1" flipV="1">
+            <a:off x="1921079" y="3162650"/>
+            <a:ext cx="1266591" cy="2130803"/>
+          </a:xfrm>
+          <a:prstGeom prst="straightConnector1">
+            <a:avLst/>
+          </a:prstGeom>
+          <a:ln>
+            <a:prstDash val="sysDash"/>
+            <a:tailEnd type="triangle"/>
+          </a:ln>
+        </p:spPr>
+        <p:style>
+          <a:lnRef idx="2">
+            <a:schemeClr val="accent2"/>
+          </a:lnRef>
+          <a:fillRef idx="0">
+            <a:schemeClr val="accent2"/>
+          </a:fillRef>
+          <a:effectRef idx="1">
+            <a:schemeClr val="accent2"/>
+          </a:effectRef>
+          <a:fontRef idx="minor">
+            <a:schemeClr val="tx1"/>
+          </a:fontRef>
+        </p:style>
+      </p:cxnSp>
+      <p:sp>
+        <p:nvSpPr>
+          <p:cNvPr id="25" name="Textfeld 24"/>
+          <p:cNvSpPr txBox="1"/>
+          <p:nvPr/>
+        </p:nvSpPr>
+        <p:spPr>
+          <a:xfrm rot="3539996">
+            <a:off x="2057194" y="4606022"/>
+            <a:ext cx="1279774" cy="523220"/>
+          </a:xfrm>
+          <a:prstGeom prst="rect">
+            <a:avLst/>
+          </a:prstGeom>
+          <a:noFill/>
+        </p:spPr>
+        <p:txBody>
+          <a:bodyPr wrap="none" rtlCol="0">
+            <a:spAutoFit/>
+          </a:bodyPr>
+          <a:lstStyle/>
+          <a:p>
+            <a:r>
+              <a:rPr lang="de-DE" sz="1400" dirty="0" smtClean="0"/>
+              <a:t>Limited </a:t>
+            </a:r>
+            <a:r>
+              <a:rPr lang="de-DE" sz="1400" dirty="0" err="1" smtClean="0"/>
+              <a:t>with</a:t>
+            </a:r>
+            <a:r>
+              <a:rPr lang="de-DE" sz="1400" dirty="0" smtClean="0"/>
+              <a:t> </a:t>
+            </a:r>
+          </a:p>
+          <a:p>
+            <a:r>
+              <a:rPr lang="de-DE" sz="1400" dirty="0" err="1" smtClean="0"/>
+              <a:t>Chatrooms.ads</a:t>
+            </a:r>
+            <a:endParaRPr lang="de-DE" sz="1400" dirty="0"/>
+          </a:p>
+        </p:txBody>
+      </p:sp>
+    </p:spTree>
+    <p:extLst>
+      <p:ext uri="{BB962C8B-B14F-4D97-AF65-F5344CB8AC3E}">
+        <p14:creationId xmlns:p14="http://schemas.microsoft.com/office/powerpoint/2010/main" val="2993922376"/>
+      </p:ext>
+    </p:extLst>
+  </p:cSld>
+  <p:clrMapOvr>
+    <a:masterClrMapping/>
+  </p:clrMapOvr>
+  <p:timing>
+    <p:tnLst>
+      <p:par>
+        <p:cTn id="1" dur="indefinite" restart="never" nodeType="tmRoot"/>
+      </p:par>
+    </p:tnLst>
+  </p:timing>
+</p:sld>
+</file>
+
+<file path=ppt/slides/slide18.xml><?xml version="1.0" encoding="utf-8"?>
+<p:sld xmlns:a="http://schemas.openxmlformats.org/drawingml/2006/main" xmlns:r="http://schemas.openxmlformats.org/officeDocument/2006/relationships" xmlns:p="http://schemas.openxmlformats.org/presentationml/2006/main">
+  <p:cSld>
+    <p:spTree>
+      <p:nvGrpSpPr>
+        <p:cNvPr id="1" name=""/>
+        <p:cNvGrpSpPr/>
+        <p:nvPr/>
+      </p:nvGrpSpPr>
+      <p:grpSpPr>
+        <a:xfrm>
+          <a:off x="0" y="0"/>
+          <a:ext cx="0" cy="0"/>
+          <a:chOff x="0" y="0"/>
+          <a:chExt cx="0" cy="0"/>
+        </a:xfrm>
+      </p:grpSpPr>
+      <p:sp>
+        <p:nvSpPr>
+          <p:cNvPr id="2" name="Titel 1"/>
+          <p:cNvSpPr>
+            <a:spLocks noGrp="1"/>
+          </p:cNvSpPr>
+          <p:nvPr>
+            <p:ph type="title"/>
+          </p:nvPr>
+        </p:nvSpPr>
+        <p:spPr>
+          <a:xfrm>
+            <a:off x="360000" y="1317222"/>
+            <a:ext cx="8246118" cy="569556"/>
+          </a:xfrm>
+        </p:spPr>
+        <p:txBody>
+          <a:bodyPr/>
+          <a:lstStyle/>
+          <a:p>
+            <a:r>
+              <a:rPr lang="de-DE" dirty="0" smtClean="0"/>
+              <a:t>Implementierungslogik – anderes Wort finden</a:t>
+            </a:r>
+            <a:endParaRPr lang="de-DE" dirty="0"/>
+          </a:p>
+        </p:txBody>
+      </p:sp>
+      <p:sp>
+        <p:nvSpPr>
+          <p:cNvPr id="6" name="Rechteck 5"/>
+          <p:cNvSpPr/>
+          <p:nvPr/>
+        </p:nvSpPr>
+        <p:spPr>
+          <a:xfrm>
+            <a:off x="553673" y="2224209"/>
+            <a:ext cx="1744911" cy="2176715"/>
+          </a:xfrm>
+          <a:prstGeom prst="rect">
+            <a:avLst/>
+          </a:prstGeom>
+          <a:noFill/>
+          <a:ln/>
+        </p:spPr>
+        <p:style>
+          <a:lnRef idx="2">
+            <a:schemeClr val="dk1">
+              <a:shade val="50000"/>
+            </a:schemeClr>
+          </a:lnRef>
+          <a:fillRef idx="1">
+            <a:schemeClr val="dk1"/>
+          </a:fillRef>
+          <a:effectRef idx="0">
+            <a:schemeClr val="dk1"/>
+          </a:effectRef>
+          <a:fontRef idx="minor">
+            <a:schemeClr val="lt1"/>
+          </a:fontRef>
+        </p:style>
+        <p:txBody>
+          <a:bodyPr rtlCol="0" anchor="ctr"/>
+          <a:lstStyle/>
+          <a:p>
+            <a:pPr algn="ctr"/>
+            <a:endParaRPr lang="de-DE"/>
+          </a:p>
+        </p:txBody>
+      </p:sp>
+      <p:sp>
+        <p:nvSpPr>
+          <p:cNvPr id="12" name="Textfeld 11"/>
+          <p:cNvSpPr txBox="1"/>
+          <p:nvPr/>
+        </p:nvSpPr>
+        <p:spPr>
+          <a:xfrm>
+            <a:off x="441114" y="1886778"/>
+            <a:ext cx="1593909" cy="369332"/>
+          </a:xfrm>
+          <a:prstGeom prst="rect">
+            <a:avLst/>
+          </a:prstGeom>
+          <a:noFill/>
+        </p:spPr>
+        <p:txBody>
+          <a:bodyPr wrap="square" rtlCol="0">
+            <a:spAutoFit/>
+          </a:bodyPr>
+          <a:lstStyle/>
+          <a:p>
+            <a:r>
+              <a:rPr lang="de-DE" dirty="0" err="1" smtClean="0"/>
+              <a:t>Chatrooms.ads</a:t>
+            </a:r>
+            <a:endParaRPr lang="de-DE" dirty="0"/>
+          </a:p>
+        </p:txBody>
+      </p:sp>
+      <p:sp>
+        <p:nvSpPr>
+          <p:cNvPr id="17" name="Rechteck 16"/>
+          <p:cNvSpPr/>
+          <p:nvPr/>
+        </p:nvSpPr>
+        <p:spPr>
+          <a:xfrm>
+            <a:off x="675169" y="2353487"/>
+            <a:ext cx="1459684" cy="738664"/>
+          </a:xfrm>
+          <a:prstGeom prst="rect">
+            <a:avLst/>
+          </a:prstGeom>
+          <a:noFill/>
+        </p:spPr>
+        <p:style>
+          <a:lnRef idx="2">
+            <a:schemeClr val="accent1">
+              <a:shade val="50000"/>
+            </a:schemeClr>
+          </a:lnRef>
+          <a:fillRef idx="1">
+            <a:schemeClr val="accent1"/>
+          </a:fillRef>
+          <a:effectRef idx="0">
+            <a:schemeClr val="accent1"/>
+          </a:effectRef>
+          <a:fontRef idx="minor">
+            <a:schemeClr val="lt1"/>
+          </a:fontRef>
+        </p:style>
+        <p:txBody>
+          <a:bodyPr rtlCol="0" anchor="ctr"/>
+          <a:lstStyle/>
+          <a:p>
+            <a:pPr algn="ctr"/>
+            <a:endParaRPr lang="de-DE"/>
+          </a:p>
+        </p:txBody>
+      </p:sp>
+      <p:sp>
+        <p:nvSpPr>
+          <p:cNvPr id="19" name="Textfeld 18"/>
+          <p:cNvSpPr txBox="1"/>
+          <p:nvPr/>
+        </p:nvSpPr>
+        <p:spPr>
+          <a:xfrm>
+            <a:off x="675169" y="2353486"/>
+            <a:ext cx="1688264" cy="738664"/>
+          </a:xfrm>
+          <a:prstGeom prst="rect">
+            <a:avLst/>
+          </a:prstGeom>
+          <a:noFill/>
+        </p:spPr>
+        <p:txBody>
+          <a:bodyPr wrap="square" rtlCol="0">
+            <a:spAutoFit/>
+          </a:bodyPr>
+          <a:lstStyle/>
+          <a:p>
+            <a:r>
+              <a:rPr lang="de-DE" sz="1400" dirty="0" smtClean="0"/>
+              <a:t>Type Chatroom </a:t>
+            </a:r>
+            <a:r>
+              <a:rPr lang="de-DE" sz="1400" dirty="0" err="1" smtClean="0"/>
+              <a:t>is</a:t>
+            </a:r>
+            <a:endParaRPr lang="de-DE" sz="1400" dirty="0" smtClean="0"/>
+          </a:p>
+          <a:p>
+            <a:r>
+              <a:rPr lang="de-DE" sz="1400" dirty="0" smtClean="0"/>
+              <a:t>      - Client</a:t>
+            </a:r>
+          </a:p>
+          <a:p>
+            <a:r>
+              <a:rPr lang="de-DE" sz="1400" dirty="0" smtClean="0"/>
+              <a:t>End type;</a:t>
+            </a:r>
+            <a:endParaRPr lang="de-DE" sz="1400" dirty="0"/>
+          </a:p>
+        </p:txBody>
+      </p:sp>
+      <p:sp>
+        <p:nvSpPr>
+          <p:cNvPr id="38" name="Rechteck 37"/>
+          <p:cNvSpPr/>
+          <p:nvPr/>
+        </p:nvSpPr>
+        <p:spPr>
+          <a:xfrm>
+            <a:off x="6204911" y="2224209"/>
+            <a:ext cx="2293137" cy="2725658"/>
+          </a:xfrm>
+          <a:prstGeom prst="rect">
+            <a:avLst/>
+          </a:prstGeom>
+          <a:noFill/>
+          <a:ln/>
+        </p:spPr>
+        <p:style>
+          <a:lnRef idx="2">
+            <a:schemeClr val="dk1">
+              <a:shade val="50000"/>
+            </a:schemeClr>
+          </a:lnRef>
+          <a:fillRef idx="1">
+            <a:schemeClr val="dk1"/>
+          </a:fillRef>
+          <a:effectRef idx="0">
+            <a:schemeClr val="dk1"/>
+          </a:effectRef>
+          <a:fontRef idx="minor">
+            <a:schemeClr val="lt1"/>
+          </a:fontRef>
+        </p:style>
+        <p:txBody>
+          <a:bodyPr rtlCol="0" anchor="ctr"/>
+          <a:lstStyle/>
+          <a:p>
+            <a:pPr algn="ctr"/>
+            <a:endParaRPr lang="de-DE"/>
+          </a:p>
+        </p:txBody>
+      </p:sp>
+      <p:sp>
+        <p:nvSpPr>
+          <p:cNvPr id="39" name="Textfeld 38"/>
+          <p:cNvSpPr txBox="1"/>
+          <p:nvPr/>
+        </p:nvSpPr>
+        <p:spPr>
+          <a:xfrm>
+            <a:off x="6105081" y="1886778"/>
+            <a:ext cx="1629569" cy="369332"/>
+          </a:xfrm>
+          <a:prstGeom prst="rect">
+            <a:avLst/>
+          </a:prstGeom>
+          <a:noFill/>
+        </p:spPr>
+        <p:txBody>
+          <a:bodyPr wrap="square" rtlCol="0">
+            <a:spAutoFit/>
+          </a:bodyPr>
+          <a:lstStyle/>
+          <a:p>
+            <a:r>
+              <a:rPr lang="de-DE" dirty="0" err="1" smtClean="0"/>
+              <a:t>ServerLogic.ads</a:t>
+            </a:r>
+            <a:endParaRPr lang="de-DE" dirty="0"/>
+          </a:p>
+        </p:txBody>
+      </p:sp>
+      <p:sp>
+        <p:nvSpPr>
+          <p:cNvPr id="40" name="Rechteck 39"/>
+          <p:cNvSpPr/>
+          <p:nvPr/>
+        </p:nvSpPr>
+        <p:spPr>
+          <a:xfrm>
+            <a:off x="6339136" y="2353487"/>
+            <a:ext cx="1459684" cy="954106"/>
+          </a:xfrm>
+          <a:prstGeom prst="rect">
+            <a:avLst/>
+          </a:prstGeom>
+          <a:noFill/>
+        </p:spPr>
+        <p:style>
+          <a:lnRef idx="2">
+            <a:schemeClr val="accent1">
+              <a:shade val="50000"/>
+            </a:schemeClr>
+          </a:lnRef>
+          <a:fillRef idx="1">
+            <a:schemeClr val="accent1"/>
+          </a:fillRef>
+          <a:effectRef idx="0">
+            <a:schemeClr val="accent1"/>
+          </a:effectRef>
+          <a:fontRef idx="minor">
+            <a:schemeClr val="lt1"/>
+          </a:fontRef>
+        </p:style>
+        <p:txBody>
+          <a:bodyPr rtlCol="0" anchor="ctr"/>
+          <a:lstStyle/>
+          <a:p>
+            <a:pPr algn="ctr"/>
+            <a:endParaRPr lang="de-DE"/>
+          </a:p>
+        </p:txBody>
+      </p:sp>
+      <p:sp>
+        <p:nvSpPr>
+          <p:cNvPr id="41" name="Textfeld 40"/>
+          <p:cNvSpPr txBox="1"/>
+          <p:nvPr/>
+        </p:nvSpPr>
+        <p:spPr>
+          <a:xfrm>
+            <a:off x="6339136" y="2353486"/>
+            <a:ext cx="1688264" cy="954107"/>
+          </a:xfrm>
+          <a:prstGeom prst="rect">
+            <a:avLst/>
+          </a:prstGeom>
+          <a:noFill/>
+        </p:spPr>
+        <p:txBody>
+          <a:bodyPr wrap="square" rtlCol="0">
+            <a:spAutoFit/>
+          </a:bodyPr>
+          <a:lstStyle/>
+          <a:p>
+            <a:r>
+              <a:rPr lang="de-DE" sz="1400" dirty="0" smtClean="0"/>
+              <a:t>Type Server </a:t>
+            </a:r>
+            <a:r>
+              <a:rPr lang="de-DE" sz="1400" dirty="0" err="1" smtClean="0"/>
+              <a:t>is</a:t>
+            </a:r>
+            <a:endParaRPr lang="de-DE" sz="1400" dirty="0" smtClean="0"/>
+          </a:p>
+          <a:p>
+            <a:r>
+              <a:rPr lang="de-DE" sz="1400" dirty="0" smtClean="0"/>
+              <a:t>      - Client</a:t>
+            </a:r>
+          </a:p>
+          <a:p>
+            <a:r>
+              <a:rPr lang="de-DE" sz="1400" dirty="0"/>
+              <a:t> </a:t>
+            </a:r>
+            <a:r>
+              <a:rPr lang="de-DE" sz="1400" dirty="0" smtClean="0"/>
+              <a:t>     - Chatroom</a:t>
+            </a:r>
+          </a:p>
+          <a:p>
+            <a:r>
+              <a:rPr lang="de-DE" sz="1400" dirty="0" smtClean="0"/>
+              <a:t>End type;</a:t>
+            </a:r>
+            <a:endParaRPr lang="de-DE" sz="1400" dirty="0"/>
+          </a:p>
+        </p:txBody>
+      </p:sp>
+      <p:cxnSp>
+        <p:nvCxnSpPr>
+          <p:cNvPr id="2069" name="Gerade Verbindung mit Pfeil 2068"/>
+          <p:cNvCxnSpPr/>
+          <p:nvPr/>
+        </p:nvCxnSpPr>
+        <p:spPr>
+          <a:xfrm>
+            <a:off x="2134853" y="2995232"/>
+            <a:ext cx="1222702" cy="2123715"/>
+          </a:xfrm>
+          <a:prstGeom prst="straightConnector1">
+            <a:avLst/>
+          </a:prstGeom>
+          <a:ln>
+            <a:tailEnd type="triangle"/>
+          </a:ln>
+        </p:spPr>
+        <p:style>
+          <a:lnRef idx="2">
+            <a:schemeClr val="accent2"/>
+          </a:lnRef>
+          <a:fillRef idx="0">
+            <a:schemeClr val="accent2"/>
+          </a:fillRef>
+          <a:effectRef idx="1">
+            <a:schemeClr val="accent2"/>
+          </a:effectRef>
+          <a:fontRef idx="minor">
+            <a:schemeClr val="tx1"/>
+          </a:fontRef>
+        </p:style>
+      </p:cxnSp>
+      <p:cxnSp>
+        <p:nvCxnSpPr>
+          <p:cNvPr id="2071" name="Gerade Verbindung mit Pfeil 2070"/>
+          <p:cNvCxnSpPr>
+            <a:stCxn id="41" idx="1"/>
+          </p:cNvCxnSpPr>
+          <p:nvPr/>
+        </p:nvCxnSpPr>
+        <p:spPr>
+          <a:xfrm flipH="1" flipV="1">
+            <a:off x="2134853" y="2810675"/>
+            <a:ext cx="4204283" cy="19865"/>
+          </a:xfrm>
+          <a:prstGeom prst="straightConnector1">
+            <a:avLst/>
+          </a:prstGeom>
+          <a:ln>
+            <a:tailEnd type="triangle"/>
+          </a:ln>
+        </p:spPr>
+        <p:style>
+          <a:lnRef idx="2">
+            <a:schemeClr val="accent2"/>
+          </a:lnRef>
+          <a:fillRef idx="0">
+            <a:schemeClr val="accent2"/>
+          </a:fillRef>
+          <a:effectRef idx="1">
+            <a:schemeClr val="accent2"/>
+          </a:effectRef>
+          <a:fontRef idx="minor">
+            <a:schemeClr val="tx1"/>
+          </a:fontRef>
+        </p:style>
+      </p:cxnSp>
+      <p:sp>
+        <p:nvSpPr>
+          <p:cNvPr id="3" name="Textfeld 2"/>
+          <p:cNvSpPr txBox="1"/>
+          <p:nvPr/>
+        </p:nvSpPr>
+        <p:spPr>
+          <a:xfrm rot="3596617">
+            <a:off x="2154106" y="3862159"/>
+            <a:ext cx="1372427" cy="307777"/>
+          </a:xfrm>
+          <a:prstGeom prst="rect">
+            <a:avLst/>
+          </a:prstGeom>
+          <a:noFill/>
+        </p:spPr>
+        <p:txBody>
+          <a:bodyPr wrap="none" rtlCol="0">
+            <a:spAutoFit/>
+          </a:bodyPr>
+          <a:lstStyle/>
+          <a:p>
+            <a:r>
+              <a:rPr lang="de-DE" sz="1400" dirty="0" err="1" smtClean="0"/>
+              <a:t>With</a:t>
+            </a:r>
+            <a:r>
+              <a:rPr lang="de-DE" sz="1400" dirty="0" smtClean="0"/>
+              <a:t> </a:t>
+            </a:r>
+            <a:r>
+              <a:rPr lang="de-DE" sz="1400" dirty="0" err="1" smtClean="0"/>
+              <a:t>Clients.ads</a:t>
+            </a:r>
+            <a:endParaRPr lang="de-DE" sz="1400" dirty="0"/>
+          </a:p>
+        </p:txBody>
+      </p:sp>
+      <p:sp>
+        <p:nvSpPr>
+          <p:cNvPr id="20" name="Textfeld 19"/>
+          <p:cNvSpPr txBox="1"/>
+          <p:nvPr/>
+        </p:nvSpPr>
+        <p:spPr>
+          <a:xfrm>
+            <a:off x="3424834" y="2527910"/>
+            <a:ext cx="1677319" cy="307777"/>
+          </a:xfrm>
+          <a:prstGeom prst="rect">
+            <a:avLst/>
+          </a:prstGeom>
+          <a:noFill/>
+        </p:spPr>
+        <p:txBody>
+          <a:bodyPr wrap="none" rtlCol="0">
+            <a:spAutoFit/>
+          </a:bodyPr>
+          <a:lstStyle/>
+          <a:p>
+            <a:r>
+              <a:rPr lang="de-DE" sz="1400" dirty="0" err="1" smtClean="0"/>
+              <a:t>With</a:t>
+            </a:r>
+            <a:r>
+              <a:rPr lang="de-DE" sz="1400" dirty="0" smtClean="0"/>
+              <a:t> </a:t>
+            </a:r>
+            <a:r>
+              <a:rPr lang="de-DE" sz="1400" dirty="0" err="1" smtClean="0"/>
+              <a:t>Chatrooms.ads</a:t>
+            </a:r>
+            <a:endParaRPr lang="de-DE" sz="1400" dirty="0"/>
+          </a:p>
+        </p:txBody>
+      </p:sp>
+      <p:sp>
+        <p:nvSpPr>
+          <p:cNvPr id="27" name="Rechteck 26"/>
+          <p:cNvSpPr/>
+          <p:nvPr/>
+        </p:nvSpPr>
+        <p:spPr>
+          <a:xfrm>
+            <a:off x="3257489" y="4726264"/>
+            <a:ext cx="1779911" cy="1662076"/>
+          </a:xfrm>
+          <a:prstGeom prst="rect">
+            <a:avLst/>
+          </a:prstGeom>
+          <a:noFill/>
+          <a:ln/>
+        </p:spPr>
+        <p:style>
+          <a:lnRef idx="2">
+            <a:schemeClr val="dk1">
+              <a:shade val="50000"/>
+            </a:schemeClr>
+          </a:lnRef>
+          <a:fillRef idx="1">
+            <a:schemeClr val="dk1"/>
+          </a:fillRef>
+          <a:effectRef idx="0">
+            <a:schemeClr val="dk1"/>
+          </a:effectRef>
+          <a:fontRef idx="minor">
+            <a:schemeClr val="lt1"/>
+          </a:fontRef>
+        </p:style>
+        <p:txBody>
+          <a:bodyPr rtlCol="0" anchor="ctr"/>
+          <a:lstStyle/>
+          <a:p>
+            <a:pPr algn="ctr"/>
+            <a:endParaRPr lang="de-DE"/>
+          </a:p>
+        </p:txBody>
+      </p:sp>
+      <p:sp>
+        <p:nvSpPr>
+          <p:cNvPr id="28" name="Textfeld 27"/>
+          <p:cNvSpPr txBox="1"/>
+          <p:nvPr/>
+        </p:nvSpPr>
+        <p:spPr>
+          <a:xfrm>
+            <a:off x="3187670" y="4400924"/>
+            <a:ext cx="1629569" cy="369332"/>
+          </a:xfrm>
+          <a:prstGeom prst="rect">
+            <a:avLst/>
+          </a:prstGeom>
+          <a:noFill/>
+        </p:spPr>
+        <p:txBody>
+          <a:bodyPr wrap="square" rtlCol="0">
+            <a:spAutoFit/>
+          </a:bodyPr>
+          <a:lstStyle/>
+          <a:p>
+            <a:r>
+              <a:rPr lang="de-DE" dirty="0" err="1" smtClean="0"/>
+              <a:t>Clients.ads</a:t>
+            </a:r>
+            <a:endParaRPr lang="de-DE" dirty="0"/>
+          </a:p>
+        </p:txBody>
+      </p:sp>
+      <p:sp>
+        <p:nvSpPr>
+          <p:cNvPr id="29" name="Textfeld 28"/>
+          <p:cNvSpPr txBox="1"/>
+          <p:nvPr/>
+        </p:nvSpPr>
+        <p:spPr>
+          <a:xfrm>
+            <a:off x="3349136" y="4823640"/>
+            <a:ext cx="1688264" cy="738664"/>
+          </a:xfrm>
+          <a:prstGeom prst="rect">
+            <a:avLst/>
+          </a:prstGeom>
+          <a:noFill/>
+        </p:spPr>
+        <p:txBody>
+          <a:bodyPr wrap="square" rtlCol="0">
+            <a:spAutoFit/>
+          </a:bodyPr>
+          <a:lstStyle/>
+          <a:p>
+            <a:r>
+              <a:rPr lang="de-DE" sz="1400" dirty="0" smtClean="0"/>
+              <a:t>Type Client </a:t>
+            </a:r>
+            <a:r>
+              <a:rPr lang="de-DE" sz="1400" dirty="0" err="1" smtClean="0"/>
+              <a:t>is</a:t>
+            </a:r>
+            <a:endParaRPr lang="de-DE" sz="1400" dirty="0" smtClean="0"/>
+          </a:p>
+          <a:p>
+            <a:r>
+              <a:rPr lang="de-DE" sz="1400" dirty="0" smtClean="0"/>
+              <a:t>      </a:t>
+            </a:r>
+            <a:r>
+              <a:rPr lang="de-DE" sz="1400" dirty="0" smtClean="0">
+                <a:solidFill>
+                  <a:srgbClr val="FF0000"/>
+                </a:solidFill>
+              </a:rPr>
+              <a:t>- Chatroom</a:t>
+            </a:r>
+          </a:p>
+          <a:p>
+            <a:r>
+              <a:rPr lang="de-DE" sz="1400" dirty="0" smtClean="0"/>
+              <a:t>End type;</a:t>
+            </a:r>
+            <a:endParaRPr lang="de-DE" sz="1400" dirty="0"/>
+          </a:p>
+        </p:txBody>
+      </p:sp>
+      <p:sp>
+        <p:nvSpPr>
+          <p:cNvPr id="31" name="Rechteck 30"/>
+          <p:cNvSpPr/>
+          <p:nvPr/>
+        </p:nvSpPr>
+        <p:spPr>
+          <a:xfrm>
+            <a:off x="3357555" y="4823641"/>
+            <a:ext cx="1459684" cy="836039"/>
+          </a:xfrm>
+          <a:prstGeom prst="rect">
+            <a:avLst/>
+          </a:prstGeom>
+          <a:noFill/>
+        </p:spPr>
+        <p:style>
+          <a:lnRef idx="2">
+            <a:schemeClr val="accent1">
+              <a:shade val="50000"/>
+            </a:schemeClr>
+          </a:lnRef>
+          <a:fillRef idx="1">
+            <a:schemeClr val="accent1"/>
+          </a:fillRef>
+          <a:effectRef idx="0">
+            <a:schemeClr val="accent1"/>
+          </a:effectRef>
+          <a:fontRef idx="minor">
+            <a:schemeClr val="lt1"/>
+          </a:fontRef>
+        </p:style>
+        <p:txBody>
+          <a:bodyPr rtlCol="0" anchor="ctr"/>
+          <a:lstStyle/>
+          <a:p>
+            <a:pPr algn="ctr"/>
+            <a:endParaRPr lang="de-DE"/>
+          </a:p>
+        </p:txBody>
+      </p:sp>
+      <p:cxnSp>
+        <p:nvCxnSpPr>
+          <p:cNvPr id="7" name="Gerade Verbindung mit Pfeil 6"/>
+          <p:cNvCxnSpPr/>
+          <p:nvPr/>
+        </p:nvCxnSpPr>
+        <p:spPr>
+          <a:xfrm flipH="1">
+            <a:off x="5102154" y="3307593"/>
+            <a:ext cx="1236982" cy="1717413"/>
+          </a:xfrm>
+          <a:prstGeom prst="straightConnector1">
+            <a:avLst/>
+          </a:prstGeom>
+          <a:ln>
+            <a:tailEnd type="triangle"/>
+          </a:ln>
+        </p:spPr>
+        <p:style>
+          <a:lnRef idx="2">
+            <a:schemeClr val="accent2"/>
+          </a:lnRef>
+          <a:fillRef idx="0">
+            <a:schemeClr val="accent2"/>
+          </a:fillRef>
+          <a:effectRef idx="1">
+            <a:schemeClr val="accent2"/>
+          </a:effectRef>
+          <a:fontRef idx="minor">
+            <a:schemeClr val="tx1"/>
+          </a:fontRef>
+        </p:style>
+      </p:cxnSp>
+      <p:sp>
+        <p:nvSpPr>
+          <p:cNvPr id="36" name="Textfeld 35"/>
+          <p:cNvSpPr txBox="1"/>
+          <p:nvPr/>
+        </p:nvSpPr>
+        <p:spPr>
+          <a:xfrm rot="18339854">
+            <a:off x="4794195" y="3881325"/>
+            <a:ext cx="1718676" cy="307777"/>
+          </a:xfrm>
+          <a:prstGeom prst="rect">
+            <a:avLst/>
+          </a:prstGeom>
+          <a:noFill/>
+        </p:spPr>
+        <p:txBody>
+          <a:bodyPr wrap="none" rtlCol="0">
+            <a:spAutoFit/>
+          </a:bodyPr>
+          <a:lstStyle/>
+          <a:p>
+            <a:r>
+              <a:rPr lang="de-DE" sz="1400" dirty="0" err="1" smtClean="0"/>
+              <a:t>With</a:t>
+            </a:r>
+            <a:r>
+              <a:rPr lang="de-DE" sz="1400" dirty="0" smtClean="0"/>
+              <a:t> </a:t>
+            </a:r>
+            <a:r>
+              <a:rPr lang="de-DE" sz="1400" dirty="0" err="1" smtClean="0"/>
+              <a:t>ServerLogic.ads</a:t>
+            </a:r>
+            <a:endParaRPr lang="de-DE" sz="1400" dirty="0"/>
+          </a:p>
+        </p:txBody>
+      </p:sp>
+      <p:cxnSp>
+        <p:nvCxnSpPr>
+          <p:cNvPr id="5" name="Gerade Verbindung mit Pfeil 4"/>
+          <p:cNvCxnSpPr/>
+          <p:nvPr/>
+        </p:nvCxnSpPr>
+        <p:spPr>
+          <a:xfrm flipH="1" flipV="1">
+            <a:off x="1921079" y="3162650"/>
+            <a:ext cx="1266591" cy="2130803"/>
+          </a:xfrm>
+          <a:prstGeom prst="straightConnector1">
+            <a:avLst/>
+          </a:prstGeom>
+          <a:ln>
+            <a:prstDash val="sysDash"/>
+            <a:tailEnd type="triangle"/>
+          </a:ln>
+        </p:spPr>
+        <p:style>
+          <a:lnRef idx="2">
+            <a:schemeClr val="accent2"/>
+          </a:lnRef>
+          <a:fillRef idx="0">
+            <a:schemeClr val="accent2"/>
+          </a:fillRef>
+          <a:effectRef idx="1">
+            <a:schemeClr val="accent2"/>
+          </a:effectRef>
+          <a:fontRef idx="minor">
+            <a:schemeClr val="tx1"/>
+          </a:fontRef>
+        </p:style>
+      </p:cxnSp>
+      <p:sp>
+        <p:nvSpPr>
+          <p:cNvPr id="25" name="Textfeld 24"/>
+          <p:cNvSpPr txBox="1"/>
+          <p:nvPr/>
+        </p:nvSpPr>
+        <p:spPr>
+          <a:xfrm rot="3539996">
+            <a:off x="2057194" y="4606022"/>
+            <a:ext cx="1279774" cy="523220"/>
+          </a:xfrm>
+          <a:prstGeom prst="rect">
+            <a:avLst/>
+          </a:prstGeom>
+          <a:noFill/>
+        </p:spPr>
+        <p:txBody>
+          <a:bodyPr wrap="none" rtlCol="0">
+            <a:spAutoFit/>
+          </a:bodyPr>
+          <a:lstStyle/>
+          <a:p>
+            <a:r>
+              <a:rPr lang="de-DE" sz="1400" dirty="0" smtClean="0"/>
+              <a:t>Limited </a:t>
+            </a:r>
+            <a:r>
+              <a:rPr lang="de-DE" sz="1400" dirty="0" err="1" smtClean="0"/>
+              <a:t>with</a:t>
+            </a:r>
+            <a:r>
+              <a:rPr lang="de-DE" sz="1400" dirty="0" smtClean="0"/>
+              <a:t> </a:t>
+            </a:r>
+          </a:p>
+          <a:p>
+            <a:r>
+              <a:rPr lang="de-DE" sz="1400" dirty="0" err="1" smtClean="0"/>
+              <a:t>Chatrooms.ads</a:t>
+            </a:r>
+            <a:endParaRPr lang="de-DE" sz="1400" dirty="0"/>
+          </a:p>
+        </p:txBody>
+      </p:sp>
+      <p:sp>
+        <p:nvSpPr>
+          <p:cNvPr id="4" name="Textfeld 3"/>
+          <p:cNvSpPr txBox="1"/>
+          <p:nvPr/>
+        </p:nvSpPr>
+        <p:spPr>
+          <a:xfrm>
+            <a:off x="3233091" y="5778823"/>
+            <a:ext cx="1828706" cy="523220"/>
+          </a:xfrm>
+          <a:prstGeom prst="rect">
+            <a:avLst/>
+          </a:prstGeom>
+          <a:noFill/>
+        </p:spPr>
+        <p:txBody>
+          <a:bodyPr wrap="none" rtlCol="0">
+            <a:spAutoFit/>
+          </a:bodyPr>
+          <a:lstStyle/>
+          <a:p>
+            <a:r>
+              <a:rPr lang="de-DE" sz="1400" dirty="0" smtClean="0"/>
+              <a:t>Type </a:t>
+            </a:r>
+            <a:r>
+              <a:rPr lang="de-DE" sz="1400" dirty="0" err="1" smtClean="0"/>
+              <a:t>ChatroomPointer</a:t>
+            </a:r>
+            <a:endParaRPr lang="de-DE" sz="1400" dirty="0" smtClean="0"/>
+          </a:p>
+          <a:p>
+            <a:r>
+              <a:rPr lang="de-DE" sz="1400" dirty="0" smtClean="0"/>
+              <a:t> </a:t>
+            </a:r>
+            <a:r>
+              <a:rPr lang="de-DE" sz="1400" dirty="0" err="1" smtClean="0"/>
+              <a:t>is</a:t>
+            </a:r>
+            <a:r>
+              <a:rPr lang="de-DE" sz="1400" dirty="0" smtClean="0"/>
+              <a:t> </a:t>
+            </a:r>
+            <a:r>
+              <a:rPr lang="de-DE" sz="1400" dirty="0" err="1" smtClean="0"/>
+              <a:t>access</a:t>
+            </a:r>
+            <a:r>
+              <a:rPr lang="de-DE" sz="1400" dirty="0" smtClean="0"/>
+              <a:t> Chatroom</a:t>
+            </a:r>
+            <a:endParaRPr lang="de-DE" sz="1400" dirty="0"/>
+          </a:p>
+        </p:txBody>
+      </p:sp>
+      <p:sp>
+        <p:nvSpPr>
+          <p:cNvPr id="24" name="Rechteck 23"/>
+          <p:cNvSpPr/>
+          <p:nvPr/>
+        </p:nvSpPr>
+        <p:spPr>
+          <a:xfrm>
+            <a:off x="3317207" y="5778823"/>
+            <a:ext cx="1649076" cy="478625"/>
+          </a:xfrm>
+          <a:prstGeom prst="rect">
+            <a:avLst/>
+          </a:prstGeom>
+          <a:noFill/>
+        </p:spPr>
+        <p:style>
+          <a:lnRef idx="2">
+            <a:schemeClr val="accent1">
+              <a:shade val="50000"/>
+            </a:schemeClr>
+          </a:lnRef>
+          <a:fillRef idx="1">
+            <a:schemeClr val="accent1"/>
+          </a:fillRef>
+          <a:effectRef idx="0">
+            <a:schemeClr val="accent1"/>
+          </a:effectRef>
+          <a:fontRef idx="minor">
+            <a:schemeClr val="lt1"/>
+          </a:fontRef>
+        </p:style>
+        <p:txBody>
+          <a:bodyPr rtlCol="0" anchor="ctr"/>
+          <a:lstStyle/>
+          <a:p>
+            <a:pPr algn="ctr"/>
+            <a:endParaRPr lang="de-DE"/>
+          </a:p>
+        </p:txBody>
+      </p:sp>
+    </p:spTree>
+    <p:extLst>
+      <p:ext uri="{BB962C8B-B14F-4D97-AF65-F5344CB8AC3E}">
+        <p14:creationId xmlns:p14="http://schemas.microsoft.com/office/powerpoint/2010/main" val="3302144505"/>
+      </p:ext>
+    </p:extLst>
+  </p:cSld>
+  <p:clrMapOvr>
+    <a:masterClrMapping/>
+  </p:clrMapOvr>
+  <p:timing>
+    <p:tnLst>
+      <p:par>
+        <p:cTn id="1" dur="indefinite" restart="never" nodeType="tmRoot"/>
+      </p:par>
+    </p:tnLst>
+  </p:timing>
+</p:sld>
+</file>
+
+<file path=ppt/slides/slide19.xml><?xml version="1.0" encoding="utf-8"?>
+<p:sld xmlns:a="http://schemas.openxmlformats.org/drawingml/2006/main" xmlns:r="http://schemas.openxmlformats.org/officeDocument/2006/relationships" xmlns:p="http://schemas.openxmlformats.org/presentationml/2006/main">
+  <p:cSld>
+    <p:spTree>
+      <p:nvGrpSpPr>
+        <p:cNvPr id="1" name=""/>
+        <p:cNvGrpSpPr/>
+        <p:nvPr/>
+      </p:nvGrpSpPr>
+      <p:grpSpPr>
+        <a:xfrm>
+          <a:off x="0" y="0"/>
+          <a:ext cx="0" cy="0"/>
+          <a:chOff x="0" y="0"/>
+          <a:chExt cx="0" cy="0"/>
+        </a:xfrm>
+      </p:grpSpPr>
+      <p:sp>
+        <p:nvSpPr>
+          <p:cNvPr id="2" name="Titel 1"/>
+          <p:cNvSpPr>
+            <a:spLocks noGrp="1"/>
+          </p:cNvSpPr>
+          <p:nvPr>
+            <p:ph type="title"/>
+          </p:nvPr>
+        </p:nvSpPr>
+        <p:spPr>
+          <a:xfrm>
+            <a:off x="360000" y="1317222"/>
+            <a:ext cx="8246118" cy="569556"/>
+          </a:xfrm>
+        </p:spPr>
+        <p:txBody>
+          <a:bodyPr/>
+          <a:lstStyle/>
+          <a:p>
+            <a:r>
+              <a:rPr lang="de-DE" dirty="0" smtClean="0"/>
+              <a:t>Implementierungslogik – anderes Wort finden</a:t>
+            </a:r>
+            <a:endParaRPr lang="de-DE" dirty="0"/>
+          </a:p>
+        </p:txBody>
+      </p:sp>
+      <p:sp>
+        <p:nvSpPr>
+          <p:cNvPr id="6" name="Rechteck 5"/>
+          <p:cNvSpPr/>
+          <p:nvPr/>
+        </p:nvSpPr>
+        <p:spPr>
+          <a:xfrm>
+            <a:off x="553673" y="2224209"/>
+            <a:ext cx="1744911" cy="2176715"/>
+          </a:xfrm>
+          <a:prstGeom prst="rect">
+            <a:avLst/>
+          </a:prstGeom>
+          <a:noFill/>
+          <a:ln/>
+        </p:spPr>
+        <p:style>
+          <a:lnRef idx="2">
+            <a:schemeClr val="dk1">
+              <a:shade val="50000"/>
+            </a:schemeClr>
+          </a:lnRef>
+          <a:fillRef idx="1">
+            <a:schemeClr val="dk1"/>
+          </a:fillRef>
+          <a:effectRef idx="0">
+            <a:schemeClr val="dk1"/>
+          </a:effectRef>
+          <a:fontRef idx="minor">
+            <a:schemeClr val="lt1"/>
+          </a:fontRef>
+        </p:style>
+        <p:txBody>
+          <a:bodyPr rtlCol="0" anchor="ctr"/>
+          <a:lstStyle/>
+          <a:p>
+            <a:pPr algn="ctr"/>
+            <a:endParaRPr lang="de-DE"/>
+          </a:p>
+        </p:txBody>
+      </p:sp>
+      <p:sp>
+        <p:nvSpPr>
+          <p:cNvPr id="12" name="Textfeld 11"/>
+          <p:cNvSpPr txBox="1"/>
+          <p:nvPr/>
+        </p:nvSpPr>
+        <p:spPr>
+          <a:xfrm>
+            <a:off x="441114" y="1886778"/>
+            <a:ext cx="1593909" cy="369332"/>
+          </a:xfrm>
+          <a:prstGeom prst="rect">
+            <a:avLst/>
+          </a:prstGeom>
+          <a:noFill/>
+        </p:spPr>
+        <p:txBody>
+          <a:bodyPr wrap="square" rtlCol="0">
+            <a:spAutoFit/>
+          </a:bodyPr>
+          <a:lstStyle/>
+          <a:p>
+            <a:r>
+              <a:rPr lang="de-DE" dirty="0" err="1" smtClean="0"/>
+              <a:t>Chatrooms.ads</a:t>
+            </a:r>
+            <a:endParaRPr lang="de-DE" dirty="0"/>
+          </a:p>
+        </p:txBody>
+      </p:sp>
+      <p:sp>
+        <p:nvSpPr>
+          <p:cNvPr id="17" name="Rechteck 16"/>
+          <p:cNvSpPr/>
+          <p:nvPr/>
+        </p:nvSpPr>
+        <p:spPr>
+          <a:xfrm>
+            <a:off x="675169" y="2353487"/>
+            <a:ext cx="1459684" cy="738664"/>
+          </a:xfrm>
+          <a:prstGeom prst="rect">
+            <a:avLst/>
+          </a:prstGeom>
+          <a:noFill/>
+        </p:spPr>
+        <p:style>
+          <a:lnRef idx="2">
+            <a:schemeClr val="accent1">
+              <a:shade val="50000"/>
+            </a:schemeClr>
+          </a:lnRef>
+          <a:fillRef idx="1">
+            <a:schemeClr val="accent1"/>
+          </a:fillRef>
+          <a:effectRef idx="0">
+            <a:schemeClr val="accent1"/>
+          </a:effectRef>
+          <a:fontRef idx="minor">
+            <a:schemeClr val="lt1"/>
+          </a:fontRef>
+        </p:style>
+        <p:txBody>
+          <a:bodyPr rtlCol="0" anchor="ctr"/>
+          <a:lstStyle/>
+          <a:p>
+            <a:pPr algn="ctr"/>
+            <a:endParaRPr lang="de-DE"/>
+          </a:p>
+        </p:txBody>
+      </p:sp>
+      <p:sp>
+        <p:nvSpPr>
+          <p:cNvPr id="19" name="Textfeld 18"/>
+          <p:cNvSpPr txBox="1"/>
+          <p:nvPr/>
+        </p:nvSpPr>
+        <p:spPr>
+          <a:xfrm>
+            <a:off x="675169" y="2353486"/>
+            <a:ext cx="1688264" cy="738664"/>
+          </a:xfrm>
+          <a:prstGeom prst="rect">
+            <a:avLst/>
+          </a:prstGeom>
+          <a:noFill/>
+        </p:spPr>
+        <p:txBody>
+          <a:bodyPr wrap="square" rtlCol="0">
+            <a:spAutoFit/>
+          </a:bodyPr>
+          <a:lstStyle/>
+          <a:p>
+            <a:r>
+              <a:rPr lang="de-DE" sz="1400" dirty="0" smtClean="0"/>
+              <a:t>Type Chatroom </a:t>
+            </a:r>
+            <a:r>
+              <a:rPr lang="de-DE" sz="1400" dirty="0" err="1" smtClean="0"/>
+              <a:t>is</a:t>
+            </a:r>
+            <a:endParaRPr lang="de-DE" sz="1400" dirty="0" smtClean="0"/>
+          </a:p>
+          <a:p>
+            <a:r>
+              <a:rPr lang="de-DE" sz="1400" dirty="0" smtClean="0"/>
+              <a:t>      - Client</a:t>
+            </a:r>
+          </a:p>
+          <a:p>
+            <a:r>
+              <a:rPr lang="de-DE" sz="1400" dirty="0" smtClean="0"/>
+              <a:t>End type;</a:t>
+            </a:r>
+            <a:endParaRPr lang="de-DE" sz="1400" dirty="0"/>
+          </a:p>
+        </p:txBody>
+      </p:sp>
+      <p:sp>
+        <p:nvSpPr>
+          <p:cNvPr id="38" name="Rechteck 37"/>
+          <p:cNvSpPr/>
+          <p:nvPr/>
+        </p:nvSpPr>
+        <p:spPr>
+          <a:xfrm>
+            <a:off x="6204911" y="2224209"/>
+            <a:ext cx="2293137" cy="2725658"/>
+          </a:xfrm>
+          <a:prstGeom prst="rect">
+            <a:avLst/>
+          </a:prstGeom>
+          <a:noFill/>
+          <a:ln/>
+        </p:spPr>
+        <p:style>
+          <a:lnRef idx="2">
+            <a:schemeClr val="dk1">
+              <a:shade val="50000"/>
+            </a:schemeClr>
+          </a:lnRef>
+          <a:fillRef idx="1">
+            <a:schemeClr val="dk1"/>
+          </a:fillRef>
+          <a:effectRef idx="0">
+            <a:schemeClr val="dk1"/>
+          </a:effectRef>
+          <a:fontRef idx="minor">
+            <a:schemeClr val="lt1"/>
+          </a:fontRef>
+        </p:style>
+        <p:txBody>
+          <a:bodyPr rtlCol="0" anchor="ctr"/>
+          <a:lstStyle/>
+          <a:p>
+            <a:pPr algn="ctr"/>
+            <a:endParaRPr lang="de-DE"/>
+          </a:p>
+        </p:txBody>
+      </p:sp>
+      <p:sp>
+        <p:nvSpPr>
+          <p:cNvPr id="39" name="Textfeld 38"/>
+          <p:cNvSpPr txBox="1"/>
+          <p:nvPr/>
+        </p:nvSpPr>
+        <p:spPr>
+          <a:xfrm>
+            <a:off x="6105081" y="1886778"/>
+            <a:ext cx="1629569" cy="369332"/>
+          </a:xfrm>
+          <a:prstGeom prst="rect">
+            <a:avLst/>
+          </a:prstGeom>
+          <a:noFill/>
+        </p:spPr>
+        <p:txBody>
+          <a:bodyPr wrap="square" rtlCol="0">
+            <a:spAutoFit/>
+          </a:bodyPr>
+          <a:lstStyle/>
+          <a:p>
+            <a:r>
+              <a:rPr lang="de-DE" dirty="0" err="1" smtClean="0"/>
+              <a:t>ServerLogic.ads</a:t>
+            </a:r>
+            <a:endParaRPr lang="de-DE" dirty="0"/>
+          </a:p>
+        </p:txBody>
+      </p:sp>
+      <p:sp>
+        <p:nvSpPr>
+          <p:cNvPr id="40" name="Rechteck 39"/>
+          <p:cNvSpPr/>
+          <p:nvPr/>
+        </p:nvSpPr>
+        <p:spPr>
+          <a:xfrm>
+            <a:off x="6339136" y="2353487"/>
+            <a:ext cx="1459684" cy="954106"/>
+          </a:xfrm>
+          <a:prstGeom prst="rect">
+            <a:avLst/>
+          </a:prstGeom>
+          <a:noFill/>
+        </p:spPr>
+        <p:style>
+          <a:lnRef idx="2">
+            <a:schemeClr val="accent1">
+              <a:shade val="50000"/>
+            </a:schemeClr>
+          </a:lnRef>
+          <a:fillRef idx="1">
+            <a:schemeClr val="accent1"/>
+          </a:fillRef>
+          <a:effectRef idx="0">
+            <a:schemeClr val="accent1"/>
+          </a:effectRef>
+          <a:fontRef idx="minor">
+            <a:schemeClr val="lt1"/>
+          </a:fontRef>
+        </p:style>
+        <p:txBody>
+          <a:bodyPr rtlCol="0" anchor="ctr"/>
+          <a:lstStyle/>
+          <a:p>
+            <a:pPr algn="ctr"/>
+            <a:endParaRPr lang="de-DE"/>
+          </a:p>
+        </p:txBody>
+      </p:sp>
+      <p:sp>
+        <p:nvSpPr>
+          <p:cNvPr id="41" name="Textfeld 40"/>
+          <p:cNvSpPr txBox="1"/>
+          <p:nvPr/>
+        </p:nvSpPr>
+        <p:spPr>
+          <a:xfrm>
+            <a:off x="6339136" y="2353486"/>
+            <a:ext cx="1688264" cy="954107"/>
+          </a:xfrm>
+          <a:prstGeom prst="rect">
+            <a:avLst/>
+          </a:prstGeom>
+          <a:noFill/>
+        </p:spPr>
+        <p:txBody>
+          <a:bodyPr wrap="square" rtlCol="0">
+            <a:spAutoFit/>
+          </a:bodyPr>
+          <a:lstStyle/>
+          <a:p>
+            <a:r>
+              <a:rPr lang="de-DE" sz="1400" dirty="0" smtClean="0"/>
+              <a:t>Type Server </a:t>
+            </a:r>
+            <a:r>
+              <a:rPr lang="de-DE" sz="1400" dirty="0" err="1" smtClean="0"/>
+              <a:t>is</a:t>
+            </a:r>
+            <a:endParaRPr lang="de-DE" sz="1400" dirty="0" smtClean="0"/>
+          </a:p>
+          <a:p>
+            <a:r>
+              <a:rPr lang="de-DE" sz="1400" dirty="0" smtClean="0"/>
+              <a:t>      - Client</a:t>
+            </a:r>
+          </a:p>
+          <a:p>
+            <a:r>
+              <a:rPr lang="de-DE" sz="1400" dirty="0"/>
+              <a:t> </a:t>
+            </a:r>
+            <a:r>
+              <a:rPr lang="de-DE" sz="1400" dirty="0" smtClean="0"/>
+              <a:t>     - Chatroom</a:t>
+            </a:r>
+          </a:p>
+          <a:p>
+            <a:r>
+              <a:rPr lang="de-DE" sz="1400" dirty="0" smtClean="0"/>
+              <a:t>End type;</a:t>
+            </a:r>
+            <a:endParaRPr lang="de-DE" sz="1400" dirty="0"/>
+          </a:p>
+        </p:txBody>
+      </p:sp>
+      <p:cxnSp>
+        <p:nvCxnSpPr>
+          <p:cNvPr id="2069" name="Gerade Verbindung mit Pfeil 2068"/>
+          <p:cNvCxnSpPr/>
+          <p:nvPr/>
+        </p:nvCxnSpPr>
+        <p:spPr>
+          <a:xfrm>
+            <a:off x="2134853" y="2995232"/>
+            <a:ext cx="1222702" cy="2123715"/>
+          </a:xfrm>
+          <a:prstGeom prst="straightConnector1">
+            <a:avLst/>
+          </a:prstGeom>
+          <a:ln>
+            <a:tailEnd type="triangle"/>
+          </a:ln>
+        </p:spPr>
+        <p:style>
+          <a:lnRef idx="2">
+            <a:schemeClr val="accent2"/>
+          </a:lnRef>
+          <a:fillRef idx="0">
+            <a:schemeClr val="accent2"/>
+          </a:fillRef>
+          <a:effectRef idx="1">
+            <a:schemeClr val="accent2"/>
+          </a:effectRef>
+          <a:fontRef idx="minor">
+            <a:schemeClr val="tx1"/>
+          </a:fontRef>
+        </p:style>
+      </p:cxnSp>
+      <p:cxnSp>
+        <p:nvCxnSpPr>
+          <p:cNvPr id="2071" name="Gerade Verbindung mit Pfeil 2070"/>
+          <p:cNvCxnSpPr>
+            <a:stCxn id="41" idx="1"/>
+          </p:cNvCxnSpPr>
+          <p:nvPr/>
+        </p:nvCxnSpPr>
+        <p:spPr>
+          <a:xfrm flipH="1" flipV="1">
+            <a:off x="2134853" y="2810675"/>
+            <a:ext cx="4204283" cy="19865"/>
+          </a:xfrm>
+          <a:prstGeom prst="straightConnector1">
+            <a:avLst/>
+          </a:prstGeom>
+          <a:ln>
+            <a:tailEnd type="triangle"/>
+          </a:ln>
+        </p:spPr>
+        <p:style>
+          <a:lnRef idx="2">
+            <a:schemeClr val="accent2"/>
+          </a:lnRef>
+          <a:fillRef idx="0">
+            <a:schemeClr val="accent2"/>
+          </a:fillRef>
+          <a:effectRef idx="1">
+            <a:schemeClr val="accent2"/>
+          </a:effectRef>
+          <a:fontRef idx="minor">
+            <a:schemeClr val="tx1"/>
+          </a:fontRef>
+        </p:style>
+      </p:cxnSp>
+      <p:sp>
+        <p:nvSpPr>
+          <p:cNvPr id="3" name="Textfeld 2"/>
+          <p:cNvSpPr txBox="1"/>
+          <p:nvPr/>
+        </p:nvSpPr>
+        <p:spPr>
+          <a:xfrm rot="3596617">
+            <a:off x="2154106" y="3862159"/>
+            <a:ext cx="1372427" cy="307777"/>
+          </a:xfrm>
+          <a:prstGeom prst="rect">
+            <a:avLst/>
+          </a:prstGeom>
+          <a:noFill/>
+        </p:spPr>
+        <p:txBody>
+          <a:bodyPr wrap="none" rtlCol="0">
+            <a:spAutoFit/>
+          </a:bodyPr>
+          <a:lstStyle/>
+          <a:p>
+            <a:r>
+              <a:rPr lang="de-DE" sz="1400" dirty="0" err="1" smtClean="0"/>
+              <a:t>With</a:t>
+            </a:r>
+            <a:r>
+              <a:rPr lang="de-DE" sz="1400" dirty="0" smtClean="0"/>
+              <a:t> </a:t>
+            </a:r>
+            <a:r>
+              <a:rPr lang="de-DE" sz="1400" dirty="0" err="1" smtClean="0"/>
+              <a:t>Clients.ads</a:t>
+            </a:r>
+            <a:endParaRPr lang="de-DE" sz="1400" dirty="0"/>
+          </a:p>
+        </p:txBody>
+      </p:sp>
+      <p:sp>
+        <p:nvSpPr>
+          <p:cNvPr id="20" name="Textfeld 19"/>
+          <p:cNvSpPr txBox="1"/>
+          <p:nvPr/>
+        </p:nvSpPr>
+        <p:spPr>
+          <a:xfrm>
+            <a:off x="3424834" y="2527910"/>
+            <a:ext cx="1677319" cy="307777"/>
+          </a:xfrm>
+          <a:prstGeom prst="rect">
+            <a:avLst/>
+          </a:prstGeom>
+          <a:noFill/>
+        </p:spPr>
+        <p:txBody>
+          <a:bodyPr wrap="none" rtlCol="0">
+            <a:spAutoFit/>
+          </a:bodyPr>
+          <a:lstStyle/>
+          <a:p>
+            <a:r>
+              <a:rPr lang="de-DE" sz="1400" dirty="0" err="1" smtClean="0"/>
+              <a:t>With</a:t>
+            </a:r>
+            <a:r>
+              <a:rPr lang="de-DE" sz="1400" dirty="0" smtClean="0"/>
+              <a:t> </a:t>
+            </a:r>
+            <a:r>
+              <a:rPr lang="de-DE" sz="1400" dirty="0" err="1" smtClean="0"/>
+              <a:t>Chatrooms.ads</a:t>
+            </a:r>
+            <a:endParaRPr lang="de-DE" sz="1400" dirty="0"/>
+          </a:p>
+        </p:txBody>
+      </p:sp>
+      <p:sp>
+        <p:nvSpPr>
+          <p:cNvPr id="27" name="Rechteck 26"/>
+          <p:cNvSpPr/>
+          <p:nvPr/>
+        </p:nvSpPr>
+        <p:spPr>
+          <a:xfrm>
+            <a:off x="3257489" y="4726264"/>
+            <a:ext cx="1779911" cy="1662076"/>
+          </a:xfrm>
+          <a:prstGeom prst="rect">
+            <a:avLst/>
+          </a:prstGeom>
+          <a:noFill/>
+          <a:ln/>
+        </p:spPr>
+        <p:style>
+          <a:lnRef idx="2">
+            <a:schemeClr val="dk1">
+              <a:shade val="50000"/>
+            </a:schemeClr>
+          </a:lnRef>
+          <a:fillRef idx="1">
+            <a:schemeClr val="dk1"/>
+          </a:fillRef>
+          <a:effectRef idx="0">
+            <a:schemeClr val="dk1"/>
+          </a:effectRef>
+          <a:fontRef idx="minor">
+            <a:schemeClr val="lt1"/>
+          </a:fontRef>
+        </p:style>
+        <p:txBody>
+          <a:bodyPr rtlCol="0" anchor="ctr"/>
+          <a:lstStyle/>
+          <a:p>
+            <a:pPr algn="ctr"/>
+            <a:endParaRPr lang="de-DE"/>
+          </a:p>
+        </p:txBody>
+      </p:sp>
+      <p:sp>
+        <p:nvSpPr>
+          <p:cNvPr id="28" name="Textfeld 27"/>
+          <p:cNvSpPr txBox="1"/>
+          <p:nvPr/>
+        </p:nvSpPr>
+        <p:spPr>
+          <a:xfrm>
+            <a:off x="3187670" y="4400924"/>
+            <a:ext cx="1629569" cy="369332"/>
+          </a:xfrm>
+          <a:prstGeom prst="rect">
+            <a:avLst/>
+          </a:prstGeom>
+          <a:noFill/>
+        </p:spPr>
+        <p:txBody>
+          <a:bodyPr wrap="square" rtlCol="0">
+            <a:spAutoFit/>
+          </a:bodyPr>
+          <a:lstStyle/>
+          <a:p>
+            <a:r>
+              <a:rPr lang="de-DE" dirty="0" err="1" smtClean="0"/>
+              <a:t>Clients.ads</a:t>
+            </a:r>
+            <a:endParaRPr lang="de-DE" dirty="0"/>
+          </a:p>
+        </p:txBody>
+      </p:sp>
+      <p:sp>
+        <p:nvSpPr>
+          <p:cNvPr id="29" name="Textfeld 28"/>
+          <p:cNvSpPr txBox="1"/>
+          <p:nvPr/>
+        </p:nvSpPr>
+        <p:spPr>
+          <a:xfrm>
+            <a:off x="3349136" y="4823640"/>
+            <a:ext cx="1688264" cy="738664"/>
+          </a:xfrm>
+          <a:prstGeom prst="rect">
+            <a:avLst/>
+          </a:prstGeom>
+          <a:noFill/>
+        </p:spPr>
+        <p:txBody>
+          <a:bodyPr wrap="square" rtlCol="0">
+            <a:spAutoFit/>
+          </a:bodyPr>
+          <a:lstStyle/>
+          <a:p>
+            <a:r>
+              <a:rPr lang="de-DE" sz="1400" dirty="0" smtClean="0"/>
+              <a:t>Type Client </a:t>
+            </a:r>
+            <a:r>
+              <a:rPr lang="de-DE" sz="1400" dirty="0" err="1" smtClean="0"/>
+              <a:t>is</a:t>
+            </a:r>
+            <a:endParaRPr lang="de-DE" sz="1400" dirty="0" smtClean="0"/>
+          </a:p>
+          <a:p>
+            <a:r>
+              <a:rPr lang="de-DE" sz="1400" dirty="0" smtClean="0"/>
+              <a:t>      -</a:t>
+            </a:r>
+            <a:r>
+              <a:rPr lang="de-DE" sz="1400" dirty="0" smtClean="0">
+                <a:solidFill>
+                  <a:srgbClr val="FF0000"/>
+                </a:solidFill>
+              </a:rPr>
+              <a:t> </a:t>
+            </a:r>
+            <a:r>
+              <a:rPr lang="de-DE" sz="1400" dirty="0" err="1" smtClean="0"/>
+              <a:t>ChatroomPtr</a:t>
+            </a:r>
+            <a:endParaRPr lang="de-DE" sz="1400" dirty="0" smtClean="0"/>
+          </a:p>
+          <a:p>
+            <a:r>
+              <a:rPr lang="de-DE" sz="1400" dirty="0" smtClean="0"/>
+              <a:t>End type;</a:t>
+            </a:r>
+            <a:endParaRPr lang="de-DE" sz="1400" dirty="0"/>
+          </a:p>
+        </p:txBody>
+      </p:sp>
+      <p:sp>
+        <p:nvSpPr>
+          <p:cNvPr id="31" name="Rechteck 30"/>
+          <p:cNvSpPr/>
+          <p:nvPr/>
+        </p:nvSpPr>
+        <p:spPr>
+          <a:xfrm>
+            <a:off x="3357555" y="4823641"/>
+            <a:ext cx="1459684" cy="836039"/>
+          </a:xfrm>
+          <a:prstGeom prst="rect">
+            <a:avLst/>
+          </a:prstGeom>
+          <a:noFill/>
+        </p:spPr>
+        <p:style>
+          <a:lnRef idx="2">
+            <a:schemeClr val="accent1">
+              <a:shade val="50000"/>
+            </a:schemeClr>
+          </a:lnRef>
+          <a:fillRef idx="1">
+            <a:schemeClr val="accent1"/>
+          </a:fillRef>
+          <a:effectRef idx="0">
+            <a:schemeClr val="accent1"/>
+          </a:effectRef>
+          <a:fontRef idx="minor">
+            <a:schemeClr val="lt1"/>
+          </a:fontRef>
+        </p:style>
+        <p:txBody>
+          <a:bodyPr rtlCol="0" anchor="ctr"/>
+          <a:lstStyle/>
+          <a:p>
+            <a:pPr algn="ctr"/>
+            <a:endParaRPr lang="de-DE"/>
+          </a:p>
+        </p:txBody>
+      </p:sp>
+      <p:cxnSp>
+        <p:nvCxnSpPr>
+          <p:cNvPr id="7" name="Gerade Verbindung mit Pfeil 6"/>
+          <p:cNvCxnSpPr/>
+          <p:nvPr/>
+        </p:nvCxnSpPr>
+        <p:spPr>
+          <a:xfrm flipH="1">
+            <a:off x="5102154" y="3307593"/>
+            <a:ext cx="1236982" cy="1717413"/>
+          </a:xfrm>
+          <a:prstGeom prst="straightConnector1">
+            <a:avLst/>
+          </a:prstGeom>
+          <a:ln>
+            <a:tailEnd type="triangle"/>
+          </a:ln>
+        </p:spPr>
+        <p:style>
+          <a:lnRef idx="2">
+            <a:schemeClr val="accent2"/>
+          </a:lnRef>
+          <a:fillRef idx="0">
+            <a:schemeClr val="accent2"/>
+          </a:fillRef>
+          <a:effectRef idx="1">
+            <a:schemeClr val="accent2"/>
+          </a:effectRef>
+          <a:fontRef idx="minor">
+            <a:schemeClr val="tx1"/>
+          </a:fontRef>
+        </p:style>
+      </p:cxnSp>
+      <p:sp>
+        <p:nvSpPr>
+          <p:cNvPr id="36" name="Textfeld 35"/>
+          <p:cNvSpPr txBox="1"/>
+          <p:nvPr/>
+        </p:nvSpPr>
+        <p:spPr>
+          <a:xfrm rot="18339854">
+            <a:off x="4794195" y="3881325"/>
+            <a:ext cx="1718676" cy="307777"/>
+          </a:xfrm>
+          <a:prstGeom prst="rect">
+            <a:avLst/>
+          </a:prstGeom>
+          <a:noFill/>
+        </p:spPr>
+        <p:txBody>
+          <a:bodyPr wrap="none" rtlCol="0">
+            <a:spAutoFit/>
+          </a:bodyPr>
+          <a:lstStyle/>
+          <a:p>
+            <a:r>
+              <a:rPr lang="de-DE" sz="1400" dirty="0" err="1" smtClean="0"/>
+              <a:t>With</a:t>
+            </a:r>
+            <a:r>
+              <a:rPr lang="de-DE" sz="1400" dirty="0" smtClean="0"/>
+              <a:t> </a:t>
+            </a:r>
+            <a:r>
+              <a:rPr lang="de-DE" sz="1400" dirty="0" err="1" smtClean="0"/>
+              <a:t>ServerLogic.ads</a:t>
+            </a:r>
+            <a:endParaRPr lang="de-DE" sz="1400" dirty="0"/>
+          </a:p>
+        </p:txBody>
+      </p:sp>
+      <p:cxnSp>
+        <p:nvCxnSpPr>
+          <p:cNvPr id="5" name="Gerade Verbindung mit Pfeil 4"/>
+          <p:cNvCxnSpPr/>
+          <p:nvPr/>
+        </p:nvCxnSpPr>
+        <p:spPr>
+          <a:xfrm flipH="1" flipV="1">
+            <a:off x="1921079" y="3162650"/>
+            <a:ext cx="1266591" cy="2130803"/>
+          </a:xfrm>
+          <a:prstGeom prst="straightConnector1">
+            <a:avLst/>
+          </a:prstGeom>
+          <a:ln>
+            <a:prstDash val="sysDash"/>
+            <a:tailEnd type="triangle"/>
+          </a:ln>
+        </p:spPr>
+        <p:style>
+          <a:lnRef idx="2">
+            <a:schemeClr val="accent2"/>
+          </a:lnRef>
+          <a:fillRef idx="0">
+            <a:schemeClr val="accent2"/>
+          </a:fillRef>
+          <a:effectRef idx="1">
+            <a:schemeClr val="accent2"/>
+          </a:effectRef>
+          <a:fontRef idx="minor">
+            <a:schemeClr val="tx1"/>
+          </a:fontRef>
+        </p:style>
+      </p:cxnSp>
+      <p:sp>
+        <p:nvSpPr>
+          <p:cNvPr id="25" name="Textfeld 24"/>
+          <p:cNvSpPr txBox="1"/>
+          <p:nvPr/>
+        </p:nvSpPr>
+        <p:spPr>
+          <a:xfrm rot="3539996">
+            <a:off x="2057194" y="4606022"/>
+            <a:ext cx="1279774" cy="523220"/>
+          </a:xfrm>
+          <a:prstGeom prst="rect">
+            <a:avLst/>
+          </a:prstGeom>
+          <a:noFill/>
+        </p:spPr>
+        <p:txBody>
+          <a:bodyPr wrap="none" rtlCol="0">
+            <a:spAutoFit/>
+          </a:bodyPr>
+          <a:lstStyle/>
+          <a:p>
+            <a:r>
+              <a:rPr lang="de-DE" sz="1400" dirty="0" smtClean="0"/>
+              <a:t>Limited </a:t>
+            </a:r>
+            <a:r>
+              <a:rPr lang="de-DE" sz="1400" dirty="0" err="1" smtClean="0"/>
+              <a:t>with</a:t>
+            </a:r>
+            <a:r>
+              <a:rPr lang="de-DE" sz="1400" dirty="0" smtClean="0"/>
+              <a:t> </a:t>
+            </a:r>
+          </a:p>
+          <a:p>
+            <a:r>
+              <a:rPr lang="de-DE" sz="1400" dirty="0" err="1" smtClean="0"/>
+              <a:t>Chatrooms.ads</a:t>
+            </a:r>
+            <a:endParaRPr lang="de-DE" sz="1400" dirty="0"/>
+          </a:p>
+        </p:txBody>
+      </p:sp>
+      <p:sp>
+        <p:nvSpPr>
+          <p:cNvPr id="4" name="Textfeld 3"/>
+          <p:cNvSpPr txBox="1"/>
+          <p:nvPr/>
+        </p:nvSpPr>
+        <p:spPr>
+          <a:xfrm>
+            <a:off x="3233091" y="5778823"/>
+            <a:ext cx="1828706" cy="523220"/>
+          </a:xfrm>
+          <a:prstGeom prst="rect">
+            <a:avLst/>
+          </a:prstGeom>
+          <a:noFill/>
+        </p:spPr>
+        <p:txBody>
+          <a:bodyPr wrap="none" rtlCol="0">
+            <a:spAutoFit/>
+          </a:bodyPr>
+          <a:lstStyle/>
+          <a:p>
+            <a:r>
+              <a:rPr lang="de-DE" sz="1400" dirty="0" smtClean="0"/>
+              <a:t>Type </a:t>
+            </a:r>
+            <a:r>
+              <a:rPr lang="de-DE" sz="1400" dirty="0" err="1" smtClean="0"/>
+              <a:t>ChatroomPointer</a:t>
+            </a:r>
+            <a:endParaRPr lang="de-DE" sz="1400" dirty="0" smtClean="0"/>
+          </a:p>
+          <a:p>
+            <a:r>
+              <a:rPr lang="de-DE" sz="1400" dirty="0" smtClean="0"/>
+              <a:t> </a:t>
+            </a:r>
+            <a:r>
+              <a:rPr lang="de-DE" sz="1400" dirty="0" err="1" smtClean="0"/>
+              <a:t>is</a:t>
+            </a:r>
+            <a:r>
+              <a:rPr lang="de-DE" sz="1400" dirty="0" smtClean="0"/>
+              <a:t> </a:t>
+            </a:r>
+            <a:r>
+              <a:rPr lang="de-DE" sz="1400" dirty="0" err="1" smtClean="0"/>
+              <a:t>access</a:t>
+            </a:r>
+            <a:r>
+              <a:rPr lang="de-DE" sz="1400" dirty="0" smtClean="0"/>
+              <a:t> Chatroom</a:t>
+            </a:r>
+            <a:endParaRPr lang="de-DE" sz="1400" dirty="0"/>
+          </a:p>
+        </p:txBody>
+      </p:sp>
+      <p:sp>
+        <p:nvSpPr>
+          <p:cNvPr id="24" name="Rechteck 23"/>
+          <p:cNvSpPr/>
+          <p:nvPr/>
+        </p:nvSpPr>
+        <p:spPr>
+          <a:xfrm>
+            <a:off x="3317207" y="5778823"/>
+            <a:ext cx="1649076" cy="478625"/>
+          </a:xfrm>
+          <a:prstGeom prst="rect">
+            <a:avLst/>
+          </a:prstGeom>
+          <a:noFill/>
+        </p:spPr>
+        <p:style>
+          <a:lnRef idx="2">
+            <a:schemeClr val="accent1">
+              <a:shade val="50000"/>
+            </a:schemeClr>
+          </a:lnRef>
+          <a:fillRef idx="1">
+            <a:schemeClr val="accent1"/>
+          </a:fillRef>
+          <a:effectRef idx="0">
+            <a:schemeClr val="accent1"/>
+          </a:effectRef>
+          <a:fontRef idx="minor">
+            <a:schemeClr val="lt1"/>
+          </a:fontRef>
+        </p:style>
+        <p:txBody>
+          <a:bodyPr rtlCol="0" anchor="ctr"/>
+          <a:lstStyle/>
+          <a:p>
+            <a:pPr algn="ctr"/>
+            <a:endParaRPr lang="de-DE"/>
+          </a:p>
+        </p:txBody>
+      </p:sp>
+    </p:spTree>
+    <p:extLst>
+      <p:ext uri="{BB962C8B-B14F-4D97-AF65-F5344CB8AC3E}">
+        <p14:creationId xmlns:p14="http://schemas.microsoft.com/office/powerpoint/2010/main" val="3805318814"/>
       </p:ext>
     </p:extLst>
   </p:cSld>
@@ -3271,7 +10222,6 @@
               <a:rPr lang="de-DE" dirty="0" smtClean="0"/>
               <a:t>Vorgehen</a:t>
             </a:r>
-            <a:endParaRPr lang="de-DE" dirty="0" smtClean="0"/>
           </a:p>
           <a:p>
             <a:r>
@@ -3296,7 +10246,6 @@
               <a:rPr lang="de-DE" dirty="0" smtClean="0"/>
               <a:t>Erweiterbarkeit</a:t>
             </a:r>
-            <a:endParaRPr lang="de-DE" dirty="0" smtClean="0"/>
           </a:p>
           <a:p>
             <a:r>

--- a/documentation/Ada Chat.pptx
+++ b/documentation/Ada Chat.pptx
@@ -2063,10 +2063,9 @@
           <a:lstStyle/>
           <a:p>
             <a:r>
-              <a:rPr lang="de-DE" dirty="0" smtClean="0"/>
-              <a:t>Implementierungslogik – anderes Wort finden</a:t>
-            </a:r>
-            <a:endParaRPr lang="de-DE" dirty="0"/>
+              <a:rPr lang="de-DE" dirty="0"/>
+              <a:t>Zirkuläre Abhängigkeiten</a:t>
+            </a:r>
           </a:p>
         </p:txBody>
       </p:sp>
@@ -2826,10 +2825,9 @@
           <a:lstStyle/>
           <a:p>
             <a:r>
-              <a:rPr lang="de-DE" dirty="0" smtClean="0"/>
-              <a:t>Implementierungslogik – anderes Wort finden</a:t>
-            </a:r>
-            <a:endParaRPr lang="de-DE" dirty="0"/>
+              <a:rPr lang="de-DE" dirty="0"/>
+              <a:t>Zirkuläre Abhängigkeiten</a:t>
+            </a:r>
           </a:p>
         </p:txBody>
       </p:sp>
@@ -3279,10 +3277,9 @@
           <a:lstStyle/>
           <a:p>
             <a:r>
-              <a:rPr lang="de-DE" dirty="0" smtClean="0"/>
-              <a:t>Implementierungslogik – anderes Wort finden</a:t>
-            </a:r>
-            <a:endParaRPr lang="de-DE" dirty="0"/>
+              <a:rPr lang="de-DE" dirty="0"/>
+              <a:t>Zirkuläre Abhängigkeiten</a:t>
+            </a:r>
           </a:p>
         </p:txBody>
       </p:sp>
@@ -4049,10 +4046,9 @@
           <a:lstStyle/>
           <a:p>
             <a:r>
-              <a:rPr lang="de-DE" dirty="0" smtClean="0"/>
-              <a:t>Implementierungslogik – anderes Wort finden</a:t>
-            </a:r>
-            <a:endParaRPr lang="de-DE" dirty="0"/>
+              <a:rPr lang="de-DE" dirty="0"/>
+              <a:t>Zirkuläre Abhängigkeiten</a:t>
+            </a:r>
           </a:p>
         </p:txBody>
       </p:sp>
@@ -4849,10 +4845,9 @@
           <a:lstStyle/>
           <a:p>
             <a:r>
-              <a:rPr lang="de-DE" dirty="0" smtClean="0"/>
-              <a:t>Implementierungslogik – anderes Wort finden</a:t>
-            </a:r>
-            <a:endParaRPr lang="de-DE" dirty="0"/>
+              <a:rPr lang="de-DE" dirty="0"/>
+              <a:t>Zirkuläre Abhängigkeiten</a:t>
+            </a:r>
           </a:p>
         </p:txBody>
       </p:sp>
@@ -5690,10 +5685,9 @@
           <a:lstStyle/>
           <a:p>
             <a:r>
-              <a:rPr lang="de-DE" dirty="0" smtClean="0"/>
-              <a:t>Implementierungslogik – anderes Wort finden</a:t>
-            </a:r>
-            <a:endParaRPr lang="de-DE" dirty="0"/>
+              <a:rPr lang="de-DE" dirty="0"/>
+              <a:t>Zirkuläre Abhängigkeiten</a:t>
+            </a:r>
           </a:p>
         </p:txBody>
       </p:sp>
@@ -6572,10 +6566,9 @@
           <a:lstStyle/>
           <a:p>
             <a:r>
-              <a:rPr lang="de-DE" dirty="0" smtClean="0"/>
-              <a:t>Implementierungslogik – anderes Wort finden</a:t>
-            </a:r>
-            <a:endParaRPr lang="de-DE" dirty="0"/>
+              <a:rPr lang="de-DE" dirty="0"/>
+              <a:t>Zirkuläre Abhängigkeiten</a:t>
+            </a:r>
           </a:p>
         </p:txBody>
       </p:sp>
@@ -7420,10 +7413,9 @@
           <a:lstStyle/>
           <a:p>
             <a:r>
-              <a:rPr lang="de-DE" dirty="0" smtClean="0"/>
-              <a:t>Implementierungslogik – anderes Wort finden</a:t>
-            </a:r>
-            <a:endParaRPr lang="de-DE" dirty="0"/>
+              <a:rPr lang="de-DE" dirty="0"/>
+              <a:t>Zirkuläre Abhängigkeiten</a:t>
+            </a:r>
           </a:p>
         </p:txBody>
       </p:sp>
@@ -8276,10 +8268,9 @@
           <a:lstStyle/>
           <a:p>
             <a:r>
-              <a:rPr lang="de-DE" dirty="0" smtClean="0"/>
-              <a:t>Implementierungslogik – anderes Wort finden</a:t>
-            </a:r>
-            <a:endParaRPr lang="de-DE" dirty="0"/>
+              <a:rPr lang="de-DE" dirty="0"/>
+              <a:t>Zirkuläre Abhängigkeiten</a:t>
+            </a:r>
           </a:p>
         </p:txBody>
       </p:sp>
@@ -9230,10 +9221,9 @@
           <a:lstStyle/>
           <a:p>
             <a:r>
-              <a:rPr lang="de-DE" dirty="0" smtClean="0"/>
-              <a:t>Implementierungslogik – anderes Wort finden</a:t>
-            </a:r>
-            <a:endParaRPr lang="de-DE" dirty="0"/>
+              <a:rPr lang="de-DE" dirty="0"/>
+              <a:t>Zirkuläre Abhängigkeiten</a:t>
+            </a:r>
           </a:p>
         </p:txBody>
       </p:sp>
@@ -12815,28 +12805,6 @@
             <a:r>
               <a:rPr lang="de-DE" dirty="0" smtClean="0"/>
               <a:t>Zirkuläre Abhängigkeiten</a:t>
-            </a:r>
-          </a:p>
-          <a:p>
-            <a:r>
-              <a:rPr lang="de-DE" dirty="0" smtClean="0"/>
-              <a:t>Pointer Verhalten unklar, wann Call </a:t>
-            </a:r>
-            <a:r>
-              <a:rPr lang="de-DE" dirty="0" err="1" smtClean="0"/>
-              <a:t>by</a:t>
-            </a:r>
-            <a:r>
-              <a:rPr lang="de-DE" dirty="0" smtClean="0"/>
-              <a:t> Value wann Call </a:t>
-            </a:r>
-            <a:r>
-              <a:rPr lang="de-DE" dirty="0" err="1" smtClean="0"/>
-              <a:t>by</a:t>
-            </a:r>
-            <a:r>
-              <a:rPr lang="de-DE" dirty="0" smtClean="0"/>
-              <a:t> Reference </a:t>
             </a:r>
           </a:p>
           <a:p>

--- a/documentation/Ada Chat.pptx
+++ b/documentation/Ada Chat.pptx
@@ -215,7 +215,7 @@
           <a:p>
             <a:fld id="{17D3A48C-A592-4DCA-964C-2AA7FC1C9F64}" type="datetimeFigureOut">
               <a:rPr lang="de-DE" smtClean="0"/>
-              <a:t>08.05.2016</a:t>
+              <a:t>09.05.2016</a:t>
             </a:fld>
             <a:endParaRPr lang="de-DE"/>
           </a:p>
@@ -279,38 +279,37 @@
           <a:p>
             <a:pPr lvl="0"/>
             <a:r>
-              <a:rPr lang="de-DE" smtClean="0"/>
+              <a:rPr lang="de-DE"/>
               <a:t>Textmasterformat bearbeiten</a:t>
             </a:r>
           </a:p>
           <a:p>
             <a:pPr lvl="1"/>
             <a:r>
-              <a:rPr lang="de-DE" smtClean="0"/>
+              <a:rPr lang="de-DE"/>
               <a:t>Zweite Ebene</a:t>
             </a:r>
           </a:p>
           <a:p>
             <a:pPr lvl="2"/>
             <a:r>
-              <a:rPr lang="de-DE" smtClean="0"/>
+              <a:rPr lang="de-DE"/>
               <a:t>Dritte Ebene</a:t>
             </a:r>
           </a:p>
           <a:p>
             <a:pPr lvl="3"/>
             <a:r>
-              <a:rPr lang="de-DE" smtClean="0"/>
+              <a:rPr lang="de-DE"/>
               <a:t>Vierte Ebene</a:t>
             </a:r>
           </a:p>
           <a:p>
             <a:pPr lvl="4"/>
             <a:r>
-              <a:rPr lang="de-DE" smtClean="0"/>
+              <a:rPr lang="de-DE"/>
               <a:t>Fünfte Ebene</a:t>
             </a:r>
-            <a:endParaRPr lang="de-DE"/>
           </a:p>
         </p:txBody>
       </p:sp>
@@ -528,11 +527,11 @@
           <a:lstStyle/>
           <a:p>
             <a:r>
-              <a:rPr lang="de-DE" dirty="0" smtClean="0"/>
+              <a:rPr lang="de-DE" dirty="0"/>
               <a:t>Warum</a:t>
             </a:r>
             <a:r>
-              <a:rPr lang="de-DE" baseline="0" dirty="0" smtClean="0"/>
+              <a:rPr lang="de-DE" baseline="0" dirty="0"/>
               <a:t> Chat? Gute Abdeckung der Kursinhalte (diese nennen: Nebenläufigkeitskonzepte Ada, GUI mit GTK, Objektorientiert…), gut auf die Gruppenmitglieder aufteilbar, grobes Anreißen der Funktionalität</a:t>
             </a:r>
             <a:endParaRPr lang="de-DE" dirty="0"/>
@@ -620,15 +619,15 @@
           <a:lstStyle/>
           <a:p>
             <a:r>
-              <a:rPr lang="de-DE" dirty="0" smtClean="0"/>
+              <a:rPr lang="de-DE" dirty="0"/>
               <a:t>Bild Server, frei dazu reden,</a:t>
             </a:r>
             <a:r>
-              <a:rPr lang="de-DE" baseline="0" dirty="0" smtClean="0"/>
+              <a:rPr lang="de-DE" baseline="0" dirty="0"/>
               <a:t> </a:t>
             </a:r>
             <a:r>
-              <a:rPr lang="de-DE" dirty="0" smtClean="0"/>
+              <a:rPr lang="de-DE" dirty="0"/>
               <a:t>Client analog</a:t>
             </a:r>
           </a:p>
@@ -664,6 +663,108 @@
     <p:extLst>
       <p:ext uri="{BB962C8B-B14F-4D97-AF65-F5344CB8AC3E}">
         <p14:creationId xmlns:p14="http://schemas.microsoft.com/office/powerpoint/2010/main" val="3383661962"/>
+      </p:ext>
+    </p:extLst>
+  </p:cSld>
+  <p:clrMapOvr>
+    <a:masterClrMapping/>
+  </p:clrMapOvr>
+</p:notes>
+</file>
+
+<file path=ppt/notesSlides/notesSlide3.xml><?xml version="1.0" encoding="utf-8"?>
+<p:notes xmlns:a="http://schemas.openxmlformats.org/drawingml/2006/main" xmlns:r="http://schemas.openxmlformats.org/officeDocument/2006/relationships" xmlns:p="http://schemas.openxmlformats.org/presentationml/2006/main">
+  <p:cSld>
+    <p:spTree>
+      <p:nvGrpSpPr>
+        <p:cNvPr id="1" name=""/>
+        <p:cNvGrpSpPr/>
+        <p:nvPr/>
+      </p:nvGrpSpPr>
+      <p:grpSpPr>
+        <a:xfrm>
+          <a:off x="0" y="0"/>
+          <a:ext cx="0" cy="0"/>
+          <a:chOff x="0" y="0"/>
+          <a:chExt cx="0" cy="0"/>
+        </a:xfrm>
+      </p:grpSpPr>
+      <p:sp>
+        <p:nvSpPr>
+          <p:cNvPr id="2" name="Folienbildplatzhalter 1"/>
+          <p:cNvSpPr>
+            <a:spLocks noGrp="1" noRot="1" noChangeAspect="1"/>
+          </p:cNvSpPr>
+          <p:nvPr>
+            <p:ph type="sldImg"/>
+          </p:nvPr>
+        </p:nvSpPr>
+        <p:spPr/>
+      </p:sp>
+      <p:sp>
+        <p:nvSpPr>
+          <p:cNvPr id="3" name="Notizenplatzhalter 2"/>
+          <p:cNvSpPr>
+            <a:spLocks noGrp="1"/>
+          </p:cNvSpPr>
+          <p:nvPr>
+            <p:ph type="body" idx="1"/>
+          </p:nvPr>
+        </p:nvSpPr>
+        <p:spPr/>
+        <p:txBody>
+          <a:bodyPr/>
+          <a:lstStyle/>
+          <a:p>
+            <a:r>
+              <a:rPr lang="de-DE" dirty="0"/>
+              <a:t>Server und Clients startklar, von unterschiedlichen Rechnern aus!</a:t>
+            </a:r>
+          </a:p>
+          <a:p>
+            <a:r>
+              <a:rPr lang="de-DE" dirty="0"/>
+              <a:t>Funktionen demonstrieren </a:t>
+            </a:r>
+          </a:p>
+          <a:p>
+            <a:r>
+              <a:rPr lang="de-DE" dirty="0"/>
+              <a:t>Wenn es um die Server Funktionen geht, Server auf Präsentationslaptop, wenn um die Client Funktionen extra Client Fenster auf diesem Laptop ansonsten kommt Input von außerhalb</a:t>
+            </a:r>
+          </a:p>
+          <a:p>
+            <a:endParaRPr lang="de-DE" dirty="0"/>
+          </a:p>
+        </p:txBody>
+      </p:sp>
+      <p:sp>
+        <p:nvSpPr>
+          <p:cNvPr id="4" name="Foliennummernplatzhalter 3"/>
+          <p:cNvSpPr>
+            <a:spLocks noGrp="1"/>
+          </p:cNvSpPr>
+          <p:nvPr>
+            <p:ph type="sldNum" sz="quarter" idx="10"/>
+          </p:nvPr>
+        </p:nvSpPr>
+        <p:spPr/>
+        <p:txBody>
+          <a:bodyPr/>
+          <a:lstStyle/>
+          <a:p>
+            <a:fld id="{B86A5C8B-E559-406D-A6CE-B08D815A3D7D}" type="slidenum">
+              <a:rPr lang="de-DE" smtClean="0"/>
+              <a:t>7</a:t>
+            </a:fld>
+            <a:endParaRPr lang="de-DE"/>
+          </a:p>
+        </p:txBody>
+      </p:sp>
+    </p:spTree>
+    <p:extLst>
+      <p:ext uri="{BB962C8B-B14F-4D97-AF65-F5344CB8AC3E}">
+        <p14:creationId xmlns:p14="http://schemas.microsoft.com/office/powerpoint/2010/main" val="670919314"/>
       </p:ext>
     </p:extLst>
   </p:cSld>
@@ -799,10 +900,9 @@
           </a:lstStyle>
           <a:p>
             <a:r>
-              <a:rPr lang="de-DE" dirty="0" smtClean="0"/>
+              <a:rPr lang="de-DE" dirty="0"/>
               <a:t>Titel durch Klicken bearbeiten</a:t>
             </a:r>
-            <a:endParaRPr lang="de-DE" dirty="0"/>
           </a:p>
         </p:txBody>
       </p:sp>
@@ -870,10 +970,9 @@
           </a:lstStyle>
           <a:p>
             <a:r>
-              <a:rPr lang="de-DE" dirty="0" smtClean="0"/>
+              <a:rPr lang="de-DE" dirty="0"/>
               <a:t>Modulnamen durch Klicken hinzufügen</a:t>
             </a:r>
-            <a:endParaRPr lang="de-DE" dirty="0"/>
           </a:p>
         </p:txBody>
       </p:sp>
@@ -944,7 +1043,7 @@
           <a:lstStyle/>
           <a:p>
             <a:r>
-              <a:rPr lang="de-DE" sz="900" dirty="0" smtClean="0">
+              <a:rPr lang="de-DE" sz="900" dirty="0">
                 <a:solidFill>
                   <a:schemeClr val="bg1"/>
                 </a:solidFill>
@@ -954,7 +1053,7 @@
               <a:t>UNIVERSITY</a:t>
             </a:r>
             <a:r>
-              <a:rPr lang="de-DE" sz="900" baseline="0" dirty="0" smtClean="0">
+              <a:rPr lang="de-DE" sz="900" baseline="0" dirty="0">
                 <a:solidFill>
                   <a:schemeClr val="bg1"/>
                 </a:solidFill>
@@ -1024,10 +1123,9 @@
           <a:p>
             <a:pPr lvl="0"/>
             <a:r>
-              <a:rPr lang="de-DE" dirty="0" smtClean="0"/>
+              <a:rPr lang="de-DE" dirty="0"/>
               <a:t>Ersteller durch Klicken hinzufügen</a:t>
             </a:r>
-            <a:endParaRPr lang="de-DE" dirty="0"/>
           </a:p>
         </p:txBody>
       </p:sp>
@@ -1041,13 +1139,6 @@
   <p:clrMapOvr>
     <a:masterClrMapping/>
   </p:clrMapOvr>
-  <p:timing>
-    <p:tnLst>
-      <p:par>
-        <p:cTn id="1" dur="indefinite" restart="never" nodeType="tmRoot"/>
-      </p:par>
-    </p:tnLst>
-  </p:timing>
 </p:sldLayout>
 </file>
 
@@ -1097,10 +1188,9 @@
           </a:lstStyle>
           <a:p>
             <a:r>
-              <a:rPr lang="de-DE" smtClean="0"/>
+              <a:rPr lang="de-DE"/>
               <a:t>Titelmasterformat durch Klicken bearbeiten</a:t>
             </a:r>
-            <a:endParaRPr lang="de-DE"/>
           </a:p>
         </p:txBody>
       </p:sp>
@@ -1159,38 +1249,37 @@
           <a:p>
             <a:pPr lvl="0"/>
             <a:r>
-              <a:rPr lang="de-DE" smtClean="0"/>
+              <a:rPr lang="de-DE"/>
               <a:t>Textmasterformat bearbeiten</a:t>
             </a:r>
           </a:p>
           <a:p>
             <a:pPr lvl="1"/>
             <a:r>
-              <a:rPr lang="de-DE" smtClean="0"/>
+              <a:rPr lang="de-DE"/>
               <a:t>Zweite Ebene</a:t>
             </a:r>
           </a:p>
           <a:p>
             <a:pPr lvl="2"/>
             <a:r>
-              <a:rPr lang="de-DE" smtClean="0"/>
+              <a:rPr lang="de-DE"/>
               <a:t>Dritte Ebene</a:t>
             </a:r>
           </a:p>
           <a:p>
             <a:pPr lvl="3"/>
             <a:r>
-              <a:rPr lang="de-DE" smtClean="0"/>
+              <a:rPr lang="de-DE"/>
               <a:t>Vierte Ebene</a:t>
             </a:r>
           </a:p>
           <a:p>
             <a:pPr lvl="4"/>
             <a:r>
-              <a:rPr lang="de-DE" smtClean="0"/>
+              <a:rPr lang="de-DE"/>
               <a:t>Fünfte Ebene</a:t>
             </a:r>
-            <a:endParaRPr lang="de-DE"/>
           </a:p>
         </p:txBody>
       </p:sp>
@@ -1204,13 +1293,6 @@
   <p:clrMapOvr>
     <a:masterClrMapping/>
   </p:clrMapOvr>
-  <p:timing>
-    <p:tnLst>
-      <p:par>
-        <p:cTn id="1" dur="indefinite" restart="never" nodeType="tmRoot"/>
-      </p:par>
-    </p:tnLst>
-  </p:timing>
 </p:sldLayout>
 </file>
 
@@ -1247,10 +1329,9 @@
           <a:lstStyle/>
           <a:p>
             <a:r>
-              <a:rPr lang="de-DE" smtClean="0"/>
+              <a:rPr lang="de-DE"/>
               <a:t>Titelmasterformat durch Klicken bearbeiten</a:t>
             </a:r>
-            <a:endParaRPr lang="de-DE"/>
           </a:p>
         </p:txBody>
       </p:sp>
@@ -1264,13 +1345,6 @@
   <p:clrMapOvr>
     <a:masterClrMapping/>
   </p:clrMapOvr>
-  <p:timing>
-    <p:tnLst>
-      <p:par>
-        <p:cTn id="1" dur="indefinite" restart="never" nodeType="tmRoot"/>
-      </p:par>
-    </p:tnLst>
-  </p:timing>
 </p:sldLayout>
 </file>
 
@@ -1301,13 +1375,6 @@
   <p:clrMapOvr>
     <a:masterClrMapping/>
   </p:clrMapOvr>
-  <p:timing>
-    <p:tnLst>
-      <p:par>
-        <p:cTn id="1" dur="indefinite" restart="never" nodeType="tmRoot"/>
-      </p:par>
-    </p:tnLst>
-  </p:timing>
 </p:sldLayout>
 </file>
 
@@ -1407,10 +1474,9 @@
           <a:lstStyle/>
           <a:p>
             <a:r>
-              <a:rPr lang="de-DE" dirty="0" smtClean="0"/>
+              <a:rPr lang="de-DE" dirty="0"/>
               <a:t>Titelmasterformat durch Klicken bearbeiten</a:t>
             </a:r>
-            <a:endParaRPr lang="de-DE" dirty="0"/>
           </a:p>
         </p:txBody>
       </p:sp>
@@ -1441,38 +1507,37 @@
           <a:p>
             <a:pPr lvl="0"/>
             <a:r>
-              <a:rPr lang="de-DE" dirty="0" smtClean="0"/>
+              <a:rPr lang="de-DE" dirty="0"/>
               <a:t>Textmasterformat bearbeiten</a:t>
             </a:r>
           </a:p>
           <a:p>
             <a:pPr lvl="1"/>
             <a:r>
-              <a:rPr lang="de-DE" dirty="0" smtClean="0"/>
+              <a:rPr lang="de-DE" dirty="0"/>
               <a:t>Zweite Ebene</a:t>
             </a:r>
           </a:p>
           <a:p>
             <a:pPr lvl="2"/>
             <a:r>
-              <a:rPr lang="de-DE" dirty="0" smtClean="0"/>
+              <a:rPr lang="de-DE" dirty="0"/>
               <a:t>Dritte Ebene</a:t>
             </a:r>
           </a:p>
           <a:p>
             <a:pPr lvl="3"/>
             <a:r>
-              <a:rPr lang="de-DE" dirty="0" smtClean="0"/>
+              <a:rPr lang="de-DE" dirty="0"/>
               <a:t>Vierte Ebene</a:t>
             </a:r>
           </a:p>
           <a:p>
             <a:pPr lvl="4"/>
             <a:r>
-              <a:rPr lang="de-DE" dirty="0" smtClean="0"/>
+              <a:rPr lang="de-DE" dirty="0"/>
               <a:t>Fünfte Ebene</a:t>
             </a:r>
-            <a:endParaRPr lang="de-DE" dirty="0"/>
           </a:p>
         </p:txBody>
       </p:sp>
@@ -1647,13 +1712,6 @@
     <p:sldLayoutId id="2147483654" r:id="rId3"/>
     <p:sldLayoutId id="2147483655" r:id="rId4"/>
   </p:sldLayoutIdLst>
-  <p:timing>
-    <p:tnLst>
-      <p:par>
-        <p:cTn id="1" dur="indefinite" restart="never" nodeType="tmRoot"/>
-      </p:par>
-    </p:tnLst>
-  </p:timing>
   <p:txStyles>
     <p:titleStyle>
       <a:lvl1pPr algn="l" defTabSz="914377" rtl="0" eaLnBrk="1" latinLnBrk="0" hangingPunct="1">
@@ -1975,10 +2033,9 @@
           <a:lstStyle/>
           <a:p>
             <a:r>
-              <a:rPr lang="de-DE" dirty="0" smtClean="0"/>
+              <a:rPr lang="de-DE" dirty="0"/>
               <a:t>Instant-Messaging</a:t>
             </a:r>
-            <a:endParaRPr lang="de-DE" dirty="0"/>
           </a:p>
         </p:txBody>
       </p:sp>
@@ -1998,10 +2055,9 @@
           <a:lstStyle/>
           <a:p>
             <a:r>
-              <a:rPr lang="de-DE" dirty="0" smtClean="0"/>
+              <a:rPr lang="de-DE" dirty="0"/>
               <a:t>Entwicklung sicherer, hardwarenaher Anwendungen in Ada</a:t>
             </a:r>
-            <a:endParaRPr lang="de-DE" dirty="0"/>
           </a:p>
         </p:txBody>
       </p:sp>
@@ -2015,13 +2071,6 @@
   <p:clrMapOvr>
     <a:masterClrMapping/>
   </p:clrMapOvr>
-  <p:timing>
-    <p:tnLst>
-      <p:par>
-        <p:cTn id="1" dur="indefinite" restart="never" nodeType="tmRoot"/>
-      </p:par>
-    </p:tnLst>
-  </p:timing>
 </p:sld>
 </file>
 
@@ -2134,7 +2183,7 @@
           <a:lstStyle/>
           <a:p>
             <a:r>
-              <a:rPr lang="de-DE" dirty="0" err="1" smtClean="0"/>
+              <a:rPr lang="de-DE" dirty="0" err="1"/>
               <a:t>Chatrooms.ads</a:t>
             </a:r>
             <a:endParaRPr lang="de-DE" dirty="0"/>
@@ -2205,27 +2254,26 @@
           <a:lstStyle/>
           <a:p>
             <a:r>
-              <a:rPr lang="de-DE" sz="1400" dirty="0" smtClean="0"/>
+              <a:rPr lang="de-DE" sz="1400" dirty="0"/>
               <a:t>Type Chatroom </a:t>
             </a:r>
             <a:r>
-              <a:rPr lang="de-DE" sz="1400" dirty="0" err="1" smtClean="0"/>
+              <a:rPr lang="de-DE" sz="1400" dirty="0" err="1"/>
               <a:t>is</a:t>
             </a:r>
-            <a:endParaRPr lang="de-DE" sz="1400" dirty="0" smtClean="0"/>
-          </a:p>
-          <a:p>
-            <a:r>
-              <a:rPr lang="de-DE" sz="1400" dirty="0" smtClean="0"/>
+            <a:endParaRPr lang="de-DE" sz="1400" dirty="0"/>
+          </a:p>
+          <a:p>
+            <a:r>
+              <a:rPr lang="de-DE" sz="1400" dirty="0"/>
               <a:t>      - Client</a:t>
             </a:r>
           </a:p>
           <a:p>
             <a:r>
-              <a:rPr lang="de-DE" sz="1400" dirty="0" smtClean="0"/>
+              <a:rPr lang="de-DE" sz="1400" dirty="0"/>
               <a:t>End type;</a:t>
             </a:r>
-            <a:endParaRPr lang="de-DE" sz="1400" dirty="0"/>
           </a:p>
         </p:txBody>
       </p:sp>
@@ -2294,7 +2342,7 @@
           <a:lstStyle/>
           <a:p>
             <a:r>
-              <a:rPr lang="de-DE" dirty="0" err="1" smtClean="0"/>
+              <a:rPr lang="de-DE" dirty="0" err="1"/>
               <a:t>ServerLogic.ads</a:t>
             </a:r>
             <a:endParaRPr lang="de-DE" dirty="0"/>
@@ -2365,37 +2413,32 @@
           <a:lstStyle/>
           <a:p>
             <a:r>
-              <a:rPr lang="de-DE" sz="1400" dirty="0" smtClean="0"/>
+              <a:rPr lang="de-DE" sz="1400" dirty="0"/>
               <a:t>Type Server </a:t>
             </a:r>
             <a:r>
-              <a:rPr lang="de-DE" sz="1400" dirty="0" err="1" smtClean="0"/>
+              <a:rPr lang="de-DE" sz="1400" dirty="0" err="1"/>
               <a:t>is</a:t>
             </a:r>
-            <a:endParaRPr lang="de-DE" sz="1400" dirty="0" smtClean="0"/>
-          </a:p>
-          <a:p>
-            <a:r>
-              <a:rPr lang="de-DE" sz="1400" dirty="0" smtClean="0"/>
+            <a:endParaRPr lang="de-DE" sz="1400" dirty="0"/>
+          </a:p>
+          <a:p>
+            <a:r>
+              <a:rPr lang="de-DE" sz="1400" dirty="0"/>
               <a:t>      - Client</a:t>
             </a:r>
           </a:p>
           <a:p>
             <a:r>
               <a:rPr lang="de-DE" sz="1400" dirty="0"/>
-              <a:t> </a:t>
-            </a:r>
-            <a:r>
-              <a:rPr lang="de-DE" sz="1400" dirty="0" smtClean="0"/>
-              <a:t>     - Chatroom</a:t>
-            </a:r>
-          </a:p>
-          <a:p>
-            <a:r>
-              <a:rPr lang="de-DE" sz="1400" dirty="0" smtClean="0"/>
+              <a:t>      - Chatroom</a:t>
+            </a:r>
+          </a:p>
+          <a:p>
+            <a:r>
+              <a:rPr lang="de-DE" sz="1400" dirty="0"/>
               <a:t>End type;</a:t>
             </a:r>
-            <a:endParaRPr lang="de-DE" sz="1400" dirty="0"/>
           </a:p>
         </p:txBody>
       </p:sp>
@@ -2463,27 +2506,26 @@
           <a:lstStyle/>
           <a:p>
             <a:r>
-              <a:rPr lang="de-DE" sz="1400" dirty="0" smtClean="0"/>
+              <a:rPr lang="de-DE" sz="1400" dirty="0"/>
               <a:t>Type Client </a:t>
             </a:r>
             <a:r>
-              <a:rPr lang="de-DE" sz="1400" dirty="0" err="1" smtClean="0"/>
+              <a:rPr lang="de-DE" sz="1400" dirty="0" err="1"/>
               <a:t>is</a:t>
             </a:r>
-            <a:endParaRPr lang="de-DE" sz="1400" dirty="0" smtClean="0"/>
-          </a:p>
-          <a:p>
-            <a:r>
-              <a:rPr lang="de-DE" sz="1400" dirty="0" smtClean="0"/>
+            <a:endParaRPr lang="de-DE" sz="1400" dirty="0"/>
+          </a:p>
+          <a:p>
+            <a:r>
+              <a:rPr lang="de-DE" sz="1400" dirty="0"/>
               <a:t>      …</a:t>
             </a:r>
           </a:p>
           <a:p>
             <a:r>
-              <a:rPr lang="de-DE" sz="1400" dirty="0" smtClean="0"/>
+              <a:rPr lang="de-DE" sz="1400" dirty="0"/>
               <a:t>End type;</a:t>
             </a:r>
-            <a:endParaRPr lang="de-DE" sz="1400" dirty="0"/>
           </a:p>
         </p:txBody>
       </p:sp>
@@ -2714,15 +2756,15 @@
           <a:lstStyle/>
           <a:p>
             <a:r>
-              <a:rPr lang="de-DE" sz="1400" dirty="0" err="1" smtClean="0"/>
+              <a:rPr lang="de-DE" sz="1400" dirty="0" err="1"/>
               <a:t>With</a:t>
             </a:r>
             <a:r>
-              <a:rPr lang="de-DE" sz="1400" dirty="0" smtClean="0"/>
+              <a:rPr lang="de-DE" sz="1400" dirty="0"/>
               <a:t> </a:t>
             </a:r>
             <a:r>
-              <a:rPr lang="de-DE" sz="1400" dirty="0" err="1" smtClean="0"/>
+              <a:rPr lang="de-DE" sz="1400" dirty="0" err="1"/>
               <a:t>ServerLogic.ads</a:t>
             </a:r>
             <a:endParaRPr lang="de-DE" sz="1400" dirty="0"/>
@@ -2752,15 +2794,15 @@
           <a:lstStyle/>
           <a:p>
             <a:r>
-              <a:rPr lang="de-DE" sz="1400" dirty="0" err="1" smtClean="0"/>
+              <a:rPr lang="de-DE" sz="1400" dirty="0" err="1"/>
               <a:t>With</a:t>
             </a:r>
             <a:r>
-              <a:rPr lang="de-DE" sz="1400" dirty="0" smtClean="0"/>
+              <a:rPr lang="de-DE" sz="1400" dirty="0"/>
               <a:t> </a:t>
             </a:r>
             <a:r>
-              <a:rPr lang="de-DE" sz="1400" dirty="0" err="1" smtClean="0"/>
+              <a:rPr lang="de-DE" sz="1400" dirty="0" err="1"/>
               <a:t>Chatrooms.ads</a:t>
             </a:r>
             <a:endParaRPr lang="de-DE" sz="1400" dirty="0"/>
@@ -2777,13 +2819,6 @@
   <p:clrMapOvr>
     <a:masterClrMapping/>
   </p:clrMapOvr>
-  <p:timing>
-    <p:tnLst>
-      <p:par>
-        <p:cTn id="1" dur="indefinite" restart="never" nodeType="tmRoot"/>
-      </p:par>
-    </p:tnLst>
-  </p:timing>
 </p:sld>
 </file>
 
@@ -2854,27 +2889,26 @@
           <a:lstStyle/>
           <a:p>
             <a:r>
-              <a:rPr lang="de-DE" sz="1400" dirty="0" smtClean="0"/>
+              <a:rPr lang="de-DE" sz="1400" dirty="0"/>
               <a:t>Type Chatroom </a:t>
             </a:r>
             <a:r>
-              <a:rPr lang="de-DE" sz="1400" dirty="0" err="1" smtClean="0"/>
+              <a:rPr lang="de-DE" sz="1400" dirty="0" err="1"/>
               <a:t>is</a:t>
             </a:r>
-            <a:endParaRPr lang="de-DE" sz="1400" dirty="0" smtClean="0"/>
-          </a:p>
-          <a:p>
-            <a:r>
-              <a:rPr lang="de-DE" sz="1400" dirty="0" smtClean="0"/>
+            <a:endParaRPr lang="de-DE" sz="1400" dirty="0"/>
+          </a:p>
+          <a:p>
+            <a:r>
+              <a:rPr lang="de-DE" sz="1400" dirty="0"/>
               <a:t>      - Client</a:t>
             </a:r>
           </a:p>
           <a:p>
             <a:r>
-              <a:rPr lang="de-DE" sz="1400" dirty="0" smtClean="0"/>
+              <a:rPr lang="de-DE" sz="1400" dirty="0"/>
               <a:t>End type;</a:t>
             </a:r>
-            <a:endParaRPr lang="de-DE" sz="1400" dirty="0"/>
           </a:p>
         </p:txBody>
       </p:sp>
@@ -2943,7 +2977,7 @@
           <a:lstStyle/>
           <a:p>
             <a:r>
-              <a:rPr lang="de-DE" dirty="0" err="1" smtClean="0"/>
+              <a:rPr lang="de-DE" dirty="0" err="1"/>
               <a:t>Everything.ads</a:t>
             </a:r>
             <a:endParaRPr lang="de-DE" dirty="0"/>
@@ -3014,37 +3048,32 @@
           <a:lstStyle/>
           <a:p>
             <a:r>
-              <a:rPr lang="de-DE" sz="1400" dirty="0" smtClean="0"/>
+              <a:rPr lang="de-DE" sz="1400" dirty="0"/>
               <a:t>Type Server </a:t>
             </a:r>
             <a:r>
-              <a:rPr lang="de-DE" sz="1400" dirty="0" err="1" smtClean="0"/>
+              <a:rPr lang="de-DE" sz="1400" dirty="0" err="1"/>
               <a:t>is</a:t>
             </a:r>
-            <a:endParaRPr lang="de-DE" sz="1400" dirty="0" smtClean="0"/>
-          </a:p>
-          <a:p>
-            <a:r>
-              <a:rPr lang="de-DE" sz="1400" dirty="0" smtClean="0"/>
+            <a:endParaRPr lang="de-DE" sz="1400" dirty="0"/>
+          </a:p>
+          <a:p>
+            <a:r>
+              <a:rPr lang="de-DE" sz="1400" dirty="0"/>
               <a:t>      - Client</a:t>
             </a:r>
           </a:p>
           <a:p>
             <a:r>
               <a:rPr lang="de-DE" sz="1400" dirty="0"/>
-              <a:t> </a:t>
-            </a:r>
-            <a:r>
-              <a:rPr lang="de-DE" sz="1400" dirty="0" smtClean="0"/>
-              <a:t>     - Chatroom</a:t>
-            </a:r>
-          </a:p>
-          <a:p>
-            <a:r>
-              <a:rPr lang="de-DE" sz="1400" dirty="0" smtClean="0"/>
+              <a:t>      - Chatroom</a:t>
+            </a:r>
+          </a:p>
+          <a:p>
+            <a:r>
+              <a:rPr lang="de-DE" sz="1400" dirty="0"/>
               <a:t>End type;</a:t>
             </a:r>
-            <a:endParaRPr lang="de-DE" sz="1400" dirty="0"/>
           </a:p>
         </p:txBody>
       </p:sp>
@@ -3112,27 +3141,26 @@
           <a:lstStyle/>
           <a:p>
             <a:r>
-              <a:rPr lang="de-DE" sz="1400" dirty="0" smtClean="0"/>
+              <a:rPr lang="de-DE" sz="1400" dirty="0"/>
               <a:t>Type Client </a:t>
             </a:r>
             <a:r>
-              <a:rPr lang="de-DE" sz="1400" dirty="0" err="1" smtClean="0"/>
+              <a:rPr lang="de-DE" sz="1400" dirty="0" err="1"/>
               <a:t>is</a:t>
             </a:r>
-            <a:endParaRPr lang="de-DE" sz="1400" dirty="0" smtClean="0"/>
-          </a:p>
-          <a:p>
-            <a:r>
-              <a:rPr lang="de-DE" sz="1400" dirty="0" smtClean="0"/>
+            <a:endParaRPr lang="de-DE" sz="1400" dirty="0"/>
+          </a:p>
+          <a:p>
+            <a:r>
+              <a:rPr lang="de-DE" sz="1400" dirty="0"/>
               <a:t>      …</a:t>
             </a:r>
           </a:p>
           <a:p>
             <a:r>
-              <a:rPr lang="de-DE" sz="1400" dirty="0" smtClean="0"/>
+              <a:rPr lang="de-DE" sz="1400" dirty="0"/>
               <a:t>End type;</a:t>
             </a:r>
-            <a:endParaRPr lang="de-DE" sz="1400" dirty="0"/>
           </a:p>
         </p:txBody>
       </p:sp>
@@ -3200,7 +3228,7 @@
           <a:lstStyle/>
           <a:p>
             <a:r>
-              <a:rPr lang="de-DE" dirty="0" smtClean="0">
+              <a:rPr lang="de-DE" dirty="0">
                 <a:solidFill>
                   <a:schemeClr val="accent2">
                     <a:lumMod val="75000"/>
@@ -3209,13 +3237,6 @@
               </a:rPr>
               <a:t>Keine äußeren Abhängigkeiten!</a:t>
             </a:r>
-            <a:endParaRPr lang="de-DE" dirty="0">
-              <a:solidFill>
-                <a:schemeClr val="accent2">
-                  <a:lumMod val="75000"/>
-                </a:schemeClr>
-              </a:solidFill>
-            </a:endParaRPr>
           </a:p>
         </p:txBody>
       </p:sp>
@@ -3229,13 +3250,6 @@
   <p:clrMapOvr>
     <a:masterClrMapping/>
   </p:clrMapOvr>
-  <p:timing>
-    <p:tnLst>
-      <p:par>
-        <p:cTn id="1" dur="indefinite" restart="never" nodeType="tmRoot"/>
-      </p:par>
-    </p:tnLst>
-  </p:timing>
 </p:sld>
 </file>
 
@@ -3348,7 +3362,7 @@
           <a:lstStyle/>
           <a:p>
             <a:r>
-              <a:rPr lang="de-DE" dirty="0" err="1" smtClean="0"/>
+              <a:rPr lang="de-DE" dirty="0" err="1"/>
               <a:t>Chatrooms.ads</a:t>
             </a:r>
             <a:endParaRPr lang="de-DE" dirty="0"/>
@@ -3419,27 +3433,26 @@
           <a:lstStyle/>
           <a:p>
             <a:r>
-              <a:rPr lang="de-DE" sz="1400" dirty="0" smtClean="0"/>
+              <a:rPr lang="de-DE" sz="1400" dirty="0"/>
               <a:t>Type Chatroom </a:t>
             </a:r>
             <a:r>
-              <a:rPr lang="de-DE" sz="1400" dirty="0" err="1" smtClean="0"/>
+              <a:rPr lang="de-DE" sz="1400" dirty="0" err="1"/>
               <a:t>is</a:t>
             </a:r>
-            <a:endParaRPr lang="de-DE" sz="1400" dirty="0" smtClean="0"/>
-          </a:p>
-          <a:p>
-            <a:r>
-              <a:rPr lang="de-DE" sz="1400" dirty="0" smtClean="0"/>
+            <a:endParaRPr lang="de-DE" sz="1400" dirty="0"/>
+          </a:p>
+          <a:p>
+            <a:r>
+              <a:rPr lang="de-DE" sz="1400" dirty="0"/>
               <a:t>      - Client</a:t>
             </a:r>
           </a:p>
           <a:p>
             <a:r>
-              <a:rPr lang="de-DE" sz="1400" dirty="0" smtClean="0"/>
+              <a:rPr lang="de-DE" sz="1400" dirty="0"/>
               <a:t>End type;</a:t>
             </a:r>
-            <a:endParaRPr lang="de-DE" sz="1400" dirty="0"/>
           </a:p>
         </p:txBody>
       </p:sp>
@@ -3508,7 +3521,7 @@
           <a:lstStyle/>
           <a:p>
             <a:r>
-              <a:rPr lang="de-DE" dirty="0" err="1" smtClean="0"/>
+              <a:rPr lang="de-DE" dirty="0" err="1"/>
               <a:t>ServerLogic.ads</a:t>
             </a:r>
             <a:endParaRPr lang="de-DE" dirty="0"/>
@@ -3579,37 +3592,32 @@
           <a:lstStyle/>
           <a:p>
             <a:r>
-              <a:rPr lang="de-DE" sz="1400" dirty="0" smtClean="0"/>
+              <a:rPr lang="de-DE" sz="1400" dirty="0"/>
               <a:t>Type Server </a:t>
             </a:r>
             <a:r>
-              <a:rPr lang="de-DE" sz="1400" dirty="0" err="1" smtClean="0"/>
+              <a:rPr lang="de-DE" sz="1400" dirty="0" err="1"/>
               <a:t>is</a:t>
             </a:r>
-            <a:endParaRPr lang="de-DE" sz="1400" dirty="0" smtClean="0"/>
-          </a:p>
-          <a:p>
-            <a:r>
-              <a:rPr lang="de-DE" sz="1400" dirty="0" smtClean="0"/>
+            <a:endParaRPr lang="de-DE" sz="1400" dirty="0"/>
+          </a:p>
+          <a:p>
+            <a:r>
+              <a:rPr lang="de-DE" sz="1400" dirty="0"/>
               <a:t>      - Client</a:t>
             </a:r>
           </a:p>
           <a:p>
             <a:r>
               <a:rPr lang="de-DE" sz="1400" dirty="0"/>
-              <a:t> </a:t>
-            </a:r>
-            <a:r>
-              <a:rPr lang="de-DE" sz="1400" dirty="0" smtClean="0"/>
-              <a:t>     - Chatroom</a:t>
-            </a:r>
-          </a:p>
-          <a:p>
-            <a:r>
-              <a:rPr lang="de-DE" sz="1400" dirty="0" smtClean="0"/>
+              <a:t>      - Chatroom</a:t>
+            </a:r>
+          </a:p>
+          <a:p>
+            <a:r>
+              <a:rPr lang="de-DE" sz="1400" dirty="0"/>
               <a:t>End type;</a:t>
             </a:r>
-            <a:endParaRPr lang="de-DE" sz="1400" dirty="0"/>
           </a:p>
         </p:txBody>
       </p:sp>
@@ -3704,15 +3712,15 @@
           <a:lstStyle/>
           <a:p>
             <a:r>
-              <a:rPr lang="de-DE" sz="1400" dirty="0" err="1" smtClean="0"/>
+              <a:rPr lang="de-DE" sz="1400" dirty="0" err="1"/>
               <a:t>With</a:t>
             </a:r>
             <a:r>
-              <a:rPr lang="de-DE" sz="1400" dirty="0" smtClean="0"/>
+              <a:rPr lang="de-DE" sz="1400" dirty="0"/>
               <a:t> </a:t>
             </a:r>
             <a:r>
-              <a:rPr lang="de-DE" sz="1400" dirty="0" err="1" smtClean="0"/>
+              <a:rPr lang="de-DE" sz="1400" dirty="0" err="1"/>
               <a:t>Clients.ads</a:t>
             </a:r>
             <a:endParaRPr lang="de-DE" sz="1400" dirty="0"/>
@@ -3742,15 +3750,15 @@
           <a:lstStyle/>
           <a:p>
             <a:r>
-              <a:rPr lang="de-DE" sz="1400" dirty="0" err="1" smtClean="0"/>
+              <a:rPr lang="de-DE" sz="1400" dirty="0" err="1"/>
               <a:t>With</a:t>
             </a:r>
             <a:r>
-              <a:rPr lang="de-DE" sz="1400" dirty="0" smtClean="0"/>
+              <a:rPr lang="de-DE" sz="1400" dirty="0"/>
               <a:t> </a:t>
             </a:r>
             <a:r>
-              <a:rPr lang="de-DE" sz="1400" dirty="0" err="1" smtClean="0"/>
+              <a:rPr lang="de-DE" sz="1400" dirty="0" err="1"/>
               <a:t>Chatrooms.ads</a:t>
             </a:r>
             <a:endParaRPr lang="de-DE" sz="1400" dirty="0"/>
@@ -3822,7 +3830,7 @@
           <a:lstStyle/>
           <a:p>
             <a:r>
-              <a:rPr lang="de-DE" dirty="0" err="1" smtClean="0"/>
+              <a:rPr lang="de-DE" dirty="0" err="1"/>
               <a:t>Clients.ads</a:t>
             </a:r>
             <a:endParaRPr lang="de-DE" dirty="0"/>
@@ -3852,27 +3860,26 @@
           <a:lstStyle/>
           <a:p>
             <a:r>
-              <a:rPr lang="de-DE" sz="1400" dirty="0" smtClean="0"/>
+              <a:rPr lang="de-DE" sz="1400" dirty="0"/>
               <a:t>Type Client </a:t>
             </a:r>
             <a:r>
-              <a:rPr lang="de-DE" sz="1400" dirty="0" err="1" smtClean="0"/>
+              <a:rPr lang="de-DE" sz="1400" dirty="0" err="1"/>
               <a:t>is</a:t>
             </a:r>
-            <a:endParaRPr lang="de-DE" sz="1400" dirty="0" smtClean="0"/>
-          </a:p>
-          <a:p>
-            <a:r>
-              <a:rPr lang="de-DE" sz="1400" dirty="0" smtClean="0"/>
+            <a:endParaRPr lang="de-DE" sz="1400" dirty="0"/>
+          </a:p>
+          <a:p>
+            <a:r>
+              <a:rPr lang="de-DE" sz="1400" dirty="0"/>
               <a:t>      …</a:t>
             </a:r>
           </a:p>
           <a:p>
             <a:r>
-              <a:rPr lang="de-DE" sz="1400" dirty="0" smtClean="0"/>
+              <a:rPr lang="de-DE" sz="1400" dirty="0"/>
               <a:t>End type;</a:t>
             </a:r>
-            <a:endParaRPr lang="de-DE" sz="1400" dirty="0"/>
           </a:p>
         </p:txBody>
       </p:sp>
@@ -3973,15 +3980,15 @@
           <a:lstStyle/>
           <a:p>
             <a:r>
-              <a:rPr lang="de-DE" sz="1400" dirty="0" err="1" smtClean="0"/>
+              <a:rPr lang="de-DE" sz="1400" dirty="0" err="1"/>
               <a:t>With</a:t>
             </a:r>
             <a:r>
-              <a:rPr lang="de-DE" sz="1400" dirty="0" smtClean="0"/>
+              <a:rPr lang="de-DE" sz="1400" dirty="0"/>
               <a:t> </a:t>
             </a:r>
             <a:r>
-              <a:rPr lang="de-DE" sz="1400" dirty="0" err="1" smtClean="0"/>
+              <a:rPr lang="de-DE" sz="1400" dirty="0" err="1"/>
               <a:t>ServerLogic.ads</a:t>
             </a:r>
             <a:endParaRPr lang="de-DE" sz="1400" dirty="0"/>
@@ -3998,13 +4005,6 @@
   <p:clrMapOvr>
     <a:masterClrMapping/>
   </p:clrMapOvr>
-  <p:timing>
-    <p:tnLst>
-      <p:par>
-        <p:cTn id="1" dur="indefinite" restart="never" nodeType="tmRoot"/>
-      </p:par>
-    </p:tnLst>
-  </p:timing>
 </p:sld>
 </file>
 
@@ -4117,7 +4117,7 @@
           <a:lstStyle/>
           <a:p>
             <a:r>
-              <a:rPr lang="de-DE" dirty="0" err="1" smtClean="0"/>
+              <a:rPr lang="de-DE" dirty="0" err="1"/>
               <a:t>Chatrooms.ads</a:t>
             </a:r>
             <a:endParaRPr lang="de-DE" dirty="0"/>
@@ -4188,27 +4188,26 @@
           <a:lstStyle/>
           <a:p>
             <a:r>
-              <a:rPr lang="de-DE" sz="1400" dirty="0" smtClean="0"/>
+              <a:rPr lang="de-DE" sz="1400" dirty="0"/>
               <a:t>Type Chatroom </a:t>
             </a:r>
             <a:r>
-              <a:rPr lang="de-DE" sz="1400" dirty="0" err="1" smtClean="0"/>
+              <a:rPr lang="de-DE" sz="1400" dirty="0" err="1"/>
               <a:t>is</a:t>
             </a:r>
-            <a:endParaRPr lang="de-DE" sz="1400" dirty="0" smtClean="0"/>
-          </a:p>
-          <a:p>
-            <a:r>
-              <a:rPr lang="de-DE" sz="1400" dirty="0" smtClean="0"/>
+            <a:endParaRPr lang="de-DE" sz="1400" dirty="0"/>
+          </a:p>
+          <a:p>
+            <a:r>
+              <a:rPr lang="de-DE" sz="1400" dirty="0"/>
               <a:t>      - Client</a:t>
             </a:r>
           </a:p>
           <a:p>
             <a:r>
-              <a:rPr lang="de-DE" sz="1400" dirty="0" smtClean="0"/>
+              <a:rPr lang="de-DE" sz="1400" dirty="0"/>
               <a:t>End type;</a:t>
             </a:r>
-            <a:endParaRPr lang="de-DE" sz="1400" dirty="0"/>
           </a:p>
         </p:txBody>
       </p:sp>
@@ -4277,7 +4276,7 @@
           <a:lstStyle/>
           <a:p>
             <a:r>
-              <a:rPr lang="de-DE" dirty="0" err="1" smtClean="0"/>
+              <a:rPr lang="de-DE" dirty="0" err="1"/>
               <a:t>ServerLogic.ads</a:t>
             </a:r>
             <a:endParaRPr lang="de-DE" dirty="0"/>
@@ -4348,37 +4347,32 @@
           <a:lstStyle/>
           <a:p>
             <a:r>
-              <a:rPr lang="de-DE" sz="1400" dirty="0" smtClean="0"/>
+              <a:rPr lang="de-DE" sz="1400" dirty="0"/>
               <a:t>Type Server </a:t>
             </a:r>
             <a:r>
-              <a:rPr lang="de-DE" sz="1400" dirty="0" err="1" smtClean="0"/>
+              <a:rPr lang="de-DE" sz="1400" dirty="0" err="1"/>
               <a:t>is</a:t>
             </a:r>
-            <a:endParaRPr lang="de-DE" sz="1400" dirty="0" smtClean="0"/>
-          </a:p>
-          <a:p>
-            <a:r>
-              <a:rPr lang="de-DE" sz="1400" dirty="0" smtClean="0"/>
+            <a:endParaRPr lang="de-DE" sz="1400" dirty="0"/>
+          </a:p>
+          <a:p>
+            <a:r>
+              <a:rPr lang="de-DE" sz="1400" dirty="0"/>
               <a:t>      - Client</a:t>
             </a:r>
           </a:p>
           <a:p>
             <a:r>
               <a:rPr lang="de-DE" sz="1400" dirty="0"/>
-              <a:t> </a:t>
-            </a:r>
-            <a:r>
-              <a:rPr lang="de-DE" sz="1400" dirty="0" smtClean="0"/>
-              <a:t>     - Chatroom</a:t>
-            </a:r>
-          </a:p>
-          <a:p>
-            <a:r>
-              <a:rPr lang="de-DE" sz="1400" dirty="0" smtClean="0"/>
+              <a:t>      - Chatroom</a:t>
+            </a:r>
+          </a:p>
+          <a:p>
+            <a:r>
+              <a:rPr lang="de-DE" sz="1400" dirty="0"/>
               <a:t>End type;</a:t>
             </a:r>
-            <a:endParaRPr lang="de-DE" sz="1400" dirty="0"/>
           </a:p>
         </p:txBody>
       </p:sp>
@@ -4473,15 +4467,15 @@
           <a:lstStyle/>
           <a:p>
             <a:r>
-              <a:rPr lang="de-DE" sz="1400" dirty="0" err="1" smtClean="0"/>
+              <a:rPr lang="de-DE" sz="1400" dirty="0" err="1"/>
               <a:t>With</a:t>
             </a:r>
             <a:r>
-              <a:rPr lang="de-DE" sz="1400" dirty="0" smtClean="0"/>
+              <a:rPr lang="de-DE" sz="1400" dirty="0"/>
               <a:t> </a:t>
             </a:r>
             <a:r>
-              <a:rPr lang="de-DE" sz="1400" dirty="0" err="1" smtClean="0"/>
+              <a:rPr lang="de-DE" sz="1400" dirty="0" err="1"/>
               <a:t>Clients.ads</a:t>
             </a:r>
             <a:endParaRPr lang="de-DE" sz="1400" dirty="0"/>
@@ -4511,15 +4505,15 @@
           <a:lstStyle/>
           <a:p>
             <a:r>
-              <a:rPr lang="de-DE" sz="1400" dirty="0" err="1" smtClean="0"/>
+              <a:rPr lang="de-DE" sz="1400" dirty="0" err="1"/>
               <a:t>With</a:t>
             </a:r>
             <a:r>
-              <a:rPr lang="de-DE" sz="1400" dirty="0" smtClean="0"/>
+              <a:rPr lang="de-DE" sz="1400" dirty="0"/>
               <a:t> </a:t>
             </a:r>
             <a:r>
-              <a:rPr lang="de-DE" sz="1400" dirty="0" err="1" smtClean="0"/>
+              <a:rPr lang="de-DE" sz="1400" dirty="0" err="1"/>
               <a:t>Chatrooms.ads</a:t>
             </a:r>
             <a:endParaRPr lang="de-DE" sz="1400" dirty="0"/>
@@ -4591,7 +4585,7 @@
           <a:lstStyle/>
           <a:p>
             <a:r>
-              <a:rPr lang="de-DE" dirty="0" err="1" smtClean="0"/>
+              <a:rPr lang="de-DE" dirty="0" err="1"/>
               <a:t>Clients.ads</a:t>
             </a:r>
             <a:endParaRPr lang="de-DE" dirty="0"/>
@@ -4621,27 +4615,26 @@
           <a:lstStyle/>
           <a:p>
             <a:r>
-              <a:rPr lang="de-DE" sz="1400" dirty="0" smtClean="0"/>
+              <a:rPr lang="de-DE" sz="1400" dirty="0"/>
               <a:t>Type Client </a:t>
             </a:r>
             <a:r>
-              <a:rPr lang="de-DE" sz="1400" dirty="0" err="1" smtClean="0"/>
+              <a:rPr lang="de-DE" sz="1400" dirty="0" err="1"/>
               <a:t>is</a:t>
             </a:r>
-            <a:endParaRPr lang="de-DE" sz="1400" dirty="0" smtClean="0"/>
-          </a:p>
-          <a:p>
-            <a:r>
-              <a:rPr lang="de-DE" sz="1400" dirty="0" smtClean="0"/>
+            <a:endParaRPr lang="de-DE" sz="1400" dirty="0"/>
+          </a:p>
+          <a:p>
+            <a:r>
+              <a:rPr lang="de-DE" sz="1400" dirty="0"/>
               <a:t>      …</a:t>
             </a:r>
           </a:p>
           <a:p>
             <a:r>
-              <a:rPr lang="de-DE" sz="1400" dirty="0" smtClean="0"/>
+              <a:rPr lang="de-DE" sz="1400" dirty="0"/>
               <a:t>End type;</a:t>
             </a:r>
-            <a:endParaRPr lang="de-DE" sz="1400" dirty="0"/>
           </a:p>
         </p:txBody>
       </p:sp>
@@ -4742,15 +4735,15 @@
           <a:lstStyle/>
           <a:p>
             <a:r>
-              <a:rPr lang="de-DE" sz="1400" dirty="0" err="1" smtClean="0"/>
+              <a:rPr lang="de-DE" sz="1400" dirty="0" err="1"/>
               <a:t>With</a:t>
             </a:r>
             <a:r>
-              <a:rPr lang="de-DE" sz="1400" dirty="0" smtClean="0"/>
+              <a:rPr lang="de-DE" sz="1400" dirty="0"/>
               <a:t> </a:t>
             </a:r>
             <a:r>
-              <a:rPr lang="de-DE" sz="1400" dirty="0" err="1" smtClean="0"/>
+              <a:rPr lang="de-DE" sz="1400" dirty="0" err="1"/>
               <a:t>ServerLogic.ads</a:t>
             </a:r>
             <a:endParaRPr lang="de-DE" sz="1400" dirty="0"/>
@@ -4797,13 +4790,6 @@
   <p:clrMapOvr>
     <a:masterClrMapping/>
   </p:clrMapOvr>
-  <p:timing>
-    <p:tnLst>
-      <p:par>
-        <p:cTn id="1" dur="indefinite" restart="never" nodeType="tmRoot"/>
-      </p:par>
-    </p:tnLst>
-  </p:timing>
 </p:sld>
 </file>
 
@@ -4916,7 +4902,7 @@
           <a:lstStyle/>
           <a:p>
             <a:r>
-              <a:rPr lang="de-DE" dirty="0" err="1" smtClean="0"/>
+              <a:rPr lang="de-DE" dirty="0" err="1"/>
               <a:t>Chatrooms.ads</a:t>
             </a:r>
             <a:endParaRPr lang="de-DE" dirty="0"/>
@@ -4987,27 +4973,26 @@
           <a:lstStyle/>
           <a:p>
             <a:r>
-              <a:rPr lang="de-DE" sz="1400" dirty="0" smtClean="0"/>
+              <a:rPr lang="de-DE" sz="1400" dirty="0"/>
               <a:t>Type Chatroom </a:t>
             </a:r>
             <a:r>
-              <a:rPr lang="de-DE" sz="1400" dirty="0" err="1" smtClean="0"/>
+              <a:rPr lang="de-DE" sz="1400" dirty="0" err="1"/>
               <a:t>is</a:t>
             </a:r>
-            <a:endParaRPr lang="de-DE" sz="1400" dirty="0" smtClean="0"/>
-          </a:p>
-          <a:p>
-            <a:r>
-              <a:rPr lang="de-DE" sz="1400" dirty="0" smtClean="0"/>
+            <a:endParaRPr lang="de-DE" sz="1400" dirty="0"/>
+          </a:p>
+          <a:p>
+            <a:r>
+              <a:rPr lang="de-DE" sz="1400" dirty="0"/>
               <a:t>      - Client</a:t>
             </a:r>
           </a:p>
           <a:p>
             <a:r>
-              <a:rPr lang="de-DE" sz="1400" dirty="0" smtClean="0"/>
+              <a:rPr lang="de-DE" sz="1400" dirty="0"/>
               <a:t>End type;</a:t>
             </a:r>
-            <a:endParaRPr lang="de-DE" sz="1400" dirty="0"/>
           </a:p>
         </p:txBody>
       </p:sp>
@@ -5076,7 +5061,7 @@
           <a:lstStyle/>
           <a:p>
             <a:r>
-              <a:rPr lang="de-DE" dirty="0" err="1" smtClean="0"/>
+              <a:rPr lang="de-DE" dirty="0" err="1"/>
               <a:t>ServerLogic.ads</a:t>
             </a:r>
             <a:endParaRPr lang="de-DE" dirty="0"/>
@@ -5147,37 +5132,32 @@
           <a:lstStyle/>
           <a:p>
             <a:r>
-              <a:rPr lang="de-DE" sz="1400" dirty="0" smtClean="0"/>
+              <a:rPr lang="de-DE" sz="1400" dirty="0"/>
               <a:t>Type Server </a:t>
             </a:r>
             <a:r>
-              <a:rPr lang="de-DE" sz="1400" dirty="0" err="1" smtClean="0"/>
+              <a:rPr lang="de-DE" sz="1400" dirty="0" err="1"/>
               <a:t>is</a:t>
             </a:r>
-            <a:endParaRPr lang="de-DE" sz="1400" dirty="0" smtClean="0"/>
-          </a:p>
-          <a:p>
-            <a:r>
-              <a:rPr lang="de-DE" sz="1400" dirty="0" smtClean="0"/>
+            <a:endParaRPr lang="de-DE" sz="1400" dirty="0"/>
+          </a:p>
+          <a:p>
+            <a:r>
+              <a:rPr lang="de-DE" sz="1400" dirty="0"/>
               <a:t>      - Client</a:t>
             </a:r>
           </a:p>
           <a:p>
             <a:r>
               <a:rPr lang="de-DE" sz="1400" dirty="0"/>
-              <a:t> </a:t>
-            </a:r>
-            <a:r>
-              <a:rPr lang="de-DE" sz="1400" dirty="0" smtClean="0"/>
-              <a:t>     - Chatroom</a:t>
-            </a:r>
-          </a:p>
-          <a:p>
-            <a:r>
-              <a:rPr lang="de-DE" sz="1400" dirty="0" smtClean="0"/>
+              <a:t>      - Chatroom</a:t>
+            </a:r>
+          </a:p>
+          <a:p>
+            <a:r>
+              <a:rPr lang="de-DE" sz="1400" dirty="0"/>
               <a:t>End type;</a:t>
             </a:r>
-            <a:endParaRPr lang="de-DE" sz="1400" dirty="0"/>
           </a:p>
         </p:txBody>
       </p:sp>
@@ -5272,15 +5252,15 @@
           <a:lstStyle/>
           <a:p>
             <a:r>
-              <a:rPr lang="de-DE" sz="1400" dirty="0" err="1" smtClean="0"/>
+              <a:rPr lang="de-DE" sz="1400" dirty="0" err="1"/>
               <a:t>With</a:t>
             </a:r>
             <a:r>
-              <a:rPr lang="de-DE" sz="1400" dirty="0" smtClean="0"/>
+              <a:rPr lang="de-DE" sz="1400" dirty="0"/>
               <a:t> </a:t>
             </a:r>
             <a:r>
-              <a:rPr lang="de-DE" sz="1400" dirty="0" err="1" smtClean="0"/>
+              <a:rPr lang="de-DE" sz="1400" dirty="0" err="1"/>
               <a:t>Clients.ads</a:t>
             </a:r>
             <a:endParaRPr lang="de-DE" sz="1400" dirty="0"/>
@@ -5310,15 +5290,15 @@
           <a:lstStyle/>
           <a:p>
             <a:r>
-              <a:rPr lang="de-DE" sz="1400" dirty="0" err="1" smtClean="0"/>
+              <a:rPr lang="de-DE" sz="1400" dirty="0" err="1"/>
               <a:t>With</a:t>
             </a:r>
             <a:r>
-              <a:rPr lang="de-DE" sz="1400" dirty="0" smtClean="0"/>
+              <a:rPr lang="de-DE" sz="1400" dirty="0"/>
               <a:t> </a:t>
             </a:r>
             <a:r>
-              <a:rPr lang="de-DE" sz="1400" dirty="0" err="1" smtClean="0"/>
+              <a:rPr lang="de-DE" sz="1400" dirty="0" err="1"/>
               <a:t>Chatrooms.ads</a:t>
             </a:r>
             <a:endParaRPr lang="de-DE" sz="1400" dirty="0"/>
@@ -5390,7 +5370,7 @@
           <a:lstStyle/>
           <a:p>
             <a:r>
-              <a:rPr lang="de-DE" dirty="0" err="1" smtClean="0"/>
+              <a:rPr lang="de-DE" dirty="0" err="1"/>
               <a:t>Clients.ads</a:t>
             </a:r>
             <a:endParaRPr lang="de-DE" dirty="0"/>
@@ -5420,27 +5400,26 @@
           <a:lstStyle/>
           <a:p>
             <a:r>
-              <a:rPr lang="de-DE" sz="1400" dirty="0" smtClean="0"/>
+              <a:rPr lang="de-DE" sz="1400" dirty="0"/>
               <a:t>Type Client </a:t>
             </a:r>
             <a:r>
-              <a:rPr lang="de-DE" sz="1400" dirty="0" err="1" smtClean="0"/>
+              <a:rPr lang="de-DE" sz="1400" dirty="0" err="1"/>
               <a:t>is</a:t>
             </a:r>
-            <a:endParaRPr lang="de-DE" sz="1400" dirty="0" smtClean="0"/>
-          </a:p>
-          <a:p>
-            <a:r>
-              <a:rPr lang="de-DE" sz="1400" dirty="0" smtClean="0"/>
+            <a:endParaRPr lang="de-DE" sz="1400" dirty="0"/>
+          </a:p>
+          <a:p>
+            <a:r>
+              <a:rPr lang="de-DE" sz="1400" dirty="0"/>
               <a:t>      - Chatroom</a:t>
             </a:r>
           </a:p>
           <a:p>
             <a:r>
-              <a:rPr lang="de-DE" sz="1400" dirty="0" smtClean="0"/>
+              <a:rPr lang="de-DE" sz="1400" dirty="0"/>
               <a:t>End type;</a:t>
             </a:r>
-            <a:endParaRPr lang="de-DE" sz="1400" dirty="0"/>
           </a:p>
         </p:txBody>
       </p:sp>
@@ -5541,15 +5520,15 @@
           <a:lstStyle/>
           <a:p>
             <a:r>
-              <a:rPr lang="de-DE" sz="1400" dirty="0" err="1" smtClean="0"/>
+              <a:rPr lang="de-DE" sz="1400" dirty="0" err="1"/>
               <a:t>With</a:t>
             </a:r>
             <a:r>
-              <a:rPr lang="de-DE" sz="1400" dirty="0" smtClean="0"/>
+              <a:rPr lang="de-DE" sz="1400" dirty="0"/>
               <a:t> </a:t>
             </a:r>
             <a:r>
-              <a:rPr lang="de-DE" sz="1400" dirty="0" err="1" smtClean="0"/>
+              <a:rPr lang="de-DE" sz="1400" dirty="0" err="1"/>
               <a:t>ServerLogic.ads</a:t>
             </a:r>
             <a:endParaRPr lang="de-DE" sz="1400" dirty="0"/>
@@ -5612,15 +5591,15 @@
           <a:lstStyle/>
           <a:p>
             <a:r>
-              <a:rPr lang="de-DE" sz="1400" dirty="0" err="1" smtClean="0"/>
+              <a:rPr lang="de-DE" sz="1400" dirty="0" err="1"/>
               <a:t>With</a:t>
             </a:r>
             <a:r>
-              <a:rPr lang="de-DE" sz="1400" dirty="0" smtClean="0"/>
+              <a:rPr lang="de-DE" sz="1400" dirty="0"/>
               <a:t> </a:t>
             </a:r>
             <a:r>
-              <a:rPr lang="de-DE" sz="1400" dirty="0" err="1" smtClean="0"/>
+              <a:rPr lang="de-DE" sz="1400" dirty="0" err="1"/>
               <a:t>Chatrooms.ads</a:t>
             </a:r>
             <a:endParaRPr lang="de-DE" sz="1400" dirty="0"/>
@@ -5637,13 +5616,6 @@
   <p:clrMapOvr>
     <a:masterClrMapping/>
   </p:clrMapOvr>
-  <p:timing>
-    <p:tnLst>
-      <p:par>
-        <p:cTn id="1" dur="indefinite" restart="never" nodeType="tmRoot"/>
-      </p:par>
-    </p:tnLst>
-  </p:timing>
 </p:sld>
 </file>
 
@@ -5756,7 +5728,7 @@
           <a:lstStyle/>
           <a:p>
             <a:r>
-              <a:rPr lang="de-DE" dirty="0" err="1" smtClean="0"/>
+              <a:rPr lang="de-DE" dirty="0" err="1"/>
               <a:t>Chatrooms.ads</a:t>
             </a:r>
             <a:endParaRPr lang="de-DE" dirty="0"/>
@@ -5827,27 +5799,26 @@
           <a:lstStyle/>
           <a:p>
             <a:r>
-              <a:rPr lang="de-DE" sz="1400" dirty="0" smtClean="0"/>
+              <a:rPr lang="de-DE" sz="1400" dirty="0"/>
               <a:t>Type Chatroom </a:t>
             </a:r>
             <a:r>
-              <a:rPr lang="de-DE" sz="1400" dirty="0" err="1" smtClean="0"/>
+              <a:rPr lang="de-DE" sz="1400" dirty="0" err="1"/>
               <a:t>is</a:t>
             </a:r>
-            <a:endParaRPr lang="de-DE" sz="1400" dirty="0" smtClean="0"/>
-          </a:p>
-          <a:p>
-            <a:r>
-              <a:rPr lang="de-DE" sz="1400" dirty="0" smtClean="0"/>
+            <a:endParaRPr lang="de-DE" sz="1400" dirty="0"/>
+          </a:p>
+          <a:p>
+            <a:r>
+              <a:rPr lang="de-DE" sz="1400" dirty="0"/>
               <a:t>      - Client</a:t>
             </a:r>
           </a:p>
           <a:p>
             <a:r>
-              <a:rPr lang="de-DE" sz="1400" dirty="0" smtClean="0"/>
+              <a:rPr lang="de-DE" sz="1400" dirty="0"/>
               <a:t>End type;</a:t>
             </a:r>
-            <a:endParaRPr lang="de-DE" sz="1400" dirty="0"/>
           </a:p>
         </p:txBody>
       </p:sp>
@@ -5916,7 +5887,7 @@
           <a:lstStyle/>
           <a:p>
             <a:r>
-              <a:rPr lang="de-DE" dirty="0" err="1" smtClean="0"/>
+              <a:rPr lang="de-DE" dirty="0" err="1"/>
               <a:t>ServerLogic.ads</a:t>
             </a:r>
             <a:endParaRPr lang="de-DE" dirty="0"/>
@@ -5987,37 +5958,32 @@
           <a:lstStyle/>
           <a:p>
             <a:r>
-              <a:rPr lang="de-DE" sz="1400" dirty="0" smtClean="0"/>
+              <a:rPr lang="de-DE" sz="1400" dirty="0"/>
               <a:t>Type Server </a:t>
             </a:r>
             <a:r>
-              <a:rPr lang="de-DE" sz="1400" dirty="0" err="1" smtClean="0"/>
+              <a:rPr lang="de-DE" sz="1400" dirty="0" err="1"/>
               <a:t>is</a:t>
             </a:r>
-            <a:endParaRPr lang="de-DE" sz="1400" dirty="0" smtClean="0"/>
-          </a:p>
-          <a:p>
-            <a:r>
-              <a:rPr lang="de-DE" sz="1400" dirty="0" smtClean="0"/>
+            <a:endParaRPr lang="de-DE" sz="1400" dirty="0"/>
+          </a:p>
+          <a:p>
+            <a:r>
+              <a:rPr lang="de-DE" sz="1400" dirty="0"/>
               <a:t>      - Client</a:t>
             </a:r>
           </a:p>
           <a:p>
             <a:r>
               <a:rPr lang="de-DE" sz="1400" dirty="0"/>
-              <a:t> </a:t>
-            </a:r>
-            <a:r>
-              <a:rPr lang="de-DE" sz="1400" dirty="0" smtClean="0"/>
-              <a:t>     - Chatroom</a:t>
-            </a:r>
-          </a:p>
-          <a:p>
-            <a:r>
-              <a:rPr lang="de-DE" sz="1400" dirty="0" smtClean="0"/>
+              <a:t>      - Chatroom</a:t>
+            </a:r>
+          </a:p>
+          <a:p>
+            <a:r>
+              <a:rPr lang="de-DE" sz="1400" dirty="0"/>
               <a:t>End type;</a:t>
             </a:r>
-            <a:endParaRPr lang="de-DE" sz="1400" dirty="0"/>
           </a:p>
         </p:txBody>
       </p:sp>
@@ -6112,15 +6078,15 @@
           <a:lstStyle/>
           <a:p>
             <a:r>
-              <a:rPr lang="de-DE" sz="1400" dirty="0" err="1" smtClean="0"/>
+              <a:rPr lang="de-DE" sz="1400" dirty="0" err="1"/>
               <a:t>With</a:t>
             </a:r>
             <a:r>
-              <a:rPr lang="de-DE" sz="1400" dirty="0" smtClean="0"/>
+              <a:rPr lang="de-DE" sz="1400" dirty="0"/>
               <a:t> </a:t>
             </a:r>
             <a:r>
-              <a:rPr lang="de-DE" sz="1400" dirty="0" err="1" smtClean="0"/>
+              <a:rPr lang="de-DE" sz="1400" dirty="0" err="1"/>
               <a:t>Clients.ads</a:t>
             </a:r>
             <a:endParaRPr lang="de-DE" sz="1400" dirty="0"/>
@@ -6150,15 +6116,15 @@
           <a:lstStyle/>
           <a:p>
             <a:r>
-              <a:rPr lang="de-DE" sz="1400" dirty="0" err="1" smtClean="0"/>
+              <a:rPr lang="de-DE" sz="1400" dirty="0" err="1"/>
               <a:t>With</a:t>
             </a:r>
             <a:r>
-              <a:rPr lang="de-DE" sz="1400" dirty="0" smtClean="0"/>
+              <a:rPr lang="de-DE" sz="1400" dirty="0"/>
               <a:t> </a:t>
             </a:r>
             <a:r>
-              <a:rPr lang="de-DE" sz="1400" dirty="0" err="1" smtClean="0"/>
+              <a:rPr lang="de-DE" sz="1400" dirty="0" err="1"/>
               <a:t>Chatrooms.ads</a:t>
             </a:r>
             <a:endParaRPr lang="de-DE" sz="1400" dirty="0"/>
@@ -6230,7 +6196,7 @@
           <a:lstStyle/>
           <a:p>
             <a:r>
-              <a:rPr lang="de-DE" dirty="0" err="1" smtClean="0"/>
+              <a:rPr lang="de-DE" dirty="0" err="1"/>
               <a:t>Clients.ads</a:t>
             </a:r>
             <a:endParaRPr lang="de-DE" dirty="0"/>
@@ -6260,27 +6226,26 @@
           <a:lstStyle/>
           <a:p>
             <a:r>
-              <a:rPr lang="de-DE" sz="1400" dirty="0" smtClean="0"/>
+              <a:rPr lang="de-DE" sz="1400" dirty="0"/>
               <a:t>Type Client </a:t>
             </a:r>
             <a:r>
-              <a:rPr lang="de-DE" sz="1400" dirty="0" err="1" smtClean="0"/>
+              <a:rPr lang="de-DE" sz="1400" dirty="0" err="1"/>
               <a:t>is</a:t>
             </a:r>
-            <a:endParaRPr lang="de-DE" sz="1400" dirty="0" smtClean="0"/>
-          </a:p>
-          <a:p>
-            <a:r>
-              <a:rPr lang="de-DE" sz="1400" dirty="0" smtClean="0"/>
+            <a:endParaRPr lang="de-DE" sz="1400" dirty="0"/>
+          </a:p>
+          <a:p>
+            <a:r>
+              <a:rPr lang="de-DE" sz="1400" dirty="0"/>
               <a:t>      - Chatroom</a:t>
             </a:r>
           </a:p>
           <a:p>
             <a:r>
-              <a:rPr lang="de-DE" sz="1400" dirty="0" smtClean="0"/>
+              <a:rPr lang="de-DE" sz="1400" dirty="0"/>
               <a:t>End type;</a:t>
             </a:r>
-            <a:endParaRPr lang="de-DE" sz="1400" dirty="0"/>
           </a:p>
         </p:txBody>
       </p:sp>
@@ -6381,15 +6346,15 @@
           <a:lstStyle/>
           <a:p>
             <a:r>
-              <a:rPr lang="de-DE" sz="1400" dirty="0" err="1" smtClean="0"/>
+              <a:rPr lang="de-DE" sz="1400" dirty="0" err="1"/>
               <a:t>With</a:t>
             </a:r>
             <a:r>
-              <a:rPr lang="de-DE" sz="1400" dirty="0" smtClean="0"/>
+              <a:rPr lang="de-DE" sz="1400" dirty="0"/>
               <a:t> </a:t>
             </a:r>
             <a:r>
-              <a:rPr lang="de-DE" sz="1400" dirty="0" err="1" smtClean="0"/>
+              <a:rPr lang="de-DE" sz="1400" dirty="0" err="1"/>
               <a:t>ServerLogic.ads</a:t>
             </a:r>
             <a:endParaRPr lang="de-DE" sz="1400" dirty="0"/>
@@ -6452,15 +6417,15 @@
           <a:lstStyle/>
           <a:p>
             <a:r>
-              <a:rPr lang="de-DE" sz="1400" dirty="0" err="1" smtClean="0"/>
+              <a:rPr lang="de-DE" sz="1400" dirty="0" err="1"/>
               <a:t>With</a:t>
             </a:r>
             <a:r>
-              <a:rPr lang="de-DE" sz="1400" dirty="0" smtClean="0"/>
+              <a:rPr lang="de-DE" sz="1400" dirty="0"/>
               <a:t> </a:t>
             </a:r>
             <a:r>
-              <a:rPr lang="de-DE" sz="1400" dirty="0" err="1" smtClean="0"/>
+              <a:rPr lang="de-DE" sz="1400" dirty="0" err="1"/>
               <a:t>Chatrooms.ads</a:t>
             </a:r>
             <a:endParaRPr lang="de-DE" sz="1400" dirty="0"/>
@@ -6518,13 +6483,6 @@
   <p:clrMapOvr>
     <a:masterClrMapping/>
   </p:clrMapOvr>
-  <p:timing>
-    <p:tnLst>
-      <p:par>
-        <p:cTn id="1" dur="indefinite" restart="never" nodeType="tmRoot"/>
-      </p:par>
-    </p:tnLst>
-  </p:timing>
 </p:sld>
 </file>
 
@@ -6637,7 +6595,7 @@
           <a:lstStyle/>
           <a:p>
             <a:r>
-              <a:rPr lang="de-DE" dirty="0" err="1" smtClean="0"/>
+              <a:rPr lang="de-DE" dirty="0" err="1"/>
               <a:t>Chatrooms.ads</a:t>
             </a:r>
             <a:endParaRPr lang="de-DE" dirty="0"/>
@@ -6708,27 +6666,26 @@
           <a:lstStyle/>
           <a:p>
             <a:r>
-              <a:rPr lang="de-DE" sz="1400" dirty="0" smtClean="0"/>
+              <a:rPr lang="de-DE" sz="1400" dirty="0"/>
               <a:t>Type Chatroom </a:t>
             </a:r>
             <a:r>
-              <a:rPr lang="de-DE" sz="1400" dirty="0" err="1" smtClean="0"/>
+              <a:rPr lang="de-DE" sz="1400" dirty="0" err="1"/>
               <a:t>is</a:t>
             </a:r>
-            <a:endParaRPr lang="de-DE" sz="1400" dirty="0" smtClean="0"/>
-          </a:p>
-          <a:p>
-            <a:r>
-              <a:rPr lang="de-DE" sz="1400" dirty="0" smtClean="0"/>
+            <a:endParaRPr lang="de-DE" sz="1400" dirty="0"/>
+          </a:p>
+          <a:p>
+            <a:r>
+              <a:rPr lang="de-DE" sz="1400" dirty="0"/>
               <a:t>      - Client</a:t>
             </a:r>
           </a:p>
           <a:p>
             <a:r>
-              <a:rPr lang="de-DE" sz="1400" dirty="0" smtClean="0"/>
+              <a:rPr lang="de-DE" sz="1400" dirty="0"/>
               <a:t>End type;</a:t>
             </a:r>
-            <a:endParaRPr lang="de-DE" sz="1400" dirty="0"/>
           </a:p>
         </p:txBody>
       </p:sp>
@@ -6797,7 +6754,7 @@
           <a:lstStyle/>
           <a:p>
             <a:r>
-              <a:rPr lang="de-DE" dirty="0" err="1" smtClean="0"/>
+              <a:rPr lang="de-DE" dirty="0" err="1"/>
               <a:t>ServerLogic.ads</a:t>
             </a:r>
             <a:endParaRPr lang="de-DE" dirty="0"/>
@@ -6868,37 +6825,32 @@
           <a:lstStyle/>
           <a:p>
             <a:r>
-              <a:rPr lang="de-DE" sz="1400" dirty="0" smtClean="0"/>
+              <a:rPr lang="de-DE" sz="1400" dirty="0"/>
               <a:t>Type Server </a:t>
             </a:r>
             <a:r>
-              <a:rPr lang="de-DE" sz="1400" dirty="0" err="1" smtClean="0"/>
+              <a:rPr lang="de-DE" sz="1400" dirty="0" err="1"/>
               <a:t>is</a:t>
             </a:r>
-            <a:endParaRPr lang="de-DE" sz="1400" dirty="0" smtClean="0"/>
-          </a:p>
-          <a:p>
-            <a:r>
-              <a:rPr lang="de-DE" sz="1400" dirty="0" smtClean="0"/>
+            <a:endParaRPr lang="de-DE" sz="1400" dirty="0"/>
+          </a:p>
+          <a:p>
+            <a:r>
+              <a:rPr lang="de-DE" sz="1400" dirty="0"/>
               <a:t>      - Client</a:t>
             </a:r>
           </a:p>
           <a:p>
             <a:r>
               <a:rPr lang="de-DE" sz="1400" dirty="0"/>
-              <a:t> </a:t>
-            </a:r>
-            <a:r>
-              <a:rPr lang="de-DE" sz="1400" dirty="0" smtClean="0"/>
-              <a:t>     - Chatroom</a:t>
-            </a:r>
-          </a:p>
-          <a:p>
-            <a:r>
-              <a:rPr lang="de-DE" sz="1400" dirty="0" smtClean="0"/>
+              <a:t>      - Chatroom</a:t>
+            </a:r>
+          </a:p>
+          <a:p>
+            <a:r>
+              <a:rPr lang="de-DE" sz="1400" dirty="0"/>
               <a:t>End type;</a:t>
             </a:r>
-            <a:endParaRPr lang="de-DE" sz="1400" dirty="0"/>
           </a:p>
         </p:txBody>
       </p:sp>
@@ -6993,15 +6945,15 @@
           <a:lstStyle/>
           <a:p>
             <a:r>
-              <a:rPr lang="de-DE" sz="1400" dirty="0" err="1" smtClean="0"/>
+              <a:rPr lang="de-DE" sz="1400" dirty="0" err="1"/>
               <a:t>With</a:t>
             </a:r>
             <a:r>
-              <a:rPr lang="de-DE" sz="1400" dirty="0" smtClean="0"/>
+              <a:rPr lang="de-DE" sz="1400" dirty="0"/>
               <a:t> </a:t>
             </a:r>
             <a:r>
-              <a:rPr lang="de-DE" sz="1400" dirty="0" err="1" smtClean="0"/>
+              <a:rPr lang="de-DE" sz="1400" dirty="0" err="1"/>
               <a:t>Clients.ads</a:t>
             </a:r>
             <a:endParaRPr lang="de-DE" sz="1400" dirty="0"/>
@@ -7031,15 +6983,15 @@
           <a:lstStyle/>
           <a:p>
             <a:r>
-              <a:rPr lang="de-DE" sz="1400" dirty="0" err="1" smtClean="0"/>
+              <a:rPr lang="de-DE" sz="1400" dirty="0" err="1"/>
               <a:t>With</a:t>
             </a:r>
             <a:r>
-              <a:rPr lang="de-DE" sz="1400" dirty="0" smtClean="0"/>
+              <a:rPr lang="de-DE" sz="1400" dirty="0"/>
               <a:t> </a:t>
             </a:r>
             <a:r>
-              <a:rPr lang="de-DE" sz="1400" dirty="0" err="1" smtClean="0"/>
+              <a:rPr lang="de-DE" sz="1400" dirty="0" err="1"/>
               <a:t>Chatrooms.ads</a:t>
             </a:r>
             <a:endParaRPr lang="de-DE" sz="1400" dirty="0"/>
@@ -7111,7 +7063,7 @@
           <a:lstStyle/>
           <a:p>
             <a:r>
-              <a:rPr lang="de-DE" dirty="0" err="1" smtClean="0"/>
+              <a:rPr lang="de-DE" dirty="0" err="1"/>
               <a:t>Clients.ads</a:t>
             </a:r>
             <a:endParaRPr lang="de-DE" dirty="0"/>
@@ -7141,27 +7093,26 @@
           <a:lstStyle/>
           <a:p>
             <a:r>
-              <a:rPr lang="de-DE" sz="1400" dirty="0" smtClean="0"/>
+              <a:rPr lang="de-DE" sz="1400" dirty="0"/>
               <a:t>Type Client </a:t>
             </a:r>
             <a:r>
-              <a:rPr lang="de-DE" sz="1400" dirty="0" err="1" smtClean="0"/>
+              <a:rPr lang="de-DE" sz="1400" dirty="0" err="1"/>
               <a:t>is</a:t>
             </a:r>
-            <a:endParaRPr lang="de-DE" sz="1400" dirty="0" smtClean="0"/>
-          </a:p>
-          <a:p>
-            <a:r>
-              <a:rPr lang="de-DE" sz="1400" dirty="0" smtClean="0"/>
+            <a:endParaRPr lang="de-DE" sz="1400" dirty="0"/>
+          </a:p>
+          <a:p>
+            <a:r>
+              <a:rPr lang="de-DE" sz="1400" dirty="0"/>
               <a:t>      - Chatroom</a:t>
             </a:r>
           </a:p>
           <a:p>
             <a:r>
-              <a:rPr lang="de-DE" sz="1400" dirty="0" smtClean="0"/>
+              <a:rPr lang="de-DE" sz="1400" dirty="0"/>
               <a:t>End type;</a:t>
             </a:r>
-            <a:endParaRPr lang="de-DE" sz="1400" dirty="0"/>
           </a:p>
         </p:txBody>
       </p:sp>
@@ -7262,15 +7213,15 @@
           <a:lstStyle/>
           <a:p>
             <a:r>
-              <a:rPr lang="de-DE" sz="1400" dirty="0" err="1" smtClean="0"/>
+              <a:rPr lang="de-DE" sz="1400" dirty="0" err="1"/>
               <a:t>With</a:t>
             </a:r>
             <a:r>
-              <a:rPr lang="de-DE" sz="1400" dirty="0" smtClean="0"/>
+              <a:rPr lang="de-DE" sz="1400" dirty="0"/>
               <a:t> </a:t>
             </a:r>
             <a:r>
-              <a:rPr lang="de-DE" sz="1400" dirty="0" err="1" smtClean="0"/>
+              <a:rPr lang="de-DE" sz="1400" dirty="0" err="1"/>
               <a:t>ServerLogic.ads</a:t>
             </a:r>
             <a:endParaRPr lang="de-DE" sz="1400" dirty="0"/>
@@ -7292,7 +7243,7 @@
             <a:avLst/>
           </a:prstGeom>
           <a:ln>
-            <a:prstDash val="sysDash"/>
+            <a:prstDash val="lgDash"/>
             <a:tailEnd type="triangle"/>
           </a:ln>
         </p:spPr>
@@ -7334,21 +7285,21 @@
           <a:lstStyle/>
           <a:p>
             <a:r>
-              <a:rPr lang="de-DE" sz="1400" dirty="0" smtClean="0"/>
+              <a:rPr lang="de-DE" sz="1400" dirty="0"/>
               <a:t>Limited </a:t>
             </a:r>
             <a:r>
-              <a:rPr lang="de-DE" sz="1400" dirty="0" err="1" smtClean="0"/>
+              <a:rPr lang="de-DE" sz="1400" dirty="0" err="1"/>
               <a:t>with</a:t>
             </a:r>
             <a:r>
-              <a:rPr lang="de-DE" sz="1400" dirty="0" smtClean="0"/>
+              <a:rPr lang="de-DE" sz="1400" dirty="0"/>
               <a:t> </a:t>
             </a:r>
           </a:p>
           <a:p>
             <a:r>
-              <a:rPr lang="de-DE" sz="1400" dirty="0" err="1" smtClean="0"/>
+              <a:rPr lang="de-DE" sz="1400" dirty="0" err="1"/>
               <a:t>Chatrooms.ads</a:t>
             </a:r>
             <a:endParaRPr lang="de-DE" sz="1400" dirty="0"/>
@@ -7365,13 +7316,6 @@
   <p:clrMapOvr>
     <a:masterClrMapping/>
   </p:clrMapOvr>
-  <p:timing>
-    <p:tnLst>
-      <p:par>
-        <p:cTn id="1" dur="indefinite" restart="never" nodeType="tmRoot"/>
-      </p:par>
-    </p:tnLst>
-  </p:timing>
 </p:sld>
 </file>
 
@@ -7484,7 +7428,7 @@
           <a:lstStyle/>
           <a:p>
             <a:r>
-              <a:rPr lang="de-DE" dirty="0" err="1" smtClean="0"/>
+              <a:rPr lang="de-DE" dirty="0" err="1"/>
               <a:t>Chatrooms.ads</a:t>
             </a:r>
             <a:endParaRPr lang="de-DE" dirty="0"/>
@@ -7555,27 +7499,26 @@
           <a:lstStyle/>
           <a:p>
             <a:r>
-              <a:rPr lang="de-DE" sz="1400" dirty="0" smtClean="0"/>
+              <a:rPr lang="de-DE" sz="1400" dirty="0"/>
               <a:t>Type Chatroom </a:t>
             </a:r>
             <a:r>
-              <a:rPr lang="de-DE" sz="1400" dirty="0" err="1" smtClean="0"/>
+              <a:rPr lang="de-DE" sz="1400" dirty="0" err="1"/>
               <a:t>is</a:t>
             </a:r>
-            <a:endParaRPr lang="de-DE" sz="1400" dirty="0" smtClean="0"/>
-          </a:p>
-          <a:p>
-            <a:r>
-              <a:rPr lang="de-DE" sz="1400" dirty="0" smtClean="0"/>
+            <a:endParaRPr lang="de-DE" sz="1400" dirty="0"/>
+          </a:p>
+          <a:p>
+            <a:r>
+              <a:rPr lang="de-DE" sz="1400" dirty="0"/>
               <a:t>      - Client</a:t>
             </a:r>
           </a:p>
           <a:p>
             <a:r>
-              <a:rPr lang="de-DE" sz="1400" dirty="0" smtClean="0"/>
+              <a:rPr lang="de-DE" sz="1400" dirty="0"/>
               <a:t>End type;</a:t>
             </a:r>
-            <a:endParaRPr lang="de-DE" sz="1400" dirty="0"/>
           </a:p>
         </p:txBody>
       </p:sp>
@@ -7644,7 +7587,7 @@
           <a:lstStyle/>
           <a:p>
             <a:r>
-              <a:rPr lang="de-DE" dirty="0" err="1" smtClean="0"/>
+              <a:rPr lang="de-DE" dirty="0" err="1"/>
               <a:t>ServerLogic.ads</a:t>
             </a:r>
             <a:endParaRPr lang="de-DE" dirty="0"/>
@@ -7715,37 +7658,32 @@
           <a:lstStyle/>
           <a:p>
             <a:r>
-              <a:rPr lang="de-DE" sz="1400" dirty="0" smtClean="0"/>
+              <a:rPr lang="de-DE" sz="1400" dirty="0"/>
               <a:t>Type Server </a:t>
             </a:r>
             <a:r>
-              <a:rPr lang="de-DE" sz="1400" dirty="0" err="1" smtClean="0"/>
+              <a:rPr lang="de-DE" sz="1400" dirty="0" err="1"/>
               <a:t>is</a:t>
             </a:r>
-            <a:endParaRPr lang="de-DE" sz="1400" dirty="0" smtClean="0"/>
-          </a:p>
-          <a:p>
-            <a:r>
-              <a:rPr lang="de-DE" sz="1400" dirty="0" smtClean="0"/>
+            <a:endParaRPr lang="de-DE" sz="1400" dirty="0"/>
+          </a:p>
+          <a:p>
+            <a:r>
+              <a:rPr lang="de-DE" sz="1400" dirty="0"/>
               <a:t>      - Client</a:t>
             </a:r>
           </a:p>
           <a:p>
             <a:r>
               <a:rPr lang="de-DE" sz="1400" dirty="0"/>
-              <a:t> </a:t>
-            </a:r>
-            <a:r>
-              <a:rPr lang="de-DE" sz="1400" dirty="0" smtClean="0"/>
-              <a:t>     - Chatroom</a:t>
-            </a:r>
-          </a:p>
-          <a:p>
-            <a:r>
-              <a:rPr lang="de-DE" sz="1400" dirty="0" smtClean="0"/>
+              <a:t>      - Chatroom</a:t>
+            </a:r>
+          </a:p>
+          <a:p>
+            <a:r>
+              <a:rPr lang="de-DE" sz="1400" dirty="0"/>
               <a:t>End type;</a:t>
             </a:r>
-            <a:endParaRPr lang="de-DE" sz="1400" dirty="0"/>
           </a:p>
         </p:txBody>
       </p:sp>
@@ -7840,15 +7778,15 @@
           <a:lstStyle/>
           <a:p>
             <a:r>
-              <a:rPr lang="de-DE" sz="1400" dirty="0" err="1" smtClean="0"/>
+              <a:rPr lang="de-DE" sz="1400" dirty="0" err="1"/>
               <a:t>With</a:t>
             </a:r>
             <a:r>
-              <a:rPr lang="de-DE" sz="1400" dirty="0" smtClean="0"/>
+              <a:rPr lang="de-DE" sz="1400" dirty="0"/>
               <a:t> </a:t>
             </a:r>
             <a:r>
-              <a:rPr lang="de-DE" sz="1400" dirty="0" err="1" smtClean="0"/>
+              <a:rPr lang="de-DE" sz="1400" dirty="0" err="1"/>
               <a:t>Clients.ads</a:t>
             </a:r>
             <a:endParaRPr lang="de-DE" sz="1400" dirty="0"/>
@@ -7878,15 +7816,15 @@
           <a:lstStyle/>
           <a:p>
             <a:r>
-              <a:rPr lang="de-DE" sz="1400" dirty="0" err="1" smtClean="0"/>
+              <a:rPr lang="de-DE" sz="1400" dirty="0" err="1"/>
               <a:t>With</a:t>
             </a:r>
             <a:r>
-              <a:rPr lang="de-DE" sz="1400" dirty="0" smtClean="0"/>
+              <a:rPr lang="de-DE" sz="1400" dirty="0"/>
               <a:t> </a:t>
             </a:r>
             <a:r>
-              <a:rPr lang="de-DE" sz="1400" dirty="0" err="1" smtClean="0"/>
+              <a:rPr lang="de-DE" sz="1400" dirty="0" err="1"/>
               <a:t>Chatrooms.ads</a:t>
             </a:r>
             <a:endParaRPr lang="de-DE" sz="1400" dirty="0"/>
@@ -7958,7 +7896,7 @@
           <a:lstStyle/>
           <a:p>
             <a:r>
-              <a:rPr lang="de-DE" dirty="0" err="1" smtClean="0"/>
+              <a:rPr lang="de-DE" dirty="0" err="1"/>
               <a:t>Clients.ads</a:t>
             </a:r>
             <a:endParaRPr lang="de-DE" dirty="0"/>
@@ -7988,22 +7926,22 @@
           <a:lstStyle/>
           <a:p>
             <a:r>
-              <a:rPr lang="de-DE" sz="1400" dirty="0" smtClean="0"/>
+              <a:rPr lang="de-DE" sz="1400" dirty="0"/>
               <a:t>Type Client </a:t>
             </a:r>
             <a:r>
-              <a:rPr lang="de-DE" sz="1400" dirty="0" err="1" smtClean="0"/>
+              <a:rPr lang="de-DE" sz="1400" dirty="0" err="1"/>
               <a:t>is</a:t>
             </a:r>
-            <a:endParaRPr lang="de-DE" sz="1400" dirty="0" smtClean="0"/>
-          </a:p>
-          <a:p>
-            <a:r>
-              <a:rPr lang="de-DE" sz="1400" dirty="0" smtClean="0"/>
+            <a:endParaRPr lang="de-DE" sz="1400" dirty="0"/>
+          </a:p>
+          <a:p>
+            <a:r>
+              <a:rPr lang="de-DE" sz="1400" dirty="0"/>
               <a:t>      </a:t>
             </a:r>
             <a:r>
-              <a:rPr lang="de-DE" sz="1400" dirty="0" smtClean="0">
+              <a:rPr lang="de-DE" sz="1400" dirty="0">
                 <a:solidFill>
                   <a:srgbClr val="FF0000"/>
                 </a:solidFill>
@@ -8013,10 +7951,9 @@
           </a:p>
           <a:p>
             <a:r>
-              <a:rPr lang="de-DE" sz="1400" dirty="0" smtClean="0"/>
+              <a:rPr lang="de-DE" sz="1400" dirty="0"/>
               <a:t>End type;</a:t>
             </a:r>
-            <a:endParaRPr lang="de-DE" sz="1400" dirty="0"/>
           </a:p>
         </p:txBody>
       </p:sp>
@@ -8117,15 +8054,15 @@
           <a:lstStyle/>
           <a:p>
             <a:r>
-              <a:rPr lang="de-DE" sz="1400" dirty="0" err="1" smtClean="0"/>
+              <a:rPr lang="de-DE" sz="1400" dirty="0" err="1"/>
               <a:t>With</a:t>
             </a:r>
             <a:r>
-              <a:rPr lang="de-DE" sz="1400" dirty="0" smtClean="0"/>
+              <a:rPr lang="de-DE" sz="1400" dirty="0"/>
               <a:t> </a:t>
             </a:r>
             <a:r>
-              <a:rPr lang="de-DE" sz="1400" dirty="0" err="1" smtClean="0"/>
+              <a:rPr lang="de-DE" sz="1400" dirty="0" err="1"/>
               <a:t>ServerLogic.ads</a:t>
             </a:r>
             <a:endParaRPr lang="de-DE" sz="1400" dirty="0"/>
@@ -8189,21 +8126,21 @@
           <a:lstStyle/>
           <a:p>
             <a:r>
-              <a:rPr lang="de-DE" sz="1400" dirty="0" smtClean="0"/>
+              <a:rPr lang="de-DE" sz="1400" dirty="0"/>
               <a:t>Limited </a:t>
             </a:r>
             <a:r>
-              <a:rPr lang="de-DE" sz="1400" dirty="0" err="1" smtClean="0"/>
+              <a:rPr lang="de-DE" sz="1400" dirty="0" err="1"/>
               <a:t>with</a:t>
             </a:r>
             <a:r>
-              <a:rPr lang="de-DE" sz="1400" dirty="0" smtClean="0"/>
+              <a:rPr lang="de-DE" sz="1400" dirty="0"/>
               <a:t> </a:t>
             </a:r>
           </a:p>
           <a:p>
             <a:r>
-              <a:rPr lang="de-DE" sz="1400" dirty="0" err="1" smtClean="0"/>
+              <a:rPr lang="de-DE" sz="1400" dirty="0" err="1"/>
               <a:t>Chatrooms.ads</a:t>
             </a:r>
             <a:endParaRPr lang="de-DE" sz="1400" dirty="0"/>
@@ -8220,13 +8157,6 @@
   <p:clrMapOvr>
     <a:masterClrMapping/>
   </p:clrMapOvr>
-  <p:timing>
-    <p:tnLst>
-      <p:par>
-        <p:cTn id="1" dur="indefinite" restart="never" nodeType="tmRoot"/>
-      </p:par>
-    </p:tnLst>
-  </p:timing>
 </p:sld>
 </file>
 
@@ -8339,7 +8269,7 @@
           <a:lstStyle/>
           <a:p>
             <a:r>
-              <a:rPr lang="de-DE" dirty="0" err="1" smtClean="0"/>
+              <a:rPr lang="de-DE" dirty="0" err="1"/>
               <a:t>Chatrooms.ads</a:t>
             </a:r>
             <a:endParaRPr lang="de-DE" dirty="0"/>
@@ -8410,27 +8340,26 @@
           <a:lstStyle/>
           <a:p>
             <a:r>
-              <a:rPr lang="de-DE" sz="1400" dirty="0" smtClean="0"/>
+              <a:rPr lang="de-DE" sz="1400" dirty="0"/>
               <a:t>Type Chatroom </a:t>
             </a:r>
             <a:r>
-              <a:rPr lang="de-DE" sz="1400" dirty="0" err="1" smtClean="0"/>
+              <a:rPr lang="de-DE" sz="1400" dirty="0" err="1"/>
               <a:t>is</a:t>
             </a:r>
-            <a:endParaRPr lang="de-DE" sz="1400" dirty="0" smtClean="0"/>
-          </a:p>
-          <a:p>
-            <a:r>
-              <a:rPr lang="de-DE" sz="1400" dirty="0" smtClean="0"/>
+            <a:endParaRPr lang="de-DE" sz="1400" dirty="0"/>
+          </a:p>
+          <a:p>
+            <a:r>
+              <a:rPr lang="de-DE" sz="1400" dirty="0"/>
               <a:t>      - Client</a:t>
             </a:r>
           </a:p>
           <a:p>
             <a:r>
-              <a:rPr lang="de-DE" sz="1400" dirty="0" smtClean="0"/>
+              <a:rPr lang="de-DE" sz="1400" dirty="0"/>
               <a:t>End type;</a:t>
             </a:r>
-            <a:endParaRPr lang="de-DE" sz="1400" dirty="0"/>
           </a:p>
         </p:txBody>
       </p:sp>
@@ -8499,7 +8428,7 @@
           <a:lstStyle/>
           <a:p>
             <a:r>
-              <a:rPr lang="de-DE" dirty="0" err="1" smtClean="0"/>
+              <a:rPr lang="de-DE" dirty="0" err="1"/>
               <a:t>ServerLogic.ads</a:t>
             </a:r>
             <a:endParaRPr lang="de-DE" dirty="0"/>
@@ -8570,37 +8499,32 @@
           <a:lstStyle/>
           <a:p>
             <a:r>
-              <a:rPr lang="de-DE" sz="1400" dirty="0" smtClean="0"/>
+              <a:rPr lang="de-DE" sz="1400" dirty="0"/>
               <a:t>Type Server </a:t>
             </a:r>
             <a:r>
-              <a:rPr lang="de-DE" sz="1400" dirty="0" err="1" smtClean="0"/>
+              <a:rPr lang="de-DE" sz="1400" dirty="0" err="1"/>
               <a:t>is</a:t>
             </a:r>
-            <a:endParaRPr lang="de-DE" sz="1400" dirty="0" smtClean="0"/>
-          </a:p>
-          <a:p>
-            <a:r>
-              <a:rPr lang="de-DE" sz="1400" dirty="0" smtClean="0"/>
+            <a:endParaRPr lang="de-DE" sz="1400" dirty="0"/>
+          </a:p>
+          <a:p>
+            <a:r>
+              <a:rPr lang="de-DE" sz="1400" dirty="0"/>
               <a:t>      - Client</a:t>
             </a:r>
           </a:p>
           <a:p>
             <a:r>
               <a:rPr lang="de-DE" sz="1400" dirty="0"/>
-              <a:t> </a:t>
-            </a:r>
-            <a:r>
-              <a:rPr lang="de-DE" sz="1400" dirty="0" smtClean="0"/>
-              <a:t>     - Chatroom</a:t>
-            </a:r>
-          </a:p>
-          <a:p>
-            <a:r>
-              <a:rPr lang="de-DE" sz="1400" dirty="0" smtClean="0"/>
+              <a:t>      - Chatroom</a:t>
+            </a:r>
+          </a:p>
+          <a:p>
+            <a:r>
+              <a:rPr lang="de-DE" sz="1400" dirty="0"/>
               <a:t>End type;</a:t>
             </a:r>
-            <a:endParaRPr lang="de-DE" sz="1400" dirty="0"/>
           </a:p>
         </p:txBody>
       </p:sp>
@@ -8695,15 +8619,15 @@
           <a:lstStyle/>
           <a:p>
             <a:r>
-              <a:rPr lang="de-DE" sz="1400" dirty="0" err="1" smtClean="0"/>
+              <a:rPr lang="de-DE" sz="1400" dirty="0" err="1"/>
               <a:t>With</a:t>
             </a:r>
             <a:r>
-              <a:rPr lang="de-DE" sz="1400" dirty="0" smtClean="0"/>
+              <a:rPr lang="de-DE" sz="1400" dirty="0"/>
               <a:t> </a:t>
             </a:r>
             <a:r>
-              <a:rPr lang="de-DE" sz="1400" dirty="0" err="1" smtClean="0"/>
+              <a:rPr lang="de-DE" sz="1400" dirty="0" err="1"/>
               <a:t>Clients.ads</a:t>
             </a:r>
             <a:endParaRPr lang="de-DE" sz="1400" dirty="0"/>
@@ -8733,15 +8657,15 @@
           <a:lstStyle/>
           <a:p>
             <a:r>
-              <a:rPr lang="de-DE" sz="1400" dirty="0" err="1" smtClean="0"/>
+              <a:rPr lang="de-DE" sz="1400" dirty="0" err="1"/>
               <a:t>With</a:t>
             </a:r>
             <a:r>
-              <a:rPr lang="de-DE" sz="1400" dirty="0" smtClean="0"/>
+              <a:rPr lang="de-DE" sz="1400" dirty="0"/>
               <a:t> </a:t>
             </a:r>
             <a:r>
-              <a:rPr lang="de-DE" sz="1400" dirty="0" err="1" smtClean="0"/>
+              <a:rPr lang="de-DE" sz="1400" dirty="0" err="1"/>
               <a:t>Chatrooms.ads</a:t>
             </a:r>
             <a:endParaRPr lang="de-DE" sz="1400" dirty="0"/>
@@ -8813,7 +8737,7 @@
           <a:lstStyle/>
           <a:p>
             <a:r>
-              <a:rPr lang="de-DE" dirty="0" err="1" smtClean="0"/>
+              <a:rPr lang="de-DE" dirty="0" err="1"/>
               <a:t>Clients.ads</a:t>
             </a:r>
             <a:endParaRPr lang="de-DE" dirty="0"/>
@@ -8843,22 +8767,22 @@
           <a:lstStyle/>
           <a:p>
             <a:r>
-              <a:rPr lang="de-DE" sz="1400" dirty="0" smtClean="0"/>
+              <a:rPr lang="de-DE" sz="1400" dirty="0"/>
               <a:t>Type Client </a:t>
             </a:r>
             <a:r>
-              <a:rPr lang="de-DE" sz="1400" dirty="0" err="1" smtClean="0"/>
+              <a:rPr lang="de-DE" sz="1400" dirty="0" err="1"/>
               <a:t>is</a:t>
             </a:r>
-            <a:endParaRPr lang="de-DE" sz="1400" dirty="0" smtClean="0"/>
-          </a:p>
-          <a:p>
-            <a:r>
-              <a:rPr lang="de-DE" sz="1400" dirty="0" smtClean="0"/>
+            <a:endParaRPr lang="de-DE" sz="1400" dirty="0"/>
+          </a:p>
+          <a:p>
+            <a:r>
+              <a:rPr lang="de-DE" sz="1400" dirty="0"/>
               <a:t>      </a:t>
             </a:r>
             <a:r>
-              <a:rPr lang="de-DE" sz="1400" dirty="0" smtClean="0">
+              <a:rPr lang="de-DE" sz="1400" dirty="0">
                 <a:solidFill>
                   <a:srgbClr val="FF0000"/>
                 </a:solidFill>
@@ -8868,10 +8792,9 @@
           </a:p>
           <a:p>
             <a:r>
-              <a:rPr lang="de-DE" sz="1400" dirty="0" smtClean="0"/>
+              <a:rPr lang="de-DE" sz="1400" dirty="0"/>
               <a:t>End type;</a:t>
             </a:r>
-            <a:endParaRPr lang="de-DE" sz="1400" dirty="0"/>
           </a:p>
         </p:txBody>
       </p:sp>
@@ -8972,15 +8895,15 @@
           <a:lstStyle/>
           <a:p>
             <a:r>
-              <a:rPr lang="de-DE" sz="1400" dirty="0" err="1" smtClean="0"/>
+              <a:rPr lang="de-DE" sz="1400" dirty="0" err="1"/>
               <a:t>With</a:t>
             </a:r>
             <a:r>
-              <a:rPr lang="de-DE" sz="1400" dirty="0" smtClean="0"/>
+              <a:rPr lang="de-DE" sz="1400" dirty="0"/>
               <a:t> </a:t>
             </a:r>
             <a:r>
-              <a:rPr lang="de-DE" sz="1400" dirty="0" err="1" smtClean="0"/>
+              <a:rPr lang="de-DE" sz="1400" dirty="0" err="1"/>
               <a:t>ServerLogic.ads</a:t>
             </a:r>
             <a:endParaRPr lang="de-DE" sz="1400" dirty="0"/>
@@ -9044,21 +8967,21 @@
           <a:lstStyle/>
           <a:p>
             <a:r>
-              <a:rPr lang="de-DE" sz="1400" dirty="0" smtClean="0"/>
+              <a:rPr lang="de-DE" sz="1400" dirty="0"/>
               <a:t>Limited </a:t>
             </a:r>
             <a:r>
-              <a:rPr lang="de-DE" sz="1400" dirty="0" err="1" smtClean="0"/>
+              <a:rPr lang="de-DE" sz="1400" dirty="0" err="1"/>
               <a:t>with</a:t>
             </a:r>
             <a:r>
-              <a:rPr lang="de-DE" sz="1400" dirty="0" smtClean="0"/>
+              <a:rPr lang="de-DE" sz="1400" dirty="0"/>
               <a:t> </a:t>
             </a:r>
           </a:p>
           <a:p>
             <a:r>
-              <a:rPr lang="de-DE" sz="1400" dirty="0" err="1" smtClean="0"/>
+              <a:rPr lang="de-DE" sz="1400" dirty="0" err="1"/>
               <a:t>Chatrooms.ads</a:t>
             </a:r>
             <a:endParaRPr lang="de-DE" sz="1400" dirty="0"/>
@@ -9088,37 +9011,36 @@
           <a:lstStyle/>
           <a:p>
             <a:r>
-              <a:rPr lang="de-DE" sz="1400" dirty="0" smtClean="0"/>
+              <a:rPr lang="de-DE" sz="1400" dirty="0"/>
               <a:t>Type </a:t>
             </a:r>
             <a:r>
-              <a:rPr lang="de-DE" sz="1400" dirty="0" err="1" smtClean="0"/>
+              <a:rPr lang="de-DE" sz="1400" dirty="0" err="1"/>
               <a:t>ChatroomPointer</a:t>
             </a:r>
-            <a:endParaRPr lang="de-DE" sz="1400" dirty="0" smtClean="0"/>
-          </a:p>
-          <a:p>
-            <a:r>
-              <a:rPr lang="de-DE" sz="1400" dirty="0" smtClean="0"/>
+            <a:endParaRPr lang="de-DE" sz="1400" dirty="0"/>
+          </a:p>
+          <a:p>
+            <a:r>
+              <a:rPr lang="de-DE" sz="1400" dirty="0"/>
               <a:t> </a:t>
             </a:r>
             <a:r>
-              <a:rPr lang="de-DE" sz="1400" dirty="0" err="1" smtClean="0"/>
+              <a:rPr lang="de-DE" sz="1400" dirty="0" err="1"/>
               <a:t>is</a:t>
             </a:r>
             <a:r>
-              <a:rPr lang="de-DE" sz="1400" dirty="0" smtClean="0"/>
+              <a:rPr lang="de-DE" sz="1400" dirty="0"/>
               <a:t> </a:t>
             </a:r>
             <a:r>
-              <a:rPr lang="de-DE" sz="1400" dirty="0" err="1" smtClean="0"/>
+              <a:rPr lang="de-DE" sz="1400" dirty="0" err="1"/>
               <a:t>access</a:t>
             </a:r>
             <a:r>
-              <a:rPr lang="de-DE" sz="1400" dirty="0" smtClean="0"/>
+              <a:rPr lang="de-DE" sz="1400" dirty="0"/>
               <a:t> Chatroom</a:t>
             </a:r>
-            <a:endParaRPr lang="de-DE" sz="1400" dirty="0"/>
           </a:p>
         </p:txBody>
       </p:sp>
@@ -9173,13 +9095,6 @@
   <p:clrMapOvr>
     <a:masterClrMapping/>
   </p:clrMapOvr>
-  <p:timing>
-    <p:tnLst>
-      <p:par>
-        <p:cTn id="1" dur="indefinite" restart="never" nodeType="tmRoot"/>
-      </p:par>
-    </p:tnLst>
-  </p:timing>
 </p:sld>
 </file>
 
@@ -9292,7 +9207,7 @@
           <a:lstStyle/>
           <a:p>
             <a:r>
-              <a:rPr lang="de-DE" dirty="0" err="1" smtClean="0"/>
+              <a:rPr lang="de-DE" dirty="0" err="1"/>
               <a:t>Chatrooms.ads</a:t>
             </a:r>
             <a:endParaRPr lang="de-DE" dirty="0"/>
@@ -9363,27 +9278,26 @@
           <a:lstStyle/>
           <a:p>
             <a:r>
-              <a:rPr lang="de-DE" sz="1400" dirty="0" smtClean="0"/>
+              <a:rPr lang="de-DE" sz="1400" dirty="0"/>
               <a:t>Type Chatroom </a:t>
             </a:r>
             <a:r>
-              <a:rPr lang="de-DE" sz="1400" dirty="0" err="1" smtClean="0"/>
+              <a:rPr lang="de-DE" sz="1400" dirty="0" err="1"/>
               <a:t>is</a:t>
             </a:r>
-            <a:endParaRPr lang="de-DE" sz="1400" dirty="0" smtClean="0"/>
-          </a:p>
-          <a:p>
-            <a:r>
-              <a:rPr lang="de-DE" sz="1400" dirty="0" smtClean="0"/>
+            <a:endParaRPr lang="de-DE" sz="1400" dirty="0"/>
+          </a:p>
+          <a:p>
+            <a:r>
+              <a:rPr lang="de-DE" sz="1400" dirty="0"/>
               <a:t>      - Client</a:t>
             </a:r>
           </a:p>
           <a:p>
             <a:r>
-              <a:rPr lang="de-DE" sz="1400" dirty="0" smtClean="0"/>
+              <a:rPr lang="de-DE" sz="1400" dirty="0"/>
               <a:t>End type;</a:t>
             </a:r>
-            <a:endParaRPr lang="de-DE" sz="1400" dirty="0"/>
           </a:p>
         </p:txBody>
       </p:sp>
@@ -9452,7 +9366,7 @@
           <a:lstStyle/>
           <a:p>
             <a:r>
-              <a:rPr lang="de-DE" dirty="0" err="1" smtClean="0"/>
+              <a:rPr lang="de-DE" dirty="0" err="1"/>
               <a:t>ServerLogic.ads</a:t>
             </a:r>
             <a:endParaRPr lang="de-DE" dirty="0"/>
@@ -9523,37 +9437,32 @@
           <a:lstStyle/>
           <a:p>
             <a:r>
-              <a:rPr lang="de-DE" sz="1400" dirty="0" smtClean="0"/>
+              <a:rPr lang="de-DE" sz="1400" dirty="0"/>
               <a:t>Type Server </a:t>
             </a:r>
             <a:r>
-              <a:rPr lang="de-DE" sz="1400" dirty="0" err="1" smtClean="0"/>
+              <a:rPr lang="de-DE" sz="1400" dirty="0" err="1"/>
               <a:t>is</a:t>
             </a:r>
-            <a:endParaRPr lang="de-DE" sz="1400" dirty="0" smtClean="0"/>
-          </a:p>
-          <a:p>
-            <a:r>
-              <a:rPr lang="de-DE" sz="1400" dirty="0" smtClean="0"/>
+            <a:endParaRPr lang="de-DE" sz="1400" dirty="0"/>
+          </a:p>
+          <a:p>
+            <a:r>
+              <a:rPr lang="de-DE" sz="1400" dirty="0"/>
               <a:t>      - Client</a:t>
             </a:r>
           </a:p>
           <a:p>
             <a:r>
               <a:rPr lang="de-DE" sz="1400" dirty="0"/>
-              <a:t> </a:t>
-            </a:r>
-            <a:r>
-              <a:rPr lang="de-DE" sz="1400" dirty="0" smtClean="0"/>
-              <a:t>     - Chatroom</a:t>
-            </a:r>
-          </a:p>
-          <a:p>
-            <a:r>
-              <a:rPr lang="de-DE" sz="1400" dirty="0" smtClean="0"/>
+              <a:t>      - Chatroom</a:t>
+            </a:r>
+          </a:p>
+          <a:p>
+            <a:r>
+              <a:rPr lang="de-DE" sz="1400" dirty="0"/>
               <a:t>End type;</a:t>
             </a:r>
-            <a:endParaRPr lang="de-DE" sz="1400" dirty="0"/>
           </a:p>
         </p:txBody>
       </p:sp>
@@ -9648,15 +9557,15 @@
           <a:lstStyle/>
           <a:p>
             <a:r>
-              <a:rPr lang="de-DE" sz="1400" dirty="0" err="1" smtClean="0"/>
+              <a:rPr lang="de-DE" sz="1400" dirty="0" err="1"/>
               <a:t>With</a:t>
             </a:r>
             <a:r>
-              <a:rPr lang="de-DE" sz="1400" dirty="0" smtClean="0"/>
+              <a:rPr lang="de-DE" sz="1400" dirty="0"/>
               <a:t> </a:t>
             </a:r>
             <a:r>
-              <a:rPr lang="de-DE" sz="1400" dirty="0" err="1" smtClean="0"/>
+              <a:rPr lang="de-DE" sz="1400" dirty="0" err="1"/>
               <a:t>Clients.ads</a:t>
             </a:r>
             <a:endParaRPr lang="de-DE" sz="1400" dirty="0"/>
@@ -9686,15 +9595,15 @@
           <a:lstStyle/>
           <a:p>
             <a:r>
-              <a:rPr lang="de-DE" sz="1400" dirty="0" err="1" smtClean="0"/>
+              <a:rPr lang="de-DE" sz="1400" dirty="0" err="1"/>
               <a:t>With</a:t>
             </a:r>
             <a:r>
-              <a:rPr lang="de-DE" sz="1400" dirty="0" smtClean="0"/>
+              <a:rPr lang="de-DE" sz="1400" dirty="0"/>
               <a:t> </a:t>
             </a:r>
             <a:r>
-              <a:rPr lang="de-DE" sz="1400" dirty="0" err="1" smtClean="0"/>
+              <a:rPr lang="de-DE" sz="1400" dirty="0" err="1"/>
               <a:t>Chatrooms.ads</a:t>
             </a:r>
             <a:endParaRPr lang="de-DE" sz="1400" dirty="0"/>
@@ -9766,7 +9675,7 @@
           <a:lstStyle/>
           <a:p>
             <a:r>
-              <a:rPr lang="de-DE" dirty="0" err="1" smtClean="0"/>
+              <a:rPr lang="de-DE" dirty="0" err="1"/>
               <a:t>Clients.ads</a:t>
             </a:r>
             <a:endParaRPr lang="de-DE" dirty="0"/>
@@ -9796,22 +9705,22 @@
           <a:lstStyle/>
           <a:p>
             <a:r>
-              <a:rPr lang="de-DE" sz="1400" dirty="0" smtClean="0"/>
+              <a:rPr lang="de-DE" sz="1400" dirty="0"/>
               <a:t>Type Client </a:t>
             </a:r>
             <a:r>
-              <a:rPr lang="de-DE" sz="1400" dirty="0" err="1" smtClean="0"/>
+              <a:rPr lang="de-DE" sz="1400" dirty="0" err="1"/>
               <a:t>is</a:t>
             </a:r>
-            <a:endParaRPr lang="de-DE" sz="1400" dirty="0" smtClean="0"/>
-          </a:p>
-          <a:p>
-            <a:r>
-              <a:rPr lang="de-DE" sz="1400" dirty="0" smtClean="0"/>
+            <a:endParaRPr lang="de-DE" sz="1400" dirty="0"/>
+          </a:p>
+          <a:p>
+            <a:r>
+              <a:rPr lang="de-DE" sz="1400" dirty="0"/>
               <a:t>      -</a:t>
             </a:r>
             <a:r>
-              <a:rPr lang="de-DE" sz="1400" dirty="0" smtClean="0">
+              <a:rPr lang="de-DE" sz="1400" dirty="0">
                 <a:solidFill>
                   <a:srgbClr val="FF0000"/>
                 </a:solidFill>
@@ -9819,17 +9728,16 @@
               <a:t> </a:t>
             </a:r>
             <a:r>
-              <a:rPr lang="de-DE" sz="1400" dirty="0" err="1" smtClean="0"/>
+              <a:rPr lang="de-DE" sz="1400" dirty="0" err="1"/>
               <a:t>ChatroomPtr</a:t>
             </a:r>
-            <a:endParaRPr lang="de-DE" sz="1400" dirty="0" smtClean="0"/>
-          </a:p>
-          <a:p>
-            <a:r>
-              <a:rPr lang="de-DE" sz="1400" dirty="0" smtClean="0"/>
+            <a:endParaRPr lang="de-DE" sz="1400" dirty="0"/>
+          </a:p>
+          <a:p>
+            <a:r>
+              <a:rPr lang="de-DE" sz="1400" dirty="0"/>
               <a:t>End type;</a:t>
             </a:r>
-            <a:endParaRPr lang="de-DE" sz="1400" dirty="0"/>
           </a:p>
         </p:txBody>
       </p:sp>
@@ -9930,15 +9838,15 @@
           <a:lstStyle/>
           <a:p>
             <a:r>
-              <a:rPr lang="de-DE" sz="1400" dirty="0" err="1" smtClean="0"/>
+              <a:rPr lang="de-DE" sz="1400" dirty="0" err="1"/>
               <a:t>With</a:t>
             </a:r>
             <a:r>
-              <a:rPr lang="de-DE" sz="1400" dirty="0" smtClean="0"/>
+              <a:rPr lang="de-DE" sz="1400" dirty="0"/>
               <a:t> </a:t>
             </a:r>
             <a:r>
-              <a:rPr lang="de-DE" sz="1400" dirty="0" err="1" smtClean="0"/>
+              <a:rPr lang="de-DE" sz="1400" dirty="0" err="1"/>
               <a:t>ServerLogic.ads</a:t>
             </a:r>
             <a:endParaRPr lang="de-DE" sz="1400" dirty="0"/>
@@ -10002,21 +9910,21 @@
           <a:lstStyle/>
           <a:p>
             <a:r>
-              <a:rPr lang="de-DE" sz="1400" dirty="0" smtClean="0"/>
+              <a:rPr lang="de-DE" sz="1400" dirty="0"/>
               <a:t>Limited </a:t>
             </a:r>
             <a:r>
-              <a:rPr lang="de-DE" sz="1400" dirty="0" err="1" smtClean="0"/>
+              <a:rPr lang="de-DE" sz="1400" dirty="0" err="1"/>
               <a:t>with</a:t>
             </a:r>
             <a:r>
-              <a:rPr lang="de-DE" sz="1400" dirty="0" smtClean="0"/>
+              <a:rPr lang="de-DE" sz="1400" dirty="0"/>
               <a:t> </a:t>
             </a:r>
           </a:p>
           <a:p>
             <a:r>
-              <a:rPr lang="de-DE" sz="1400" dirty="0" err="1" smtClean="0"/>
+              <a:rPr lang="de-DE" sz="1400" dirty="0" err="1"/>
               <a:t>Chatrooms.ads</a:t>
             </a:r>
             <a:endParaRPr lang="de-DE" sz="1400" dirty="0"/>
@@ -10046,37 +9954,36 @@
           <a:lstStyle/>
           <a:p>
             <a:r>
-              <a:rPr lang="de-DE" sz="1400" dirty="0" smtClean="0"/>
+              <a:rPr lang="de-DE" sz="1400" dirty="0"/>
               <a:t>Type </a:t>
             </a:r>
             <a:r>
-              <a:rPr lang="de-DE" sz="1400" dirty="0" err="1" smtClean="0"/>
+              <a:rPr lang="de-DE" sz="1400" dirty="0" err="1"/>
               <a:t>ChatroomPointer</a:t>
             </a:r>
-            <a:endParaRPr lang="de-DE" sz="1400" dirty="0" smtClean="0"/>
-          </a:p>
-          <a:p>
-            <a:r>
-              <a:rPr lang="de-DE" sz="1400" dirty="0" smtClean="0"/>
+            <a:endParaRPr lang="de-DE" sz="1400" dirty="0"/>
+          </a:p>
+          <a:p>
+            <a:r>
+              <a:rPr lang="de-DE" sz="1400" dirty="0"/>
               <a:t> </a:t>
             </a:r>
             <a:r>
-              <a:rPr lang="de-DE" sz="1400" dirty="0" err="1" smtClean="0"/>
+              <a:rPr lang="de-DE" sz="1400" dirty="0" err="1"/>
               <a:t>is</a:t>
             </a:r>
             <a:r>
-              <a:rPr lang="de-DE" sz="1400" dirty="0" smtClean="0"/>
+              <a:rPr lang="de-DE" sz="1400" dirty="0"/>
               <a:t> </a:t>
             </a:r>
             <a:r>
-              <a:rPr lang="de-DE" sz="1400" dirty="0" err="1" smtClean="0"/>
+              <a:rPr lang="de-DE" sz="1400" dirty="0" err="1"/>
               <a:t>access</a:t>
             </a:r>
             <a:r>
-              <a:rPr lang="de-DE" sz="1400" dirty="0" smtClean="0"/>
+              <a:rPr lang="de-DE" sz="1400" dirty="0"/>
               <a:t> Chatroom</a:t>
             </a:r>
-            <a:endParaRPr lang="de-DE" sz="1400" dirty="0"/>
           </a:p>
         </p:txBody>
       </p:sp>
@@ -10131,13 +10038,6 @@
   <p:clrMapOvr>
     <a:masterClrMapping/>
   </p:clrMapOvr>
-  <p:timing>
-    <p:tnLst>
-      <p:par>
-        <p:cTn id="1" dur="indefinite" restart="never" nodeType="tmRoot"/>
-      </p:par>
-    </p:tnLst>
-  </p:timing>
 </p:sld>
 </file>
 
@@ -10179,10 +10079,9 @@
           <a:lstStyle/>
           <a:p>
             <a:r>
-              <a:rPr lang="de-DE" dirty="0" smtClean="0"/>
+              <a:rPr lang="de-DE" dirty="0"/>
               <a:t>Gliederung</a:t>
             </a:r>
-            <a:endParaRPr lang="de-DE" dirty="0"/>
           </a:p>
         </p:txBody>
       </p:sp>
@@ -10202,47 +10101,54 @@
           <a:lstStyle/>
           <a:p>
             <a:r>
-              <a:rPr lang="de-DE" dirty="0" smtClean="0"/>
+              <a:rPr lang="de-DE" dirty="0"/>
               <a:t>Projektidee </a:t>
             </a:r>
+          </a:p>
+          <a:p>
+            <a:r>
+              <a:rPr lang="de-DE" dirty="0"/>
+              <a:t>Kommunikationsprotokoll</a:t>
+            </a:r>
+          </a:p>
+          <a:p>
+            <a:r>
+              <a:rPr lang="de-DE" dirty="0"/>
+              <a:t>Implementierungslogik</a:t>
+            </a:r>
+          </a:p>
+          <a:p>
+            <a:r>
+              <a:rPr lang="de-DE" dirty="0" err="1"/>
+              <a:t>GtkAda</a:t>
+            </a:r>
+            <a:r>
+              <a:rPr lang="de-DE" dirty="0"/>
+              <a:t> mit </a:t>
+            </a:r>
+            <a:r>
+              <a:rPr lang="de-DE" dirty="0" err="1"/>
+              <a:t>Glade</a:t>
+            </a:r>
             <a:endParaRPr lang="de-DE" dirty="0"/>
           </a:p>
           <a:p>
             <a:r>
-              <a:rPr lang="de-DE" dirty="0" smtClean="0"/>
-              <a:t>Vorgehen</a:t>
-            </a:r>
-          </a:p>
-          <a:p>
-            <a:r>
-              <a:rPr lang="de-DE" dirty="0" smtClean="0"/>
-              <a:t>Kommunikationsprotokoll</a:t>
-            </a:r>
-          </a:p>
-          <a:p>
-            <a:r>
-              <a:rPr lang="de-DE" dirty="0" smtClean="0"/>
-              <a:t>Implementierungslogik</a:t>
-            </a:r>
-          </a:p>
-          <a:p>
-            <a:r>
-              <a:rPr lang="de-DE" dirty="0" smtClean="0"/>
+              <a:rPr lang="de-DE" dirty="0"/>
               <a:t>Anwendungspräsentation</a:t>
             </a:r>
           </a:p>
           <a:p>
             <a:r>
-              <a:rPr lang="de-DE" dirty="0" smtClean="0"/>
+              <a:rPr lang="de-DE" dirty="0"/>
               <a:t>Erweiterbarkeit</a:t>
             </a:r>
           </a:p>
           <a:p>
             <a:r>
-              <a:rPr lang="de-DE" dirty="0" smtClean="0"/>
-              <a:t>Probleme</a:t>
-            </a:r>
-            <a:endParaRPr lang="de-DE" dirty="0"/>
+              <a:rPr lang="de-DE" dirty="0"/>
+              <a:t>Hindernisse</a:t>
+            </a:r>
           </a:p>
         </p:txBody>
       </p:sp>
@@ -10256,13 +10162,6 @@
   <p:clrMapOvr>
     <a:masterClrMapping/>
   </p:clrMapOvr>
-  <p:timing>
-    <p:tnLst>
-      <p:par>
-        <p:cTn id="1" dur="indefinite" restart="never" nodeType="tmRoot"/>
-      </p:par>
-    </p:tnLst>
-  </p:timing>
 </p:sld>
 </file>
 
@@ -10304,10 +10203,9 @@
           <a:lstStyle/>
           <a:p>
             <a:r>
-              <a:rPr lang="de-DE" dirty="0" smtClean="0"/>
+              <a:rPr lang="de-DE" dirty="0"/>
               <a:t>Projektidee</a:t>
             </a:r>
-            <a:endParaRPr lang="de-DE" dirty="0"/>
           </a:p>
         </p:txBody>
       </p:sp>
@@ -10486,7 +10384,7 @@
 </file>
 
 <file path=ppt/slides/slide4.xml><?xml version="1.0" encoding="utf-8"?>
-<p:sld xmlns:a="http://schemas.openxmlformats.org/drawingml/2006/main" xmlns:r="http://schemas.openxmlformats.org/officeDocument/2006/relationships" xmlns:p="http://schemas.openxmlformats.org/presentationml/2006/main">
+<p:sld xmlns:a="http://schemas.openxmlformats.org/drawingml/2006/main" xmlns:r="http://schemas.openxmlformats.org/officeDocument/2006/relationships" xmlns:p="http://schemas.openxmlformats.org/presentationml/2006/main" show="0">
   <p:cSld>
     <p:spTree>
       <p:nvGrpSpPr>
@@ -10523,10 +10421,9 @@
           <a:lstStyle/>
           <a:p>
             <a:r>
-              <a:rPr lang="de-DE" dirty="0" smtClean="0"/>
+              <a:rPr lang="de-DE" dirty="0"/>
               <a:t>Vorgehen</a:t>
             </a:r>
-            <a:endParaRPr lang="de-DE" dirty="0"/>
           </a:p>
         </p:txBody>
       </p:sp>
@@ -10546,21 +10443,21 @@
           <a:lstStyle/>
           <a:p>
             <a:r>
-              <a:rPr lang="de-DE" dirty="0" smtClean="0"/>
+              <a:rPr lang="de-DE" dirty="0"/>
               <a:t>Fällt </a:t>
             </a:r>
             <a:r>
-              <a:rPr lang="de-DE" dirty="0" err="1" smtClean="0"/>
+              <a:rPr lang="de-DE" dirty="0" err="1"/>
               <a:t>evtl</a:t>
             </a:r>
             <a:r>
-              <a:rPr lang="de-DE" dirty="0" smtClean="0"/>
+              <a:rPr lang="de-DE" dirty="0"/>
               <a:t> raus, diskutierbar.</a:t>
             </a:r>
           </a:p>
           <a:p>
             <a:r>
-              <a:rPr lang="de-DE" dirty="0" smtClean="0"/>
+              <a:rPr lang="de-DE" dirty="0"/>
               <a:t>Was sollte rein?</a:t>
             </a:r>
           </a:p>
@@ -10576,13 +10473,6 @@
   <p:clrMapOvr>
     <a:masterClrMapping/>
   </p:clrMapOvr>
-  <p:timing>
-    <p:tnLst>
-      <p:par>
-        <p:cTn id="1" dur="indefinite" restart="never" nodeType="tmRoot"/>
-      </p:par>
-    </p:tnLst>
-  </p:timing>
 </p:sld>
 </file>
 
@@ -10624,10 +10514,9 @@
           <a:lstStyle/>
           <a:p>
             <a:r>
-              <a:rPr lang="de-DE" dirty="0" smtClean="0"/>
+              <a:rPr lang="de-DE" dirty="0"/>
               <a:t>Kommunikationsprotokoll</a:t>
             </a:r>
-            <a:endParaRPr lang="de-DE" dirty="0"/>
           </a:p>
         </p:txBody>
       </p:sp>
@@ -10647,34 +10536,33 @@
           <a:lstStyle/>
           <a:p>
             <a:r>
-              <a:rPr lang="de-DE" dirty="0" smtClean="0"/>
+              <a:rPr lang="de-DE" dirty="0"/>
               <a:t>Allgemeines</a:t>
             </a:r>
           </a:p>
           <a:p>
             <a:r>
-              <a:rPr lang="de-DE" dirty="0" smtClean="0"/>
+              <a:rPr lang="de-DE" dirty="0"/>
               <a:t>Grundlegende Funktionsweise</a:t>
             </a:r>
           </a:p>
           <a:p>
             <a:r>
-              <a:rPr lang="de-DE" dirty="0" smtClean="0"/>
+              <a:rPr lang="de-DE" dirty="0"/>
               <a:t>Welche Typen? Welche Funktion?</a:t>
             </a:r>
           </a:p>
           <a:p>
             <a:r>
-              <a:rPr lang="de-DE" dirty="0" smtClean="0"/>
+              <a:rPr lang="de-DE" dirty="0"/>
               <a:t>Trennzeichen, Endzeichen</a:t>
             </a:r>
           </a:p>
           <a:p>
             <a:r>
-              <a:rPr lang="de-DE" dirty="0" smtClean="0"/>
+              <a:rPr lang="de-DE" dirty="0"/>
               <a:t>Beispielhafter Ablauf zur Demo</a:t>
             </a:r>
-            <a:endParaRPr lang="de-DE" dirty="0"/>
           </a:p>
         </p:txBody>
       </p:sp>
@@ -10688,13 +10576,6 @@
   <p:clrMapOvr>
     <a:masterClrMapping/>
   </p:clrMapOvr>
-  <p:timing>
-    <p:tnLst>
-      <p:par>
-        <p:cTn id="1" dur="indefinite" restart="never" nodeType="tmRoot"/>
-      </p:par>
-    </p:tnLst>
-  </p:timing>
 </p:sld>
 </file>
 
@@ -10736,10 +10617,9 @@
           <a:lstStyle/>
           <a:p>
             <a:r>
-              <a:rPr lang="de-DE" dirty="0" smtClean="0"/>
+              <a:rPr lang="de-DE" dirty="0"/>
               <a:t>Implementierungslogik – anderes Wort finden</a:t>
             </a:r>
-            <a:endParaRPr lang="de-DE" dirty="0"/>
           </a:p>
         </p:txBody>
       </p:sp>
@@ -11511,7 +11391,7 @@
           <a:lstStyle/>
           <a:p>
             <a:r>
-              <a:rPr lang="de-DE" dirty="0" smtClean="0"/>
+              <a:rPr lang="de-DE" dirty="0"/>
               <a:t>Server startet</a:t>
             </a:r>
           </a:p>
@@ -12055,10 +11935,9 @@
           <a:lstStyle/>
           <a:p>
             <a:r>
-              <a:rPr lang="de-DE" sz="4400" dirty="0" smtClean="0"/>
+              <a:rPr lang="de-DE" sz="4400" dirty="0"/>
               <a:t>…</a:t>
             </a:r>
-            <a:endParaRPr lang="de-DE" sz="4400" dirty="0"/>
           </a:p>
         </p:txBody>
       </p:sp>
@@ -12259,7 +12138,7 @@
           <a:lstStyle/>
           <a:p>
             <a:r>
-              <a:rPr lang="de-DE" dirty="0" smtClean="0"/>
+              <a:rPr lang="de-DE" dirty="0"/>
               <a:t>Main-Task läuft an</a:t>
             </a:r>
           </a:p>
@@ -12288,7 +12167,7 @@
           <a:lstStyle/>
           <a:p>
             <a:r>
-              <a:rPr lang="de-DE" dirty="0" smtClean="0"/>
+              <a:rPr lang="de-DE" dirty="0"/>
               <a:t>Client-Tasks pro Nutzer erzeugen</a:t>
             </a:r>
           </a:p>
@@ -12484,13 +12363,6 @@
   <p:clrMapOvr>
     <a:masterClrMapping/>
   </p:clrMapOvr>
-  <p:timing>
-    <p:tnLst>
-      <p:par>
-        <p:cTn id="1" dur="indefinite" restart="never" nodeType="tmRoot"/>
-      </p:par>
-    </p:tnLst>
-  </p:timing>
 </p:sld>
 </file>
 
@@ -12532,10 +12404,9 @@
           <a:lstStyle/>
           <a:p>
             <a:r>
-              <a:rPr lang="de-DE" dirty="0" smtClean="0"/>
+              <a:rPr lang="de-DE" dirty="0"/>
               <a:t>Anwendungspräsentation</a:t>
             </a:r>
-            <a:endParaRPr lang="de-DE" dirty="0"/>
           </a:p>
         </p:txBody>
       </p:sp>
@@ -12554,38 +12425,6 @@
           <a:bodyPr/>
           <a:lstStyle/>
           <a:p>
-            <a:r>
-              <a:rPr lang="de-DE" dirty="0" smtClean="0"/>
-              <a:t>Server und Clients startklar, von unterschiedlichen Rechnern aus!</a:t>
-            </a:r>
-          </a:p>
-          <a:p>
-            <a:r>
-              <a:rPr lang="de-DE" dirty="0" smtClean="0"/>
-              <a:t>Funktionen demonstrieren </a:t>
-            </a:r>
-          </a:p>
-          <a:p>
-            <a:r>
-              <a:rPr lang="de-DE" dirty="0" smtClean="0"/>
-              <a:t>Wenn es um die Server Funktionen geht, Server auf Präsentationslaptop, wenn um die Client Funktionen extra Client </a:t>
-            </a:r>
-            <a:r>
-              <a:rPr lang="de-DE" dirty="0"/>
-              <a:t>F</a:t>
-            </a:r>
-            <a:r>
-              <a:rPr lang="de-DE" dirty="0" smtClean="0"/>
-              <a:t>enster auf diesem Laptop ansonsten kommt </a:t>
-            </a:r>
-            <a:r>
-              <a:rPr lang="de-DE" dirty="0"/>
-              <a:t>I</a:t>
-            </a:r>
-            <a:r>
-              <a:rPr lang="de-DE" dirty="0" smtClean="0"/>
-              <a:t>nput von außerhalb</a:t>
-            </a:r>
             <a:endParaRPr lang="de-DE" dirty="0"/>
           </a:p>
         </p:txBody>
@@ -12600,13 +12439,6 @@
   <p:clrMapOvr>
     <a:masterClrMapping/>
   </p:clrMapOvr>
-  <p:timing>
-    <p:tnLst>
-      <p:par>
-        <p:cTn id="1" dur="indefinite" restart="never" nodeType="tmRoot"/>
-      </p:par>
-    </p:tnLst>
-  </p:timing>
 </p:sld>
 </file>
 
@@ -12648,10 +12480,9 @@
           <a:lstStyle/>
           <a:p>
             <a:r>
-              <a:rPr lang="de-DE" dirty="0" smtClean="0"/>
+              <a:rPr lang="de-DE" dirty="0"/>
               <a:t>Erweiterbarkeit</a:t>
             </a:r>
-            <a:endParaRPr lang="de-DE" dirty="0"/>
           </a:p>
         </p:txBody>
       </p:sp>
@@ -12671,48 +12502,47 @@
           <a:lstStyle/>
           <a:p>
             <a:r>
-              <a:rPr lang="de-DE" dirty="0" smtClean="0"/>
+              <a:rPr lang="de-DE" dirty="0"/>
               <a:t>Protokoll leicht erweiterbar durch Typen</a:t>
             </a:r>
           </a:p>
           <a:p>
             <a:r>
-              <a:rPr lang="de-DE" dirty="0" smtClean="0"/>
+              <a:rPr lang="de-DE" dirty="0"/>
               <a:t>Ideen nennen, </a:t>
             </a:r>
             <a:r>
-              <a:rPr lang="de-DE" dirty="0" err="1" smtClean="0"/>
+              <a:rPr lang="de-DE" dirty="0" err="1"/>
               <a:t>z.b.</a:t>
             </a:r>
             <a:r>
-              <a:rPr lang="de-DE" dirty="0" smtClean="0"/>
+              <a:rPr lang="de-DE" dirty="0"/>
               <a:t> </a:t>
             </a:r>
             <a:r>
-              <a:rPr lang="de-DE" dirty="0" err="1" smtClean="0"/>
+              <a:rPr lang="de-DE" dirty="0" err="1"/>
               <a:t>Smiles</a:t>
             </a:r>
             <a:r>
-              <a:rPr lang="de-DE" dirty="0" smtClean="0"/>
+              <a:rPr lang="de-DE" dirty="0"/>
               <a:t>, </a:t>
             </a:r>
             <a:r>
-              <a:rPr lang="de-DE" dirty="0" err="1" smtClean="0"/>
+              <a:rPr lang="de-DE" dirty="0" err="1"/>
               <a:t>History</a:t>
             </a:r>
             <a:r>
-              <a:rPr lang="de-DE" dirty="0" smtClean="0"/>
+              <a:rPr lang="de-DE" dirty="0"/>
               <a:t> Log, Spiele wie in </a:t>
             </a:r>
             <a:r>
-              <a:rPr lang="de-DE" dirty="0" err="1" smtClean="0"/>
+              <a:rPr lang="de-DE" dirty="0" err="1"/>
               <a:t>ClientGUI</a:t>
             </a:r>
             <a:r>
-              <a:rPr lang="de-DE" dirty="0" smtClean="0"/>
+              <a:rPr lang="de-DE" dirty="0"/>
               <a:t> schon zu sehen</a:t>
             </a:r>
-            <a:endParaRPr lang="de-DE" dirty="0"/>
           </a:p>
         </p:txBody>
       </p:sp>
@@ -12726,13 +12556,6 @@
   <p:clrMapOvr>
     <a:masterClrMapping/>
   </p:clrMapOvr>
-  <p:timing>
-    <p:tnLst>
-      <p:par>
-        <p:cTn id="1" dur="indefinite" restart="never" nodeType="tmRoot"/>
-      </p:par>
-    </p:tnLst>
-  </p:timing>
 </p:sld>
 </file>
 
@@ -12774,10 +12597,9 @@
           <a:lstStyle/>
           <a:p>
             <a:r>
-              <a:rPr lang="de-DE" dirty="0" smtClean="0"/>
+              <a:rPr lang="de-DE" dirty="0"/>
               <a:t>Hindernisse</a:t>
             </a:r>
-            <a:endParaRPr lang="de-DE" dirty="0"/>
           </a:p>
         </p:txBody>
       </p:sp>
@@ -12797,22 +12619,21 @@
           <a:lstStyle/>
           <a:p>
             <a:r>
-              <a:rPr lang="de-DE" dirty="0" smtClean="0"/>
+              <a:rPr lang="de-DE" dirty="0"/>
               <a:t>Dokumentation von Ada und GTK</a:t>
             </a:r>
           </a:p>
           <a:p>
             <a:r>
-              <a:rPr lang="de-DE" dirty="0" smtClean="0"/>
+              <a:rPr lang="de-DE" dirty="0"/>
               <a:t>Zirkuläre Abhängigkeiten</a:t>
             </a:r>
           </a:p>
           <a:p>
             <a:r>
-              <a:rPr lang="de-DE" dirty="0" err="1" smtClean="0"/>
-              <a:t>Compilermagic</a:t>
-            </a:r>
-            <a:endParaRPr lang="de-DE" dirty="0"/>
+              <a:rPr lang="de-DE" dirty="0"/>
+              <a:t>Compilerfehler</a:t>
+            </a:r>
           </a:p>
         </p:txBody>
       </p:sp>
@@ -12826,13 +12647,6 @@
   <p:clrMapOvr>
     <a:masterClrMapping/>
   </p:clrMapOvr>
-  <p:timing>
-    <p:tnLst>
-      <p:par>
-        <p:cTn id="1" dur="indefinite" restart="never" nodeType="tmRoot"/>
-      </p:par>
-    </p:tnLst>
-  </p:timing>
 </p:sld>
 </file>
 

--- a/documentation/Ada Chat.pptx
+++ b/documentation/Ada Chat.pptx
@@ -5,7 +5,7 @@
     <p:sldMasterId id="2147483648" r:id="rId1"/>
   </p:sldMasterIdLst>
   <p:notesMasterIdLst>
-    <p:notesMasterId r:id="rId21"/>
+    <p:notesMasterId r:id="rId23"/>
   </p:notesMasterIdLst>
   <p:sldIdLst>
     <p:sldId id="256" r:id="rId2"/>
@@ -14,19 +14,21 @@
     <p:sldId id="259" r:id="rId5"/>
     <p:sldId id="260" r:id="rId6"/>
     <p:sldId id="265" r:id="rId7"/>
-    <p:sldId id="262" r:id="rId8"/>
-    <p:sldId id="263" r:id="rId9"/>
-    <p:sldId id="264" r:id="rId10"/>
-    <p:sldId id="267" r:id="rId11"/>
-    <p:sldId id="269" r:id="rId12"/>
-    <p:sldId id="268" r:id="rId13"/>
-    <p:sldId id="276" r:id="rId14"/>
-    <p:sldId id="270" r:id="rId15"/>
-    <p:sldId id="275" r:id="rId16"/>
-    <p:sldId id="271" r:id="rId17"/>
-    <p:sldId id="272" r:id="rId18"/>
-    <p:sldId id="273" r:id="rId19"/>
-    <p:sldId id="274" r:id="rId20"/>
+    <p:sldId id="277" r:id="rId8"/>
+    <p:sldId id="262" r:id="rId9"/>
+    <p:sldId id="263" r:id="rId10"/>
+    <p:sldId id="264" r:id="rId11"/>
+    <p:sldId id="267" r:id="rId12"/>
+    <p:sldId id="278" r:id="rId13"/>
+    <p:sldId id="269" r:id="rId14"/>
+    <p:sldId id="268" r:id="rId15"/>
+    <p:sldId id="276" r:id="rId16"/>
+    <p:sldId id="270" r:id="rId17"/>
+    <p:sldId id="275" r:id="rId18"/>
+    <p:sldId id="271" r:id="rId19"/>
+    <p:sldId id="272" r:id="rId20"/>
+    <p:sldId id="273" r:id="rId21"/>
+    <p:sldId id="274" r:id="rId22"/>
   </p:sldIdLst>
   <p:sldSz cx="9144000" cy="6858000" type="screen4x3"/>
   <p:notesSz cx="6858000" cy="9144000"/>
@@ -718,19 +720,15 @@
           <a:p>
             <a:r>
               <a:rPr lang="de-DE" dirty="0"/>
-              <a:t>Server und Clients startklar, von unterschiedlichen Rechnern aus!</a:t>
-            </a:r>
-          </a:p>
-          <a:p>
+              <a:t>Bild Server, frei dazu reden,</a:t>
+            </a:r>
+            <a:r>
+              <a:rPr lang="de-DE" baseline="0" dirty="0"/>
+              <a:t> </a:t>
+            </a:r>
             <a:r>
               <a:rPr lang="de-DE" dirty="0"/>
-              <a:t>Funktionen demonstrieren </a:t>
-            </a:r>
-          </a:p>
-          <a:p>
-            <a:r>
-              <a:rPr lang="de-DE" dirty="0"/>
-              <a:t>Wenn es um die Server Funktionen geht, Server auf Präsentationslaptop, wenn um die Client Funktionen extra Client Fenster auf diesem Laptop ansonsten kommt Input von außerhalb</a:t>
+              <a:t>Client analog</a:t>
             </a:r>
           </a:p>
           <a:p>
@@ -756,6 +754,108 @@
             <a:fld id="{B86A5C8B-E559-406D-A6CE-B08D815A3D7D}" type="slidenum">
               <a:rPr lang="de-DE" smtClean="0"/>
               <a:t>7</a:t>
+            </a:fld>
+            <a:endParaRPr lang="de-DE"/>
+          </a:p>
+        </p:txBody>
+      </p:sp>
+    </p:spTree>
+    <p:extLst>
+      <p:ext uri="{BB962C8B-B14F-4D97-AF65-F5344CB8AC3E}">
+        <p14:creationId xmlns:p14="http://schemas.microsoft.com/office/powerpoint/2010/main" val="446983532"/>
+      </p:ext>
+    </p:extLst>
+  </p:cSld>
+  <p:clrMapOvr>
+    <a:masterClrMapping/>
+  </p:clrMapOvr>
+</p:notes>
+</file>
+
+<file path=ppt/notesSlides/notesSlide4.xml><?xml version="1.0" encoding="utf-8"?>
+<p:notes xmlns:a="http://schemas.openxmlformats.org/drawingml/2006/main" xmlns:r="http://schemas.openxmlformats.org/officeDocument/2006/relationships" xmlns:p="http://schemas.openxmlformats.org/presentationml/2006/main">
+  <p:cSld>
+    <p:spTree>
+      <p:nvGrpSpPr>
+        <p:cNvPr id="1" name=""/>
+        <p:cNvGrpSpPr/>
+        <p:nvPr/>
+      </p:nvGrpSpPr>
+      <p:grpSpPr>
+        <a:xfrm>
+          <a:off x="0" y="0"/>
+          <a:ext cx="0" cy="0"/>
+          <a:chOff x="0" y="0"/>
+          <a:chExt cx="0" cy="0"/>
+        </a:xfrm>
+      </p:grpSpPr>
+      <p:sp>
+        <p:nvSpPr>
+          <p:cNvPr id="2" name="Folienbildplatzhalter 1"/>
+          <p:cNvSpPr>
+            <a:spLocks noGrp="1" noRot="1" noChangeAspect="1"/>
+          </p:cNvSpPr>
+          <p:nvPr>
+            <p:ph type="sldImg"/>
+          </p:nvPr>
+        </p:nvSpPr>
+        <p:spPr/>
+      </p:sp>
+      <p:sp>
+        <p:nvSpPr>
+          <p:cNvPr id="3" name="Notizenplatzhalter 2"/>
+          <p:cNvSpPr>
+            <a:spLocks noGrp="1"/>
+          </p:cNvSpPr>
+          <p:nvPr>
+            <p:ph type="body" idx="1"/>
+          </p:nvPr>
+        </p:nvSpPr>
+        <p:spPr/>
+        <p:txBody>
+          <a:bodyPr/>
+          <a:lstStyle/>
+          <a:p>
+            <a:r>
+              <a:rPr lang="de-DE" dirty="0"/>
+              <a:t>Server und Clients startklar, von unterschiedlichen Rechnern aus!</a:t>
+            </a:r>
+          </a:p>
+          <a:p>
+            <a:r>
+              <a:rPr lang="de-DE" dirty="0"/>
+              <a:t>Funktionen demonstrieren </a:t>
+            </a:r>
+          </a:p>
+          <a:p>
+            <a:r>
+              <a:rPr lang="de-DE" dirty="0"/>
+              <a:t>Wenn es um die Server Funktionen geht, Server auf Präsentationslaptop, wenn um die Client Funktionen extra Client Fenster auf diesem Laptop ansonsten kommt Input von außerhalb</a:t>
+            </a:r>
+          </a:p>
+          <a:p>
+            <a:endParaRPr lang="de-DE" dirty="0"/>
+          </a:p>
+        </p:txBody>
+      </p:sp>
+      <p:sp>
+        <p:nvSpPr>
+          <p:cNvPr id="4" name="Foliennummernplatzhalter 3"/>
+          <p:cNvSpPr>
+            <a:spLocks noGrp="1"/>
+          </p:cNvSpPr>
+          <p:nvPr>
+            <p:ph type="sldNum" sz="quarter" idx="10"/>
+          </p:nvPr>
+        </p:nvSpPr>
+        <p:spPr/>
+        <p:txBody>
+          <a:bodyPr/>
+          <a:lstStyle/>
+          <a:p>
+            <a:fld id="{B86A5C8B-E559-406D-A6CE-B08D815A3D7D}" type="slidenum">
+              <a:rPr lang="de-DE" smtClean="0"/>
+              <a:t>8</a:t>
             </a:fld>
             <a:endParaRPr lang="de-DE"/>
           </a:p>
@@ -2113,706 +2213,49 @@
           <a:p>
             <a:r>
               <a:rPr lang="de-DE" dirty="0"/>
+              <a:t>Hindernisse</a:t>
+            </a:r>
+          </a:p>
+        </p:txBody>
+      </p:sp>
+      <p:sp>
+        <p:nvSpPr>
+          <p:cNvPr id="3" name="Inhaltsplatzhalter 2"/>
+          <p:cNvSpPr>
+            <a:spLocks noGrp="1"/>
+          </p:cNvSpPr>
+          <p:nvPr>
+            <p:ph idx="1"/>
+          </p:nvPr>
+        </p:nvSpPr>
+        <p:spPr/>
+        <p:txBody>
+          <a:bodyPr/>
+          <a:lstStyle/>
+          <a:p>
+            <a:r>
+              <a:rPr lang="de-DE" dirty="0"/>
+              <a:t>Dokumentation von Ada und GTK</a:t>
+            </a:r>
+          </a:p>
+          <a:p>
+            <a:r>
+              <a:rPr lang="de-DE" dirty="0"/>
               <a:t>Zirkuläre Abhängigkeiten</a:t>
             </a:r>
           </a:p>
-        </p:txBody>
-      </p:sp>
-      <p:sp>
-        <p:nvSpPr>
-          <p:cNvPr id="6" name="Rechteck 5"/>
-          <p:cNvSpPr/>
-          <p:nvPr/>
-        </p:nvSpPr>
-        <p:spPr>
-          <a:xfrm>
-            <a:off x="553673" y="2224209"/>
-            <a:ext cx="1744911" cy="2176715"/>
-          </a:xfrm>
-          <a:prstGeom prst="rect">
-            <a:avLst/>
-          </a:prstGeom>
-          <a:noFill/>
-          <a:ln/>
-        </p:spPr>
-        <p:style>
-          <a:lnRef idx="2">
-            <a:schemeClr val="dk1">
-              <a:shade val="50000"/>
-            </a:schemeClr>
-          </a:lnRef>
-          <a:fillRef idx="1">
-            <a:schemeClr val="dk1"/>
-          </a:fillRef>
-          <a:effectRef idx="0">
-            <a:schemeClr val="dk1"/>
-          </a:effectRef>
-          <a:fontRef idx="minor">
-            <a:schemeClr val="lt1"/>
-          </a:fontRef>
-        </p:style>
-        <p:txBody>
-          <a:bodyPr rtlCol="0" anchor="ctr"/>
-          <a:lstStyle/>
-          <a:p>
-            <a:pPr algn="ctr"/>
-            <a:endParaRPr lang="de-DE"/>
-          </a:p>
-        </p:txBody>
-      </p:sp>
-      <p:sp>
-        <p:nvSpPr>
-          <p:cNvPr id="12" name="Textfeld 11"/>
-          <p:cNvSpPr txBox="1"/>
-          <p:nvPr/>
-        </p:nvSpPr>
-        <p:spPr>
-          <a:xfrm>
-            <a:off x="441114" y="1886778"/>
-            <a:ext cx="1593909" cy="369332"/>
-          </a:xfrm>
-          <a:prstGeom prst="rect">
-            <a:avLst/>
-          </a:prstGeom>
-          <a:noFill/>
-        </p:spPr>
-        <p:txBody>
-          <a:bodyPr wrap="square" rtlCol="0">
-            <a:spAutoFit/>
-          </a:bodyPr>
-          <a:lstStyle/>
-          <a:p>
-            <a:r>
-              <a:rPr lang="de-DE" dirty="0" err="1"/>
-              <a:t>Chatrooms.ads</a:t>
-            </a:r>
-            <a:endParaRPr lang="de-DE" dirty="0"/>
-          </a:p>
-        </p:txBody>
-      </p:sp>
-      <p:sp>
-        <p:nvSpPr>
-          <p:cNvPr id="17" name="Rechteck 16"/>
-          <p:cNvSpPr/>
-          <p:nvPr/>
-        </p:nvSpPr>
-        <p:spPr>
-          <a:xfrm>
-            <a:off x="675169" y="2353487"/>
-            <a:ext cx="1459684" cy="738664"/>
-          </a:xfrm>
-          <a:prstGeom prst="rect">
-            <a:avLst/>
-          </a:prstGeom>
-          <a:noFill/>
-        </p:spPr>
-        <p:style>
-          <a:lnRef idx="2">
-            <a:schemeClr val="accent1">
-              <a:shade val="50000"/>
-            </a:schemeClr>
-          </a:lnRef>
-          <a:fillRef idx="1">
-            <a:schemeClr val="accent1"/>
-          </a:fillRef>
-          <a:effectRef idx="0">
-            <a:schemeClr val="accent1"/>
-          </a:effectRef>
-          <a:fontRef idx="minor">
-            <a:schemeClr val="lt1"/>
-          </a:fontRef>
-        </p:style>
-        <p:txBody>
-          <a:bodyPr rtlCol="0" anchor="ctr"/>
-          <a:lstStyle/>
-          <a:p>
-            <a:pPr algn="ctr"/>
-            <a:endParaRPr lang="de-DE"/>
-          </a:p>
-        </p:txBody>
-      </p:sp>
-      <p:sp>
-        <p:nvSpPr>
-          <p:cNvPr id="19" name="Textfeld 18"/>
-          <p:cNvSpPr txBox="1"/>
-          <p:nvPr/>
-        </p:nvSpPr>
-        <p:spPr>
-          <a:xfrm>
-            <a:off x="675169" y="2353486"/>
-            <a:ext cx="1688264" cy="738664"/>
-          </a:xfrm>
-          <a:prstGeom prst="rect">
-            <a:avLst/>
-          </a:prstGeom>
-          <a:noFill/>
-        </p:spPr>
-        <p:txBody>
-          <a:bodyPr wrap="square" rtlCol="0">
-            <a:spAutoFit/>
-          </a:bodyPr>
-          <a:lstStyle/>
-          <a:p>
-            <a:r>
-              <a:rPr lang="de-DE" sz="1400" dirty="0"/>
-              <a:t>Type Chatroom </a:t>
-            </a:r>
-            <a:r>
-              <a:rPr lang="de-DE" sz="1400" dirty="0" err="1"/>
-              <a:t>is</a:t>
-            </a:r>
-            <a:endParaRPr lang="de-DE" sz="1400" dirty="0"/>
-          </a:p>
-          <a:p>
-            <a:r>
-              <a:rPr lang="de-DE" sz="1400" dirty="0"/>
-              <a:t>      - Client</a:t>
-            </a:r>
-          </a:p>
-          <a:p>
-            <a:r>
-              <a:rPr lang="de-DE" sz="1400" dirty="0"/>
-              <a:t>End type;</a:t>
-            </a:r>
-          </a:p>
-        </p:txBody>
-      </p:sp>
-      <p:sp>
-        <p:nvSpPr>
-          <p:cNvPr id="38" name="Rechteck 37"/>
-          <p:cNvSpPr/>
-          <p:nvPr/>
-        </p:nvSpPr>
-        <p:spPr>
-          <a:xfrm>
-            <a:off x="6204911" y="2224209"/>
-            <a:ext cx="2293137" cy="2725658"/>
-          </a:xfrm>
-          <a:prstGeom prst="rect">
-            <a:avLst/>
-          </a:prstGeom>
-          <a:noFill/>
-          <a:ln/>
-        </p:spPr>
-        <p:style>
-          <a:lnRef idx="2">
-            <a:schemeClr val="dk1">
-              <a:shade val="50000"/>
-            </a:schemeClr>
-          </a:lnRef>
-          <a:fillRef idx="1">
-            <a:schemeClr val="dk1"/>
-          </a:fillRef>
-          <a:effectRef idx="0">
-            <a:schemeClr val="dk1"/>
-          </a:effectRef>
-          <a:fontRef idx="minor">
-            <a:schemeClr val="lt1"/>
-          </a:fontRef>
-        </p:style>
-        <p:txBody>
-          <a:bodyPr rtlCol="0" anchor="ctr"/>
-          <a:lstStyle/>
-          <a:p>
-            <a:pPr algn="ctr"/>
-            <a:endParaRPr lang="de-DE"/>
-          </a:p>
-        </p:txBody>
-      </p:sp>
-      <p:sp>
-        <p:nvSpPr>
-          <p:cNvPr id="39" name="Textfeld 38"/>
-          <p:cNvSpPr txBox="1"/>
-          <p:nvPr/>
-        </p:nvSpPr>
-        <p:spPr>
-          <a:xfrm>
-            <a:off x="6105081" y="1886778"/>
-            <a:ext cx="1629569" cy="369332"/>
-          </a:xfrm>
-          <a:prstGeom prst="rect">
-            <a:avLst/>
-          </a:prstGeom>
-          <a:noFill/>
-        </p:spPr>
-        <p:txBody>
-          <a:bodyPr wrap="square" rtlCol="0">
-            <a:spAutoFit/>
-          </a:bodyPr>
-          <a:lstStyle/>
-          <a:p>
-            <a:r>
-              <a:rPr lang="de-DE" dirty="0" err="1"/>
-              <a:t>ServerLogic.ads</a:t>
-            </a:r>
-            <a:endParaRPr lang="de-DE" dirty="0"/>
-          </a:p>
-        </p:txBody>
-      </p:sp>
-      <p:sp>
-        <p:nvSpPr>
-          <p:cNvPr id="40" name="Rechteck 39"/>
-          <p:cNvSpPr/>
-          <p:nvPr/>
-        </p:nvSpPr>
-        <p:spPr>
-          <a:xfrm>
-            <a:off x="6339136" y="2353487"/>
-            <a:ext cx="1459684" cy="954106"/>
-          </a:xfrm>
-          <a:prstGeom prst="rect">
-            <a:avLst/>
-          </a:prstGeom>
-          <a:noFill/>
-        </p:spPr>
-        <p:style>
-          <a:lnRef idx="2">
-            <a:schemeClr val="accent1">
-              <a:shade val="50000"/>
-            </a:schemeClr>
-          </a:lnRef>
-          <a:fillRef idx="1">
-            <a:schemeClr val="accent1"/>
-          </a:fillRef>
-          <a:effectRef idx="0">
-            <a:schemeClr val="accent1"/>
-          </a:effectRef>
-          <a:fontRef idx="minor">
-            <a:schemeClr val="lt1"/>
-          </a:fontRef>
-        </p:style>
-        <p:txBody>
-          <a:bodyPr rtlCol="0" anchor="ctr"/>
-          <a:lstStyle/>
-          <a:p>
-            <a:pPr algn="ctr"/>
-            <a:endParaRPr lang="de-DE"/>
-          </a:p>
-        </p:txBody>
-      </p:sp>
-      <p:sp>
-        <p:nvSpPr>
-          <p:cNvPr id="41" name="Textfeld 40"/>
-          <p:cNvSpPr txBox="1"/>
-          <p:nvPr/>
-        </p:nvSpPr>
-        <p:spPr>
-          <a:xfrm>
-            <a:off x="6339136" y="2353486"/>
-            <a:ext cx="1688264" cy="954107"/>
-          </a:xfrm>
-          <a:prstGeom prst="rect">
-            <a:avLst/>
-          </a:prstGeom>
-          <a:noFill/>
-        </p:spPr>
-        <p:txBody>
-          <a:bodyPr wrap="square" rtlCol="0">
-            <a:spAutoFit/>
-          </a:bodyPr>
-          <a:lstStyle/>
-          <a:p>
-            <a:r>
-              <a:rPr lang="de-DE" sz="1400" dirty="0"/>
-              <a:t>Type Server </a:t>
-            </a:r>
-            <a:r>
-              <a:rPr lang="de-DE" sz="1400" dirty="0" err="1"/>
-              <a:t>is</a:t>
-            </a:r>
-            <a:endParaRPr lang="de-DE" sz="1400" dirty="0"/>
-          </a:p>
-          <a:p>
-            <a:r>
-              <a:rPr lang="de-DE" sz="1400" dirty="0"/>
-              <a:t>      - Client</a:t>
-            </a:r>
-          </a:p>
-          <a:p>
-            <a:r>
-              <a:rPr lang="de-DE" sz="1400" dirty="0"/>
-              <a:t>      - Chatroom</a:t>
-            </a:r>
-          </a:p>
-          <a:p>
-            <a:r>
-              <a:rPr lang="de-DE" sz="1400" dirty="0"/>
-              <a:t>End type;</a:t>
-            </a:r>
-          </a:p>
-        </p:txBody>
-      </p:sp>
-      <p:sp>
-        <p:nvSpPr>
-          <p:cNvPr id="42" name="Rechteck 41"/>
-          <p:cNvSpPr/>
-          <p:nvPr/>
-        </p:nvSpPr>
-        <p:spPr>
-          <a:xfrm>
-            <a:off x="6339136" y="3436871"/>
-            <a:ext cx="1459684" cy="728804"/>
-          </a:xfrm>
-          <a:prstGeom prst="rect">
-            <a:avLst/>
-          </a:prstGeom>
-          <a:noFill/>
-        </p:spPr>
-        <p:style>
-          <a:lnRef idx="2">
-            <a:schemeClr val="accent1">
-              <a:shade val="50000"/>
-            </a:schemeClr>
-          </a:lnRef>
-          <a:fillRef idx="1">
-            <a:schemeClr val="accent1"/>
-          </a:fillRef>
-          <a:effectRef idx="0">
-            <a:schemeClr val="accent1"/>
-          </a:effectRef>
-          <a:fontRef idx="minor">
-            <a:schemeClr val="lt1"/>
-          </a:fontRef>
-        </p:style>
-        <p:txBody>
-          <a:bodyPr rtlCol="0" anchor="ctr"/>
-          <a:lstStyle/>
-          <a:p>
-            <a:pPr algn="ctr"/>
-            <a:endParaRPr lang="de-DE"/>
-          </a:p>
-        </p:txBody>
-      </p:sp>
-      <p:sp>
-        <p:nvSpPr>
-          <p:cNvPr id="43" name="Textfeld 42"/>
-          <p:cNvSpPr txBox="1"/>
-          <p:nvPr/>
-        </p:nvSpPr>
-        <p:spPr>
-          <a:xfrm>
-            <a:off x="6339136" y="3427011"/>
-            <a:ext cx="1688264" cy="738664"/>
-          </a:xfrm>
-          <a:prstGeom prst="rect">
-            <a:avLst/>
-          </a:prstGeom>
-          <a:noFill/>
-        </p:spPr>
-        <p:txBody>
-          <a:bodyPr wrap="square" rtlCol="0">
-            <a:spAutoFit/>
-          </a:bodyPr>
-          <a:lstStyle/>
-          <a:p>
-            <a:r>
-              <a:rPr lang="de-DE" sz="1400" dirty="0"/>
-              <a:t>Type Client </a:t>
-            </a:r>
-            <a:r>
-              <a:rPr lang="de-DE" sz="1400" dirty="0" err="1"/>
-              <a:t>is</a:t>
-            </a:r>
-            <a:endParaRPr lang="de-DE" sz="1400" dirty="0"/>
-          </a:p>
-          <a:p>
-            <a:r>
-              <a:rPr lang="de-DE" sz="1400" dirty="0"/>
-              <a:t>      …</a:t>
-            </a:r>
-          </a:p>
-          <a:p>
-            <a:r>
-              <a:rPr lang="de-DE" sz="1400" dirty="0"/>
-              <a:t>End type;</a:t>
-            </a:r>
-          </a:p>
-        </p:txBody>
-      </p:sp>
-      <p:cxnSp>
-        <p:nvCxnSpPr>
-          <p:cNvPr id="2061" name="Gerader Verbinder 2060"/>
-          <p:cNvCxnSpPr/>
-          <p:nvPr/>
-        </p:nvCxnSpPr>
-        <p:spPr>
-          <a:xfrm>
-            <a:off x="7798820" y="2810675"/>
-            <a:ext cx="380446" cy="0"/>
-          </a:xfrm>
-          <a:prstGeom prst="line">
-            <a:avLst/>
-          </a:prstGeom>
-        </p:spPr>
-        <p:style>
-          <a:lnRef idx="2">
-            <a:schemeClr val="accent2"/>
-          </a:lnRef>
-          <a:fillRef idx="0">
-            <a:schemeClr val="accent2"/>
-          </a:fillRef>
-          <a:effectRef idx="1">
-            <a:schemeClr val="accent2"/>
-          </a:effectRef>
-          <a:fontRef idx="minor">
-            <a:schemeClr val="tx1"/>
-          </a:fontRef>
-        </p:style>
-      </p:cxnSp>
-      <p:cxnSp>
-        <p:nvCxnSpPr>
-          <p:cNvPr id="2063" name="Gerader Verbinder 2062"/>
-          <p:cNvCxnSpPr/>
-          <p:nvPr/>
-        </p:nvCxnSpPr>
-        <p:spPr>
-          <a:xfrm>
-            <a:off x="8179266" y="2819064"/>
-            <a:ext cx="0" cy="1023456"/>
-          </a:xfrm>
-          <a:prstGeom prst="line">
-            <a:avLst/>
-          </a:prstGeom>
-        </p:spPr>
-        <p:style>
-          <a:lnRef idx="2">
-            <a:schemeClr val="accent2"/>
-          </a:lnRef>
-          <a:fillRef idx="0">
-            <a:schemeClr val="accent2"/>
-          </a:fillRef>
-          <a:effectRef idx="1">
-            <a:schemeClr val="accent2"/>
-          </a:effectRef>
-          <a:fontRef idx="minor">
-            <a:schemeClr val="tx1"/>
-          </a:fontRef>
-        </p:style>
-      </p:cxnSp>
-      <p:cxnSp>
-        <p:nvCxnSpPr>
-          <p:cNvPr id="2066" name="Gerade Verbindung mit Pfeil 2065"/>
-          <p:cNvCxnSpPr/>
-          <p:nvPr/>
-        </p:nvCxnSpPr>
-        <p:spPr>
-          <a:xfrm flipH="1">
-            <a:off x="7798820" y="3842520"/>
-            <a:ext cx="380446" cy="0"/>
-          </a:xfrm>
-          <a:prstGeom prst="straightConnector1">
-            <a:avLst/>
-          </a:prstGeom>
-          <a:ln>
-            <a:tailEnd type="triangle"/>
-          </a:ln>
-        </p:spPr>
-        <p:style>
-          <a:lnRef idx="2">
-            <a:schemeClr val="accent2"/>
-          </a:lnRef>
-          <a:fillRef idx="0">
-            <a:schemeClr val="accent2"/>
-          </a:fillRef>
-          <a:effectRef idx="1">
-            <a:schemeClr val="accent2"/>
-          </a:effectRef>
-          <a:fontRef idx="minor">
-            <a:schemeClr val="tx1"/>
-          </a:fontRef>
-        </p:style>
-      </p:cxnSp>
-      <p:cxnSp>
-        <p:nvCxnSpPr>
-          <p:cNvPr id="2069" name="Gerade Verbindung mit Pfeil 2068"/>
-          <p:cNvCxnSpPr>
-            <a:endCxn id="43" idx="1"/>
-          </p:cNvCxnSpPr>
-          <p:nvPr/>
-        </p:nvCxnSpPr>
-        <p:spPr>
-          <a:xfrm>
-            <a:off x="2134853" y="2995232"/>
-            <a:ext cx="4204283" cy="801111"/>
-          </a:xfrm>
-          <a:prstGeom prst="straightConnector1">
-            <a:avLst/>
-          </a:prstGeom>
-          <a:ln>
-            <a:tailEnd type="triangle"/>
-          </a:ln>
-        </p:spPr>
-        <p:style>
-          <a:lnRef idx="2">
-            <a:schemeClr val="accent2"/>
-          </a:lnRef>
-          <a:fillRef idx="0">
-            <a:schemeClr val="accent2"/>
-          </a:fillRef>
-          <a:effectRef idx="1">
-            <a:schemeClr val="accent2"/>
-          </a:effectRef>
-          <a:fontRef idx="minor">
-            <a:schemeClr val="tx1"/>
-          </a:fontRef>
-        </p:style>
-      </p:cxnSp>
-      <p:cxnSp>
-        <p:nvCxnSpPr>
-          <p:cNvPr id="2071" name="Gerade Verbindung mit Pfeil 2070"/>
-          <p:cNvCxnSpPr>
-            <a:stCxn id="41" idx="1"/>
-          </p:cNvCxnSpPr>
-          <p:nvPr/>
-        </p:nvCxnSpPr>
-        <p:spPr>
-          <a:xfrm flipH="1" flipV="1">
-            <a:off x="2134853" y="2810675"/>
-            <a:ext cx="4204283" cy="19865"/>
-          </a:xfrm>
-          <a:prstGeom prst="straightConnector1">
-            <a:avLst/>
-          </a:prstGeom>
-          <a:ln>
-            <a:tailEnd type="triangle"/>
-          </a:ln>
-        </p:spPr>
-        <p:style>
-          <a:lnRef idx="2">
-            <a:schemeClr val="accent2"/>
-          </a:lnRef>
-          <a:fillRef idx="0">
-            <a:schemeClr val="accent2"/>
-          </a:fillRef>
-          <a:effectRef idx="1">
-            <a:schemeClr val="accent2"/>
-          </a:effectRef>
-          <a:fontRef idx="minor">
-            <a:schemeClr val="tx1"/>
-          </a:fontRef>
-        </p:style>
-      </p:cxnSp>
-      <p:sp>
-        <p:nvSpPr>
-          <p:cNvPr id="2074" name="Gewitterblitz 2073"/>
-          <p:cNvSpPr/>
-          <p:nvPr/>
-        </p:nvSpPr>
-        <p:spPr>
-          <a:xfrm rot="20902562" flipH="1">
-            <a:off x="3515663" y="4063089"/>
-            <a:ext cx="926776" cy="995926"/>
-          </a:xfrm>
-          <a:prstGeom prst="lightningBolt">
-            <a:avLst/>
-          </a:prstGeom>
-          <a:solidFill>
-            <a:srgbClr val="FF0000"/>
-          </a:solidFill>
-        </p:spPr>
-        <p:style>
-          <a:lnRef idx="1">
-            <a:schemeClr val="accent2"/>
-          </a:lnRef>
-          <a:fillRef idx="3">
-            <a:schemeClr val="accent2"/>
-          </a:fillRef>
-          <a:effectRef idx="2">
-            <a:schemeClr val="accent2"/>
-          </a:effectRef>
-          <a:fontRef idx="minor">
-            <a:schemeClr val="lt1"/>
-          </a:fontRef>
-        </p:style>
-        <p:txBody>
-          <a:bodyPr rtlCol="0" anchor="ctr"/>
-          <a:lstStyle/>
-          <a:p>
-            <a:pPr algn="ctr"/>
-            <a:endParaRPr lang="de-DE"/>
-          </a:p>
-        </p:txBody>
-      </p:sp>
-      <p:sp>
-        <p:nvSpPr>
-          <p:cNvPr id="3" name="Textfeld 2"/>
-          <p:cNvSpPr txBox="1"/>
-          <p:nvPr/>
-        </p:nvSpPr>
-        <p:spPr>
-          <a:xfrm rot="653261">
-            <a:off x="3305125" y="3338370"/>
-            <a:ext cx="1718676" cy="307777"/>
-          </a:xfrm>
-          <a:prstGeom prst="rect">
-            <a:avLst/>
-          </a:prstGeom>
-          <a:noFill/>
-        </p:spPr>
-        <p:txBody>
-          <a:bodyPr wrap="none" rtlCol="0">
-            <a:spAutoFit/>
-          </a:bodyPr>
-          <a:lstStyle/>
-          <a:p>
-            <a:r>
-              <a:rPr lang="de-DE" sz="1400" dirty="0" err="1"/>
-              <a:t>With</a:t>
-            </a:r>
-            <a:r>
-              <a:rPr lang="de-DE" sz="1400" dirty="0"/>
-              <a:t> </a:t>
-            </a:r>
-            <a:r>
-              <a:rPr lang="de-DE" sz="1400" dirty="0" err="1"/>
-              <a:t>ServerLogic.ads</a:t>
-            </a:r>
-            <a:endParaRPr lang="de-DE" sz="1400" dirty="0"/>
-          </a:p>
-        </p:txBody>
-      </p:sp>
-      <p:sp>
-        <p:nvSpPr>
-          <p:cNvPr id="20" name="Textfeld 19"/>
-          <p:cNvSpPr txBox="1"/>
-          <p:nvPr/>
-        </p:nvSpPr>
-        <p:spPr>
-          <a:xfrm>
-            <a:off x="3424834" y="2527910"/>
-            <a:ext cx="1677319" cy="307777"/>
-          </a:xfrm>
-          <a:prstGeom prst="rect">
-            <a:avLst/>
-          </a:prstGeom>
-          <a:noFill/>
-        </p:spPr>
-        <p:txBody>
-          <a:bodyPr wrap="none" rtlCol="0">
-            <a:spAutoFit/>
-          </a:bodyPr>
-          <a:lstStyle/>
-          <a:p>
-            <a:r>
-              <a:rPr lang="de-DE" sz="1400" dirty="0" err="1"/>
-              <a:t>With</a:t>
-            </a:r>
-            <a:r>
-              <a:rPr lang="de-DE" sz="1400" dirty="0"/>
-              <a:t> </a:t>
-            </a:r>
-            <a:r>
-              <a:rPr lang="de-DE" sz="1400" dirty="0" err="1"/>
-              <a:t>Chatrooms.ads</a:t>
-            </a:r>
-            <a:endParaRPr lang="de-DE" sz="1400" dirty="0"/>
+          <a:p>
+            <a:r>
+              <a:rPr lang="de-DE" dirty="0"/>
+              <a:t>Compilerfehler</a:t>
+            </a:r>
           </a:p>
         </p:txBody>
       </p:sp>
     </p:spTree>
     <p:extLst>
       <p:ext uri="{BB962C8B-B14F-4D97-AF65-F5344CB8AC3E}">
-        <p14:creationId xmlns:p14="http://schemas.microsoft.com/office/powerpoint/2010/main" val="923356769"/>
+        <p14:creationId xmlns:p14="http://schemas.microsoft.com/office/powerpoint/2010/main" val="2243141793"/>
       </p:ext>
     </p:extLst>
   </p:cSld>
@@ -2868,60 +2311,14 @@
       </p:sp>
       <p:sp>
         <p:nvSpPr>
-          <p:cNvPr id="19" name="Textfeld 18"/>
-          <p:cNvSpPr txBox="1"/>
-          <p:nvPr/>
-        </p:nvSpPr>
-        <p:spPr>
-          <a:xfrm>
-            <a:off x="3402989" y="4642452"/>
-            <a:ext cx="1688264" cy="738664"/>
-          </a:xfrm>
-          <a:prstGeom prst="rect">
-            <a:avLst/>
-          </a:prstGeom>
-          <a:noFill/>
-        </p:spPr>
-        <p:txBody>
-          <a:bodyPr wrap="square" rtlCol="0">
-            <a:spAutoFit/>
-          </a:bodyPr>
-          <a:lstStyle/>
-          <a:p>
-            <a:r>
-              <a:rPr lang="de-DE" sz="1400" dirty="0"/>
-              <a:t>Type Chatroom </a:t>
-            </a:r>
-            <a:r>
-              <a:rPr lang="de-DE" sz="1400" dirty="0" err="1"/>
-              <a:t>is</a:t>
-            </a:r>
-            <a:endParaRPr lang="de-DE" sz="1400" dirty="0"/>
-          </a:p>
-          <a:p>
-            <a:r>
-              <a:rPr lang="de-DE" sz="1400" dirty="0"/>
-              <a:t>      - Client</a:t>
-            </a:r>
-          </a:p>
-          <a:p>
-            <a:r>
-              <a:rPr lang="de-DE" sz="1400" dirty="0"/>
-              <a:t>End type;</a:t>
-            </a:r>
-          </a:p>
-        </p:txBody>
-      </p:sp>
-      <p:sp>
-        <p:nvSpPr>
-          <p:cNvPr id="38" name="Rechteck 37"/>
+          <p:cNvPr id="6" name="Rechteck 5"/>
           <p:cNvSpPr/>
           <p:nvPr/>
         </p:nvSpPr>
         <p:spPr>
           <a:xfrm>
-            <a:off x="3268764" y="2618490"/>
-            <a:ext cx="1747853" cy="3119579"/>
+            <a:off x="553673" y="2224209"/>
+            <a:ext cx="1744911" cy="2176715"/>
           </a:xfrm>
           <a:prstGeom prst="rect">
             <a:avLst/>
@@ -2956,14 +2353,14 @@
       </p:sp>
       <p:sp>
         <p:nvSpPr>
-          <p:cNvPr id="39" name="Textfeld 38"/>
+          <p:cNvPr id="12" name="Textfeld 11"/>
           <p:cNvSpPr txBox="1"/>
           <p:nvPr/>
         </p:nvSpPr>
         <p:spPr>
           <a:xfrm>
-            <a:off x="3151321" y="2295941"/>
-            <a:ext cx="2904695" cy="369332"/>
+            <a:off x="441114" y="1886778"/>
+            <a:ext cx="1593909" cy="369332"/>
           </a:xfrm>
           <a:prstGeom prst="rect">
             <a:avLst/>
@@ -2978,7 +2375,7 @@
           <a:p>
             <a:r>
               <a:rPr lang="de-DE" dirty="0" err="1"/>
-              <a:t>Everything.ads</a:t>
+              <a:t>Chatrooms.ads</a:t>
             </a:r>
             <a:endParaRPr lang="de-DE" dirty="0"/>
           </a:p>
@@ -2986,14 +2383,14 @@
       </p:sp>
       <p:sp>
         <p:nvSpPr>
-          <p:cNvPr id="40" name="Rechteck 39"/>
+          <p:cNvPr id="17" name="Rechteck 16"/>
           <p:cNvSpPr/>
           <p:nvPr/>
         </p:nvSpPr>
         <p:spPr>
           <a:xfrm>
-            <a:off x="3402989" y="2747769"/>
-            <a:ext cx="1459684" cy="954106"/>
+            <a:off x="675169" y="2353487"/>
+            <a:ext cx="1459684" cy="738664"/>
           </a:xfrm>
           <a:prstGeom prst="rect">
             <a:avLst/>
@@ -3027,14 +2424,14 @@
       </p:sp>
       <p:sp>
         <p:nvSpPr>
-          <p:cNvPr id="41" name="Textfeld 40"/>
+          <p:cNvPr id="19" name="Textfeld 18"/>
           <p:cNvSpPr txBox="1"/>
           <p:nvPr/>
         </p:nvSpPr>
         <p:spPr>
           <a:xfrm>
-            <a:off x="3402989" y="2747768"/>
-            <a:ext cx="1688264" cy="954107"/>
+            <a:off x="675169" y="2353486"/>
+            <a:ext cx="1688264" cy="738664"/>
           </a:xfrm>
           <a:prstGeom prst="rect">
             <a:avLst/>
@@ -3049,7 +2446,7 @@
           <a:p>
             <a:r>
               <a:rPr lang="de-DE" sz="1400" dirty="0"/>
-              <a:t>Type Server </a:t>
+              <a:t>Type Chatroom </a:t>
             </a:r>
             <a:r>
               <a:rPr lang="de-DE" sz="1400" dirty="0" err="1"/>
@@ -3066,12 +2463,6 @@
           <a:p>
             <a:r>
               <a:rPr lang="de-DE" sz="1400" dirty="0"/>
-              <a:t>      - Chatroom</a:t>
-            </a:r>
-          </a:p>
-          <a:p>
-            <a:r>
-              <a:rPr lang="de-DE" sz="1400" dirty="0"/>
               <a:t>End type;</a:t>
             </a:r>
           </a:p>
@@ -3079,14 +2470,86 @@
       </p:sp>
       <p:sp>
         <p:nvSpPr>
-          <p:cNvPr id="42" name="Rechteck 41"/>
+          <p:cNvPr id="38" name="Rechteck 37"/>
           <p:cNvSpPr/>
           <p:nvPr/>
         </p:nvSpPr>
         <p:spPr>
           <a:xfrm>
-            <a:off x="3402989" y="3831153"/>
-            <a:ext cx="1459684" cy="728804"/>
+            <a:off x="6204911" y="2224209"/>
+            <a:ext cx="2293137" cy="2725658"/>
+          </a:xfrm>
+          <a:prstGeom prst="rect">
+            <a:avLst/>
+          </a:prstGeom>
+          <a:noFill/>
+          <a:ln/>
+        </p:spPr>
+        <p:style>
+          <a:lnRef idx="2">
+            <a:schemeClr val="dk1">
+              <a:shade val="50000"/>
+            </a:schemeClr>
+          </a:lnRef>
+          <a:fillRef idx="1">
+            <a:schemeClr val="dk1"/>
+          </a:fillRef>
+          <a:effectRef idx="0">
+            <a:schemeClr val="dk1"/>
+          </a:effectRef>
+          <a:fontRef idx="minor">
+            <a:schemeClr val="lt1"/>
+          </a:fontRef>
+        </p:style>
+        <p:txBody>
+          <a:bodyPr rtlCol="0" anchor="ctr"/>
+          <a:lstStyle/>
+          <a:p>
+            <a:pPr algn="ctr"/>
+            <a:endParaRPr lang="de-DE"/>
+          </a:p>
+        </p:txBody>
+      </p:sp>
+      <p:sp>
+        <p:nvSpPr>
+          <p:cNvPr id="39" name="Textfeld 38"/>
+          <p:cNvSpPr txBox="1"/>
+          <p:nvPr/>
+        </p:nvSpPr>
+        <p:spPr>
+          <a:xfrm>
+            <a:off x="6105081" y="1886778"/>
+            <a:ext cx="1629569" cy="369332"/>
+          </a:xfrm>
+          <a:prstGeom prst="rect">
+            <a:avLst/>
+          </a:prstGeom>
+          <a:noFill/>
+        </p:spPr>
+        <p:txBody>
+          <a:bodyPr wrap="square" rtlCol="0">
+            <a:spAutoFit/>
+          </a:bodyPr>
+          <a:lstStyle/>
+          <a:p>
+            <a:r>
+              <a:rPr lang="de-DE" dirty="0" err="1"/>
+              <a:t>ServerLogic.ads</a:t>
+            </a:r>
+            <a:endParaRPr lang="de-DE" dirty="0"/>
+          </a:p>
+        </p:txBody>
+      </p:sp>
+      <p:sp>
+        <p:nvSpPr>
+          <p:cNvPr id="40" name="Rechteck 39"/>
+          <p:cNvSpPr/>
+          <p:nvPr/>
+        </p:nvSpPr>
+        <p:spPr>
+          <a:xfrm>
+            <a:off x="6339136" y="2353487"/>
+            <a:ext cx="1459684" cy="954106"/>
           </a:xfrm>
           <a:prstGeom prst="rect">
             <a:avLst/>
@@ -3120,14 +2583,14 @@
       </p:sp>
       <p:sp>
         <p:nvSpPr>
-          <p:cNvPr id="43" name="Textfeld 42"/>
+          <p:cNvPr id="41" name="Textfeld 40"/>
           <p:cNvSpPr txBox="1"/>
           <p:nvPr/>
         </p:nvSpPr>
         <p:spPr>
           <a:xfrm>
-            <a:off x="3402989" y="3821293"/>
-            <a:ext cx="1688264" cy="738664"/>
+            <a:off x="6339136" y="2353486"/>
+            <a:ext cx="1688264" cy="954107"/>
           </a:xfrm>
           <a:prstGeom prst="rect">
             <a:avLst/>
@@ -3142,7 +2605,7 @@
           <a:p>
             <a:r>
               <a:rPr lang="de-DE" sz="1400" dirty="0"/>
-              <a:t>Type Client </a:t>
+              <a:t>Type Server </a:t>
             </a:r>
             <a:r>
               <a:rPr lang="de-DE" sz="1400" dirty="0" err="1"/>
@@ -3153,7 +2616,13 @@
           <a:p>
             <a:r>
               <a:rPr lang="de-DE" sz="1400" dirty="0"/>
-              <a:t>      …</a:t>
+              <a:t>      - Client</a:t>
+            </a:r>
+          </a:p>
+          <a:p>
+            <a:r>
+              <a:rPr lang="de-DE" sz="1400" dirty="0"/>
+              <a:t>      - Chatroom</a:t>
             </a:r>
           </a:p>
           <a:p>
@@ -3166,13 +2635,13 @@
       </p:sp>
       <p:sp>
         <p:nvSpPr>
-          <p:cNvPr id="23" name="Rechteck 22"/>
+          <p:cNvPr id="42" name="Rechteck 41"/>
           <p:cNvSpPr/>
           <p:nvPr/>
         </p:nvSpPr>
         <p:spPr>
           <a:xfrm>
-            <a:off x="3402989" y="4679375"/>
+            <a:off x="6339136" y="3436871"/>
             <a:ext cx="1459684" cy="728804"/>
           </a:xfrm>
           <a:prstGeom prst="rect">
@@ -3207,14 +2676,14 @@
       </p:sp>
       <p:sp>
         <p:nvSpPr>
-          <p:cNvPr id="5" name="Textfeld 4"/>
+          <p:cNvPr id="43" name="Textfeld 42"/>
           <p:cNvSpPr txBox="1"/>
           <p:nvPr/>
         </p:nvSpPr>
         <p:spPr>
           <a:xfrm>
-            <a:off x="5377341" y="3701875"/>
-            <a:ext cx="2072081" cy="646331"/>
+            <a:off x="6339136" y="3427011"/>
+            <a:ext cx="1688264" cy="738664"/>
           </a:xfrm>
           <a:prstGeom prst="rect">
             <a:avLst/>
@@ -3228,22 +2697,272 @@
           <a:lstStyle/>
           <a:p>
             <a:r>
-              <a:rPr lang="de-DE" dirty="0">
-                <a:solidFill>
-                  <a:schemeClr val="accent2">
-                    <a:lumMod val="75000"/>
-                  </a:schemeClr>
-                </a:solidFill>
-              </a:rPr>
-              <a:t>Keine äußeren Abhängigkeiten!</a:t>
-            </a:r>
+              <a:rPr lang="de-DE" sz="1400" dirty="0"/>
+              <a:t>Type Client </a:t>
+            </a:r>
+            <a:r>
+              <a:rPr lang="de-DE" sz="1400" dirty="0" err="1"/>
+              <a:t>is</a:t>
+            </a:r>
+            <a:endParaRPr lang="de-DE" sz="1400" dirty="0"/>
+          </a:p>
+          <a:p>
+            <a:r>
+              <a:rPr lang="de-DE" sz="1400" dirty="0"/>
+              <a:t>      …</a:t>
+            </a:r>
+          </a:p>
+          <a:p>
+            <a:r>
+              <a:rPr lang="de-DE" sz="1400" dirty="0"/>
+              <a:t>End type;</a:t>
+            </a:r>
+          </a:p>
+        </p:txBody>
+      </p:sp>
+      <p:cxnSp>
+        <p:nvCxnSpPr>
+          <p:cNvPr id="2061" name="Gerader Verbinder 2060"/>
+          <p:cNvCxnSpPr/>
+          <p:nvPr/>
+        </p:nvCxnSpPr>
+        <p:spPr>
+          <a:xfrm>
+            <a:off x="7798820" y="2810675"/>
+            <a:ext cx="380446" cy="0"/>
+          </a:xfrm>
+          <a:prstGeom prst="line">
+            <a:avLst/>
+          </a:prstGeom>
+        </p:spPr>
+        <p:style>
+          <a:lnRef idx="2">
+            <a:schemeClr val="accent2"/>
+          </a:lnRef>
+          <a:fillRef idx="0">
+            <a:schemeClr val="accent2"/>
+          </a:fillRef>
+          <a:effectRef idx="1">
+            <a:schemeClr val="accent2"/>
+          </a:effectRef>
+          <a:fontRef idx="minor">
+            <a:schemeClr val="tx1"/>
+          </a:fontRef>
+        </p:style>
+      </p:cxnSp>
+      <p:cxnSp>
+        <p:nvCxnSpPr>
+          <p:cNvPr id="2063" name="Gerader Verbinder 2062"/>
+          <p:cNvCxnSpPr/>
+          <p:nvPr/>
+        </p:nvCxnSpPr>
+        <p:spPr>
+          <a:xfrm>
+            <a:off x="8179266" y="2819064"/>
+            <a:ext cx="0" cy="1023456"/>
+          </a:xfrm>
+          <a:prstGeom prst="line">
+            <a:avLst/>
+          </a:prstGeom>
+        </p:spPr>
+        <p:style>
+          <a:lnRef idx="2">
+            <a:schemeClr val="accent2"/>
+          </a:lnRef>
+          <a:fillRef idx="0">
+            <a:schemeClr val="accent2"/>
+          </a:fillRef>
+          <a:effectRef idx="1">
+            <a:schemeClr val="accent2"/>
+          </a:effectRef>
+          <a:fontRef idx="minor">
+            <a:schemeClr val="tx1"/>
+          </a:fontRef>
+        </p:style>
+      </p:cxnSp>
+      <p:cxnSp>
+        <p:nvCxnSpPr>
+          <p:cNvPr id="2066" name="Gerade Verbindung mit Pfeil 2065"/>
+          <p:cNvCxnSpPr/>
+          <p:nvPr/>
+        </p:nvCxnSpPr>
+        <p:spPr>
+          <a:xfrm flipH="1">
+            <a:off x="7798820" y="3842520"/>
+            <a:ext cx="380446" cy="0"/>
+          </a:xfrm>
+          <a:prstGeom prst="straightConnector1">
+            <a:avLst/>
+          </a:prstGeom>
+          <a:ln>
+            <a:tailEnd type="triangle"/>
+          </a:ln>
+        </p:spPr>
+        <p:style>
+          <a:lnRef idx="2">
+            <a:schemeClr val="accent2"/>
+          </a:lnRef>
+          <a:fillRef idx="0">
+            <a:schemeClr val="accent2"/>
+          </a:fillRef>
+          <a:effectRef idx="1">
+            <a:schemeClr val="accent2"/>
+          </a:effectRef>
+          <a:fontRef idx="minor">
+            <a:schemeClr val="tx1"/>
+          </a:fontRef>
+        </p:style>
+      </p:cxnSp>
+      <p:cxnSp>
+        <p:nvCxnSpPr>
+          <p:cNvPr id="2069" name="Gerade Verbindung mit Pfeil 2068"/>
+          <p:cNvCxnSpPr>
+            <a:endCxn id="43" idx="1"/>
+          </p:cNvCxnSpPr>
+          <p:nvPr/>
+        </p:nvCxnSpPr>
+        <p:spPr>
+          <a:xfrm>
+            <a:off x="2134853" y="2995232"/>
+            <a:ext cx="4204283" cy="801111"/>
+          </a:xfrm>
+          <a:prstGeom prst="straightConnector1">
+            <a:avLst/>
+          </a:prstGeom>
+          <a:ln>
+            <a:tailEnd type="triangle"/>
+          </a:ln>
+        </p:spPr>
+        <p:style>
+          <a:lnRef idx="2">
+            <a:schemeClr val="accent2"/>
+          </a:lnRef>
+          <a:fillRef idx="0">
+            <a:schemeClr val="accent2"/>
+          </a:fillRef>
+          <a:effectRef idx="1">
+            <a:schemeClr val="accent2"/>
+          </a:effectRef>
+          <a:fontRef idx="minor">
+            <a:schemeClr val="tx1"/>
+          </a:fontRef>
+        </p:style>
+      </p:cxnSp>
+      <p:cxnSp>
+        <p:nvCxnSpPr>
+          <p:cNvPr id="2071" name="Gerade Verbindung mit Pfeil 2070"/>
+          <p:cNvCxnSpPr>
+            <a:stCxn id="41" idx="1"/>
+          </p:cNvCxnSpPr>
+          <p:nvPr/>
+        </p:nvCxnSpPr>
+        <p:spPr>
+          <a:xfrm flipH="1" flipV="1">
+            <a:off x="2134853" y="2810675"/>
+            <a:ext cx="4204283" cy="19865"/>
+          </a:xfrm>
+          <a:prstGeom prst="straightConnector1">
+            <a:avLst/>
+          </a:prstGeom>
+          <a:ln>
+            <a:tailEnd type="triangle"/>
+          </a:ln>
+        </p:spPr>
+        <p:style>
+          <a:lnRef idx="2">
+            <a:schemeClr val="accent2"/>
+          </a:lnRef>
+          <a:fillRef idx="0">
+            <a:schemeClr val="accent2"/>
+          </a:fillRef>
+          <a:effectRef idx="1">
+            <a:schemeClr val="accent2"/>
+          </a:effectRef>
+          <a:fontRef idx="minor">
+            <a:schemeClr val="tx1"/>
+          </a:fontRef>
+        </p:style>
+      </p:cxnSp>
+      <p:sp>
+        <p:nvSpPr>
+          <p:cNvPr id="3" name="Textfeld 2"/>
+          <p:cNvSpPr txBox="1"/>
+          <p:nvPr/>
+        </p:nvSpPr>
+        <p:spPr>
+          <a:xfrm rot="653261">
+            <a:off x="3305125" y="3338370"/>
+            <a:ext cx="1718676" cy="307777"/>
+          </a:xfrm>
+          <a:prstGeom prst="rect">
+            <a:avLst/>
+          </a:prstGeom>
+          <a:noFill/>
+        </p:spPr>
+        <p:txBody>
+          <a:bodyPr wrap="none" rtlCol="0">
+            <a:spAutoFit/>
+          </a:bodyPr>
+          <a:lstStyle/>
+          <a:p>
+            <a:r>
+              <a:rPr lang="de-DE" sz="1400" dirty="0" err="1"/>
+              <a:t>With</a:t>
+            </a:r>
+            <a:r>
+              <a:rPr lang="de-DE" sz="1400" dirty="0"/>
+              <a:t> </a:t>
+            </a:r>
+            <a:r>
+              <a:rPr lang="de-DE" sz="1400" dirty="0" err="1"/>
+              <a:t>ServerLogic.ads</a:t>
+            </a:r>
+            <a:endParaRPr lang="de-DE" sz="1400" dirty="0"/>
+          </a:p>
+        </p:txBody>
+      </p:sp>
+      <p:sp>
+        <p:nvSpPr>
+          <p:cNvPr id="20" name="Textfeld 19"/>
+          <p:cNvSpPr txBox="1"/>
+          <p:nvPr/>
+        </p:nvSpPr>
+        <p:spPr>
+          <a:xfrm>
+            <a:off x="3424834" y="2527910"/>
+            <a:ext cx="1677319" cy="307777"/>
+          </a:xfrm>
+          <a:prstGeom prst="rect">
+            <a:avLst/>
+          </a:prstGeom>
+          <a:noFill/>
+        </p:spPr>
+        <p:txBody>
+          <a:bodyPr wrap="none" rtlCol="0">
+            <a:spAutoFit/>
+          </a:bodyPr>
+          <a:lstStyle/>
+          <a:p>
+            <a:r>
+              <a:rPr lang="de-DE" sz="1400" dirty="0" err="1"/>
+              <a:t>With</a:t>
+            </a:r>
+            <a:r>
+              <a:rPr lang="de-DE" sz="1400" dirty="0"/>
+              <a:t> </a:t>
+            </a:r>
+            <a:r>
+              <a:rPr lang="de-DE" sz="1400" dirty="0" err="1"/>
+              <a:t>Chatrooms.ads</a:t>
+            </a:r>
+            <a:endParaRPr lang="de-DE" sz="1400" dirty="0"/>
           </a:p>
         </p:txBody>
       </p:sp>
     </p:spTree>
     <p:extLst>
       <p:ext uri="{BB962C8B-B14F-4D97-AF65-F5344CB8AC3E}">
-        <p14:creationId xmlns:p14="http://schemas.microsoft.com/office/powerpoint/2010/main" val="780916344"/>
+        <p14:creationId xmlns:p14="http://schemas.microsoft.com/office/powerpoint/2010/main" val="923356769"/>
       </p:ext>
     </p:extLst>
   </p:cSld>
@@ -3621,16 +3340,198 @@
           </a:p>
         </p:txBody>
       </p:sp>
+      <p:sp>
+        <p:nvSpPr>
+          <p:cNvPr id="42" name="Rechteck 41"/>
+          <p:cNvSpPr/>
+          <p:nvPr/>
+        </p:nvSpPr>
+        <p:spPr>
+          <a:xfrm>
+            <a:off x="6339136" y="3436871"/>
+            <a:ext cx="1459684" cy="728804"/>
+          </a:xfrm>
+          <a:prstGeom prst="rect">
+            <a:avLst/>
+          </a:prstGeom>
+          <a:noFill/>
+        </p:spPr>
+        <p:style>
+          <a:lnRef idx="2">
+            <a:schemeClr val="accent1">
+              <a:shade val="50000"/>
+            </a:schemeClr>
+          </a:lnRef>
+          <a:fillRef idx="1">
+            <a:schemeClr val="accent1"/>
+          </a:fillRef>
+          <a:effectRef idx="0">
+            <a:schemeClr val="accent1"/>
+          </a:effectRef>
+          <a:fontRef idx="minor">
+            <a:schemeClr val="lt1"/>
+          </a:fontRef>
+        </p:style>
+        <p:txBody>
+          <a:bodyPr rtlCol="0" anchor="ctr"/>
+          <a:lstStyle/>
+          <a:p>
+            <a:pPr algn="ctr"/>
+            <a:endParaRPr lang="de-DE"/>
+          </a:p>
+        </p:txBody>
+      </p:sp>
+      <p:sp>
+        <p:nvSpPr>
+          <p:cNvPr id="43" name="Textfeld 42"/>
+          <p:cNvSpPr txBox="1"/>
+          <p:nvPr/>
+        </p:nvSpPr>
+        <p:spPr>
+          <a:xfrm>
+            <a:off x="6339136" y="3427011"/>
+            <a:ext cx="1688264" cy="738664"/>
+          </a:xfrm>
+          <a:prstGeom prst="rect">
+            <a:avLst/>
+          </a:prstGeom>
+          <a:noFill/>
+        </p:spPr>
+        <p:txBody>
+          <a:bodyPr wrap="square" rtlCol="0">
+            <a:spAutoFit/>
+          </a:bodyPr>
+          <a:lstStyle/>
+          <a:p>
+            <a:r>
+              <a:rPr lang="de-DE" sz="1400" dirty="0"/>
+              <a:t>Type Client </a:t>
+            </a:r>
+            <a:r>
+              <a:rPr lang="de-DE" sz="1400" dirty="0" err="1"/>
+              <a:t>is</a:t>
+            </a:r>
+            <a:endParaRPr lang="de-DE" sz="1400" dirty="0"/>
+          </a:p>
+          <a:p>
+            <a:r>
+              <a:rPr lang="de-DE" sz="1400" dirty="0"/>
+              <a:t>      …</a:t>
+            </a:r>
+          </a:p>
+          <a:p>
+            <a:r>
+              <a:rPr lang="de-DE" sz="1400" dirty="0"/>
+              <a:t>End type;</a:t>
+            </a:r>
+          </a:p>
+        </p:txBody>
+      </p:sp>
+      <p:cxnSp>
+        <p:nvCxnSpPr>
+          <p:cNvPr id="2061" name="Gerader Verbinder 2060"/>
+          <p:cNvCxnSpPr/>
+          <p:nvPr/>
+        </p:nvCxnSpPr>
+        <p:spPr>
+          <a:xfrm>
+            <a:off x="7798820" y="2810675"/>
+            <a:ext cx="380446" cy="0"/>
+          </a:xfrm>
+          <a:prstGeom prst="line">
+            <a:avLst/>
+          </a:prstGeom>
+        </p:spPr>
+        <p:style>
+          <a:lnRef idx="2">
+            <a:schemeClr val="accent2"/>
+          </a:lnRef>
+          <a:fillRef idx="0">
+            <a:schemeClr val="accent2"/>
+          </a:fillRef>
+          <a:effectRef idx="1">
+            <a:schemeClr val="accent2"/>
+          </a:effectRef>
+          <a:fontRef idx="minor">
+            <a:schemeClr val="tx1"/>
+          </a:fontRef>
+        </p:style>
+      </p:cxnSp>
+      <p:cxnSp>
+        <p:nvCxnSpPr>
+          <p:cNvPr id="2063" name="Gerader Verbinder 2062"/>
+          <p:cNvCxnSpPr/>
+          <p:nvPr/>
+        </p:nvCxnSpPr>
+        <p:spPr>
+          <a:xfrm>
+            <a:off x="8179266" y="2819064"/>
+            <a:ext cx="0" cy="1023456"/>
+          </a:xfrm>
+          <a:prstGeom prst="line">
+            <a:avLst/>
+          </a:prstGeom>
+        </p:spPr>
+        <p:style>
+          <a:lnRef idx="2">
+            <a:schemeClr val="accent2"/>
+          </a:lnRef>
+          <a:fillRef idx="0">
+            <a:schemeClr val="accent2"/>
+          </a:fillRef>
+          <a:effectRef idx="1">
+            <a:schemeClr val="accent2"/>
+          </a:effectRef>
+          <a:fontRef idx="minor">
+            <a:schemeClr val="tx1"/>
+          </a:fontRef>
+        </p:style>
+      </p:cxnSp>
+      <p:cxnSp>
+        <p:nvCxnSpPr>
+          <p:cNvPr id="2066" name="Gerade Verbindung mit Pfeil 2065"/>
+          <p:cNvCxnSpPr/>
+          <p:nvPr/>
+        </p:nvCxnSpPr>
+        <p:spPr>
+          <a:xfrm flipH="1">
+            <a:off x="7798820" y="3842520"/>
+            <a:ext cx="380446" cy="0"/>
+          </a:xfrm>
+          <a:prstGeom prst="straightConnector1">
+            <a:avLst/>
+          </a:prstGeom>
+          <a:ln>
+            <a:tailEnd type="triangle"/>
+          </a:ln>
+        </p:spPr>
+        <p:style>
+          <a:lnRef idx="2">
+            <a:schemeClr val="accent2"/>
+          </a:lnRef>
+          <a:fillRef idx="0">
+            <a:schemeClr val="accent2"/>
+          </a:fillRef>
+          <a:effectRef idx="1">
+            <a:schemeClr val="accent2"/>
+          </a:effectRef>
+          <a:fontRef idx="minor">
+            <a:schemeClr val="tx1"/>
+          </a:fontRef>
+        </p:style>
+      </p:cxnSp>
       <p:cxnSp>
         <p:nvCxnSpPr>
           <p:cNvPr id="2069" name="Gerade Verbindung mit Pfeil 2068"/>
-          <p:cNvCxnSpPr/>
+          <p:cNvCxnSpPr>
+            <a:endCxn id="43" idx="1"/>
+          </p:cNvCxnSpPr>
           <p:nvPr/>
         </p:nvCxnSpPr>
         <p:spPr>
           <a:xfrm>
             <a:off x="2134853" y="2995232"/>
-            <a:ext cx="1222702" cy="2123715"/>
+            <a:ext cx="4204283" cy="801111"/>
           </a:xfrm>
           <a:prstGeom prst="straightConnector1">
             <a:avLst/>
@@ -3691,108 +3592,31 @@
       </p:cxnSp>
       <p:sp>
         <p:nvSpPr>
-          <p:cNvPr id="3" name="Textfeld 2"/>
-          <p:cNvSpPr txBox="1"/>
-          <p:nvPr/>
-        </p:nvSpPr>
-        <p:spPr>
-          <a:xfrm rot="3596617">
-            <a:off x="2154106" y="3862159"/>
-            <a:ext cx="1372427" cy="307777"/>
-          </a:xfrm>
-          <a:prstGeom prst="rect">
-            <a:avLst/>
-          </a:prstGeom>
-          <a:noFill/>
-        </p:spPr>
-        <p:txBody>
-          <a:bodyPr wrap="none" rtlCol="0">
-            <a:spAutoFit/>
-          </a:bodyPr>
-          <a:lstStyle/>
-          <a:p>
-            <a:r>
-              <a:rPr lang="de-DE" sz="1400" dirty="0" err="1"/>
-              <a:t>With</a:t>
-            </a:r>
-            <a:r>
-              <a:rPr lang="de-DE" sz="1400" dirty="0"/>
-              <a:t> </a:t>
-            </a:r>
-            <a:r>
-              <a:rPr lang="de-DE" sz="1400" dirty="0" err="1"/>
-              <a:t>Clients.ads</a:t>
-            </a:r>
-            <a:endParaRPr lang="de-DE" sz="1400" dirty="0"/>
-          </a:p>
-        </p:txBody>
-      </p:sp>
-      <p:sp>
-        <p:nvSpPr>
-          <p:cNvPr id="20" name="Textfeld 19"/>
-          <p:cNvSpPr txBox="1"/>
-          <p:nvPr/>
-        </p:nvSpPr>
-        <p:spPr>
-          <a:xfrm>
-            <a:off x="3424834" y="2527910"/>
-            <a:ext cx="1677319" cy="307777"/>
-          </a:xfrm>
-          <a:prstGeom prst="rect">
-            <a:avLst/>
-          </a:prstGeom>
-          <a:noFill/>
-        </p:spPr>
-        <p:txBody>
-          <a:bodyPr wrap="none" rtlCol="0">
-            <a:spAutoFit/>
-          </a:bodyPr>
-          <a:lstStyle/>
-          <a:p>
-            <a:r>
-              <a:rPr lang="de-DE" sz="1400" dirty="0" err="1"/>
-              <a:t>With</a:t>
-            </a:r>
-            <a:r>
-              <a:rPr lang="de-DE" sz="1400" dirty="0"/>
-              <a:t> </a:t>
-            </a:r>
-            <a:r>
-              <a:rPr lang="de-DE" sz="1400" dirty="0" err="1"/>
-              <a:t>Chatrooms.ads</a:t>
-            </a:r>
-            <a:endParaRPr lang="de-DE" sz="1400" dirty="0"/>
-          </a:p>
-        </p:txBody>
-      </p:sp>
-      <p:sp>
-        <p:nvSpPr>
-          <p:cNvPr id="27" name="Rechteck 26"/>
+          <p:cNvPr id="2074" name="Gewitterblitz 2073"/>
           <p:cNvSpPr/>
           <p:nvPr/>
         </p:nvSpPr>
         <p:spPr>
-          <a:xfrm>
-            <a:off x="3257489" y="4726264"/>
-            <a:ext cx="1779911" cy="1492125"/>
-          </a:xfrm>
-          <a:prstGeom prst="rect">
-            <a:avLst/>
-          </a:prstGeom>
-          <a:noFill/>
-          <a:ln/>
+          <a:xfrm rot="20902562" flipH="1">
+            <a:off x="3515663" y="4063089"/>
+            <a:ext cx="926776" cy="995926"/>
+          </a:xfrm>
+          <a:prstGeom prst="lightningBolt">
+            <a:avLst/>
+          </a:prstGeom>
+          <a:solidFill>
+            <a:srgbClr val="FF0000"/>
+          </a:solidFill>
         </p:spPr>
         <p:style>
-          <a:lnRef idx="2">
-            <a:schemeClr val="dk1">
-              <a:shade val="50000"/>
-            </a:schemeClr>
+          <a:lnRef idx="1">
+            <a:schemeClr val="accent2"/>
           </a:lnRef>
-          <a:fillRef idx="1">
-            <a:schemeClr val="dk1"/>
+          <a:fillRef idx="3">
+            <a:schemeClr val="accent2"/>
           </a:fillRef>
-          <a:effectRef idx="0">
-            <a:schemeClr val="dk1"/>
+          <a:effectRef idx="2">
+            <a:schemeClr val="accent2"/>
           </a:effectRef>
           <a:fontRef idx="minor">
             <a:schemeClr val="lt1"/>
@@ -3809,163 +3633,13 @@
       </p:sp>
       <p:sp>
         <p:nvSpPr>
-          <p:cNvPr id="28" name="Textfeld 27"/>
+          <p:cNvPr id="3" name="Textfeld 2"/>
           <p:cNvSpPr txBox="1"/>
           <p:nvPr/>
         </p:nvSpPr>
         <p:spPr>
-          <a:xfrm>
-            <a:off x="3187670" y="4400924"/>
-            <a:ext cx="1629569" cy="369332"/>
-          </a:xfrm>
-          <a:prstGeom prst="rect">
-            <a:avLst/>
-          </a:prstGeom>
-          <a:noFill/>
-        </p:spPr>
-        <p:txBody>
-          <a:bodyPr wrap="square" rtlCol="0">
-            <a:spAutoFit/>
-          </a:bodyPr>
-          <a:lstStyle/>
-          <a:p>
-            <a:r>
-              <a:rPr lang="de-DE" dirty="0" err="1"/>
-              <a:t>Clients.ads</a:t>
-            </a:r>
-            <a:endParaRPr lang="de-DE" dirty="0"/>
-          </a:p>
-        </p:txBody>
-      </p:sp>
-      <p:sp>
-        <p:nvSpPr>
-          <p:cNvPr id="29" name="Textfeld 28"/>
-          <p:cNvSpPr txBox="1"/>
-          <p:nvPr/>
-        </p:nvSpPr>
-        <p:spPr>
-          <a:xfrm>
-            <a:off x="3349136" y="4823640"/>
-            <a:ext cx="1688264" cy="738664"/>
-          </a:xfrm>
-          <a:prstGeom prst="rect">
-            <a:avLst/>
-          </a:prstGeom>
-          <a:noFill/>
-        </p:spPr>
-        <p:txBody>
-          <a:bodyPr wrap="square" rtlCol="0">
-            <a:spAutoFit/>
-          </a:bodyPr>
-          <a:lstStyle/>
-          <a:p>
-            <a:r>
-              <a:rPr lang="de-DE" sz="1400" dirty="0"/>
-              <a:t>Type Client </a:t>
-            </a:r>
-            <a:r>
-              <a:rPr lang="de-DE" sz="1400" dirty="0" err="1"/>
-              <a:t>is</a:t>
-            </a:r>
-            <a:endParaRPr lang="de-DE" sz="1400" dirty="0"/>
-          </a:p>
-          <a:p>
-            <a:r>
-              <a:rPr lang="de-DE" sz="1400" dirty="0"/>
-              <a:t>      …</a:t>
-            </a:r>
-          </a:p>
-          <a:p>
-            <a:r>
-              <a:rPr lang="de-DE" sz="1400" dirty="0"/>
-              <a:t>End type;</a:t>
-            </a:r>
-          </a:p>
-        </p:txBody>
-      </p:sp>
-      <p:sp>
-        <p:nvSpPr>
-          <p:cNvPr id="31" name="Rechteck 30"/>
-          <p:cNvSpPr/>
-          <p:nvPr/>
-        </p:nvSpPr>
-        <p:spPr>
-          <a:xfrm>
-            <a:off x="3357555" y="4823641"/>
-            <a:ext cx="1459684" cy="836039"/>
-          </a:xfrm>
-          <a:prstGeom prst="rect">
-            <a:avLst/>
-          </a:prstGeom>
-          <a:noFill/>
-        </p:spPr>
-        <p:style>
-          <a:lnRef idx="2">
-            <a:schemeClr val="accent1">
-              <a:shade val="50000"/>
-            </a:schemeClr>
-          </a:lnRef>
-          <a:fillRef idx="1">
-            <a:schemeClr val="accent1"/>
-          </a:fillRef>
-          <a:effectRef idx="0">
-            <a:schemeClr val="accent1"/>
-          </a:effectRef>
-          <a:fontRef idx="minor">
-            <a:schemeClr val="lt1"/>
-          </a:fontRef>
-        </p:style>
-        <p:txBody>
-          <a:bodyPr rtlCol="0" anchor="ctr"/>
-          <a:lstStyle/>
-          <a:p>
-            <a:pPr algn="ctr"/>
-            <a:endParaRPr lang="de-DE"/>
-          </a:p>
-        </p:txBody>
-      </p:sp>
-      <p:cxnSp>
-        <p:nvCxnSpPr>
-          <p:cNvPr id="7" name="Gerade Verbindung mit Pfeil 6"/>
-          <p:cNvCxnSpPr/>
-          <p:nvPr/>
-        </p:nvCxnSpPr>
-        <p:spPr>
-          <a:xfrm flipH="1">
-            <a:off x="5102154" y="3307593"/>
-            <a:ext cx="1236982" cy="1717413"/>
-          </a:xfrm>
-          <a:prstGeom prst="straightConnector1">
-            <a:avLst/>
-          </a:prstGeom>
-          <a:ln>
-            <a:tailEnd type="triangle"/>
-          </a:ln>
-        </p:spPr>
-        <p:style>
-          <a:lnRef idx="2">
-            <a:schemeClr val="accent2"/>
-          </a:lnRef>
-          <a:fillRef idx="0">
-            <a:schemeClr val="accent2"/>
-          </a:fillRef>
-          <a:effectRef idx="1">
-            <a:schemeClr val="accent2"/>
-          </a:effectRef>
-          <a:fontRef idx="minor">
-            <a:schemeClr val="tx1"/>
-          </a:fontRef>
-        </p:style>
-      </p:cxnSp>
-      <p:sp>
-        <p:nvSpPr>
-          <p:cNvPr id="36" name="Textfeld 35"/>
-          <p:cNvSpPr txBox="1"/>
-          <p:nvPr/>
-        </p:nvSpPr>
-        <p:spPr>
-          <a:xfrm rot="18339854">
-            <a:off x="4794195" y="3881325"/>
+          <a:xfrm rot="653261">
+            <a:off x="3305125" y="3338370"/>
             <a:ext cx="1718676" cy="307777"/>
           </a:xfrm>
           <a:prstGeom prst="rect">
@@ -3995,10 +3669,48 @@
           </a:p>
         </p:txBody>
       </p:sp>
+      <p:sp>
+        <p:nvSpPr>
+          <p:cNvPr id="20" name="Textfeld 19"/>
+          <p:cNvSpPr txBox="1"/>
+          <p:nvPr/>
+        </p:nvSpPr>
+        <p:spPr>
+          <a:xfrm>
+            <a:off x="3424834" y="2527910"/>
+            <a:ext cx="1677319" cy="307777"/>
+          </a:xfrm>
+          <a:prstGeom prst="rect">
+            <a:avLst/>
+          </a:prstGeom>
+          <a:noFill/>
+        </p:spPr>
+        <p:txBody>
+          <a:bodyPr wrap="none" rtlCol="0">
+            <a:spAutoFit/>
+          </a:bodyPr>
+          <a:lstStyle/>
+          <a:p>
+            <a:r>
+              <a:rPr lang="de-DE" sz="1400" dirty="0" err="1"/>
+              <a:t>With</a:t>
+            </a:r>
+            <a:r>
+              <a:rPr lang="de-DE" sz="1400" dirty="0"/>
+              <a:t> </a:t>
+            </a:r>
+            <a:r>
+              <a:rPr lang="de-DE" sz="1400" dirty="0" err="1"/>
+              <a:t>Chatrooms.ads</a:t>
+            </a:r>
+            <a:endParaRPr lang="de-DE" sz="1400" dirty="0"/>
+          </a:p>
+        </p:txBody>
+      </p:sp>
     </p:spTree>
     <p:extLst>
       <p:ext uri="{BB962C8B-B14F-4D97-AF65-F5344CB8AC3E}">
-        <p14:creationId xmlns:p14="http://schemas.microsoft.com/office/powerpoint/2010/main" val="4243061322"/>
+        <p14:creationId xmlns:p14="http://schemas.microsoft.com/office/powerpoint/2010/main" val="1800598406"/>
       </p:ext>
     </p:extLst>
   </p:cSld>
@@ -4054,14 +3766,60 @@
       </p:sp>
       <p:sp>
         <p:nvSpPr>
-          <p:cNvPr id="6" name="Rechteck 5"/>
+          <p:cNvPr id="19" name="Textfeld 18"/>
+          <p:cNvSpPr txBox="1"/>
+          <p:nvPr/>
+        </p:nvSpPr>
+        <p:spPr>
+          <a:xfrm>
+            <a:off x="3402989" y="4642452"/>
+            <a:ext cx="1688264" cy="738664"/>
+          </a:xfrm>
+          <a:prstGeom prst="rect">
+            <a:avLst/>
+          </a:prstGeom>
+          <a:noFill/>
+        </p:spPr>
+        <p:txBody>
+          <a:bodyPr wrap="square" rtlCol="0">
+            <a:spAutoFit/>
+          </a:bodyPr>
+          <a:lstStyle/>
+          <a:p>
+            <a:r>
+              <a:rPr lang="de-DE" sz="1400" dirty="0"/>
+              <a:t>Type Chatroom </a:t>
+            </a:r>
+            <a:r>
+              <a:rPr lang="de-DE" sz="1400" dirty="0" err="1"/>
+              <a:t>is</a:t>
+            </a:r>
+            <a:endParaRPr lang="de-DE" sz="1400" dirty="0"/>
+          </a:p>
+          <a:p>
+            <a:r>
+              <a:rPr lang="de-DE" sz="1400" dirty="0"/>
+              <a:t>      - Client</a:t>
+            </a:r>
+          </a:p>
+          <a:p>
+            <a:r>
+              <a:rPr lang="de-DE" sz="1400" dirty="0"/>
+              <a:t>End type;</a:t>
+            </a:r>
+          </a:p>
+        </p:txBody>
+      </p:sp>
+      <p:sp>
+        <p:nvSpPr>
+          <p:cNvPr id="38" name="Rechteck 37"/>
           <p:cNvSpPr/>
           <p:nvPr/>
         </p:nvSpPr>
         <p:spPr>
           <a:xfrm>
-            <a:off x="553673" y="2224209"/>
-            <a:ext cx="1744911" cy="2176715"/>
+            <a:off x="3268764" y="2618490"/>
+            <a:ext cx="1747853" cy="3119579"/>
           </a:xfrm>
           <a:prstGeom prst="rect">
             <a:avLst/>
@@ -4096,14 +3854,14 @@
       </p:sp>
       <p:sp>
         <p:nvSpPr>
-          <p:cNvPr id="12" name="Textfeld 11"/>
+          <p:cNvPr id="39" name="Textfeld 38"/>
           <p:cNvSpPr txBox="1"/>
           <p:nvPr/>
         </p:nvSpPr>
         <p:spPr>
           <a:xfrm>
-            <a:off x="441114" y="1886778"/>
-            <a:ext cx="1593909" cy="369332"/>
+            <a:off x="3151321" y="2295941"/>
+            <a:ext cx="2904695" cy="369332"/>
           </a:xfrm>
           <a:prstGeom prst="rect">
             <a:avLst/>
@@ -4118,7 +3876,7 @@
           <a:p>
             <a:r>
               <a:rPr lang="de-DE" dirty="0" err="1"/>
-              <a:t>Chatrooms.ads</a:t>
+              <a:t>Everything.ads</a:t>
             </a:r>
             <a:endParaRPr lang="de-DE" dirty="0"/>
           </a:p>
@@ -4126,14 +3884,14 @@
       </p:sp>
       <p:sp>
         <p:nvSpPr>
-          <p:cNvPr id="17" name="Rechteck 16"/>
+          <p:cNvPr id="40" name="Rechteck 39"/>
           <p:cNvSpPr/>
           <p:nvPr/>
         </p:nvSpPr>
         <p:spPr>
           <a:xfrm>
-            <a:off x="675169" y="2353487"/>
-            <a:ext cx="1459684" cy="738664"/>
+            <a:off x="3402989" y="2747769"/>
+            <a:ext cx="1459684" cy="954106"/>
           </a:xfrm>
           <a:prstGeom prst="rect">
             <a:avLst/>
@@ -4167,14 +3925,14 @@
       </p:sp>
       <p:sp>
         <p:nvSpPr>
-          <p:cNvPr id="19" name="Textfeld 18"/>
+          <p:cNvPr id="41" name="Textfeld 40"/>
           <p:cNvSpPr txBox="1"/>
           <p:nvPr/>
         </p:nvSpPr>
         <p:spPr>
           <a:xfrm>
-            <a:off x="675169" y="2353486"/>
-            <a:ext cx="1688264" cy="738664"/>
+            <a:off x="3402989" y="2747768"/>
+            <a:ext cx="1688264" cy="954107"/>
           </a:xfrm>
           <a:prstGeom prst="rect">
             <a:avLst/>
@@ -4189,7 +3947,7 @@
           <a:p>
             <a:r>
               <a:rPr lang="de-DE" sz="1400" dirty="0"/>
-              <a:t>Type Chatroom </a:t>
+              <a:t>Type Server </a:t>
             </a:r>
             <a:r>
               <a:rPr lang="de-DE" sz="1400" dirty="0" err="1"/>
@@ -4206,6 +3964,12 @@
           <a:p>
             <a:r>
               <a:rPr lang="de-DE" sz="1400" dirty="0"/>
+              <a:t>      - Chatroom</a:t>
+            </a:r>
+          </a:p>
+          <a:p>
+            <a:r>
+              <a:rPr lang="de-DE" sz="1400" dirty="0"/>
               <a:t>End type;</a:t>
             </a:r>
           </a:p>
@@ -4213,86 +3977,14 @@
       </p:sp>
       <p:sp>
         <p:nvSpPr>
-          <p:cNvPr id="38" name="Rechteck 37"/>
+          <p:cNvPr id="42" name="Rechteck 41"/>
           <p:cNvSpPr/>
           <p:nvPr/>
         </p:nvSpPr>
         <p:spPr>
           <a:xfrm>
-            <a:off x="6204911" y="2224209"/>
-            <a:ext cx="2293137" cy="2725658"/>
-          </a:xfrm>
-          <a:prstGeom prst="rect">
-            <a:avLst/>
-          </a:prstGeom>
-          <a:noFill/>
-          <a:ln/>
-        </p:spPr>
-        <p:style>
-          <a:lnRef idx="2">
-            <a:schemeClr val="dk1">
-              <a:shade val="50000"/>
-            </a:schemeClr>
-          </a:lnRef>
-          <a:fillRef idx="1">
-            <a:schemeClr val="dk1"/>
-          </a:fillRef>
-          <a:effectRef idx="0">
-            <a:schemeClr val="dk1"/>
-          </a:effectRef>
-          <a:fontRef idx="minor">
-            <a:schemeClr val="lt1"/>
-          </a:fontRef>
-        </p:style>
-        <p:txBody>
-          <a:bodyPr rtlCol="0" anchor="ctr"/>
-          <a:lstStyle/>
-          <a:p>
-            <a:pPr algn="ctr"/>
-            <a:endParaRPr lang="de-DE"/>
-          </a:p>
-        </p:txBody>
-      </p:sp>
-      <p:sp>
-        <p:nvSpPr>
-          <p:cNvPr id="39" name="Textfeld 38"/>
-          <p:cNvSpPr txBox="1"/>
-          <p:nvPr/>
-        </p:nvSpPr>
-        <p:spPr>
-          <a:xfrm>
-            <a:off x="6105081" y="1886778"/>
-            <a:ext cx="1629569" cy="369332"/>
-          </a:xfrm>
-          <a:prstGeom prst="rect">
-            <a:avLst/>
-          </a:prstGeom>
-          <a:noFill/>
-        </p:spPr>
-        <p:txBody>
-          <a:bodyPr wrap="square" rtlCol="0">
-            <a:spAutoFit/>
-          </a:bodyPr>
-          <a:lstStyle/>
-          <a:p>
-            <a:r>
-              <a:rPr lang="de-DE" dirty="0" err="1"/>
-              <a:t>ServerLogic.ads</a:t>
-            </a:r>
-            <a:endParaRPr lang="de-DE" dirty="0"/>
-          </a:p>
-        </p:txBody>
-      </p:sp>
-      <p:sp>
-        <p:nvSpPr>
-          <p:cNvPr id="40" name="Rechteck 39"/>
-          <p:cNvSpPr/>
-          <p:nvPr/>
-        </p:nvSpPr>
-        <p:spPr>
-          <a:xfrm>
-            <a:off x="6339136" y="2353487"/>
-            <a:ext cx="1459684" cy="954106"/>
+            <a:off x="3402989" y="3831153"/>
+            <a:ext cx="1459684" cy="728804"/>
           </a:xfrm>
           <a:prstGeom prst="rect">
             <a:avLst/>
@@ -4326,14 +4018,14 @@
       </p:sp>
       <p:sp>
         <p:nvSpPr>
-          <p:cNvPr id="41" name="Textfeld 40"/>
+          <p:cNvPr id="43" name="Textfeld 42"/>
           <p:cNvSpPr txBox="1"/>
           <p:nvPr/>
         </p:nvSpPr>
         <p:spPr>
           <a:xfrm>
-            <a:off x="6339136" y="2353486"/>
-            <a:ext cx="1688264" cy="954107"/>
+            <a:off x="3402989" y="3821293"/>
+            <a:ext cx="1688264" cy="738664"/>
           </a:xfrm>
           <a:prstGeom prst="rect">
             <a:avLst/>
@@ -4348,7 +4040,7 @@
           <a:p>
             <a:r>
               <a:rPr lang="de-DE" sz="1400" dirty="0"/>
-              <a:t>Type Server </a:t>
+              <a:t>Type Client </a:t>
             </a:r>
             <a:r>
               <a:rPr lang="de-DE" sz="1400" dirty="0" err="1"/>
@@ -4359,13 +4051,7 @@
           <a:p>
             <a:r>
               <a:rPr lang="de-DE" sz="1400" dirty="0"/>
-              <a:t>      - Client</a:t>
-            </a:r>
-          </a:p>
-          <a:p>
-            <a:r>
-              <a:rPr lang="de-DE" sz="1400" dirty="0"/>
-              <a:t>      - Chatroom</a:t>
+              <a:t>      …</a:t>
             </a:r>
           </a:p>
           <a:p>
@@ -4376,278 +4062,16 @@
           </a:p>
         </p:txBody>
       </p:sp>
-      <p:cxnSp>
-        <p:nvCxnSpPr>
-          <p:cNvPr id="2069" name="Gerade Verbindung mit Pfeil 2068"/>
-          <p:cNvCxnSpPr/>
-          <p:nvPr/>
-        </p:nvCxnSpPr>
-        <p:spPr>
-          <a:xfrm>
-            <a:off x="2134853" y="2995232"/>
-            <a:ext cx="1222702" cy="2123715"/>
-          </a:xfrm>
-          <a:prstGeom prst="straightConnector1">
-            <a:avLst/>
-          </a:prstGeom>
-          <a:ln>
-            <a:tailEnd type="triangle"/>
-          </a:ln>
-        </p:spPr>
-        <p:style>
-          <a:lnRef idx="2">
-            <a:schemeClr val="accent2"/>
-          </a:lnRef>
-          <a:fillRef idx="0">
-            <a:schemeClr val="accent2"/>
-          </a:fillRef>
-          <a:effectRef idx="1">
-            <a:schemeClr val="accent2"/>
-          </a:effectRef>
-          <a:fontRef idx="minor">
-            <a:schemeClr val="tx1"/>
-          </a:fontRef>
-        </p:style>
-      </p:cxnSp>
-      <p:cxnSp>
-        <p:nvCxnSpPr>
-          <p:cNvPr id="2071" name="Gerade Verbindung mit Pfeil 2070"/>
-          <p:cNvCxnSpPr>
-            <a:stCxn id="41" idx="1"/>
-          </p:cNvCxnSpPr>
-          <p:nvPr/>
-        </p:nvCxnSpPr>
-        <p:spPr>
-          <a:xfrm flipH="1" flipV="1">
-            <a:off x="2134853" y="2810675"/>
-            <a:ext cx="4204283" cy="19865"/>
-          </a:xfrm>
-          <a:prstGeom prst="straightConnector1">
-            <a:avLst/>
-          </a:prstGeom>
-          <a:ln>
-            <a:tailEnd type="triangle"/>
-          </a:ln>
-        </p:spPr>
-        <p:style>
-          <a:lnRef idx="2">
-            <a:schemeClr val="accent2"/>
-          </a:lnRef>
-          <a:fillRef idx="0">
-            <a:schemeClr val="accent2"/>
-          </a:fillRef>
-          <a:effectRef idx="1">
-            <a:schemeClr val="accent2"/>
-          </a:effectRef>
-          <a:fontRef idx="minor">
-            <a:schemeClr val="tx1"/>
-          </a:fontRef>
-        </p:style>
-      </p:cxnSp>
-      <p:sp>
-        <p:nvSpPr>
-          <p:cNvPr id="3" name="Textfeld 2"/>
-          <p:cNvSpPr txBox="1"/>
-          <p:nvPr/>
-        </p:nvSpPr>
-        <p:spPr>
-          <a:xfrm rot="3596617">
-            <a:off x="2154106" y="3862159"/>
-            <a:ext cx="1372427" cy="307777"/>
-          </a:xfrm>
-          <a:prstGeom prst="rect">
-            <a:avLst/>
-          </a:prstGeom>
-          <a:noFill/>
-        </p:spPr>
-        <p:txBody>
-          <a:bodyPr wrap="none" rtlCol="0">
-            <a:spAutoFit/>
-          </a:bodyPr>
-          <a:lstStyle/>
-          <a:p>
-            <a:r>
-              <a:rPr lang="de-DE" sz="1400" dirty="0" err="1"/>
-              <a:t>With</a:t>
-            </a:r>
-            <a:r>
-              <a:rPr lang="de-DE" sz="1400" dirty="0"/>
-              <a:t> </a:t>
-            </a:r>
-            <a:r>
-              <a:rPr lang="de-DE" sz="1400" dirty="0" err="1"/>
-              <a:t>Clients.ads</a:t>
-            </a:r>
-            <a:endParaRPr lang="de-DE" sz="1400" dirty="0"/>
-          </a:p>
-        </p:txBody>
-      </p:sp>
-      <p:sp>
-        <p:nvSpPr>
-          <p:cNvPr id="20" name="Textfeld 19"/>
-          <p:cNvSpPr txBox="1"/>
-          <p:nvPr/>
-        </p:nvSpPr>
-        <p:spPr>
-          <a:xfrm>
-            <a:off x="3424834" y="2527910"/>
-            <a:ext cx="1677319" cy="307777"/>
-          </a:xfrm>
-          <a:prstGeom prst="rect">
-            <a:avLst/>
-          </a:prstGeom>
-          <a:noFill/>
-        </p:spPr>
-        <p:txBody>
-          <a:bodyPr wrap="none" rtlCol="0">
-            <a:spAutoFit/>
-          </a:bodyPr>
-          <a:lstStyle/>
-          <a:p>
-            <a:r>
-              <a:rPr lang="de-DE" sz="1400" dirty="0" err="1"/>
-              <a:t>With</a:t>
-            </a:r>
-            <a:r>
-              <a:rPr lang="de-DE" sz="1400" dirty="0"/>
-              <a:t> </a:t>
-            </a:r>
-            <a:r>
-              <a:rPr lang="de-DE" sz="1400" dirty="0" err="1"/>
-              <a:t>Chatrooms.ads</a:t>
-            </a:r>
-            <a:endParaRPr lang="de-DE" sz="1400" dirty="0"/>
-          </a:p>
-        </p:txBody>
-      </p:sp>
-      <p:sp>
-        <p:nvSpPr>
-          <p:cNvPr id="27" name="Rechteck 26"/>
+      <p:sp>
+        <p:nvSpPr>
+          <p:cNvPr id="23" name="Rechteck 22"/>
           <p:cNvSpPr/>
           <p:nvPr/>
         </p:nvSpPr>
         <p:spPr>
           <a:xfrm>
-            <a:off x="3257489" y="4726264"/>
-            <a:ext cx="1779911" cy="1492125"/>
-          </a:xfrm>
-          <a:prstGeom prst="rect">
-            <a:avLst/>
-          </a:prstGeom>
-          <a:noFill/>
-          <a:ln/>
-        </p:spPr>
-        <p:style>
-          <a:lnRef idx="2">
-            <a:schemeClr val="dk1">
-              <a:shade val="50000"/>
-            </a:schemeClr>
-          </a:lnRef>
-          <a:fillRef idx="1">
-            <a:schemeClr val="dk1"/>
-          </a:fillRef>
-          <a:effectRef idx="0">
-            <a:schemeClr val="dk1"/>
-          </a:effectRef>
-          <a:fontRef idx="minor">
-            <a:schemeClr val="lt1"/>
-          </a:fontRef>
-        </p:style>
-        <p:txBody>
-          <a:bodyPr rtlCol="0" anchor="ctr"/>
-          <a:lstStyle/>
-          <a:p>
-            <a:pPr algn="ctr"/>
-            <a:endParaRPr lang="de-DE"/>
-          </a:p>
-        </p:txBody>
-      </p:sp>
-      <p:sp>
-        <p:nvSpPr>
-          <p:cNvPr id="28" name="Textfeld 27"/>
-          <p:cNvSpPr txBox="1"/>
-          <p:nvPr/>
-        </p:nvSpPr>
-        <p:spPr>
-          <a:xfrm>
-            <a:off x="3187670" y="4400924"/>
-            <a:ext cx="1629569" cy="369332"/>
-          </a:xfrm>
-          <a:prstGeom prst="rect">
-            <a:avLst/>
-          </a:prstGeom>
-          <a:noFill/>
-        </p:spPr>
-        <p:txBody>
-          <a:bodyPr wrap="square" rtlCol="0">
-            <a:spAutoFit/>
-          </a:bodyPr>
-          <a:lstStyle/>
-          <a:p>
-            <a:r>
-              <a:rPr lang="de-DE" dirty="0" err="1"/>
-              <a:t>Clients.ads</a:t>
-            </a:r>
-            <a:endParaRPr lang="de-DE" dirty="0"/>
-          </a:p>
-        </p:txBody>
-      </p:sp>
-      <p:sp>
-        <p:nvSpPr>
-          <p:cNvPr id="29" name="Textfeld 28"/>
-          <p:cNvSpPr txBox="1"/>
-          <p:nvPr/>
-        </p:nvSpPr>
-        <p:spPr>
-          <a:xfrm>
-            <a:off x="3349136" y="4823640"/>
-            <a:ext cx="1688264" cy="738664"/>
-          </a:xfrm>
-          <a:prstGeom prst="rect">
-            <a:avLst/>
-          </a:prstGeom>
-          <a:noFill/>
-        </p:spPr>
-        <p:txBody>
-          <a:bodyPr wrap="square" rtlCol="0">
-            <a:spAutoFit/>
-          </a:bodyPr>
-          <a:lstStyle/>
-          <a:p>
-            <a:r>
-              <a:rPr lang="de-DE" sz="1400" dirty="0"/>
-              <a:t>Type Client </a:t>
-            </a:r>
-            <a:r>
-              <a:rPr lang="de-DE" sz="1400" dirty="0" err="1"/>
-              <a:t>is</a:t>
-            </a:r>
-            <a:endParaRPr lang="de-DE" sz="1400" dirty="0"/>
-          </a:p>
-          <a:p>
-            <a:r>
-              <a:rPr lang="de-DE" sz="1400" dirty="0"/>
-              <a:t>      …</a:t>
-            </a:r>
-          </a:p>
-          <a:p>
-            <a:r>
-              <a:rPr lang="de-DE" sz="1400" dirty="0"/>
-              <a:t>End type;</a:t>
-            </a:r>
-          </a:p>
-        </p:txBody>
-      </p:sp>
-      <p:sp>
-        <p:nvSpPr>
-          <p:cNvPr id="31" name="Rechteck 30"/>
-          <p:cNvSpPr/>
-          <p:nvPr/>
-        </p:nvSpPr>
-        <p:spPr>
-          <a:xfrm>
-            <a:off x="3357555" y="4823641"/>
-            <a:ext cx="1459684" cy="836039"/>
+            <a:off x="3402989" y="4679375"/>
+            <a:ext cx="1459684" cy="728804"/>
           </a:xfrm>
           <a:prstGeom prst="rect">
             <a:avLst/>
@@ -4679,111 +4103,45 @@
           </a:p>
         </p:txBody>
       </p:sp>
-      <p:cxnSp>
-        <p:nvCxnSpPr>
-          <p:cNvPr id="7" name="Gerade Verbindung mit Pfeil 6"/>
-          <p:cNvCxnSpPr/>
-          <p:nvPr/>
-        </p:nvCxnSpPr>
-        <p:spPr>
-          <a:xfrm flipH="1">
-            <a:off x="5102154" y="3307593"/>
-            <a:ext cx="1236982" cy="1717413"/>
-          </a:xfrm>
-          <a:prstGeom prst="straightConnector1">
-            <a:avLst/>
-          </a:prstGeom>
-          <a:ln>
-            <a:tailEnd type="triangle"/>
-          </a:ln>
-        </p:spPr>
-        <p:style>
-          <a:lnRef idx="2">
-            <a:schemeClr val="accent2"/>
-          </a:lnRef>
-          <a:fillRef idx="0">
-            <a:schemeClr val="accent2"/>
-          </a:fillRef>
-          <a:effectRef idx="1">
-            <a:schemeClr val="accent2"/>
-          </a:effectRef>
-          <a:fontRef idx="minor">
-            <a:schemeClr val="tx1"/>
-          </a:fontRef>
-        </p:style>
-      </p:cxnSp>
-      <p:sp>
-        <p:nvSpPr>
-          <p:cNvPr id="36" name="Textfeld 35"/>
+      <p:sp>
+        <p:nvSpPr>
+          <p:cNvPr id="5" name="Textfeld 4"/>
           <p:cNvSpPr txBox="1"/>
           <p:nvPr/>
         </p:nvSpPr>
         <p:spPr>
-          <a:xfrm rot="18339854">
-            <a:off x="4794195" y="3881325"/>
-            <a:ext cx="1718676" cy="307777"/>
-          </a:xfrm>
-          <a:prstGeom prst="rect">
-            <a:avLst/>
-          </a:prstGeom>
-          <a:noFill/>
-        </p:spPr>
-        <p:txBody>
-          <a:bodyPr wrap="none" rtlCol="0">
+          <a:xfrm>
+            <a:off x="5377341" y="3701875"/>
+            <a:ext cx="2072081" cy="646331"/>
+          </a:xfrm>
+          <a:prstGeom prst="rect">
+            <a:avLst/>
+          </a:prstGeom>
+          <a:noFill/>
+        </p:spPr>
+        <p:txBody>
+          <a:bodyPr wrap="square" rtlCol="0">
             <a:spAutoFit/>
           </a:bodyPr>
           <a:lstStyle/>
           <a:p>
             <a:r>
-              <a:rPr lang="de-DE" sz="1400" dirty="0" err="1"/>
-              <a:t>With</a:t>
-            </a:r>
-            <a:r>
-              <a:rPr lang="de-DE" sz="1400" dirty="0"/>
-              <a:t> </a:t>
-            </a:r>
-            <a:r>
-              <a:rPr lang="de-DE" sz="1400" dirty="0" err="1"/>
-              <a:t>ServerLogic.ads</a:t>
-            </a:r>
-            <a:endParaRPr lang="de-DE" sz="1400" dirty="0"/>
-          </a:p>
-        </p:txBody>
-      </p:sp>
-      <p:pic>
-        <p:nvPicPr>
-          <p:cNvPr id="37" name="Grafik 36"/>
-          <p:cNvPicPr>
-            <a:picLocks noChangeAspect="1"/>
-          </p:cNvPicPr>
-          <p:nvPr/>
-        </p:nvPicPr>
-        <p:blipFill>
-          <a:blip r:embed="rId2">
-            <a:extLst>
-              <a:ext uri="{28A0092B-C50C-407E-A947-70E740481C1C}">
-                <a14:useLocalDpi xmlns:a14="http://schemas.microsoft.com/office/drawing/2010/main" val="0"/>
-              </a:ext>
-            </a:extLst>
-          </a:blip>
-          <a:stretch>
-            <a:fillRect/>
-          </a:stretch>
-        </p:blipFill>
-        <p:spPr>
-          <a:xfrm>
-            <a:off x="3567799" y="3336362"/>
-            <a:ext cx="1128013" cy="881986"/>
-          </a:xfrm>
-          <a:prstGeom prst="rect">
-            <a:avLst/>
-          </a:prstGeom>
-        </p:spPr>
-      </p:pic>
+              <a:rPr lang="de-DE" dirty="0">
+                <a:solidFill>
+                  <a:schemeClr val="accent2">
+                    <a:lumMod val="75000"/>
+                  </a:schemeClr>
+                </a:solidFill>
+              </a:rPr>
+              <a:t>Keine äußeren Abhängigkeiten!</a:t>
+            </a:r>
+          </a:p>
+        </p:txBody>
+      </p:sp>
     </p:spTree>
     <p:extLst>
       <p:ext uri="{BB962C8B-B14F-4D97-AF65-F5344CB8AC3E}">
-        <p14:creationId xmlns:p14="http://schemas.microsoft.com/office/powerpoint/2010/main" val="721752843"/>
+        <p14:creationId xmlns:p14="http://schemas.microsoft.com/office/powerpoint/2010/main" val="780916344"/>
       </p:ext>
     </p:extLst>
   </p:cSld>
@@ -5412,7 +4770,7 @@
           <a:p>
             <a:r>
               <a:rPr lang="de-DE" sz="1400" dirty="0"/>
-              <a:t>      - Chatroom</a:t>
+              <a:t>      …</a:t>
             </a:r>
           </a:p>
           <a:p>
@@ -5535,81 +4893,10 @@
           </a:p>
         </p:txBody>
       </p:sp>
-      <p:cxnSp>
-        <p:nvCxnSpPr>
-          <p:cNvPr id="5" name="Gerade Verbindung mit Pfeil 4"/>
-          <p:cNvCxnSpPr/>
-          <p:nvPr/>
-        </p:nvCxnSpPr>
-        <p:spPr>
-          <a:xfrm flipH="1" flipV="1">
-            <a:off x="1921079" y="3162650"/>
-            <a:ext cx="1266591" cy="2130803"/>
-          </a:xfrm>
-          <a:prstGeom prst="straightConnector1">
-            <a:avLst/>
-          </a:prstGeom>
-          <a:ln>
-            <a:tailEnd type="triangle"/>
-          </a:ln>
-        </p:spPr>
-        <p:style>
-          <a:lnRef idx="2">
-            <a:schemeClr val="accent2"/>
-          </a:lnRef>
-          <a:fillRef idx="0">
-            <a:schemeClr val="accent2"/>
-          </a:fillRef>
-          <a:effectRef idx="1">
-            <a:schemeClr val="accent2"/>
-          </a:effectRef>
-          <a:fontRef idx="minor">
-            <a:schemeClr val="tx1"/>
-          </a:fontRef>
-        </p:style>
-      </p:cxnSp>
-      <p:sp>
-        <p:nvSpPr>
-          <p:cNvPr id="25" name="Textfeld 24"/>
-          <p:cNvSpPr txBox="1"/>
-          <p:nvPr/>
-        </p:nvSpPr>
-        <p:spPr>
-          <a:xfrm rot="3539996">
-            <a:off x="1867451" y="4574216"/>
-            <a:ext cx="1677319" cy="307777"/>
-          </a:xfrm>
-          <a:prstGeom prst="rect">
-            <a:avLst/>
-          </a:prstGeom>
-          <a:noFill/>
-        </p:spPr>
-        <p:txBody>
-          <a:bodyPr wrap="none" rtlCol="0">
-            <a:spAutoFit/>
-          </a:bodyPr>
-          <a:lstStyle/>
-          <a:p>
-            <a:r>
-              <a:rPr lang="de-DE" sz="1400" dirty="0" err="1"/>
-              <a:t>With</a:t>
-            </a:r>
-            <a:r>
-              <a:rPr lang="de-DE" sz="1400" dirty="0"/>
-              <a:t> </a:t>
-            </a:r>
-            <a:r>
-              <a:rPr lang="de-DE" sz="1400" dirty="0" err="1"/>
-              <a:t>Chatrooms.ads</a:t>
-            </a:r>
-            <a:endParaRPr lang="de-DE" sz="1400" dirty="0"/>
-          </a:p>
-        </p:txBody>
-      </p:sp>
     </p:spTree>
     <p:extLst>
       <p:ext uri="{BB962C8B-B14F-4D97-AF65-F5344CB8AC3E}">
-        <p14:creationId xmlns:p14="http://schemas.microsoft.com/office/powerpoint/2010/main" val="1471776724"/>
+        <p14:creationId xmlns:p14="http://schemas.microsoft.com/office/powerpoint/2010/main" val="4243061322"/>
       </p:ext>
     </p:extLst>
   </p:cSld>
@@ -6238,7 +5525,7 @@
           <a:p>
             <a:r>
               <a:rPr lang="de-DE" sz="1400" dirty="0"/>
-              <a:t>      - Chatroom</a:t>
+              <a:t>      …</a:t>
             </a:r>
           </a:p>
           <a:p>
@@ -6361,122 +5648,40 @@
           </a:p>
         </p:txBody>
       </p:sp>
-      <p:cxnSp>
-        <p:nvCxnSpPr>
-          <p:cNvPr id="5" name="Gerade Verbindung mit Pfeil 4"/>
-          <p:cNvCxnSpPr/>
-          <p:nvPr/>
-        </p:nvCxnSpPr>
-        <p:spPr>
-          <a:xfrm flipH="1" flipV="1">
-            <a:off x="1921079" y="3162650"/>
-            <a:ext cx="1266591" cy="2130803"/>
-          </a:xfrm>
-          <a:prstGeom prst="straightConnector1">
-            <a:avLst/>
-          </a:prstGeom>
-          <a:ln>
-            <a:tailEnd type="triangle"/>
-          </a:ln>
-        </p:spPr>
-        <p:style>
-          <a:lnRef idx="2">
-            <a:schemeClr val="accent2"/>
-          </a:lnRef>
-          <a:fillRef idx="0">
-            <a:schemeClr val="accent2"/>
-          </a:fillRef>
-          <a:effectRef idx="1">
-            <a:schemeClr val="accent2"/>
-          </a:effectRef>
-          <a:fontRef idx="minor">
-            <a:schemeClr val="tx1"/>
-          </a:fontRef>
-        </p:style>
-      </p:cxnSp>
-      <p:sp>
-        <p:nvSpPr>
-          <p:cNvPr id="25" name="Textfeld 24"/>
-          <p:cNvSpPr txBox="1"/>
-          <p:nvPr/>
-        </p:nvSpPr>
-        <p:spPr>
-          <a:xfrm rot="3539996">
-            <a:off x="1867451" y="4574216"/>
-            <a:ext cx="1677319" cy="307777"/>
-          </a:xfrm>
-          <a:prstGeom prst="rect">
-            <a:avLst/>
-          </a:prstGeom>
-          <a:noFill/>
-        </p:spPr>
-        <p:txBody>
-          <a:bodyPr wrap="none" rtlCol="0">
-            <a:spAutoFit/>
-          </a:bodyPr>
-          <a:lstStyle/>
-          <a:p>
-            <a:r>
-              <a:rPr lang="de-DE" sz="1400" dirty="0" err="1"/>
-              <a:t>With</a:t>
-            </a:r>
-            <a:r>
-              <a:rPr lang="de-DE" sz="1400" dirty="0"/>
-              <a:t> </a:t>
-            </a:r>
-            <a:r>
-              <a:rPr lang="de-DE" sz="1400" dirty="0" err="1"/>
-              <a:t>Chatrooms.ads</a:t>
-            </a:r>
-            <a:endParaRPr lang="de-DE" sz="1400" dirty="0"/>
-          </a:p>
-        </p:txBody>
-      </p:sp>
-      <p:sp>
-        <p:nvSpPr>
-          <p:cNvPr id="26" name="Gewitterblitz 25"/>
-          <p:cNvSpPr/>
-          <p:nvPr/>
-        </p:nvSpPr>
-        <p:spPr>
-          <a:xfrm rot="20902562" flipH="1">
-            <a:off x="1654638" y="4681996"/>
-            <a:ext cx="926776" cy="995926"/>
-          </a:xfrm>
-          <a:prstGeom prst="lightningBolt">
-            <a:avLst/>
-          </a:prstGeom>
-          <a:solidFill>
-            <a:srgbClr val="FF0000"/>
-          </a:solidFill>
-        </p:spPr>
-        <p:style>
-          <a:lnRef idx="1">
-            <a:schemeClr val="accent2"/>
-          </a:lnRef>
-          <a:fillRef idx="3">
-            <a:schemeClr val="accent2"/>
-          </a:fillRef>
-          <a:effectRef idx="2">
-            <a:schemeClr val="accent2"/>
-          </a:effectRef>
-          <a:fontRef idx="minor">
-            <a:schemeClr val="lt1"/>
-          </a:fontRef>
-        </p:style>
-        <p:txBody>
-          <a:bodyPr rtlCol="0" anchor="ctr"/>
-          <a:lstStyle/>
-          <a:p>
-            <a:pPr algn="ctr"/>
-            <a:endParaRPr lang="de-DE"/>
-          </a:p>
-        </p:txBody>
-      </p:sp>
+      <p:pic>
+        <p:nvPicPr>
+          <p:cNvPr id="37" name="Grafik 36"/>
+          <p:cNvPicPr>
+            <a:picLocks noChangeAspect="1"/>
+          </p:cNvPicPr>
+          <p:nvPr/>
+        </p:nvPicPr>
+        <p:blipFill>
+          <a:blip r:embed="rId2">
+            <a:extLst>
+              <a:ext uri="{28A0092B-C50C-407E-A947-70E740481C1C}">
+                <a14:useLocalDpi xmlns:a14="http://schemas.microsoft.com/office/drawing/2010/main" val="0"/>
+              </a:ext>
+            </a:extLst>
+          </a:blip>
+          <a:stretch>
+            <a:fillRect/>
+          </a:stretch>
+        </p:blipFill>
+        <p:spPr>
+          <a:xfrm>
+            <a:off x="3567799" y="3336362"/>
+            <a:ext cx="1128013" cy="881986"/>
+          </a:xfrm>
+          <a:prstGeom prst="rect">
+            <a:avLst/>
+          </a:prstGeom>
+        </p:spPr>
+      </p:pic>
     </p:spTree>
     <p:extLst>
       <p:ext uri="{BB962C8B-B14F-4D97-AF65-F5344CB8AC3E}">
-        <p14:creationId xmlns:p14="http://schemas.microsoft.com/office/powerpoint/2010/main" val="3589523350"/>
+        <p14:creationId xmlns:p14="http://schemas.microsoft.com/office/powerpoint/2010/main" val="721752843"/>
       </p:ext>
     </p:extLst>
   </p:cSld>
@@ -7007,7 +6212,7 @@
         <p:spPr>
           <a:xfrm>
             <a:off x="3257489" y="4726264"/>
-            <a:ext cx="1779911" cy="1662076"/>
+            <a:ext cx="1779911" cy="1492125"/>
           </a:xfrm>
           <a:prstGeom prst="rect">
             <a:avLst/>
@@ -7243,7 +6448,6 @@
             <a:avLst/>
           </a:prstGeom>
           <a:ln>
-            <a:prstDash val="lgDash"/>
             <a:tailEnd type="triangle"/>
           </a:ln>
         </p:spPr>
@@ -7270,8 +6474,8 @@
         </p:nvSpPr>
         <p:spPr>
           <a:xfrm rot="3539996">
-            <a:off x="2057194" y="4606022"/>
-            <a:ext cx="1279774" cy="523220"/>
+            <a:off x="1867451" y="4574216"/>
+            <a:ext cx="1677319" cy="307777"/>
           </a:xfrm>
           <a:prstGeom prst="rect">
             <a:avLst/>
@@ -7285,19 +6489,13 @@
           <a:lstStyle/>
           <a:p>
             <a:r>
-              <a:rPr lang="de-DE" sz="1400" dirty="0"/>
-              <a:t>Limited </a:t>
-            </a:r>
-            <a:r>
               <a:rPr lang="de-DE" sz="1400" dirty="0" err="1"/>
-              <a:t>with</a:t>
+              <a:t>With</a:t>
             </a:r>
             <a:r>
               <a:rPr lang="de-DE" sz="1400" dirty="0"/>
               <a:t> </a:t>
             </a:r>
-          </a:p>
-          <a:p>
             <a:r>
               <a:rPr lang="de-DE" sz="1400" dirty="0" err="1"/>
               <a:t>Chatrooms.ads</a:t>
@@ -7309,7 +6507,7 @@
     </p:spTree>
     <p:extLst>
       <p:ext uri="{BB962C8B-B14F-4D97-AF65-F5344CB8AC3E}">
-        <p14:creationId xmlns:p14="http://schemas.microsoft.com/office/powerpoint/2010/main" val="2260166286"/>
+        <p14:creationId xmlns:p14="http://schemas.microsoft.com/office/powerpoint/2010/main" val="1471776724"/>
       </p:ext>
     </p:extLst>
   </p:cSld>
@@ -7840,7 +7038,7 @@
         <p:spPr>
           <a:xfrm>
             <a:off x="3257489" y="4726264"/>
-            <a:ext cx="1779911" cy="1662076"/>
+            <a:ext cx="1779911" cy="1492125"/>
           </a:xfrm>
           <a:prstGeom prst="rect">
             <a:avLst/>
@@ -7938,15 +7136,7 @@
           <a:p>
             <a:r>
               <a:rPr lang="de-DE" sz="1400" dirty="0"/>
-              <a:t>      </a:t>
-            </a:r>
-            <a:r>
-              <a:rPr lang="de-DE" sz="1400" dirty="0">
-                <a:solidFill>
-                  <a:srgbClr val="FF0000"/>
-                </a:solidFill>
-              </a:rPr>
-              <a:t>- Chatroom</a:t>
+              <a:t>      - Chatroom</a:t>
             </a:r>
           </a:p>
           <a:p>
@@ -8084,7 +7274,6 @@
             <a:avLst/>
           </a:prstGeom>
           <a:ln>
-            <a:prstDash val="sysDash"/>
             <a:tailEnd type="triangle"/>
           </a:ln>
         </p:spPr>
@@ -8111,8 +7300,8 @@
         </p:nvSpPr>
         <p:spPr>
           <a:xfrm rot="3539996">
-            <a:off x="2057194" y="4606022"/>
-            <a:ext cx="1279774" cy="523220"/>
+            <a:off x="1867451" y="4574216"/>
+            <a:ext cx="1677319" cy="307777"/>
           </a:xfrm>
           <a:prstGeom prst="rect">
             <a:avLst/>
@@ -8126,31 +7315,66 @@
           <a:lstStyle/>
           <a:p>
             <a:r>
-              <a:rPr lang="de-DE" sz="1400" dirty="0"/>
-              <a:t>Limited </a:t>
-            </a:r>
-            <a:r>
               <a:rPr lang="de-DE" sz="1400" dirty="0" err="1"/>
-              <a:t>with</a:t>
+              <a:t>With</a:t>
             </a:r>
             <a:r>
               <a:rPr lang="de-DE" sz="1400" dirty="0"/>
               <a:t> </a:t>
             </a:r>
-          </a:p>
-          <a:p>
             <a:r>
               <a:rPr lang="de-DE" sz="1400" dirty="0" err="1"/>
               <a:t>Chatrooms.ads</a:t>
             </a:r>
             <a:endParaRPr lang="de-DE" sz="1400" dirty="0"/>
+          </a:p>
+        </p:txBody>
+      </p:sp>
+      <p:sp>
+        <p:nvSpPr>
+          <p:cNvPr id="26" name="Gewitterblitz 25"/>
+          <p:cNvSpPr/>
+          <p:nvPr/>
+        </p:nvSpPr>
+        <p:spPr>
+          <a:xfrm rot="20902562" flipH="1">
+            <a:off x="1654638" y="4681996"/>
+            <a:ext cx="926776" cy="995926"/>
+          </a:xfrm>
+          <a:prstGeom prst="lightningBolt">
+            <a:avLst/>
+          </a:prstGeom>
+          <a:solidFill>
+            <a:srgbClr val="FF0000"/>
+          </a:solidFill>
+        </p:spPr>
+        <p:style>
+          <a:lnRef idx="1">
+            <a:schemeClr val="accent2"/>
+          </a:lnRef>
+          <a:fillRef idx="3">
+            <a:schemeClr val="accent2"/>
+          </a:fillRef>
+          <a:effectRef idx="2">
+            <a:schemeClr val="accent2"/>
+          </a:effectRef>
+          <a:fontRef idx="minor">
+            <a:schemeClr val="lt1"/>
+          </a:fontRef>
+        </p:style>
+        <p:txBody>
+          <a:bodyPr rtlCol="0" anchor="ctr"/>
+          <a:lstStyle/>
+          <a:p>
+            <a:pPr algn="ctr"/>
+            <a:endParaRPr lang="de-DE"/>
           </a:p>
         </p:txBody>
       </p:sp>
     </p:spTree>
     <p:extLst>
       <p:ext uri="{BB962C8B-B14F-4D97-AF65-F5344CB8AC3E}">
-        <p14:creationId xmlns:p14="http://schemas.microsoft.com/office/powerpoint/2010/main" val="2993922376"/>
+        <p14:creationId xmlns:p14="http://schemas.microsoft.com/office/powerpoint/2010/main" val="3589523350"/>
       </p:ext>
     </p:extLst>
   </p:cSld>
@@ -8779,15 +8003,7 @@
           <a:p>
             <a:r>
               <a:rPr lang="de-DE" sz="1400" dirty="0"/>
-              <a:t>      </a:t>
-            </a:r>
-            <a:r>
-              <a:rPr lang="de-DE" sz="1400" dirty="0">
-                <a:solidFill>
-                  <a:srgbClr val="FF0000"/>
-                </a:solidFill>
-              </a:rPr>
-              <a:t>- Chatroom</a:t>
+              <a:t>      - Chatroom</a:t>
             </a:r>
           </a:p>
           <a:p>
@@ -8925,7 +8141,7 @@
             <a:avLst/>
           </a:prstGeom>
           <a:ln>
-            <a:prstDash val="sysDash"/>
+            <a:prstDash val="lgDash"/>
             <a:tailEnd type="triangle"/>
           </a:ln>
         </p:spPr>
@@ -8988,107 +8204,10 @@
           </a:p>
         </p:txBody>
       </p:sp>
-      <p:sp>
-        <p:nvSpPr>
-          <p:cNvPr id="4" name="Textfeld 3"/>
-          <p:cNvSpPr txBox="1"/>
-          <p:nvPr/>
-        </p:nvSpPr>
-        <p:spPr>
-          <a:xfrm>
-            <a:off x="3233091" y="5778823"/>
-            <a:ext cx="1828706" cy="523220"/>
-          </a:xfrm>
-          <a:prstGeom prst="rect">
-            <a:avLst/>
-          </a:prstGeom>
-          <a:noFill/>
-        </p:spPr>
-        <p:txBody>
-          <a:bodyPr wrap="none" rtlCol="0">
-            <a:spAutoFit/>
-          </a:bodyPr>
-          <a:lstStyle/>
-          <a:p>
-            <a:r>
-              <a:rPr lang="de-DE" sz="1400" dirty="0"/>
-              <a:t>Type </a:t>
-            </a:r>
-            <a:r>
-              <a:rPr lang="de-DE" sz="1400" dirty="0" err="1"/>
-              <a:t>ChatroomPointer</a:t>
-            </a:r>
-            <a:endParaRPr lang="de-DE" sz="1400" dirty="0"/>
-          </a:p>
-          <a:p>
-            <a:r>
-              <a:rPr lang="de-DE" sz="1400" dirty="0"/>
-              <a:t> </a:t>
-            </a:r>
-            <a:r>
-              <a:rPr lang="de-DE" sz="1400" dirty="0" err="1"/>
-              <a:t>is</a:t>
-            </a:r>
-            <a:r>
-              <a:rPr lang="de-DE" sz="1400" dirty="0"/>
-              <a:t> </a:t>
-            </a:r>
-            <a:r>
-              <a:rPr lang="de-DE" sz="1400" dirty="0" err="1"/>
-              <a:t>access</a:t>
-            </a:r>
-            <a:r>
-              <a:rPr lang="de-DE" sz="1400" dirty="0"/>
-              <a:t> Chatroom</a:t>
-            </a:r>
-          </a:p>
-        </p:txBody>
-      </p:sp>
-      <p:sp>
-        <p:nvSpPr>
-          <p:cNvPr id="24" name="Rechteck 23"/>
-          <p:cNvSpPr/>
-          <p:nvPr/>
-        </p:nvSpPr>
-        <p:spPr>
-          <a:xfrm>
-            <a:off x="3317207" y="5778823"/>
-            <a:ext cx="1649076" cy="478625"/>
-          </a:xfrm>
-          <a:prstGeom prst="rect">
-            <a:avLst/>
-          </a:prstGeom>
-          <a:noFill/>
-        </p:spPr>
-        <p:style>
-          <a:lnRef idx="2">
-            <a:schemeClr val="accent1">
-              <a:shade val="50000"/>
-            </a:schemeClr>
-          </a:lnRef>
-          <a:fillRef idx="1">
-            <a:schemeClr val="accent1"/>
-          </a:fillRef>
-          <a:effectRef idx="0">
-            <a:schemeClr val="accent1"/>
-          </a:effectRef>
-          <a:fontRef idx="minor">
-            <a:schemeClr val="lt1"/>
-          </a:fontRef>
-        </p:style>
-        <p:txBody>
-          <a:bodyPr rtlCol="0" anchor="ctr"/>
-          <a:lstStyle/>
-          <a:p>
-            <a:pPr algn="ctr"/>
-            <a:endParaRPr lang="de-DE"/>
-          </a:p>
-        </p:txBody>
-      </p:sp>
     </p:spTree>
     <p:extLst>
       <p:ext uri="{BB962C8B-B14F-4D97-AF65-F5344CB8AC3E}">
-        <p14:creationId xmlns:p14="http://schemas.microsoft.com/office/powerpoint/2010/main" val="3302144505"/>
+        <p14:creationId xmlns:p14="http://schemas.microsoft.com/office/powerpoint/2010/main" val="2260166286"/>
       </p:ext>
     </p:extLst>
   </p:cSld>
@@ -9717,7 +8836,7 @@
           <a:p>
             <a:r>
               <a:rPr lang="de-DE" sz="1400" dirty="0"/>
-              <a:t>      -</a:t>
+              <a:t>      </a:t>
             </a:r>
             <a:r>
               <a:rPr lang="de-DE" sz="1400" dirty="0">
@@ -9725,13 +8844,8 @@
                   <a:srgbClr val="FF0000"/>
                 </a:solidFill>
               </a:rPr>
-              <a:t> </a:t>
-            </a:r>
-            <a:r>
-              <a:rPr lang="de-DE" sz="1400" dirty="0" err="1"/>
-              <a:t>ChatroomPtr</a:t>
-            </a:r>
-            <a:endParaRPr lang="de-DE" sz="1400" dirty="0"/>
+              <a:t>- Chatroom</a:t>
+            </a:r>
           </a:p>
           <a:p>
             <a:r>
@@ -9931,107 +9045,10 @@
           </a:p>
         </p:txBody>
       </p:sp>
-      <p:sp>
-        <p:nvSpPr>
-          <p:cNvPr id="4" name="Textfeld 3"/>
-          <p:cNvSpPr txBox="1"/>
-          <p:nvPr/>
-        </p:nvSpPr>
-        <p:spPr>
-          <a:xfrm>
-            <a:off x="3233091" y="5778823"/>
-            <a:ext cx="1828706" cy="523220"/>
-          </a:xfrm>
-          <a:prstGeom prst="rect">
-            <a:avLst/>
-          </a:prstGeom>
-          <a:noFill/>
-        </p:spPr>
-        <p:txBody>
-          <a:bodyPr wrap="none" rtlCol="0">
-            <a:spAutoFit/>
-          </a:bodyPr>
-          <a:lstStyle/>
-          <a:p>
-            <a:r>
-              <a:rPr lang="de-DE" sz="1400" dirty="0"/>
-              <a:t>Type </a:t>
-            </a:r>
-            <a:r>
-              <a:rPr lang="de-DE" sz="1400" dirty="0" err="1"/>
-              <a:t>ChatroomPointer</a:t>
-            </a:r>
-            <a:endParaRPr lang="de-DE" sz="1400" dirty="0"/>
-          </a:p>
-          <a:p>
-            <a:r>
-              <a:rPr lang="de-DE" sz="1400" dirty="0"/>
-              <a:t> </a:t>
-            </a:r>
-            <a:r>
-              <a:rPr lang="de-DE" sz="1400" dirty="0" err="1"/>
-              <a:t>is</a:t>
-            </a:r>
-            <a:r>
-              <a:rPr lang="de-DE" sz="1400" dirty="0"/>
-              <a:t> </a:t>
-            </a:r>
-            <a:r>
-              <a:rPr lang="de-DE" sz="1400" dirty="0" err="1"/>
-              <a:t>access</a:t>
-            </a:r>
-            <a:r>
-              <a:rPr lang="de-DE" sz="1400" dirty="0"/>
-              <a:t> Chatroom</a:t>
-            </a:r>
-          </a:p>
-        </p:txBody>
-      </p:sp>
-      <p:sp>
-        <p:nvSpPr>
-          <p:cNvPr id="24" name="Rechteck 23"/>
-          <p:cNvSpPr/>
-          <p:nvPr/>
-        </p:nvSpPr>
-        <p:spPr>
-          <a:xfrm>
-            <a:off x="3317207" y="5778823"/>
-            <a:ext cx="1649076" cy="478625"/>
-          </a:xfrm>
-          <a:prstGeom prst="rect">
-            <a:avLst/>
-          </a:prstGeom>
-          <a:noFill/>
-        </p:spPr>
-        <p:style>
-          <a:lnRef idx="2">
-            <a:schemeClr val="accent1">
-              <a:shade val="50000"/>
-            </a:schemeClr>
-          </a:lnRef>
-          <a:fillRef idx="1">
-            <a:schemeClr val="accent1"/>
-          </a:fillRef>
-          <a:effectRef idx="0">
-            <a:schemeClr val="accent1"/>
-          </a:effectRef>
-          <a:fontRef idx="minor">
-            <a:schemeClr val="lt1"/>
-          </a:fontRef>
-        </p:style>
-        <p:txBody>
-          <a:bodyPr rtlCol="0" anchor="ctr"/>
-          <a:lstStyle/>
-          <a:p>
-            <a:pPr algn="ctr"/>
-            <a:endParaRPr lang="de-DE"/>
-          </a:p>
-        </p:txBody>
-      </p:sp>
     </p:spTree>
     <p:extLst>
       <p:ext uri="{BB962C8B-B14F-4D97-AF65-F5344CB8AC3E}">
-        <p14:creationId xmlns:p14="http://schemas.microsoft.com/office/powerpoint/2010/main" val="3805318814"/>
+        <p14:creationId xmlns:p14="http://schemas.microsoft.com/office/powerpoint/2010/main" val="2993922376"/>
       </p:ext>
     </p:extLst>
   </p:cSld>
@@ -10156,6 +9173,1887 @@
     <p:extLst>
       <p:ext uri="{BB962C8B-B14F-4D97-AF65-F5344CB8AC3E}">
         <p14:creationId xmlns:p14="http://schemas.microsoft.com/office/powerpoint/2010/main" val="1873956455"/>
+      </p:ext>
+    </p:extLst>
+  </p:cSld>
+  <p:clrMapOvr>
+    <a:masterClrMapping/>
+  </p:clrMapOvr>
+</p:sld>
+</file>
+
+<file path=ppt/slides/slide20.xml><?xml version="1.0" encoding="utf-8"?>
+<p:sld xmlns:a="http://schemas.openxmlformats.org/drawingml/2006/main" xmlns:r="http://schemas.openxmlformats.org/officeDocument/2006/relationships" xmlns:p="http://schemas.openxmlformats.org/presentationml/2006/main">
+  <p:cSld>
+    <p:spTree>
+      <p:nvGrpSpPr>
+        <p:cNvPr id="1" name=""/>
+        <p:cNvGrpSpPr/>
+        <p:nvPr/>
+      </p:nvGrpSpPr>
+      <p:grpSpPr>
+        <a:xfrm>
+          <a:off x="0" y="0"/>
+          <a:ext cx="0" cy="0"/>
+          <a:chOff x="0" y="0"/>
+          <a:chExt cx="0" cy="0"/>
+        </a:xfrm>
+      </p:grpSpPr>
+      <p:sp>
+        <p:nvSpPr>
+          <p:cNvPr id="2" name="Titel 1"/>
+          <p:cNvSpPr>
+            <a:spLocks noGrp="1"/>
+          </p:cNvSpPr>
+          <p:nvPr>
+            <p:ph type="title"/>
+          </p:nvPr>
+        </p:nvSpPr>
+        <p:spPr>
+          <a:xfrm>
+            <a:off x="360000" y="1317222"/>
+            <a:ext cx="8246118" cy="569556"/>
+          </a:xfrm>
+        </p:spPr>
+        <p:txBody>
+          <a:bodyPr/>
+          <a:lstStyle/>
+          <a:p>
+            <a:r>
+              <a:rPr lang="de-DE" dirty="0"/>
+              <a:t>Zirkuläre Abhängigkeiten</a:t>
+            </a:r>
+          </a:p>
+        </p:txBody>
+      </p:sp>
+      <p:sp>
+        <p:nvSpPr>
+          <p:cNvPr id="6" name="Rechteck 5"/>
+          <p:cNvSpPr/>
+          <p:nvPr/>
+        </p:nvSpPr>
+        <p:spPr>
+          <a:xfrm>
+            <a:off x="553673" y="2224209"/>
+            <a:ext cx="1744911" cy="2176715"/>
+          </a:xfrm>
+          <a:prstGeom prst="rect">
+            <a:avLst/>
+          </a:prstGeom>
+          <a:noFill/>
+          <a:ln/>
+        </p:spPr>
+        <p:style>
+          <a:lnRef idx="2">
+            <a:schemeClr val="dk1">
+              <a:shade val="50000"/>
+            </a:schemeClr>
+          </a:lnRef>
+          <a:fillRef idx="1">
+            <a:schemeClr val="dk1"/>
+          </a:fillRef>
+          <a:effectRef idx="0">
+            <a:schemeClr val="dk1"/>
+          </a:effectRef>
+          <a:fontRef idx="minor">
+            <a:schemeClr val="lt1"/>
+          </a:fontRef>
+        </p:style>
+        <p:txBody>
+          <a:bodyPr rtlCol="0" anchor="ctr"/>
+          <a:lstStyle/>
+          <a:p>
+            <a:pPr algn="ctr"/>
+            <a:endParaRPr lang="de-DE"/>
+          </a:p>
+        </p:txBody>
+      </p:sp>
+      <p:sp>
+        <p:nvSpPr>
+          <p:cNvPr id="12" name="Textfeld 11"/>
+          <p:cNvSpPr txBox="1"/>
+          <p:nvPr/>
+        </p:nvSpPr>
+        <p:spPr>
+          <a:xfrm>
+            <a:off x="441114" y="1886778"/>
+            <a:ext cx="1593909" cy="369332"/>
+          </a:xfrm>
+          <a:prstGeom prst="rect">
+            <a:avLst/>
+          </a:prstGeom>
+          <a:noFill/>
+        </p:spPr>
+        <p:txBody>
+          <a:bodyPr wrap="square" rtlCol="0">
+            <a:spAutoFit/>
+          </a:bodyPr>
+          <a:lstStyle/>
+          <a:p>
+            <a:r>
+              <a:rPr lang="de-DE" dirty="0" err="1"/>
+              <a:t>Chatrooms.ads</a:t>
+            </a:r>
+            <a:endParaRPr lang="de-DE" dirty="0"/>
+          </a:p>
+        </p:txBody>
+      </p:sp>
+      <p:sp>
+        <p:nvSpPr>
+          <p:cNvPr id="17" name="Rechteck 16"/>
+          <p:cNvSpPr/>
+          <p:nvPr/>
+        </p:nvSpPr>
+        <p:spPr>
+          <a:xfrm>
+            <a:off x="675169" y="2353487"/>
+            <a:ext cx="1459684" cy="738664"/>
+          </a:xfrm>
+          <a:prstGeom prst="rect">
+            <a:avLst/>
+          </a:prstGeom>
+          <a:noFill/>
+        </p:spPr>
+        <p:style>
+          <a:lnRef idx="2">
+            <a:schemeClr val="accent1">
+              <a:shade val="50000"/>
+            </a:schemeClr>
+          </a:lnRef>
+          <a:fillRef idx="1">
+            <a:schemeClr val="accent1"/>
+          </a:fillRef>
+          <a:effectRef idx="0">
+            <a:schemeClr val="accent1"/>
+          </a:effectRef>
+          <a:fontRef idx="minor">
+            <a:schemeClr val="lt1"/>
+          </a:fontRef>
+        </p:style>
+        <p:txBody>
+          <a:bodyPr rtlCol="0" anchor="ctr"/>
+          <a:lstStyle/>
+          <a:p>
+            <a:pPr algn="ctr"/>
+            <a:endParaRPr lang="de-DE"/>
+          </a:p>
+        </p:txBody>
+      </p:sp>
+      <p:sp>
+        <p:nvSpPr>
+          <p:cNvPr id="19" name="Textfeld 18"/>
+          <p:cNvSpPr txBox="1"/>
+          <p:nvPr/>
+        </p:nvSpPr>
+        <p:spPr>
+          <a:xfrm>
+            <a:off x="675169" y="2353486"/>
+            <a:ext cx="1688264" cy="738664"/>
+          </a:xfrm>
+          <a:prstGeom prst="rect">
+            <a:avLst/>
+          </a:prstGeom>
+          <a:noFill/>
+        </p:spPr>
+        <p:txBody>
+          <a:bodyPr wrap="square" rtlCol="0">
+            <a:spAutoFit/>
+          </a:bodyPr>
+          <a:lstStyle/>
+          <a:p>
+            <a:r>
+              <a:rPr lang="de-DE" sz="1400" dirty="0"/>
+              <a:t>Type Chatroom </a:t>
+            </a:r>
+            <a:r>
+              <a:rPr lang="de-DE" sz="1400" dirty="0" err="1"/>
+              <a:t>is</a:t>
+            </a:r>
+            <a:endParaRPr lang="de-DE" sz="1400" dirty="0"/>
+          </a:p>
+          <a:p>
+            <a:r>
+              <a:rPr lang="de-DE" sz="1400" dirty="0"/>
+              <a:t>      - Client</a:t>
+            </a:r>
+          </a:p>
+          <a:p>
+            <a:r>
+              <a:rPr lang="de-DE" sz="1400" dirty="0"/>
+              <a:t>End type;</a:t>
+            </a:r>
+          </a:p>
+        </p:txBody>
+      </p:sp>
+      <p:sp>
+        <p:nvSpPr>
+          <p:cNvPr id="38" name="Rechteck 37"/>
+          <p:cNvSpPr/>
+          <p:nvPr/>
+        </p:nvSpPr>
+        <p:spPr>
+          <a:xfrm>
+            <a:off x="6204911" y="2224209"/>
+            <a:ext cx="2293137" cy="2725658"/>
+          </a:xfrm>
+          <a:prstGeom prst="rect">
+            <a:avLst/>
+          </a:prstGeom>
+          <a:noFill/>
+          <a:ln/>
+        </p:spPr>
+        <p:style>
+          <a:lnRef idx="2">
+            <a:schemeClr val="dk1">
+              <a:shade val="50000"/>
+            </a:schemeClr>
+          </a:lnRef>
+          <a:fillRef idx="1">
+            <a:schemeClr val="dk1"/>
+          </a:fillRef>
+          <a:effectRef idx="0">
+            <a:schemeClr val="dk1"/>
+          </a:effectRef>
+          <a:fontRef idx="minor">
+            <a:schemeClr val="lt1"/>
+          </a:fontRef>
+        </p:style>
+        <p:txBody>
+          <a:bodyPr rtlCol="0" anchor="ctr"/>
+          <a:lstStyle/>
+          <a:p>
+            <a:pPr algn="ctr"/>
+            <a:endParaRPr lang="de-DE"/>
+          </a:p>
+        </p:txBody>
+      </p:sp>
+      <p:sp>
+        <p:nvSpPr>
+          <p:cNvPr id="39" name="Textfeld 38"/>
+          <p:cNvSpPr txBox="1"/>
+          <p:nvPr/>
+        </p:nvSpPr>
+        <p:spPr>
+          <a:xfrm>
+            <a:off x="6105081" y="1886778"/>
+            <a:ext cx="1629569" cy="369332"/>
+          </a:xfrm>
+          <a:prstGeom prst="rect">
+            <a:avLst/>
+          </a:prstGeom>
+          <a:noFill/>
+        </p:spPr>
+        <p:txBody>
+          <a:bodyPr wrap="square" rtlCol="0">
+            <a:spAutoFit/>
+          </a:bodyPr>
+          <a:lstStyle/>
+          <a:p>
+            <a:r>
+              <a:rPr lang="de-DE" dirty="0" err="1"/>
+              <a:t>ServerLogic.ads</a:t>
+            </a:r>
+            <a:endParaRPr lang="de-DE" dirty="0"/>
+          </a:p>
+        </p:txBody>
+      </p:sp>
+      <p:sp>
+        <p:nvSpPr>
+          <p:cNvPr id="40" name="Rechteck 39"/>
+          <p:cNvSpPr/>
+          <p:nvPr/>
+        </p:nvSpPr>
+        <p:spPr>
+          <a:xfrm>
+            <a:off x="6339136" y="2353487"/>
+            <a:ext cx="1459684" cy="954106"/>
+          </a:xfrm>
+          <a:prstGeom prst="rect">
+            <a:avLst/>
+          </a:prstGeom>
+          <a:noFill/>
+        </p:spPr>
+        <p:style>
+          <a:lnRef idx="2">
+            <a:schemeClr val="accent1">
+              <a:shade val="50000"/>
+            </a:schemeClr>
+          </a:lnRef>
+          <a:fillRef idx="1">
+            <a:schemeClr val="accent1"/>
+          </a:fillRef>
+          <a:effectRef idx="0">
+            <a:schemeClr val="accent1"/>
+          </a:effectRef>
+          <a:fontRef idx="minor">
+            <a:schemeClr val="lt1"/>
+          </a:fontRef>
+        </p:style>
+        <p:txBody>
+          <a:bodyPr rtlCol="0" anchor="ctr"/>
+          <a:lstStyle/>
+          <a:p>
+            <a:pPr algn="ctr"/>
+            <a:endParaRPr lang="de-DE"/>
+          </a:p>
+        </p:txBody>
+      </p:sp>
+      <p:sp>
+        <p:nvSpPr>
+          <p:cNvPr id="41" name="Textfeld 40"/>
+          <p:cNvSpPr txBox="1"/>
+          <p:nvPr/>
+        </p:nvSpPr>
+        <p:spPr>
+          <a:xfrm>
+            <a:off x="6339136" y="2353486"/>
+            <a:ext cx="1688264" cy="954107"/>
+          </a:xfrm>
+          <a:prstGeom prst="rect">
+            <a:avLst/>
+          </a:prstGeom>
+          <a:noFill/>
+        </p:spPr>
+        <p:txBody>
+          <a:bodyPr wrap="square" rtlCol="0">
+            <a:spAutoFit/>
+          </a:bodyPr>
+          <a:lstStyle/>
+          <a:p>
+            <a:r>
+              <a:rPr lang="de-DE" sz="1400" dirty="0"/>
+              <a:t>Type Server </a:t>
+            </a:r>
+            <a:r>
+              <a:rPr lang="de-DE" sz="1400" dirty="0" err="1"/>
+              <a:t>is</a:t>
+            </a:r>
+            <a:endParaRPr lang="de-DE" sz="1400" dirty="0"/>
+          </a:p>
+          <a:p>
+            <a:r>
+              <a:rPr lang="de-DE" sz="1400" dirty="0"/>
+              <a:t>      - Client</a:t>
+            </a:r>
+          </a:p>
+          <a:p>
+            <a:r>
+              <a:rPr lang="de-DE" sz="1400" dirty="0"/>
+              <a:t>      - Chatroom</a:t>
+            </a:r>
+          </a:p>
+          <a:p>
+            <a:r>
+              <a:rPr lang="de-DE" sz="1400" dirty="0"/>
+              <a:t>End type;</a:t>
+            </a:r>
+          </a:p>
+        </p:txBody>
+      </p:sp>
+      <p:cxnSp>
+        <p:nvCxnSpPr>
+          <p:cNvPr id="2069" name="Gerade Verbindung mit Pfeil 2068"/>
+          <p:cNvCxnSpPr/>
+          <p:nvPr/>
+        </p:nvCxnSpPr>
+        <p:spPr>
+          <a:xfrm>
+            <a:off x="2134853" y="2995232"/>
+            <a:ext cx="1222702" cy="2123715"/>
+          </a:xfrm>
+          <a:prstGeom prst="straightConnector1">
+            <a:avLst/>
+          </a:prstGeom>
+          <a:ln>
+            <a:tailEnd type="triangle"/>
+          </a:ln>
+        </p:spPr>
+        <p:style>
+          <a:lnRef idx="2">
+            <a:schemeClr val="accent2"/>
+          </a:lnRef>
+          <a:fillRef idx="0">
+            <a:schemeClr val="accent2"/>
+          </a:fillRef>
+          <a:effectRef idx="1">
+            <a:schemeClr val="accent2"/>
+          </a:effectRef>
+          <a:fontRef idx="minor">
+            <a:schemeClr val="tx1"/>
+          </a:fontRef>
+        </p:style>
+      </p:cxnSp>
+      <p:cxnSp>
+        <p:nvCxnSpPr>
+          <p:cNvPr id="2071" name="Gerade Verbindung mit Pfeil 2070"/>
+          <p:cNvCxnSpPr>
+            <a:stCxn id="41" idx="1"/>
+          </p:cNvCxnSpPr>
+          <p:nvPr/>
+        </p:nvCxnSpPr>
+        <p:spPr>
+          <a:xfrm flipH="1" flipV="1">
+            <a:off x="2134853" y="2810675"/>
+            <a:ext cx="4204283" cy="19865"/>
+          </a:xfrm>
+          <a:prstGeom prst="straightConnector1">
+            <a:avLst/>
+          </a:prstGeom>
+          <a:ln>
+            <a:tailEnd type="triangle"/>
+          </a:ln>
+        </p:spPr>
+        <p:style>
+          <a:lnRef idx="2">
+            <a:schemeClr val="accent2"/>
+          </a:lnRef>
+          <a:fillRef idx="0">
+            <a:schemeClr val="accent2"/>
+          </a:fillRef>
+          <a:effectRef idx="1">
+            <a:schemeClr val="accent2"/>
+          </a:effectRef>
+          <a:fontRef idx="minor">
+            <a:schemeClr val="tx1"/>
+          </a:fontRef>
+        </p:style>
+      </p:cxnSp>
+      <p:sp>
+        <p:nvSpPr>
+          <p:cNvPr id="3" name="Textfeld 2"/>
+          <p:cNvSpPr txBox="1"/>
+          <p:nvPr/>
+        </p:nvSpPr>
+        <p:spPr>
+          <a:xfrm rot="3596617">
+            <a:off x="2154106" y="3862159"/>
+            <a:ext cx="1372427" cy="307777"/>
+          </a:xfrm>
+          <a:prstGeom prst="rect">
+            <a:avLst/>
+          </a:prstGeom>
+          <a:noFill/>
+        </p:spPr>
+        <p:txBody>
+          <a:bodyPr wrap="none" rtlCol="0">
+            <a:spAutoFit/>
+          </a:bodyPr>
+          <a:lstStyle/>
+          <a:p>
+            <a:r>
+              <a:rPr lang="de-DE" sz="1400" dirty="0" err="1"/>
+              <a:t>With</a:t>
+            </a:r>
+            <a:r>
+              <a:rPr lang="de-DE" sz="1400" dirty="0"/>
+              <a:t> </a:t>
+            </a:r>
+            <a:r>
+              <a:rPr lang="de-DE" sz="1400" dirty="0" err="1"/>
+              <a:t>Clients.ads</a:t>
+            </a:r>
+            <a:endParaRPr lang="de-DE" sz="1400" dirty="0"/>
+          </a:p>
+        </p:txBody>
+      </p:sp>
+      <p:sp>
+        <p:nvSpPr>
+          <p:cNvPr id="20" name="Textfeld 19"/>
+          <p:cNvSpPr txBox="1"/>
+          <p:nvPr/>
+        </p:nvSpPr>
+        <p:spPr>
+          <a:xfrm>
+            <a:off x="3424834" y="2527910"/>
+            <a:ext cx="1677319" cy="307777"/>
+          </a:xfrm>
+          <a:prstGeom prst="rect">
+            <a:avLst/>
+          </a:prstGeom>
+          <a:noFill/>
+        </p:spPr>
+        <p:txBody>
+          <a:bodyPr wrap="none" rtlCol="0">
+            <a:spAutoFit/>
+          </a:bodyPr>
+          <a:lstStyle/>
+          <a:p>
+            <a:r>
+              <a:rPr lang="de-DE" sz="1400" dirty="0" err="1"/>
+              <a:t>With</a:t>
+            </a:r>
+            <a:r>
+              <a:rPr lang="de-DE" sz="1400" dirty="0"/>
+              <a:t> </a:t>
+            </a:r>
+            <a:r>
+              <a:rPr lang="de-DE" sz="1400" dirty="0" err="1"/>
+              <a:t>Chatrooms.ads</a:t>
+            </a:r>
+            <a:endParaRPr lang="de-DE" sz="1400" dirty="0"/>
+          </a:p>
+        </p:txBody>
+      </p:sp>
+      <p:sp>
+        <p:nvSpPr>
+          <p:cNvPr id="27" name="Rechteck 26"/>
+          <p:cNvSpPr/>
+          <p:nvPr/>
+        </p:nvSpPr>
+        <p:spPr>
+          <a:xfrm>
+            <a:off x="3257489" y="4726264"/>
+            <a:ext cx="1779911" cy="1662076"/>
+          </a:xfrm>
+          <a:prstGeom prst="rect">
+            <a:avLst/>
+          </a:prstGeom>
+          <a:noFill/>
+          <a:ln/>
+        </p:spPr>
+        <p:style>
+          <a:lnRef idx="2">
+            <a:schemeClr val="dk1">
+              <a:shade val="50000"/>
+            </a:schemeClr>
+          </a:lnRef>
+          <a:fillRef idx="1">
+            <a:schemeClr val="dk1"/>
+          </a:fillRef>
+          <a:effectRef idx="0">
+            <a:schemeClr val="dk1"/>
+          </a:effectRef>
+          <a:fontRef idx="minor">
+            <a:schemeClr val="lt1"/>
+          </a:fontRef>
+        </p:style>
+        <p:txBody>
+          <a:bodyPr rtlCol="0" anchor="ctr"/>
+          <a:lstStyle/>
+          <a:p>
+            <a:pPr algn="ctr"/>
+            <a:endParaRPr lang="de-DE"/>
+          </a:p>
+        </p:txBody>
+      </p:sp>
+      <p:sp>
+        <p:nvSpPr>
+          <p:cNvPr id="28" name="Textfeld 27"/>
+          <p:cNvSpPr txBox="1"/>
+          <p:nvPr/>
+        </p:nvSpPr>
+        <p:spPr>
+          <a:xfrm>
+            <a:off x="3187670" y="4400924"/>
+            <a:ext cx="1629569" cy="369332"/>
+          </a:xfrm>
+          <a:prstGeom prst="rect">
+            <a:avLst/>
+          </a:prstGeom>
+          <a:noFill/>
+        </p:spPr>
+        <p:txBody>
+          <a:bodyPr wrap="square" rtlCol="0">
+            <a:spAutoFit/>
+          </a:bodyPr>
+          <a:lstStyle/>
+          <a:p>
+            <a:r>
+              <a:rPr lang="de-DE" dirty="0" err="1"/>
+              <a:t>Clients.ads</a:t>
+            </a:r>
+            <a:endParaRPr lang="de-DE" dirty="0"/>
+          </a:p>
+        </p:txBody>
+      </p:sp>
+      <p:sp>
+        <p:nvSpPr>
+          <p:cNvPr id="29" name="Textfeld 28"/>
+          <p:cNvSpPr txBox="1"/>
+          <p:nvPr/>
+        </p:nvSpPr>
+        <p:spPr>
+          <a:xfrm>
+            <a:off x="3349136" y="4823640"/>
+            <a:ext cx="1688264" cy="738664"/>
+          </a:xfrm>
+          <a:prstGeom prst="rect">
+            <a:avLst/>
+          </a:prstGeom>
+          <a:noFill/>
+        </p:spPr>
+        <p:txBody>
+          <a:bodyPr wrap="square" rtlCol="0">
+            <a:spAutoFit/>
+          </a:bodyPr>
+          <a:lstStyle/>
+          <a:p>
+            <a:r>
+              <a:rPr lang="de-DE" sz="1400" dirty="0"/>
+              <a:t>Type Client </a:t>
+            </a:r>
+            <a:r>
+              <a:rPr lang="de-DE" sz="1400" dirty="0" err="1"/>
+              <a:t>is</a:t>
+            </a:r>
+            <a:endParaRPr lang="de-DE" sz="1400" dirty="0"/>
+          </a:p>
+          <a:p>
+            <a:r>
+              <a:rPr lang="de-DE" sz="1400" dirty="0"/>
+              <a:t>      </a:t>
+            </a:r>
+            <a:r>
+              <a:rPr lang="de-DE" sz="1400" dirty="0">
+                <a:solidFill>
+                  <a:srgbClr val="FF0000"/>
+                </a:solidFill>
+              </a:rPr>
+              <a:t>- Chatroom</a:t>
+            </a:r>
+          </a:p>
+          <a:p>
+            <a:r>
+              <a:rPr lang="de-DE" sz="1400" dirty="0"/>
+              <a:t>End type;</a:t>
+            </a:r>
+          </a:p>
+        </p:txBody>
+      </p:sp>
+      <p:sp>
+        <p:nvSpPr>
+          <p:cNvPr id="31" name="Rechteck 30"/>
+          <p:cNvSpPr/>
+          <p:nvPr/>
+        </p:nvSpPr>
+        <p:spPr>
+          <a:xfrm>
+            <a:off x="3357555" y="4823641"/>
+            <a:ext cx="1459684" cy="836039"/>
+          </a:xfrm>
+          <a:prstGeom prst="rect">
+            <a:avLst/>
+          </a:prstGeom>
+          <a:noFill/>
+        </p:spPr>
+        <p:style>
+          <a:lnRef idx="2">
+            <a:schemeClr val="accent1">
+              <a:shade val="50000"/>
+            </a:schemeClr>
+          </a:lnRef>
+          <a:fillRef idx="1">
+            <a:schemeClr val="accent1"/>
+          </a:fillRef>
+          <a:effectRef idx="0">
+            <a:schemeClr val="accent1"/>
+          </a:effectRef>
+          <a:fontRef idx="minor">
+            <a:schemeClr val="lt1"/>
+          </a:fontRef>
+        </p:style>
+        <p:txBody>
+          <a:bodyPr rtlCol="0" anchor="ctr"/>
+          <a:lstStyle/>
+          <a:p>
+            <a:pPr algn="ctr"/>
+            <a:endParaRPr lang="de-DE"/>
+          </a:p>
+        </p:txBody>
+      </p:sp>
+      <p:cxnSp>
+        <p:nvCxnSpPr>
+          <p:cNvPr id="7" name="Gerade Verbindung mit Pfeil 6"/>
+          <p:cNvCxnSpPr/>
+          <p:nvPr/>
+        </p:nvCxnSpPr>
+        <p:spPr>
+          <a:xfrm flipH="1">
+            <a:off x="5102154" y="3307593"/>
+            <a:ext cx="1236982" cy="1717413"/>
+          </a:xfrm>
+          <a:prstGeom prst="straightConnector1">
+            <a:avLst/>
+          </a:prstGeom>
+          <a:ln>
+            <a:tailEnd type="triangle"/>
+          </a:ln>
+        </p:spPr>
+        <p:style>
+          <a:lnRef idx="2">
+            <a:schemeClr val="accent2"/>
+          </a:lnRef>
+          <a:fillRef idx="0">
+            <a:schemeClr val="accent2"/>
+          </a:fillRef>
+          <a:effectRef idx="1">
+            <a:schemeClr val="accent2"/>
+          </a:effectRef>
+          <a:fontRef idx="minor">
+            <a:schemeClr val="tx1"/>
+          </a:fontRef>
+        </p:style>
+      </p:cxnSp>
+      <p:sp>
+        <p:nvSpPr>
+          <p:cNvPr id="36" name="Textfeld 35"/>
+          <p:cNvSpPr txBox="1"/>
+          <p:nvPr/>
+        </p:nvSpPr>
+        <p:spPr>
+          <a:xfrm rot="18339854">
+            <a:off x="4794195" y="3881325"/>
+            <a:ext cx="1718676" cy="307777"/>
+          </a:xfrm>
+          <a:prstGeom prst="rect">
+            <a:avLst/>
+          </a:prstGeom>
+          <a:noFill/>
+        </p:spPr>
+        <p:txBody>
+          <a:bodyPr wrap="none" rtlCol="0">
+            <a:spAutoFit/>
+          </a:bodyPr>
+          <a:lstStyle/>
+          <a:p>
+            <a:r>
+              <a:rPr lang="de-DE" sz="1400" dirty="0" err="1"/>
+              <a:t>With</a:t>
+            </a:r>
+            <a:r>
+              <a:rPr lang="de-DE" sz="1400" dirty="0"/>
+              <a:t> </a:t>
+            </a:r>
+            <a:r>
+              <a:rPr lang="de-DE" sz="1400" dirty="0" err="1"/>
+              <a:t>ServerLogic.ads</a:t>
+            </a:r>
+            <a:endParaRPr lang="de-DE" sz="1400" dirty="0"/>
+          </a:p>
+        </p:txBody>
+      </p:sp>
+      <p:cxnSp>
+        <p:nvCxnSpPr>
+          <p:cNvPr id="5" name="Gerade Verbindung mit Pfeil 4"/>
+          <p:cNvCxnSpPr/>
+          <p:nvPr/>
+        </p:nvCxnSpPr>
+        <p:spPr>
+          <a:xfrm flipH="1" flipV="1">
+            <a:off x="1921079" y="3162650"/>
+            <a:ext cx="1266591" cy="2130803"/>
+          </a:xfrm>
+          <a:prstGeom prst="straightConnector1">
+            <a:avLst/>
+          </a:prstGeom>
+          <a:ln>
+            <a:prstDash val="sysDash"/>
+            <a:tailEnd type="triangle"/>
+          </a:ln>
+        </p:spPr>
+        <p:style>
+          <a:lnRef idx="2">
+            <a:schemeClr val="accent2"/>
+          </a:lnRef>
+          <a:fillRef idx="0">
+            <a:schemeClr val="accent2"/>
+          </a:fillRef>
+          <a:effectRef idx="1">
+            <a:schemeClr val="accent2"/>
+          </a:effectRef>
+          <a:fontRef idx="minor">
+            <a:schemeClr val="tx1"/>
+          </a:fontRef>
+        </p:style>
+      </p:cxnSp>
+      <p:sp>
+        <p:nvSpPr>
+          <p:cNvPr id="25" name="Textfeld 24"/>
+          <p:cNvSpPr txBox="1"/>
+          <p:nvPr/>
+        </p:nvSpPr>
+        <p:spPr>
+          <a:xfrm rot="3539996">
+            <a:off x="2057194" y="4606022"/>
+            <a:ext cx="1279774" cy="523220"/>
+          </a:xfrm>
+          <a:prstGeom prst="rect">
+            <a:avLst/>
+          </a:prstGeom>
+          <a:noFill/>
+        </p:spPr>
+        <p:txBody>
+          <a:bodyPr wrap="none" rtlCol="0">
+            <a:spAutoFit/>
+          </a:bodyPr>
+          <a:lstStyle/>
+          <a:p>
+            <a:r>
+              <a:rPr lang="de-DE" sz="1400" dirty="0"/>
+              <a:t>Limited </a:t>
+            </a:r>
+            <a:r>
+              <a:rPr lang="de-DE" sz="1400" dirty="0" err="1"/>
+              <a:t>with</a:t>
+            </a:r>
+            <a:r>
+              <a:rPr lang="de-DE" sz="1400" dirty="0"/>
+              <a:t> </a:t>
+            </a:r>
+          </a:p>
+          <a:p>
+            <a:r>
+              <a:rPr lang="de-DE" sz="1400" dirty="0" err="1"/>
+              <a:t>Chatrooms.ads</a:t>
+            </a:r>
+            <a:endParaRPr lang="de-DE" sz="1400" dirty="0"/>
+          </a:p>
+        </p:txBody>
+      </p:sp>
+      <p:sp>
+        <p:nvSpPr>
+          <p:cNvPr id="4" name="Textfeld 3"/>
+          <p:cNvSpPr txBox="1"/>
+          <p:nvPr/>
+        </p:nvSpPr>
+        <p:spPr>
+          <a:xfrm>
+            <a:off x="3233091" y="5778823"/>
+            <a:ext cx="1828706" cy="523220"/>
+          </a:xfrm>
+          <a:prstGeom prst="rect">
+            <a:avLst/>
+          </a:prstGeom>
+          <a:noFill/>
+        </p:spPr>
+        <p:txBody>
+          <a:bodyPr wrap="none" rtlCol="0">
+            <a:spAutoFit/>
+          </a:bodyPr>
+          <a:lstStyle/>
+          <a:p>
+            <a:r>
+              <a:rPr lang="de-DE" sz="1400" dirty="0"/>
+              <a:t>Type </a:t>
+            </a:r>
+            <a:r>
+              <a:rPr lang="de-DE" sz="1400" dirty="0" err="1"/>
+              <a:t>ChatroomPointer</a:t>
+            </a:r>
+            <a:endParaRPr lang="de-DE" sz="1400" dirty="0"/>
+          </a:p>
+          <a:p>
+            <a:r>
+              <a:rPr lang="de-DE" sz="1400" dirty="0"/>
+              <a:t> </a:t>
+            </a:r>
+            <a:r>
+              <a:rPr lang="de-DE" sz="1400" dirty="0" err="1"/>
+              <a:t>is</a:t>
+            </a:r>
+            <a:r>
+              <a:rPr lang="de-DE" sz="1400" dirty="0"/>
+              <a:t> </a:t>
+            </a:r>
+            <a:r>
+              <a:rPr lang="de-DE" sz="1400" dirty="0" err="1"/>
+              <a:t>access</a:t>
+            </a:r>
+            <a:r>
+              <a:rPr lang="de-DE" sz="1400" dirty="0"/>
+              <a:t> Chatroom</a:t>
+            </a:r>
+          </a:p>
+        </p:txBody>
+      </p:sp>
+      <p:sp>
+        <p:nvSpPr>
+          <p:cNvPr id="24" name="Rechteck 23"/>
+          <p:cNvSpPr/>
+          <p:nvPr/>
+        </p:nvSpPr>
+        <p:spPr>
+          <a:xfrm>
+            <a:off x="3317207" y="5778823"/>
+            <a:ext cx="1649076" cy="478625"/>
+          </a:xfrm>
+          <a:prstGeom prst="rect">
+            <a:avLst/>
+          </a:prstGeom>
+          <a:noFill/>
+        </p:spPr>
+        <p:style>
+          <a:lnRef idx="2">
+            <a:schemeClr val="accent1">
+              <a:shade val="50000"/>
+            </a:schemeClr>
+          </a:lnRef>
+          <a:fillRef idx="1">
+            <a:schemeClr val="accent1"/>
+          </a:fillRef>
+          <a:effectRef idx="0">
+            <a:schemeClr val="accent1"/>
+          </a:effectRef>
+          <a:fontRef idx="minor">
+            <a:schemeClr val="lt1"/>
+          </a:fontRef>
+        </p:style>
+        <p:txBody>
+          <a:bodyPr rtlCol="0" anchor="ctr"/>
+          <a:lstStyle/>
+          <a:p>
+            <a:pPr algn="ctr"/>
+            <a:endParaRPr lang="de-DE"/>
+          </a:p>
+        </p:txBody>
+      </p:sp>
+    </p:spTree>
+    <p:extLst>
+      <p:ext uri="{BB962C8B-B14F-4D97-AF65-F5344CB8AC3E}">
+        <p14:creationId xmlns:p14="http://schemas.microsoft.com/office/powerpoint/2010/main" val="3302144505"/>
+      </p:ext>
+    </p:extLst>
+  </p:cSld>
+  <p:clrMapOvr>
+    <a:masterClrMapping/>
+  </p:clrMapOvr>
+</p:sld>
+</file>
+
+<file path=ppt/slides/slide21.xml><?xml version="1.0" encoding="utf-8"?>
+<p:sld xmlns:a="http://schemas.openxmlformats.org/drawingml/2006/main" xmlns:r="http://schemas.openxmlformats.org/officeDocument/2006/relationships" xmlns:p="http://schemas.openxmlformats.org/presentationml/2006/main">
+  <p:cSld>
+    <p:spTree>
+      <p:nvGrpSpPr>
+        <p:cNvPr id="1" name=""/>
+        <p:cNvGrpSpPr/>
+        <p:nvPr/>
+      </p:nvGrpSpPr>
+      <p:grpSpPr>
+        <a:xfrm>
+          <a:off x="0" y="0"/>
+          <a:ext cx="0" cy="0"/>
+          <a:chOff x="0" y="0"/>
+          <a:chExt cx="0" cy="0"/>
+        </a:xfrm>
+      </p:grpSpPr>
+      <p:sp>
+        <p:nvSpPr>
+          <p:cNvPr id="2" name="Titel 1"/>
+          <p:cNvSpPr>
+            <a:spLocks noGrp="1"/>
+          </p:cNvSpPr>
+          <p:nvPr>
+            <p:ph type="title"/>
+          </p:nvPr>
+        </p:nvSpPr>
+        <p:spPr>
+          <a:xfrm>
+            <a:off x="360000" y="1317222"/>
+            <a:ext cx="8246118" cy="569556"/>
+          </a:xfrm>
+        </p:spPr>
+        <p:txBody>
+          <a:bodyPr/>
+          <a:lstStyle/>
+          <a:p>
+            <a:r>
+              <a:rPr lang="de-DE" dirty="0"/>
+              <a:t>Zirkuläre Abhängigkeiten</a:t>
+            </a:r>
+          </a:p>
+        </p:txBody>
+      </p:sp>
+      <p:sp>
+        <p:nvSpPr>
+          <p:cNvPr id="6" name="Rechteck 5"/>
+          <p:cNvSpPr/>
+          <p:nvPr/>
+        </p:nvSpPr>
+        <p:spPr>
+          <a:xfrm>
+            <a:off x="553673" y="2224209"/>
+            <a:ext cx="1744911" cy="2176715"/>
+          </a:xfrm>
+          <a:prstGeom prst="rect">
+            <a:avLst/>
+          </a:prstGeom>
+          <a:noFill/>
+          <a:ln/>
+        </p:spPr>
+        <p:style>
+          <a:lnRef idx="2">
+            <a:schemeClr val="dk1">
+              <a:shade val="50000"/>
+            </a:schemeClr>
+          </a:lnRef>
+          <a:fillRef idx="1">
+            <a:schemeClr val="dk1"/>
+          </a:fillRef>
+          <a:effectRef idx="0">
+            <a:schemeClr val="dk1"/>
+          </a:effectRef>
+          <a:fontRef idx="minor">
+            <a:schemeClr val="lt1"/>
+          </a:fontRef>
+        </p:style>
+        <p:txBody>
+          <a:bodyPr rtlCol="0" anchor="ctr"/>
+          <a:lstStyle/>
+          <a:p>
+            <a:pPr algn="ctr"/>
+            <a:endParaRPr lang="de-DE"/>
+          </a:p>
+        </p:txBody>
+      </p:sp>
+      <p:sp>
+        <p:nvSpPr>
+          <p:cNvPr id="12" name="Textfeld 11"/>
+          <p:cNvSpPr txBox="1"/>
+          <p:nvPr/>
+        </p:nvSpPr>
+        <p:spPr>
+          <a:xfrm>
+            <a:off x="441114" y="1886778"/>
+            <a:ext cx="1593909" cy="369332"/>
+          </a:xfrm>
+          <a:prstGeom prst="rect">
+            <a:avLst/>
+          </a:prstGeom>
+          <a:noFill/>
+        </p:spPr>
+        <p:txBody>
+          <a:bodyPr wrap="square" rtlCol="0">
+            <a:spAutoFit/>
+          </a:bodyPr>
+          <a:lstStyle/>
+          <a:p>
+            <a:r>
+              <a:rPr lang="de-DE" dirty="0" err="1"/>
+              <a:t>Chatrooms.ads</a:t>
+            </a:r>
+            <a:endParaRPr lang="de-DE" dirty="0"/>
+          </a:p>
+        </p:txBody>
+      </p:sp>
+      <p:sp>
+        <p:nvSpPr>
+          <p:cNvPr id="17" name="Rechteck 16"/>
+          <p:cNvSpPr/>
+          <p:nvPr/>
+        </p:nvSpPr>
+        <p:spPr>
+          <a:xfrm>
+            <a:off x="675169" y="2353487"/>
+            <a:ext cx="1459684" cy="738664"/>
+          </a:xfrm>
+          <a:prstGeom prst="rect">
+            <a:avLst/>
+          </a:prstGeom>
+          <a:noFill/>
+        </p:spPr>
+        <p:style>
+          <a:lnRef idx="2">
+            <a:schemeClr val="accent1">
+              <a:shade val="50000"/>
+            </a:schemeClr>
+          </a:lnRef>
+          <a:fillRef idx="1">
+            <a:schemeClr val="accent1"/>
+          </a:fillRef>
+          <a:effectRef idx="0">
+            <a:schemeClr val="accent1"/>
+          </a:effectRef>
+          <a:fontRef idx="minor">
+            <a:schemeClr val="lt1"/>
+          </a:fontRef>
+        </p:style>
+        <p:txBody>
+          <a:bodyPr rtlCol="0" anchor="ctr"/>
+          <a:lstStyle/>
+          <a:p>
+            <a:pPr algn="ctr"/>
+            <a:endParaRPr lang="de-DE"/>
+          </a:p>
+        </p:txBody>
+      </p:sp>
+      <p:sp>
+        <p:nvSpPr>
+          <p:cNvPr id="19" name="Textfeld 18"/>
+          <p:cNvSpPr txBox="1"/>
+          <p:nvPr/>
+        </p:nvSpPr>
+        <p:spPr>
+          <a:xfrm>
+            <a:off x="675169" y="2353486"/>
+            <a:ext cx="1688264" cy="738664"/>
+          </a:xfrm>
+          <a:prstGeom prst="rect">
+            <a:avLst/>
+          </a:prstGeom>
+          <a:noFill/>
+        </p:spPr>
+        <p:txBody>
+          <a:bodyPr wrap="square" rtlCol="0">
+            <a:spAutoFit/>
+          </a:bodyPr>
+          <a:lstStyle/>
+          <a:p>
+            <a:r>
+              <a:rPr lang="de-DE" sz="1400" dirty="0"/>
+              <a:t>Type Chatroom </a:t>
+            </a:r>
+            <a:r>
+              <a:rPr lang="de-DE" sz="1400" dirty="0" err="1"/>
+              <a:t>is</a:t>
+            </a:r>
+            <a:endParaRPr lang="de-DE" sz="1400" dirty="0"/>
+          </a:p>
+          <a:p>
+            <a:r>
+              <a:rPr lang="de-DE" sz="1400" dirty="0"/>
+              <a:t>      - Client</a:t>
+            </a:r>
+          </a:p>
+          <a:p>
+            <a:r>
+              <a:rPr lang="de-DE" sz="1400" dirty="0"/>
+              <a:t>End type;</a:t>
+            </a:r>
+          </a:p>
+        </p:txBody>
+      </p:sp>
+      <p:sp>
+        <p:nvSpPr>
+          <p:cNvPr id="38" name="Rechteck 37"/>
+          <p:cNvSpPr/>
+          <p:nvPr/>
+        </p:nvSpPr>
+        <p:spPr>
+          <a:xfrm>
+            <a:off x="6204911" y="2224209"/>
+            <a:ext cx="2293137" cy="2725658"/>
+          </a:xfrm>
+          <a:prstGeom prst="rect">
+            <a:avLst/>
+          </a:prstGeom>
+          <a:noFill/>
+          <a:ln/>
+        </p:spPr>
+        <p:style>
+          <a:lnRef idx="2">
+            <a:schemeClr val="dk1">
+              <a:shade val="50000"/>
+            </a:schemeClr>
+          </a:lnRef>
+          <a:fillRef idx="1">
+            <a:schemeClr val="dk1"/>
+          </a:fillRef>
+          <a:effectRef idx="0">
+            <a:schemeClr val="dk1"/>
+          </a:effectRef>
+          <a:fontRef idx="minor">
+            <a:schemeClr val="lt1"/>
+          </a:fontRef>
+        </p:style>
+        <p:txBody>
+          <a:bodyPr rtlCol="0" anchor="ctr"/>
+          <a:lstStyle/>
+          <a:p>
+            <a:pPr algn="ctr"/>
+            <a:endParaRPr lang="de-DE"/>
+          </a:p>
+        </p:txBody>
+      </p:sp>
+      <p:sp>
+        <p:nvSpPr>
+          <p:cNvPr id="39" name="Textfeld 38"/>
+          <p:cNvSpPr txBox="1"/>
+          <p:nvPr/>
+        </p:nvSpPr>
+        <p:spPr>
+          <a:xfrm>
+            <a:off x="6105081" y="1886778"/>
+            <a:ext cx="1629569" cy="369332"/>
+          </a:xfrm>
+          <a:prstGeom prst="rect">
+            <a:avLst/>
+          </a:prstGeom>
+          <a:noFill/>
+        </p:spPr>
+        <p:txBody>
+          <a:bodyPr wrap="square" rtlCol="0">
+            <a:spAutoFit/>
+          </a:bodyPr>
+          <a:lstStyle/>
+          <a:p>
+            <a:r>
+              <a:rPr lang="de-DE" dirty="0" err="1"/>
+              <a:t>ServerLogic.ads</a:t>
+            </a:r>
+            <a:endParaRPr lang="de-DE" dirty="0"/>
+          </a:p>
+        </p:txBody>
+      </p:sp>
+      <p:sp>
+        <p:nvSpPr>
+          <p:cNvPr id="40" name="Rechteck 39"/>
+          <p:cNvSpPr/>
+          <p:nvPr/>
+        </p:nvSpPr>
+        <p:spPr>
+          <a:xfrm>
+            <a:off x="6339136" y="2353487"/>
+            <a:ext cx="1459684" cy="954106"/>
+          </a:xfrm>
+          <a:prstGeom prst="rect">
+            <a:avLst/>
+          </a:prstGeom>
+          <a:noFill/>
+        </p:spPr>
+        <p:style>
+          <a:lnRef idx="2">
+            <a:schemeClr val="accent1">
+              <a:shade val="50000"/>
+            </a:schemeClr>
+          </a:lnRef>
+          <a:fillRef idx="1">
+            <a:schemeClr val="accent1"/>
+          </a:fillRef>
+          <a:effectRef idx="0">
+            <a:schemeClr val="accent1"/>
+          </a:effectRef>
+          <a:fontRef idx="minor">
+            <a:schemeClr val="lt1"/>
+          </a:fontRef>
+        </p:style>
+        <p:txBody>
+          <a:bodyPr rtlCol="0" anchor="ctr"/>
+          <a:lstStyle/>
+          <a:p>
+            <a:pPr algn="ctr"/>
+            <a:endParaRPr lang="de-DE"/>
+          </a:p>
+        </p:txBody>
+      </p:sp>
+      <p:sp>
+        <p:nvSpPr>
+          <p:cNvPr id="41" name="Textfeld 40"/>
+          <p:cNvSpPr txBox="1"/>
+          <p:nvPr/>
+        </p:nvSpPr>
+        <p:spPr>
+          <a:xfrm>
+            <a:off x="6339136" y="2353486"/>
+            <a:ext cx="1688264" cy="954107"/>
+          </a:xfrm>
+          <a:prstGeom prst="rect">
+            <a:avLst/>
+          </a:prstGeom>
+          <a:noFill/>
+        </p:spPr>
+        <p:txBody>
+          <a:bodyPr wrap="square" rtlCol="0">
+            <a:spAutoFit/>
+          </a:bodyPr>
+          <a:lstStyle/>
+          <a:p>
+            <a:r>
+              <a:rPr lang="de-DE" sz="1400" dirty="0"/>
+              <a:t>Type Server </a:t>
+            </a:r>
+            <a:r>
+              <a:rPr lang="de-DE" sz="1400" dirty="0" err="1"/>
+              <a:t>is</a:t>
+            </a:r>
+            <a:endParaRPr lang="de-DE" sz="1400" dirty="0"/>
+          </a:p>
+          <a:p>
+            <a:r>
+              <a:rPr lang="de-DE" sz="1400" dirty="0"/>
+              <a:t>      - Client</a:t>
+            </a:r>
+          </a:p>
+          <a:p>
+            <a:r>
+              <a:rPr lang="de-DE" sz="1400" dirty="0"/>
+              <a:t>      - Chatroom</a:t>
+            </a:r>
+          </a:p>
+          <a:p>
+            <a:r>
+              <a:rPr lang="de-DE" sz="1400" dirty="0"/>
+              <a:t>End type;</a:t>
+            </a:r>
+          </a:p>
+        </p:txBody>
+      </p:sp>
+      <p:cxnSp>
+        <p:nvCxnSpPr>
+          <p:cNvPr id="2069" name="Gerade Verbindung mit Pfeil 2068"/>
+          <p:cNvCxnSpPr/>
+          <p:nvPr/>
+        </p:nvCxnSpPr>
+        <p:spPr>
+          <a:xfrm>
+            <a:off x="2134853" y="2995232"/>
+            <a:ext cx="1222702" cy="2123715"/>
+          </a:xfrm>
+          <a:prstGeom prst="straightConnector1">
+            <a:avLst/>
+          </a:prstGeom>
+          <a:ln>
+            <a:tailEnd type="triangle"/>
+          </a:ln>
+        </p:spPr>
+        <p:style>
+          <a:lnRef idx="2">
+            <a:schemeClr val="accent2"/>
+          </a:lnRef>
+          <a:fillRef idx="0">
+            <a:schemeClr val="accent2"/>
+          </a:fillRef>
+          <a:effectRef idx="1">
+            <a:schemeClr val="accent2"/>
+          </a:effectRef>
+          <a:fontRef idx="minor">
+            <a:schemeClr val="tx1"/>
+          </a:fontRef>
+        </p:style>
+      </p:cxnSp>
+      <p:cxnSp>
+        <p:nvCxnSpPr>
+          <p:cNvPr id="2071" name="Gerade Verbindung mit Pfeil 2070"/>
+          <p:cNvCxnSpPr>
+            <a:stCxn id="41" idx="1"/>
+          </p:cNvCxnSpPr>
+          <p:nvPr/>
+        </p:nvCxnSpPr>
+        <p:spPr>
+          <a:xfrm flipH="1" flipV="1">
+            <a:off x="2134853" y="2810675"/>
+            <a:ext cx="4204283" cy="19865"/>
+          </a:xfrm>
+          <a:prstGeom prst="straightConnector1">
+            <a:avLst/>
+          </a:prstGeom>
+          <a:ln>
+            <a:tailEnd type="triangle"/>
+          </a:ln>
+        </p:spPr>
+        <p:style>
+          <a:lnRef idx="2">
+            <a:schemeClr val="accent2"/>
+          </a:lnRef>
+          <a:fillRef idx="0">
+            <a:schemeClr val="accent2"/>
+          </a:fillRef>
+          <a:effectRef idx="1">
+            <a:schemeClr val="accent2"/>
+          </a:effectRef>
+          <a:fontRef idx="minor">
+            <a:schemeClr val="tx1"/>
+          </a:fontRef>
+        </p:style>
+      </p:cxnSp>
+      <p:sp>
+        <p:nvSpPr>
+          <p:cNvPr id="3" name="Textfeld 2"/>
+          <p:cNvSpPr txBox="1"/>
+          <p:nvPr/>
+        </p:nvSpPr>
+        <p:spPr>
+          <a:xfrm rot="3596617">
+            <a:off x="2154106" y="3862159"/>
+            <a:ext cx="1372427" cy="307777"/>
+          </a:xfrm>
+          <a:prstGeom prst="rect">
+            <a:avLst/>
+          </a:prstGeom>
+          <a:noFill/>
+        </p:spPr>
+        <p:txBody>
+          <a:bodyPr wrap="none" rtlCol="0">
+            <a:spAutoFit/>
+          </a:bodyPr>
+          <a:lstStyle/>
+          <a:p>
+            <a:r>
+              <a:rPr lang="de-DE" sz="1400" dirty="0" err="1"/>
+              <a:t>With</a:t>
+            </a:r>
+            <a:r>
+              <a:rPr lang="de-DE" sz="1400" dirty="0"/>
+              <a:t> </a:t>
+            </a:r>
+            <a:r>
+              <a:rPr lang="de-DE" sz="1400" dirty="0" err="1"/>
+              <a:t>Clients.ads</a:t>
+            </a:r>
+            <a:endParaRPr lang="de-DE" sz="1400" dirty="0"/>
+          </a:p>
+        </p:txBody>
+      </p:sp>
+      <p:sp>
+        <p:nvSpPr>
+          <p:cNvPr id="20" name="Textfeld 19"/>
+          <p:cNvSpPr txBox="1"/>
+          <p:nvPr/>
+        </p:nvSpPr>
+        <p:spPr>
+          <a:xfrm>
+            <a:off x="3424834" y="2527910"/>
+            <a:ext cx="1677319" cy="307777"/>
+          </a:xfrm>
+          <a:prstGeom prst="rect">
+            <a:avLst/>
+          </a:prstGeom>
+          <a:noFill/>
+        </p:spPr>
+        <p:txBody>
+          <a:bodyPr wrap="none" rtlCol="0">
+            <a:spAutoFit/>
+          </a:bodyPr>
+          <a:lstStyle/>
+          <a:p>
+            <a:r>
+              <a:rPr lang="de-DE" sz="1400" dirty="0" err="1"/>
+              <a:t>With</a:t>
+            </a:r>
+            <a:r>
+              <a:rPr lang="de-DE" sz="1400" dirty="0"/>
+              <a:t> </a:t>
+            </a:r>
+            <a:r>
+              <a:rPr lang="de-DE" sz="1400" dirty="0" err="1"/>
+              <a:t>Chatrooms.ads</a:t>
+            </a:r>
+            <a:endParaRPr lang="de-DE" sz="1400" dirty="0"/>
+          </a:p>
+        </p:txBody>
+      </p:sp>
+      <p:sp>
+        <p:nvSpPr>
+          <p:cNvPr id="27" name="Rechteck 26"/>
+          <p:cNvSpPr/>
+          <p:nvPr/>
+        </p:nvSpPr>
+        <p:spPr>
+          <a:xfrm>
+            <a:off x="3257489" y="4726264"/>
+            <a:ext cx="1779911" cy="1662076"/>
+          </a:xfrm>
+          <a:prstGeom prst="rect">
+            <a:avLst/>
+          </a:prstGeom>
+          <a:noFill/>
+          <a:ln/>
+        </p:spPr>
+        <p:style>
+          <a:lnRef idx="2">
+            <a:schemeClr val="dk1">
+              <a:shade val="50000"/>
+            </a:schemeClr>
+          </a:lnRef>
+          <a:fillRef idx="1">
+            <a:schemeClr val="dk1"/>
+          </a:fillRef>
+          <a:effectRef idx="0">
+            <a:schemeClr val="dk1"/>
+          </a:effectRef>
+          <a:fontRef idx="minor">
+            <a:schemeClr val="lt1"/>
+          </a:fontRef>
+        </p:style>
+        <p:txBody>
+          <a:bodyPr rtlCol="0" anchor="ctr"/>
+          <a:lstStyle/>
+          <a:p>
+            <a:pPr algn="ctr"/>
+            <a:endParaRPr lang="de-DE"/>
+          </a:p>
+        </p:txBody>
+      </p:sp>
+      <p:sp>
+        <p:nvSpPr>
+          <p:cNvPr id="28" name="Textfeld 27"/>
+          <p:cNvSpPr txBox="1"/>
+          <p:nvPr/>
+        </p:nvSpPr>
+        <p:spPr>
+          <a:xfrm>
+            <a:off x="3187670" y="4400924"/>
+            <a:ext cx="1629569" cy="369332"/>
+          </a:xfrm>
+          <a:prstGeom prst="rect">
+            <a:avLst/>
+          </a:prstGeom>
+          <a:noFill/>
+        </p:spPr>
+        <p:txBody>
+          <a:bodyPr wrap="square" rtlCol="0">
+            <a:spAutoFit/>
+          </a:bodyPr>
+          <a:lstStyle/>
+          <a:p>
+            <a:r>
+              <a:rPr lang="de-DE" dirty="0" err="1"/>
+              <a:t>Clients.ads</a:t>
+            </a:r>
+            <a:endParaRPr lang="de-DE" dirty="0"/>
+          </a:p>
+        </p:txBody>
+      </p:sp>
+      <p:sp>
+        <p:nvSpPr>
+          <p:cNvPr id="29" name="Textfeld 28"/>
+          <p:cNvSpPr txBox="1"/>
+          <p:nvPr/>
+        </p:nvSpPr>
+        <p:spPr>
+          <a:xfrm>
+            <a:off x="3349136" y="4823640"/>
+            <a:ext cx="1688264" cy="738664"/>
+          </a:xfrm>
+          <a:prstGeom prst="rect">
+            <a:avLst/>
+          </a:prstGeom>
+          <a:noFill/>
+        </p:spPr>
+        <p:txBody>
+          <a:bodyPr wrap="square" rtlCol="0">
+            <a:spAutoFit/>
+          </a:bodyPr>
+          <a:lstStyle/>
+          <a:p>
+            <a:r>
+              <a:rPr lang="de-DE" sz="1400" dirty="0"/>
+              <a:t>Type Client </a:t>
+            </a:r>
+            <a:r>
+              <a:rPr lang="de-DE" sz="1400" dirty="0" err="1"/>
+              <a:t>is</a:t>
+            </a:r>
+            <a:endParaRPr lang="de-DE" sz="1400" dirty="0"/>
+          </a:p>
+          <a:p>
+            <a:r>
+              <a:rPr lang="de-DE" sz="1400" dirty="0"/>
+              <a:t>      -</a:t>
+            </a:r>
+            <a:r>
+              <a:rPr lang="de-DE" sz="1400" dirty="0">
+                <a:solidFill>
+                  <a:srgbClr val="FF0000"/>
+                </a:solidFill>
+              </a:rPr>
+              <a:t> </a:t>
+            </a:r>
+            <a:r>
+              <a:rPr lang="de-DE" sz="1400" dirty="0" err="1"/>
+              <a:t>ChatroomPtr</a:t>
+            </a:r>
+            <a:endParaRPr lang="de-DE" sz="1400" dirty="0"/>
+          </a:p>
+          <a:p>
+            <a:r>
+              <a:rPr lang="de-DE" sz="1400" dirty="0"/>
+              <a:t>End type;</a:t>
+            </a:r>
+          </a:p>
+        </p:txBody>
+      </p:sp>
+      <p:sp>
+        <p:nvSpPr>
+          <p:cNvPr id="31" name="Rechteck 30"/>
+          <p:cNvSpPr/>
+          <p:nvPr/>
+        </p:nvSpPr>
+        <p:spPr>
+          <a:xfrm>
+            <a:off x="3357555" y="4823641"/>
+            <a:ext cx="1459684" cy="836039"/>
+          </a:xfrm>
+          <a:prstGeom prst="rect">
+            <a:avLst/>
+          </a:prstGeom>
+          <a:noFill/>
+        </p:spPr>
+        <p:style>
+          <a:lnRef idx="2">
+            <a:schemeClr val="accent1">
+              <a:shade val="50000"/>
+            </a:schemeClr>
+          </a:lnRef>
+          <a:fillRef idx="1">
+            <a:schemeClr val="accent1"/>
+          </a:fillRef>
+          <a:effectRef idx="0">
+            <a:schemeClr val="accent1"/>
+          </a:effectRef>
+          <a:fontRef idx="minor">
+            <a:schemeClr val="lt1"/>
+          </a:fontRef>
+        </p:style>
+        <p:txBody>
+          <a:bodyPr rtlCol="0" anchor="ctr"/>
+          <a:lstStyle/>
+          <a:p>
+            <a:pPr algn="ctr"/>
+            <a:endParaRPr lang="de-DE"/>
+          </a:p>
+        </p:txBody>
+      </p:sp>
+      <p:cxnSp>
+        <p:nvCxnSpPr>
+          <p:cNvPr id="7" name="Gerade Verbindung mit Pfeil 6"/>
+          <p:cNvCxnSpPr/>
+          <p:nvPr/>
+        </p:nvCxnSpPr>
+        <p:spPr>
+          <a:xfrm flipH="1">
+            <a:off x="5102154" y="3307593"/>
+            <a:ext cx="1236982" cy="1717413"/>
+          </a:xfrm>
+          <a:prstGeom prst="straightConnector1">
+            <a:avLst/>
+          </a:prstGeom>
+          <a:ln>
+            <a:tailEnd type="triangle"/>
+          </a:ln>
+        </p:spPr>
+        <p:style>
+          <a:lnRef idx="2">
+            <a:schemeClr val="accent2"/>
+          </a:lnRef>
+          <a:fillRef idx="0">
+            <a:schemeClr val="accent2"/>
+          </a:fillRef>
+          <a:effectRef idx="1">
+            <a:schemeClr val="accent2"/>
+          </a:effectRef>
+          <a:fontRef idx="minor">
+            <a:schemeClr val="tx1"/>
+          </a:fontRef>
+        </p:style>
+      </p:cxnSp>
+      <p:sp>
+        <p:nvSpPr>
+          <p:cNvPr id="36" name="Textfeld 35"/>
+          <p:cNvSpPr txBox="1"/>
+          <p:nvPr/>
+        </p:nvSpPr>
+        <p:spPr>
+          <a:xfrm rot="18339854">
+            <a:off x="4794195" y="3881325"/>
+            <a:ext cx="1718676" cy="307777"/>
+          </a:xfrm>
+          <a:prstGeom prst="rect">
+            <a:avLst/>
+          </a:prstGeom>
+          <a:noFill/>
+        </p:spPr>
+        <p:txBody>
+          <a:bodyPr wrap="none" rtlCol="0">
+            <a:spAutoFit/>
+          </a:bodyPr>
+          <a:lstStyle/>
+          <a:p>
+            <a:r>
+              <a:rPr lang="de-DE" sz="1400" dirty="0" err="1"/>
+              <a:t>With</a:t>
+            </a:r>
+            <a:r>
+              <a:rPr lang="de-DE" sz="1400" dirty="0"/>
+              <a:t> </a:t>
+            </a:r>
+            <a:r>
+              <a:rPr lang="de-DE" sz="1400" dirty="0" err="1"/>
+              <a:t>ServerLogic.ads</a:t>
+            </a:r>
+            <a:endParaRPr lang="de-DE" sz="1400" dirty="0"/>
+          </a:p>
+        </p:txBody>
+      </p:sp>
+      <p:cxnSp>
+        <p:nvCxnSpPr>
+          <p:cNvPr id="5" name="Gerade Verbindung mit Pfeil 4"/>
+          <p:cNvCxnSpPr/>
+          <p:nvPr/>
+        </p:nvCxnSpPr>
+        <p:spPr>
+          <a:xfrm flipH="1" flipV="1">
+            <a:off x="1921079" y="3162650"/>
+            <a:ext cx="1266591" cy="2130803"/>
+          </a:xfrm>
+          <a:prstGeom prst="straightConnector1">
+            <a:avLst/>
+          </a:prstGeom>
+          <a:ln>
+            <a:prstDash val="sysDash"/>
+            <a:tailEnd type="triangle"/>
+          </a:ln>
+        </p:spPr>
+        <p:style>
+          <a:lnRef idx="2">
+            <a:schemeClr val="accent2"/>
+          </a:lnRef>
+          <a:fillRef idx="0">
+            <a:schemeClr val="accent2"/>
+          </a:fillRef>
+          <a:effectRef idx="1">
+            <a:schemeClr val="accent2"/>
+          </a:effectRef>
+          <a:fontRef idx="minor">
+            <a:schemeClr val="tx1"/>
+          </a:fontRef>
+        </p:style>
+      </p:cxnSp>
+      <p:sp>
+        <p:nvSpPr>
+          <p:cNvPr id="25" name="Textfeld 24"/>
+          <p:cNvSpPr txBox="1"/>
+          <p:nvPr/>
+        </p:nvSpPr>
+        <p:spPr>
+          <a:xfrm rot="3539996">
+            <a:off x="2057194" y="4606022"/>
+            <a:ext cx="1279774" cy="523220"/>
+          </a:xfrm>
+          <a:prstGeom prst="rect">
+            <a:avLst/>
+          </a:prstGeom>
+          <a:noFill/>
+        </p:spPr>
+        <p:txBody>
+          <a:bodyPr wrap="none" rtlCol="0">
+            <a:spAutoFit/>
+          </a:bodyPr>
+          <a:lstStyle/>
+          <a:p>
+            <a:r>
+              <a:rPr lang="de-DE" sz="1400" dirty="0"/>
+              <a:t>Limited </a:t>
+            </a:r>
+            <a:r>
+              <a:rPr lang="de-DE" sz="1400" dirty="0" err="1"/>
+              <a:t>with</a:t>
+            </a:r>
+            <a:r>
+              <a:rPr lang="de-DE" sz="1400" dirty="0"/>
+              <a:t> </a:t>
+            </a:r>
+          </a:p>
+          <a:p>
+            <a:r>
+              <a:rPr lang="de-DE" sz="1400" dirty="0" err="1"/>
+              <a:t>Chatrooms.ads</a:t>
+            </a:r>
+            <a:endParaRPr lang="de-DE" sz="1400" dirty="0"/>
+          </a:p>
+        </p:txBody>
+      </p:sp>
+      <p:sp>
+        <p:nvSpPr>
+          <p:cNvPr id="4" name="Textfeld 3"/>
+          <p:cNvSpPr txBox="1"/>
+          <p:nvPr/>
+        </p:nvSpPr>
+        <p:spPr>
+          <a:xfrm>
+            <a:off x="3233091" y="5778823"/>
+            <a:ext cx="1828706" cy="523220"/>
+          </a:xfrm>
+          <a:prstGeom prst="rect">
+            <a:avLst/>
+          </a:prstGeom>
+          <a:noFill/>
+        </p:spPr>
+        <p:txBody>
+          <a:bodyPr wrap="none" rtlCol="0">
+            <a:spAutoFit/>
+          </a:bodyPr>
+          <a:lstStyle/>
+          <a:p>
+            <a:r>
+              <a:rPr lang="de-DE" sz="1400" dirty="0"/>
+              <a:t>Type </a:t>
+            </a:r>
+            <a:r>
+              <a:rPr lang="de-DE" sz="1400" dirty="0" err="1"/>
+              <a:t>ChatroomPointer</a:t>
+            </a:r>
+            <a:endParaRPr lang="de-DE" sz="1400" dirty="0"/>
+          </a:p>
+          <a:p>
+            <a:r>
+              <a:rPr lang="de-DE" sz="1400" dirty="0"/>
+              <a:t> </a:t>
+            </a:r>
+            <a:r>
+              <a:rPr lang="de-DE" sz="1400" dirty="0" err="1"/>
+              <a:t>is</a:t>
+            </a:r>
+            <a:r>
+              <a:rPr lang="de-DE" sz="1400" dirty="0"/>
+              <a:t> </a:t>
+            </a:r>
+            <a:r>
+              <a:rPr lang="de-DE" sz="1400" dirty="0" err="1"/>
+              <a:t>access</a:t>
+            </a:r>
+            <a:r>
+              <a:rPr lang="de-DE" sz="1400" dirty="0"/>
+              <a:t> Chatroom</a:t>
+            </a:r>
+          </a:p>
+        </p:txBody>
+      </p:sp>
+      <p:sp>
+        <p:nvSpPr>
+          <p:cNvPr id="24" name="Rechteck 23"/>
+          <p:cNvSpPr/>
+          <p:nvPr/>
+        </p:nvSpPr>
+        <p:spPr>
+          <a:xfrm>
+            <a:off x="3317207" y="5778823"/>
+            <a:ext cx="1649076" cy="478625"/>
+          </a:xfrm>
+          <a:prstGeom prst="rect">
+            <a:avLst/>
+          </a:prstGeom>
+          <a:noFill/>
+        </p:spPr>
+        <p:style>
+          <a:lnRef idx="2">
+            <a:schemeClr val="accent1">
+              <a:shade val="50000"/>
+            </a:schemeClr>
+          </a:lnRef>
+          <a:fillRef idx="1">
+            <a:schemeClr val="accent1"/>
+          </a:fillRef>
+          <a:effectRef idx="0">
+            <a:schemeClr val="accent1"/>
+          </a:effectRef>
+          <a:fontRef idx="minor">
+            <a:schemeClr val="lt1"/>
+          </a:fontRef>
+        </p:style>
+        <p:txBody>
+          <a:bodyPr rtlCol="0" anchor="ctr"/>
+          <a:lstStyle/>
+          <a:p>
+            <a:pPr algn="ctr"/>
+            <a:endParaRPr lang="de-DE"/>
+          </a:p>
+        </p:txBody>
+      </p:sp>
+    </p:spTree>
+    <p:extLst>
+      <p:ext uri="{BB962C8B-B14F-4D97-AF65-F5344CB8AC3E}">
+        <p14:creationId xmlns:p14="http://schemas.microsoft.com/office/powerpoint/2010/main" val="3805318814"/>
       </p:ext>
     </p:extLst>
   </p:cSld>
@@ -12405,34 +13303,487 @@
           <a:p>
             <a:r>
               <a:rPr lang="de-DE" dirty="0"/>
-              <a:t>Anwendungspräsentation</a:t>
-            </a:r>
-          </a:p>
-        </p:txBody>
-      </p:sp>
-      <p:sp>
-        <p:nvSpPr>
-          <p:cNvPr id="3" name="Inhaltsplatzhalter 2"/>
+              <a:t>Implementierungslogik – anderes Wort finden</a:t>
+            </a:r>
+          </a:p>
+        </p:txBody>
+      </p:sp>
+      <p:sp>
+        <p:nvSpPr>
+          <p:cNvPr id="31" name="Textfeld 30"/>
+          <p:cNvSpPr txBox="1"/>
+          <p:nvPr/>
+        </p:nvSpPr>
+        <p:spPr>
+          <a:xfrm>
+            <a:off x="-9100" y="3558682"/>
+            <a:ext cx="1396536" cy="369332"/>
+          </a:xfrm>
+          <a:prstGeom prst="rect">
+            <a:avLst/>
+          </a:prstGeom>
+          <a:noFill/>
+        </p:spPr>
+        <p:txBody>
+          <a:bodyPr wrap="none" rtlCol="0">
+            <a:spAutoFit/>
+          </a:bodyPr>
+          <a:lstStyle/>
+          <a:p>
+            <a:r>
+              <a:rPr lang="de-DE" dirty="0"/>
+              <a:t>Client startet</a:t>
+            </a:r>
+          </a:p>
+        </p:txBody>
+      </p:sp>
+      <p:pic>
+        <p:nvPicPr>
+          <p:cNvPr id="2061" name="Grafik 2060"/>
+          <p:cNvPicPr>
+            <a:picLocks noChangeAspect="1"/>
+          </p:cNvPicPr>
+          <p:nvPr/>
+        </p:nvPicPr>
+        <p:blipFill>
+          <a:blip r:embed="rId3" cstate="print">
+            <a:extLst>
+              <a:ext uri="{28A0092B-C50C-407E-A947-70E740481C1C}">
+                <a14:useLocalDpi xmlns:a14="http://schemas.microsoft.com/office/drawing/2010/main" val="0"/>
+              </a:ext>
+            </a:extLst>
+          </a:blip>
+          <a:stretch>
+            <a:fillRect/>
+          </a:stretch>
+        </p:blipFill>
+        <p:spPr>
+          <a:xfrm>
+            <a:off x="2170434" y="2623310"/>
+            <a:ext cx="2183665" cy="3287628"/>
+          </a:xfrm>
+          <a:prstGeom prst="rect">
+            <a:avLst/>
+          </a:prstGeom>
+        </p:spPr>
+      </p:pic>
+      <p:pic>
+        <p:nvPicPr>
+          <p:cNvPr id="89" name="Picture 2" descr="https://image.freepik.com/free-icon/envelope-rectangular-outline-variant_318-46239.jpg"/>
+          <p:cNvPicPr>
+            <a:picLocks noChangeAspect="1" noChangeArrowheads="1"/>
+          </p:cNvPicPr>
+          <p:nvPr/>
+        </p:nvPicPr>
+        <p:blipFill>
+          <a:blip r:embed="rId4" cstate="print">
+            <a:extLst>
+              <a:ext uri="{28A0092B-C50C-407E-A947-70E740481C1C}">
+                <a14:useLocalDpi xmlns:a14="http://schemas.microsoft.com/office/drawing/2010/main" val="0"/>
+              </a:ext>
+            </a:extLst>
+          </a:blip>
+          <a:srcRect/>
+          <a:stretch>
+            <a:fillRect/>
+          </a:stretch>
+        </p:blipFill>
+        <p:spPr bwMode="auto">
+          <a:xfrm>
+            <a:off x="5179180" y="3263074"/>
+            <a:ext cx="375444" cy="375444"/>
+          </a:xfrm>
+          <a:prstGeom prst="rect">
+            <a:avLst/>
+          </a:prstGeom>
+          <a:noFill/>
+          <a:extLst>
+            <a:ext uri="{909E8E84-426E-40DD-AFC4-6F175D3DCCD1}">
+              <a14:hiddenFill xmlns:a14="http://schemas.microsoft.com/office/drawing/2010/main">
+                <a:solidFill>
+                  <a:srgbClr val="FFFFFF"/>
+                </a:solidFill>
+              </a14:hiddenFill>
+            </a:ext>
+          </a:extLst>
+        </p:spPr>
+      </p:pic>
+      <p:pic>
+        <p:nvPicPr>
+          <p:cNvPr id="90" name="Picture 2" descr="https://image.freepik.com/free-icon/envelope-rectangular-outline-variant_318-46239.jpg"/>
+          <p:cNvPicPr>
+            <a:picLocks noChangeAspect="1" noChangeArrowheads="1"/>
+          </p:cNvPicPr>
+          <p:nvPr/>
+        </p:nvPicPr>
+        <p:blipFill>
+          <a:blip r:embed="rId4" cstate="print">
+            <a:extLst>
+              <a:ext uri="{28A0092B-C50C-407E-A947-70E740481C1C}">
+                <a14:useLocalDpi xmlns:a14="http://schemas.microsoft.com/office/drawing/2010/main" val="0"/>
+              </a:ext>
+            </a:extLst>
+          </a:blip>
+          <a:srcRect/>
+          <a:stretch>
+            <a:fillRect/>
+          </a:stretch>
+        </p:blipFill>
+        <p:spPr bwMode="auto">
+          <a:xfrm>
+            <a:off x="5179180" y="3653553"/>
+            <a:ext cx="375444" cy="375444"/>
+          </a:xfrm>
+          <a:prstGeom prst="rect">
+            <a:avLst/>
+          </a:prstGeom>
+          <a:noFill/>
+          <a:extLst>
+            <a:ext uri="{909E8E84-426E-40DD-AFC4-6F175D3DCCD1}">
+              <a14:hiddenFill xmlns:a14="http://schemas.microsoft.com/office/drawing/2010/main">
+                <a:solidFill>
+                  <a:srgbClr val="FFFFFF"/>
+                </a:solidFill>
+              </a14:hiddenFill>
+            </a:ext>
+          </a:extLst>
+        </p:spPr>
+      </p:pic>
+      <p:sp>
+        <p:nvSpPr>
+          <p:cNvPr id="91" name="Line 43"/>
           <p:cNvSpPr>
-            <a:spLocks noGrp="1"/>
+            <a:spLocks noChangeShapeType="1"/>
           </p:cNvSpPr>
-          <p:nvPr>
-            <p:ph idx="1"/>
-          </p:nvPr>
-        </p:nvSpPr>
-        <p:spPr/>
-        <p:txBody>
-          <a:bodyPr/>
-          <a:lstStyle/>
-          <a:p>
-            <a:endParaRPr lang="de-DE" dirty="0"/>
-          </a:p>
-        </p:txBody>
-      </p:sp>
+          <p:nvPr/>
+        </p:nvSpPr>
+        <p:spPr bwMode="auto">
+          <a:xfrm>
+            <a:off x="5092893" y="3655729"/>
+            <a:ext cx="181930" cy="0"/>
+          </a:xfrm>
+          <a:prstGeom prst="line">
+            <a:avLst/>
+          </a:prstGeom>
+          <a:noFill/>
+          <a:ln w="28575">
+            <a:solidFill>
+              <a:schemeClr val="tx1"/>
+            </a:solidFill>
+            <a:round/>
+            <a:headEnd/>
+            <a:tailEnd type="triangle" w="med" len="med"/>
+          </a:ln>
+          <a:extLst>
+            <a:ext uri="{909E8E84-426E-40DD-AFC4-6F175D3DCCD1}">
+              <a14:hiddenFill xmlns:a14="http://schemas.microsoft.com/office/drawing/2010/main">
+                <a:noFill/>
+              </a14:hiddenFill>
+            </a:ext>
+          </a:extLst>
+        </p:spPr>
+        <p:txBody>
+          <a:bodyPr lIns="82124" tIns="41061" rIns="82124" bIns="41061"/>
+          <a:lstStyle/>
+          <a:p>
+            <a:endParaRPr lang="de-DE"/>
+          </a:p>
+        </p:txBody>
+      </p:sp>
+      <p:sp>
+        <p:nvSpPr>
+          <p:cNvPr id="92" name="Line 43"/>
+          <p:cNvSpPr>
+            <a:spLocks noChangeShapeType="1"/>
+          </p:cNvSpPr>
+          <p:nvPr/>
+        </p:nvSpPr>
+        <p:spPr bwMode="auto">
+          <a:xfrm flipH="1">
+            <a:off x="5083536" y="3263074"/>
+            <a:ext cx="191287" cy="0"/>
+          </a:xfrm>
+          <a:prstGeom prst="line">
+            <a:avLst/>
+          </a:prstGeom>
+          <a:noFill/>
+          <a:ln w="28575">
+            <a:solidFill>
+              <a:schemeClr val="tx1"/>
+            </a:solidFill>
+            <a:round/>
+            <a:headEnd/>
+            <a:tailEnd type="triangle" w="med" len="med"/>
+          </a:ln>
+          <a:extLst>
+            <a:ext uri="{909E8E84-426E-40DD-AFC4-6F175D3DCCD1}">
+              <a14:hiddenFill xmlns:a14="http://schemas.microsoft.com/office/drawing/2010/main">
+                <a:noFill/>
+              </a14:hiddenFill>
+            </a:ext>
+          </a:extLst>
+        </p:spPr>
+        <p:txBody>
+          <a:bodyPr lIns="82124" tIns="41061" rIns="82124" bIns="41061"/>
+          <a:lstStyle/>
+          <a:p>
+            <a:endParaRPr lang="de-DE"/>
+          </a:p>
+        </p:txBody>
+      </p:sp>
+      <p:sp>
+        <p:nvSpPr>
+          <p:cNvPr id="103" name="Pfeil nach rechts 102"/>
+          <p:cNvSpPr/>
+          <p:nvPr/>
+        </p:nvSpPr>
+        <p:spPr>
+          <a:xfrm>
+            <a:off x="1543863" y="3944345"/>
+            <a:ext cx="488258" cy="314381"/>
+          </a:xfrm>
+          <a:prstGeom prst="rightArrow">
+            <a:avLst/>
+          </a:prstGeom>
+        </p:spPr>
+        <p:style>
+          <a:lnRef idx="2">
+            <a:schemeClr val="dk1">
+              <a:shade val="50000"/>
+            </a:schemeClr>
+          </a:lnRef>
+          <a:fillRef idx="1">
+            <a:schemeClr val="dk1"/>
+          </a:fillRef>
+          <a:effectRef idx="0">
+            <a:schemeClr val="dk1"/>
+          </a:effectRef>
+          <a:fontRef idx="minor">
+            <a:schemeClr val="lt1"/>
+          </a:fontRef>
+        </p:style>
+        <p:txBody>
+          <a:bodyPr rtlCol="0" anchor="ctr"/>
+          <a:lstStyle/>
+          <a:p>
+            <a:pPr algn="ctr"/>
+            <a:endParaRPr lang="de-DE"/>
+          </a:p>
+        </p:txBody>
+      </p:sp>
+      <p:sp>
+        <p:nvSpPr>
+          <p:cNvPr id="104" name="Textfeld 103"/>
+          <p:cNvSpPr txBox="1"/>
+          <p:nvPr/>
+        </p:nvSpPr>
+        <p:spPr>
+          <a:xfrm>
+            <a:off x="2032121" y="2168622"/>
+            <a:ext cx="2654509" cy="369332"/>
+          </a:xfrm>
+          <a:prstGeom prst="rect">
+            <a:avLst/>
+          </a:prstGeom>
+          <a:noFill/>
+        </p:spPr>
+        <p:txBody>
+          <a:bodyPr wrap="none" rtlCol="0">
+            <a:spAutoFit/>
+          </a:bodyPr>
+          <a:lstStyle/>
+          <a:p>
+            <a:r>
+              <a:rPr lang="de-DE" dirty="0"/>
+              <a:t>Nur ein Main-Task läuft an</a:t>
+            </a:r>
+          </a:p>
+        </p:txBody>
+      </p:sp>
+      <p:pic>
+        <p:nvPicPr>
+          <p:cNvPr id="114" name="Picture 2" descr="https://image.freepik.com/free-icon/envelope-rectangular-outline-variant_318-46239.jpg"/>
+          <p:cNvPicPr>
+            <a:picLocks noChangeAspect="1" noChangeArrowheads="1"/>
+          </p:cNvPicPr>
+          <p:nvPr/>
+        </p:nvPicPr>
+        <p:blipFill>
+          <a:blip r:embed="rId4" cstate="print">
+            <a:extLst>
+              <a:ext uri="{28A0092B-C50C-407E-A947-70E740481C1C}">
+                <a14:useLocalDpi xmlns:a14="http://schemas.microsoft.com/office/drawing/2010/main" val="0"/>
+              </a:ext>
+            </a:extLst>
+          </a:blip>
+          <a:srcRect/>
+          <a:stretch>
+            <a:fillRect/>
+          </a:stretch>
+        </p:blipFill>
+        <p:spPr bwMode="auto">
+          <a:xfrm>
+            <a:off x="4598901" y="3261988"/>
+            <a:ext cx="375444" cy="375444"/>
+          </a:xfrm>
+          <a:prstGeom prst="rect">
+            <a:avLst/>
+          </a:prstGeom>
+          <a:noFill/>
+          <a:extLst>
+            <a:ext uri="{909E8E84-426E-40DD-AFC4-6F175D3DCCD1}">
+              <a14:hiddenFill xmlns:a14="http://schemas.microsoft.com/office/drawing/2010/main">
+                <a:solidFill>
+                  <a:srgbClr val="FFFFFF"/>
+                </a:solidFill>
+              </a14:hiddenFill>
+            </a:ext>
+          </a:extLst>
+        </p:spPr>
+      </p:pic>
+      <p:sp>
+        <p:nvSpPr>
+          <p:cNvPr id="115" name="Line 43"/>
+          <p:cNvSpPr>
+            <a:spLocks noChangeShapeType="1"/>
+          </p:cNvSpPr>
+          <p:nvPr/>
+        </p:nvSpPr>
+        <p:spPr bwMode="auto">
+          <a:xfrm flipH="1">
+            <a:off x="4503257" y="3261988"/>
+            <a:ext cx="191287" cy="0"/>
+          </a:xfrm>
+          <a:prstGeom prst="line">
+            <a:avLst/>
+          </a:prstGeom>
+          <a:noFill/>
+          <a:ln w="28575">
+            <a:solidFill>
+              <a:schemeClr val="tx1"/>
+            </a:solidFill>
+            <a:round/>
+            <a:headEnd/>
+            <a:tailEnd type="triangle" w="med" len="med"/>
+          </a:ln>
+          <a:extLst>
+            <a:ext uri="{909E8E84-426E-40DD-AFC4-6F175D3DCCD1}">
+              <a14:hiddenFill xmlns:a14="http://schemas.microsoft.com/office/drawing/2010/main">
+                <a:noFill/>
+              </a14:hiddenFill>
+            </a:ext>
+          </a:extLst>
+        </p:spPr>
+        <p:txBody>
+          <a:bodyPr lIns="82124" tIns="41061" rIns="82124" bIns="41061"/>
+          <a:lstStyle/>
+          <a:p>
+            <a:endParaRPr lang="de-DE"/>
+          </a:p>
+        </p:txBody>
+      </p:sp>
+      <p:sp>
+        <p:nvSpPr>
+          <p:cNvPr id="2065" name="Rad 2064"/>
+          <p:cNvSpPr/>
+          <p:nvPr/>
+        </p:nvSpPr>
+        <p:spPr>
+          <a:xfrm>
+            <a:off x="4942134" y="3448375"/>
+            <a:ext cx="141402" cy="140721"/>
+          </a:xfrm>
+          <a:prstGeom prst="donut">
+            <a:avLst/>
+          </a:prstGeom>
+          <a:solidFill>
+            <a:srgbClr val="00B050"/>
+          </a:solidFill>
+          <a:ln>
+            <a:solidFill>
+              <a:srgbClr val="00B050"/>
+            </a:solidFill>
+          </a:ln>
+        </p:spPr>
+        <p:style>
+          <a:lnRef idx="2">
+            <a:schemeClr val="accent1">
+              <a:shade val="50000"/>
+            </a:schemeClr>
+          </a:lnRef>
+          <a:fillRef idx="1">
+            <a:schemeClr val="accent1"/>
+          </a:fillRef>
+          <a:effectRef idx="0">
+            <a:schemeClr val="accent1"/>
+          </a:effectRef>
+          <a:fontRef idx="minor">
+            <a:schemeClr val="lt1"/>
+          </a:fontRef>
+        </p:style>
+        <p:txBody>
+          <a:bodyPr rtlCol="0" anchor="ctr"/>
+          <a:lstStyle/>
+          <a:p>
+            <a:pPr algn="ctr"/>
+            <a:endParaRPr lang="de-DE">
+              <a:ln>
+                <a:solidFill>
+                  <a:srgbClr val="00B050"/>
+                </a:solidFill>
+              </a:ln>
+              <a:solidFill>
+                <a:srgbClr val="00B050"/>
+              </a:solidFill>
+            </a:endParaRPr>
+          </a:p>
+        </p:txBody>
+      </p:sp>
+      <p:pic>
+        <p:nvPicPr>
+          <p:cNvPr id="2066" name="Picture 4" descr="Play 1 Hot icon"/>
+          <p:cNvPicPr>
+            <a:picLocks noChangeAspect="1" noChangeArrowheads="1"/>
+          </p:cNvPicPr>
+          <p:nvPr/>
+        </p:nvPicPr>
+        <p:blipFill>
+          <a:blip r:embed="rId5" cstate="print">
+            <a:extLst>
+              <a:ext uri="{28A0092B-C50C-407E-A947-70E740481C1C}">
+                <a14:useLocalDpi xmlns:a14="http://schemas.microsoft.com/office/drawing/2010/main" val="0"/>
+              </a:ext>
+            </a:extLst>
+          </a:blip>
+          <a:srcRect/>
+          <a:stretch>
+            <a:fillRect/>
+          </a:stretch>
+        </p:blipFill>
+        <p:spPr bwMode="auto">
+          <a:xfrm>
+            <a:off x="484461" y="3855134"/>
+            <a:ext cx="485448" cy="485448"/>
+          </a:xfrm>
+          <a:prstGeom prst="rect">
+            <a:avLst/>
+          </a:prstGeom>
+          <a:noFill/>
+          <a:extLst>
+            <a:ext uri="{909E8E84-426E-40DD-AFC4-6F175D3DCCD1}">
+              <a14:hiddenFill xmlns:a14="http://schemas.microsoft.com/office/drawing/2010/main">
+                <a:solidFill>
+                  <a:srgbClr val="FFFFFF"/>
+                </a:solidFill>
+              </a14:hiddenFill>
+            </a:ext>
+          </a:extLst>
+        </p:spPr>
+      </p:pic>
     </p:spTree>
     <p:extLst>
       <p:ext uri="{BB962C8B-B14F-4D97-AF65-F5344CB8AC3E}">
-        <p14:creationId xmlns:p14="http://schemas.microsoft.com/office/powerpoint/2010/main" val="3584050163"/>
+        <p14:creationId xmlns:p14="http://schemas.microsoft.com/office/powerpoint/2010/main" val="1959314117"/>
       </p:ext>
     </p:extLst>
   </p:cSld>
@@ -12481,7 +13832,7 @@
           <a:p>
             <a:r>
               <a:rPr lang="de-DE" dirty="0"/>
-              <a:t>Erweiterbarkeit</a:t>
+              <a:t>Anwendungspräsentation</a:t>
             </a:r>
           </a:p>
         </p:txBody>
@@ -12501,55 +13852,14 @@
           <a:bodyPr/>
           <a:lstStyle/>
           <a:p>
-            <a:r>
-              <a:rPr lang="de-DE" dirty="0"/>
-              <a:t>Protokoll leicht erweiterbar durch Typen</a:t>
-            </a:r>
-          </a:p>
-          <a:p>
-            <a:r>
-              <a:rPr lang="de-DE" dirty="0"/>
-              <a:t>Ideen nennen, </a:t>
-            </a:r>
-            <a:r>
-              <a:rPr lang="de-DE" dirty="0" err="1"/>
-              <a:t>z.b.</a:t>
-            </a:r>
-            <a:r>
-              <a:rPr lang="de-DE" dirty="0"/>
-              <a:t> </a:t>
-            </a:r>
-            <a:r>
-              <a:rPr lang="de-DE" dirty="0" err="1"/>
-              <a:t>Smiles</a:t>
-            </a:r>
-            <a:r>
-              <a:rPr lang="de-DE" dirty="0"/>
-              <a:t>, </a:t>
-            </a:r>
-            <a:r>
-              <a:rPr lang="de-DE" dirty="0" err="1"/>
-              <a:t>History</a:t>
-            </a:r>
-            <a:r>
-              <a:rPr lang="de-DE" dirty="0"/>
-              <a:t> Log, Spiele wie in </a:t>
-            </a:r>
-            <a:r>
-              <a:rPr lang="de-DE" dirty="0" err="1"/>
-              <a:t>ClientGUI</a:t>
-            </a:r>
-            <a:r>
-              <a:rPr lang="de-DE" dirty="0"/>
-              <a:t> schon zu sehen</a:t>
-            </a:r>
+            <a:endParaRPr lang="de-DE" dirty="0"/>
           </a:p>
         </p:txBody>
       </p:sp>
     </p:spTree>
     <p:extLst>
       <p:ext uri="{BB962C8B-B14F-4D97-AF65-F5344CB8AC3E}">
-        <p14:creationId xmlns:p14="http://schemas.microsoft.com/office/powerpoint/2010/main" val="2380641263"/>
+        <p14:creationId xmlns:p14="http://schemas.microsoft.com/office/powerpoint/2010/main" val="3584050163"/>
       </p:ext>
     </p:extLst>
   </p:cSld>
@@ -12598,7 +13908,7 @@
           <a:p>
             <a:r>
               <a:rPr lang="de-DE" dirty="0"/>
-              <a:t>Hindernisse</a:t>
+              <a:t>Erweiterbarkeit</a:t>
             </a:r>
           </a:p>
         </p:txBody>
@@ -12620,19 +13930,45 @@
           <a:p>
             <a:r>
               <a:rPr lang="de-DE" dirty="0"/>
-              <a:t>Dokumentation von Ada und GTK</a:t>
+              <a:t>Protokoll leicht erweiterbar durch Typen</a:t>
             </a:r>
           </a:p>
           <a:p>
             <a:r>
               <a:rPr lang="de-DE" dirty="0"/>
-              <a:t>Zirkuläre Abhängigkeiten</a:t>
-            </a:r>
-          </a:p>
-          <a:p>
+              <a:t>Ideen nennen, </a:t>
+            </a:r>
+            <a:r>
+              <a:rPr lang="de-DE" dirty="0" err="1"/>
+              <a:t>z.b.</a:t>
+            </a:r>
             <a:r>
               <a:rPr lang="de-DE" dirty="0"/>
-              <a:t>Compilerfehler</a:t>
+              <a:t> </a:t>
+            </a:r>
+            <a:r>
+              <a:rPr lang="de-DE" dirty="0" err="1"/>
+              <a:t>Smiles</a:t>
+            </a:r>
+            <a:r>
+              <a:rPr lang="de-DE" dirty="0"/>
+              <a:t>, </a:t>
+            </a:r>
+            <a:r>
+              <a:rPr lang="de-DE" dirty="0" err="1"/>
+              <a:t>History</a:t>
+            </a:r>
+            <a:r>
+              <a:rPr lang="de-DE" dirty="0"/>
+              <a:t> Log, Spiele wie in </a:t>
+            </a:r>
+            <a:r>
+              <a:rPr lang="de-DE" dirty="0" err="1"/>
+              <a:t>ClientGUI</a:t>
+            </a:r>
+            <a:r>
+              <a:rPr lang="de-DE" dirty="0"/>
+              <a:t> schon zu sehen</a:t>
             </a:r>
           </a:p>
         </p:txBody>
@@ -12640,7 +13976,7 @@
     </p:spTree>
     <p:extLst>
       <p:ext uri="{BB962C8B-B14F-4D97-AF65-F5344CB8AC3E}">
-        <p14:creationId xmlns:p14="http://schemas.microsoft.com/office/powerpoint/2010/main" val="2243141793"/>
+        <p14:creationId xmlns:p14="http://schemas.microsoft.com/office/powerpoint/2010/main" val="2380641263"/>
       </p:ext>
     </p:extLst>
   </p:cSld>

--- a/documentation/Ada Chat.pptx
+++ b/documentation/Ada Chat.pptx
@@ -5,7 +5,7 @@
     <p:sldMasterId id="2147483648" r:id="rId1"/>
   </p:sldMasterIdLst>
   <p:notesMasterIdLst>
-    <p:notesMasterId r:id="rId23"/>
+    <p:notesMasterId r:id="rId24"/>
   </p:notesMasterIdLst>
   <p:sldIdLst>
     <p:sldId id="256" r:id="rId2"/>
@@ -29,6 +29,7 @@
     <p:sldId id="272" r:id="rId20"/>
     <p:sldId id="273" r:id="rId21"/>
     <p:sldId id="274" r:id="rId22"/>
+    <p:sldId id="279" r:id="rId23"/>
   </p:sldIdLst>
   <p:sldSz cx="9144000" cy="6858000" type="screen4x3"/>
   <p:notesSz cx="6858000" cy="9144000"/>
@@ -9169,6 +9170,39 @@
           </a:p>
         </p:txBody>
       </p:sp>
+      <p:pic>
+        <p:nvPicPr>
+          <p:cNvPr id="4" name="Grafik 12"/>
+          <p:cNvPicPr>
+            <a:picLocks noChangeAspect="1"/>
+          </p:cNvPicPr>
+          <p:nvPr/>
+        </p:nvPicPr>
+        <p:blipFill>
+          <a:blip r:embed="rId2" cstate="print">
+            <a:extLst>
+              <a:ext uri="{28A0092B-C50C-407E-A947-70E740481C1C}">
+                <a14:useLocalDpi xmlns:a14="http://schemas.microsoft.com/office/drawing/2010/main" val="0"/>
+              </a:ext>
+            </a:extLst>
+          </a:blip>
+          <a:stretch>
+            <a:fillRect/>
+          </a:stretch>
+        </p:blipFill>
+        <p:spPr>
+          <a:xfrm>
+            <a:off x="7444307" y="4844132"/>
+            <a:ext cx="1584176" cy="1579610"/>
+          </a:xfrm>
+          <a:prstGeom prst="rect">
+            <a:avLst/>
+          </a:prstGeom>
+          <a:effectLst>
+            <a:softEdge rad="127000"/>
+          </a:effectLst>
+        </p:spPr>
+      </p:pic>
     </p:spTree>
     <p:extLst>
       <p:ext uri="{BB962C8B-B14F-4D97-AF65-F5344CB8AC3E}">
@@ -11054,6 +11088,105 @@
     <p:extLst>
       <p:ext uri="{BB962C8B-B14F-4D97-AF65-F5344CB8AC3E}">
         <p14:creationId xmlns:p14="http://schemas.microsoft.com/office/powerpoint/2010/main" val="3805318814"/>
+      </p:ext>
+    </p:extLst>
+  </p:cSld>
+  <p:clrMapOvr>
+    <a:masterClrMapping/>
+  </p:clrMapOvr>
+</p:sld>
+</file>
+
+<file path=ppt/slides/slide22.xml><?xml version="1.0" encoding="utf-8"?>
+<p:sld xmlns:a="http://schemas.openxmlformats.org/drawingml/2006/main" xmlns:r="http://schemas.openxmlformats.org/officeDocument/2006/relationships" xmlns:p="http://schemas.openxmlformats.org/presentationml/2006/main">
+  <p:cSld>
+    <p:spTree>
+      <p:nvGrpSpPr>
+        <p:cNvPr id="1" name=""/>
+        <p:cNvGrpSpPr/>
+        <p:nvPr/>
+      </p:nvGrpSpPr>
+      <p:grpSpPr>
+        <a:xfrm>
+          <a:off x="0" y="0"/>
+          <a:ext cx="0" cy="0"/>
+          <a:chOff x="0" y="0"/>
+          <a:chExt cx="0" cy="0"/>
+        </a:xfrm>
+      </p:grpSpPr>
+      <p:sp>
+        <p:nvSpPr>
+          <p:cNvPr id="2" name="Titel 1"/>
+          <p:cNvSpPr>
+            <a:spLocks noGrp="1"/>
+          </p:cNvSpPr>
+          <p:nvPr>
+            <p:ph type="title"/>
+          </p:nvPr>
+        </p:nvSpPr>
+        <p:spPr>
+          <a:xfrm>
+            <a:off x="360000" y="1317222"/>
+            <a:ext cx="8246118" cy="569556"/>
+          </a:xfrm>
+        </p:spPr>
+        <p:txBody>
+          <a:bodyPr/>
+          <a:lstStyle/>
+          <a:p>
+            <a:r>
+              <a:rPr lang="de-DE" dirty="0" smtClean="0"/>
+              <a:t>Compilerfehler</a:t>
+            </a:r>
+            <a:endParaRPr lang="de-DE" dirty="0"/>
+          </a:p>
+        </p:txBody>
+      </p:sp>
+      <p:pic>
+        <p:nvPicPr>
+          <p:cNvPr id="2050" name="Picture 2" descr="http://img20.dreamies.de/img/687/b/2hw3amslczl.jpg"/>
+          <p:cNvPicPr>
+            <a:picLocks noChangeAspect="1" noChangeArrowheads="1"/>
+          </p:cNvPicPr>
+          <p:nvPr/>
+        </p:nvPicPr>
+        <p:blipFill>
+          <a:blip r:embed="rId2">
+            <a:extLst>
+              <a:ext uri="{28A0092B-C50C-407E-A947-70E740481C1C}">
+                <a14:useLocalDpi xmlns:a14="http://schemas.microsoft.com/office/drawing/2010/main" val="0"/>
+              </a:ext>
+            </a:extLst>
+          </a:blip>
+          <a:srcRect/>
+          <a:stretch>
+            <a:fillRect/>
+          </a:stretch>
+        </p:blipFill>
+        <p:spPr bwMode="auto">
+          <a:xfrm>
+            <a:off x="2835234" y="2337291"/>
+            <a:ext cx="3295650" cy="3295651"/>
+          </a:xfrm>
+          <a:prstGeom prst="rect">
+            <a:avLst/>
+          </a:prstGeom>
+          <a:noFill/>
+          <a:extLst>
+            <a:ext uri="{909E8E84-426E-40DD-AFC4-6F175D3DCCD1}">
+              <a14:hiddenFill xmlns:a14="http://schemas.microsoft.com/office/drawing/2010/main">
+                <a:solidFill>
+                  <a:srgbClr val="FFFFFF"/>
+                </a:solidFill>
+              </a14:hiddenFill>
+            </a:ext>
+          </a:extLst>
+        </p:spPr>
+      </p:pic>
+    </p:spTree>
+    <p:extLst>
+      <p:ext uri="{BB962C8B-B14F-4D97-AF65-F5344CB8AC3E}">
+        <p14:creationId xmlns:p14="http://schemas.microsoft.com/office/powerpoint/2010/main" val="400358187"/>
       </p:ext>
     </p:extLst>
   </p:cSld>
@@ -11371,6 +11504,14 @@
   <p:clrMapOvr>
     <a:masterClrMapping/>
   </p:clrMapOvr>
+  <mc:AlternateContent xmlns:mc="http://schemas.openxmlformats.org/markup-compatibility/2006">
+    <mc:Choice xmlns:p14="http://schemas.microsoft.com/office/powerpoint/2010/main" Requires="p14">
+      <p:transition spd="slow" p14:dur="2000"/>
+    </mc:Choice>
+    <mc:Fallback>
+      <p:transition spd="slow"/>
+    </mc:Fallback>
+  </mc:AlternateContent>
 </p:sld>
 </file>
 
@@ -11515,9 +11656,10 @@
           <a:lstStyle/>
           <a:p>
             <a:r>
-              <a:rPr lang="de-DE" dirty="0"/>
-              <a:t>Implementierungslogik – anderes Wort finden</a:t>
-            </a:r>
+              <a:rPr lang="de-DE" dirty="0" smtClean="0"/>
+              <a:t>Implementierungslogik</a:t>
+            </a:r>
+            <a:endParaRPr lang="de-DE" dirty="0"/>
           </a:p>
         </p:txBody>
       </p:sp>
@@ -13302,9 +13444,10 @@
           <a:lstStyle/>
           <a:p>
             <a:r>
-              <a:rPr lang="de-DE" dirty="0"/>
-              <a:t>Implementierungslogik – anderes Wort finden</a:t>
-            </a:r>
+              <a:rPr lang="de-DE" dirty="0" smtClean="0"/>
+              <a:t>Implementierungslogik</a:t>
+            </a:r>
+            <a:endParaRPr lang="de-DE" dirty="0"/>
           </a:p>
         </p:txBody>
       </p:sp>
@@ -13390,7 +13533,7 @@
         </p:blipFill>
         <p:spPr bwMode="auto">
           <a:xfrm>
-            <a:off x="5179180" y="3263074"/>
+            <a:off x="4837021" y="3856220"/>
             <a:ext cx="375444" cy="375444"/>
           </a:xfrm>
           <a:prstGeom prst="rect">
@@ -13431,7 +13574,7 @@
         </p:blipFill>
         <p:spPr bwMode="auto">
           <a:xfrm>
-            <a:off x="5179180" y="3653553"/>
+            <a:off x="4837021" y="4246699"/>
             <a:ext cx="375444" cy="375444"/>
           </a:xfrm>
           <a:prstGeom prst="rect">
@@ -13459,7 +13602,7 @@
         </p:nvSpPr>
         <p:spPr bwMode="auto">
           <a:xfrm>
-            <a:off x="5092893" y="3655729"/>
+            <a:off x="4750734" y="4248875"/>
             <a:ext cx="181930" cy="0"/>
           </a:xfrm>
           <a:prstGeom prst="line">
@@ -13500,7 +13643,7 @@
         </p:nvSpPr>
         <p:spPr bwMode="auto">
           <a:xfrm flipH="1">
-            <a:off x="5083536" y="3263074"/>
+            <a:off x="4741377" y="3856220"/>
             <a:ext cx="191287" cy="0"/>
           </a:xfrm>
           <a:prstGeom prst="line">
@@ -13623,7 +13766,7 @@
         </p:blipFill>
         <p:spPr bwMode="auto">
           <a:xfrm>
-            <a:off x="4598901" y="3261988"/>
+            <a:off x="4256742" y="3855134"/>
             <a:ext cx="375444" cy="375444"/>
           </a:xfrm>
           <a:prstGeom prst="rect">
@@ -13651,7 +13794,7 @@
         </p:nvSpPr>
         <p:spPr bwMode="auto">
           <a:xfrm flipH="1">
-            <a:off x="4503257" y="3261988"/>
+            <a:off x="4161098" y="3855134"/>
             <a:ext cx="191287" cy="0"/>
           </a:xfrm>
           <a:prstGeom prst="line">
@@ -13690,7 +13833,7 @@
         </p:nvSpPr>
         <p:spPr>
           <a:xfrm>
-            <a:off x="4942134" y="3448375"/>
+            <a:off x="4599975" y="4041521"/>
             <a:ext cx="141402" cy="140721"/>
           </a:xfrm>
           <a:prstGeom prst="donut">
@@ -13837,25 +13980,77 @@
           </a:p>
         </p:txBody>
       </p:sp>
-      <p:sp>
-        <p:nvSpPr>
-          <p:cNvPr id="3" name="Inhaltsplatzhalter 2"/>
-          <p:cNvSpPr>
-            <a:spLocks noGrp="1"/>
-          </p:cNvSpPr>
-          <p:nvPr>
-            <p:ph idx="1"/>
-          </p:nvPr>
-        </p:nvSpPr>
-        <p:spPr/>
-        <p:txBody>
-          <a:bodyPr/>
-          <a:lstStyle/>
-          <a:p>
-            <a:endParaRPr lang="de-DE" dirty="0"/>
-          </a:p>
-        </p:txBody>
-      </p:sp>
+      <p:pic>
+        <p:nvPicPr>
+          <p:cNvPr id="1026" name="Picture 2" descr="http://www.praxis-campus.de/typo3temp/_processed_/csm_Maennchen_praesentiert_vor_Gruppe__c__fotomek_-_Fotolia.com__2__01_a96fa44d00.jpg"/>
+          <p:cNvPicPr>
+            <a:picLocks noChangeAspect="1" noChangeArrowheads="1"/>
+          </p:cNvPicPr>
+          <p:nvPr/>
+        </p:nvPicPr>
+        <p:blipFill>
+          <a:blip r:embed="rId3">
+            <a:extLst>
+              <a:ext uri="{28A0092B-C50C-407E-A947-70E740481C1C}">
+                <a14:useLocalDpi xmlns:a14="http://schemas.microsoft.com/office/drawing/2010/main" val="0"/>
+              </a:ext>
+            </a:extLst>
+          </a:blip>
+          <a:srcRect/>
+          <a:stretch>
+            <a:fillRect/>
+          </a:stretch>
+        </p:blipFill>
+        <p:spPr bwMode="auto">
+          <a:xfrm>
+            <a:off x="5725409" y="3674015"/>
+            <a:ext cx="3333750" cy="2724151"/>
+          </a:xfrm>
+          <a:prstGeom prst="rect">
+            <a:avLst/>
+          </a:prstGeom>
+          <a:noFill/>
+          <a:extLst>
+            <a:ext uri="{909E8E84-426E-40DD-AFC4-6F175D3DCCD1}">
+              <a14:hiddenFill xmlns:a14="http://schemas.microsoft.com/office/drawing/2010/main">
+                <a:solidFill>
+                  <a:srgbClr val="FFFFFF"/>
+                </a:solidFill>
+              </a14:hiddenFill>
+            </a:ext>
+          </a:extLst>
+        </p:spPr>
+      </p:pic>
+      <p:pic>
+        <p:nvPicPr>
+          <p:cNvPr id="4" name="Grafik 3"/>
+          <p:cNvPicPr>
+            <a:picLocks noChangeAspect="1"/>
+          </p:cNvPicPr>
+          <p:nvPr/>
+        </p:nvPicPr>
+        <p:blipFill>
+          <a:blip r:embed="rId4">
+            <a:extLst>
+              <a:ext uri="{28A0092B-C50C-407E-A947-70E740481C1C}">
+                <a14:useLocalDpi xmlns:a14="http://schemas.microsoft.com/office/drawing/2010/main" val="0"/>
+              </a:ext>
+            </a:extLst>
+          </a:blip>
+          <a:stretch>
+            <a:fillRect/>
+          </a:stretch>
+        </p:blipFill>
+        <p:spPr>
+          <a:xfrm>
+            <a:off x="1593131" y="2714919"/>
+            <a:ext cx="3456495" cy="2592371"/>
+          </a:xfrm>
+          <a:prstGeom prst="rect">
+            <a:avLst/>
+          </a:prstGeom>
+        </p:spPr>
+      </p:pic>
     </p:spTree>
     <p:extLst>
       <p:ext uri="{BB962C8B-B14F-4D97-AF65-F5344CB8AC3E}">

--- a/documentation/Ada Chat.pptx
+++ b/documentation/Ada Chat.pptx
@@ -3311,11 +3311,11 @@
   <p:clrMapOvr>
     <a:masterClrMapping/>
   </p:clrMapOvr>
-  <mc:AlternateContent xmlns:mc="http://schemas.openxmlformats.org/markup-compatibility/2006">
-    <mc:Choice xmlns:p14="http://schemas.microsoft.com/office/powerpoint/2010/main" Requires="p14">
+  <mc:AlternateContent xmlns:mc="http://schemas.openxmlformats.org/markup-compatibility/2006" xmlns:p14="http://schemas.microsoft.com/office/powerpoint/2010/main">
+    <mc:Choice Requires="p14">
       <p:transition spd="slow" p14:dur="2000"/>
     </mc:Choice>
-    <mc:Fallback>
+    <mc:Fallback xmlns="">
       <p:transition spd="slow"/>
     </mc:Fallback>
   </mc:AlternateContent>
@@ -7972,11 +7972,11 @@
   <p:clrMapOvr>
     <a:masterClrMapping/>
   </p:clrMapOvr>
-  <mc:AlternateContent xmlns:mc="http://schemas.openxmlformats.org/markup-compatibility/2006">
-    <mc:Choice xmlns:p14="http://schemas.microsoft.com/office/powerpoint/2010/main" Requires="p14">
+  <mc:AlternateContent xmlns:mc="http://schemas.openxmlformats.org/markup-compatibility/2006" xmlns:p14="http://schemas.microsoft.com/office/powerpoint/2010/main">
+    <mc:Choice Requires="p14">
       <p:transition spd="slow" p14:dur="2000"/>
     </mc:Choice>
-    <mc:Fallback>
+    <mc:Fallback xmlns="">
       <p:transition spd="slow"/>
     </mc:Fallback>
   </mc:AlternateContent>
@@ -8149,8 +8149,24 @@
           <a:p>
             <a:r>
               <a:rPr lang="de-DE" dirty="0"/>
-              <a:t>Dokumentation von Ada und GTK</a:t>
-            </a:r>
+              <a:t>Dokumentation </a:t>
+            </a:r>
+            <a:r>
+              <a:rPr lang="de-DE"/>
+              <a:t>von </a:t>
+            </a:r>
+            <a:r>
+              <a:rPr lang="de-DE" smtClean="0"/>
+              <a:t>Ada</a:t>
+            </a:r>
+            <a:endParaRPr lang="de-DE" dirty="0" smtClean="0"/>
+          </a:p>
+          <a:p>
+            <a:r>
+              <a:rPr lang="de-DE" dirty="0" err="1" smtClean="0"/>
+              <a:t>GtkAda</a:t>
+            </a:r>
+            <a:endParaRPr lang="de-DE" dirty="0"/>
           </a:p>
           <a:p>
             <a:r>
@@ -20509,11 +20525,11 @@
   <p:clrMapOvr>
     <a:masterClrMapping/>
   </p:clrMapOvr>
-  <mc:AlternateContent xmlns:mc="http://schemas.openxmlformats.org/markup-compatibility/2006">
-    <mc:Choice xmlns:p14="http://schemas.microsoft.com/office/powerpoint/2010/main" Requires="p14">
+  <mc:AlternateContent xmlns:mc="http://schemas.openxmlformats.org/markup-compatibility/2006" xmlns:p14="http://schemas.microsoft.com/office/powerpoint/2010/main">
+    <mc:Choice Requires="p14">
       <p:transition spd="slow" p14:dur="2000"/>
     </mc:Choice>
-    <mc:Fallback>
+    <mc:Fallback xmlns="">
       <p:transition spd="slow"/>
     </mc:Fallback>
   </mc:AlternateContent>

--- a/documentation/Ada Chat.pptx
+++ b/documentation/Ada Chat.pptx
@@ -5,7 +5,7 @@
     <p:sldMasterId id="2147483648" r:id="rId1"/>
   </p:sldMasterIdLst>
   <p:notesMasterIdLst>
-    <p:notesMasterId r:id="rId37"/>
+    <p:notesMasterId r:id="rId39"/>
   </p:notesMasterIdLst>
   <p:sldIdLst>
     <p:sldId id="256" r:id="rId2"/>
@@ -26,23 +26,25 @@
     <p:sldId id="282" r:id="rId17"/>
     <p:sldId id="265" r:id="rId18"/>
     <p:sldId id="296" r:id="rId19"/>
-    <p:sldId id="295" r:id="rId20"/>
-    <p:sldId id="292" r:id="rId21"/>
-    <p:sldId id="263" r:id="rId22"/>
-    <p:sldId id="294" r:id="rId23"/>
-    <p:sldId id="264" r:id="rId24"/>
-    <p:sldId id="267" r:id="rId25"/>
-    <p:sldId id="278" r:id="rId26"/>
-    <p:sldId id="269" r:id="rId27"/>
-    <p:sldId id="268" r:id="rId28"/>
-    <p:sldId id="276" r:id="rId29"/>
-    <p:sldId id="270" r:id="rId30"/>
-    <p:sldId id="298" r:id="rId31"/>
-    <p:sldId id="299" r:id="rId32"/>
-    <p:sldId id="300" r:id="rId33"/>
-    <p:sldId id="301" r:id="rId34"/>
-    <p:sldId id="302" r:id="rId35"/>
-    <p:sldId id="293" r:id="rId36"/>
+    <p:sldId id="303" r:id="rId20"/>
+    <p:sldId id="304" r:id="rId21"/>
+    <p:sldId id="295" r:id="rId22"/>
+    <p:sldId id="292" r:id="rId23"/>
+    <p:sldId id="263" r:id="rId24"/>
+    <p:sldId id="294" r:id="rId25"/>
+    <p:sldId id="264" r:id="rId26"/>
+    <p:sldId id="267" r:id="rId27"/>
+    <p:sldId id="278" r:id="rId28"/>
+    <p:sldId id="269" r:id="rId29"/>
+    <p:sldId id="268" r:id="rId30"/>
+    <p:sldId id="276" r:id="rId31"/>
+    <p:sldId id="270" r:id="rId32"/>
+    <p:sldId id="298" r:id="rId33"/>
+    <p:sldId id="299" r:id="rId34"/>
+    <p:sldId id="300" r:id="rId35"/>
+    <p:sldId id="301" r:id="rId36"/>
+    <p:sldId id="302" r:id="rId37"/>
+    <p:sldId id="293" r:id="rId38"/>
   </p:sldIdLst>
   <p:sldSz cx="9144000" cy="6858000" type="screen4x3"/>
   <p:notesSz cx="6858000" cy="9144000"/>
@@ -231,7 +233,7 @@
           <a:p>
             <a:fld id="{17D3A48C-A592-4DCA-964C-2AA7FC1C9F64}" type="datetimeFigureOut">
               <a:rPr lang="de-DE" smtClean="0"/>
-              <a:t>09.05.2016</a:t>
+              <a:t>10.05.16</a:t>
             </a:fld>
             <a:endParaRPr lang="de-DE"/>
           </a:p>
@@ -767,7 +769,7 @@
           <a:p>
             <a:fld id="{B86A5C8B-E559-406D-A6CE-B08D815A3D7D}" type="slidenum">
               <a:rPr lang="de-DE" smtClean="0"/>
-              <a:t>19</a:t>
+              <a:t>21</a:t>
             </a:fld>
             <a:endParaRPr lang="de-DE"/>
           </a:p>
@@ -869,7 +871,7 @@
           <a:p>
             <a:fld id="{B86A5C8B-E559-406D-A6CE-B08D815A3D7D}" type="slidenum">
               <a:rPr lang="de-DE" smtClean="0"/>
-              <a:t>20</a:t>
+              <a:t>22</a:t>
             </a:fld>
             <a:endParaRPr lang="de-DE"/>
           </a:p>
@@ -3311,11 +3313,11 @@
   <p:clrMapOvr>
     <a:masterClrMapping/>
   </p:clrMapOvr>
-  <mc:AlternateContent xmlns:mc="http://schemas.openxmlformats.org/markup-compatibility/2006" xmlns:p14="http://schemas.microsoft.com/office/powerpoint/2010/main">
-    <mc:Choice Requires="p14">
+  <mc:AlternateContent xmlns:mc="http://schemas.openxmlformats.org/markup-compatibility/2006">
+    <mc:Choice xmlns:p14="http://schemas.microsoft.com/office/powerpoint/2010/main" Requires="p14">
       <p:transition spd="slow" p14:dur="2000"/>
     </mc:Choice>
-    <mc:Fallback xmlns="">
+    <mc:Fallback>
       <p:transition spd="slow"/>
     </mc:Fallback>
   </mc:AlternateContent>
@@ -7532,76 +7534,80 @@
           <a:lstStyle/>
           <a:p>
             <a:r>
+              <a:rPr lang="de-DE" dirty="0" smtClean="0"/>
+              <a:t>GTK+</a:t>
+            </a:r>
+            <a:endParaRPr lang="de-DE" dirty="0"/>
+          </a:p>
+        </p:txBody>
+      </p:sp>
+      <p:sp>
+        <p:nvSpPr>
+          <p:cNvPr id="3" name="Inhaltsplatzhalter 2"/>
+          <p:cNvSpPr>
+            <a:spLocks noGrp="1"/>
+          </p:cNvSpPr>
+          <p:nvPr>
+            <p:ph idx="1"/>
+          </p:nvPr>
+        </p:nvSpPr>
+        <p:spPr/>
+        <p:txBody>
+          <a:bodyPr/>
+          <a:lstStyle/>
+          <a:p>
+            <a:r>
+              <a:rPr lang="de-DE" dirty="0" smtClean="0"/>
+              <a:t>GTK+ ist neben </a:t>
+            </a:r>
+            <a:r>
               <a:rPr lang="de-DE" dirty="0" err="1" smtClean="0"/>
-              <a:t>GtkAda</a:t>
+              <a:t>Qt</a:t>
             </a:r>
             <a:r>
               <a:rPr lang="de-DE" dirty="0" smtClean="0"/>
-              <a:t> mit </a:t>
+              <a:t> eines der erfolgreichsten Oberflächentoolkits</a:t>
+            </a:r>
+          </a:p>
+          <a:p>
+            <a:r>
+              <a:rPr lang="de-DE" dirty="0" smtClean="0"/>
+              <a:t>Erstmals implementiert 1998 in C</a:t>
+            </a:r>
+          </a:p>
+          <a:p>
+            <a:r>
+              <a:rPr lang="de-DE" dirty="0" smtClean="0"/>
+              <a:t>Für viele Sprachen portiert(Python, Ruby, </a:t>
             </a:r>
             <a:r>
               <a:rPr lang="de-DE" dirty="0" err="1" smtClean="0"/>
-              <a:t>Glade</a:t>
+              <a:t>Haskell</a:t>
+            </a:r>
+            <a:r>
+              <a:rPr lang="de-DE" dirty="0" smtClean="0"/>
+              <a:t> etc.)</a:t>
+            </a:r>
+          </a:p>
+          <a:p>
+            <a:r>
+              <a:rPr lang="de-DE" dirty="0" smtClean="0"/>
+              <a:t>Wird aktiv von Open-Source-Community weiterentwickelt (aktuell in Version 3.2)</a:t>
             </a:r>
             <a:endParaRPr lang="de-DE" dirty="0"/>
           </a:p>
         </p:txBody>
       </p:sp>
-      <p:pic>
-        <p:nvPicPr>
-          <p:cNvPr id="3" name="Grafik 2"/>
-          <p:cNvPicPr>
-            <a:picLocks noChangeAspect="1"/>
-          </p:cNvPicPr>
-          <p:nvPr/>
-        </p:nvPicPr>
-        <p:blipFill>
-          <a:blip r:embed="rId3">
-            <a:extLst>
-              <a:ext uri="{28A0092B-C50C-407E-A947-70E740481C1C}">
-                <a14:useLocalDpi xmlns:a14="http://schemas.microsoft.com/office/drawing/2010/main" val="0"/>
-              </a:ext>
-            </a:extLst>
-          </a:blip>
-          <a:stretch>
-            <a:fillRect/>
-          </a:stretch>
-        </p:blipFill>
-        <p:spPr>
-          <a:xfrm>
-            <a:off x="436395" y="2069658"/>
-            <a:ext cx="8093328" cy="4021390"/>
-          </a:xfrm>
-          <a:prstGeom prst="rect">
-            <a:avLst/>
-          </a:prstGeom>
-          <a:ln w="28575">
-            <a:solidFill>
-              <a:schemeClr val="tx1">
-                <a:lumMod val="75000"/>
-                <a:lumOff val="25000"/>
-              </a:schemeClr>
-            </a:solidFill>
-          </a:ln>
-        </p:spPr>
-      </p:pic>
     </p:spTree>
     <p:extLst>
       <p:ext uri="{BB962C8B-B14F-4D97-AF65-F5344CB8AC3E}">
-        <p14:creationId xmlns:p14="http://schemas.microsoft.com/office/powerpoint/2010/main" val="3681334828"/>
+        <p14:creationId xmlns:p14="http://schemas.microsoft.com/office/powerpoint/2010/main" val="2144700205"/>
       </p:ext>
     </p:extLst>
   </p:cSld>
   <p:clrMapOvr>
     <a:masterClrMapping/>
   </p:clrMapOvr>
-  <p:timing>
-    <p:tnLst>
-      <p:par>
-        <p:cTn id="1" dur="indefinite" restart="never" nodeType="tmRoot"/>
-      </p:par>
-    </p:tnLst>
-  </p:timing>
 </p:sld>
 </file>
 
@@ -7802,64 +7808,95 @@
           <a:lstStyle/>
           <a:p>
             <a:r>
-              <a:rPr lang="de-DE" dirty="0"/>
-              <a:t>Anwendungspräsentation</a:t>
-            </a:r>
-          </a:p>
-        </p:txBody>
-      </p:sp>
-      <p:pic>
-        <p:nvPicPr>
-          <p:cNvPr id="4" name="Grafik 3"/>
-          <p:cNvPicPr>
-            <a:picLocks noChangeAspect="1"/>
-          </p:cNvPicPr>
-          <p:nvPr/>
-        </p:nvPicPr>
-        <p:blipFill>
-          <a:blip r:embed="rId3">
-            <a:extLst>
-              <a:ext uri="{28A0092B-C50C-407E-A947-70E740481C1C}">
-                <a14:useLocalDpi xmlns:a14="http://schemas.microsoft.com/office/drawing/2010/main" val="0"/>
-              </a:ext>
-            </a:extLst>
-          </a:blip>
-          <a:stretch>
-            <a:fillRect/>
-          </a:stretch>
-        </p:blipFill>
-        <p:spPr>
-          <a:xfrm>
-            <a:off x="1750695" y="2050478"/>
-            <a:ext cx="5464728" cy="4098546"/>
-          </a:xfrm>
-          <a:prstGeom prst="rect">
-            <a:avLst/>
-          </a:prstGeom>
-        </p:spPr>
-      </p:pic>
+              <a:rPr lang="de-DE" dirty="0" err="1" smtClean="0"/>
+              <a:t>GtkAda</a:t>
+            </a:r>
+            <a:endParaRPr lang="de-DE" dirty="0"/>
+          </a:p>
+        </p:txBody>
+      </p:sp>
+      <p:sp>
+        <p:nvSpPr>
+          <p:cNvPr id="3" name="Inhaltsplatzhalter 2"/>
+          <p:cNvSpPr>
+            <a:spLocks noGrp="1"/>
+          </p:cNvSpPr>
+          <p:nvPr>
+            <p:ph idx="1"/>
+          </p:nvPr>
+        </p:nvSpPr>
+        <p:spPr/>
+        <p:txBody>
+          <a:bodyPr/>
+          <a:lstStyle/>
+          <a:p>
+            <a:r>
+              <a:rPr lang="de-DE" dirty="0" err="1" smtClean="0"/>
+              <a:t>GtkAda</a:t>
+            </a:r>
+            <a:r>
+              <a:rPr lang="de-DE" dirty="0" smtClean="0"/>
+              <a:t> ist die Portierung von GTK+ für Ada</a:t>
+            </a:r>
+          </a:p>
+          <a:p>
+            <a:r>
+              <a:rPr lang="de-DE" dirty="0" smtClean="0"/>
+              <a:t>Alle Komponenten verfügbar</a:t>
+            </a:r>
+          </a:p>
+          <a:p>
+            <a:r>
+              <a:rPr lang="de-DE" dirty="0" smtClean="0"/>
+              <a:t>Leider einige Probleme:</a:t>
+            </a:r>
+          </a:p>
+          <a:p>
+            <a:pPr lvl="1"/>
+            <a:r>
+              <a:rPr lang="de-DE" dirty="0" smtClean="0"/>
+              <a:t>Dokumentation oft nur für andere Sprachen</a:t>
+            </a:r>
+          </a:p>
+          <a:p>
+            <a:pPr lvl="1"/>
+            <a:r>
+              <a:rPr lang="de-DE" dirty="0" err="1" smtClean="0"/>
+              <a:t>Tasking</a:t>
+            </a:r>
+            <a:endParaRPr lang="de-DE" dirty="0"/>
+          </a:p>
+          <a:p>
+            <a:r>
+              <a:rPr lang="de-DE" dirty="0" smtClean="0"/>
+              <a:t>Es gibt einen WYSIWYG Editor, der auch von </a:t>
+            </a:r>
+            <a:r>
+              <a:rPr lang="de-DE" dirty="0" err="1" smtClean="0"/>
+              <a:t>GtkAda</a:t>
+            </a:r>
+            <a:r>
+              <a:rPr lang="de-DE" dirty="0" smtClean="0"/>
+              <a:t> unterstützt wird</a:t>
+            </a:r>
+          </a:p>
+        </p:txBody>
+      </p:sp>
     </p:spTree>
     <p:extLst>
       <p:ext uri="{BB962C8B-B14F-4D97-AF65-F5344CB8AC3E}">
-        <p14:creationId xmlns:p14="http://schemas.microsoft.com/office/powerpoint/2010/main" val="3349220726"/>
+        <p14:creationId xmlns:p14="http://schemas.microsoft.com/office/powerpoint/2010/main" val="1850262147"/>
       </p:ext>
     </p:extLst>
   </p:cSld>
   <p:clrMapOvr>
     <a:masterClrMapping/>
   </p:clrMapOvr>
-  <p:timing>
-    <p:tnLst>
-      <p:par>
-        <p:cTn id="1" dur="indefinite" restart="never" nodeType="tmRoot"/>
-      </p:par>
-    </p:tnLst>
-  </p:timing>
 </p:sld>
 </file>
 
 <file path=ppt/slides/slide21.xml><?xml version="1.0" encoding="utf-8"?>
-<p:sld xmlns:a="http://schemas.openxmlformats.org/drawingml/2006/main" xmlns:r="http://schemas.openxmlformats.org/officeDocument/2006/relationships" xmlns:p="http://schemas.openxmlformats.org/presentationml/2006/main" show="0">
+<p:sld xmlns:a="http://schemas.openxmlformats.org/drawingml/2006/main" xmlns:r="http://schemas.openxmlformats.org/officeDocument/2006/relationships" xmlns:p="http://schemas.openxmlformats.org/presentationml/2006/main">
   <p:cSld>
     <p:spTree>
       <p:nvGrpSpPr>
@@ -7896,90 +7933,61 @@
           <a:lstStyle/>
           <a:p>
             <a:r>
-              <a:rPr lang="de-DE" dirty="0"/>
-              <a:t>Erweiterbarkeit</a:t>
-            </a:r>
-          </a:p>
-        </p:txBody>
-      </p:sp>
-      <p:sp>
-        <p:nvSpPr>
-          <p:cNvPr id="3" name="Inhaltsplatzhalter 2"/>
-          <p:cNvSpPr>
-            <a:spLocks noGrp="1"/>
-          </p:cNvSpPr>
-          <p:nvPr>
-            <p:ph idx="1"/>
-          </p:nvPr>
-        </p:nvSpPr>
-        <p:spPr/>
-        <p:txBody>
-          <a:bodyPr/>
-          <a:lstStyle/>
-          <a:p>
-            <a:r>
-              <a:rPr lang="de-DE" dirty="0"/>
-              <a:t>Protokoll leicht erweiterbar durch Typen</a:t>
-            </a:r>
-          </a:p>
-          <a:p>
-            <a:r>
-              <a:rPr lang="de-DE" dirty="0"/>
-              <a:t>Ideen nennen, </a:t>
-            </a:r>
-            <a:r>
-              <a:rPr lang="de-DE" dirty="0" err="1"/>
-              <a:t>z.b.</a:t>
-            </a:r>
-            <a:r>
-              <a:rPr lang="de-DE" dirty="0"/>
-              <a:t> </a:t>
-            </a:r>
-            <a:r>
-              <a:rPr lang="de-DE" dirty="0" err="1"/>
-              <a:t>Smiles</a:t>
-            </a:r>
-            <a:r>
-              <a:rPr lang="de-DE" dirty="0"/>
-              <a:t>, </a:t>
-            </a:r>
-            <a:r>
-              <a:rPr lang="de-DE" dirty="0" err="1"/>
-              <a:t>History</a:t>
-            </a:r>
-            <a:r>
-              <a:rPr lang="de-DE" dirty="0"/>
-              <a:t> Log, Spiele wie in </a:t>
-            </a:r>
-            <a:r>
-              <a:rPr lang="de-DE" dirty="0" err="1"/>
-              <a:t>ClientGUI</a:t>
-            </a:r>
-            <a:r>
-              <a:rPr lang="de-DE" dirty="0"/>
-              <a:t> schon zu sehen</a:t>
-            </a:r>
-          </a:p>
-        </p:txBody>
-      </p:sp>
+              <a:rPr lang="de-DE" dirty="0" err="1" smtClean="0"/>
+              <a:t>Glade</a:t>
+            </a:r>
+            <a:endParaRPr lang="de-DE" dirty="0"/>
+          </a:p>
+        </p:txBody>
+      </p:sp>
+      <p:pic>
+        <p:nvPicPr>
+          <p:cNvPr id="3" name="Grafik 2"/>
+          <p:cNvPicPr>
+            <a:picLocks noChangeAspect="1"/>
+          </p:cNvPicPr>
+          <p:nvPr/>
+        </p:nvPicPr>
+        <p:blipFill>
+          <a:blip r:embed="rId3">
+            <a:extLst>
+              <a:ext uri="{28A0092B-C50C-407E-A947-70E740481C1C}">
+                <a14:useLocalDpi xmlns:a14="http://schemas.microsoft.com/office/drawing/2010/main" val="0"/>
+              </a:ext>
+            </a:extLst>
+          </a:blip>
+          <a:stretch>
+            <a:fillRect/>
+          </a:stretch>
+        </p:blipFill>
+        <p:spPr>
+          <a:xfrm>
+            <a:off x="436395" y="2069658"/>
+            <a:ext cx="8093328" cy="4021390"/>
+          </a:xfrm>
+          <a:prstGeom prst="rect">
+            <a:avLst/>
+          </a:prstGeom>
+          <a:ln w="28575">
+            <a:solidFill>
+              <a:schemeClr val="tx1">
+                <a:lumMod val="75000"/>
+                <a:lumOff val="25000"/>
+              </a:schemeClr>
+            </a:solidFill>
+          </a:ln>
+        </p:spPr>
+      </p:pic>
     </p:spTree>
     <p:extLst>
       <p:ext uri="{BB962C8B-B14F-4D97-AF65-F5344CB8AC3E}">
-        <p14:creationId xmlns:p14="http://schemas.microsoft.com/office/powerpoint/2010/main" val="2380641263"/>
+        <p14:creationId xmlns:p14="http://schemas.microsoft.com/office/powerpoint/2010/main" val="3681334828"/>
       </p:ext>
     </p:extLst>
   </p:cSld>
   <p:clrMapOvr>
     <a:masterClrMapping/>
   </p:clrMapOvr>
-  <mc:AlternateContent xmlns:mc="http://schemas.openxmlformats.org/markup-compatibility/2006" xmlns:p14="http://schemas.microsoft.com/office/powerpoint/2010/main">
-    <mc:Choice Requires="p14">
-      <p:transition spd="slow" p14:dur="2000"/>
-    </mc:Choice>
-    <mc:Fallback xmlns="">
-      <p:transition spd="slow"/>
-    </mc:Fallback>
-  </mc:AlternateContent>
   <p:timing>
     <p:tnLst>
       <p:par>
@@ -8029,23 +8037,21 @@
           <a:p>
             <a:r>
               <a:rPr lang="de-DE" dirty="0"/>
-              <a:t>Erweiterbarkeit</a:t>
+              <a:t>Anwendungspräsentation</a:t>
             </a:r>
           </a:p>
         </p:txBody>
       </p:sp>
       <p:pic>
         <p:nvPicPr>
-          <p:cNvPr id="10" name="Inhaltsplatzhalter 9"/>
+          <p:cNvPr id="4" name="Grafik 3"/>
           <p:cNvPicPr>
-            <a:picLocks noGrp="1" noChangeAspect="1"/>
+            <a:picLocks noChangeAspect="1"/>
           </p:cNvPicPr>
-          <p:nvPr>
-            <p:ph idx="1"/>
-          </p:nvPr>
+          <p:nvPr/>
         </p:nvPicPr>
         <p:blipFill>
-          <a:blip r:embed="rId2">
+          <a:blip r:embed="rId3">
             <a:extLst>
               <a:ext uri="{28A0092B-C50C-407E-A947-70E740481C1C}">
                 <a14:useLocalDpi xmlns:a14="http://schemas.microsoft.com/office/drawing/2010/main" val="0"/>
@@ -8058,20 +8064,18 @@
         </p:blipFill>
         <p:spPr>
           <a:xfrm>
-            <a:off x="2092284" y="2575274"/>
-            <a:ext cx="4781550" cy="2190750"/>
-          </a:xfrm>
-          <a:ln w="19050">
-            <a:solidFill>
-              <a:schemeClr val="tx1"/>
-            </a:solidFill>
-          </a:ln>
+            <a:off x="1750695" y="2050478"/>
+            <a:ext cx="5464728" cy="4098546"/>
+          </a:xfrm>
+          <a:prstGeom prst="rect">
+            <a:avLst/>
+          </a:prstGeom>
         </p:spPr>
       </p:pic>
     </p:spTree>
     <p:extLst>
       <p:ext uri="{BB962C8B-B14F-4D97-AF65-F5344CB8AC3E}">
-        <p14:creationId xmlns:p14="http://schemas.microsoft.com/office/powerpoint/2010/main" val="4282629795"/>
+        <p14:creationId xmlns:p14="http://schemas.microsoft.com/office/powerpoint/2010/main" val="3349220726"/>
       </p:ext>
     </p:extLst>
   </p:cSld>
@@ -8089,7 +8093,7 @@
 </file>
 
 <file path=ppt/slides/slide23.xml><?xml version="1.0" encoding="utf-8"?>
-<p:sld xmlns:a="http://schemas.openxmlformats.org/drawingml/2006/main" xmlns:r="http://schemas.openxmlformats.org/officeDocument/2006/relationships" xmlns:p="http://schemas.openxmlformats.org/presentationml/2006/main">
+<p:sld xmlns:a="http://schemas.openxmlformats.org/drawingml/2006/main" xmlns:r="http://schemas.openxmlformats.org/officeDocument/2006/relationships" xmlns:p="http://schemas.openxmlformats.org/presentationml/2006/main" show="0">
   <p:cSld>
     <p:spTree>
       <p:nvGrpSpPr>
@@ -8127,7 +8131,7 @@
           <a:p>
             <a:r>
               <a:rPr lang="de-DE" dirty="0"/>
-              <a:t>Hindernisse</a:t>
+              <a:t>Erweiterbarkeit</a:t>
             </a:r>
           </a:p>
         </p:txBody>
@@ -8149,35 +8153,45 @@
           <a:p>
             <a:r>
               <a:rPr lang="de-DE" dirty="0"/>
-              <a:t>Dokumentation </a:t>
-            </a:r>
-            <a:r>
-              <a:rPr lang="de-DE"/>
-              <a:t>von </a:t>
-            </a:r>
-            <a:r>
-              <a:rPr lang="de-DE" smtClean="0"/>
-              <a:t>Ada</a:t>
-            </a:r>
-            <a:endParaRPr lang="de-DE" dirty="0" smtClean="0"/>
-          </a:p>
-          <a:p>
-            <a:r>
-              <a:rPr lang="de-DE" dirty="0" err="1" smtClean="0"/>
-              <a:t>GtkAda</a:t>
-            </a:r>
-            <a:endParaRPr lang="de-DE" dirty="0"/>
+              <a:t>Protokoll leicht erweiterbar durch Typen</a:t>
+            </a:r>
           </a:p>
           <a:p>
             <a:r>
               <a:rPr lang="de-DE" dirty="0"/>
-              <a:t>Zirkuläre Abhängigkeiten</a:t>
-            </a:r>
-          </a:p>
-          <a:p>
+              <a:t>Ideen nennen, </a:t>
+            </a:r>
+            <a:r>
+              <a:rPr lang="de-DE" dirty="0" err="1"/>
+              <a:t>z.b.</a:t>
+            </a:r>
             <a:r>
               <a:rPr lang="de-DE" dirty="0"/>
-              <a:t>Compilerfehler</a:t>
+              <a:t> </a:t>
+            </a:r>
+            <a:r>
+              <a:rPr lang="de-DE" dirty="0" err="1"/>
+              <a:t>Smiles</a:t>
+            </a:r>
+            <a:r>
+              <a:rPr lang="de-DE" dirty="0"/>
+              <a:t>, </a:t>
+            </a:r>
+            <a:r>
+              <a:rPr lang="de-DE" dirty="0" err="1"/>
+              <a:t>History</a:t>
+            </a:r>
+            <a:r>
+              <a:rPr lang="de-DE" dirty="0"/>
+              <a:t> Log, Spiele wie in </a:t>
+            </a:r>
+            <a:r>
+              <a:rPr lang="de-DE" dirty="0" err="1"/>
+              <a:t>ClientGUI</a:t>
+            </a:r>
+            <a:r>
+              <a:rPr lang="de-DE" dirty="0"/>
+              <a:t> schon zu sehen</a:t>
             </a:r>
           </a:p>
         </p:txBody>
@@ -8185,13 +8199,21 @@
     </p:spTree>
     <p:extLst>
       <p:ext uri="{BB962C8B-B14F-4D97-AF65-F5344CB8AC3E}">
-        <p14:creationId xmlns:p14="http://schemas.microsoft.com/office/powerpoint/2010/main" val="2243141793"/>
+        <p14:creationId xmlns:p14="http://schemas.microsoft.com/office/powerpoint/2010/main" val="2380641263"/>
       </p:ext>
     </p:extLst>
   </p:cSld>
   <p:clrMapOvr>
     <a:masterClrMapping/>
   </p:clrMapOvr>
+  <mc:AlternateContent xmlns:mc="http://schemas.openxmlformats.org/markup-compatibility/2006">
+    <mc:Choice xmlns:p14="http://schemas.microsoft.com/office/powerpoint/2010/main" Requires="p14">
+      <p:transition spd="slow" p14:dur="2000"/>
+    </mc:Choice>
+    <mc:Fallback>
+      <p:transition spd="slow"/>
+    </mc:Fallback>
+  </mc:AlternateContent>
   <p:timing>
     <p:tnLst>
       <p:par>
@@ -8241,850 +8263,49 @@
           <a:p>
             <a:r>
               <a:rPr lang="de-DE" dirty="0"/>
-              <a:t>Zirkuläre Abhängigkeiten</a:t>
-            </a:r>
-          </a:p>
-        </p:txBody>
-      </p:sp>
-      <p:sp>
-        <p:nvSpPr>
-          <p:cNvPr id="6" name="Rechteck 5"/>
-          <p:cNvSpPr/>
-          <p:nvPr/>
-        </p:nvSpPr>
-        <p:spPr>
-          <a:xfrm>
-            <a:off x="553673" y="2224209"/>
-            <a:ext cx="1744911" cy="2176715"/>
-          </a:xfrm>
-          <a:prstGeom prst="rect">
-            <a:avLst/>
-          </a:prstGeom>
-          <a:noFill/>
-          <a:ln/>
-        </p:spPr>
-        <p:style>
-          <a:lnRef idx="2">
-            <a:schemeClr val="dk1">
-              <a:shade val="50000"/>
-            </a:schemeClr>
-          </a:lnRef>
-          <a:fillRef idx="1">
-            <a:schemeClr val="dk1"/>
-          </a:fillRef>
-          <a:effectRef idx="0">
-            <a:schemeClr val="dk1"/>
-          </a:effectRef>
-          <a:fontRef idx="minor">
-            <a:schemeClr val="lt1"/>
-          </a:fontRef>
-        </p:style>
-        <p:txBody>
-          <a:bodyPr rtlCol="0" anchor="ctr"/>
-          <a:lstStyle/>
-          <a:p>
-            <a:pPr algn="ctr"/>
-            <a:endParaRPr lang="de-DE">
-              <a:latin typeface="Arial" panose="020B0604020202020204" pitchFamily="34" charset="0"/>
-              <a:cs typeface="Arial" panose="020B0604020202020204" pitchFamily="34" charset="0"/>
-            </a:endParaRPr>
-          </a:p>
-        </p:txBody>
-      </p:sp>
-      <p:sp>
-        <p:nvSpPr>
-          <p:cNvPr id="12" name="Textfeld 11"/>
-          <p:cNvSpPr txBox="1"/>
-          <p:nvPr/>
-        </p:nvSpPr>
-        <p:spPr>
-          <a:xfrm>
-            <a:off x="441114" y="1886778"/>
-            <a:ext cx="1656675" cy="338554"/>
-          </a:xfrm>
-          <a:prstGeom prst="rect">
-            <a:avLst/>
-          </a:prstGeom>
-          <a:noFill/>
-        </p:spPr>
-        <p:txBody>
-          <a:bodyPr wrap="square" rtlCol="0">
-            <a:spAutoFit/>
-          </a:bodyPr>
-          <a:lstStyle/>
-          <a:p>
-            <a:r>
-              <a:rPr lang="de-DE" sz="1600" dirty="0" err="1">
-                <a:solidFill>
-                  <a:srgbClr val="4A5C66"/>
-                </a:solidFill>
-                <a:latin typeface="Arial" panose="020B0604020202020204" pitchFamily="34" charset="0"/>
-                <a:cs typeface="Arial" panose="020B0604020202020204" pitchFamily="34" charset="0"/>
-              </a:rPr>
-              <a:t>Chatrooms.ads</a:t>
-            </a:r>
-            <a:endParaRPr lang="de-DE" sz="1600" dirty="0">
-              <a:solidFill>
-                <a:srgbClr val="4A5C66"/>
-              </a:solidFill>
-              <a:latin typeface="Arial" panose="020B0604020202020204" pitchFamily="34" charset="0"/>
-              <a:cs typeface="Arial" panose="020B0604020202020204" pitchFamily="34" charset="0"/>
-            </a:endParaRPr>
-          </a:p>
-        </p:txBody>
-      </p:sp>
-      <p:sp>
-        <p:nvSpPr>
-          <p:cNvPr id="17" name="Rechteck 16"/>
-          <p:cNvSpPr/>
-          <p:nvPr/>
-        </p:nvSpPr>
-        <p:spPr>
-          <a:xfrm>
-            <a:off x="675169" y="2353487"/>
-            <a:ext cx="1459684" cy="738664"/>
-          </a:xfrm>
-          <a:prstGeom prst="rect">
-            <a:avLst/>
-          </a:prstGeom>
-          <a:noFill/>
-        </p:spPr>
-        <p:style>
-          <a:lnRef idx="2">
-            <a:schemeClr val="accent1">
-              <a:shade val="50000"/>
-            </a:schemeClr>
-          </a:lnRef>
-          <a:fillRef idx="1">
-            <a:schemeClr val="accent1"/>
-          </a:fillRef>
-          <a:effectRef idx="0">
-            <a:schemeClr val="accent1"/>
-          </a:effectRef>
-          <a:fontRef idx="minor">
-            <a:schemeClr val="lt1"/>
-          </a:fontRef>
-        </p:style>
-        <p:txBody>
-          <a:bodyPr rtlCol="0" anchor="ctr"/>
-          <a:lstStyle/>
-          <a:p>
-            <a:pPr algn="ctr"/>
-            <a:endParaRPr lang="de-DE">
-              <a:latin typeface="Arial" panose="020B0604020202020204" pitchFamily="34" charset="0"/>
-              <a:cs typeface="Arial" panose="020B0604020202020204" pitchFamily="34" charset="0"/>
-            </a:endParaRPr>
-          </a:p>
-        </p:txBody>
-      </p:sp>
-      <p:sp>
-        <p:nvSpPr>
-          <p:cNvPr id="19" name="Textfeld 18"/>
-          <p:cNvSpPr txBox="1"/>
-          <p:nvPr/>
-        </p:nvSpPr>
-        <p:spPr>
-          <a:xfrm>
-            <a:off x="675169" y="2353486"/>
-            <a:ext cx="1688264" cy="692497"/>
-          </a:xfrm>
-          <a:prstGeom prst="rect">
-            <a:avLst/>
-          </a:prstGeom>
-          <a:noFill/>
-        </p:spPr>
-        <p:txBody>
-          <a:bodyPr wrap="square" rtlCol="0">
-            <a:spAutoFit/>
-          </a:bodyPr>
-          <a:lstStyle/>
-          <a:p>
-            <a:r>
-              <a:rPr lang="de-DE" sz="1300" dirty="0">
-                <a:solidFill>
-                  <a:srgbClr val="4A5C66"/>
-                </a:solidFill>
-                <a:latin typeface="Arial" panose="020B0604020202020204" pitchFamily="34" charset="0"/>
-                <a:cs typeface="Arial" panose="020B0604020202020204" pitchFamily="34" charset="0"/>
-              </a:rPr>
-              <a:t>Type Chatroom </a:t>
-            </a:r>
-            <a:r>
-              <a:rPr lang="de-DE" sz="1300" dirty="0" err="1">
-                <a:solidFill>
-                  <a:srgbClr val="4A5C66"/>
-                </a:solidFill>
-                <a:latin typeface="Arial" panose="020B0604020202020204" pitchFamily="34" charset="0"/>
-                <a:cs typeface="Arial" panose="020B0604020202020204" pitchFamily="34" charset="0"/>
-              </a:rPr>
-              <a:t>is</a:t>
-            </a:r>
-            <a:endParaRPr lang="de-DE" sz="1300" dirty="0">
-              <a:solidFill>
-                <a:srgbClr val="4A5C66"/>
-              </a:solidFill>
-              <a:latin typeface="Arial" panose="020B0604020202020204" pitchFamily="34" charset="0"/>
-              <a:cs typeface="Arial" panose="020B0604020202020204" pitchFamily="34" charset="0"/>
-            </a:endParaRPr>
-          </a:p>
-          <a:p>
-            <a:r>
-              <a:rPr lang="de-DE" sz="1300" dirty="0">
-                <a:solidFill>
-                  <a:srgbClr val="4A5C66"/>
-                </a:solidFill>
-                <a:latin typeface="Arial" panose="020B0604020202020204" pitchFamily="34" charset="0"/>
-                <a:cs typeface="Arial" panose="020B0604020202020204" pitchFamily="34" charset="0"/>
-              </a:rPr>
-              <a:t>      - Client</a:t>
-            </a:r>
-          </a:p>
-          <a:p>
-            <a:r>
-              <a:rPr lang="de-DE" sz="1300" dirty="0">
-                <a:solidFill>
-                  <a:srgbClr val="4A5C66"/>
-                </a:solidFill>
-                <a:latin typeface="Arial" panose="020B0604020202020204" pitchFamily="34" charset="0"/>
-                <a:cs typeface="Arial" panose="020B0604020202020204" pitchFamily="34" charset="0"/>
-              </a:rPr>
-              <a:t>End type;</a:t>
-            </a:r>
-          </a:p>
-        </p:txBody>
-      </p:sp>
-      <p:sp>
-        <p:nvSpPr>
-          <p:cNvPr id="38" name="Rechteck 37"/>
-          <p:cNvSpPr/>
-          <p:nvPr/>
-        </p:nvSpPr>
-        <p:spPr>
-          <a:xfrm>
-            <a:off x="6204911" y="2224209"/>
-            <a:ext cx="2293137" cy="2725658"/>
-          </a:xfrm>
-          <a:prstGeom prst="rect">
-            <a:avLst/>
-          </a:prstGeom>
-          <a:noFill/>
-          <a:ln/>
-        </p:spPr>
-        <p:style>
-          <a:lnRef idx="2">
-            <a:schemeClr val="dk1">
-              <a:shade val="50000"/>
-            </a:schemeClr>
-          </a:lnRef>
-          <a:fillRef idx="1">
-            <a:schemeClr val="dk1"/>
-          </a:fillRef>
-          <a:effectRef idx="0">
-            <a:schemeClr val="dk1"/>
-          </a:effectRef>
-          <a:fontRef idx="minor">
-            <a:schemeClr val="lt1"/>
-          </a:fontRef>
-        </p:style>
-        <p:txBody>
-          <a:bodyPr rtlCol="0" anchor="ctr"/>
-          <a:lstStyle/>
-          <a:p>
-            <a:pPr algn="ctr"/>
-            <a:endParaRPr lang="de-DE">
-              <a:latin typeface="Arial" panose="020B0604020202020204" pitchFamily="34" charset="0"/>
-              <a:cs typeface="Arial" panose="020B0604020202020204" pitchFamily="34" charset="0"/>
-            </a:endParaRPr>
-          </a:p>
-        </p:txBody>
-      </p:sp>
-      <p:sp>
-        <p:nvSpPr>
-          <p:cNvPr id="39" name="Textfeld 38"/>
-          <p:cNvSpPr txBox="1"/>
-          <p:nvPr/>
-        </p:nvSpPr>
-        <p:spPr>
-          <a:xfrm>
-            <a:off x="6105081" y="1886778"/>
-            <a:ext cx="1693739" cy="338554"/>
-          </a:xfrm>
-          <a:prstGeom prst="rect">
-            <a:avLst/>
-          </a:prstGeom>
-          <a:noFill/>
-        </p:spPr>
-        <p:txBody>
-          <a:bodyPr wrap="square" rtlCol="0">
-            <a:spAutoFit/>
-          </a:bodyPr>
-          <a:lstStyle/>
-          <a:p>
-            <a:r>
-              <a:rPr lang="de-DE" sz="1600" dirty="0" err="1">
-                <a:solidFill>
-                  <a:srgbClr val="4A5C66"/>
-                </a:solidFill>
-                <a:latin typeface="Arial" panose="020B0604020202020204" pitchFamily="34" charset="0"/>
-                <a:cs typeface="Arial" panose="020B0604020202020204" pitchFamily="34" charset="0"/>
-              </a:rPr>
-              <a:t>ServerLogic.ads</a:t>
-            </a:r>
-            <a:endParaRPr lang="de-DE" sz="1600" dirty="0">
-              <a:solidFill>
-                <a:srgbClr val="4A5C66"/>
-              </a:solidFill>
-              <a:latin typeface="Arial" panose="020B0604020202020204" pitchFamily="34" charset="0"/>
-              <a:cs typeface="Arial" panose="020B0604020202020204" pitchFamily="34" charset="0"/>
-            </a:endParaRPr>
-          </a:p>
-        </p:txBody>
-      </p:sp>
-      <p:sp>
-        <p:nvSpPr>
-          <p:cNvPr id="40" name="Rechteck 39"/>
-          <p:cNvSpPr/>
-          <p:nvPr/>
-        </p:nvSpPr>
-        <p:spPr>
-          <a:xfrm>
-            <a:off x="6339136" y="2353487"/>
-            <a:ext cx="1459684" cy="954106"/>
-          </a:xfrm>
-          <a:prstGeom prst="rect">
-            <a:avLst/>
-          </a:prstGeom>
-          <a:noFill/>
-        </p:spPr>
-        <p:style>
-          <a:lnRef idx="2">
-            <a:schemeClr val="accent1">
-              <a:shade val="50000"/>
-            </a:schemeClr>
-          </a:lnRef>
-          <a:fillRef idx="1">
-            <a:schemeClr val="accent1"/>
-          </a:fillRef>
-          <a:effectRef idx="0">
-            <a:schemeClr val="accent1"/>
-          </a:effectRef>
-          <a:fontRef idx="minor">
-            <a:schemeClr val="lt1"/>
-          </a:fontRef>
-        </p:style>
-        <p:txBody>
-          <a:bodyPr rtlCol="0" anchor="ctr"/>
-          <a:lstStyle/>
-          <a:p>
-            <a:pPr algn="ctr"/>
-            <a:endParaRPr lang="de-DE">
-              <a:latin typeface="Arial" panose="020B0604020202020204" pitchFamily="34" charset="0"/>
-              <a:cs typeface="Arial" panose="020B0604020202020204" pitchFamily="34" charset="0"/>
-            </a:endParaRPr>
-          </a:p>
-        </p:txBody>
-      </p:sp>
-      <p:sp>
-        <p:nvSpPr>
-          <p:cNvPr id="41" name="Textfeld 40"/>
-          <p:cNvSpPr txBox="1"/>
-          <p:nvPr/>
-        </p:nvSpPr>
-        <p:spPr>
-          <a:xfrm>
-            <a:off x="6339136" y="2353486"/>
-            <a:ext cx="1688264" cy="892552"/>
-          </a:xfrm>
-          <a:prstGeom prst="rect">
-            <a:avLst/>
-          </a:prstGeom>
-          <a:noFill/>
-        </p:spPr>
-        <p:txBody>
-          <a:bodyPr wrap="square" rtlCol="0">
-            <a:spAutoFit/>
-          </a:bodyPr>
-          <a:lstStyle/>
-          <a:p>
-            <a:r>
-              <a:rPr lang="de-DE" sz="1300" dirty="0">
-                <a:solidFill>
-                  <a:srgbClr val="4A5C66"/>
-                </a:solidFill>
-                <a:latin typeface="Arial" panose="020B0604020202020204" pitchFamily="34" charset="0"/>
-                <a:cs typeface="Arial" panose="020B0604020202020204" pitchFamily="34" charset="0"/>
-              </a:rPr>
-              <a:t>Type Server </a:t>
-            </a:r>
-            <a:r>
-              <a:rPr lang="de-DE" sz="1300" dirty="0" err="1">
-                <a:solidFill>
-                  <a:srgbClr val="4A5C66"/>
-                </a:solidFill>
-                <a:latin typeface="Arial" panose="020B0604020202020204" pitchFamily="34" charset="0"/>
-                <a:cs typeface="Arial" panose="020B0604020202020204" pitchFamily="34" charset="0"/>
-              </a:rPr>
-              <a:t>is</a:t>
-            </a:r>
-            <a:endParaRPr lang="de-DE" sz="1300" dirty="0">
-              <a:solidFill>
-                <a:srgbClr val="4A5C66"/>
-              </a:solidFill>
-              <a:latin typeface="Arial" panose="020B0604020202020204" pitchFamily="34" charset="0"/>
-              <a:cs typeface="Arial" panose="020B0604020202020204" pitchFamily="34" charset="0"/>
-            </a:endParaRPr>
-          </a:p>
-          <a:p>
-            <a:r>
-              <a:rPr lang="de-DE" sz="1300" dirty="0">
-                <a:solidFill>
-                  <a:srgbClr val="4A5C66"/>
-                </a:solidFill>
-                <a:latin typeface="Arial" panose="020B0604020202020204" pitchFamily="34" charset="0"/>
-                <a:cs typeface="Arial" panose="020B0604020202020204" pitchFamily="34" charset="0"/>
-              </a:rPr>
-              <a:t>      - Client</a:t>
-            </a:r>
-          </a:p>
-          <a:p>
-            <a:r>
-              <a:rPr lang="de-DE" sz="1300" dirty="0">
-                <a:solidFill>
-                  <a:srgbClr val="4A5C66"/>
-                </a:solidFill>
-                <a:latin typeface="Arial" panose="020B0604020202020204" pitchFamily="34" charset="0"/>
-                <a:cs typeface="Arial" panose="020B0604020202020204" pitchFamily="34" charset="0"/>
-              </a:rPr>
-              <a:t>      - Chatroom</a:t>
-            </a:r>
-          </a:p>
-          <a:p>
-            <a:r>
-              <a:rPr lang="de-DE" sz="1300" dirty="0">
-                <a:solidFill>
-                  <a:srgbClr val="4A5C66"/>
-                </a:solidFill>
-                <a:latin typeface="Arial" panose="020B0604020202020204" pitchFamily="34" charset="0"/>
-                <a:cs typeface="Arial" panose="020B0604020202020204" pitchFamily="34" charset="0"/>
-              </a:rPr>
-              <a:t>End type;</a:t>
-            </a:r>
-          </a:p>
-        </p:txBody>
-      </p:sp>
-      <p:sp>
-        <p:nvSpPr>
-          <p:cNvPr id="42" name="Rechteck 41"/>
-          <p:cNvSpPr/>
-          <p:nvPr/>
-        </p:nvSpPr>
-        <p:spPr>
-          <a:xfrm>
-            <a:off x="6339136" y="3436871"/>
-            <a:ext cx="1459684" cy="728804"/>
-          </a:xfrm>
-          <a:prstGeom prst="rect">
-            <a:avLst/>
-          </a:prstGeom>
-          <a:noFill/>
-        </p:spPr>
-        <p:style>
-          <a:lnRef idx="2">
-            <a:schemeClr val="accent1">
-              <a:shade val="50000"/>
-            </a:schemeClr>
-          </a:lnRef>
-          <a:fillRef idx="1">
-            <a:schemeClr val="accent1"/>
-          </a:fillRef>
-          <a:effectRef idx="0">
-            <a:schemeClr val="accent1"/>
-          </a:effectRef>
-          <a:fontRef idx="minor">
-            <a:schemeClr val="lt1"/>
-          </a:fontRef>
-        </p:style>
-        <p:txBody>
-          <a:bodyPr rtlCol="0" anchor="ctr"/>
-          <a:lstStyle/>
-          <a:p>
-            <a:pPr algn="ctr"/>
-            <a:endParaRPr lang="de-DE">
-              <a:latin typeface="Arial" panose="020B0604020202020204" pitchFamily="34" charset="0"/>
-              <a:cs typeface="Arial" panose="020B0604020202020204" pitchFamily="34" charset="0"/>
-            </a:endParaRPr>
-          </a:p>
-        </p:txBody>
-      </p:sp>
-      <p:sp>
-        <p:nvSpPr>
-          <p:cNvPr id="43" name="Textfeld 42"/>
-          <p:cNvSpPr txBox="1"/>
-          <p:nvPr/>
-        </p:nvSpPr>
-        <p:spPr>
-          <a:xfrm>
-            <a:off x="6339136" y="3427011"/>
-            <a:ext cx="1688264" cy="692497"/>
-          </a:xfrm>
-          <a:prstGeom prst="rect">
-            <a:avLst/>
-          </a:prstGeom>
-          <a:noFill/>
-        </p:spPr>
-        <p:txBody>
-          <a:bodyPr wrap="square" rtlCol="0">
-            <a:spAutoFit/>
-          </a:bodyPr>
-          <a:lstStyle/>
-          <a:p>
-            <a:r>
-              <a:rPr lang="de-DE" sz="1300" dirty="0">
-                <a:solidFill>
-                  <a:srgbClr val="4A5C66"/>
-                </a:solidFill>
-                <a:latin typeface="Arial" panose="020B0604020202020204" pitchFamily="34" charset="0"/>
-                <a:cs typeface="Arial" panose="020B0604020202020204" pitchFamily="34" charset="0"/>
-              </a:rPr>
-              <a:t>Type Client </a:t>
-            </a:r>
-            <a:r>
-              <a:rPr lang="de-DE" sz="1300" dirty="0" err="1">
-                <a:solidFill>
-                  <a:srgbClr val="4A5C66"/>
-                </a:solidFill>
-                <a:latin typeface="Arial" panose="020B0604020202020204" pitchFamily="34" charset="0"/>
-                <a:cs typeface="Arial" panose="020B0604020202020204" pitchFamily="34" charset="0"/>
-              </a:rPr>
-              <a:t>is</a:t>
-            </a:r>
-            <a:endParaRPr lang="de-DE" sz="1300" dirty="0">
-              <a:solidFill>
-                <a:srgbClr val="4A5C66"/>
-              </a:solidFill>
-              <a:latin typeface="Arial" panose="020B0604020202020204" pitchFamily="34" charset="0"/>
-              <a:cs typeface="Arial" panose="020B0604020202020204" pitchFamily="34" charset="0"/>
-            </a:endParaRPr>
-          </a:p>
-          <a:p>
-            <a:r>
-              <a:rPr lang="de-DE" sz="1300" dirty="0">
-                <a:solidFill>
-                  <a:srgbClr val="4A5C66"/>
-                </a:solidFill>
-                <a:latin typeface="Arial" panose="020B0604020202020204" pitchFamily="34" charset="0"/>
-                <a:cs typeface="Arial" panose="020B0604020202020204" pitchFamily="34" charset="0"/>
-              </a:rPr>
-              <a:t>      …</a:t>
-            </a:r>
-          </a:p>
-          <a:p>
-            <a:r>
-              <a:rPr lang="de-DE" sz="1300" dirty="0">
-                <a:solidFill>
-                  <a:srgbClr val="4A5C66"/>
-                </a:solidFill>
-                <a:latin typeface="Arial" panose="020B0604020202020204" pitchFamily="34" charset="0"/>
-                <a:cs typeface="Arial" panose="020B0604020202020204" pitchFamily="34" charset="0"/>
-              </a:rPr>
-              <a:t>End type;</a:t>
-            </a:r>
-          </a:p>
-        </p:txBody>
-      </p:sp>
-      <p:cxnSp>
-        <p:nvCxnSpPr>
-          <p:cNvPr id="2061" name="Gerader Verbinder 2060"/>
-          <p:cNvCxnSpPr/>
-          <p:nvPr/>
-        </p:nvCxnSpPr>
-        <p:spPr>
-          <a:xfrm>
-            <a:off x="7798820" y="2810675"/>
-            <a:ext cx="380446" cy="0"/>
-          </a:xfrm>
-          <a:prstGeom prst="line">
-            <a:avLst/>
-          </a:prstGeom>
-          <a:ln w="28575"/>
-        </p:spPr>
-        <p:style>
-          <a:lnRef idx="2">
-            <a:schemeClr val="accent2"/>
-          </a:lnRef>
-          <a:fillRef idx="0">
-            <a:schemeClr val="accent2"/>
-          </a:fillRef>
-          <a:effectRef idx="1">
-            <a:schemeClr val="accent2"/>
-          </a:effectRef>
-          <a:fontRef idx="minor">
-            <a:schemeClr val="tx1"/>
-          </a:fontRef>
-        </p:style>
-      </p:cxnSp>
-      <p:cxnSp>
-        <p:nvCxnSpPr>
-          <p:cNvPr id="2063" name="Gerader Verbinder 2062"/>
-          <p:cNvCxnSpPr/>
-          <p:nvPr/>
-        </p:nvCxnSpPr>
-        <p:spPr>
-          <a:xfrm>
-            <a:off x="8179266" y="2819064"/>
-            <a:ext cx="0" cy="1023456"/>
-          </a:xfrm>
-          <a:prstGeom prst="line">
-            <a:avLst/>
-          </a:prstGeom>
-          <a:ln w="28575"/>
-        </p:spPr>
-        <p:style>
-          <a:lnRef idx="2">
-            <a:schemeClr val="accent2"/>
-          </a:lnRef>
-          <a:fillRef idx="0">
-            <a:schemeClr val="accent2"/>
-          </a:fillRef>
-          <a:effectRef idx="1">
-            <a:schemeClr val="accent2"/>
-          </a:effectRef>
-          <a:fontRef idx="minor">
-            <a:schemeClr val="tx1"/>
-          </a:fontRef>
-        </p:style>
-      </p:cxnSp>
-      <p:cxnSp>
-        <p:nvCxnSpPr>
-          <p:cNvPr id="2066" name="Gerade Verbindung mit Pfeil 2065"/>
-          <p:cNvCxnSpPr/>
-          <p:nvPr/>
-        </p:nvCxnSpPr>
-        <p:spPr>
-          <a:xfrm flipH="1">
-            <a:off x="7798820" y="3842520"/>
-            <a:ext cx="380446" cy="0"/>
-          </a:xfrm>
-          <a:prstGeom prst="straightConnector1">
-            <a:avLst/>
-          </a:prstGeom>
-          <a:ln w="28575">
-            <a:tailEnd type="triangle"/>
+              <a:t>Erweiterbarkeit</a:t>
+            </a:r>
+          </a:p>
+        </p:txBody>
+      </p:sp>
+      <p:pic>
+        <p:nvPicPr>
+          <p:cNvPr id="10" name="Inhaltsplatzhalter 9"/>
+          <p:cNvPicPr>
+            <a:picLocks noGrp="1" noChangeAspect="1"/>
+          </p:cNvPicPr>
+          <p:nvPr>
+            <p:ph idx="1"/>
+          </p:nvPr>
+        </p:nvPicPr>
+        <p:blipFill>
+          <a:blip r:embed="rId2">
+            <a:extLst>
+              <a:ext uri="{28A0092B-C50C-407E-A947-70E740481C1C}">
+                <a14:useLocalDpi xmlns:a14="http://schemas.microsoft.com/office/drawing/2010/main" val="0"/>
+              </a:ext>
+            </a:extLst>
+          </a:blip>
+          <a:stretch>
+            <a:fillRect/>
+          </a:stretch>
+        </p:blipFill>
+        <p:spPr>
+          <a:xfrm>
+            <a:off x="2092284" y="2575274"/>
+            <a:ext cx="4781550" cy="2190750"/>
+          </a:xfrm>
+          <a:ln w="19050">
+            <a:solidFill>
+              <a:schemeClr val="tx1"/>
+            </a:solidFill>
           </a:ln>
         </p:spPr>
-        <p:style>
-          <a:lnRef idx="2">
-            <a:schemeClr val="accent2"/>
-          </a:lnRef>
-          <a:fillRef idx="0">
-            <a:schemeClr val="accent2"/>
-          </a:fillRef>
-          <a:effectRef idx="1">
-            <a:schemeClr val="accent2"/>
-          </a:effectRef>
-          <a:fontRef idx="minor">
-            <a:schemeClr val="tx1"/>
-          </a:fontRef>
-        </p:style>
-      </p:cxnSp>
-      <p:cxnSp>
-        <p:nvCxnSpPr>
-          <p:cNvPr id="2069" name="Gerade Verbindung mit Pfeil 2068"/>
-          <p:cNvCxnSpPr>
-            <a:endCxn id="43" idx="1"/>
-          </p:cNvCxnSpPr>
-          <p:nvPr/>
-        </p:nvCxnSpPr>
-        <p:spPr>
-          <a:xfrm>
-            <a:off x="2134853" y="2995232"/>
-            <a:ext cx="4204283" cy="778028"/>
-          </a:xfrm>
-          <a:prstGeom prst="straightConnector1">
-            <a:avLst/>
-          </a:prstGeom>
-          <a:ln w="28575">
-            <a:tailEnd type="triangle"/>
-          </a:ln>
-        </p:spPr>
-        <p:style>
-          <a:lnRef idx="2">
-            <a:schemeClr val="accent2"/>
-          </a:lnRef>
-          <a:fillRef idx="0">
-            <a:schemeClr val="accent2"/>
-          </a:fillRef>
-          <a:effectRef idx="1">
-            <a:schemeClr val="accent2"/>
-          </a:effectRef>
-          <a:fontRef idx="minor">
-            <a:schemeClr val="tx1"/>
-          </a:fontRef>
-        </p:style>
-      </p:cxnSp>
-      <p:cxnSp>
-        <p:nvCxnSpPr>
-          <p:cNvPr id="2071" name="Gerade Verbindung mit Pfeil 2070"/>
-          <p:cNvCxnSpPr>
-            <a:stCxn id="41" idx="1"/>
-          </p:cNvCxnSpPr>
-          <p:nvPr/>
-        </p:nvCxnSpPr>
-        <p:spPr>
-          <a:xfrm flipH="1">
-            <a:off x="2134854" y="2799762"/>
-            <a:ext cx="4204282" cy="10914"/>
-          </a:xfrm>
-          <a:prstGeom prst="straightConnector1">
-            <a:avLst/>
-          </a:prstGeom>
-          <a:ln w="28575">
-            <a:tailEnd type="triangle"/>
-          </a:ln>
-        </p:spPr>
-        <p:style>
-          <a:lnRef idx="2">
-            <a:schemeClr val="accent2"/>
-          </a:lnRef>
-          <a:fillRef idx="0">
-            <a:schemeClr val="accent2"/>
-          </a:fillRef>
-          <a:effectRef idx="1">
-            <a:schemeClr val="accent2"/>
-          </a:effectRef>
-          <a:fontRef idx="minor">
-            <a:schemeClr val="tx1"/>
-          </a:fontRef>
-        </p:style>
-      </p:cxnSp>
-      <p:sp>
-        <p:nvSpPr>
-          <p:cNvPr id="3" name="Textfeld 2"/>
-          <p:cNvSpPr txBox="1"/>
-          <p:nvPr/>
-        </p:nvSpPr>
-        <p:spPr>
-          <a:xfrm rot="653261">
-            <a:off x="3220936" y="3338370"/>
-            <a:ext cx="1887055" cy="307777"/>
-          </a:xfrm>
-          <a:prstGeom prst="rect">
-            <a:avLst/>
-          </a:prstGeom>
-          <a:noFill/>
-        </p:spPr>
-        <p:txBody>
-          <a:bodyPr wrap="none" rtlCol="0">
-            <a:spAutoFit/>
-          </a:bodyPr>
-          <a:lstStyle/>
-          <a:p>
-            <a:r>
-              <a:rPr lang="de-DE" sz="1400" dirty="0" err="1">
-                <a:solidFill>
-                  <a:srgbClr val="4A5C66"/>
-                </a:solidFill>
-                <a:latin typeface="Arial" panose="020B0604020202020204" pitchFamily="34" charset="0"/>
-                <a:cs typeface="Arial" panose="020B0604020202020204" pitchFamily="34" charset="0"/>
-              </a:rPr>
-              <a:t>With</a:t>
-            </a:r>
-            <a:r>
-              <a:rPr lang="de-DE" sz="1400" dirty="0">
-                <a:solidFill>
-                  <a:srgbClr val="4A5C66"/>
-                </a:solidFill>
-                <a:latin typeface="Arial" panose="020B0604020202020204" pitchFamily="34" charset="0"/>
-                <a:cs typeface="Arial" panose="020B0604020202020204" pitchFamily="34" charset="0"/>
-              </a:rPr>
-              <a:t> </a:t>
-            </a:r>
-            <a:r>
-              <a:rPr lang="de-DE" sz="1400" dirty="0" err="1">
-                <a:solidFill>
-                  <a:srgbClr val="4A5C66"/>
-                </a:solidFill>
-                <a:latin typeface="Arial" panose="020B0604020202020204" pitchFamily="34" charset="0"/>
-                <a:cs typeface="Arial" panose="020B0604020202020204" pitchFamily="34" charset="0"/>
-              </a:rPr>
-              <a:t>ServerLogic.ads</a:t>
-            </a:r>
-            <a:endParaRPr lang="de-DE" sz="1400" dirty="0">
-              <a:solidFill>
-                <a:srgbClr val="4A5C66"/>
-              </a:solidFill>
-              <a:latin typeface="Arial" panose="020B0604020202020204" pitchFamily="34" charset="0"/>
-              <a:cs typeface="Arial" panose="020B0604020202020204" pitchFamily="34" charset="0"/>
-            </a:endParaRPr>
-          </a:p>
-        </p:txBody>
-      </p:sp>
-      <p:sp>
-        <p:nvSpPr>
-          <p:cNvPr id="20" name="Textfeld 19"/>
-          <p:cNvSpPr txBox="1"/>
-          <p:nvPr/>
-        </p:nvSpPr>
-        <p:spPr>
-          <a:xfrm>
-            <a:off x="3424834" y="2527910"/>
-            <a:ext cx="1806905" cy="307777"/>
-          </a:xfrm>
-          <a:prstGeom prst="rect">
-            <a:avLst/>
-          </a:prstGeom>
-          <a:noFill/>
-        </p:spPr>
-        <p:txBody>
-          <a:bodyPr wrap="none" rtlCol="0">
-            <a:spAutoFit/>
-          </a:bodyPr>
-          <a:lstStyle/>
-          <a:p>
-            <a:r>
-              <a:rPr lang="de-DE" sz="1400" dirty="0" err="1">
-                <a:solidFill>
-                  <a:srgbClr val="4A5C66"/>
-                </a:solidFill>
-                <a:latin typeface="Arial" panose="020B0604020202020204" pitchFamily="34" charset="0"/>
-                <a:cs typeface="Arial" panose="020B0604020202020204" pitchFamily="34" charset="0"/>
-              </a:rPr>
-              <a:t>With</a:t>
-            </a:r>
-            <a:r>
-              <a:rPr lang="de-DE" sz="1400" dirty="0">
-                <a:solidFill>
-                  <a:srgbClr val="4A5C66"/>
-                </a:solidFill>
-                <a:latin typeface="Arial" panose="020B0604020202020204" pitchFamily="34" charset="0"/>
-                <a:cs typeface="Arial" panose="020B0604020202020204" pitchFamily="34" charset="0"/>
-              </a:rPr>
-              <a:t> </a:t>
-            </a:r>
-            <a:r>
-              <a:rPr lang="de-DE" sz="1400" dirty="0" err="1">
-                <a:solidFill>
-                  <a:srgbClr val="4A5C66"/>
-                </a:solidFill>
-                <a:latin typeface="Arial" panose="020B0604020202020204" pitchFamily="34" charset="0"/>
-                <a:cs typeface="Arial" panose="020B0604020202020204" pitchFamily="34" charset="0"/>
-              </a:rPr>
-              <a:t>Chatrooms.ads</a:t>
-            </a:r>
-            <a:endParaRPr lang="de-DE" sz="1400" dirty="0">
-              <a:solidFill>
-                <a:srgbClr val="4A5C66"/>
-              </a:solidFill>
-              <a:latin typeface="Arial" panose="020B0604020202020204" pitchFamily="34" charset="0"/>
-              <a:cs typeface="Arial" panose="020B0604020202020204" pitchFamily="34" charset="0"/>
-            </a:endParaRPr>
-          </a:p>
-        </p:txBody>
-      </p:sp>
+      </p:pic>
     </p:spTree>
     <p:extLst>
       <p:ext uri="{BB962C8B-B14F-4D97-AF65-F5344CB8AC3E}">
-        <p14:creationId xmlns:p14="http://schemas.microsoft.com/office/powerpoint/2010/main" val="923356769"/>
+        <p14:creationId xmlns:p14="http://schemas.microsoft.com/office/powerpoint/2010/main" val="4282629795"/>
       </p:ext>
     </p:extLst>
   </p:cSld>
@@ -9140,912 +8361,65 @@
           <a:p>
             <a:r>
               <a:rPr lang="de-DE" dirty="0"/>
+              <a:t>Hindernisse</a:t>
+            </a:r>
+          </a:p>
+        </p:txBody>
+      </p:sp>
+      <p:sp>
+        <p:nvSpPr>
+          <p:cNvPr id="3" name="Inhaltsplatzhalter 2"/>
+          <p:cNvSpPr>
+            <a:spLocks noGrp="1"/>
+          </p:cNvSpPr>
+          <p:nvPr>
+            <p:ph idx="1"/>
+          </p:nvPr>
+        </p:nvSpPr>
+        <p:spPr/>
+        <p:txBody>
+          <a:bodyPr/>
+          <a:lstStyle/>
+          <a:p>
+            <a:r>
+              <a:rPr lang="de-DE" dirty="0"/>
+              <a:t>Dokumentation </a:t>
+            </a:r>
+            <a:r>
+              <a:rPr lang="de-DE"/>
+              <a:t>von </a:t>
+            </a:r>
+            <a:r>
+              <a:rPr lang="de-DE" smtClean="0"/>
+              <a:t>Ada</a:t>
+            </a:r>
+            <a:endParaRPr lang="de-DE" dirty="0" smtClean="0"/>
+          </a:p>
+          <a:p>
+            <a:r>
+              <a:rPr lang="de-DE" dirty="0" err="1" smtClean="0"/>
+              <a:t>GtkAda</a:t>
+            </a:r>
+            <a:endParaRPr lang="de-DE" dirty="0"/>
+          </a:p>
+          <a:p>
+            <a:r>
+              <a:rPr lang="de-DE" dirty="0"/>
               <a:t>Zirkuläre Abhängigkeiten</a:t>
             </a:r>
           </a:p>
-        </p:txBody>
-      </p:sp>
-      <p:sp>
-        <p:nvSpPr>
-          <p:cNvPr id="6" name="Rechteck 5"/>
-          <p:cNvSpPr/>
-          <p:nvPr/>
-        </p:nvSpPr>
-        <p:spPr>
-          <a:xfrm>
-            <a:off x="553673" y="2224209"/>
-            <a:ext cx="1744911" cy="2176715"/>
-          </a:xfrm>
-          <a:prstGeom prst="rect">
-            <a:avLst/>
-          </a:prstGeom>
-          <a:noFill/>
-          <a:ln/>
-        </p:spPr>
-        <p:style>
-          <a:lnRef idx="2">
-            <a:schemeClr val="dk1">
-              <a:shade val="50000"/>
-            </a:schemeClr>
-          </a:lnRef>
-          <a:fillRef idx="1">
-            <a:schemeClr val="dk1"/>
-          </a:fillRef>
-          <a:effectRef idx="0">
-            <a:schemeClr val="dk1"/>
-          </a:effectRef>
-          <a:fontRef idx="minor">
-            <a:schemeClr val="lt1"/>
-          </a:fontRef>
-        </p:style>
-        <p:txBody>
-          <a:bodyPr rtlCol="0" anchor="ctr"/>
-          <a:lstStyle/>
-          <a:p>
-            <a:pPr algn="ctr"/>
-            <a:endParaRPr lang="de-DE">
-              <a:solidFill>
-                <a:srgbClr val="4A5C66"/>
-              </a:solidFill>
-              <a:latin typeface="Arial" panose="020B0604020202020204" pitchFamily="34" charset="0"/>
-              <a:cs typeface="Arial" panose="020B0604020202020204" pitchFamily="34" charset="0"/>
-            </a:endParaRPr>
-          </a:p>
-        </p:txBody>
-      </p:sp>
-      <p:sp>
-        <p:nvSpPr>
-          <p:cNvPr id="12" name="Textfeld 11"/>
-          <p:cNvSpPr txBox="1"/>
-          <p:nvPr/>
-        </p:nvSpPr>
-        <p:spPr>
-          <a:xfrm>
-            <a:off x="441114" y="1886778"/>
-            <a:ext cx="1593909" cy="338554"/>
-          </a:xfrm>
-          <a:prstGeom prst="rect">
-            <a:avLst/>
-          </a:prstGeom>
-          <a:noFill/>
-        </p:spPr>
-        <p:txBody>
-          <a:bodyPr wrap="square" rtlCol="0">
-            <a:spAutoFit/>
-          </a:bodyPr>
-          <a:lstStyle/>
-          <a:p>
-            <a:r>
-              <a:rPr lang="de-DE" sz="1600" dirty="0" err="1">
-                <a:solidFill>
-                  <a:srgbClr val="4A5C66"/>
-                </a:solidFill>
-                <a:latin typeface="Arial" panose="020B0604020202020204" pitchFamily="34" charset="0"/>
-                <a:cs typeface="Arial" panose="020B0604020202020204" pitchFamily="34" charset="0"/>
-              </a:rPr>
-              <a:t>Chatrooms.ads</a:t>
-            </a:r>
-            <a:endParaRPr lang="de-DE" sz="1600" dirty="0">
-              <a:solidFill>
-                <a:srgbClr val="4A5C66"/>
-              </a:solidFill>
-              <a:latin typeface="Arial" panose="020B0604020202020204" pitchFamily="34" charset="0"/>
-              <a:cs typeface="Arial" panose="020B0604020202020204" pitchFamily="34" charset="0"/>
-            </a:endParaRPr>
-          </a:p>
-        </p:txBody>
-      </p:sp>
-      <p:sp>
-        <p:nvSpPr>
-          <p:cNvPr id="17" name="Rechteck 16"/>
-          <p:cNvSpPr/>
-          <p:nvPr/>
-        </p:nvSpPr>
-        <p:spPr>
-          <a:xfrm>
-            <a:off x="675169" y="2353487"/>
-            <a:ext cx="1459684" cy="738664"/>
-          </a:xfrm>
-          <a:prstGeom prst="rect">
-            <a:avLst/>
-          </a:prstGeom>
-          <a:noFill/>
-        </p:spPr>
-        <p:style>
-          <a:lnRef idx="2">
-            <a:schemeClr val="accent1">
-              <a:shade val="50000"/>
-            </a:schemeClr>
-          </a:lnRef>
-          <a:fillRef idx="1">
-            <a:schemeClr val="accent1"/>
-          </a:fillRef>
-          <a:effectRef idx="0">
-            <a:schemeClr val="accent1"/>
-          </a:effectRef>
-          <a:fontRef idx="minor">
-            <a:schemeClr val="lt1"/>
-          </a:fontRef>
-        </p:style>
-        <p:txBody>
-          <a:bodyPr rtlCol="0" anchor="ctr"/>
-          <a:lstStyle/>
-          <a:p>
-            <a:pPr algn="ctr"/>
-            <a:endParaRPr lang="de-DE">
-              <a:solidFill>
-                <a:srgbClr val="4A5C66"/>
-              </a:solidFill>
-              <a:latin typeface="Arial" panose="020B0604020202020204" pitchFamily="34" charset="0"/>
-              <a:cs typeface="Arial" panose="020B0604020202020204" pitchFamily="34" charset="0"/>
-            </a:endParaRPr>
-          </a:p>
-        </p:txBody>
-      </p:sp>
-      <p:sp>
-        <p:nvSpPr>
-          <p:cNvPr id="19" name="Textfeld 18"/>
-          <p:cNvSpPr txBox="1"/>
-          <p:nvPr/>
-        </p:nvSpPr>
-        <p:spPr>
-          <a:xfrm>
-            <a:off x="675169" y="2353486"/>
-            <a:ext cx="1688264" cy="692497"/>
-          </a:xfrm>
-          <a:prstGeom prst="rect">
-            <a:avLst/>
-          </a:prstGeom>
-          <a:noFill/>
-        </p:spPr>
-        <p:txBody>
-          <a:bodyPr wrap="square" rtlCol="0">
-            <a:spAutoFit/>
-          </a:bodyPr>
-          <a:lstStyle/>
-          <a:p>
-            <a:r>
-              <a:rPr lang="de-DE" sz="1300" dirty="0">
-                <a:solidFill>
-                  <a:srgbClr val="4A5C66"/>
-                </a:solidFill>
-                <a:latin typeface="Arial" panose="020B0604020202020204" pitchFamily="34" charset="0"/>
-                <a:cs typeface="Arial" panose="020B0604020202020204" pitchFamily="34" charset="0"/>
-              </a:rPr>
-              <a:t>Type Chatroom </a:t>
-            </a:r>
-            <a:r>
-              <a:rPr lang="de-DE" sz="1300" dirty="0" err="1">
-                <a:solidFill>
-                  <a:srgbClr val="4A5C66"/>
-                </a:solidFill>
-                <a:latin typeface="Arial" panose="020B0604020202020204" pitchFamily="34" charset="0"/>
-                <a:cs typeface="Arial" panose="020B0604020202020204" pitchFamily="34" charset="0"/>
-              </a:rPr>
-              <a:t>is</a:t>
-            </a:r>
-            <a:endParaRPr lang="de-DE" sz="1300" dirty="0">
-              <a:solidFill>
-                <a:srgbClr val="4A5C66"/>
-              </a:solidFill>
-              <a:latin typeface="Arial" panose="020B0604020202020204" pitchFamily="34" charset="0"/>
-              <a:cs typeface="Arial" panose="020B0604020202020204" pitchFamily="34" charset="0"/>
-            </a:endParaRPr>
-          </a:p>
-          <a:p>
-            <a:r>
-              <a:rPr lang="de-DE" sz="1300" dirty="0">
-                <a:solidFill>
-                  <a:srgbClr val="4A5C66"/>
-                </a:solidFill>
-                <a:latin typeface="Arial" panose="020B0604020202020204" pitchFamily="34" charset="0"/>
-                <a:cs typeface="Arial" panose="020B0604020202020204" pitchFamily="34" charset="0"/>
-              </a:rPr>
-              <a:t>      - Client</a:t>
-            </a:r>
-          </a:p>
-          <a:p>
-            <a:r>
-              <a:rPr lang="de-DE" sz="1300" dirty="0">
-                <a:solidFill>
-                  <a:srgbClr val="4A5C66"/>
-                </a:solidFill>
-                <a:latin typeface="Arial" panose="020B0604020202020204" pitchFamily="34" charset="0"/>
-                <a:cs typeface="Arial" panose="020B0604020202020204" pitchFamily="34" charset="0"/>
-              </a:rPr>
-              <a:t>End type;</a:t>
-            </a:r>
-          </a:p>
-        </p:txBody>
-      </p:sp>
-      <p:sp>
-        <p:nvSpPr>
-          <p:cNvPr id="38" name="Rechteck 37"/>
-          <p:cNvSpPr/>
-          <p:nvPr/>
-        </p:nvSpPr>
-        <p:spPr>
-          <a:xfrm>
-            <a:off x="6204911" y="2224209"/>
-            <a:ext cx="2293137" cy="2725658"/>
-          </a:xfrm>
-          <a:prstGeom prst="rect">
-            <a:avLst/>
-          </a:prstGeom>
-          <a:noFill/>
-          <a:ln/>
-        </p:spPr>
-        <p:style>
-          <a:lnRef idx="2">
-            <a:schemeClr val="dk1">
-              <a:shade val="50000"/>
-            </a:schemeClr>
-          </a:lnRef>
-          <a:fillRef idx="1">
-            <a:schemeClr val="dk1"/>
-          </a:fillRef>
-          <a:effectRef idx="0">
-            <a:schemeClr val="dk1"/>
-          </a:effectRef>
-          <a:fontRef idx="minor">
-            <a:schemeClr val="lt1"/>
-          </a:fontRef>
-        </p:style>
-        <p:txBody>
-          <a:bodyPr rtlCol="0" anchor="ctr"/>
-          <a:lstStyle/>
-          <a:p>
-            <a:pPr algn="ctr"/>
-            <a:endParaRPr lang="de-DE">
-              <a:solidFill>
-                <a:srgbClr val="4A5C66"/>
-              </a:solidFill>
-              <a:latin typeface="Arial" panose="020B0604020202020204" pitchFamily="34" charset="0"/>
-              <a:cs typeface="Arial" panose="020B0604020202020204" pitchFamily="34" charset="0"/>
-            </a:endParaRPr>
-          </a:p>
-        </p:txBody>
-      </p:sp>
-      <p:sp>
-        <p:nvSpPr>
-          <p:cNvPr id="39" name="Textfeld 38"/>
-          <p:cNvSpPr txBox="1"/>
-          <p:nvPr/>
-        </p:nvSpPr>
-        <p:spPr>
-          <a:xfrm>
-            <a:off x="6105081" y="1886778"/>
-            <a:ext cx="1693739" cy="338554"/>
-          </a:xfrm>
-          <a:prstGeom prst="rect">
-            <a:avLst/>
-          </a:prstGeom>
-          <a:noFill/>
-        </p:spPr>
-        <p:txBody>
-          <a:bodyPr wrap="square" rtlCol="0">
-            <a:spAutoFit/>
-          </a:bodyPr>
-          <a:lstStyle/>
-          <a:p>
-            <a:r>
-              <a:rPr lang="de-DE" sz="1600" dirty="0" err="1">
-                <a:solidFill>
-                  <a:srgbClr val="4A5C66"/>
-                </a:solidFill>
-                <a:latin typeface="Arial" panose="020B0604020202020204" pitchFamily="34" charset="0"/>
-                <a:cs typeface="Arial" panose="020B0604020202020204" pitchFamily="34" charset="0"/>
-              </a:rPr>
-              <a:t>ServerLogic.ads</a:t>
-            </a:r>
-            <a:endParaRPr lang="de-DE" sz="1600" dirty="0">
-              <a:solidFill>
-                <a:srgbClr val="4A5C66"/>
-              </a:solidFill>
-              <a:latin typeface="Arial" panose="020B0604020202020204" pitchFamily="34" charset="0"/>
-              <a:cs typeface="Arial" panose="020B0604020202020204" pitchFamily="34" charset="0"/>
-            </a:endParaRPr>
-          </a:p>
-        </p:txBody>
-      </p:sp>
-      <p:sp>
-        <p:nvSpPr>
-          <p:cNvPr id="40" name="Rechteck 39"/>
-          <p:cNvSpPr/>
-          <p:nvPr/>
-        </p:nvSpPr>
-        <p:spPr>
-          <a:xfrm>
-            <a:off x="6339136" y="2353487"/>
-            <a:ext cx="1459684" cy="954106"/>
-          </a:xfrm>
-          <a:prstGeom prst="rect">
-            <a:avLst/>
-          </a:prstGeom>
-          <a:noFill/>
-        </p:spPr>
-        <p:style>
-          <a:lnRef idx="2">
-            <a:schemeClr val="accent1">
-              <a:shade val="50000"/>
-            </a:schemeClr>
-          </a:lnRef>
-          <a:fillRef idx="1">
-            <a:schemeClr val="accent1"/>
-          </a:fillRef>
-          <a:effectRef idx="0">
-            <a:schemeClr val="accent1"/>
-          </a:effectRef>
-          <a:fontRef idx="minor">
-            <a:schemeClr val="lt1"/>
-          </a:fontRef>
-        </p:style>
-        <p:txBody>
-          <a:bodyPr rtlCol="0" anchor="ctr"/>
-          <a:lstStyle/>
-          <a:p>
-            <a:pPr algn="ctr"/>
-            <a:endParaRPr lang="de-DE">
-              <a:solidFill>
-                <a:srgbClr val="4A5C66"/>
-              </a:solidFill>
-              <a:latin typeface="Arial" panose="020B0604020202020204" pitchFamily="34" charset="0"/>
-              <a:cs typeface="Arial" panose="020B0604020202020204" pitchFamily="34" charset="0"/>
-            </a:endParaRPr>
-          </a:p>
-        </p:txBody>
-      </p:sp>
-      <p:sp>
-        <p:nvSpPr>
-          <p:cNvPr id="41" name="Textfeld 40"/>
-          <p:cNvSpPr txBox="1"/>
-          <p:nvPr/>
-        </p:nvSpPr>
-        <p:spPr>
-          <a:xfrm>
-            <a:off x="6339136" y="2353486"/>
-            <a:ext cx="1688264" cy="892552"/>
-          </a:xfrm>
-          <a:prstGeom prst="rect">
-            <a:avLst/>
-          </a:prstGeom>
-          <a:noFill/>
-        </p:spPr>
-        <p:txBody>
-          <a:bodyPr wrap="square" rtlCol="0">
-            <a:spAutoFit/>
-          </a:bodyPr>
-          <a:lstStyle/>
-          <a:p>
-            <a:r>
-              <a:rPr lang="de-DE" sz="1300" dirty="0">
-                <a:solidFill>
-                  <a:srgbClr val="4A5C66"/>
-                </a:solidFill>
-                <a:latin typeface="Arial" panose="020B0604020202020204" pitchFamily="34" charset="0"/>
-                <a:cs typeface="Arial" panose="020B0604020202020204" pitchFamily="34" charset="0"/>
-              </a:rPr>
-              <a:t>Type Server </a:t>
-            </a:r>
-            <a:r>
-              <a:rPr lang="de-DE" sz="1300" dirty="0" err="1">
-                <a:solidFill>
-                  <a:srgbClr val="4A5C66"/>
-                </a:solidFill>
-                <a:latin typeface="Arial" panose="020B0604020202020204" pitchFamily="34" charset="0"/>
-                <a:cs typeface="Arial" panose="020B0604020202020204" pitchFamily="34" charset="0"/>
-              </a:rPr>
-              <a:t>is</a:t>
-            </a:r>
-            <a:endParaRPr lang="de-DE" sz="1300" dirty="0">
-              <a:solidFill>
-                <a:srgbClr val="4A5C66"/>
-              </a:solidFill>
-              <a:latin typeface="Arial" panose="020B0604020202020204" pitchFamily="34" charset="0"/>
-              <a:cs typeface="Arial" panose="020B0604020202020204" pitchFamily="34" charset="0"/>
-            </a:endParaRPr>
-          </a:p>
-          <a:p>
-            <a:r>
-              <a:rPr lang="de-DE" sz="1300" dirty="0">
-                <a:solidFill>
-                  <a:srgbClr val="4A5C66"/>
-                </a:solidFill>
-                <a:latin typeface="Arial" panose="020B0604020202020204" pitchFamily="34" charset="0"/>
-                <a:cs typeface="Arial" panose="020B0604020202020204" pitchFamily="34" charset="0"/>
-              </a:rPr>
-              <a:t>      - Client</a:t>
-            </a:r>
-          </a:p>
-          <a:p>
-            <a:r>
-              <a:rPr lang="de-DE" sz="1300" dirty="0">
-                <a:solidFill>
-                  <a:srgbClr val="4A5C66"/>
-                </a:solidFill>
-                <a:latin typeface="Arial" panose="020B0604020202020204" pitchFamily="34" charset="0"/>
-                <a:cs typeface="Arial" panose="020B0604020202020204" pitchFamily="34" charset="0"/>
-              </a:rPr>
-              <a:t>      - Chatroom</a:t>
-            </a:r>
-          </a:p>
-          <a:p>
-            <a:r>
-              <a:rPr lang="de-DE" sz="1300" dirty="0">
-                <a:solidFill>
-                  <a:srgbClr val="4A5C66"/>
-                </a:solidFill>
-                <a:latin typeface="Arial" panose="020B0604020202020204" pitchFamily="34" charset="0"/>
-                <a:cs typeface="Arial" panose="020B0604020202020204" pitchFamily="34" charset="0"/>
-              </a:rPr>
-              <a:t>End type;</a:t>
-            </a:r>
-          </a:p>
-        </p:txBody>
-      </p:sp>
-      <p:sp>
-        <p:nvSpPr>
-          <p:cNvPr id="42" name="Rechteck 41"/>
-          <p:cNvSpPr/>
-          <p:nvPr/>
-        </p:nvSpPr>
-        <p:spPr>
-          <a:xfrm>
-            <a:off x="6339136" y="3436871"/>
-            <a:ext cx="1459684" cy="728804"/>
-          </a:xfrm>
-          <a:prstGeom prst="rect">
-            <a:avLst/>
-          </a:prstGeom>
-          <a:noFill/>
-        </p:spPr>
-        <p:style>
-          <a:lnRef idx="2">
-            <a:schemeClr val="accent1">
-              <a:shade val="50000"/>
-            </a:schemeClr>
-          </a:lnRef>
-          <a:fillRef idx="1">
-            <a:schemeClr val="accent1"/>
-          </a:fillRef>
-          <a:effectRef idx="0">
-            <a:schemeClr val="accent1"/>
-          </a:effectRef>
-          <a:fontRef idx="minor">
-            <a:schemeClr val="lt1"/>
-          </a:fontRef>
-        </p:style>
-        <p:txBody>
-          <a:bodyPr rtlCol="0" anchor="ctr"/>
-          <a:lstStyle/>
-          <a:p>
-            <a:pPr algn="ctr"/>
-            <a:endParaRPr lang="de-DE">
-              <a:solidFill>
-                <a:srgbClr val="4A5C66"/>
-              </a:solidFill>
-              <a:latin typeface="Arial" panose="020B0604020202020204" pitchFamily="34" charset="0"/>
-              <a:cs typeface="Arial" panose="020B0604020202020204" pitchFamily="34" charset="0"/>
-            </a:endParaRPr>
-          </a:p>
-        </p:txBody>
-      </p:sp>
-      <p:sp>
-        <p:nvSpPr>
-          <p:cNvPr id="43" name="Textfeld 42"/>
-          <p:cNvSpPr txBox="1"/>
-          <p:nvPr/>
-        </p:nvSpPr>
-        <p:spPr>
-          <a:xfrm>
-            <a:off x="6339136" y="3427011"/>
-            <a:ext cx="1688264" cy="692497"/>
-          </a:xfrm>
-          <a:prstGeom prst="rect">
-            <a:avLst/>
-          </a:prstGeom>
-          <a:noFill/>
-        </p:spPr>
-        <p:txBody>
-          <a:bodyPr wrap="square" rtlCol="0">
-            <a:spAutoFit/>
-          </a:bodyPr>
-          <a:lstStyle/>
-          <a:p>
-            <a:r>
-              <a:rPr lang="de-DE" sz="1300" dirty="0">
-                <a:solidFill>
-                  <a:srgbClr val="4A5C66"/>
-                </a:solidFill>
-                <a:latin typeface="Arial" panose="020B0604020202020204" pitchFamily="34" charset="0"/>
-                <a:cs typeface="Arial" panose="020B0604020202020204" pitchFamily="34" charset="0"/>
-              </a:rPr>
-              <a:t>Type Client </a:t>
-            </a:r>
-            <a:r>
-              <a:rPr lang="de-DE" sz="1300" dirty="0" err="1">
-                <a:solidFill>
-                  <a:srgbClr val="4A5C66"/>
-                </a:solidFill>
-                <a:latin typeface="Arial" panose="020B0604020202020204" pitchFamily="34" charset="0"/>
-                <a:cs typeface="Arial" panose="020B0604020202020204" pitchFamily="34" charset="0"/>
-              </a:rPr>
-              <a:t>is</a:t>
-            </a:r>
-            <a:endParaRPr lang="de-DE" sz="1300" dirty="0">
-              <a:solidFill>
-                <a:srgbClr val="4A5C66"/>
-              </a:solidFill>
-              <a:latin typeface="Arial" panose="020B0604020202020204" pitchFamily="34" charset="0"/>
-              <a:cs typeface="Arial" panose="020B0604020202020204" pitchFamily="34" charset="0"/>
-            </a:endParaRPr>
-          </a:p>
-          <a:p>
-            <a:r>
-              <a:rPr lang="de-DE" sz="1300" dirty="0">
-                <a:solidFill>
-                  <a:srgbClr val="4A5C66"/>
-                </a:solidFill>
-                <a:latin typeface="Arial" panose="020B0604020202020204" pitchFamily="34" charset="0"/>
-                <a:cs typeface="Arial" panose="020B0604020202020204" pitchFamily="34" charset="0"/>
-              </a:rPr>
-              <a:t>      …</a:t>
-            </a:r>
-          </a:p>
-          <a:p>
-            <a:r>
-              <a:rPr lang="de-DE" sz="1300" dirty="0">
-                <a:solidFill>
-                  <a:srgbClr val="4A5C66"/>
-                </a:solidFill>
-                <a:latin typeface="Arial" panose="020B0604020202020204" pitchFamily="34" charset="0"/>
-                <a:cs typeface="Arial" panose="020B0604020202020204" pitchFamily="34" charset="0"/>
-              </a:rPr>
-              <a:t>End type;</a:t>
-            </a:r>
-          </a:p>
-        </p:txBody>
-      </p:sp>
-      <p:cxnSp>
-        <p:nvCxnSpPr>
-          <p:cNvPr id="2061" name="Gerader Verbinder 2060"/>
-          <p:cNvCxnSpPr/>
-          <p:nvPr/>
-        </p:nvCxnSpPr>
-        <p:spPr>
-          <a:xfrm>
-            <a:off x="7798820" y="2810675"/>
-            <a:ext cx="380446" cy="0"/>
-          </a:xfrm>
-          <a:prstGeom prst="line">
-            <a:avLst/>
-          </a:prstGeom>
-          <a:ln w="28575"/>
-        </p:spPr>
-        <p:style>
-          <a:lnRef idx="2">
-            <a:schemeClr val="accent2"/>
-          </a:lnRef>
-          <a:fillRef idx="0">
-            <a:schemeClr val="accent2"/>
-          </a:fillRef>
-          <a:effectRef idx="1">
-            <a:schemeClr val="accent2"/>
-          </a:effectRef>
-          <a:fontRef idx="minor">
-            <a:schemeClr val="tx1"/>
-          </a:fontRef>
-        </p:style>
-      </p:cxnSp>
-      <p:cxnSp>
-        <p:nvCxnSpPr>
-          <p:cNvPr id="2063" name="Gerader Verbinder 2062"/>
-          <p:cNvCxnSpPr/>
-          <p:nvPr/>
-        </p:nvCxnSpPr>
-        <p:spPr>
-          <a:xfrm>
-            <a:off x="8179266" y="2819064"/>
-            <a:ext cx="0" cy="1023456"/>
-          </a:xfrm>
-          <a:prstGeom prst="line">
-            <a:avLst/>
-          </a:prstGeom>
-          <a:ln w="28575"/>
-        </p:spPr>
-        <p:style>
-          <a:lnRef idx="2">
-            <a:schemeClr val="accent2"/>
-          </a:lnRef>
-          <a:fillRef idx="0">
-            <a:schemeClr val="accent2"/>
-          </a:fillRef>
-          <a:effectRef idx="1">
-            <a:schemeClr val="accent2"/>
-          </a:effectRef>
-          <a:fontRef idx="minor">
-            <a:schemeClr val="tx1"/>
-          </a:fontRef>
-        </p:style>
-      </p:cxnSp>
-      <p:cxnSp>
-        <p:nvCxnSpPr>
-          <p:cNvPr id="2066" name="Gerade Verbindung mit Pfeil 2065"/>
-          <p:cNvCxnSpPr/>
-          <p:nvPr/>
-        </p:nvCxnSpPr>
-        <p:spPr>
-          <a:xfrm flipH="1">
-            <a:off x="7798820" y="3842520"/>
-            <a:ext cx="380446" cy="0"/>
-          </a:xfrm>
-          <a:prstGeom prst="straightConnector1">
-            <a:avLst/>
-          </a:prstGeom>
-          <a:ln w="28575">
-            <a:tailEnd type="triangle"/>
-          </a:ln>
-        </p:spPr>
-        <p:style>
-          <a:lnRef idx="2">
-            <a:schemeClr val="accent2"/>
-          </a:lnRef>
-          <a:fillRef idx="0">
-            <a:schemeClr val="accent2"/>
-          </a:fillRef>
-          <a:effectRef idx="1">
-            <a:schemeClr val="accent2"/>
-          </a:effectRef>
-          <a:fontRef idx="minor">
-            <a:schemeClr val="tx1"/>
-          </a:fontRef>
-        </p:style>
-      </p:cxnSp>
-      <p:cxnSp>
-        <p:nvCxnSpPr>
-          <p:cNvPr id="2069" name="Gerade Verbindung mit Pfeil 2068"/>
-          <p:cNvCxnSpPr>
-            <a:endCxn id="43" idx="1"/>
-          </p:cNvCxnSpPr>
-          <p:nvPr/>
-        </p:nvCxnSpPr>
-        <p:spPr>
-          <a:xfrm>
-            <a:off x="2134853" y="2995232"/>
-            <a:ext cx="4204283" cy="778028"/>
-          </a:xfrm>
-          <a:prstGeom prst="straightConnector1">
-            <a:avLst/>
-          </a:prstGeom>
-          <a:ln w="28575">
-            <a:tailEnd type="triangle"/>
-          </a:ln>
-        </p:spPr>
-        <p:style>
-          <a:lnRef idx="2">
-            <a:schemeClr val="accent2"/>
-          </a:lnRef>
-          <a:fillRef idx="0">
-            <a:schemeClr val="accent2"/>
-          </a:fillRef>
-          <a:effectRef idx="1">
-            <a:schemeClr val="accent2"/>
-          </a:effectRef>
-          <a:fontRef idx="minor">
-            <a:schemeClr val="tx1"/>
-          </a:fontRef>
-        </p:style>
-      </p:cxnSp>
-      <p:cxnSp>
-        <p:nvCxnSpPr>
-          <p:cNvPr id="2071" name="Gerade Verbindung mit Pfeil 2070"/>
-          <p:cNvCxnSpPr>
-            <a:stCxn id="41" idx="1"/>
-          </p:cNvCxnSpPr>
-          <p:nvPr/>
-        </p:nvCxnSpPr>
-        <p:spPr>
-          <a:xfrm flipH="1">
-            <a:off x="2134854" y="2799762"/>
-            <a:ext cx="4204282" cy="10914"/>
-          </a:xfrm>
-          <a:prstGeom prst="straightConnector1">
-            <a:avLst/>
-          </a:prstGeom>
-          <a:ln w="28575">
-            <a:tailEnd type="triangle"/>
-          </a:ln>
-        </p:spPr>
-        <p:style>
-          <a:lnRef idx="2">
-            <a:schemeClr val="accent2"/>
-          </a:lnRef>
-          <a:fillRef idx="0">
-            <a:schemeClr val="accent2"/>
-          </a:fillRef>
-          <a:effectRef idx="1">
-            <a:schemeClr val="accent2"/>
-          </a:effectRef>
-          <a:fontRef idx="minor">
-            <a:schemeClr val="tx1"/>
-          </a:fontRef>
-        </p:style>
-      </p:cxnSp>
-      <p:sp>
-        <p:nvSpPr>
-          <p:cNvPr id="2074" name="Gewitterblitz 2073"/>
-          <p:cNvSpPr/>
-          <p:nvPr/>
-        </p:nvSpPr>
-        <p:spPr>
-          <a:xfrm rot="20902562" flipH="1">
-            <a:off x="3515663" y="4063089"/>
-            <a:ext cx="926776" cy="995926"/>
-          </a:xfrm>
-          <a:prstGeom prst="lightningBolt">
-            <a:avLst/>
-          </a:prstGeom>
-          <a:solidFill>
-            <a:srgbClr val="FF0000"/>
-          </a:solidFill>
-        </p:spPr>
-        <p:style>
-          <a:lnRef idx="1">
-            <a:schemeClr val="accent2"/>
-          </a:lnRef>
-          <a:fillRef idx="3">
-            <a:schemeClr val="accent2"/>
-          </a:fillRef>
-          <a:effectRef idx="2">
-            <a:schemeClr val="accent2"/>
-          </a:effectRef>
-          <a:fontRef idx="minor">
-            <a:schemeClr val="lt1"/>
-          </a:fontRef>
-        </p:style>
-        <p:txBody>
-          <a:bodyPr rtlCol="0" anchor="ctr"/>
-          <a:lstStyle/>
-          <a:p>
-            <a:pPr algn="ctr"/>
-            <a:endParaRPr lang="de-DE">
-              <a:solidFill>
-                <a:srgbClr val="4A5C66"/>
-              </a:solidFill>
-              <a:latin typeface="Arial" panose="020B0604020202020204" pitchFamily="34" charset="0"/>
-              <a:cs typeface="Arial" panose="020B0604020202020204" pitchFamily="34" charset="0"/>
-            </a:endParaRPr>
-          </a:p>
-        </p:txBody>
-      </p:sp>
-      <p:sp>
-        <p:nvSpPr>
-          <p:cNvPr id="3" name="Textfeld 2"/>
-          <p:cNvSpPr txBox="1"/>
-          <p:nvPr/>
-        </p:nvSpPr>
-        <p:spPr>
-          <a:xfrm rot="653261">
-            <a:off x="3220936" y="3338370"/>
-            <a:ext cx="1887055" cy="307777"/>
-          </a:xfrm>
-          <a:prstGeom prst="rect">
-            <a:avLst/>
-          </a:prstGeom>
-          <a:noFill/>
-        </p:spPr>
-        <p:txBody>
-          <a:bodyPr wrap="none" rtlCol="0">
-            <a:spAutoFit/>
-          </a:bodyPr>
-          <a:lstStyle/>
-          <a:p>
-            <a:r>
-              <a:rPr lang="de-DE" sz="1400" dirty="0" err="1">
-                <a:solidFill>
-                  <a:srgbClr val="4A5C66"/>
-                </a:solidFill>
-                <a:latin typeface="Arial" panose="020B0604020202020204" pitchFamily="34" charset="0"/>
-                <a:cs typeface="Arial" panose="020B0604020202020204" pitchFamily="34" charset="0"/>
-              </a:rPr>
-              <a:t>With</a:t>
-            </a:r>
-            <a:r>
-              <a:rPr lang="de-DE" sz="1400" dirty="0">
-                <a:solidFill>
-                  <a:srgbClr val="4A5C66"/>
-                </a:solidFill>
-                <a:latin typeface="Arial" panose="020B0604020202020204" pitchFamily="34" charset="0"/>
-                <a:cs typeface="Arial" panose="020B0604020202020204" pitchFamily="34" charset="0"/>
-              </a:rPr>
-              <a:t> </a:t>
-            </a:r>
-            <a:r>
-              <a:rPr lang="de-DE" sz="1400" dirty="0" err="1">
-                <a:solidFill>
-                  <a:srgbClr val="4A5C66"/>
-                </a:solidFill>
-                <a:latin typeface="Arial" panose="020B0604020202020204" pitchFamily="34" charset="0"/>
-                <a:cs typeface="Arial" panose="020B0604020202020204" pitchFamily="34" charset="0"/>
-              </a:rPr>
-              <a:t>ServerLogic.ads</a:t>
-            </a:r>
-            <a:endParaRPr lang="de-DE" sz="1400" dirty="0">
-              <a:solidFill>
-                <a:srgbClr val="4A5C66"/>
-              </a:solidFill>
-              <a:latin typeface="Arial" panose="020B0604020202020204" pitchFamily="34" charset="0"/>
-              <a:cs typeface="Arial" panose="020B0604020202020204" pitchFamily="34" charset="0"/>
-            </a:endParaRPr>
-          </a:p>
-        </p:txBody>
-      </p:sp>
-      <p:sp>
-        <p:nvSpPr>
-          <p:cNvPr id="20" name="Textfeld 19"/>
-          <p:cNvSpPr txBox="1"/>
-          <p:nvPr/>
-        </p:nvSpPr>
-        <p:spPr>
-          <a:xfrm>
-            <a:off x="3424834" y="2527910"/>
-            <a:ext cx="1806905" cy="307777"/>
-          </a:xfrm>
-          <a:prstGeom prst="rect">
-            <a:avLst/>
-          </a:prstGeom>
-          <a:noFill/>
-        </p:spPr>
-        <p:txBody>
-          <a:bodyPr wrap="none" rtlCol="0">
-            <a:spAutoFit/>
-          </a:bodyPr>
-          <a:lstStyle/>
-          <a:p>
-            <a:r>
-              <a:rPr lang="de-DE" sz="1400" dirty="0" err="1">
-                <a:solidFill>
-                  <a:srgbClr val="4A5C66"/>
-                </a:solidFill>
-                <a:latin typeface="Arial" panose="020B0604020202020204" pitchFamily="34" charset="0"/>
-                <a:cs typeface="Arial" panose="020B0604020202020204" pitchFamily="34" charset="0"/>
-              </a:rPr>
-              <a:t>With</a:t>
-            </a:r>
-            <a:r>
-              <a:rPr lang="de-DE" sz="1400" dirty="0">
-                <a:solidFill>
-                  <a:srgbClr val="4A5C66"/>
-                </a:solidFill>
-                <a:latin typeface="Arial" panose="020B0604020202020204" pitchFamily="34" charset="0"/>
-                <a:cs typeface="Arial" panose="020B0604020202020204" pitchFamily="34" charset="0"/>
-              </a:rPr>
-              <a:t> </a:t>
-            </a:r>
-            <a:r>
-              <a:rPr lang="de-DE" sz="1400" dirty="0" err="1">
-                <a:solidFill>
-                  <a:srgbClr val="4A5C66"/>
-                </a:solidFill>
-                <a:latin typeface="Arial" panose="020B0604020202020204" pitchFamily="34" charset="0"/>
-                <a:cs typeface="Arial" panose="020B0604020202020204" pitchFamily="34" charset="0"/>
-              </a:rPr>
-              <a:t>Chatrooms.ads</a:t>
-            </a:r>
-            <a:endParaRPr lang="de-DE" sz="1400" dirty="0">
-              <a:solidFill>
-                <a:srgbClr val="4A5C66"/>
-              </a:solidFill>
-              <a:latin typeface="Arial" panose="020B0604020202020204" pitchFamily="34" charset="0"/>
-              <a:cs typeface="Arial" panose="020B0604020202020204" pitchFamily="34" charset="0"/>
-            </a:endParaRPr>
+          <a:p>
+            <a:r>
+              <a:rPr lang="de-DE" dirty="0"/>
+              <a:t>Compilerfehler</a:t>
+            </a:r>
           </a:p>
         </p:txBody>
       </p:sp>
     </p:spTree>
     <p:extLst>
       <p:ext uri="{BB962C8B-B14F-4D97-AF65-F5344CB8AC3E}">
-        <p14:creationId xmlns:p14="http://schemas.microsoft.com/office/powerpoint/2010/main" val="1800598406"/>
+        <p14:creationId xmlns:p14="http://schemas.microsoft.com/office/powerpoint/2010/main" val="2243141793"/>
       </p:ext>
     </p:extLst>
   </p:cSld>
@@ -10108,90 +8482,14 @@
       </p:sp>
       <p:sp>
         <p:nvSpPr>
-          <p:cNvPr id="19" name="Textfeld 18"/>
-          <p:cNvSpPr txBox="1"/>
-          <p:nvPr/>
-        </p:nvSpPr>
-        <p:spPr>
-          <a:xfrm>
-            <a:off x="3402989" y="4642452"/>
-            <a:ext cx="1688264" cy="692497"/>
-          </a:xfrm>
-          <a:prstGeom prst="rect">
-            <a:avLst/>
-          </a:prstGeom>
-          <a:noFill/>
-        </p:spPr>
-        <p:txBody>
-          <a:bodyPr wrap="square" rtlCol="0">
-            <a:spAutoFit/>
-          </a:bodyPr>
-          <a:lstStyle/>
-          <a:p>
-            <a:r>
-              <a:rPr lang="de-DE" sz="1300" dirty="0">
-                <a:solidFill>
-                  <a:srgbClr val="4A5C66"/>
-                </a:solidFill>
-                <a:latin typeface="Arial" panose="020B0604020202020204" pitchFamily="34" charset="0"/>
-                <a:cs typeface="Arial" panose="020B0604020202020204" pitchFamily="34" charset="0"/>
-              </a:rPr>
-              <a:t>Type Chatroom </a:t>
-            </a:r>
-            <a:r>
-              <a:rPr lang="de-DE" sz="1300" dirty="0" err="1">
-                <a:solidFill>
-                  <a:srgbClr val="4A5C66"/>
-                </a:solidFill>
-                <a:latin typeface="Arial" panose="020B0604020202020204" pitchFamily="34" charset="0"/>
-                <a:cs typeface="Arial" panose="020B0604020202020204" pitchFamily="34" charset="0"/>
-              </a:rPr>
-              <a:t>is</a:t>
-            </a:r>
-            <a:endParaRPr lang="de-DE" sz="1300" dirty="0">
-              <a:solidFill>
-                <a:srgbClr val="4A5C66"/>
-              </a:solidFill>
-              <a:latin typeface="Arial" panose="020B0604020202020204" pitchFamily="34" charset="0"/>
-              <a:cs typeface="Arial" panose="020B0604020202020204" pitchFamily="34" charset="0"/>
-            </a:endParaRPr>
-          </a:p>
-          <a:p>
-            <a:r>
-              <a:rPr lang="de-DE" sz="1300" dirty="0">
-                <a:solidFill>
-                  <a:srgbClr val="4A5C66"/>
-                </a:solidFill>
-                <a:latin typeface="Arial" panose="020B0604020202020204" pitchFamily="34" charset="0"/>
-                <a:cs typeface="Arial" panose="020B0604020202020204" pitchFamily="34" charset="0"/>
-              </a:rPr>
-              <a:t>      - Client</a:t>
-            </a:r>
-          </a:p>
-          <a:p>
-            <a:r>
-              <a:rPr lang="de-DE" sz="1300" dirty="0">
-                <a:solidFill>
-                  <a:srgbClr val="4A5C66"/>
-                </a:solidFill>
-                <a:latin typeface="Arial" panose="020B0604020202020204" pitchFamily="34" charset="0"/>
-                <a:cs typeface="Arial" panose="020B0604020202020204" pitchFamily="34" charset="0"/>
-              </a:rPr>
-              <a:t>End type;</a:t>
-            </a:r>
-          </a:p>
-        </p:txBody>
-      </p:sp>
-      <p:sp>
-        <p:nvSpPr>
-          <p:cNvPr id="38" name="Rechteck 37"/>
+          <p:cNvPr id="6" name="Rechteck 5"/>
           <p:cNvSpPr/>
           <p:nvPr/>
         </p:nvSpPr>
         <p:spPr>
           <a:xfrm>
-            <a:off x="3268764" y="2618490"/>
-            <a:ext cx="1747853" cy="3119579"/>
+            <a:off x="553673" y="2224209"/>
+            <a:ext cx="1744911" cy="2176715"/>
           </a:xfrm>
           <a:prstGeom prst="rect">
             <a:avLst/>
@@ -10221,9 +8519,6 @@
           <a:p>
             <a:pPr algn="ctr"/>
             <a:endParaRPr lang="de-DE">
-              <a:solidFill>
-                <a:srgbClr val="4A5C66"/>
-              </a:solidFill>
               <a:latin typeface="Arial" panose="020B0604020202020204" pitchFamily="34" charset="0"/>
               <a:cs typeface="Arial" panose="020B0604020202020204" pitchFamily="34" charset="0"/>
             </a:endParaRPr>
@@ -10232,14 +8527,14 @@
       </p:sp>
       <p:sp>
         <p:nvSpPr>
-          <p:cNvPr id="39" name="Textfeld 38"/>
+          <p:cNvPr id="12" name="Textfeld 11"/>
           <p:cNvSpPr txBox="1"/>
           <p:nvPr/>
         </p:nvSpPr>
         <p:spPr>
           <a:xfrm>
-            <a:off x="3151321" y="2295941"/>
-            <a:ext cx="2904695" cy="338554"/>
+            <a:off x="441114" y="1886778"/>
+            <a:ext cx="1656675" cy="338554"/>
           </a:xfrm>
           <a:prstGeom prst="rect">
             <a:avLst/>
@@ -10260,7 +8555,7 @@
                 <a:latin typeface="Arial" panose="020B0604020202020204" pitchFamily="34" charset="0"/>
                 <a:cs typeface="Arial" panose="020B0604020202020204" pitchFamily="34" charset="0"/>
               </a:rPr>
-              <a:t>Everything.ads</a:t>
+              <a:t>Chatrooms.ads</a:t>
             </a:r>
             <a:endParaRPr lang="de-DE" sz="1600" dirty="0">
               <a:solidFill>
@@ -10274,14 +8569,14 @@
       </p:sp>
       <p:sp>
         <p:nvSpPr>
-          <p:cNvPr id="40" name="Rechteck 39"/>
+          <p:cNvPr id="17" name="Rechteck 16"/>
           <p:cNvSpPr/>
           <p:nvPr/>
         </p:nvSpPr>
         <p:spPr>
           <a:xfrm>
-            <a:off x="3402989" y="2747769"/>
-            <a:ext cx="1459684" cy="954106"/>
+            <a:off x="675169" y="2353487"/>
+            <a:ext cx="1459684" cy="738664"/>
           </a:xfrm>
           <a:prstGeom prst="rect">
             <a:avLst/>
@@ -10310,9 +8605,6 @@
           <a:p>
             <a:pPr algn="ctr"/>
             <a:endParaRPr lang="de-DE">
-              <a:solidFill>
-                <a:srgbClr val="4A5C66"/>
-              </a:solidFill>
               <a:latin typeface="Arial" panose="020B0604020202020204" pitchFamily="34" charset="0"/>
               <a:cs typeface="Arial" panose="020B0604020202020204" pitchFamily="34" charset="0"/>
             </a:endParaRPr>
@@ -10321,14 +8613,14 @@
       </p:sp>
       <p:sp>
         <p:nvSpPr>
-          <p:cNvPr id="41" name="Textfeld 40"/>
+          <p:cNvPr id="19" name="Textfeld 18"/>
           <p:cNvSpPr txBox="1"/>
           <p:nvPr/>
         </p:nvSpPr>
         <p:spPr>
           <a:xfrm>
-            <a:off x="3402989" y="2747768"/>
-            <a:ext cx="1688264" cy="892552"/>
+            <a:off x="675169" y="2353486"/>
+            <a:ext cx="1688264" cy="692497"/>
           </a:xfrm>
           <a:prstGeom prst="rect">
             <a:avLst/>
@@ -10349,7 +8641,7 @@
                 <a:latin typeface="Arial" panose="020B0604020202020204" pitchFamily="34" charset="0"/>
                 <a:cs typeface="Arial" panose="020B0604020202020204" pitchFamily="34" charset="0"/>
               </a:rPr>
-              <a:t>Type Server </a:t>
+              <a:t>Type Chatroom </a:t>
             </a:r>
             <a:r>
               <a:rPr lang="de-DE" sz="1300" dirty="0" err="1">
@@ -10390,18 +8682,6 @@
                 <a:latin typeface="Arial" panose="020B0604020202020204" pitchFamily="34" charset="0"/>
                 <a:cs typeface="Arial" panose="020B0604020202020204" pitchFamily="34" charset="0"/>
               </a:rPr>
-              <a:t>      - Chatroom</a:t>
-            </a:r>
-          </a:p>
-          <a:p>
-            <a:r>
-              <a:rPr lang="de-DE" sz="1300" dirty="0">
-                <a:solidFill>
-                  <a:srgbClr val="4A5C66"/>
-                </a:solidFill>
-                <a:latin typeface="Arial" panose="020B0604020202020204" pitchFamily="34" charset="0"/>
-                <a:cs typeface="Arial" panose="020B0604020202020204" pitchFamily="34" charset="0"/>
-              </a:rPr>
               <a:t>End type;</a:t>
             </a:r>
           </a:p>
@@ -10409,14 +8689,101 @@
       </p:sp>
       <p:sp>
         <p:nvSpPr>
-          <p:cNvPr id="42" name="Rechteck 41"/>
+          <p:cNvPr id="38" name="Rechteck 37"/>
           <p:cNvSpPr/>
           <p:nvPr/>
         </p:nvSpPr>
         <p:spPr>
           <a:xfrm>
-            <a:off x="3402989" y="3831153"/>
-            <a:ext cx="1459684" cy="728804"/>
+            <a:off x="6204911" y="2224209"/>
+            <a:ext cx="2293137" cy="2725658"/>
+          </a:xfrm>
+          <a:prstGeom prst="rect">
+            <a:avLst/>
+          </a:prstGeom>
+          <a:noFill/>
+          <a:ln/>
+        </p:spPr>
+        <p:style>
+          <a:lnRef idx="2">
+            <a:schemeClr val="dk1">
+              <a:shade val="50000"/>
+            </a:schemeClr>
+          </a:lnRef>
+          <a:fillRef idx="1">
+            <a:schemeClr val="dk1"/>
+          </a:fillRef>
+          <a:effectRef idx="0">
+            <a:schemeClr val="dk1"/>
+          </a:effectRef>
+          <a:fontRef idx="minor">
+            <a:schemeClr val="lt1"/>
+          </a:fontRef>
+        </p:style>
+        <p:txBody>
+          <a:bodyPr rtlCol="0" anchor="ctr"/>
+          <a:lstStyle/>
+          <a:p>
+            <a:pPr algn="ctr"/>
+            <a:endParaRPr lang="de-DE">
+              <a:latin typeface="Arial" panose="020B0604020202020204" pitchFamily="34" charset="0"/>
+              <a:cs typeface="Arial" panose="020B0604020202020204" pitchFamily="34" charset="0"/>
+            </a:endParaRPr>
+          </a:p>
+        </p:txBody>
+      </p:sp>
+      <p:sp>
+        <p:nvSpPr>
+          <p:cNvPr id="39" name="Textfeld 38"/>
+          <p:cNvSpPr txBox="1"/>
+          <p:nvPr/>
+        </p:nvSpPr>
+        <p:spPr>
+          <a:xfrm>
+            <a:off x="6105081" y="1886778"/>
+            <a:ext cx="1693739" cy="338554"/>
+          </a:xfrm>
+          <a:prstGeom prst="rect">
+            <a:avLst/>
+          </a:prstGeom>
+          <a:noFill/>
+        </p:spPr>
+        <p:txBody>
+          <a:bodyPr wrap="square" rtlCol="0">
+            <a:spAutoFit/>
+          </a:bodyPr>
+          <a:lstStyle/>
+          <a:p>
+            <a:r>
+              <a:rPr lang="de-DE" sz="1600" dirty="0" err="1">
+                <a:solidFill>
+                  <a:srgbClr val="4A5C66"/>
+                </a:solidFill>
+                <a:latin typeface="Arial" panose="020B0604020202020204" pitchFamily="34" charset="0"/>
+                <a:cs typeface="Arial" panose="020B0604020202020204" pitchFamily="34" charset="0"/>
+              </a:rPr>
+              <a:t>ServerLogic.ads</a:t>
+            </a:r>
+            <a:endParaRPr lang="de-DE" sz="1600" dirty="0">
+              <a:solidFill>
+                <a:srgbClr val="4A5C66"/>
+              </a:solidFill>
+              <a:latin typeface="Arial" panose="020B0604020202020204" pitchFamily="34" charset="0"/>
+              <a:cs typeface="Arial" panose="020B0604020202020204" pitchFamily="34" charset="0"/>
+            </a:endParaRPr>
+          </a:p>
+        </p:txBody>
+      </p:sp>
+      <p:sp>
+        <p:nvSpPr>
+          <p:cNvPr id="40" name="Rechteck 39"/>
+          <p:cNvSpPr/>
+          <p:nvPr/>
+        </p:nvSpPr>
+        <p:spPr>
+          <a:xfrm>
+            <a:off x="6339136" y="2353487"/>
+            <a:ext cx="1459684" cy="954106"/>
           </a:xfrm>
           <a:prstGeom prst="rect">
             <a:avLst/>
@@ -10445,9 +8812,6 @@
           <a:p>
             <a:pPr algn="ctr"/>
             <a:endParaRPr lang="de-DE">
-              <a:solidFill>
-                <a:srgbClr val="4A5C66"/>
-              </a:solidFill>
               <a:latin typeface="Arial" panose="020B0604020202020204" pitchFamily="34" charset="0"/>
               <a:cs typeface="Arial" panose="020B0604020202020204" pitchFamily="34" charset="0"/>
             </a:endParaRPr>
@@ -10456,14 +8820,14 @@
       </p:sp>
       <p:sp>
         <p:nvSpPr>
-          <p:cNvPr id="43" name="Textfeld 42"/>
+          <p:cNvPr id="41" name="Textfeld 40"/>
           <p:cNvSpPr txBox="1"/>
           <p:nvPr/>
         </p:nvSpPr>
         <p:spPr>
           <a:xfrm>
-            <a:off x="3402989" y="3821293"/>
-            <a:ext cx="1688264" cy="692497"/>
+            <a:off x="6339136" y="2353486"/>
+            <a:ext cx="1688264" cy="892552"/>
           </a:xfrm>
           <a:prstGeom prst="rect">
             <a:avLst/>
@@ -10484,7 +8848,7 @@
                 <a:latin typeface="Arial" panose="020B0604020202020204" pitchFamily="34" charset="0"/>
                 <a:cs typeface="Arial" panose="020B0604020202020204" pitchFamily="34" charset="0"/>
               </a:rPr>
-              <a:t>Type Client </a:t>
+              <a:t>Type Server </a:t>
             </a:r>
             <a:r>
               <a:rPr lang="de-DE" sz="1300" dirty="0" err="1">
@@ -10513,7 +8877,7 @@
                 <a:latin typeface="Arial" panose="020B0604020202020204" pitchFamily="34" charset="0"/>
                 <a:cs typeface="Arial" panose="020B0604020202020204" pitchFamily="34" charset="0"/>
               </a:rPr>
-              <a:t>      …</a:t>
+              <a:t>      - Client</a:t>
             </a:r>
           </a:p>
           <a:p>
@@ -10525,6 +8889,18 @@
                 <a:latin typeface="Arial" panose="020B0604020202020204" pitchFamily="34" charset="0"/>
                 <a:cs typeface="Arial" panose="020B0604020202020204" pitchFamily="34" charset="0"/>
               </a:rPr>
+              <a:t>      - Chatroom</a:t>
+            </a:r>
+          </a:p>
+          <a:p>
+            <a:r>
+              <a:rPr lang="de-DE" sz="1300" dirty="0">
+                <a:solidFill>
+                  <a:srgbClr val="4A5C66"/>
+                </a:solidFill>
+                <a:latin typeface="Arial" panose="020B0604020202020204" pitchFamily="34" charset="0"/>
+                <a:cs typeface="Arial" panose="020B0604020202020204" pitchFamily="34" charset="0"/>
+              </a:rPr>
               <a:t>End type;</a:t>
             </a:r>
           </a:p>
@@ -10532,13 +8908,13 @@
       </p:sp>
       <p:sp>
         <p:nvSpPr>
-          <p:cNvPr id="23" name="Rechteck 22"/>
+          <p:cNvPr id="42" name="Rechteck 41"/>
           <p:cNvSpPr/>
           <p:nvPr/>
         </p:nvSpPr>
         <p:spPr>
           <a:xfrm>
-            <a:off x="3402989" y="4679375"/>
+            <a:off x="6339136" y="3436871"/>
             <a:ext cx="1459684" cy="728804"/>
           </a:xfrm>
           <a:prstGeom prst="rect">
@@ -10567,7 +8943,56 @@
           <a:lstStyle/>
           <a:p>
             <a:pPr algn="ctr"/>
-            <a:endParaRPr lang="de-DE" sz="1300">
+            <a:endParaRPr lang="de-DE">
+              <a:latin typeface="Arial" panose="020B0604020202020204" pitchFamily="34" charset="0"/>
+              <a:cs typeface="Arial" panose="020B0604020202020204" pitchFamily="34" charset="0"/>
+            </a:endParaRPr>
+          </a:p>
+        </p:txBody>
+      </p:sp>
+      <p:sp>
+        <p:nvSpPr>
+          <p:cNvPr id="43" name="Textfeld 42"/>
+          <p:cNvSpPr txBox="1"/>
+          <p:nvPr/>
+        </p:nvSpPr>
+        <p:spPr>
+          <a:xfrm>
+            <a:off x="6339136" y="3427011"/>
+            <a:ext cx="1688264" cy="692497"/>
+          </a:xfrm>
+          <a:prstGeom prst="rect">
+            <a:avLst/>
+          </a:prstGeom>
+          <a:noFill/>
+        </p:spPr>
+        <p:txBody>
+          <a:bodyPr wrap="square" rtlCol="0">
+            <a:spAutoFit/>
+          </a:bodyPr>
+          <a:lstStyle/>
+          <a:p>
+            <a:r>
+              <a:rPr lang="de-DE" sz="1300" dirty="0">
+                <a:solidFill>
+                  <a:srgbClr val="4A5C66"/>
+                </a:solidFill>
+                <a:latin typeface="Arial" panose="020B0604020202020204" pitchFamily="34" charset="0"/>
+                <a:cs typeface="Arial" panose="020B0604020202020204" pitchFamily="34" charset="0"/>
+              </a:rPr>
+              <a:t>Type Client </a:t>
+            </a:r>
+            <a:r>
+              <a:rPr lang="de-DE" sz="1300" dirty="0" err="1">
+                <a:solidFill>
+                  <a:srgbClr val="4A5C66"/>
+                </a:solidFill>
+                <a:latin typeface="Arial" panose="020B0604020202020204" pitchFamily="34" charset="0"/>
+                <a:cs typeface="Arial" panose="020B0604020202020204" pitchFamily="34" charset="0"/>
+              </a:rPr>
+              <a:t>is</a:t>
+            </a:r>
+            <a:endParaRPr lang="de-DE" sz="1300" dirty="0">
               <a:solidFill>
                 <a:srgbClr val="4A5C66"/>
               </a:solidFill>
@@ -10575,18 +9000,207 @@
               <a:cs typeface="Arial" panose="020B0604020202020204" pitchFamily="34" charset="0"/>
             </a:endParaRPr>
           </a:p>
-        </p:txBody>
-      </p:sp>
-      <p:sp>
-        <p:nvSpPr>
-          <p:cNvPr id="5" name="Textfeld 4"/>
+          <a:p>
+            <a:r>
+              <a:rPr lang="de-DE" sz="1300" dirty="0">
+                <a:solidFill>
+                  <a:srgbClr val="4A5C66"/>
+                </a:solidFill>
+                <a:latin typeface="Arial" panose="020B0604020202020204" pitchFamily="34" charset="0"/>
+                <a:cs typeface="Arial" panose="020B0604020202020204" pitchFamily="34" charset="0"/>
+              </a:rPr>
+              <a:t>      …</a:t>
+            </a:r>
+          </a:p>
+          <a:p>
+            <a:r>
+              <a:rPr lang="de-DE" sz="1300" dirty="0">
+                <a:solidFill>
+                  <a:srgbClr val="4A5C66"/>
+                </a:solidFill>
+                <a:latin typeface="Arial" panose="020B0604020202020204" pitchFamily="34" charset="0"/>
+                <a:cs typeface="Arial" panose="020B0604020202020204" pitchFamily="34" charset="0"/>
+              </a:rPr>
+              <a:t>End type;</a:t>
+            </a:r>
+          </a:p>
+        </p:txBody>
+      </p:sp>
+      <p:cxnSp>
+        <p:nvCxnSpPr>
+          <p:cNvPr id="2061" name="Gerader Verbinder 2060"/>
+          <p:cNvCxnSpPr/>
+          <p:nvPr/>
+        </p:nvCxnSpPr>
+        <p:spPr>
+          <a:xfrm>
+            <a:off x="7798820" y="2810675"/>
+            <a:ext cx="380446" cy="0"/>
+          </a:xfrm>
+          <a:prstGeom prst="line">
+            <a:avLst/>
+          </a:prstGeom>
+          <a:ln w="28575"/>
+        </p:spPr>
+        <p:style>
+          <a:lnRef idx="2">
+            <a:schemeClr val="accent2"/>
+          </a:lnRef>
+          <a:fillRef idx="0">
+            <a:schemeClr val="accent2"/>
+          </a:fillRef>
+          <a:effectRef idx="1">
+            <a:schemeClr val="accent2"/>
+          </a:effectRef>
+          <a:fontRef idx="minor">
+            <a:schemeClr val="tx1"/>
+          </a:fontRef>
+        </p:style>
+      </p:cxnSp>
+      <p:cxnSp>
+        <p:nvCxnSpPr>
+          <p:cNvPr id="2063" name="Gerader Verbinder 2062"/>
+          <p:cNvCxnSpPr/>
+          <p:nvPr/>
+        </p:nvCxnSpPr>
+        <p:spPr>
+          <a:xfrm>
+            <a:off x="8179266" y="2819064"/>
+            <a:ext cx="0" cy="1023456"/>
+          </a:xfrm>
+          <a:prstGeom prst="line">
+            <a:avLst/>
+          </a:prstGeom>
+          <a:ln w="28575"/>
+        </p:spPr>
+        <p:style>
+          <a:lnRef idx="2">
+            <a:schemeClr val="accent2"/>
+          </a:lnRef>
+          <a:fillRef idx="0">
+            <a:schemeClr val="accent2"/>
+          </a:fillRef>
+          <a:effectRef idx="1">
+            <a:schemeClr val="accent2"/>
+          </a:effectRef>
+          <a:fontRef idx="minor">
+            <a:schemeClr val="tx1"/>
+          </a:fontRef>
+        </p:style>
+      </p:cxnSp>
+      <p:cxnSp>
+        <p:nvCxnSpPr>
+          <p:cNvPr id="2066" name="Gerade Verbindung mit Pfeil 2065"/>
+          <p:cNvCxnSpPr/>
+          <p:nvPr/>
+        </p:nvCxnSpPr>
+        <p:spPr>
+          <a:xfrm flipH="1">
+            <a:off x="7798820" y="3842520"/>
+            <a:ext cx="380446" cy="0"/>
+          </a:xfrm>
+          <a:prstGeom prst="straightConnector1">
+            <a:avLst/>
+          </a:prstGeom>
+          <a:ln w="28575">
+            <a:tailEnd type="triangle"/>
+          </a:ln>
+        </p:spPr>
+        <p:style>
+          <a:lnRef idx="2">
+            <a:schemeClr val="accent2"/>
+          </a:lnRef>
+          <a:fillRef idx="0">
+            <a:schemeClr val="accent2"/>
+          </a:fillRef>
+          <a:effectRef idx="1">
+            <a:schemeClr val="accent2"/>
+          </a:effectRef>
+          <a:fontRef idx="minor">
+            <a:schemeClr val="tx1"/>
+          </a:fontRef>
+        </p:style>
+      </p:cxnSp>
+      <p:cxnSp>
+        <p:nvCxnSpPr>
+          <p:cNvPr id="2069" name="Gerade Verbindung mit Pfeil 2068"/>
+          <p:cNvCxnSpPr>
+            <a:endCxn id="43" idx="1"/>
+          </p:cNvCxnSpPr>
+          <p:nvPr/>
+        </p:nvCxnSpPr>
+        <p:spPr>
+          <a:xfrm>
+            <a:off x="2134853" y="2995232"/>
+            <a:ext cx="4204283" cy="778028"/>
+          </a:xfrm>
+          <a:prstGeom prst="straightConnector1">
+            <a:avLst/>
+          </a:prstGeom>
+          <a:ln w="28575">
+            <a:tailEnd type="triangle"/>
+          </a:ln>
+        </p:spPr>
+        <p:style>
+          <a:lnRef idx="2">
+            <a:schemeClr val="accent2"/>
+          </a:lnRef>
+          <a:fillRef idx="0">
+            <a:schemeClr val="accent2"/>
+          </a:fillRef>
+          <a:effectRef idx="1">
+            <a:schemeClr val="accent2"/>
+          </a:effectRef>
+          <a:fontRef idx="minor">
+            <a:schemeClr val="tx1"/>
+          </a:fontRef>
+        </p:style>
+      </p:cxnSp>
+      <p:cxnSp>
+        <p:nvCxnSpPr>
+          <p:cNvPr id="2071" name="Gerade Verbindung mit Pfeil 2070"/>
+          <p:cNvCxnSpPr>
+            <a:stCxn id="41" idx="1"/>
+          </p:cNvCxnSpPr>
+          <p:nvPr/>
+        </p:nvCxnSpPr>
+        <p:spPr>
+          <a:xfrm flipH="1">
+            <a:off x="2134854" y="2799762"/>
+            <a:ext cx="4204282" cy="10914"/>
+          </a:xfrm>
+          <a:prstGeom prst="straightConnector1">
+            <a:avLst/>
+          </a:prstGeom>
+          <a:ln w="28575">
+            <a:tailEnd type="triangle"/>
+          </a:ln>
+        </p:spPr>
+        <p:style>
+          <a:lnRef idx="2">
+            <a:schemeClr val="accent2"/>
+          </a:lnRef>
+          <a:fillRef idx="0">
+            <a:schemeClr val="accent2"/>
+          </a:fillRef>
+          <a:effectRef idx="1">
+            <a:schemeClr val="accent2"/>
+          </a:effectRef>
+          <a:fontRef idx="minor">
+            <a:schemeClr val="tx1"/>
+          </a:fontRef>
+        </p:style>
+      </p:cxnSp>
+      <p:sp>
+        <p:nvSpPr>
+          <p:cNvPr id="3" name="Textfeld 2"/>
           <p:cNvSpPr txBox="1"/>
           <p:nvPr/>
         </p:nvSpPr>
         <p:spPr>
-          <a:xfrm>
-            <a:off x="5377341" y="3701875"/>
-            <a:ext cx="2072081" cy="646331"/>
+          <a:xfrm rot="653261">
+            <a:off x="3220936" y="3338370"/>
+            <a:ext cx="1887055" cy="307777"/>
           </a:xfrm>
           <a:prstGeom prst="rect">
             <a:avLst/>
@@ -10594,28 +9208,117 @@
           <a:noFill/>
         </p:spPr>
         <p:txBody>
-          <a:bodyPr wrap="square" rtlCol="0">
+          <a:bodyPr wrap="none" rtlCol="0">
             <a:spAutoFit/>
           </a:bodyPr>
           <a:lstStyle/>
           <a:p>
             <a:r>
-              <a:rPr lang="de-DE" dirty="0">
-                <a:solidFill>
-                  <a:schemeClr val="accent2"/>
-                </a:solidFill>
-                <a:latin typeface="Arial" panose="020B0604020202020204" pitchFamily="34" charset="0"/>
-                <a:cs typeface="Arial" panose="020B0604020202020204" pitchFamily="34" charset="0"/>
-              </a:rPr>
-              <a:t>Keine äußeren Abhängigkeiten!</a:t>
-            </a:r>
+              <a:rPr lang="de-DE" sz="1400" dirty="0" err="1">
+                <a:solidFill>
+                  <a:srgbClr val="4A5C66"/>
+                </a:solidFill>
+                <a:latin typeface="Arial" panose="020B0604020202020204" pitchFamily="34" charset="0"/>
+                <a:cs typeface="Arial" panose="020B0604020202020204" pitchFamily="34" charset="0"/>
+              </a:rPr>
+              <a:t>With</a:t>
+            </a:r>
+            <a:r>
+              <a:rPr lang="de-DE" sz="1400" dirty="0">
+                <a:solidFill>
+                  <a:srgbClr val="4A5C66"/>
+                </a:solidFill>
+                <a:latin typeface="Arial" panose="020B0604020202020204" pitchFamily="34" charset="0"/>
+                <a:cs typeface="Arial" panose="020B0604020202020204" pitchFamily="34" charset="0"/>
+              </a:rPr>
+              <a:t> </a:t>
+            </a:r>
+            <a:r>
+              <a:rPr lang="de-DE" sz="1400" dirty="0" err="1">
+                <a:solidFill>
+                  <a:srgbClr val="4A5C66"/>
+                </a:solidFill>
+                <a:latin typeface="Arial" panose="020B0604020202020204" pitchFamily="34" charset="0"/>
+                <a:cs typeface="Arial" panose="020B0604020202020204" pitchFamily="34" charset="0"/>
+              </a:rPr>
+              <a:t>ServerLogic.ads</a:t>
+            </a:r>
+            <a:endParaRPr lang="de-DE" sz="1400" dirty="0">
+              <a:solidFill>
+                <a:srgbClr val="4A5C66"/>
+              </a:solidFill>
+              <a:latin typeface="Arial" panose="020B0604020202020204" pitchFamily="34" charset="0"/>
+              <a:cs typeface="Arial" panose="020B0604020202020204" pitchFamily="34" charset="0"/>
+            </a:endParaRPr>
+          </a:p>
+        </p:txBody>
+      </p:sp>
+      <p:sp>
+        <p:nvSpPr>
+          <p:cNvPr id="20" name="Textfeld 19"/>
+          <p:cNvSpPr txBox="1"/>
+          <p:nvPr/>
+        </p:nvSpPr>
+        <p:spPr>
+          <a:xfrm>
+            <a:off x="3424834" y="2527910"/>
+            <a:ext cx="1806905" cy="307777"/>
+          </a:xfrm>
+          <a:prstGeom prst="rect">
+            <a:avLst/>
+          </a:prstGeom>
+          <a:noFill/>
+        </p:spPr>
+        <p:txBody>
+          <a:bodyPr wrap="none" rtlCol="0">
+            <a:spAutoFit/>
+          </a:bodyPr>
+          <a:lstStyle/>
+          <a:p>
+            <a:r>
+              <a:rPr lang="de-DE" sz="1400" dirty="0" err="1">
+                <a:solidFill>
+                  <a:srgbClr val="4A5C66"/>
+                </a:solidFill>
+                <a:latin typeface="Arial" panose="020B0604020202020204" pitchFamily="34" charset="0"/>
+                <a:cs typeface="Arial" panose="020B0604020202020204" pitchFamily="34" charset="0"/>
+              </a:rPr>
+              <a:t>With</a:t>
+            </a:r>
+            <a:r>
+              <a:rPr lang="de-DE" sz="1400" dirty="0">
+                <a:solidFill>
+                  <a:srgbClr val="4A5C66"/>
+                </a:solidFill>
+                <a:latin typeface="Arial" panose="020B0604020202020204" pitchFamily="34" charset="0"/>
+                <a:cs typeface="Arial" panose="020B0604020202020204" pitchFamily="34" charset="0"/>
+              </a:rPr>
+              <a:t> </a:t>
+            </a:r>
+            <a:r>
+              <a:rPr lang="de-DE" sz="1400" dirty="0" err="1">
+                <a:solidFill>
+                  <a:srgbClr val="4A5C66"/>
+                </a:solidFill>
+                <a:latin typeface="Arial" panose="020B0604020202020204" pitchFamily="34" charset="0"/>
+                <a:cs typeface="Arial" panose="020B0604020202020204" pitchFamily="34" charset="0"/>
+              </a:rPr>
+              <a:t>Chatrooms.ads</a:t>
+            </a:r>
+            <a:endParaRPr lang="de-DE" sz="1400" dirty="0">
+              <a:solidFill>
+                <a:srgbClr val="4A5C66"/>
+              </a:solidFill>
+              <a:latin typeface="Arial" panose="020B0604020202020204" pitchFamily="34" charset="0"/>
+              <a:cs typeface="Arial" panose="020B0604020202020204" pitchFamily="34" charset="0"/>
+            </a:endParaRPr>
           </a:p>
         </p:txBody>
       </p:sp>
     </p:spTree>
     <p:extLst>
       <p:ext uri="{BB962C8B-B14F-4D97-AF65-F5344CB8AC3E}">
-        <p14:creationId xmlns:p14="http://schemas.microsoft.com/office/powerpoint/2010/main" val="780916344"/>
+        <p14:creationId xmlns:p14="http://schemas.microsoft.com/office/powerpoint/2010/main" val="923356769"/>
       </p:ext>
     </p:extLst>
   </p:cSld>
@@ -10803,7 +9506,7 @@
           <a:lstStyle/>
           <a:p>
             <a:pPr algn="ctr"/>
-            <a:endParaRPr lang="de-DE" sz="1300">
+            <a:endParaRPr lang="de-DE">
               <a:solidFill>
                 <a:srgbClr val="4A5C66"/>
               </a:solidFill>
@@ -11114,16 +9817,236 @@
           </a:p>
         </p:txBody>
       </p:sp>
+      <p:sp>
+        <p:nvSpPr>
+          <p:cNvPr id="42" name="Rechteck 41"/>
+          <p:cNvSpPr/>
+          <p:nvPr/>
+        </p:nvSpPr>
+        <p:spPr>
+          <a:xfrm>
+            <a:off x="6339136" y="3436871"/>
+            <a:ext cx="1459684" cy="728804"/>
+          </a:xfrm>
+          <a:prstGeom prst="rect">
+            <a:avLst/>
+          </a:prstGeom>
+          <a:noFill/>
+        </p:spPr>
+        <p:style>
+          <a:lnRef idx="2">
+            <a:schemeClr val="accent1">
+              <a:shade val="50000"/>
+            </a:schemeClr>
+          </a:lnRef>
+          <a:fillRef idx="1">
+            <a:schemeClr val="accent1"/>
+          </a:fillRef>
+          <a:effectRef idx="0">
+            <a:schemeClr val="accent1"/>
+          </a:effectRef>
+          <a:fontRef idx="minor">
+            <a:schemeClr val="lt1"/>
+          </a:fontRef>
+        </p:style>
+        <p:txBody>
+          <a:bodyPr rtlCol="0" anchor="ctr"/>
+          <a:lstStyle/>
+          <a:p>
+            <a:pPr algn="ctr"/>
+            <a:endParaRPr lang="de-DE">
+              <a:solidFill>
+                <a:srgbClr val="4A5C66"/>
+              </a:solidFill>
+              <a:latin typeface="Arial" panose="020B0604020202020204" pitchFamily="34" charset="0"/>
+              <a:cs typeface="Arial" panose="020B0604020202020204" pitchFamily="34" charset="0"/>
+            </a:endParaRPr>
+          </a:p>
+        </p:txBody>
+      </p:sp>
+      <p:sp>
+        <p:nvSpPr>
+          <p:cNvPr id="43" name="Textfeld 42"/>
+          <p:cNvSpPr txBox="1"/>
+          <p:nvPr/>
+        </p:nvSpPr>
+        <p:spPr>
+          <a:xfrm>
+            <a:off x="6339136" y="3427011"/>
+            <a:ext cx="1688264" cy="692497"/>
+          </a:xfrm>
+          <a:prstGeom prst="rect">
+            <a:avLst/>
+          </a:prstGeom>
+          <a:noFill/>
+        </p:spPr>
+        <p:txBody>
+          <a:bodyPr wrap="square" rtlCol="0">
+            <a:spAutoFit/>
+          </a:bodyPr>
+          <a:lstStyle/>
+          <a:p>
+            <a:r>
+              <a:rPr lang="de-DE" sz="1300" dirty="0">
+                <a:solidFill>
+                  <a:srgbClr val="4A5C66"/>
+                </a:solidFill>
+                <a:latin typeface="Arial" panose="020B0604020202020204" pitchFamily="34" charset="0"/>
+                <a:cs typeface="Arial" panose="020B0604020202020204" pitchFamily="34" charset="0"/>
+              </a:rPr>
+              <a:t>Type Client </a:t>
+            </a:r>
+            <a:r>
+              <a:rPr lang="de-DE" sz="1300" dirty="0" err="1">
+                <a:solidFill>
+                  <a:srgbClr val="4A5C66"/>
+                </a:solidFill>
+                <a:latin typeface="Arial" panose="020B0604020202020204" pitchFamily="34" charset="0"/>
+                <a:cs typeface="Arial" panose="020B0604020202020204" pitchFamily="34" charset="0"/>
+              </a:rPr>
+              <a:t>is</a:t>
+            </a:r>
+            <a:endParaRPr lang="de-DE" sz="1300" dirty="0">
+              <a:solidFill>
+                <a:srgbClr val="4A5C66"/>
+              </a:solidFill>
+              <a:latin typeface="Arial" panose="020B0604020202020204" pitchFamily="34" charset="0"/>
+              <a:cs typeface="Arial" panose="020B0604020202020204" pitchFamily="34" charset="0"/>
+            </a:endParaRPr>
+          </a:p>
+          <a:p>
+            <a:r>
+              <a:rPr lang="de-DE" sz="1300" dirty="0">
+                <a:solidFill>
+                  <a:srgbClr val="4A5C66"/>
+                </a:solidFill>
+                <a:latin typeface="Arial" panose="020B0604020202020204" pitchFamily="34" charset="0"/>
+                <a:cs typeface="Arial" panose="020B0604020202020204" pitchFamily="34" charset="0"/>
+              </a:rPr>
+              <a:t>      …</a:t>
+            </a:r>
+          </a:p>
+          <a:p>
+            <a:r>
+              <a:rPr lang="de-DE" sz="1300" dirty="0">
+                <a:solidFill>
+                  <a:srgbClr val="4A5C66"/>
+                </a:solidFill>
+                <a:latin typeface="Arial" panose="020B0604020202020204" pitchFamily="34" charset="0"/>
+                <a:cs typeface="Arial" panose="020B0604020202020204" pitchFamily="34" charset="0"/>
+              </a:rPr>
+              <a:t>End type;</a:t>
+            </a:r>
+          </a:p>
+        </p:txBody>
+      </p:sp>
+      <p:cxnSp>
+        <p:nvCxnSpPr>
+          <p:cNvPr id="2061" name="Gerader Verbinder 2060"/>
+          <p:cNvCxnSpPr/>
+          <p:nvPr/>
+        </p:nvCxnSpPr>
+        <p:spPr>
+          <a:xfrm>
+            <a:off x="7798820" y="2810675"/>
+            <a:ext cx="380446" cy="0"/>
+          </a:xfrm>
+          <a:prstGeom prst="line">
+            <a:avLst/>
+          </a:prstGeom>
+          <a:ln w="28575"/>
+        </p:spPr>
+        <p:style>
+          <a:lnRef idx="2">
+            <a:schemeClr val="accent2"/>
+          </a:lnRef>
+          <a:fillRef idx="0">
+            <a:schemeClr val="accent2"/>
+          </a:fillRef>
+          <a:effectRef idx="1">
+            <a:schemeClr val="accent2"/>
+          </a:effectRef>
+          <a:fontRef idx="minor">
+            <a:schemeClr val="tx1"/>
+          </a:fontRef>
+        </p:style>
+      </p:cxnSp>
+      <p:cxnSp>
+        <p:nvCxnSpPr>
+          <p:cNvPr id="2063" name="Gerader Verbinder 2062"/>
+          <p:cNvCxnSpPr/>
+          <p:nvPr/>
+        </p:nvCxnSpPr>
+        <p:spPr>
+          <a:xfrm>
+            <a:off x="8179266" y="2819064"/>
+            <a:ext cx="0" cy="1023456"/>
+          </a:xfrm>
+          <a:prstGeom prst="line">
+            <a:avLst/>
+          </a:prstGeom>
+          <a:ln w="28575"/>
+        </p:spPr>
+        <p:style>
+          <a:lnRef idx="2">
+            <a:schemeClr val="accent2"/>
+          </a:lnRef>
+          <a:fillRef idx="0">
+            <a:schemeClr val="accent2"/>
+          </a:fillRef>
+          <a:effectRef idx="1">
+            <a:schemeClr val="accent2"/>
+          </a:effectRef>
+          <a:fontRef idx="minor">
+            <a:schemeClr val="tx1"/>
+          </a:fontRef>
+        </p:style>
+      </p:cxnSp>
+      <p:cxnSp>
+        <p:nvCxnSpPr>
+          <p:cNvPr id="2066" name="Gerade Verbindung mit Pfeil 2065"/>
+          <p:cNvCxnSpPr/>
+          <p:nvPr/>
+        </p:nvCxnSpPr>
+        <p:spPr>
+          <a:xfrm flipH="1">
+            <a:off x="7798820" y="3842520"/>
+            <a:ext cx="380446" cy="0"/>
+          </a:xfrm>
+          <a:prstGeom prst="straightConnector1">
+            <a:avLst/>
+          </a:prstGeom>
+          <a:ln w="28575">
+            <a:tailEnd type="triangle"/>
+          </a:ln>
+        </p:spPr>
+        <p:style>
+          <a:lnRef idx="2">
+            <a:schemeClr val="accent2"/>
+          </a:lnRef>
+          <a:fillRef idx="0">
+            <a:schemeClr val="accent2"/>
+          </a:fillRef>
+          <a:effectRef idx="1">
+            <a:schemeClr val="accent2"/>
+          </a:effectRef>
+          <a:fontRef idx="minor">
+            <a:schemeClr val="tx1"/>
+          </a:fontRef>
+        </p:style>
+      </p:cxnSp>
       <p:cxnSp>
         <p:nvCxnSpPr>
           <p:cNvPr id="2069" name="Gerade Verbindung mit Pfeil 2068"/>
-          <p:cNvCxnSpPr/>
+          <p:cNvCxnSpPr>
+            <a:endCxn id="43" idx="1"/>
+          </p:cNvCxnSpPr>
           <p:nvPr/>
         </p:nvCxnSpPr>
         <p:spPr>
           <a:xfrm>
             <a:off x="2134853" y="2995232"/>
-            <a:ext cx="1222702" cy="2123715"/>
+            <a:ext cx="4204283" cy="778028"/>
           </a:xfrm>
           <a:prstGeom prst="straightConnector1">
             <a:avLst/>
@@ -11184,156 +10107,31 @@
       </p:cxnSp>
       <p:sp>
         <p:nvSpPr>
-          <p:cNvPr id="3" name="Textfeld 2"/>
-          <p:cNvSpPr txBox="1"/>
-          <p:nvPr/>
-        </p:nvSpPr>
-        <p:spPr>
-          <a:xfrm rot="3596617">
-            <a:off x="2100374" y="3862159"/>
-            <a:ext cx="1479892" cy="307777"/>
-          </a:xfrm>
-          <a:prstGeom prst="rect">
-            <a:avLst/>
-          </a:prstGeom>
-          <a:noFill/>
-        </p:spPr>
-        <p:txBody>
-          <a:bodyPr wrap="none" rtlCol="0">
-            <a:spAutoFit/>
-          </a:bodyPr>
-          <a:lstStyle/>
-          <a:p>
-            <a:r>
-              <a:rPr lang="de-DE" sz="1400" dirty="0" err="1">
-                <a:solidFill>
-                  <a:srgbClr val="4A5C66"/>
-                </a:solidFill>
-                <a:latin typeface="Arial" panose="020B0604020202020204" pitchFamily="34" charset="0"/>
-                <a:cs typeface="Arial" panose="020B0604020202020204" pitchFamily="34" charset="0"/>
-              </a:rPr>
-              <a:t>With</a:t>
-            </a:r>
-            <a:r>
-              <a:rPr lang="de-DE" sz="1400" dirty="0">
-                <a:solidFill>
-                  <a:srgbClr val="4A5C66"/>
-                </a:solidFill>
-                <a:latin typeface="Arial" panose="020B0604020202020204" pitchFamily="34" charset="0"/>
-                <a:cs typeface="Arial" panose="020B0604020202020204" pitchFamily="34" charset="0"/>
-              </a:rPr>
-              <a:t> </a:t>
-            </a:r>
-            <a:r>
-              <a:rPr lang="de-DE" sz="1400" dirty="0" err="1">
-                <a:solidFill>
-                  <a:srgbClr val="4A5C66"/>
-                </a:solidFill>
-                <a:latin typeface="Arial" panose="020B0604020202020204" pitchFamily="34" charset="0"/>
-                <a:cs typeface="Arial" panose="020B0604020202020204" pitchFamily="34" charset="0"/>
-              </a:rPr>
-              <a:t>Clients.ads</a:t>
-            </a:r>
-            <a:endParaRPr lang="de-DE" sz="1400" dirty="0">
-              <a:solidFill>
-                <a:srgbClr val="4A5C66"/>
-              </a:solidFill>
-              <a:latin typeface="Arial" panose="020B0604020202020204" pitchFamily="34" charset="0"/>
-              <a:cs typeface="Arial" panose="020B0604020202020204" pitchFamily="34" charset="0"/>
-            </a:endParaRPr>
-          </a:p>
-        </p:txBody>
-      </p:sp>
-      <p:sp>
-        <p:nvSpPr>
-          <p:cNvPr id="20" name="Textfeld 19"/>
-          <p:cNvSpPr txBox="1"/>
-          <p:nvPr/>
-        </p:nvSpPr>
-        <p:spPr>
-          <a:xfrm>
-            <a:off x="3424834" y="2527910"/>
-            <a:ext cx="1806905" cy="307777"/>
-          </a:xfrm>
-          <a:prstGeom prst="rect">
-            <a:avLst/>
-          </a:prstGeom>
-          <a:noFill/>
-        </p:spPr>
-        <p:txBody>
-          <a:bodyPr wrap="none" rtlCol="0">
-            <a:spAutoFit/>
-          </a:bodyPr>
-          <a:lstStyle/>
-          <a:p>
-            <a:r>
-              <a:rPr lang="de-DE" sz="1400" dirty="0" err="1">
-                <a:solidFill>
-                  <a:srgbClr val="4A5C66"/>
-                </a:solidFill>
-                <a:latin typeface="Arial" panose="020B0604020202020204" pitchFamily="34" charset="0"/>
-                <a:cs typeface="Arial" panose="020B0604020202020204" pitchFamily="34" charset="0"/>
-              </a:rPr>
-              <a:t>With</a:t>
-            </a:r>
-            <a:r>
-              <a:rPr lang="de-DE" sz="1400" dirty="0">
-                <a:solidFill>
-                  <a:srgbClr val="4A5C66"/>
-                </a:solidFill>
-                <a:latin typeface="Arial" panose="020B0604020202020204" pitchFamily="34" charset="0"/>
-                <a:cs typeface="Arial" panose="020B0604020202020204" pitchFamily="34" charset="0"/>
-              </a:rPr>
-              <a:t> </a:t>
-            </a:r>
-            <a:r>
-              <a:rPr lang="de-DE" sz="1400" dirty="0" err="1">
-                <a:solidFill>
-                  <a:srgbClr val="4A5C66"/>
-                </a:solidFill>
-                <a:latin typeface="Arial" panose="020B0604020202020204" pitchFamily="34" charset="0"/>
-                <a:cs typeface="Arial" panose="020B0604020202020204" pitchFamily="34" charset="0"/>
-              </a:rPr>
-              <a:t>Chatrooms.ads</a:t>
-            </a:r>
-            <a:endParaRPr lang="de-DE" sz="1400" dirty="0">
-              <a:solidFill>
-                <a:srgbClr val="4A5C66"/>
-              </a:solidFill>
-              <a:latin typeface="Arial" panose="020B0604020202020204" pitchFamily="34" charset="0"/>
-              <a:cs typeface="Arial" panose="020B0604020202020204" pitchFamily="34" charset="0"/>
-            </a:endParaRPr>
-          </a:p>
-        </p:txBody>
-      </p:sp>
-      <p:sp>
-        <p:nvSpPr>
-          <p:cNvPr id="27" name="Rechteck 26"/>
+          <p:cNvPr id="2074" name="Gewitterblitz 2073"/>
           <p:cNvSpPr/>
           <p:nvPr/>
         </p:nvSpPr>
         <p:spPr>
-          <a:xfrm>
-            <a:off x="3257489" y="4726264"/>
-            <a:ext cx="1779911" cy="1492125"/>
-          </a:xfrm>
-          <a:prstGeom prst="rect">
-            <a:avLst/>
-          </a:prstGeom>
-          <a:noFill/>
-          <a:ln/>
+          <a:xfrm rot="20902562" flipH="1">
+            <a:off x="3515663" y="4063089"/>
+            <a:ext cx="926776" cy="995926"/>
+          </a:xfrm>
+          <a:prstGeom prst="lightningBolt">
+            <a:avLst/>
+          </a:prstGeom>
+          <a:solidFill>
+            <a:srgbClr val="FF0000"/>
+          </a:solidFill>
         </p:spPr>
         <p:style>
-          <a:lnRef idx="2">
-            <a:schemeClr val="dk1">
-              <a:shade val="50000"/>
-            </a:schemeClr>
+          <a:lnRef idx="1">
+            <a:schemeClr val="accent2"/>
           </a:lnRef>
-          <a:fillRef idx="1">
-            <a:schemeClr val="dk1"/>
+          <a:fillRef idx="3">
+            <a:schemeClr val="accent2"/>
           </a:fillRef>
-          <a:effectRef idx="0">
-            <a:schemeClr val="dk1"/>
+          <a:effectRef idx="2">
+            <a:schemeClr val="accent2"/>
           </a:effectRef>
           <a:fontRef idx="minor">
             <a:schemeClr val="lt1"/>
@@ -11356,14 +10154,14 @@
       </p:sp>
       <p:sp>
         <p:nvSpPr>
-          <p:cNvPr id="28" name="Textfeld 27"/>
+          <p:cNvPr id="3" name="Textfeld 2"/>
           <p:cNvSpPr txBox="1"/>
           <p:nvPr/>
         </p:nvSpPr>
         <p:spPr>
-          <a:xfrm>
-            <a:off x="3187670" y="4400924"/>
-            <a:ext cx="1629569" cy="369332"/>
+          <a:xfrm rot="653261">
+            <a:off x="3220936" y="3338370"/>
+            <a:ext cx="1887055" cy="307777"/>
           </a:xfrm>
           <a:prstGeom prst="rect">
             <a:avLst/>
@@ -11371,53 +10169,21 @@
           <a:noFill/>
         </p:spPr>
         <p:txBody>
-          <a:bodyPr wrap="square" rtlCol="0">
+          <a:bodyPr wrap="none" rtlCol="0">
             <a:spAutoFit/>
           </a:bodyPr>
           <a:lstStyle/>
           <a:p>
             <a:r>
-              <a:rPr lang="de-DE" dirty="0" err="1">
-                <a:solidFill>
-                  <a:srgbClr val="4A5C66"/>
-                </a:solidFill>
-                <a:latin typeface="Arial" panose="020B0604020202020204" pitchFamily="34" charset="0"/>
-                <a:cs typeface="Arial" panose="020B0604020202020204" pitchFamily="34" charset="0"/>
-              </a:rPr>
-              <a:t>Clients.ads</a:t>
-            </a:r>
-            <a:endParaRPr lang="de-DE" dirty="0">
-              <a:solidFill>
-                <a:srgbClr val="4A5C66"/>
-              </a:solidFill>
-              <a:latin typeface="Arial" panose="020B0604020202020204" pitchFamily="34" charset="0"/>
-              <a:cs typeface="Arial" panose="020B0604020202020204" pitchFamily="34" charset="0"/>
-            </a:endParaRPr>
-          </a:p>
-        </p:txBody>
-      </p:sp>
-      <p:sp>
-        <p:nvSpPr>
-          <p:cNvPr id="29" name="Textfeld 28"/>
-          <p:cNvSpPr txBox="1"/>
-          <p:nvPr/>
-        </p:nvSpPr>
-        <p:spPr>
-          <a:xfrm>
-            <a:off x="3349136" y="4823640"/>
-            <a:ext cx="1688264" cy="738664"/>
-          </a:xfrm>
-          <a:prstGeom prst="rect">
-            <a:avLst/>
-          </a:prstGeom>
-          <a:noFill/>
-        </p:spPr>
-        <p:txBody>
-          <a:bodyPr wrap="square" rtlCol="0">
-            <a:spAutoFit/>
-          </a:bodyPr>
-          <a:lstStyle/>
-          <a:p>
+              <a:rPr lang="de-DE" sz="1400" dirty="0" err="1">
+                <a:solidFill>
+                  <a:srgbClr val="4A5C66"/>
+                </a:solidFill>
+                <a:latin typeface="Arial" panose="020B0604020202020204" pitchFamily="34" charset="0"/>
+                <a:cs typeface="Arial" panose="020B0604020202020204" pitchFamily="34" charset="0"/>
+              </a:rPr>
+              <a:t>With</a:t>
+            </a:r>
             <a:r>
               <a:rPr lang="de-DE" sz="1400" dirty="0">
                 <a:solidFill>
@@ -11426,7 +10192,7 @@
                 <a:latin typeface="Arial" panose="020B0604020202020204" pitchFamily="34" charset="0"/>
                 <a:cs typeface="Arial" panose="020B0604020202020204" pitchFamily="34" charset="0"/>
               </a:rPr>
-              <a:t>Type Client </a:t>
+              <a:t> </a:t>
             </a:r>
             <a:r>
               <a:rPr lang="de-DE" sz="1400" dirty="0" err="1">
@@ -11436,7 +10202,7 @@
                 <a:latin typeface="Arial" panose="020B0604020202020204" pitchFamily="34" charset="0"/>
                 <a:cs typeface="Arial" panose="020B0604020202020204" pitchFamily="34" charset="0"/>
               </a:rPr>
-              <a:t>is</a:t>
+              <a:t>ServerLogic.ads</a:t>
             </a:r>
             <a:endParaRPr lang="de-DE" sz="1400" dirty="0">
               <a:solidFill>
@@ -11446,122 +10212,18 @@
               <a:cs typeface="Arial" panose="020B0604020202020204" pitchFamily="34" charset="0"/>
             </a:endParaRPr>
           </a:p>
-          <a:p>
-            <a:r>
-              <a:rPr lang="de-DE" sz="1400" dirty="0">
-                <a:solidFill>
-                  <a:srgbClr val="4A5C66"/>
-                </a:solidFill>
-                <a:latin typeface="Arial" panose="020B0604020202020204" pitchFamily="34" charset="0"/>
-                <a:cs typeface="Arial" panose="020B0604020202020204" pitchFamily="34" charset="0"/>
-              </a:rPr>
-              <a:t>      …</a:t>
-            </a:r>
-          </a:p>
-          <a:p>
-            <a:r>
-              <a:rPr lang="de-DE" sz="1400" dirty="0">
-                <a:solidFill>
-                  <a:srgbClr val="4A5C66"/>
-                </a:solidFill>
-                <a:latin typeface="Arial" panose="020B0604020202020204" pitchFamily="34" charset="0"/>
-                <a:cs typeface="Arial" panose="020B0604020202020204" pitchFamily="34" charset="0"/>
-              </a:rPr>
-              <a:t>End type;</a:t>
-            </a:r>
-          </a:p>
-        </p:txBody>
-      </p:sp>
-      <p:sp>
-        <p:nvSpPr>
-          <p:cNvPr id="31" name="Rechteck 30"/>
-          <p:cNvSpPr/>
-          <p:nvPr/>
-        </p:nvSpPr>
-        <p:spPr>
-          <a:xfrm>
-            <a:off x="3357555" y="4823641"/>
-            <a:ext cx="1459684" cy="836039"/>
-          </a:xfrm>
-          <a:prstGeom prst="rect">
-            <a:avLst/>
-          </a:prstGeom>
-          <a:noFill/>
-        </p:spPr>
-        <p:style>
-          <a:lnRef idx="2">
-            <a:schemeClr val="accent1">
-              <a:shade val="50000"/>
-            </a:schemeClr>
-          </a:lnRef>
-          <a:fillRef idx="1">
-            <a:schemeClr val="accent1"/>
-          </a:fillRef>
-          <a:effectRef idx="0">
-            <a:schemeClr val="accent1"/>
-          </a:effectRef>
-          <a:fontRef idx="minor">
-            <a:schemeClr val="lt1"/>
-          </a:fontRef>
-        </p:style>
-        <p:txBody>
-          <a:bodyPr rtlCol="0" anchor="ctr"/>
-          <a:lstStyle/>
-          <a:p>
-            <a:pPr algn="ctr"/>
-            <a:endParaRPr lang="de-DE" sz="1300">
-              <a:solidFill>
-                <a:srgbClr val="4A5C66"/>
-              </a:solidFill>
-              <a:latin typeface="Arial" panose="020B0604020202020204" pitchFamily="34" charset="0"/>
-              <a:cs typeface="Arial" panose="020B0604020202020204" pitchFamily="34" charset="0"/>
-            </a:endParaRPr>
-          </a:p>
-        </p:txBody>
-      </p:sp>
-      <p:cxnSp>
-        <p:nvCxnSpPr>
-          <p:cNvPr id="7" name="Gerade Verbindung mit Pfeil 6"/>
-          <p:cNvCxnSpPr/>
-          <p:nvPr/>
-        </p:nvCxnSpPr>
-        <p:spPr>
-          <a:xfrm flipH="1">
-            <a:off x="5102154" y="3307593"/>
-            <a:ext cx="1236982" cy="1717413"/>
-          </a:xfrm>
-          <a:prstGeom prst="straightConnector1">
-            <a:avLst/>
-          </a:prstGeom>
-          <a:ln w="28575">
-            <a:tailEnd type="triangle"/>
-          </a:ln>
-        </p:spPr>
-        <p:style>
-          <a:lnRef idx="2">
-            <a:schemeClr val="accent2"/>
-          </a:lnRef>
-          <a:fillRef idx="0">
-            <a:schemeClr val="accent2"/>
-          </a:fillRef>
-          <a:effectRef idx="1">
-            <a:schemeClr val="accent2"/>
-          </a:effectRef>
-          <a:fontRef idx="minor">
-            <a:schemeClr val="tx1"/>
-          </a:fontRef>
-        </p:style>
-      </p:cxnSp>
-      <p:sp>
-        <p:nvSpPr>
-          <p:cNvPr id="36" name="Textfeld 35"/>
+        </p:txBody>
+      </p:sp>
+      <p:sp>
+        <p:nvSpPr>
+          <p:cNvPr id="20" name="Textfeld 19"/>
           <p:cNvSpPr txBox="1"/>
           <p:nvPr/>
         </p:nvSpPr>
         <p:spPr>
-          <a:xfrm rot="18339854">
-            <a:off x="4710006" y="3881325"/>
-            <a:ext cx="1887055" cy="307777"/>
+          <a:xfrm>
+            <a:off x="3424834" y="2527910"/>
+            <a:ext cx="1806905" cy="307777"/>
           </a:xfrm>
           <a:prstGeom prst="rect">
             <a:avLst/>
@@ -11602,7 +10264,7 @@
                 <a:latin typeface="Arial" panose="020B0604020202020204" pitchFamily="34" charset="0"/>
                 <a:cs typeface="Arial" panose="020B0604020202020204" pitchFamily="34" charset="0"/>
               </a:rPr>
-              <a:t>ServerLogic.ads</a:t>
+              <a:t>Chatrooms.ads</a:t>
             </a:r>
             <a:endParaRPr lang="de-DE" sz="1400" dirty="0">
               <a:solidFill>
@@ -11617,7 +10279,7 @@
     </p:spTree>
     <p:extLst>
       <p:ext uri="{BB962C8B-B14F-4D97-AF65-F5344CB8AC3E}">
-        <p14:creationId xmlns:p14="http://schemas.microsoft.com/office/powerpoint/2010/main" val="4243061322"/>
+        <p14:creationId xmlns:p14="http://schemas.microsoft.com/office/powerpoint/2010/main" val="1800598406"/>
       </p:ext>
     </p:extLst>
   </p:cSld>
@@ -11680,14 +10342,90 @@
       </p:sp>
       <p:sp>
         <p:nvSpPr>
-          <p:cNvPr id="6" name="Rechteck 5"/>
+          <p:cNvPr id="19" name="Textfeld 18"/>
+          <p:cNvSpPr txBox="1"/>
+          <p:nvPr/>
+        </p:nvSpPr>
+        <p:spPr>
+          <a:xfrm>
+            <a:off x="3402989" y="4642452"/>
+            <a:ext cx="1688264" cy="692497"/>
+          </a:xfrm>
+          <a:prstGeom prst="rect">
+            <a:avLst/>
+          </a:prstGeom>
+          <a:noFill/>
+        </p:spPr>
+        <p:txBody>
+          <a:bodyPr wrap="square" rtlCol="0">
+            <a:spAutoFit/>
+          </a:bodyPr>
+          <a:lstStyle/>
+          <a:p>
+            <a:r>
+              <a:rPr lang="de-DE" sz="1300" dirty="0">
+                <a:solidFill>
+                  <a:srgbClr val="4A5C66"/>
+                </a:solidFill>
+                <a:latin typeface="Arial" panose="020B0604020202020204" pitchFamily="34" charset="0"/>
+                <a:cs typeface="Arial" panose="020B0604020202020204" pitchFamily="34" charset="0"/>
+              </a:rPr>
+              <a:t>Type Chatroom </a:t>
+            </a:r>
+            <a:r>
+              <a:rPr lang="de-DE" sz="1300" dirty="0" err="1">
+                <a:solidFill>
+                  <a:srgbClr val="4A5C66"/>
+                </a:solidFill>
+                <a:latin typeface="Arial" panose="020B0604020202020204" pitchFamily="34" charset="0"/>
+                <a:cs typeface="Arial" panose="020B0604020202020204" pitchFamily="34" charset="0"/>
+              </a:rPr>
+              <a:t>is</a:t>
+            </a:r>
+            <a:endParaRPr lang="de-DE" sz="1300" dirty="0">
+              <a:solidFill>
+                <a:srgbClr val="4A5C66"/>
+              </a:solidFill>
+              <a:latin typeface="Arial" panose="020B0604020202020204" pitchFamily="34" charset="0"/>
+              <a:cs typeface="Arial" panose="020B0604020202020204" pitchFamily="34" charset="0"/>
+            </a:endParaRPr>
+          </a:p>
+          <a:p>
+            <a:r>
+              <a:rPr lang="de-DE" sz="1300" dirty="0">
+                <a:solidFill>
+                  <a:srgbClr val="4A5C66"/>
+                </a:solidFill>
+                <a:latin typeface="Arial" panose="020B0604020202020204" pitchFamily="34" charset="0"/>
+                <a:cs typeface="Arial" panose="020B0604020202020204" pitchFamily="34" charset="0"/>
+              </a:rPr>
+              <a:t>      - Client</a:t>
+            </a:r>
+          </a:p>
+          <a:p>
+            <a:r>
+              <a:rPr lang="de-DE" sz="1300" dirty="0">
+                <a:solidFill>
+                  <a:srgbClr val="4A5C66"/>
+                </a:solidFill>
+                <a:latin typeface="Arial" panose="020B0604020202020204" pitchFamily="34" charset="0"/>
+                <a:cs typeface="Arial" panose="020B0604020202020204" pitchFamily="34" charset="0"/>
+              </a:rPr>
+              <a:t>End type;</a:t>
+            </a:r>
+          </a:p>
+        </p:txBody>
+      </p:sp>
+      <p:sp>
+        <p:nvSpPr>
+          <p:cNvPr id="38" name="Rechteck 37"/>
           <p:cNvSpPr/>
           <p:nvPr/>
         </p:nvSpPr>
         <p:spPr>
           <a:xfrm>
-            <a:off x="553673" y="2224209"/>
-            <a:ext cx="1744911" cy="2176715"/>
+            <a:off x="3268764" y="2618490"/>
+            <a:ext cx="1747853" cy="3119579"/>
           </a:xfrm>
           <a:prstGeom prst="rect">
             <a:avLst/>
@@ -11728,14 +10466,14 @@
       </p:sp>
       <p:sp>
         <p:nvSpPr>
-          <p:cNvPr id="12" name="Textfeld 11"/>
+          <p:cNvPr id="39" name="Textfeld 38"/>
           <p:cNvSpPr txBox="1"/>
           <p:nvPr/>
         </p:nvSpPr>
         <p:spPr>
           <a:xfrm>
-            <a:off x="441114" y="1886778"/>
-            <a:ext cx="1593909" cy="338554"/>
+            <a:off x="3151321" y="2295941"/>
+            <a:ext cx="2904695" cy="338554"/>
           </a:xfrm>
           <a:prstGeom prst="rect">
             <a:avLst/>
@@ -11756,7 +10494,7 @@
                 <a:latin typeface="Arial" panose="020B0604020202020204" pitchFamily="34" charset="0"/>
                 <a:cs typeface="Arial" panose="020B0604020202020204" pitchFamily="34" charset="0"/>
               </a:rPr>
-              <a:t>Chatrooms.ads</a:t>
+              <a:t>Everything.ads</a:t>
             </a:r>
             <a:endParaRPr lang="de-DE" sz="1600" dirty="0">
               <a:solidFill>
@@ -11770,14 +10508,14 @@
       </p:sp>
       <p:sp>
         <p:nvSpPr>
-          <p:cNvPr id="17" name="Rechteck 16"/>
+          <p:cNvPr id="40" name="Rechteck 39"/>
           <p:cNvSpPr/>
           <p:nvPr/>
         </p:nvSpPr>
         <p:spPr>
           <a:xfrm>
-            <a:off x="675169" y="2353487"/>
-            <a:ext cx="1459684" cy="738664"/>
+            <a:off x="3402989" y="2747769"/>
+            <a:ext cx="1459684" cy="954106"/>
           </a:xfrm>
           <a:prstGeom prst="rect">
             <a:avLst/>
@@ -11817,14 +10555,14 @@
       </p:sp>
       <p:sp>
         <p:nvSpPr>
-          <p:cNvPr id="19" name="Textfeld 18"/>
+          <p:cNvPr id="41" name="Textfeld 40"/>
           <p:cNvSpPr txBox="1"/>
           <p:nvPr/>
         </p:nvSpPr>
         <p:spPr>
           <a:xfrm>
-            <a:off x="675169" y="2353486"/>
-            <a:ext cx="1688264" cy="692497"/>
+            <a:off x="3402989" y="2747768"/>
+            <a:ext cx="1688264" cy="892552"/>
           </a:xfrm>
           <a:prstGeom prst="rect">
             <a:avLst/>
@@ -11845,7 +10583,7 @@
                 <a:latin typeface="Arial" panose="020B0604020202020204" pitchFamily="34" charset="0"/>
                 <a:cs typeface="Arial" panose="020B0604020202020204" pitchFamily="34" charset="0"/>
               </a:rPr>
-              <a:t>Type Chatroom </a:t>
+              <a:t>Type Server </a:t>
             </a:r>
             <a:r>
               <a:rPr lang="de-DE" sz="1300" dirty="0" err="1">
@@ -11886,6 +10624,18 @@
                 <a:latin typeface="Arial" panose="020B0604020202020204" pitchFamily="34" charset="0"/>
                 <a:cs typeface="Arial" panose="020B0604020202020204" pitchFamily="34" charset="0"/>
               </a:rPr>
+              <a:t>      - Chatroom</a:t>
+            </a:r>
+          </a:p>
+          <a:p>
+            <a:r>
+              <a:rPr lang="de-DE" sz="1300" dirty="0">
+                <a:solidFill>
+                  <a:srgbClr val="4A5C66"/>
+                </a:solidFill>
+                <a:latin typeface="Arial" panose="020B0604020202020204" pitchFamily="34" charset="0"/>
+                <a:cs typeface="Arial" panose="020B0604020202020204" pitchFamily="34" charset="0"/>
+              </a:rPr>
               <a:t>End type;</a:t>
             </a:r>
           </a:p>
@@ -11893,104 +10643,14 @@
       </p:sp>
       <p:sp>
         <p:nvSpPr>
-          <p:cNvPr id="38" name="Rechteck 37"/>
+          <p:cNvPr id="42" name="Rechteck 41"/>
           <p:cNvSpPr/>
           <p:nvPr/>
         </p:nvSpPr>
         <p:spPr>
           <a:xfrm>
-            <a:off x="6204911" y="2224209"/>
-            <a:ext cx="2293137" cy="2725658"/>
-          </a:xfrm>
-          <a:prstGeom prst="rect">
-            <a:avLst/>
-          </a:prstGeom>
-          <a:noFill/>
-          <a:ln/>
-        </p:spPr>
-        <p:style>
-          <a:lnRef idx="2">
-            <a:schemeClr val="dk1">
-              <a:shade val="50000"/>
-            </a:schemeClr>
-          </a:lnRef>
-          <a:fillRef idx="1">
-            <a:schemeClr val="dk1"/>
-          </a:fillRef>
-          <a:effectRef idx="0">
-            <a:schemeClr val="dk1"/>
-          </a:effectRef>
-          <a:fontRef idx="minor">
-            <a:schemeClr val="lt1"/>
-          </a:fontRef>
-        </p:style>
-        <p:txBody>
-          <a:bodyPr rtlCol="0" anchor="ctr"/>
-          <a:lstStyle/>
-          <a:p>
-            <a:pPr algn="ctr"/>
-            <a:endParaRPr lang="de-DE">
-              <a:solidFill>
-                <a:srgbClr val="4A5C66"/>
-              </a:solidFill>
-              <a:latin typeface="Arial" panose="020B0604020202020204" pitchFamily="34" charset="0"/>
-              <a:cs typeface="Arial" panose="020B0604020202020204" pitchFamily="34" charset="0"/>
-            </a:endParaRPr>
-          </a:p>
-        </p:txBody>
-      </p:sp>
-      <p:sp>
-        <p:nvSpPr>
-          <p:cNvPr id="39" name="Textfeld 38"/>
-          <p:cNvSpPr txBox="1"/>
-          <p:nvPr/>
-        </p:nvSpPr>
-        <p:spPr>
-          <a:xfrm>
-            <a:off x="6105081" y="1886778"/>
-            <a:ext cx="1758759" cy="338554"/>
-          </a:xfrm>
-          <a:prstGeom prst="rect">
-            <a:avLst/>
-          </a:prstGeom>
-          <a:noFill/>
-        </p:spPr>
-        <p:txBody>
-          <a:bodyPr wrap="square" rtlCol="0">
-            <a:spAutoFit/>
-          </a:bodyPr>
-          <a:lstStyle/>
-          <a:p>
-            <a:r>
-              <a:rPr lang="de-DE" sz="1600" dirty="0" err="1">
-                <a:solidFill>
-                  <a:srgbClr val="4A5C66"/>
-                </a:solidFill>
-                <a:latin typeface="Arial" panose="020B0604020202020204" pitchFamily="34" charset="0"/>
-                <a:cs typeface="Arial" panose="020B0604020202020204" pitchFamily="34" charset="0"/>
-              </a:rPr>
-              <a:t>ServerLogic.ads</a:t>
-            </a:r>
-            <a:endParaRPr lang="de-DE" sz="1600" dirty="0">
-              <a:solidFill>
-                <a:srgbClr val="4A5C66"/>
-              </a:solidFill>
-              <a:latin typeface="Arial" panose="020B0604020202020204" pitchFamily="34" charset="0"/>
-              <a:cs typeface="Arial" panose="020B0604020202020204" pitchFamily="34" charset="0"/>
-            </a:endParaRPr>
-          </a:p>
-        </p:txBody>
-      </p:sp>
-      <p:sp>
-        <p:nvSpPr>
-          <p:cNvPr id="40" name="Rechteck 39"/>
-          <p:cNvSpPr/>
-          <p:nvPr/>
-        </p:nvSpPr>
-        <p:spPr>
-          <a:xfrm>
-            <a:off x="6339136" y="2353487"/>
-            <a:ext cx="1459684" cy="954106"/>
+            <a:off x="3402989" y="3831153"/>
+            <a:ext cx="1459684" cy="728804"/>
           </a:xfrm>
           <a:prstGeom prst="rect">
             <a:avLst/>
@@ -12030,14 +10690,14 @@
       </p:sp>
       <p:sp>
         <p:nvSpPr>
-          <p:cNvPr id="41" name="Textfeld 40"/>
+          <p:cNvPr id="43" name="Textfeld 42"/>
           <p:cNvSpPr txBox="1"/>
           <p:nvPr/>
         </p:nvSpPr>
         <p:spPr>
           <a:xfrm>
-            <a:off x="6339136" y="2353486"/>
-            <a:ext cx="1688264" cy="892552"/>
+            <a:off x="3402989" y="3821293"/>
+            <a:ext cx="1688264" cy="692497"/>
           </a:xfrm>
           <a:prstGeom prst="rect">
             <a:avLst/>
@@ -12058,7 +10718,7 @@
                 <a:latin typeface="Arial" panose="020B0604020202020204" pitchFamily="34" charset="0"/>
                 <a:cs typeface="Arial" panose="020B0604020202020204" pitchFamily="34" charset="0"/>
               </a:rPr>
-              <a:t>Type Server </a:t>
+              <a:t>Type Client </a:t>
             </a:r>
             <a:r>
               <a:rPr lang="de-DE" sz="1300" dirty="0" err="1">
@@ -12087,7 +10747,7 @@
                 <a:latin typeface="Arial" panose="020B0604020202020204" pitchFamily="34" charset="0"/>
                 <a:cs typeface="Arial" panose="020B0604020202020204" pitchFamily="34" charset="0"/>
               </a:rPr>
-              <a:t>      - Client</a:t>
+              <a:t>      …</a:t>
             </a:r>
           </a:p>
           <a:p>
@@ -12099,391 +10759,21 @@
                 <a:latin typeface="Arial" panose="020B0604020202020204" pitchFamily="34" charset="0"/>
                 <a:cs typeface="Arial" panose="020B0604020202020204" pitchFamily="34" charset="0"/>
               </a:rPr>
-              <a:t>      - Chatroom</a:t>
-            </a:r>
-          </a:p>
-          <a:p>
-            <a:r>
-              <a:rPr lang="de-DE" sz="1300" dirty="0">
-                <a:solidFill>
-                  <a:srgbClr val="4A5C66"/>
-                </a:solidFill>
-                <a:latin typeface="Arial" panose="020B0604020202020204" pitchFamily="34" charset="0"/>
-                <a:cs typeface="Arial" panose="020B0604020202020204" pitchFamily="34" charset="0"/>
-              </a:rPr>
               <a:t>End type;</a:t>
             </a:r>
           </a:p>
         </p:txBody>
       </p:sp>
-      <p:cxnSp>
-        <p:nvCxnSpPr>
-          <p:cNvPr id="2069" name="Gerade Verbindung mit Pfeil 2068"/>
-          <p:cNvCxnSpPr/>
-          <p:nvPr/>
-        </p:nvCxnSpPr>
-        <p:spPr>
-          <a:xfrm>
-            <a:off x="2134853" y="2995232"/>
-            <a:ext cx="1222702" cy="2123715"/>
-          </a:xfrm>
-          <a:prstGeom prst="straightConnector1">
-            <a:avLst/>
-          </a:prstGeom>
-          <a:ln w="28575">
-            <a:tailEnd type="triangle"/>
-          </a:ln>
-        </p:spPr>
-        <p:style>
-          <a:lnRef idx="2">
-            <a:schemeClr val="accent2"/>
-          </a:lnRef>
-          <a:fillRef idx="0">
-            <a:schemeClr val="accent2"/>
-          </a:fillRef>
-          <a:effectRef idx="1">
-            <a:schemeClr val="accent2"/>
-          </a:effectRef>
-          <a:fontRef idx="minor">
-            <a:schemeClr val="tx1"/>
-          </a:fontRef>
-        </p:style>
-      </p:cxnSp>
-      <p:cxnSp>
-        <p:nvCxnSpPr>
-          <p:cNvPr id="2071" name="Gerade Verbindung mit Pfeil 2070"/>
-          <p:cNvCxnSpPr>
-            <a:stCxn id="41" idx="1"/>
-          </p:cNvCxnSpPr>
-          <p:nvPr/>
-        </p:nvCxnSpPr>
-        <p:spPr>
-          <a:xfrm flipH="1">
-            <a:off x="2134854" y="2799762"/>
-            <a:ext cx="4204282" cy="10914"/>
-          </a:xfrm>
-          <a:prstGeom prst="straightConnector1">
-            <a:avLst/>
-          </a:prstGeom>
-          <a:ln w="28575">
-            <a:tailEnd type="triangle"/>
-          </a:ln>
-        </p:spPr>
-        <p:style>
-          <a:lnRef idx="2">
-            <a:schemeClr val="accent2"/>
-          </a:lnRef>
-          <a:fillRef idx="0">
-            <a:schemeClr val="accent2"/>
-          </a:fillRef>
-          <a:effectRef idx="1">
-            <a:schemeClr val="accent2"/>
-          </a:effectRef>
-          <a:fontRef idx="minor">
-            <a:schemeClr val="tx1"/>
-          </a:fontRef>
-        </p:style>
-      </p:cxnSp>
-      <p:sp>
-        <p:nvSpPr>
-          <p:cNvPr id="3" name="Textfeld 2"/>
-          <p:cNvSpPr txBox="1"/>
-          <p:nvPr/>
-        </p:nvSpPr>
-        <p:spPr>
-          <a:xfrm rot="3596617">
-            <a:off x="2100374" y="3862159"/>
-            <a:ext cx="1479892" cy="307777"/>
-          </a:xfrm>
-          <a:prstGeom prst="rect">
-            <a:avLst/>
-          </a:prstGeom>
-          <a:noFill/>
-        </p:spPr>
-        <p:txBody>
-          <a:bodyPr wrap="none" rtlCol="0">
-            <a:spAutoFit/>
-          </a:bodyPr>
-          <a:lstStyle/>
-          <a:p>
-            <a:r>
-              <a:rPr lang="de-DE" sz="1400" dirty="0" err="1">
-                <a:solidFill>
-                  <a:srgbClr val="4A5C66"/>
-                </a:solidFill>
-                <a:latin typeface="Arial" panose="020B0604020202020204" pitchFamily="34" charset="0"/>
-                <a:cs typeface="Arial" panose="020B0604020202020204" pitchFamily="34" charset="0"/>
-              </a:rPr>
-              <a:t>With</a:t>
-            </a:r>
-            <a:r>
-              <a:rPr lang="de-DE" sz="1400" dirty="0">
-                <a:solidFill>
-                  <a:srgbClr val="4A5C66"/>
-                </a:solidFill>
-                <a:latin typeface="Arial" panose="020B0604020202020204" pitchFamily="34" charset="0"/>
-                <a:cs typeface="Arial" panose="020B0604020202020204" pitchFamily="34" charset="0"/>
-              </a:rPr>
-              <a:t> </a:t>
-            </a:r>
-            <a:r>
-              <a:rPr lang="de-DE" sz="1400" dirty="0" err="1">
-                <a:solidFill>
-                  <a:srgbClr val="4A5C66"/>
-                </a:solidFill>
-                <a:latin typeface="Arial" panose="020B0604020202020204" pitchFamily="34" charset="0"/>
-                <a:cs typeface="Arial" panose="020B0604020202020204" pitchFamily="34" charset="0"/>
-              </a:rPr>
-              <a:t>Clients.ads</a:t>
-            </a:r>
-            <a:endParaRPr lang="de-DE" sz="1400" dirty="0">
-              <a:solidFill>
-                <a:srgbClr val="4A5C66"/>
-              </a:solidFill>
-              <a:latin typeface="Arial" panose="020B0604020202020204" pitchFamily="34" charset="0"/>
-              <a:cs typeface="Arial" panose="020B0604020202020204" pitchFamily="34" charset="0"/>
-            </a:endParaRPr>
-          </a:p>
-        </p:txBody>
-      </p:sp>
-      <p:sp>
-        <p:nvSpPr>
-          <p:cNvPr id="20" name="Textfeld 19"/>
-          <p:cNvSpPr txBox="1"/>
-          <p:nvPr/>
-        </p:nvSpPr>
-        <p:spPr>
-          <a:xfrm>
-            <a:off x="3424834" y="2527910"/>
-            <a:ext cx="1806905" cy="307777"/>
-          </a:xfrm>
-          <a:prstGeom prst="rect">
-            <a:avLst/>
-          </a:prstGeom>
-          <a:noFill/>
-        </p:spPr>
-        <p:txBody>
-          <a:bodyPr wrap="none" rtlCol="0">
-            <a:spAutoFit/>
-          </a:bodyPr>
-          <a:lstStyle/>
-          <a:p>
-            <a:r>
-              <a:rPr lang="de-DE" sz="1400" dirty="0" err="1">
-                <a:solidFill>
-                  <a:srgbClr val="4A5C66"/>
-                </a:solidFill>
-                <a:latin typeface="Arial" panose="020B0604020202020204" pitchFamily="34" charset="0"/>
-                <a:cs typeface="Arial" panose="020B0604020202020204" pitchFamily="34" charset="0"/>
-              </a:rPr>
-              <a:t>With</a:t>
-            </a:r>
-            <a:r>
-              <a:rPr lang="de-DE" sz="1400" dirty="0">
-                <a:solidFill>
-                  <a:srgbClr val="4A5C66"/>
-                </a:solidFill>
-                <a:latin typeface="Arial" panose="020B0604020202020204" pitchFamily="34" charset="0"/>
-                <a:cs typeface="Arial" panose="020B0604020202020204" pitchFamily="34" charset="0"/>
-              </a:rPr>
-              <a:t> </a:t>
-            </a:r>
-            <a:r>
-              <a:rPr lang="de-DE" sz="1400" dirty="0" err="1">
-                <a:solidFill>
-                  <a:srgbClr val="4A5C66"/>
-                </a:solidFill>
-                <a:latin typeface="Arial" panose="020B0604020202020204" pitchFamily="34" charset="0"/>
-                <a:cs typeface="Arial" panose="020B0604020202020204" pitchFamily="34" charset="0"/>
-              </a:rPr>
-              <a:t>Chatrooms.ads</a:t>
-            </a:r>
-            <a:endParaRPr lang="de-DE" sz="1400" dirty="0">
-              <a:solidFill>
-                <a:srgbClr val="4A5C66"/>
-              </a:solidFill>
-              <a:latin typeface="Arial" panose="020B0604020202020204" pitchFamily="34" charset="0"/>
-              <a:cs typeface="Arial" panose="020B0604020202020204" pitchFamily="34" charset="0"/>
-            </a:endParaRPr>
-          </a:p>
-        </p:txBody>
-      </p:sp>
-      <p:sp>
-        <p:nvSpPr>
-          <p:cNvPr id="27" name="Rechteck 26"/>
+      <p:sp>
+        <p:nvSpPr>
+          <p:cNvPr id="23" name="Rechteck 22"/>
           <p:cNvSpPr/>
           <p:nvPr/>
         </p:nvSpPr>
         <p:spPr>
           <a:xfrm>
-            <a:off x="3257489" y="4726264"/>
-            <a:ext cx="1779911" cy="1492125"/>
-          </a:xfrm>
-          <a:prstGeom prst="rect">
-            <a:avLst/>
-          </a:prstGeom>
-          <a:noFill/>
-          <a:ln/>
-        </p:spPr>
-        <p:style>
-          <a:lnRef idx="2">
-            <a:schemeClr val="dk1">
-              <a:shade val="50000"/>
-            </a:schemeClr>
-          </a:lnRef>
-          <a:fillRef idx="1">
-            <a:schemeClr val="dk1"/>
-          </a:fillRef>
-          <a:effectRef idx="0">
-            <a:schemeClr val="dk1"/>
-          </a:effectRef>
-          <a:fontRef idx="minor">
-            <a:schemeClr val="lt1"/>
-          </a:fontRef>
-        </p:style>
-        <p:txBody>
-          <a:bodyPr rtlCol="0" anchor="ctr"/>
-          <a:lstStyle/>
-          <a:p>
-            <a:pPr algn="ctr"/>
-            <a:endParaRPr lang="de-DE">
-              <a:solidFill>
-                <a:srgbClr val="4A5C66"/>
-              </a:solidFill>
-              <a:latin typeface="Arial" panose="020B0604020202020204" pitchFamily="34" charset="0"/>
-              <a:cs typeface="Arial" panose="020B0604020202020204" pitchFamily="34" charset="0"/>
-            </a:endParaRPr>
-          </a:p>
-        </p:txBody>
-      </p:sp>
-      <p:sp>
-        <p:nvSpPr>
-          <p:cNvPr id="28" name="Textfeld 27"/>
-          <p:cNvSpPr txBox="1"/>
-          <p:nvPr/>
-        </p:nvSpPr>
-        <p:spPr>
-          <a:xfrm>
-            <a:off x="3187670" y="4400924"/>
-            <a:ext cx="1629569" cy="369332"/>
-          </a:xfrm>
-          <a:prstGeom prst="rect">
-            <a:avLst/>
-          </a:prstGeom>
-          <a:noFill/>
-        </p:spPr>
-        <p:txBody>
-          <a:bodyPr wrap="square" rtlCol="0">
-            <a:spAutoFit/>
-          </a:bodyPr>
-          <a:lstStyle/>
-          <a:p>
-            <a:r>
-              <a:rPr lang="de-DE" dirty="0" err="1">
-                <a:solidFill>
-                  <a:srgbClr val="4A5C66"/>
-                </a:solidFill>
-                <a:latin typeface="Arial" panose="020B0604020202020204" pitchFamily="34" charset="0"/>
-                <a:cs typeface="Arial" panose="020B0604020202020204" pitchFamily="34" charset="0"/>
-              </a:rPr>
-              <a:t>Clients.ads</a:t>
-            </a:r>
-            <a:endParaRPr lang="de-DE" dirty="0">
-              <a:solidFill>
-                <a:srgbClr val="4A5C66"/>
-              </a:solidFill>
-              <a:latin typeface="Arial" panose="020B0604020202020204" pitchFamily="34" charset="0"/>
-              <a:cs typeface="Arial" panose="020B0604020202020204" pitchFamily="34" charset="0"/>
-            </a:endParaRPr>
-          </a:p>
-        </p:txBody>
-      </p:sp>
-      <p:sp>
-        <p:nvSpPr>
-          <p:cNvPr id="29" name="Textfeld 28"/>
-          <p:cNvSpPr txBox="1"/>
-          <p:nvPr/>
-        </p:nvSpPr>
-        <p:spPr>
-          <a:xfrm>
-            <a:off x="3349136" y="4823640"/>
-            <a:ext cx="1688264" cy="738664"/>
-          </a:xfrm>
-          <a:prstGeom prst="rect">
-            <a:avLst/>
-          </a:prstGeom>
-          <a:noFill/>
-        </p:spPr>
-        <p:txBody>
-          <a:bodyPr wrap="square" rtlCol="0">
-            <a:spAutoFit/>
-          </a:bodyPr>
-          <a:lstStyle/>
-          <a:p>
-            <a:r>
-              <a:rPr lang="de-DE" sz="1400" dirty="0">
-                <a:solidFill>
-                  <a:srgbClr val="4A5C66"/>
-                </a:solidFill>
-                <a:latin typeface="Arial" panose="020B0604020202020204" pitchFamily="34" charset="0"/>
-                <a:cs typeface="Arial" panose="020B0604020202020204" pitchFamily="34" charset="0"/>
-              </a:rPr>
-              <a:t>Type Client </a:t>
-            </a:r>
-            <a:r>
-              <a:rPr lang="de-DE" sz="1400" dirty="0" err="1">
-                <a:solidFill>
-                  <a:srgbClr val="4A5C66"/>
-                </a:solidFill>
-                <a:latin typeface="Arial" panose="020B0604020202020204" pitchFamily="34" charset="0"/>
-                <a:cs typeface="Arial" panose="020B0604020202020204" pitchFamily="34" charset="0"/>
-              </a:rPr>
-              <a:t>is</a:t>
-            </a:r>
-            <a:endParaRPr lang="de-DE" sz="1400" dirty="0">
-              <a:solidFill>
-                <a:srgbClr val="4A5C66"/>
-              </a:solidFill>
-              <a:latin typeface="Arial" panose="020B0604020202020204" pitchFamily="34" charset="0"/>
-              <a:cs typeface="Arial" panose="020B0604020202020204" pitchFamily="34" charset="0"/>
-            </a:endParaRPr>
-          </a:p>
-          <a:p>
-            <a:r>
-              <a:rPr lang="de-DE" sz="1400" dirty="0">
-                <a:solidFill>
-                  <a:srgbClr val="4A5C66"/>
-                </a:solidFill>
-                <a:latin typeface="Arial" panose="020B0604020202020204" pitchFamily="34" charset="0"/>
-                <a:cs typeface="Arial" panose="020B0604020202020204" pitchFamily="34" charset="0"/>
-              </a:rPr>
-              <a:t>      …</a:t>
-            </a:r>
-          </a:p>
-          <a:p>
-            <a:r>
-              <a:rPr lang="de-DE" sz="1400" dirty="0">
-                <a:solidFill>
-                  <a:srgbClr val="4A5C66"/>
-                </a:solidFill>
-                <a:latin typeface="Arial" panose="020B0604020202020204" pitchFamily="34" charset="0"/>
-                <a:cs typeface="Arial" panose="020B0604020202020204" pitchFamily="34" charset="0"/>
-              </a:rPr>
-              <a:t>End type;</a:t>
-            </a:r>
-          </a:p>
-        </p:txBody>
-      </p:sp>
-      <p:sp>
-        <p:nvSpPr>
-          <p:cNvPr id="31" name="Rechteck 30"/>
-          <p:cNvSpPr/>
-          <p:nvPr/>
-        </p:nvSpPr>
-        <p:spPr>
-          <a:xfrm>
-            <a:off x="3357555" y="4823641"/>
-            <a:ext cx="1459684" cy="836039"/>
+            <a:off x="3402989" y="4679375"/>
+            <a:ext cx="1459684" cy="728804"/>
           </a:xfrm>
           <a:prstGeom prst="rect">
             <a:avLst/>
@@ -12521,49 +10811,16 @@
           </a:p>
         </p:txBody>
       </p:sp>
-      <p:cxnSp>
-        <p:nvCxnSpPr>
-          <p:cNvPr id="7" name="Gerade Verbindung mit Pfeil 6"/>
-          <p:cNvCxnSpPr/>
-          <p:nvPr/>
-        </p:nvCxnSpPr>
-        <p:spPr>
-          <a:xfrm flipH="1">
-            <a:off x="5102154" y="3307593"/>
-            <a:ext cx="1236982" cy="1717413"/>
-          </a:xfrm>
-          <a:prstGeom prst="straightConnector1">
-            <a:avLst/>
-          </a:prstGeom>
-          <a:ln w="28575">
-            <a:tailEnd type="triangle"/>
-          </a:ln>
-        </p:spPr>
-        <p:style>
-          <a:lnRef idx="2">
-            <a:schemeClr val="accent2"/>
-          </a:lnRef>
-          <a:fillRef idx="0">
-            <a:schemeClr val="accent2"/>
-          </a:fillRef>
-          <a:effectRef idx="1">
-            <a:schemeClr val="accent2"/>
-          </a:effectRef>
-          <a:fontRef idx="minor">
-            <a:schemeClr val="tx1"/>
-          </a:fontRef>
-        </p:style>
-      </p:cxnSp>
-      <p:sp>
-        <p:nvSpPr>
-          <p:cNvPr id="36" name="Textfeld 35"/>
+      <p:sp>
+        <p:nvSpPr>
+          <p:cNvPr id="5" name="Textfeld 4"/>
           <p:cNvSpPr txBox="1"/>
           <p:nvPr/>
         </p:nvSpPr>
         <p:spPr>
-          <a:xfrm rot="18339854">
-            <a:off x="4710006" y="3881325"/>
-            <a:ext cx="1887055" cy="307777"/>
+          <a:xfrm>
+            <a:off x="5377341" y="3701875"/>
+            <a:ext cx="2072081" cy="646331"/>
           </a:xfrm>
           <a:prstGeom prst="rect">
             <a:avLst/>
@@ -12571,85 +10828,28 @@
           <a:noFill/>
         </p:spPr>
         <p:txBody>
-          <a:bodyPr wrap="none" rtlCol="0">
+          <a:bodyPr wrap="square" rtlCol="0">
             <a:spAutoFit/>
           </a:bodyPr>
           <a:lstStyle/>
           <a:p>
             <a:r>
-              <a:rPr lang="de-DE" sz="1400" dirty="0" err="1">
-                <a:solidFill>
-                  <a:srgbClr val="4A5C66"/>
-                </a:solidFill>
-                <a:latin typeface="Arial" panose="020B0604020202020204" pitchFamily="34" charset="0"/>
-                <a:cs typeface="Arial" panose="020B0604020202020204" pitchFamily="34" charset="0"/>
-              </a:rPr>
-              <a:t>With</a:t>
-            </a:r>
-            <a:r>
-              <a:rPr lang="de-DE" sz="1400" dirty="0">
-                <a:solidFill>
-                  <a:srgbClr val="4A5C66"/>
-                </a:solidFill>
-                <a:latin typeface="Arial" panose="020B0604020202020204" pitchFamily="34" charset="0"/>
-                <a:cs typeface="Arial" panose="020B0604020202020204" pitchFamily="34" charset="0"/>
-              </a:rPr>
-              <a:t> </a:t>
-            </a:r>
-            <a:r>
-              <a:rPr lang="de-DE" sz="1400" dirty="0" err="1">
-                <a:solidFill>
-                  <a:srgbClr val="4A5C66"/>
-                </a:solidFill>
-                <a:latin typeface="Arial" panose="020B0604020202020204" pitchFamily="34" charset="0"/>
-                <a:cs typeface="Arial" panose="020B0604020202020204" pitchFamily="34" charset="0"/>
-              </a:rPr>
-              <a:t>ServerLogic.ads</a:t>
-            </a:r>
-            <a:endParaRPr lang="de-DE" sz="1400" dirty="0">
-              <a:solidFill>
-                <a:srgbClr val="4A5C66"/>
-              </a:solidFill>
-              <a:latin typeface="Arial" panose="020B0604020202020204" pitchFamily="34" charset="0"/>
-              <a:cs typeface="Arial" panose="020B0604020202020204" pitchFamily="34" charset="0"/>
-            </a:endParaRPr>
-          </a:p>
-        </p:txBody>
-      </p:sp>
-      <p:pic>
-        <p:nvPicPr>
-          <p:cNvPr id="37" name="Grafik 36"/>
-          <p:cNvPicPr>
-            <a:picLocks noChangeAspect="1"/>
-          </p:cNvPicPr>
-          <p:nvPr/>
-        </p:nvPicPr>
-        <p:blipFill>
-          <a:blip r:embed="rId2">
-            <a:extLst>
-              <a:ext uri="{28A0092B-C50C-407E-A947-70E740481C1C}">
-                <a14:useLocalDpi xmlns:a14="http://schemas.microsoft.com/office/drawing/2010/main" val="0"/>
-              </a:ext>
-            </a:extLst>
-          </a:blip>
-          <a:stretch>
-            <a:fillRect/>
-          </a:stretch>
-        </p:blipFill>
-        <p:spPr>
-          <a:xfrm>
-            <a:off x="3567799" y="3336362"/>
-            <a:ext cx="1128013" cy="881986"/>
-          </a:xfrm>
-          <a:prstGeom prst="rect">
-            <a:avLst/>
-          </a:prstGeom>
-        </p:spPr>
-      </p:pic>
+              <a:rPr lang="de-DE" dirty="0">
+                <a:solidFill>
+                  <a:schemeClr val="accent2"/>
+                </a:solidFill>
+                <a:latin typeface="Arial" panose="020B0604020202020204" pitchFamily="34" charset="0"/>
+                <a:cs typeface="Arial" panose="020B0604020202020204" pitchFamily="34" charset="0"/>
+              </a:rPr>
+              <a:t>Keine äußeren Abhängigkeiten!</a:t>
+            </a:r>
+          </a:p>
+        </p:txBody>
+      </p:sp>
     </p:spTree>
     <p:extLst>
       <p:ext uri="{BB962C8B-B14F-4D97-AF65-F5344CB8AC3E}">
-        <p14:creationId xmlns:p14="http://schemas.microsoft.com/office/powerpoint/2010/main" val="721752843"/>
+        <p14:creationId xmlns:p14="http://schemas.microsoft.com/office/powerpoint/2010/main" val="780916344"/>
       </p:ext>
     </p:extLst>
   </p:cSld>
@@ -12837,7 +11037,7 @@
           <a:lstStyle/>
           <a:p>
             <a:pPr algn="ctr"/>
-            <a:endParaRPr lang="de-DE">
+            <a:endParaRPr lang="de-DE" sz="1300">
               <a:solidFill>
                 <a:srgbClr val="4A5C66"/>
               </a:solidFill>
@@ -13489,27 +11689,7 @@
                 <a:latin typeface="Arial" panose="020B0604020202020204" pitchFamily="34" charset="0"/>
                 <a:cs typeface="Arial" panose="020B0604020202020204" pitchFamily="34" charset="0"/>
               </a:rPr>
-              <a:t>    </a:t>
-            </a:r>
-            <a:r>
-              <a:rPr lang="de-DE" sz="1400" dirty="0" smtClean="0">
-                <a:solidFill>
-                  <a:srgbClr val="4A5C66"/>
-                </a:solidFill>
-                <a:latin typeface="Arial" panose="020B0604020202020204" pitchFamily="34" charset="0"/>
-                <a:cs typeface="Arial" panose="020B0604020202020204" pitchFamily="34" charset="0"/>
-              </a:rPr>
-              <a:t>- </a:t>
-            </a:r>
-            <a:r>
-              <a:rPr lang="de-DE" sz="1400" dirty="0">
-                <a:solidFill>
-                  <a:srgbClr val="4A5C66"/>
-                </a:solidFill>
-                <a:latin typeface="Arial" panose="020B0604020202020204" pitchFamily="34" charset="0"/>
-                <a:cs typeface="Arial" panose="020B0604020202020204" pitchFamily="34" charset="0"/>
-              </a:rPr>
-              <a:t>Chatroom</a:t>
+              <a:t>      …</a:t>
             </a:r>
           </a:p>
           <a:p>
@@ -13668,105 +11848,10 @@
           </a:p>
         </p:txBody>
       </p:sp>
-      <p:cxnSp>
-        <p:nvCxnSpPr>
-          <p:cNvPr id="5" name="Gerade Verbindung mit Pfeil 4"/>
-          <p:cNvCxnSpPr/>
-          <p:nvPr/>
-        </p:nvCxnSpPr>
-        <p:spPr>
-          <a:xfrm flipH="1" flipV="1">
-            <a:off x="1921080" y="3162651"/>
-            <a:ext cx="1390671" cy="2305461"/>
-          </a:xfrm>
-          <a:prstGeom prst="straightConnector1">
-            <a:avLst/>
-          </a:prstGeom>
-          <a:ln w="28575">
-            <a:tailEnd type="triangle"/>
-          </a:ln>
-        </p:spPr>
-        <p:style>
-          <a:lnRef idx="2">
-            <a:schemeClr val="accent2"/>
-          </a:lnRef>
-          <a:fillRef idx="0">
-            <a:schemeClr val="accent2"/>
-          </a:fillRef>
-          <a:effectRef idx="1">
-            <a:schemeClr val="accent2"/>
-          </a:effectRef>
-          <a:fontRef idx="minor">
-            <a:schemeClr val="tx1"/>
-          </a:fontRef>
-        </p:style>
-      </p:cxnSp>
-      <p:sp>
-        <p:nvSpPr>
-          <p:cNvPr id="25" name="Textfeld 24"/>
-          <p:cNvSpPr txBox="1"/>
-          <p:nvPr/>
-        </p:nvSpPr>
-        <p:spPr>
-          <a:xfrm rot="3539996">
-            <a:off x="1894266" y="4658746"/>
-            <a:ext cx="1806905" cy="307777"/>
-          </a:xfrm>
-          <a:prstGeom prst="rect">
-            <a:avLst/>
-          </a:prstGeom>
-          <a:noFill/>
-        </p:spPr>
-        <p:txBody>
-          <a:bodyPr wrap="none" rtlCol="0">
-            <a:spAutoFit/>
-          </a:bodyPr>
-          <a:lstStyle/>
-          <a:p>
-            <a:r>
-              <a:rPr lang="de-DE" sz="1400" dirty="0" err="1">
-                <a:solidFill>
-                  <a:srgbClr val="4A5C66"/>
-                </a:solidFill>
-                <a:latin typeface="Arial" panose="020B0604020202020204" pitchFamily="34" charset="0"/>
-                <a:cs typeface="Arial" panose="020B0604020202020204" pitchFamily="34" charset="0"/>
-              </a:rPr>
-              <a:t>With</a:t>
-            </a:r>
-            <a:r>
-              <a:rPr lang="de-DE" sz="1400" dirty="0">
-                <a:solidFill>
-                  <a:srgbClr val="4A5C66"/>
-                </a:solidFill>
-                <a:latin typeface="Arial" panose="020B0604020202020204" pitchFamily="34" charset="0"/>
-                <a:cs typeface="Arial" panose="020B0604020202020204" pitchFamily="34" charset="0"/>
-              </a:rPr>
-              <a:t> </a:t>
-            </a:r>
-            <a:r>
-              <a:rPr lang="de-DE" sz="1400" dirty="0" err="1">
-                <a:solidFill>
-                  <a:srgbClr val="4A5C66"/>
-                </a:solidFill>
-                <a:latin typeface="Arial" panose="020B0604020202020204" pitchFamily="34" charset="0"/>
-                <a:cs typeface="Arial" panose="020B0604020202020204" pitchFamily="34" charset="0"/>
-              </a:rPr>
-              <a:t>Chatrooms.ads</a:t>
-            </a:r>
-            <a:endParaRPr lang="de-DE" sz="1400" dirty="0">
-              <a:solidFill>
-                <a:srgbClr val="4A5C66"/>
-              </a:solidFill>
-              <a:latin typeface="Arial" panose="020B0604020202020204" pitchFamily="34" charset="0"/>
-              <a:cs typeface="Arial" panose="020B0604020202020204" pitchFamily="34" charset="0"/>
-            </a:endParaRPr>
-          </a:p>
-        </p:txBody>
-      </p:sp>
     </p:spTree>
     <p:extLst>
       <p:ext uri="{BB962C8B-B14F-4D97-AF65-F5344CB8AC3E}">
-        <p14:creationId xmlns:p14="http://schemas.microsoft.com/office/powerpoint/2010/main" val="1471776724"/>
+        <p14:creationId xmlns:p14="http://schemas.microsoft.com/office/powerpoint/2010/main" val="4243061322"/>
       </p:ext>
     </p:extLst>
   </p:cSld>
@@ -14261,7 +12346,7 @@
         <p:spPr>
           <a:xfrm>
             <a:off x="6105081" y="1886778"/>
-            <a:ext cx="1693739" cy="338554"/>
+            <a:ext cx="1758759" cy="338554"/>
           </a:xfrm>
           <a:prstGeom prst="rect">
             <a:avLst/>
@@ -14770,27 +12855,7 @@
                 <a:latin typeface="Arial" panose="020B0604020202020204" pitchFamily="34" charset="0"/>
                 <a:cs typeface="Arial" panose="020B0604020202020204" pitchFamily="34" charset="0"/>
               </a:rPr>
-              <a:t>    </a:t>
-            </a:r>
-            <a:r>
-              <a:rPr lang="de-DE" sz="1400" dirty="0" smtClean="0">
-                <a:solidFill>
-                  <a:srgbClr val="4A5C66"/>
-                </a:solidFill>
-                <a:latin typeface="Arial" panose="020B0604020202020204" pitchFamily="34" charset="0"/>
-                <a:cs typeface="Arial" panose="020B0604020202020204" pitchFamily="34" charset="0"/>
-              </a:rPr>
-              <a:t>- </a:t>
-            </a:r>
-            <a:r>
-              <a:rPr lang="de-DE" sz="1400" dirty="0">
-                <a:solidFill>
-                  <a:srgbClr val="4A5C66"/>
-                </a:solidFill>
-                <a:latin typeface="Arial" panose="020B0604020202020204" pitchFamily="34" charset="0"/>
-                <a:cs typeface="Arial" panose="020B0604020202020204" pitchFamily="34" charset="0"/>
-              </a:rPr>
-              <a:t>Chatroom</a:t>
+              <a:t>      …</a:t>
             </a:r>
           </a:p>
           <a:p>
@@ -14949,152 +13014,40 @@
           </a:p>
         </p:txBody>
       </p:sp>
-      <p:cxnSp>
-        <p:nvCxnSpPr>
-          <p:cNvPr id="5" name="Gerade Verbindung mit Pfeil 4"/>
-          <p:cNvCxnSpPr/>
-          <p:nvPr/>
-        </p:nvCxnSpPr>
-        <p:spPr>
-          <a:xfrm flipH="1" flipV="1">
-            <a:off x="1921080" y="3162651"/>
-            <a:ext cx="1390671" cy="2305461"/>
-          </a:xfrm>
-          <a:prstGeom prst="straightConnector1">
-            <a:avLst/>
-          </a:prstGeom>
-          <a:ln w="28575">
-            <a:tailEnd type="triangle"/>
-          </a:ln>
-        </p:spPr>
-        <p:style>
-          <a:lnRef idx="2">
-            <a:schemeClr val="accent2"/>
-          </a:lnRef>
-          <a:fillRef idx="0">
-            <a:schemeClr val="accent2"/>
-          </a:fillRef>
-          <a:effectRef idx="1">
-            <a:schemeClr val="accent2"/>
-          </a:effectRef>
-          <a:fontRef idx="minor">
-            <a:schemeClr val="tx1"/>
-          </a:fontRef>
-        </p:style>
-      </p:cxnSp>
-      <p:sp>
-        <p:nvSpPr>
-          <p:cNvPr id="25" name="Textfeld 24"/>
-          <p:cNvSpPr txBox="1"/>
-          <p:nvPr/>
-        </p:nvSpPr>
-        <p:spPr>
-          <a:xfrm rot="3539996">
-            <a:off x="1894266" y="4658746"/>
-            <a:ext cx="1806905" cy="307777"/>
-          </a:xfrm>
-          <a:prstGeom prst="rect">
-            <a:avLst/>
-          </a:prstGeom>
-          <a:noFill/>
-        </p:spPr>
-        <p:txBody>
-          <a:bodyPr wrap="none" rtlCol="0">
-            <a:spAutoFit/>
-          </a:bodyPr>
-          <a:lstStyle/>
-          <a:p>
-            <a:r>
-              <a:rPr lang="de-DE" sz="1400" dirty="0" err="1">
-                <a:solidFill>
-                  <a:srgbClr val="4A5C66"/>
-                </a:solidFill>
-                <a:latin typeface="Arial" panose="020B0604020202020204" pitchFamily="34" charset="0"/>
-                <a:cs typeface="Arial" panose="020B0604020202020204" pitchFamily="34" charset="0"/>
-              </a:rPr>
-              <a:t>With</a:t>
-            </a:r>
-            <a:r>
-              <a:rPr lang="de-DE" sz="1400" dirty="0">
-                <a:solidFill>
-                  <a:srgbClr val="4A5C66"/>
-                </a:solidFill>
-                <a:latin typeface="Arial" panose="020B0604020202020204" pitchFamily="34" charset="0"/>
-                <a:cs typeface="Arial" panose="020B0604020202020204" pitchFamily="34" charset="0"/>
-              </a:rPr>
-              <a:t> </a:t>
-            </a:r>
-            <a:r>
-              <a:rPr lang="de-DE" sz="1400" dirty="0" err="1">
-                <a:solidFill>
-                  <a:srgbClr val="4A5C66"/>
-                </a:solidFill>
-                <a:latin typeface="Arial" panose="020B0604020202020204" pitchFamily="34" charset="0"/>
-                <a:cs typeface="Arial" panose="020B0604020202020204" pitchFamily="34" charset="0"/>
-              </a:rPr>
-              <a:t>Chatrooms.ads</a:t>
-            </a:r>
-            <a:endParaRPr lang="de-DE" sz="1400" dirty="0">
-              <a:solidFill>
-                <a:srgbClr val="4A5C66"/>
-              </a:solidFill>
-              <a:latin typeface="Arial" panose="020B0604020202020204" pitchFamily="34" charset="0"/>
-              <a:cs typeface="Arial" panose="020B0604020202020204" pitchFamily="34" charset="0"/>
-            </a:endParaRPr>
-          </a:p>
-        </p:txBody>
-      </p:sp>
-      <p:sp>
-        <p:nvSpPr>
-          <p:cNvPr id="23" name="Gewitterblitz 22"/>
-          <p:cNvSpPr/>
-          <p:nvPr/>
-        </p:nvSpPr>
-        <p:spPr>
-          <a:xfrm rot="20902562" flipH="1">
-            <a:off x="1681680" y="4756857"/>
-            <a:ext cx="926776" cy="995926"/>
-          </a:xfrm>
-          <a:prstGeom prst="lightningBolt">
-            <a:avLst/>
-          </a:prstGeom>
-          <a:solidFill>
-            <a:srgbClr val="FF0000"/>
-          </a:solidFill>
-        </p:spPr>
-        <p:style>
-          <a:lnRef idx="1">
-            <a:schemeClr val="accent2"/>
-          </a:lnRef>
-          <a:fillRef idx="3">
-            <a:schemeClr val="accent2"/>
-          </a:fillRef>
-          <a:effectRef idx="2">
-            <a:schemeClr val="accent2"/>
-          </a:effectRef>
-          <a:fontRef idx="minor">
-            <a:schemeClr val="lt1"/>
-          </a:fontRef>
-        </p:style>
-        <p:txBody>
-          <a:bodyPr rtlCol="0" anchor="ctr"/>
-          <a:lstStyle/>
-          <a:p>
-            <a:pPr algn="ctr"/>
-            <a:endParaRPr lang="de-DE">
-              <a:solidFill>
-                <a:srgbClr val="4A5C66"/>
-              </a:solidFill>
-              <a:latin typeface="Arial" panose="020B0604020202020204" pitchFamily="34" charset="0"/>
-              <a:cs typeface="Arial" panose="020B0604020202020204" pitchFamily="34" charset="0"/>
-            </a:endParaRPr>
-          </a:p>
-        </p:txBody>
-      </p:sp>
+      <p:pic>
+        <p:nvPicPr>
+          <p:cNvPr id="37" name="Grafik 36"/>
+          <p:cNvPicPr>
+            <a:picLocks noChangeAspect="1"/>
+          </p:cNvPicPr>
+          <p:nvPr/>
+        </p:nvPicPr>
+        <p:blipFill>
+          <a:blip r:embed="rId2">
+            <a:extLst>
+              <a:ext uri="{28A0092B-C50C-407E-A947-70E740481C1C}">
+                <a14:useLocalDpi xmlns:a14="http://schemas.microsoft.com/office/drawing/2010/main" val="0"/>
+              </a:ext>
+            </a:extLst>
+          </a:blip>
+          <a:stretch>
+            <a:fillRect/>
+          </a:stretch>
+        </p:blipFill>
+        <p:spPr>
+          <a:xfrm>
+            <a:off x="3567799" y="3336362"/>
+            <a:ext cx="1128013" cy="881986"/>
+          </a:xfrm>
+          <a:prstGeom prst="rect">
+            <a:avLst/>
+          </a:prstGeom>
+        </p:spPr>
+      </p:pic>
     </p:spTree>
     <p:extLst>
       <p:ext uri="{BB962C8B-B14F-4D97-AF65-F5344CB8AC3E}">
-        <p14:creationId xmlns:p14="http://schemas.microsoft.com/office/powerpoint/2010/main" val="1583604205"/>
+        <p14:creationId xmlns:p14="http://schemas.microsoft.com/office/powerpoint/2010/main" val="721752843"/>
       </p:ext>
     </p:extLst>
   </p:cSld>
@@ -16128,7 +14081,6 @@
             <a:avLst/>
           </a:prstGeom>
           <a:ln w="28575">
-            <a:prstDash val="sysDot"/>
             <a:tailEnd type="triangle"/>
           </a:ln>
         </p:spPr>
@@ -16155,8 +14107,8 @@
         </p:nvSpPr>
         <p:spPr>
           <a:xfrm rot="3539996">
-            <a:off x="2001640" y="4691695"/>
-            <a:ext cx="1447832" cy="523220"/>
+            <a:off x="1894266" y="4658746"/>
+            <a:ext cx="1806905" cy="307777"/>
           </a:xfrm>
           <a:prstGeom prst="rect">
             <a:avLst/>
@@ -16170,36 +14122,17 @@
           <a:lstStyle/>
           <a:p>
             <a:r>
-              <a:rPr lang="de-DE" sz="1400" dirty="0" smtClean="0">
-                <a:solidFill>
-                  <a:srgbClr val="4A5C66"/>
-                </a:solidFill>
-                <a:latin typeface="Arial" panose="020B0604020202020204" pitchFamily="34" charset="0"/>
-                <a:cs typeface="Arial" panose="020B0604020202020204" pitchFamily="34" charset="0"/>
-              </a:rPr>
-              <a:t>Limited </a:t>
-            </a:r>
-            <a:r>
-              <a:rPr lang="de-DE" sz="1400" dirty="0" err="1" smtClean="0">
-                <a:solidFill>
-                  <a:srgbClr val="4A5C66"/>
-                </a:solidFill>
-                <a:latin typeface="Arial" panose="020B0604020202020204" pitchFamily="34" charset="0"/>
-                <a:cs typeface="Arial" panose="020B0604020202020204" pitchFamily="34" charset="0"/>
-              </a:rPr>
-              <a:t>with</a:t>
-            </a:r>
-            <a:endParaRPr lang="de-DE" sz="1400" dirty="0" smtClean="0">
-              <a:solidFill>
-                <a:srgbClr val="4A5C66"/>
-              </a:solidFill>
-              <a:latin typeface="Arial" panose="020B0604020202020204" pitchFamily="34" charset="0"/>
-              <a:cs typeface="Arial" panose="020B0604020202020204" pitchFamily="34" charset="0"/>
-            </a:endParaRPr>
-          </a:p>
-          <a:p>
-            <a:r>
-              <a:rPr lang="de-DE" sz="1400" dirty="0" smtClean="0">
+              <a:rPr lang="de-DE" sz="1400" dirty="0" err="1">
+                <a:solidFill>
+                  <a:srgbClr val="4A5C66"/>
+                </a:solidFill>
+                <a:latin typeface="Arial" panose="020B0604020202020204" pitchFamily="34" charset="0"/>
+                <a:cs typeface="Arial" panose="020B0604020202020204" pitchFamily="34" charset="0"/>
+              </a:rPr>
+              <a:t>With</a:t>
+            </a:r>
+            <a:r>
+              <a:rPr lang="de-DE" sz="1400" dirty="0">
                 <a:solidFill>
                   <a:srgbClr val="4A5C66"/>
                 </a:solidFill>
@@ -16231,7 +14164,7 @@
     </p:spTree>
     <p:extLst>
       <p:ext uri="{BB962C8B-B14F-4D97-AF65-F5344CB8AC3E}">
-        <p14:creationId xmlns:p14="http://schemas.microsoft.com/office/powerpoint/2010/main" val="57021095"/>
+        <p14:creationId xmlns:p14="http://schemas.microsoft.com/office/powerpoint/2010/main" val="1471776724"/>
       </p:ext>
     </p:extLst>
   </p:cSld>
@@ -17076,7 +15009,7 @@
             <a:r>
               <a:rPr lang="de-DE" sz="1400" dirty="0" smtClean="0">
                 <a:solidFill>
-                  <a:srgbClr val="FF0000"/>
+                  <a:srgbClr val="4A5C66"/>
                 </a:solidFill>
                 <a:latin typeface="Arial" panose="020B0604020202020204" pitchFamily="34" charset="0"/>
                 <a:cs typeface="Arial" panose="020B0604020202020204" pitchFamily="34" charset="0"/>
@@ -17086,7 +15019,7 @@
             <a:r>
               <a:rPr lang="de-DE" sz="1400" dirty="0">
                 <a:solidFill>
-                  <a:srgbClr val="FF0000"/>
+                  <a:srgbClr val="4A5C66"/>
                 </a:solidFill>
                 <a:latin typeface="Arial" panose="020B0604020202020204" pitchFamily="34" charset="0"/>
                 <a:cs typeface="Arial" panose="020B0604020202020204" pitchFamily="34" charset="0"/>
@@ -17265,7 +15198,6 @@
             <a:avLst/>
           </a:prstGeom>
           <a:ln w="28575">
-            <a:prstDash val="sysDot"/>
             <a:tailEnd type="triangle"/>
           </a:ln>
         </p:spPr>
@@ -17292,8 +15224,8 @@
         </p:nvSpPr>
         <p:spPr>
           <a:xfrm rot="3539996">
-            <a:off x="2001640" y="4691695"/>
-            <a:ext cx="1447832" cy="523220"/>
+            <a:off x="1894266" y="4658746"/>
+            <a:ext cx="1806905" cy="307777"/>
           </a:xfrm>
           <a:prstGeom prst="rect">
             <a:avLst/>
@@ -17307,36 +15239,17 @@
           <a:lstStyle/>
           <a:p>
             <a:r>
-              <a:rPr lang="de-DE" sz="1400" dirty="0" smtClean="0">
-                <a:solidFill>
-                  <a:srgbClr val="4A5C66"/>
-                </a:solidFill>
-                <a:latin typeface="Arial" panose="020B0604020202020204" pitchFamily="34" charset="0"/>
-                <a:cs typeface="Arial" panose="020B0604020202020204" pitchFamily="34" charset="0"/>
-              </a:rPr>
-              <a:t>Limited </a:t>
-            </a:r>
-            <a:r>
-              <a:rPr lang="de-DE" sz="1400" dirty="0" err="1" smtClean="0">
-                <a:solidFill>
-                  <a:srgbClr val="4A5C66"/>
-                </a:solidFill>
-                <a:latin typeface="Arial" panose="020B0604020202020204" pitchFamily="34" charset="0"/>
-                <a:cs typeface="Arial" panose="020B0604020202020204" pitchFamily="34" charset="0"/>
-              </a:rPr>
-              <a:t>with</a:t>
-            </a:r>
-            <a:endParaRPr lang="de-DE" sz="1400" dirty="0" smtClean="0">
-              <a:solidFill>
-                <a:srgbClr val="4A5C66"/>
-              </a:solidFill>
-              <a:latin typeface="Arial" panose="020B0604020202020204" pitchFamily="34" charset="0"/>
-              <a:cs typeface="Arial" panose="020B0604020202020204" pitchFamily="34" charset="0"/>
-            </a:endParaRPr>
-          </a:p>
-          <a:p>
-            <a:r>
-              <a:rPr lang="de-DE" sz="1400" dirty="0" smtClean="0">
+              <a:rPr lang="de-DE" sz="1400" dirty="0" err="1">
+                <a:solidFill>
+                  <a:srgbClr val="4A5C66"/>
+                </a:solidFill>
+                <a:latin typeface="Arial" panose="020B0604020202020204" pitchFamily="34" charset="0"/>
+                <a:cs typeface="Arial" panose="020B0604020202020204" pitchFamily="34" charset="0"/>
+              </a:rPr>
+              <a:t>With</a:t>
+            </a:r>
+            <a:r>
+              <a:rPr lang="de-DE" sz="1400" dirty="0">
                 <a:solidFill>
                   <a:srgbClr val="4A5C66"/>
                 </a:solidFill>
@@ -17365,10 +15278,57 @@
           </a:p>
         </p:txBody>
       </p:sp>
+      <p:sp>
+        <p:nvSpPr>
+          <p:cNvPr id="23" name="Gewitterblitz 22"/>
+          <p:cNvSpPr/>
+          <p:nvPr/>
+        </p:nvSpPr>
+        <p:spPr>
+          <a:xfrm rot="20902562" flipH="1">
+            <a:off x="1681680" y="4756857"/>
+            <a:ext cx="926776" cy="995926"/>
+          </a:xfrm>
+          <a:prstGeom prst="lightningBolt">
+            <a:avLst/>
+          </a:prstGeom>
+          <a:solidFill>
+            <a:srgbClr val="FF0000"/>
+          </a:solidFill>
+        </p:spPr>
+        <p:style>
+          <a:lnRef idx="1">
+            <a:schemeClr val="accent2"/>
+          </a:lnRef>
+          <a:fillRef idx="3">
+            <a:schemeClr val="accent2"/>
+          </a:fillRef>
+          <a:effectRef idx="2">
+            <a:schemeClr val="accent2"/>
+          </a:effectRef>
+          <a:fontRef idx="minor">
+            <a:schemeClr val="lt1"/>
+          </a:fontRef>
+        </p:style>
+        <p:txBody>
+          <a:bodyPr rtlCol="0" anchor="ctr"/>
+          <a:lstStyle/>
+          <a:p>
+            <a:pPr algn="ctr"/>
+            <a:endParaRPr lang="de-DE">
+              <a:solidFill>
+                <a:srgbClr val="4A5C66"/>
+              </a:solidFill>
+              <a:latin typeface="Arial" panose="020B0604020202020204" pitchFamily="34" charset="0"/>
+              <a:cs typeface="Arial" panose="020B0604020202020204" pitchFamily="34" charset="0"/>
+            </a:endParaRPr>
+          </a:p>
+        </p:txBody>
+      </p:sp>
     </p:spTree>
     <p:extLst>
       <p:ext uri="{BB962C8B-B14F-4D97-AF65-F5344CB8AC3E}">
-        <p14:creationId xmlns:p14="http://schemas.microsoft.com/office/powerpoint/2010/main" val="2843852029"/>
+        <p14:creationId xmlns:p14="http://schemas.microsoft.com/office/powerpoint/2010/main" val="1583604205"/>
       </p:ext>
     </p:extLst>
   </p:cSld>
@@ -18068,7 +16028,7 @@
         <p:spPr>
           <a:xfrm>
             <a:off x="3257489" y="4726264"/>
-            <a:ext cx="1779911" cy="1641372"/>
+            <a:ext cx="1779911" cy="1492125"/>
           </a:xfrm>
           <a:prstGeom prst="rect">
             <a:avLst/>
@@ -18213,7 +16173,7 @@
             <a:r>
               <a:rPr lang="de-DE" sz="1400" dirty="0" smtClean="0">
                 <a:solidFill>
-                  <a:srgbClr val="FF0000"/>
+                  <a:srgbClr val="4A5C66"/>
                 </a:solidFill>
                 <a:latin typeface="Arial" panose="020B0604020202020204" pitchFamily="34" charset="0"/>
                 <a:cs typeface="Arial" panose="020B0604020202020204" pitchFamily="34" charset="0"/>
@@ -18223,7 +16183,7 @@
             <a:r>
               <a:rPr lang="de-DE" sz="1400" dirty="0">
                 <a:solidFill>
-                  <a:srgbClr val="FF0000"/>
+                  <a:srgbClr val="4A5C66"/>
                 </a:solidFill>
                 <a:latin typeface="Arial" panose="020B0604020202020204" pitchFamily="34" charset="0"/>
                 <a:cs typeface="Arial" panose="020B0604020202020204" pitchFamily="34" charset="0"/>
@@ -18502,155 +16462,10 @@
           </a:p>
         </p:txBody>
       </p:sp>
-      <p:sp>
-        <p:nvSpPr>
-          <p:cNvPr id="23" name="Textfeld 22"/>
-          <p:cNvSpPr txBox="1"/>
-          <p:nvPr/>
-        </p:nvSpPr>
-        <p:spPr>
-          <a:xfrm>
-            <a:off x="3299361" y="5778823"/>
-            <a:ext cx="1697901" cy="492443"/>
-          </a:xfrm>
-          <a:prstGeom prst="rect">
-            <a:avLst/>
-          </a:prstGeom>
-          <a:noFill/>
-        </p:spPr>
-        <p:txBody>
-          <a:bodyPr wrap="none" rtlCol="0">
-            <a:spAutoFit/>
-          </a:bodyPr>
-          <a:lstStyle/>
-          <a:p>
-            <a:r>
-              <a:rPr lang="de-DE" sz="1300" dirty="0">
-                <a:solidFill>
-                  <a:schemeClr val="accent2"/>
-                </a:solidFill>
-                <a:latin typeface="Arial" panose="020B0604020202020204" pitchFamily="34" charset="0"/>
-                <a:cs typeface="Arial" panose="020B0604020202020204" pitchFamily="34" charset="0"/>
-              </a:rPr>
-              <a:t>Type </a:t>
-            </a:r>
-            <a:r>
-              <a:rPr lang="de-DE" sz="1300" dirty="0" err="1" smtClean="0">
-                <a:solidFill>
-                  <a:schemeClr val="accent2"/>
-                </a:solidFill>
-                <a:latin typeface="Arial" panose="020B0604020202020204" pitchFamily="34" charset="0"/>
-                <a:cs typeface="Arial" panose="020B0604020202020204" pitchFamily="34" charset="0"/>
-              </a:rPr>
-              <a:t>ChatroomPtr</a:t>
-            </a:r>
-            <a:endParaRPr lang="de-DE" sz="1300" dirty="0">
-              <a:solidFill>
-                <a:schemeClr val="accent2"/>
-              </a:solidFill>
-              <a:latin typeface="Arial" panose="020B0604020202020204" pitchFamily="34" charset="0"/>
-              <a:cs typeface="Arial" panose="020B0604020202020204" pitchFamily="34" charset="0"/>
-            </a:endParaRPr>
-          </a:p>
-          <a:p>
-            <a:r>
-              <a:rPr lang="de-DE" sz="1300" dirty="0">
-                <a:solidFill>
-                  <a:schemeClr val="accent2"/>
-                </a:solidFill>
-                <a:latin typeface="Arial" panose="020B0604020202020204" pitchFamily="34" charset="0"/>
-                <a:cs typeface="Arial" panose="020B0604020202020204" pitchFamily="34" charset="0"/>
-              </a:rPr>
-              <a:t> </a:t>
-            </a:r>
-            <a:r>
-              <a:rPr lang="de-DE" sz="1300" dirty="0" err="1">
-                <a:solidFill>
-                  <a:schemeClr val="accent2"/>
-                </a:solidFill>
-                <a:latin typeface="Arial" panose="020B0604020202020204" pitchFamily="34" charset="0"/>
-                <a:cs typeface="Arial" panose="020B0604020202020204" pitchFamily="34" charset="0"/>
-              </a:rPr>
-              <a:t>is</a:t>
-            </a:r>
-            <a:r>
-              <a:rPr lang="de-DE" sz="1300" dirty="0">
-                <a:solidFill>
-                  <a:schemeClr val="accent2"/>
-                </a:solidFill>
-                <a:latin typeface="Arial" panose="020B0604020202020204" pitchFamily="34" charset="0"/>
-                <a:cs typeface="Arial" panose="020B0604020202020204" pitchFamily="34" charset="0"/>
-              </a:rPr>
-              <a:t> </a:t>
-            </a:r>
-            <a:r>
-              <a:rPr lang="de-DE" sz="1300" dirty="0" err="1">
-                <a:solidFill>
-                  <a:schemeClr val="accent2"/>
-                </a:solidFill>
-                <a:latin typeface="Arial" panose="020B0604020202020204" pitchFamily="34" charset="0"/>
-                <a:cs typeface="Arial" panose="020B0604020202020204" pitchFamily="34" charset="0"/>
-              </a:rPr>
-              <a:t>access</a:t>
-            </a:r>
-            <a:r>
-              <a:rPr lang="de-DE" sz="1300" dirty="0">
-                <a:solidFill>
-                  <a:schemeClr val="accent2"/>
-                </a:solidFill>
-                <a:latin typeface="Arial" panose="020B0604020202020204" pitchFamily="34" charset="0"/>
-                <a:cs typeface="Arial" panose="020B0604020202020204" pitchFamily="34" charset="0"/>
-              </a:rPr>
-              <a:t> Chatroom</a:t>
-            </a:r>
-          </a:p>
-        </p:txBody>
-      </p:sp>
-      <p:sp>
-        <p:nvSpPr>
-          <p:cNvPr id="24" name="Rechteck 23"/>
-          <p:cNvSpPr/>
-          <p:nvPr/>
-        </p:nvSpPr>
-        <p:spPr>
-          <a:xfrm>
-            <a:off x="3317207" y="5778823"/>
-            <a:ext cx="1649076" cy="478625"/>
-          </a:xfrm>
-          <a:prstGeom prst="rect">
-            <a:avLst/>
-          </a:prstGeom>
-          <a:noFill/>
-        </p:spPr>
-        <p:style>
-          <a:lnRef idx="2">
-            <a:schemeClr val="accent1">
-              <a:shade val="50000"/>
-            </a:schemeClr>
-          </a:lnRef>
-          <a:fillRef idx="1">
-            <a:schemeClr val="accent1"/>
-          </a:fillRef>
-          <a:effectRef idx="0">
-            <a:schemeClr val="accent1"/>
-          </a:effectRef>
-          <a:fontRef idx="minor">
-            <a:schemeClr val="lt1"/>
-          </a:fontRef>
-        </p:style>
-        <p:txBody>
-          <a:bodyPr rtlCol="0" anchor="ctr"/>
-          <a:lstStyle/>
-          <a:p>
-            <a:pPr algn="ctr"/>
-            <a:endParaRPr lang="de-DE"/>
-          </a:p>
-        </p:txBody>
-      </p:sp>
     </p:spTree>
     <p:extLst>
       <p:ext uri="{BB962C8B-B14F-4D97-AF65-F5344CB8AC3E}">
-        <p14:creationId xmlns:p14="http://schemas.microsoft.com/office/powerpoint/2010/main" val="3517321740"/>
+        <p14:creationId xmlns:p14="http://schemas.microsoft.com/office/powerpoint/2010/main" val="57021095"/>
       </p:ext>
     </p:extLst>
   </p:cSld>
@@ -19350,6 +17165,2425 @@
         <p:spPr>
           <a:xfrm>
             <a:off x="3257489" y="4726264"/>
+            <a:ext cx="1779911" cy="1492125"/>
+          </a:xfrm>
+          <a:prstGeom prst="rect">
+            <a:avLst/>
+          </a:prstGeom>
+          <a:noFill/>
+          <a:ln/>
+        </p:spPr>
+        <p:style>
+          <a:lnRef idx="2">
+            <a:schemeClr val="dk1">
+              <a:shade val="50000"/>
+            </a:schemeClr>
+          </a:lnRef>
+          <a:fillRef idx="1">
+            <a:schemeClr val="dk1"/>
+          </a:fillRef>
+          <a:effectRef idx="0">
+            <a:schemeClr val="dk1"/>
+          </a:effectRef>
+          <a:fontRef idx="minor">
+            <a:schemeClr val="lt1"/>
+          </a:fontRef>
+        </p:style>
+        <p:txBody>
+          <a:bodyPr rtlCol="0" anchor="ctr"/>
+          <a:lstStyle/>
+          <a:p>
+            <a:pPr algn="ctr"/>
+            <a:endParaRPr lang="de-DE">
+              <a:solidFill>
+                <a:srgbClr val="4A5C66"/>
+              </a:solidFill>
+              <a:latin typeface="Arial" panose="020B0604020202020204" pitchFamily="34" charset="0"/>
+              <a:cs typeface="Arial" panose="020B0604020202020204" pitchFamily="34" charset="0"/>
+            </a:endParaRPr>
+          </a:p>
+        </p:txBody>
+      </p:sp>
+      <p:sp>
+        <p:nvSpPr>
+          <p:cNvPr id="28" name="Textfeld 27"/>
+          <p:cNvSpPr txBox="1"/>
+          <p:nvPr/>
+        </p:nvSpPr>
+        <p:spPr>
+          <a:xfrm>
+            <a:off x="3187670" y="4400924"/>
+            <a:ext cx="1629569" cy="369332"/>
+          </a:xfrm>
+          <a:prstGeom prst="rect">
+            <a:avLst/>
+          </a:prstGeom>
+          <a:noFill/>
+        </p:spPr>
+        <p:txBody>
+          <a:bodyPr wrap="square" rtlCol="0">
+            <a:spAutoFit/>
+          </a:bodyPr>
+          <a:lstStyle/>
+          <a:p>
+            <a:r>
+              <a:rPr lang="de-DE" dirty="0" err="1">
+                <a:solidFill>
+                  <a:srgbClr val="4A5C66"/>
+                </a:solidFill>
+                <a:latin typeface="Arial" panose="020B0604020202020204" pitchFamily="34" charset="0"/>
+                <a:cs typeface="Arial" panose="020B0604020202020204" pitchFamily="34" charset="0"/>
+              </a:rPr>
+              <a:t>Clients.ads</a:t>
+            </a:r>
+            <a:endParaRPr lang="de-DE" dirty="0">
+              <a:solidFill>
+                <a:srgbClr val="4A5C66"/>
+              </a:solidFill>
+              <a:latin typeface="Arial" panose="020B0604020202020204" pitchFamily="34" charset="0"/>
+              <a:cs typeface="Arial" panose="020B0604020202020204" pitchFamily="34" charset="0"/>
+            </a:endParaRPr>
+          </a:p>
+        </p:txBody>
+      </p:sp>
+      <p:sp>
+        <p:nvSpPr>
+          <p:cNvPr id="29" name="Textfeld 28"/>
+          <p:cNvSpPr txBox="1"/>
+          <p:nvPr/>
+        </p:nvSpPr>
+        <p:spPr>
+          <a:xfrm>
+            <a:off x="3349136" y="4823640"/>
+            <a:ext cx="1688264" cy="738664"/>
+          </a:xfrm>
+          <a:prstGeom prst="rect">
+            <a:avLst/>
+          </a:prstGeom>
+          <a:noFill/>
+        </p:spPr>
+        <p:txBody>
+          <a:bodyPr wrap="square" rtlCol="0">
+            <a:spAutoFit/>
+          </a:bodyPr>
+          <a:lstStyle/>
+          <a:p>
+            <a:r>
+              <a:rPr lang="de-DE" sz="1400" dirty="0">
+                <a:solidFill>
+                  <a:srgbClr val="4A5C66"/>
+                </a:solidFill>
+                <a:latin typeface="Arial" panose="020B0604020202020204" pitchFamily="34" charset="0"/>
+                <a:cs typeface="Arial" panose="020B0604020202020204" pitchFamily="34" charset="0"/>
+              </a:rPr>
+              <a:t>Type Client </a:t>
+            </a:r>
+            <a:r>
+              <a:rPr lang="de-DE" sz="1400" dirty="0" err="1">
+                <a:solidFill>
+                  <a:srgbClr val="4A5C66"/>
+                </a:solidFill>
+                <a:latin typeface="Arial" panose="020B0604020202020204" pitchFamily="34" charset="0"/>
+                <a:cs typeface="Arial" panose="020B0604020202020204" pitchFamily="34" charset="0"/>
+              </a:rPr>
+              <a:t>is</a:t>
+            </a:r>
+            <a:endParaRPr lang="de-DE" sz="1400" dirty="0">
+              <a:solidFill>
+                <a:srgbClr val="4A5C66"/>
+              </a:solidFill>
+              <a:latin typeface="Arial" panose="020B0604020202020204" pitchFamily="34" charset="0"/>
+              <a:cs typeface="Arial" panose="020B0604020202020204" pitchFamily="34" charset="0"/>
+            </a:endParaRPr>
+          </a:p>
+          <a:p>
+            <a:r>
+              <a:rPr lang="de-DE" sz="1400" dirty="0">
+                <a:solidFill>
+                  <a:srgbClr val="4A5C66"/>
+                </a:solidFill>
+                <a:latin typeface="Arial" panose="020B0604020202020204" pitchFamily="34" charset="0"/>
+                <a:cs typeface="Arial" panose="020B0604020202020204" pitchFamily="34" charset="0"/>
+              </a:rPr>
+              <a:t>    </a:t>
+            </a:r>
+            <a:r>
+              <a:rPr lang="de-DE" sz="1400" dirty="0" smtClean="0">
+                <a:solidFill>
+                  <a:srgbClr val="FF0000"/>
+                </a:solidFill>
+                <a:latin typeface="Arial" panose="020B0604020202020204" pitchFamily="34" charset="0"/>
+                <a:cs typeface="Arial" panose="020B0604020202020204" pitchFamily="34" charset="0"/>
+              </a:rPr>
+              <a:t>- </a:t>
+            </a:r>
+            <a:r>
+              <a:rPr lang="de-DE" sz="1400" dirty="0">
+                <a:solidFill>
+                  <a:srgbClr val="FF0000"/>
+                </a:solidFill>
+                <a:latin typeface="Arial" panose="020B0604020202020204" pitchFamily="34" charset="0"/>
+                <a:cs typeface="Arial" panose="020B0604020202020204" pitchFamily="34" charset="0"/>
+              </a:rPr>
+              <a:t>Chatroom</a:t>
+            </a:r>
+          </a:p>
+          <a:p>
+            <a:r>
+              <a:rPr lang="de-DE" sz="1400" dirty="0">
+                <a:solidFill>
+                  <a:srgbClr val="4A5C66"/>
+                </a:solidFill>
+                <a:latin typeface="Arial" panose="020B0604020202020204" pitchFamily="34" charset="0"/>
+                <a:cs typeface="Arial" panose="020B0604020202020204" pitchFamily="34" charset="0"/>
+              </a:rPr>
+              <a:t>End type;</a:t>
+            </a:r>
+          </a:p>
+        </p:txBody>
+      </p:sp>
+      <p:sp>
+        <p:nvSpPr>
+          <p:cNvPr id="31" name="Rechteck 30"/>
+          <p:cNvSpPr/>
+          <p:nvPr/>
+        </p:nvSpPr>
+        <p:spPr>
+          <a:xfrm>
+            <a:off x="3357555" y="4823641"/>
+            <a:ext cx="1459684" cy="836039"/>
+          </a:xfrm>
+          <a:prstGeom prst="rect">
+            <a:avLst/>
+          </a:prstGeom>
+          <a:noFill/>
+        </p:spPr>
+        <p:style>
+          <a:lnRef idx="2">
+            <a:schemeClr val="accent1">
+              <a:shade val="50000"/>
+            </a:schemeClr>
+          </a:lnRef>
+          <a:fillRef idx="1">
+            <a:schemeClr val="accent1"/>
+          </a:fillRef>
+          <a:effectRef idx="0">
+            <a:schemeClr val="accent1"/>
+          </a:effectRef>
+          <a:fontRef idx="minor">
+            <a:schemeClr val="lt1"/>
+          </a:fontRef>
+        </p:style>
+        <p:txBody>
+          <a:bodyPr rtlCol="0" anchor="ctr"/>
+          <a:lstStyle/>
+          <a:p>
+            <a:pPr algn="ctr"/>
+            <a:endParaRPr lang="de-DE" sz="1300">
+              <a:solidFill>
+                <a:srgbClr val="4A5C66"/>
+              </a:solidFill>
+              <a:latin typeface="Arial" panose="020B0604020202020204" pitchFamily="34" charset="0"/>
+              <a:cs typeface="Arial" panose="020B0604020202020204" pitchFamily="34" charset="0"/>
+            </a:endParaRPr>
+          </a:p>
+        </p:txBody>
+      </p:sp>
+      <p:cxnSp>
+        <p:nvCxnSpPr>
+          <p:cNvPr id="7" name="Gerade Verbindung mit Pfeil 6"/>
+          <p:cNvCxnSpPr/>
+          <p:nvPr/>
+        </p:nvCxnSpPr>
+        <p:spPr>
+          <a:xfrm flipH="1">
+            <a:off x="5102154" y="3307593"/>
+            <a:ext cx="1236982" cy="1717413"/>
+          </a:xfrm>
+          <a:prstGeom prst="straightConnector1">
+            <a:avLst/>
+          </a:prstGeom>
+          <a:ln w="28575">
+            <a:tailEnd type="triangle"/>
+          </a:ln>
+        </p:spPr>
+        <p:style>
+          <a:lnRef idx="2">
+            <a:schemeClr val="accent2"/>
+          </a:lnRef>
+          <a:fillRef idx="0">
+            <a:schemeClr val="accent2"/>
+          </a:fillRef>
+          <a:effectRef idx="1">
+            <a:schemeClr val="accent2"/>
+          </a:effectRef>
+          <a:fontRef idx="minor">
+            <a:schemeClr val="tx1"/>
+          </a:fontRef>
+        </p:style>
+      </p:cxnSp>
+      <p:sp>
+        <p:nvSpPr>
+          <p:cNvPr id="36" name="Textfeld 35"/>
+          <p:cNvSpPr txBox="1"/>
+          <p:nvPr/>
+        </p:nvSpPr>
+        <p:spPr>
+          <a:xfrm rot="18339854">
+            <a:off x="4710006" y="3881325"/>
+            <a:ext cx="1887055" cy="307777"/>
+          </a:xfrm>
+          <a:prstGeom prst="rect">
+            <a:avLst/>
+          </a:prstGeom>
+          <a:noFill/>
+        </p:spPr>
+        <p:txBody>
+          <a:bodyPr wrap="none" rtlCol="0">
+            <a:spAutoFit/>
+          </a:bodyPr>
+          <a:lstStyle/>
+          <a:p>
+            <a:r>
+              <a:rPr lang="de-DE" sz="1400" dirty="0" err="1">
+                <a:solidFill>
+                  <a:srgbClr val="4A5C66"/>
+                </a:solidFill>
+                <a:latin typeface="Arial" panose="020B0604020202020204" pitchFamily="34" charset="0"/>
+                <a:cs typeface="Arial" panose="020B0604020202020204" pitchFamily="34" charset="0"/>
+              </a:rPr>
+              <a:t>With</a:t>
+            </a:r>
+            <a:r>
+              <a:rPr lang="de-DE" sz="1400" dirty="0">
+                <a:solidFill>
+                  <a:srgbClr val="4A5C66"/>
+                </a:solidFill>
+                <a:latin typeface="Arial" panose="020B0604020202020204" pitchFamily="34" charset="0"/>
+                <a:cs typeface="Arial" panose="020B0604020202020204" pitchFamily="34" charset="0"/>
+              </a:rPr>
+              <a:t> </a:t>
+            </a:r>
+            <a:r>
+              <a:rPr lang="de-DE" sz="1400" dirty="0" err="1">
+                <a:solidFill>
+                  <a:srgbClr val="4A5C66"/>
+                </a:solidFill>
+                <a:latin typeface="Arial" panose="020B0604020202020204" pitchFamily="34" charset="0"/>
+                <a:cs typeface="Arial" panose="020B0604020202020204" pitchFamily="34" charset="0"/>
+              </a:rPr>
+              <a:t>ServerLogic.ads</a:t>
+            </a:r>
+            <a:endParaRPr lang="de-DE" sz="1400" dirty="0">
+              <a:solidFill>
+                <a:srgbClr val="4A5C66"/>
+              </a:solidFill>
+              <a:latin typeface="Arial" panose="020B0604020202020204" pitchFamily="34" charset="0"/>
+              <a:cs typeface="Arial" panose="020B0604020202020204" pitchFamily="34" charset="0"/>
+            </a:endParaRPr>
+          </a:p>
+        </p:txBody>
+      </p:sp>
+      <p:cxnSp>
+        <p:nvCxnSpPr>
+          <p:cNvPr id="5" name="Gerade Verbindung mit Pfeil 4"/>
+          <p:cNvCxnSpPr/>
+          <p:nvPr/>
+        </p:nvCxnSpPr>
+        <p:spPr>
+          <a:xfrm flipH="1" flipV="1">
+            <a:off x="1921080" y="3162651"/>
+            <a:ext cx="1390671" cy="2305461"/>
+          </a:xfrm>
+          <a:prstGeom prst="straightConnector1">
+            <a:avLst/>
+          </a:prstGeom>
+          <a:ln w="28575">
+            <a:prstDash val="sysDot"/>
+            <a:tailEnd type="triangle"/>
+          </a:ln>
+        </p:spPr>
+        <p:style>
+          <a:lnRef idx="2">
+            <a:schemeClr val="accent2"/>
+          </a:lnRef>
+          <a:fillRef idx="0">
+            <a:schemeClr val="accent2"/>
+          </a:fillRef>
+          <a:effectRef idx="1">
+            <a:schemeClr val="accent2"/>
+          </a:effectRef>
+          <a:fontRef idx="minor">
+            <a:schemeClr val="tx1"/>
+          </a:fontRef>
+        </p:style>
+      </p:cxnSp>
+      <p:sp>
+        <p:nvSpPr>
+          <p:cNvPr id="25" name="Textfeld 24"/>
+          <p:cNvSpPr txBox="1"/>
+          <p:nvPr/>
+        </p:nvSpPr>
+        <p:spPr>
+          <a:xfrm rot="3539996">
+            <a:off x="2001640" y="4691695"/>
+            <a:ext cx="1447832" cy="523220"/>
+          </a:xfrm>
+          <a:prstGeom prst="rect">
+            <a:avLst/>
+          </a:prstGeom>
+          <a:noFill/>
+        </p:spPr>
+        <p:txBody>
+          <a:bodyPr wrap="none" rtlCol="0">
+            <a:spAutoFit/>
+          </a:bodyPr>
+          <a:lstStyle/>
+          <a:p>
+            <a:r>
+              <a:rPr lang="de-DE" sz="1400" dirty="0" smtClean="0">
+                <a:solidFill>
+                  <a:srgbClr val="4A5C66"/>
+                </a:solidFill>
+                <a:latin typeface="Arial" panose="020B0604020202020204" pitchFamily="34" charset="0"/>
+                <a:cs typeface="Arial" panose="020B0604020202020204" pitchFamily="34" charset="0"/>
+              </a:rPr>
+              <a:t>Limited </a:t>
+            </a:r>
+            <a:r>
+              <a:rPr lang="de-DE" sz="1400" dirty="0" err="1" smtClean="0">
+                <a:solidFill>
+                  <a:srgbClr val="4A5C66"/>
+                </a:solidFill>
+                <a:latin typeface="Arial" panose="020B0604020202020204" pitchFamily="34" charset="0"/>
+                <a:cs typeface="Arial" panose="020B0604020202020204" pitchFamily="34" charset="0"/>
+              </a:rPr>
+              <a:t>with</a:t>
+            </a:r>
+            <a:endParaRPr lang="de-DE" sz="1400" dirty="0" smtClean="0">
+              <a:solidFill>
+                <a:srgbClr val="4A5C66"/>
+              </a:solidFill>
+              <a:latin typeface="Arial" panose="020B0604020202020204" pitchFamily="34" charset="0"/>
+              <a:cs typeface="Arial" panose="020B0604020202020204" pitchFamily="34" charset="0"/>
+            </a:endParaRPr>
+          </a:p>
+          <a:p>
+            <a:r>
+              <a:rPr lang="de-DE" sz="1400" dirty="0" smtClean="0">
+                <a:solidFill>
+                  <a:srgbClr val="4A5C66"/>
+                </a:solidFill>
+                <a:latin typeface="Arial" panose="020B0604020202020204" pitchFamily="34" charset="0"/>
+                <a:cs typeface="Arial" panose="020B0604020202020204" pitchFamily="34" charset="0"/>
+              </a:rPr>
+              <a:t> </a:t>
+            </a:r>
+            <a:r>
+              <a:rPr lang="de-DE" sz="1400" dirty="0" err="1">
+                <a:solidFill>
+                  <a:srgbClr val="4A5C66"/>
+                </a:solidFill>
+                <a:latin typeface="Arial" panose="020B0604020202020204" pitchFamily="34" charset="0"/>
+                <a:cs typeface="Arial" panose="020B0604020202020204" pitchFamily="34" charset="0"/>
+              </a:rPr>
+              <a:t>Chatrooms.ads</a:t>
+            </a:r>
+            <a:endParaRPr lang="de-DE" sz="1400" dirty="0">
+              <a:solidFill>
+                <a:srgbClr val="4A5C66"/>
+              </a:solidFill>
+              <a:latin typeface="Arial" panose="020B0604020202020204" pitchFamily="34" charset="0"/>
+              <a:cs typeface="Arial" panose="020B0604020202020204" pitchFamily="34" charset="0"/>
+            </a:endParaRPr>
+          </a:p>
+        </p:txBody>
+      </p:sp>
+    </p:spTree>
+    <p:extLst>
+      <p:ext uri="{BB962C8B-B14F-4D97-AF65-F5344CB8AC3E}">
+        <p14:creationId xmlns:p14="http://schemas.microsoft.com/office/powerpoint/2010/main" val="2843852029"/>
+      </p:ext>
+    </p:extLst>
+  </p:cSld>
+  <p:clrMapOvr>
+    <a:masterClrMapping/>
+  </p:clrMapOvr>
+  <p:timing>
+    <p:tnLst>
+      <p:par>
+        <p:cTn id="1" dur="indefinite" restart="never" nodeType="tmRoot"/>
+      </p:par>
+    </p:tnLst>
+  </p:timing>
+</p:sld>
+</file>
+
+<file path=ppt/slides/slide35.xml><?xml version="1.0" encoding="utf-8"?>
+<p:sld xmlns:a="http://schemas.openxmlformats.org/drawingml/2006/main" xmlns:r="http://schemas.openxmlformats.org/officeDocument/2006/relationships" xmlns:p="http://schemas.openxmlformats.org/presentationml/2006/main">
+  <p:cSld>
+    <p:spTree>
+      <p:nvGrpSpPr>
+        <p:cNvPr id="1" name=""/>
+        <p:cNvGrpSpPr/>
+        <p:nvPr/>
+      </p:nvGrpSpPr>
+      <p:grpSpPr>
+        <a:xfrm>
+          <a:off x="0" y="0"/>
+          <a:ext cx="0" cy="0"/>
+          <a:chOff x="0" y="0"/>
+          <a:chExt cx="0" cy="0"/>
+        </a:xfrm>
+      </p:grpSpPr>
+      <p:sp>
+        <p:nvSpPr>
+          <p:cNvPr id="2" name="Titel 1"/>
+          <p:cNvSpPr>
+            <a:spLocks noGrp="1"/>
+          </p:cNvSpPr>
+          <p:nvPr>
+            <p:ph type="title"/>
+          </p:nvPr>
+        </p:nvSpPr>
+        <p:spPr>
+          <a:xfrm>
+            <a:off x="360000" y="1317222"/>
+            <a:ext cx="8246118" cy="569556"/>
+          </a:xfrm>
+        </p:spPr>
+        <p:txBody>
+          <a:bodyPr/>
+          <a:lstStyle/>
+          <a:p>
+            <a:r>
+              <a:rPr lang="de-DE" dirty="0"/>
+              <a:t>Zirkuläre Abhängigkeiten</a:t>
+            </a:r>
+          </a:p>
+        </p:txBody>
+      </p:sp>
+      <p:sp>
+        <p:nvSpPr>
+          <p:cNvPr id="6" name="Rechteck 5"/>
+          <p:cNvSpPr/>
+          <p:nvPr/>
+        </p:nvSpPr>
+        <p:spPr>
+          <a:xfrm>
+            <a:off x="553673" y="2224209"/>
+            <a:ext cx="1744911" cy="2176715"/>
+          </a:xfrm>
+          <a:prstGeom prst="rect">
+            <a:avLst/>
+          </a:prstGeom>
+          <a:noFill/>
+          <a:ln/>
+        </p:spPr>
+        <p:style>
+          <a:lnRef idx="2">
+            <a:schemeClr val="dk1">
+              <a:shade val="50000"/>
+            </a:schemeClr>
+          </a:lnRef>
+          <a:fillRef idx="1">
+            <a:schemeClr val="dk1"/>
+          </a:fillRef>
+          <a:effectRef idx="0">
+            <a:schemeClr val="dk1"/>
+          </a:effectRef>
+          <a:fontRef idx="minor">
+            <a:schemeClr val="lt1"/>
+          </a:fontRef>
+        </p:style>
+        <p:txBody>
+          <a:bodyPr rtlCol="0" anchor="ctr"/>
+          <a:lstStyle/>
+          <a:p>
+            <a:pPr algn="ctr"/>
+            <a:endParaRPr lang="de-DE">
+              <a:solidFill>
+                <a:srgbClr val="4A5C66"/>
+              </a:solidFill>
+              <a:latin typeface="Arial" panose="020B0604020202020204" pitchFamily="34" charset="0"/>
+              <a:cs typeface="Arial" panose="020B0604020202020204" pitchFamily="34" charset="0"/>
+            </a:endParaRPr>
+          </a:p>
+        </p:txBody>
+      </p:sp>
+      <p:sp>
+        <p:nvSpPr>
+          <p:cNvPr id="12" name="Textfeld 11"/>
+          <p:cNvSpPr txBox="1"/>
+          <p:nvPr/>
+        </p:nvSpPr>
+        <p:spPr>
+          <a:xfrm>
+            <a:off x="441114" y="1886778"/>
+            <a:ext cx="1593909" cy="338554"/>
+          </a:xfrm>
+          <a:prstGeom prst="rect">
+            <a:avLst/>
+          </a:prstGeom>
+          <a:noFill/>
+        </p:spPr>
+        <p:txBody>
+          <a:bodyPr wrap="square" rtlCol="0">
+            <a:spAutoFit/>
+          </a:bodyPr>
+          <a:lstStyle/>
+          <a:p>
+            <a:r>
+              <a:rPr lang="de-DE" sz="1600" dirty="0" err="1">
+                <a:solidFill>
+                  <a:srgbClr val="4A5C66"/>
+                </a:solidFill>
+                <a:latin typeface="Arial" panose="020B0604020202020204" pitchFamily="34" charset="0"/>
+                <a:cs typeface="Arial" panose="020B0604020202020204" pitchFamily="34" charset="0"/>
+              </a:rPr>
+              <a:t>Chatrooms.ads</a:t>
+            </a:r>
+            <a:endParaRPr lang="de-DE" sz="1600" dirty="0">
+              <a:solidFill>
+                <a:srgbClr val="4A5C66"/>
+              </a:solidFill>
+              <a:latin typeface="Arial" panose="020B0604020202020204" pitchFamily="34" charset="0"/>
+              <a:cs typeface="Arial" panose="020B0604020202020204" pitchFamily="34" charset="0"/>
+            </a:endParaRPr>
+          </a:p>
+        </p:txBody>
+      </p:sp>
+      <p:sp>
+        <p:nvSpPr>
+          <p:cNvPr id="17" name="Rechteck 16"/>
+          <p:cNvSpPr/>
+          <p:nvPr/>
+        </p:nvSpPr>
+        <p:spPr>
+          <a:xfrm>
+            <a:off x="675169" y="2353487"/>
+            <a:ext cx="1459684" cy="738664"/>
+          </a:xfrm>
+          <a:prstGeom prst="rect">
+            <a:avLst/>
+          </a:prstGeom>
+          <a:noFill/>
+        </p:spPr>
+        <p:style>
+          <a:lnRef idx="2">
+            <a:schemeClr val="accent1">
+              <a:shade val="50000"/>
+            </a:schemeClr>
+          </a:lnRef>
+          <a:fillRef idx="1">
+            <a:schemeClr val="accent1"/>
+          </a:fillRef>
+          <a:effectRef idx="0">
+            <a:schemeClr val="accent1"/>
+          </a:effectRef>
+          <a:fontRef idx="minor">
+            <a:schemeClr val="lt1"/>
+          </a:fontRef>
+        </p:style>
+        <p:txBody>
+          <a:bodyPr rtlCol="0" anchor="ctr"/>
+          <a:lstStyle/>
+          <a:p>
+            <a:pPr algn="ctr"/>
+            <a:endParaRPr lang="de-DE">
+              <a:solidFill>
+                <a:srgbClr val="4A5C66"/>
+              </a:solidFill>
+              <a:latin typeface="Arial" panose="020B0604020202020204" pitchFamily="34" charset="0"/>
+              <a:cs typeface="Arial" panose="020B0604020202020204" pitchFamily="34" charset="0"/>
+            </a:endParaRPr>
+          </a:p>
+        </p:txBody>
+      </p:sp>
+      <p:sp>
+        <p:nvSpPr>
+          <p:cNvPr id="19" name="Textfeld 18"/>
+          <p:cNvSpPr txBox="1"/>
+          <p:nvPr/>
+        </p:nvSpPr>
+        <p:spPr>
+          <a:xfrm>
+            <a:off x="675169" y="2353486"/>
+            <a:ext cx="1688264" cy="692497"/>
+          </a:xfrm>
+          <a:prstGeom prst="rect">
+            <a:avLst/>
+          </a:prstGeom>
+          <a:noFill/>
+        </p:spPr>
+        <p:txBody>
+          <a:bodyPr wrap="square" rtlCol="0">
+            <a:spAutoFit/>
+          </a:bodyPr>
+          <a:lstStyle/>
+          <a:p>
+            <a:r>
+              <a:rPr lang="de-DE" sz="1300" dirty="0">
+                <a:solidFill>
+                  <a:srgbClr val="4A5C66"/>
+                </a:solidFill>
+                <a:latin typeface="Arial" panose="020B0604020202020204" pitchFamily="34" charset="0"/>
+                <a:cs typeface="Arial" panose="020B0604020202020204" pitchFamily="34" charset="0"/>
+              </a:rPr>
+              <a:t>Type Chatroom </a:t>
+            </a:r>
+            <a:r>
+              <a:rPr lang="de-DE" sz="1300" dirty="0" err="1">
+                <a:solidFill>
+                  <a:srgbClr val="4A5C66"/>
+                </a:solidFill>
+                <a:latin typeface="Arial" panose="020B0604020202020204" pitchFamily="34" charset="0"/>
+                <a:cs typeface="Arial" panose="020B0604020202020204" pitchFamily="34" charset="0"/>
+              </a:rPr>
+              <a:t>is</a:t>
+            </a:r>
+            <a:endParaRPr lang="de-DE" sz="1300" dirty="0">
+              <a:solidFill>
+                <a:srgbClr val="4A5C66"/>
+              </a:solidFill>
+              <a:latin typeface="Arial" panose="020B0604020202020204" pitchFamily="34" charset="0"/>
+              <a:cs typeface="Arial" panose="020B0604020202020204" pitchFamily="34" charset="0"/>
+            </a:endParaRPr>
+          </a:p>
+          <a:p>
+            <a:r>
+              <a:rPr lang="de-DE" sz="1300" dirty="0">
+                <a:solidFill>
+                  <a:srgbClr val="4A5C66"/>
+                </a:solidFill>
+                <a:latin typeface="Arial" panose="020B0604020202020204" pitchFamily="34" charset="0"/>
+                <a:cs typeface="Arial" panose="020B0604020202020204" pitchFamily="34" charset="0"/>
+              </a:rPr>
+              <a:t>      - Client</a:t>
+            </a:r>
+          </a:p>
+          <a:p>
+            <a:r>
+              <a:rPr lang="de-DE" sz="1300" dirty="0">
+                <a:solidFill>
+                  <a:srgbClr val="4A5C66"/>
+                </a:solidFill>
+                <a:latin typeface="Arial" panose="020B0604020202020204" pitchFamily="34" charset="0"/>
+                <a:cs typeface="Arial" panose="020B0604020202020204" pitchFamily="34" charset="0"/>
+              </a:rPr>
+              <a:t>End type;</a:t>
+            </a:r>
+          </a:p>
+        </p:txBody>
+      </p:sp>
+      <p:sp>
+        <p:nvSpPr>
+          <p:cNvPr id="38" name="Rechteck 37"/>
+          <p:cNvSpPr/>
+          <p:nvPr/>
+        </p:nvSpPr>
+        <p:spPr>
+          <a:xfrm>
+            <a:off x="6204911" y="2224209"/>
+            <a:ext cx="2293137" cy="2725658"/>
+          </a:xfrm>
+          <a:prstGeom prst="rect">
+            <a:avLst/>
+          </a:prstGeom>
+          <a:noFill/>
+          <a:ln/>
+        </p:spPr>
+        <p:style>
+          <a:lnRef idx="2">
+            <a:schemeClr val="dk1">
+              <a:shade val="50000"/>
+            </a:schemeClr>
+          </a:lnRef>
+          <a:fillRef idx="1">
+            <a:schemeClr val="dk1"/>
+          </a:fillRef>
+          <a:effectRef idx="0">
+            <a:schemeClr val="dk1"/>
+          </a:effectRef>
+          <a:fontRef idx="minor">
+            <a:schemeClr val="lt1"/>
+          </a:fontRef>
+        </p:style>
+        <p:txBody>
+          <a:bodyPr rtlCol="0" anchor="ctr"/>
+          <a:lstStyle/>
+          <a:p>
+            <a:pPr algn="ctr"/>
+            <a:endParaRPr lang="de-DE">
+              <a:solidFill>
+                <a:srgbClr val="4A5C66"/>
+              </a:solidFill>
+              <a:latin typeface="Arial" panose="020B0604020202020204" pitchFamily="34" charset="0"/>
+              <a:cs typeface="Arial" panose="020B0604020202020204" pitchFamily="34" charset="0"/>
+            </a:endParaRPr>
+          </a:p>
+        </p:txBody>
+      </p:sp>
+      <p:sp>
+        <p:nvSpPr>
+          <p:cNvPr id="39" name="Textfeld 38"/>
+          <p:cNvSpPr txBox="1"/>
+          <p:nvPr/>
+        </p:nvSpPr>
+        <p:spPr>
+          <a:xfrm>
+            <a:off x="6105081" y="1886778"/>
+            <a:ext cx="1693739" cy="338554"/>
+          </a:xfrm>
+          <a:prstGeom prst="rect">
+            <a:avLst/>
+          </a:prstGeom>
+          <a:noFill/>
+        </p:spPr>
+        <p:txBody>
+          <a:bodyPr wrap="square" rtlCol="0">
+            <a:spAutoFit/>
+          </a:bodyPr>
+          <a:lstStyle/>
+          <a:p>
+            <a:r>
+              <a:rPr lang="de-DE" sz="1600" dirty="0" err="1">
+                <a:solidFill>
+                  <a:srgbClr val="4A5C66"/>
+                </a:solidFill>
+                <a:latin typeface="Arial" panose="020B0604020202020204" pitchFamily="34" charset="0"/>
+                <a:cs typeface="Arial" panose="020B0604020202020204" pitchFamily="34" charset="0"/>
+              </a:rPr>
+              <a:t>ServerLogic.ads</a:t>
+            </a:r>
+            <a:endParaRPr lang="de-DE" sz="1600" dirty="0">
+              <a:solidFill>
+                <a:srgbClr val="4A5C66"/>
+              </a:solidFill>
+              <a:latin typeface="Arial" panose="020B0604020202020204" pitchFamily="34" charset="0"/>
+              <a:cs typeface="Arial" panose="020B0604020202020204" pitchFamily="34" charset="0"/>
+            </a:endParaRPr>
+          </a:p>
+        </p:txBody>
+      </p:sp>
+      <p:sp>
+        <p:nvSpPr>
+          <p:cNvPr id="40" name="Rechteck 39"/>
+          <p:cNvSpPr/>
+          <p:nvPr/>
+        </p:nvSpPr>
+        <p:spPr>
+          <a:xfrm>
+            <a:off x="6339136" y="2353487"/>
+            <a:ext cx="1459684" cy="954106"/>
+          </a:xfrm>
+          <a:prstGeom prst="rect">
+            <a:avLst/>
+          </a:prstGeom>
+          <a:noFill/>
+        </p:spPr>
+        <p:style>
+          <a:lnRef idx="2">
+            <a:schemeClr val="accent1">
+              <a:shade val="50000"/>
+            </a:schemeClr>
+          </a:lnRef>
+          <a:fillRef idx="1">
+            <a:schemeClr val="accent1"/>
+          </a:fillRef>
+          <a:effectRef idx="0">
+            <a:schemeClr val="accent1"/>
+          </a:effectRef>
+          <a:fontRef idx="minor">
+            <a:schemeClr val="lt1"/>
+          </a:fontRef>
+        </p:style>
+        <p:txBody>
+          <a:bodyPr rtlCol="0" anchor="ctr"/>
+          <a:lstStyle/>
+          <a:p>
+            <a:pPr algn="ctr"/>
+            <a:endParaRPr lang="de-DE">
+              <a:solidFill>
+                <a:srgbClr val="4A5C66"/>
+              </a:solidFill>
+              <a:latin typeface="Arial" panose="020B0604020202020204" pitchFamily="34" charset="0"/>
+              <a:cs typeface="Arial" panose="020B0604020202020204" pitchFamily="34" charset="0"/>
+            </a:endParaRPr>
+          </a:p>
+        </p:txBody>
+      </p:sp>
+      <p:sp>
+        <p:nvSpPr>
+          <p:cNvPr id="41" name="Textfeld 40"/>
+          <p:cNvSpPr txBox="1"/>
+          <p:nvPr/>
+        </p:nvSpPr>
+        <p:spPr>
+          <a:xfrm>
+            <a:off x="6339136" y="2353486"/>
+            <a:ext cx="1688264" cy="892552"/>
+          </a:xfrm>
+          <a:prstGeom prst="rect">
+            <a:avLst/>
+          </a:prstGeom>
+          <a:noFill/>
+        </p:spPr>
+        <p:txBody>
+          <a:bodyPr wrap="square" rtlCol="0">
+            <a:spAutoFit/>
+          </a:bodyPr>
+          <a:lstStyle/>
+          <a:p>
+            <a:r>
+              <a:rPr lang="de-DE" sz="1300" dirty="0">
+                <a:solidFill>
+                  <a:srgbClr val="4A5C66"/>
+                </a:solidFill>
+                <a:latin typeface="Arial" panose="020B0604020202020204" pitchFamily="34" charset="0"/>
+                <a:cs typeface="Arial" panose="020B0604020202020204" pitchFamily="34" charset="0"/>
+              </a:rPr>
+              <a:t>Type Server </a:t>
+            </a:r>
+            <a:r>
+              <a:rPr lang="de-DE" sz="1300" dirty="0" err="1">
+                <a:solidFill>
+                  <a:srgbClr val="4A5C66"/>
+                </a:solidFill>
+                <a:latin typeface="Arial" panose="020B0604020202020204" pitchFamily="34" charset="0"/>
+                <a:cs typeface="Arial" panose="020B0604020202020204" pitchFamily="34" charset="0"/>
+              </a:rPr>
+              <a:t>is</a:t>
+            </a:r>
+            <a:endParaRPr lang="de-DE" sz="1300" dirty="0">
+              <a:solidFill>
+                <a:srgbClr val="4A5C66"/>
+              </a:solidFill>
+              <a:latin typeface="Arial" panose="020B0604020202020204" pitchFamily="34" charset="0"/>
+              <a:cs typeface="Arial" panose="020B0604020202020204" pitchFamily="34" charset="0"/>
+            </a:endParaRPr>
+          </a:p>
+          <a:p>
+            <a:r>
+              <a:rPr lang="de-DE" sz="1300" dirty="0">
+                <a:solidFill>
+                  <a:srgbClr val="4A5C66"/>
+                </a:solidFill>
+                <a:latin typeface="Arial" panose="020B0604020202020204" pitchFamily="34" charset="0"/>
+                <a:cs typeface="Arial" panose="020B0604020202020204" pitchFamily="34" charset="0"/>
+              </a:rPr>
+              <a:t>      - Client</a:t>
+            </a:r>
+          </a:p>
+          <a:p>
+            <a:r>
+              <a:rPr lang="de-DE" sz="1300" dirty="0">
+                <a:solidFill>
+                  <a:srgbClr val="4A5C66"/>
+                </a:solidFill>
+                <a:latin typeface="Arial" panose="020B0604020202020204" pitchFamily="34" charset="0"/>
+                <a:cs typeface="Arial" panose="020B0604020202020204" pitchFamily="34" charset="0"/>
+              </a:rPr>
+              <a:t>      - Chatroom</a:t>
+            </a:r>
+          </a:p>
+          <a:p>
+            <a:r>
+              <a:rPr lang="de-DE" sz="1300" dirty="0">
+                <a:solidFill>
+                  <a:srgbClr val="4A5C66"/>
+                </a:solidFill>
+                <a:latin typeface="Arial" panose="020B0604020202020204" pitchFamily="34" charset="0"/>
+                <a:cs typeface="Arial" panose="020B0604020202020204" pitchFamily="34" charset="0"/>
+              </a:rPr>
+              <a:t>End type;</a:t>
+            </a:r>
+          </a:p>
+        </p:txBody>
+      </p:sp>
+      <p:cxnSp>
+        <p:nvCxnSpPr>
+          <p:cNvPr id="2069" name="Gerade Verbindung mit Pfeil 2068"/>
+          <p:cNvCxnSpPr/>
+          <p:nvPr/>
+        </p:nvCxnSpPr>
+        <p:spPr>
+          <a:xfrm>
+            <a:off x="2134853" y="2995232"/>
+            <a:ext cx="1222702" cy="2123715"/>
+          </a:xfrm>
+          <a:prstGeom prst="straightConnector1">
+            <a:avLst/>
+          </a:prstGeom>
+          <a:ln w="28575">
+            <a:tailEnd type="triangle"/>
+          </a:ln>
+        </p:spPr>
+        <p:style>
+          <a:lnRef idx="2">
+            <a:schemeClr val="accent2"/>
+          </a:lnRef>
+          <a:fillRef idx="0">
+            <a:schemeClr val="accent2"/>
+          </a:fillRef>
+          <a:effectRef idx="1">
+            <a:schemeClr val="accent2"/>
+          </a:effectRef>
+          <a:fontRef idx="minor">
+            <a:schemeClr val="tx1"/>
+          </a:fontRef>
+        </p:style>
+      </p:cxnSp>
+      <p:cxnSp>
+        <p:nvCxnSpPr>
+          <p:cNvPr id="2071" name="Gerade Verbindung mit Pfeil 2070"/>
+          <p:cNvCxnSpPr>
+            <a:stCxn id="41" idx="1"/>
+          </p:cNvCxnSpPr>
+          <p:nvPr/>
+        </p:nvCxnSpPr>
+        <p:spPr>
+          <a:xfrm flipH="1">
+            <a:off x="2134854" y="2799762"/>
+            <a:ext cx="4204282" cy="10914"/>
+          </a:xfrm>
+          <a:prstGeom prst="straightConnector1">
+            <a:avLst/>
+          </a:prstGeom>
+          <a:ln w="28575">
+            <a:tailEnd type="triangle"/>
+          </a:ln>
+        </p:spPr>
+        <p:style>
+          <a:lnRef idx="2">
+            <a:schemeClr val="accent2"/>
+          </a:lnRef>
+          <a:fillRef idx="0">
+            <a:schemeClr val="accent2"/>
+          </a:fillRef>
+          <a:effectRef idx="1">
+            <a:schemeClr val="accent2"/>
+          </a:effectRef>
+          <a:fontRef idx="minor">
+            <a:schemeClr val="tx1"/>
+          </a:fontRef>
+        </p:style>
+      </p:cxnSp>
+      <p:sp>
+        <p:nvSpPr>
+          <p:cNvPr id="3" name="Textfeld 2"/>
+          <p:cNvSpPr txBox="1"/>
+          <p:nvPr/>
+        </p:nvSpPr>
+        <p:spPr>
+          <a:xfrm rot="3596617">
+            <a:off x="2100374" y="3862159"/>
+            <a:ext cx="1479892" cy="307777"/>
+          </a:xfrm>
+          <a:prstGeom prst="rect">
+            <a:avLst/>
+          </a:prstGeom>
+          <a:noFill/>
+        </p:spPr>
+        <p:txBody>
+          <a:bodyPr wrap="none" rtlCol="0">
+            <a:spAutoFit/>
+          </a:bodyPr>
+          <a:lstStyle/>
+          <a:p>
+            <a:r>
+              <a:rPr lang="de-DE" sz="1400" dirty="0" err="1">
+                <a:solidFill>
+                  <a:srgbClr val="4A5C66"/>
+                </a:solidFill>
+                <a:latin typeface="Arial" panose="020B0604020202020204" pitchFamily="34" charset="0"/>
+                <a:cs typeface="Arial" panose="020B0604020202020204" pitchFamily="34" charset="0"/>
+              </a:rPr>
+              <a:t>With</a:t>
+            </a:r>
+            <a:r>
+              <a:rPr lang="de-DE" sz="1400" dirty="0">
+                <a:solidFill>
+                  <a:srgbClr val="4A5C66"/>
+                </a:solidFill>
+                <a:latin typeface="Arial" panose="020B0604020202020204" pitchFamily="34" charset="0"/>
+                <a:cs typeface="Arial" panose="020B0604020202020204" pitchFamily="34" charset="0"/>
+              </a:rPr>
+              <a:t> </a:t>
+            </a:r>
+            <a:r>
+              <a:rPr lang="de-DE" sz="1400" dirty="0" err="1">
+                <a:solidFill>
+                  <a:srgbClr val="4A5C66"/>
+                </a:solidFill>
+                <a:latin typeface="Arial" panose="020B0604020202020204" pitchFamily="34" charset="0"/>
+                <a:cs typeface="Arial" panose="020B0604020202020204" pitchFamily="34" charset="0"/>
+              </a:rPr>
+              <a:t>Clients.ads</a:t>
+            </a:r>
+            <a:endParaRPr lang="de-DE" sz="1400" dirty="0">
+              <a:solidFill>
+                <a:srgbClr val="4A5C66"/>
+              </a:solidFill>
+              <a:latin typeface="Arial" panose="020B0604020202020204" pitchFamily="34" charset="0"/>
+              <a:cs typeface="Arial" panose="020B0604020202020204" pitchFamily="34" charset="0"/>
+            </a:endParaRPr>
+          </a:p>
+        </p:txBody>
+      </p:sp>
+      <p:sp>
+        <p:nvSpPr>
+          <p:cNvPr id="20" name="Textfeld 19"/>
+          <p:cNvSpPr txBox="1"/>
+          <p:nvPr/>
+        </p:nvSpPr>
+        <p:spPr>
+          <a:xfrm>
+            <a:off x="3424834" y="2527910"/>
+            <a:ext cx="1806905" cy="307777"/>
+          </a:xfrm>
+          <a:prstGeom prst="rect">
+            <a:avLst/>
+          </a:prstGeom>
+          <a:noFill/>
+        </p:spPr>
+        <p:txBody>
+          <a:bodyPr wrap="none" rtlCol="0">
+            <a:spAutoFit/>
+          </a:bodyPr>
+          <a:lstStyle/>
+          <a:p>
+            <a:r>
+              <a:rPr lang="de-DE" sz="1400" dirty="0" err="1">
+                <a:solidFill>
+                  <a:srgbClr val="4A5C66"/>
+                </a:solidFill>
+                <a:latin typeface="Arial" panose="020B0604020202020204" pitchFamily="34" charset="0"/>
+                <a:cs typeface="Arial" panose="020B0604020202020204" pitchFamily="34" charset="0"/>
+              </a:rPr>
+              <a:t>With</a:t>
+            </a:r>
+            <a:r>
+              <a:rPr lang="de-DE" sz="1400" dirty="0">
+                <a:solidFill>
+                  <a:srgbClr val="4A5C66"/>
+                </a:solidFill>
+                <a:latin typeface="Arial" panose="020B0604020202020204" pitchFamily="34" charset="0"/>
+                <a:cs typeface="Arial" panose="020B0604020202020204" pitchFamily="34" charset="0"/>
+              </a:rPr>
+              <a:t> </a:t>
+            </a:r>
+            <a:r>
+              <a:rPr lang="de-DE" sz="1400" dirty="0" err="1">
+                <a:solidFill>
+                  <a:srgbClr val="4A5C66"/>
+                </a:solidFill>
+                <a:latin typeface="Arial" panose="020B0604020202020204" pitchFamily="34" charset="0"/>
+                <a:cs typeface="Arial" panose="020B0604020202020204" pitchFamily="34" charset="0"/>
+              </a:rPr>
+              <a:t>Chatrooms.ads</a:t>
+            </a:r>
+            <a:endParaRPr lang="de-DE" sz="1400" dirty="0">
+              <a:solidFill>
+                <a:srgbClr val="4A5C66"/>
+              </a:solidFill>
+              <a:latin typeface="Arial" panose="020B0604020202020204" pitchFamily="34" charset="0"/>
+              <a:cs typeface="Arial" panose="020B0604020202020204" pitchFamily="34" charset="0"/>
+            </a:endParaRPr>
+          </a:p>
+        </p:txBody>
+      </p:sp>
+      <p:sp>
+        <p:nvSpPr>
+          <p:cNvPr id="27" name="Rechteck 26"/>
+          <p:cNvSpPr/>
+          <p:nvPr/>
+        </p:nvSpPr>
+        <p:spPr>
+          <a:xfrm>
+            <a:off x="3257489" y="4726264"/>
+            <a:ext cx="1779911" cy="1641372"/>
+          </a:xfrm>
+          <a:prstGeom prst="rect">
+            <a:avLst/>
+          </a:prstGeom>
+          <a:noFill/>
+          <a:ln/>
+        </p:spPr>
+        <p:style>
+          <a:lnRef idx="2">
+            <a:schemeClr val="dk1">
+              <a:shade val="50000"/>
+            </a:schemeClr>
+          </a:lnRef>
+          <a:fillRef idx="1">
+            <a:schemeClr val="dk1"/>
+          </a:fillRef>
+          <a:effectRef idx="0">
+            <a:schemeClr val="dk1"/>
+          </a:effectRef>
+          <a:fontRef idx="minor">
+            <a:schemeClr val="lt1"/>
+          </a:fontRef>
+        </p:style>
+        <p:txBody>
+          <a:bodyPr rtlCol="0" anchor="ctr"/>
+          <a:lstStyle/>
+          <a:p>
+            <a:pPr algn="ctr"/>
+            <a:endParaRPr lang="de-DE">
+              <a:solidFill>
+                <a:srgbClr val="4A5C66"/>
+              </a:solidFill>
+              <a:latin typeface="Arial" panose="020B0604020202020204" pitchFamily="34" charset="0"/>
+              <a:cs typeface="Arial" panose="020B0604020202020204" pitchFamily="34" charset="0"/>
+            </a:endParaRPr>
+          </a:p>
+        </p:txBody>
+      </p:sp>
+      <p:sp>
+        <p:nvSpPr>
+          <p:cNvPr id="28" name="Textfeld 27"/>
+          <p:cNvSpPr txBox="1"/>
+          <p:nvPr/>
+        </p:nvSpPr>
+        <p:spPr>
+          <a:xfrm>
+            <a:off x="3187670" y="4400924"/>
+            <a:ext cx="1629569" cy="369332"/>
+          </a:xfrm>
+          <a:prstGeom prst="rect">
+            <a:avLst/>
+          </a:prstGeom>
+          <a:noFill/>
+        </p:spPr>
+        <p:txBody>
+          <a:bodyPr wrap="square" rtlCol="0">
+            <a:spAutoFit/>
+          </a:bodyPr>
+          <a:lstStyle/>
+          <a:p>
+            <a:r>
+              <a:rPr lang="de-DE" dirty="0" err="1">
+                <a:solidFill>
+                  <a:srgbClr val="4A5C66"/>
+                </a:solidFill>
+                <a:latin typeface="Arial" panose="020B0604020202020204" pitchFamily="34" charset="0"/>
+                <a:cs typeface="Arial" panose="020B0604020202020204" pitchFamily="34" charset="0"/>
+              </a:rPr>
+              <a:t>Clients.ads</a:t>
+            </a:r>
+            <a:endParaRPr lang="de-DE" dirty="0">
+              <a:solidFill>
+                <a:srgbClr val="4A5C66"/>
+              </a:solidFill>
+              <a:latin typeface="Arial" panose="020B0604020202020204" pitchFamily="34" charset="0"/>
+              <a:cs typeface="Arial" panose="020B0604020202020204" pitchFamily="34" charset="0"/>
+            </a:endParaRPr>
+          </a:p>
+        </p:txBody>
+      </p:sp>
+      <p:sp>
+        <p:nvSpPr>
+          <p:cNvPr id="29" name="Textfeld 28"/>
+          <p:cNvSpPr txBox="1"/>
+          <p:nvPr/>
+        </p:nvSpPr>
+        <p:spPr>
+          <a:xfrm>
+            <a:off x="3349136" y="4823640"/>
+            <a:ext cx="1688264" cy="738664"/>
+          </a:xfrm>
+          <a:prstGeom prst="rect">
+            <a:avLst/>
+          </a:prstGeom>
+          <a:noFill/>
+        </p:spPr>
+        <p:txBody>
+          <a:bodyPr wrap="square" rtlCol="0">
+            <a:spAutoFit/>
+          </a:bodyPr>
+          <a:lstStyle/>
+          <a:p>
+            <a:r>
+              <a:rPr lang="de-DE" sz="1400" dirty="0">
+                <a:solidFill>
+                  <a:srgbClr val="4A5C66"/>
+                </a:solidFill>
+                <a:latin typeface="Arial" panose="020B0604020202020204" pitchFamily="34" charset="0"/>
+                <a:cs typeface="Arial" panose="020B0604020202020204" pitchFamily="34" charset="0"/>
+              </a:rPr>
+              <a:t>Type Client </a:t>
+            </a:r>
+            <a:r>
+              <a:rPr lang="de-DE" sz="1400" dirty="0" err="1">
+                <a:solidFill>
+                  <a:srgbClr val="4A5C66"/>
+                </a:solidFill>
+                <a:latin typeface="Arial" panose="020B0604020202020204" pitchFamily="34" charset="0"/>
+                <a:cs typeface="Arial" panose="020B0604020202020204" pitchFamily="34" charset="0"/>
+              </a:rPr>
+              <a:t>is</a:t>
+            </a:r>
+            <a:endParaRPr lang="de-DE" sz="1400" dirty="0">
+              <a:solidFill>
+                <a:srgbClr val="4A5C66"/>
+              </a:solidFill>
+              <a:latin typeface="Arial" panose="020B0604020202020204" pitchFamily="34" charset="0"/>
+              <a:cs typeface="Arial" panose="020B0604020202020204" pitchFamily="34" charset="0"/>
+            </a:endParaRPr>
+          </a:p>
+          <a:p>
+            <a:r>
+              <a:rPr lang="de-DE" sz="1400" dirty="0">
+                <a:solidFill>
+                  <a:srgbClr val="4A5C66"/>
+                </a:solidFill>
+                <a:latin typeface="Arial" panose="020B0604020202020204" pitchFamily="34" charset="0"/>
+                <a:cs typeface="Arial" panose="020B0604020202020204" pitchFamily="34" charset="0"/>
+              </a:rPr>
+              <a:t>    </a:t>
+            </a:r>
+            <a:r>
+              <a:rPr lang="de-DE" sz="1400" dirty="0" smtClean="0">
+                <a:solidFill>
+                  <a:srgbClr val="FF0000"/>
+                </a:solidFill>
+                <a:latin typeface="Arial" panose="020B0604020202020204" pitchFamily="34" charset="0"/>
+                <a:cs typeface="Arial" panose="020B0604020202020204" pitchFamily="34" charset="0"/>
+              </a:rPr>
+              <a:t>- </a:t>
+            </a:r>
+            <a:r>
+              <a:rPr lang="de-DE" sz="1400" dirty="0">
+                <a:solidFill>
+                  <a:srgbClr val="FF0000"/>
+                </a:solidFill>
+                <a:latin typeface="Arial" panose="020B0604020202020204" pitchFamily="34" charset="0"/>
+                <a:cs typeface="Arial" panose="020B0604020202020204" pitchFamily="34" charset="0"/>
+              </a:rPr>
+              <a:t>Chatroom</a:t>
+            </a:r>
+          </a:p>
+          <a:p>
+            <a:r>
+              <a:rPr lang="de-DE" sz="1400" dirty="0">
+                <a:solidFill>
+                  <a:srgbClr val="4A5C66"/>
+                </a:solidFill>
+                <a:latin typeface="Arial" panose="020B0604020202020204" pitchFamily="34" charset="0"/>
+                <a:cs typeface="Arial" panose="020B0604020202020204" pitchFamily="34" charset="0"/>
+              </a:rPr>
+              <a:t>End type;</a:t>
+            </a:r>
+          </a:p>
+        </p:txBody>
+      </p:sp>
+      <p:sp>
+        <p:nvSpPr>
+          <p:cNvPr id="31" name="Rechteck 30"/>
+          <p:cNvSpPr/>
+          <p:nvPr/>
+        </p:nvSpPr>
+        <p:spPr>
+          <a:xfrm>
+            <a:off x="3357555" y="4823641"/>
+            <a:ext cx="1459684" cy="836039"/>
+          </a:xfrm>
+          <a:prstGeom prst="rect">
+            <a:avLst/>
+          </a:prstGeom>
+          <a:noFill/>
+        </p:spPr>
+        <p:style>
+          <a:lnRef idx="2">
+            <a:schemeClr val="accent1">
+              <a:shade val="50000"/>
+            </a:schemeClr>
+          </a:lnRef>
+          <a:fillRef idx="1">
+            <a:schemeClr val="accent1"/>
+          </a:fillRef>
+          <a:effectRef idx="0">
+            <a:schemeClr val="accent1"/>
+          </a:effectRef>
+          <a:fontRef idx="minor">
+            <a:schemeClr val="lt1"/>
+          </a:fontRef>
+        </p:style>
+        <p:txBody>
+          <a:bodyPr rtlCol="0" anchor="ctr"/>
+          <a:lstStyle/>
+          <a:p>
+            <a:pPr algn="ctr"/>
+            <a:endParaRPr lang="de-DE" sz="1300">
+              <a:solidFill>
+                <a:srgbClr val="4A5C66"/>
+              </a:solidFill>
+              <a:latin typeface="Arial" panose="020B0604020202020204" pitchFamily="34" charset="0"/>
+              <a:cs typeface="Arial" panose="020B0604020202020204" pitchFamily="34" charset="0"/>
+            </a:endParaRPr>
+          </a:p>
+        </p:txBody>
+      </p:sp>
+      <p:cxnSp>
+        <p:nvCxnSpPr>
+          <p:cNvPr id="7" name="Gerade Verbindung mit Pfeil 6"/>
+          <p:cNvCxnSpPr/>
+          <p:nvPr/>
+        </p:nvCxnSpPr>
+        <p:spPr>
+          <a:xfrm flipH="1">
+            <a:off x="5102154" y="3307593"/>
+            <a:ext cx="1236982" cy="1717413"/>
+          </a:xfrm>
+          <a:prstGeom prst="straightConnector1">
+            <a:avLst/>
+          </a:prstGeom>
+          <a:ln w="28575">
+            <a:tailEnd type="triangle"/>
+          </a:ln>
+        </p:spPr>
+        <p:style>
+          <a:lnRef idx="2">
+            <a:schemeClr val="accent2"/>
+          </a:lnRef>
+          <a:fillRef idx="0">
+            <a:schemeClr val="accent2"/>
+          </a:fillRef>
+          <a:effectRef idx="1">
+            <a:schemeClr val="accent2"/>
+          </a:effectRef>
+          <a:fontRef idx="minor">
+            <a:schemeClr val="tx1"/>
+          </a:fontRef>
+        </p:style>
+      </p:cxnSp>
+      <p:sp>
+        <p:nvSpPr>
+          <p:cNvPr id="36" name="Textfeld 35"/>
+          <p:cNvSpPr txBox="1"/>
+          <p:nvPr/>
+        </p:nvSpPr>
+        <p:spPr>
+          <a:xfrm rot="18339854">
+            <a:off x="4710006" y="3881325"/>
+            <a:ext cx="1887055" cy="307777"/>
+          </a:xfrm>
+          <a:prstGeom prst="rect">
+            <a:avLst/>
+          </a:prstGeom>
+          <a:noFill/>
+        </p:spPr>
+        <p:txBody>
+          <a:bodyPr wrap="none" rtlCol="0">
+            <a:spAutoFit/>
+          </a:bodyPr>
+          <a:lstStyle/>
+          <a:p>
+            <a:r>
+              <a:rPr lang="de-DE" sz="1400" dirty="0" err="1">
+                <a:solidFill>
+                  <a:srgbClr val="4A5C66"/>
+                </a:solidFill>
+                <a:latin typeface="Arial" panose="020B0604020202020204" pitchFamily="34" charset="0"/>
+                <a:cs typeface="Arial" panose="020B0604020202020204" pitchFamily="34" charset="0"/>
+              </a:rPr>
+              <a:t>With</a:t>
+            </a:r>
+            <a:r>
+              <a:rPr lang="de-DE" sz="1400" dirty="0">
+                <a:solidFill>
+                  <a:srgbClr val="4A5C66"/>
+                </a:solidFill>
+                <a:latin typeface="Arial" panose="020B0604020202020204" pitchFamily="34" charset="0"/>
+                <a:cs typeface="Arial" panose="020B0604020202020204" pitchFamily="34" charset="0"/>
+              </a:rPr>
+              <a:t> </a:t>
+            </a:r>
+            <a:r>
+              <a:rPr lang="de-DE" sz="1400" dirty="0" err="1">
+                <a:solidFill>
+                  <a:srgbClr val="4A5C66"/>
+                </a:solidFill>
+                <a:latin typeface="Arial" panose="020B0604020202020204" pitchFamily="34" charset="0"/>
+                <a:cs typeface="Arial" panose="020B0604020202020204" pitchFamily="34" charset="0"/>
+              </a:rPr>
+              <a:t>ServerLogic.ads</a:t>
+            </a:r>
+            <a:endParaRPr lang="de-DE" sz="1400" dirty="0">
+              <a:solidFill>
+                <a:srgbClr val="4A5C66"/>
+              </a:solidFill>
+              <a:latin typeface="Arial" panose="020B0604020202020204" pitchFamily="34" charset="0"/>
+              <a:cs typeface="Arial" panose="020B0604020202020204" pitchFamily="34" charset="0"/>
+            </a:endParaRPr>
+          </a:p>
+        </p:txBody>
+      </p:sp>
+      <p:cxnSp>
+        <p:nvCxnSpPr>
+          <p:cNvPr id="5" name="Gerade Verbindung mit Pfeil 4"/>
+          <p:cNvCxnSpPr/>
+          <p:nvPr/>
+        </p:nvCxnSpPr>
+        <p:spPr>
+          <a:xfrm flipH="1" flipV="1">
+            <a:off x="1921080" y="3162651"/>
+            <a:ext cx="1390671" cy="2305461"/>
+          </a:xfrm>
+          <a:prstGeom prst="straightConnector1">
+            <a:avLst/>
+          </a:prstGeom>
+          <a:ln w="28575">
+            <a:prstDash val="sysDot"/>
+            <a:tailEnd type="triangle"/>
+          </a:ln>
+        </p:spPr>
+        <p:style>
+          <a:lnRef idx="2">
+            <a:schemeClr val="accent2"/>
+          </a:lnRef>
+          <a:fillRef idx="0">
+            <a:schemeClr val="accent2"/>
+          </a:fillRef>
+          <a:effectRef idx="1">
+            <a:schemeClr val="accent2"/>
+          </a:effectRef>
+          <a:fontRef idx="minor">
+            <a:schemeClr val="tx1"/>
+          </a:fontRef>
+        </p:style>
+      </p:cxnSp>
+      <p:sp>
+        <p:nvSpPr>
+          <p:cNvPr id="25" name="Textfeld 24"/>
+          <p:cNvSpPr txBox="1"/>
+          <p:nvPr/>
+        </p:nvSpPr>
+        <p:spPr>
+          <a:xfrm rot="3539996">
+            <a:off x="2001640" y="4691695"/>
+            <a:ext cx="1447832" cy="523220"/>
+          </a:xfrm>
+          <a:prstGeom prst="rect">
+            <a:avLst/>
+          </a:prstGeom>
+          <a:noFill/>
+        </p:spPr>
+        <p:txBody>
+          <a:bodyPr wrap="none" rtlCol="0">
+            <a:spAutoFit/>
+          </a:bodyPr>
+          <a:lstStyle/>
+          <a:p>
+            <a:r>
+              <a:rPr lang="de-DE" sz="1400" dirty="0" smtClean="0">
+                <a:solidFill>
+                  <a:srgbClr val="4A5C66"/>
+                </a:solidFill>
+                <a:latin typeface="Arial" panose="020B0604020202020204" pitchFamily="34" charset="0"/>
+                <a:cs typeface="Arial" panose="020B0604020202020204" pitchFamily="34" charset="0"/>
+              </a:rPr>
+              <a:t>Limited </a:t>
+            </a:r>
+            <a:r>
+              <a:rPr lang="de-DE" sz="1400" dirty="0" err="1" smtClean="0">
+                <a:solidFill>
+                  <a:srgbClr val="4A5C66"/>
+                </a:solidFill>
+                <a:latin typeface="Arial" panose="020B0604020202020204" pitchFamily="34" charset="0"/>
+                <a:cs typeface="Arial" panose="020B0604020202020204" pitchFamily="34" charset="0"/>
+              </a:rPr>
+              <a:t>with</a:t>
+            </a:r>
+            <a:endParaRPr lang="de-DE" sz="1400" dirty="0" smtClean="0">
+              <a:solidFill>
+                <a:srgbClr val="4A5C66"/>
+              </a:solidFill>
+              <a:latin typeface="Arial" panose="020B0604020202020204" pitchFamily="34" charset="0"/>
+              <a:cs typeface="Arial" panose="020B0604020202020204" pitchFamily="34" charset="0"/>
+            </a:endParaRPr>
+          </a:p>
+          <a:p>
+            <a:r>
+              <a:rPr lang="de-DE" sz="1400" dirty="0" smtClean="0">
+                <a:solidFill>
+                  <a:srgbClr val="4A5C66"/>
+                </a:solidFill>
+                <a:latin typeface="Arial" panose="020B0604020202020204" pitchFamily="34" charset="0"/>
+                <a:cs typeface="Arial" panose="020B0604020202020204" pitchFamily="34" charset="0"/>
+              </a:rPr>
+              <a:t> </a:t>
+            </a:r>
+            <a:r>
+              <a:rPr lang="de-DE" sz="1400" dirty="0" err="1">
+                <a:solidFill>
+                  <a:srgbClr val="4A5C66"/>
+                </a:solidFill>
+                <a:latin typeface="Arial" panose="020B0604020202020204" pitchFamily="34" charset="0"/>
+                <a:cs typeface="Arial" panose="020B0604020202020204" pitchFamily="34" charset="0"/>
+              </a:rPr>
+              <a:t>Chatrooms.ads</a:t>
+            </a:r>
+            <a:endParaRPr lang="de-DE" sz="1400" dirty="0">
+              <a:solidFill>
+                <a:srgbClr val="4A5C66"/>
+              </a:solidFill>
+              <a:latin typeface="Arial" panose="020B0604020202020204" pitchFamily="34" charset="0"/>
+              <a:cs typeface="Arial" panose="020B0604020202020204" pitchFamily="34" charset="0"/>
+            </a:endParaRPr>
+          </a:p>
+        </p:txBody>
+      </p:sp>
+      <p:sp>
+        <p:nvSpPr>
+          <p:cNvPr id="23" name="Textfeld 22"/>
+          <p:cNvSpPr txBox="1"/>
+          <p:nvPr/>
+        </p:nvSpPr>
+        <p:spPr>
+          <a:xfrm>
+            <a:off x="3299361" y="5778823"/>
+            <a:ext cx="1697901" cy="492443"/>
+          </a:xfrm>
+          <a:prstGeom prst="rect">
+            <a:avLst/>
+          </a:prstGeom>
+          <a:noFill/>
+        </p:spPr>
+        <p:txBody>
+          <a:bodyPr wrap="none" rtlCol="0">
+            <a:spAutoFit/>
+          </a:bodyPr>
+          <a:lstStyle/>
+          <a:p>
+            <a:r>
+              <a:rPr lang="de-DE" sz="1300" dirty="0">
+                <a:solidFill>
+                  <a:schemeClr val="accent2"/>
+                </a:solidFill>
+                <a:latin typeface="Arial" panose="020B0604020202020204" pitchFamily="34" charset="0"/>
+                <a:cs typeface="Arial" panose="020B0604020202020204" pitchFamily="34" charset="0"/>
+              </a:rPr>
+              <a:t>Type </a:t>
+            </a:r>
+            <a:r>
+              <a:rPr lang="de-DE" sz="1300" dirty="0" err="1" smtClean="0">
+                <a:solidFill>
+                  <a:schemeClr val="accent2"/>
+                </a:solidFill>
+                <a:latin typeface="Arial" panose="020B0604020202020204" pitchFamily="34" charset="0"/>
+                <a:cs typeface="Arial" panose="020B0604020202020204" pitchFamily="34" charset="0"/>
+              </a:rPr>
+              <a:t>ChatroomPtr</a:t>
+            </a:r>
+            <a:endParaRPr lang="de-DE" sz="1300" dirty="0">
+              <a:solidFill>
+                <a:schemeClr val="accent2"/>
+              </a:solidFill>
+              <a:latin typeface="Arial" panose="020B0604020202020204" pitchFamily="34" charset="0"/>
+              <a:cs typeface="Arial" panose="020B0604020202020204" pitchFamily="34" charset="0"/>
+            </a:endParaRPr>
+          </a:p>
+          <a:p>
+            <a:r>
+              <a:rPr lang="de-DE" sz="1300" dirty="0">
+                <a:solidFill>
+                  <a:schemeClr val="accent2"/>
+                </a:solidFill>
+                <a:latin typeface="Arial" panose="020B0604020202020204" pitchFamily="34" charset="0"/>
+                <a:cs typeface="Arial" panose="020B0604020202020204" pitchFamily="34" charset="0"/>
+              </a:rPr>
+              <a:t> </a:t>
+            </a:r>
+            <a:r>
+              <a:rPr lang="de-DE" sz="1300" dirty="0" err="1">
+                <a:solidFill>
+                  <a:schemeClr val="accent2"/>
+                </a:solidFill>
+                <a:latin typeface="Arial" panose="020B0604020202020204" pitchFamily="34" charset="0"/>
+                <a:cs typeface="Arial" panose="020B0604020202020204" pitchFamily="34" charset="0"/>
+              </a:rPr>
+              <a:t>is</a:t>
+            </a:r>
+            <a:r>
+              <a:rPr lang="de-DE" sz="1300" dirty="0">
+                <a:solidFill>
+                  <a:schemeClr val="accent2"/>
+                </a:solidFill>
+                <a:latin typeface="Arial" panose="020B0604020202020204" pitchFamily="34" charset="0"/>
+                <a:cs typeface="Arial" panose="020B0604020202020204" pitchFamily="34" charset="0"/>
+              </a:rPr>
+              <a:t> </a:t>
+            </a:r>
+            <a:r>
+              <a:rPr lang="de-DE" sz="1300" dirty="0" err="1">
+                <a:solidFill>
+                  <a:schemeClr val="accent2"/>
+                </a:solidFill>
+                <a:latin typeface="Arial" panose="020B0604020202020204" pitchFamily="34" charset="0"/>
+                <a:cs typeface="Arial" panose="020B0604020202020204" pitchFamily="34" charset="0"/>
+              </a:rPr>
+              <a:t>access</a:t>
+            </a:r>
+            <a:r>
+              <a:rPr lang="de-DE" sz="1300" dirty="0">
+                <a:solidFill>
+                  <a:schemeClr val="accent2"/>
+                </a:solidFill>
+                <a:latin typeface="Arial" panose="020B0604020202020204" pitchFamily="34" charset="0"/>
+                <a:cs typeface="Arial" panose="020B0604020202020204" pitchFamily="34" charset="0"/>
+              </a:rPr>
+              <a:t> Chatroom</a:t>
+            </a:r>
+          </a:p>
+        </p:txBody>
+      </p:sp>
+      <p:sp>
+        <p:nvSpPr>
+          <p:cNvPr id="24" name="Rechteck 23"/>
+          <p:cNvSpPr/>
+          <p:nvPr/>
+        </p:nvSpPr>
+        <p:spPr>
+          <a:xfrm>
+            <a:off x="3317207" y="5778823"/>
+            <a:ext cx="1649076" cy="478625"/>
+          </a:xfrm>
+          <a:prstGeom prst="rect">
+            <a:avLst/>
+          </a:prstGeom>
+          <a:noFill/>
+        </p:spPr>
+        <p:style>
+          <a:lnRef idx="2">
+            <a:schemeClr val="accent1">
+              <a:shade val="50000"/>
+            </a:schemeClr>
+          </a:lnRef>
+          <a:fillRef idx="1">
+            <a:schemeClr val="accent1"/>
+          </a:fillRef>
+          <a:effectRef idx="0">
+            <a:schemeClr val="accent1"/>
+          </a:effectRef>
+          <a:fontRef idx="minor">
+            <a:schemeClr val="lt1"/>
+          </a:fontRef>
+        </p:style>
+        <p:txBody>
+          <a:bodyPr rtlCol="0" anchor="ctr"/>
+          <a:lstStyle/>
+          <a:p>
+            <a:pPr algn="ctr"/>
+            <a:endParaRPr lang="de-DE"/>
+          </a:p>
+        </p:txBody>
+      </p:sp>
+    </p:spTree>
+    <p:extLst>
+      <p:ext uri="{BB962C8B-B14F-4D97-AF65-F5344CB8AC3E}">
+        <p14:creationId xmlns:p14="http://schemas.microsoft.com/office/powerpoint/2010/main" val="3517321740"/>
+      </p:ext>
+    </p:extLst>
+  </p:cSld>
+  <p:clrMapOvr>
+    <a:masterClrMapping/>
+  </p:clrMapOvr>
+  <p:timing>
+    <p:tnLst>
+      <p:par>
+        <p:cTn id="1" dur="indefinite" restart="never" nodeType="tmRoot"/>
+      </p:par>
+    </p:tnLst>
+  </p:timing>
+</p:sld>
+</file>
+
+<file path=ppt/slides/slide36.xml><?xml version="1.0" encoding="utf-8"?>
+<p:sld xmlns:a="http://schemas.openxmlformats.org/drawingml/2006/main" xmlns:r="http://schemas.openxmlformats.org/officeDocument/2006/relationships" xmlns:p="http://schemas.openxmlformats.org/presentationml/2006/main">
+  <p:cSld>
+    <p:spTree>
+      <p:nvGrpSpPr>
+        <p:cNvPr id="1" name=""/>
+        <p:cNvGrpSpPr/>
+        <p:nvPr/>
+      </p:nvGrpSpPr>
+      <p:grpSpPr>
+        <a:xfrm>
+          <a:off x="0" y="0"/>
+          <a:ext cx="0" cy="0"/>
+          <a:chOff x="0" y="0"/>
+          <a:chExt cx="0" cy="0"/>
+        </a:xfrm>
+      </p:grpSpPr>
+      <p:sp>
+        <p:nvSpPr>
+          <p:cNvPr id="2" name="Titel 1"/>
+          <p:cNvSpPr>
+            <a:spLocks noGrp="1"/>
+          </p:cNvSpPr>
+          <p:nvPr>
+            <p:ph type="title"/>
+          </p:nvPr>
+        </p:nvSpPr>
+        <p:spPr>
+          <a:xfrm>
+            <a:off x="360000" y="1317222"/>
+            <a:ext cx="8246118" cy="569556"/>
+          </a:xfrm>
+        </p:spPr>
+        <p:txBody>
+          <a:bodyPr/>
+          <a:lstStyle/>
+          <a:p>
+            <a:r>
+              <a:rPr lang="de-DE" dirty="0"/>
+              <a:t>Zirkuläre Abhängigkeiten</a:t>
+            </a:r>
+          </a:p>
+        </p:txBody>
+      </p:sp>
+      <p:sp>
+        <p:nvSpPr>
+          <p:cNvPr id="6" name="Rechteck 5"/>
+          <p:cNvSpPr/>
+          <p:nvPr/>
+        </p:nvSpPr>
+        <p:spPr>
+          <a:xfrm>
+            <a:off x="553673" y="2224209"/>
+            <a:ext cx="1744911" cy="2176715"/>
+          </a:xfrm>
+          <a:prstGeom prst="rect">
+            <a:avLst/>
+          </a:prstGeom>
+          <a:noFill/>
+          <a:ln/>
+        </p:spPr>
+        <p:style>
+          <a:lnRef idx="2">
+            <a:schemeClr val="dk1">
+              <a:shade val="50000"/>
+            </a:schemeClr>
+          </a:lnRef>
+          <a:fillRef idx="1">
+            <a:schemeClr val="dk1"/>
+          </a:fillRef>
+          <a:effectRef idx="0">
+            <a:schemeClr val="dk1"/>
+          </a:effectRef>
+          <a:fontRef idx="minor">
+            <a:schemeClr val="lt1"/>
+          </a:fontRef>
+        </p:style>
+        <p:txBody>
+          <a:bodyPr rtlCol="0" anchor="ctr"/>
+          <a:lstStyle/>
+          <a:p>
+            <a:pPr algn="ctr"/>
+            <a:endParaRPr lang="de-DE">
+              <a:solidFill>
+                <a:srgbClr val="4A5C66"/>
+              </a:solidFill>
+              <a:latin typeface="Arial" panose="020B0604020202020204" pitchFamily="34" charset="0"/>
+              <a:cs typeface="Arial" panose="020B0604020202020204" pitchFamily="34" charset="0"/>
+            </a:endParaRPr>
+          </a:p>
+        </p:txBody>
+      </p:sp>
+      <p:sp>
+        <p:nvSpPr>
+          <p:cNvPr id="12" name="Textfeld 11"/>
+          <p:cNvSpPr txBox="1"/>
+          <p:nvPr/>
+        </p:nvSpPr>
+        <p:spPr>
+          <a:xfrm>
+            <a:off x="441114" y="1886778"/>
+            <a:ext cx="1593909" cy="338554"/>
+          </a:xfrm>
+          <a:prstGeom prst="rect">
+            <a:avLst/>
+          </a:prstGeom>
+          <a:noFill/>
+        </p:spPr>
+        <p:txBody>
+          <a:bodyPr wrap="square" rtlCol="0">
+            <a:spAutoFit/>
+          </a:bodyPr>
+          <a:lstStyle/>
+          <a:p>
+            <a:r>
+              <a:rPr lang="de-DE" sz="1600" dirty="0" err="1">
+                <a:solidFill>
+                  <a:srgbClr val="4A5C66"/>
+                </a:solidFill>
+                <a:latin typeface="Arial" panose="020B0604020202020204" pitchFamily="34" charset="0"/>
+                <a:cs typeface="Arial" panose="020B0604020202020204" pitchFamily="34" charset="0"/>
+              </a:rPr>
+              <a:t>Chatrooms.ads</a:t>
+            </a:r>
+            <a:endParaRPr lang="de-DE" sz="1600" dirty="0">
+              <a:solidFill>
+                <a:srgbClr val="4A5C66"/>
+              </a:solidFill>
+              <a:latin typeface="Arial" panose="020B0604020202020204" pitchFamily="34" charset="0"/>
+              <a:cs typeface="Arial" panose="020B0604020202020204" pitchFamily="34" charset="0"/>
+            </a:endParaRPr>
+          </a:p>
+        </p:txBody>
+      </p:sp>
+      <p:sp>
+        <p:nvSpPr>
+          <p:cNvPr id="17" name="Rechteck 16"/>
+          <p:cNvSpPr/>
+          <p:nvPr/>
+        </p:nvSpPr>
+        <p:spPr>
+          <a:xfrm>
+            <a:off x="675169" y="2353487"/>
+            <a:ext cx="1459684" cy="738664"/>
+          </a:xfrm>
+          <a:prstGeom prst="rect">
+            <a:avLst/>
+          </a:prstGeom>
+          <a:noFill/>
+        </p:spPr>
+        <p:style>
+          <a:lnRef idx="2">
+            <a:schemeClr val="accent1">
+              <a:shade val="50000"/>
+            </a:schemeClr>
+          </a:lnRef>
+          <a:fillRef idx="1">
+            <a:schemeClr val="accent1"/>
+          </a:fillRef>
+          <a:effectRef idx="0">
+            <a:schemeClr val="accent1"/>
+          </a:effectRef>
+          <a:fontRef idx="minor">
+            <a:schemeClr val="lt1"/>
+          </a:fontRef>
+        </p:style>
+        <p:txBody>
+          <a:bodyPr rtlCol="0" anchor="ctr"/>
+          <a:lstStyle/>
+          <a:p>
+            <a:pPr algn="ctr"/>
+            <a:endParaRPr lang="de-DE">
+              <a:solidFill>
+                <a:srgbClr val="4A5C66"/>
+              </a:solidFill>
+              <a:latin typeface="Arial" panose="020B0604020202020204" pitchFamily="34" charset="0"/>
+              <a:cs typeface="Arial" panose="020B0604020202020204" pitchFamily="34" charset="0"/>
+            </a:endParaRPr>
+          </a:p>
+        </p:txBody>
+      </p:sp>
+      <p:sp>
+        <p:nvSpPr>
+          <p:cNvPr id="19" name="Textfeld 18"/>
+          <p:cNvSpPr txBox="1"/>
+          <p:nvPr/>
+        </p:nvSpPr>
+        <p:spPr>
+          <a:xfrm>
+            <a:off x="675169" y="2353486"/>
+            <a:ext cx="1688264" cy="692497"/>
+          </a:xfrm>
+          <a:prstGeom prst="rect">
+            <a:avLst/>
+          </a:prstGeom>
+          <a:noFill/>
+        </p:spPr>
+        <p:txBody>
+          <a:bodyPr wrap="square" rtlCol="0">
+            <a:spAutoFit/>
+          </a:bodyPr>
+          <a:lstStyle/>
+          <a:p>
+            <a:r>
+              <a:rPr lang="de-DE" sz="1300" dirty="0">
+                <a:solidFill>
+                  <a:srgbClr val="4A5C66"/>
+                </a:solidFill>
+                <a:latin typeface="Arial" panose="020B0604020202020204" pitchFamily="34" charset="0"/>
+                <a:cs typeface="Arial" panose="020B0604020202020204" pitchFamily="34" charset="0"/>
+              </a:rPr>
+              <a:t>Type Chatroom </a:t>
+            </a:r>
+            <a:r>
+              <a:rPr lang="de-DE" sz="1300" dirty="0" err="1">
+                <a:solidFill>
+                  <a:srgbClr val="4A5C66"/>
+                </a:solidFill>
+                <a:latin typeface="Arial" panose="020B0604020202020204" pitchFamily="34" charset="0"/>
+                <a:cs typeface="Arial" panose="020B0604020202020204" pitchFamily="34" charset="0"/>
+              </a:rPr>
+              <a:t>is</a:t>
+            </a:r>
+            <a:endParaRPr lang="de-DE" sz="1300" dirty="0">
+              <a:solidFill>
+                <a:srgbClr val="4A5C66"/>
+              </a:solidFill>
+              <a:latin typeface="Arial" panose="020B0604020202020204" pitchFamily="34" charset="0"/>
+              <a:cs typeface="Arial" panose="020B0604020202020204" pitchFamily="34" charset="0"/>
+            </a:endParaRPr>
+          </a:p>
+          <a:p>
+            <a:r>
+              <a:rPr lang="de-DE" sz="1300" dirty="0">
+                <a:solidFill>
+                  <a:srgbClr val="4A5C66"/>
+                </a:solidFill>
+                <a:latin typeface="Arial" panose="020B0604020202020204" pitchFamily="34" charset="0"/>
+                <a:cs typeface="Arial" panose="020B0604020202020204" pitchFamily="34" charset="0"/>
+              </a:rPr>
+              <a:t>      - Client</a:t>
+            </a:r>
+          </a:p>
+          <a:p>
+            <a:r>
+              <a:rPr lang="de-DE" sz="1300" dirty="0">
+                <a:solidFill>
+                  <a:srgbClr val="4A5C66"/>
+                </a:solidFill>
+                <a:latin typeface="Arial" panose="020B0604020202020204" pitchFamily="34" charset="0"/>
+                <a:cs typeface="Arial" panose="020B0604020202020204" pitchFamily="34" charset="0"/>
+              </a:rPr>
+              <a:t>End type;</a:t>
+            </a:r>
+          </a:p>
+        </p:txBody>
+      </p:sp>
+      <p:sp>
+        <p:nvSpPr>
+          <p:cNvPr id="38" name="Rechteck 37"/>
+          <p:cNvSpPr/>
+          <p:nvPr/>
+        </p:nvSpPr>
+        <p:spPr>
+          <a:xfrm>
+            <a:off x="6204911" y="2224209"/>
+            <a:ext cx="2293137" cy="2725658"/>
+          </a:xfrm>
+          <a:prstGeom prst="rect">
+            <a:avLst/>
+          </a:prstGeom>
+          <a:noFill/>
+          <a:ln/>
+        </p:spPr>
+        <p:style>
+          <a:lnRef idx="2">
+            <a:schemeClr val="dk1">
+              <a:shade val="50000"/>
+            </a:schemeClr>
+          </a:lnRef>
+          <a:fillRef idx="1">
+            <a:schemeClr val="dk1"/>
+          </a:fillRef>
+          <a:effectRef idx="0">
+            <a:schemeClr val="dk1"/>
+          </a:effectRef>
+          <a:fontRef idx="minor">
+            <a:schemeClr val="lt1"/>
+          </a:fontRef>
+        </p:style>
+        <p:txBody>
+          <a:bodyPr rtlCol="0" anchor="ctr"/>
+          <a:lstStyle/>
+          <a:p>
+            <a:pPr algn="ctr"/>
+            <a:endParaRPr lang="de-DE">
+              <a:solidFill>
+                <a:srgbClr val="4A5C66"/>
+              </a:solidFill>
+              <a:latin typeface="Arial" panose="020B0604020202020204" pitchFamily="34" charset="0"/>
+              <a:cs typeface="Arial" panose="020B0604020202020204" pitchFamily="34" charset="0"/>
+            </a:endParaRPr>
+          </a:p>
+        </p:txBody>
+      </p:sp>
+      <p:sp>
+        <p:nvSpPr>
+          <p:cNvPr id="39" name="Textfeld 38"/>
+          <p:cNvSpPr txBox="1"/>
+          <p:nvPr/>
+        </p:nvSpPr>
+        <p:spPr>
+          <a:xfrm>
+            <a:off x="6105081" y="1886778"/>
+            <a:ext cx="1693739" cy="338554"/>
+          </a:xfrm>
+          <a:prstGeom prst="rect">
+            <a:avLst/>
+          </a:prstGeom>
+          <a:noFill/>
+        </p:spPr>
+        <p:txBody>
+          <a:bodyPr wrap="square" rtlCol="0">
+            <a:spAutoFit/>
+          </a:bodyPr>
+          <a:lstStyle/>
+          <a:p>
+            <a:r>
+              <a:rPr lang="de-DE" sz="1600" dirty="0" err="1">
+                <a:solidFill>
+                  <a:srgbClr val="4A5C66"/>
+                </a:solidFill>
+                <a:latin typeface="Arial" panose="020B0604020202020204" pitchFamily="34" charset="0"/>
+                <a:cs typeface="Arial" panose="020B0604020202020204" pitchFamily="34" charset="0"/>
+              </a:rPr>
+              <a:t>ServerLogic.ads</a:t>
+            </a:r>
+            <a:endParaRPr lang="de-DE" sz="1600" dirty="0">
+              <a:solidFill>
+                <a:srgbClr val="4A5C66"/>
+              </a:solidFill>
+              <a:latin typeface="Arial" panose="020B0604020202020204" pitchFamily="34" charset="0"/>
+              <a:cs typeface="Arial" panose="020B0604020202020204" pitchFamily="34" charset="0"/>
+            </a:endParaRPr>
+          </a:p>
+        </p:txBody>
+      </p:sp>
+      <p:sp>
+        <p:nvSpPr>
+          <p:cNvPr id="40" name="Rechteck 39"/>
+          <p:cNvSpPr/>
+          <p:nvPr/>
+        </p:nvSpPr>
+        <p:spPr>
+          <a:xfrm>
+            <a:off x="6339136" y="2353487"/>
+            <a:ext cx="1459684" cy="954106"/>
+          </a:xfrm>
+          <a:prstGeom prst="rect">
+            <a:avLst/>
+          </a:prstGeom>
+          <a:noFill/>
+        </p:spPr>
+        <p:style>
+          <a:lnRef idx="2">
+            <a:schemeClr val="accent1">
+              <a:shade val="50000"/>
+            </a:schemeClr>
+          </a:lnRef>
+          <a:fillRef idx="1">
+            <a:schemeClr val="accent1"/>
+          </a:fillRef>
+          <a:effectRef idx="0">
+            <a:schemeClr val="accent1"/>
+          </a:effectRef>
+          <a:fontRef idx="minor">
+            <a:schemeClr val="lt1"/>
+          </a:fontRef>
+        </p:style>
+        <p:txBody>
+          <a:bodyPr rtlCol="0" anchor="ctr"/>
+          <a:lstStyle/>
+          <a:p>
+            <a:pPr algn="ctr"/>
+            <a:endParaRPr lang="de-DE">
+              <a:solidFill>
+                <a:srgbClr val="4A5C66"/>
+              </a:solidFill>
+              <a:latin typeface="Arial" panose="020B0604020202020204" pitchFamily="34" charset="0"/>
+              <a:cs typeface="Arial" panose="020B0604020202020204" pitchFamily="34" charset="0"/>
+            </a:endParaRPr>
+          </a:p>
+        </p:txBody>
+      </p:sp>
+      <p:sp>
+        <p:nvSpPr>
+          <p:cNvPr id="41" name="Textfeld 40"/>
+          <p:cNvSpPr txBox="1"/>
+          <p:nvPr/>
+        </p:nvSpPr>
+        <p:spPr>
+          <a:xfrm>
+            <a:off x="6339136" y="2353486"/>
+            <a:ext cx="1688264" cy="892552"/>
+          </a:xfrm>
+          <a:prstGeom prst="rect">
+            <a:avLst/>
+          </a:prstGeom>
+          <a:noFill/>
+        </p:spPr>
+        <p:txBody>
+          <a:bodyPr wrap="square" rtlCol="0">
+            <a:spAutoFit/>
+          </a:bodyPr>
+          <a:lstStyle/>
+          <a:p>
+            <a:r>
+              <a:rPr lang="de-DE" sz="1300" dirty="0">
+                <a:solidFill>
+                  <a:srgbClr val="4A5C66"/>
+                </a:solidFill>
+                <a:latin typeface="Arial" panose="020B0604020202020204" pitchFamily="34" charset="0"/>
+                <a:cs typeface="Arial" panose="020B0604020202020204" pitchFamily="34" charset="0"/>
+              </a:rPr>
+              <a:t>Type Server </a:t>
+            </a:r>
+            <a:r>
+              <a:rPr lang="de-DE" sz="1300" dirty="0" err="1">
+                <a:solidFill>
+                  <a:srgbClr val="4A5C66"/>
+                </a:solidFill>
+                <a:latin typeface="Arial" panose="020B0604020202020204" pitchFamily="34" charset="0"/>
+                <a:cs typeface="Arial" panose="020B0604020202020204" pitchFamily="34" charset="0"/>
+              </a:rPr>
+              <a:t>is</a:t>
+            </a:r>
+            <a:endParaRPr lang="de-DE" sz="1300" dirty="0">
+              <a:solidFill>
+                <a:srgbClr val="4A5C66"/>
+              </a:solidFill>
+              <a:latin typeface="Arial" panose="020B0604020202020204" pitchFamily="34" charset="0"/>
+              <a:cs typeface="Arial" panose="020B0604020202020204" pitchFamily="34" charset="0"/>
+            </a:endParaRPr>
+          </a:p>
+          <a:p>
+            <a:r>
+              <a:rPr lang="de-DE" sz="1300" dirty="0">
+                <a:solidFill>
+                  <a:srgbClr val="4A5C66"/>
+                </a:solidFill>
+                <a:latin typeface="Arial" panose="020B0604020202020204" pitchFamily="34" charset="0"/>
+                <a:cs typeface="Arial" panose="020B0604020202020204" pitchFamily="34" charset="0"/>
+              </a:rPr>
+              <a:t>      - Client</a:t>
+            </a:r>
+          </a:p>
+          <a:p>
+            <a:r>
+              <a:rPr lang="de-DE" sz="1300" dirty="0">
+                <a:solidFill>
+                  <a:srgbClr val="4A5C66"/>
+                </a:solidFill>
+                <a:latin typeface="Arial" panose="020B0604020202020204" pitchFamily="34" charset="0"/>
+                <a:cs typeface="Arial" panose="020B0604020202020204" pitchFamily="34" charset="0"/>
+              </a:rPr>
+              <a:t>      - Chatroom</a:t>
+            </a:r>
+          </a:p>
+          <a:p>
+            <a:r>
+              <a:rPr lang="de-DE" sz="1300" dirty="0">
+                <a:solidFill>
+                  <a:srgbClr val="4A5C66"/>
+                </a:solidFill>
+                <a:latin typeface="Arial" panose="020B0604020202020204" pitchFamily="34" charset="0"/>
+                <a:cs typeface="Arial" panose="020B0604020202020204" pitchFamily="34" charset="0"/>
+              </a:rPr>
+              <a:t>End type;</a:t>
+            </a:r>
+          </a:p>
+        </p:txBody>
+      </p:sp>
+      <p:cxnSp>
+        <p:nvCxnSpPr>
+          <p:cNvPr id="2069" name="Gerade Verbindung mit Pfeil 2068"/>
+          <p:cNvCxnSpPr/>
+          <p:nvPr/>
+        </p:nvCxnSpPr>
+        <p:spPr>
+          <a:xfrm>
+            <a:off x="2134853" y="2995232"/>
+            <a:ext cx="1222702" cy="2123715"/>
+          </a:xfrm>
+          <a:prstGeom prst="straightConnector1">
+            <a:avLst/>
+          </a:prstGeom>
+          <a:ln w="28575">
+            <a:tailEnd type="triangle"/>
+          </a:ln>
+        </p:spPr>
+        <p:style>
+          <a:lnRef idx="2">
+            <a:schemeClr val="accent2"/>
+          </a:lnRef>
+          <a:fillRef idx="0">
+            <a:schemeClr val="accent2"/>
+          </a:fillRef>
+          <a:effectRef idx="1">
+            <a:schemeClr val="accent2"/>
+          </a:effectRef>
+          <a:fontRef idx="minor">
+            <a:schemeClr val="tx1"/>
+          </a:fontRef>
+        </p:style>
+      </p:cxnSp>
+      <p:cxnSp>
+        <p:nvCxnSpPr>
+          <p:cNvPr id="2071" name="Gerade Verbindung mit Pfeil 2070"/>
+          <p:cNvCxnSpPr>
+            <a:stCxn id="41" idx="1"/>
+          </p:cNvCxnSpPr>
+          <p:nvPr/>
+        </p:nvCxnSpPr>
+        <p:spPr>
+          <a:xfrm flipH="1">
+            <a:off x="2134854" y="2799762"/>
+            <a:ext cx="4204282" cy="10914"/>
+          </a:xfrm>
+          <a:prstGeom prst="straightConnector1">
+            <a:avLst/>
+          </a:prstGeom>
+          <a:ln w="28575">
+            <a:tailEnd type="triangle"/>
+          </a:ln>
+        </p:spPr>
+        <p:style>
+          <a:lnRef idx="2">
+            <a:schemeClr val="accent2"/>
+          </a:lnRef>
+          <a:fillRef idx="0">
+            <a:schemeClr val="accent2"/>
+          </a:fillRef>
+          <a:effectRef idx="1">
+            <a:schemeClr val="accent2"/>
+          </a:effectRef>
+          <a:fontRef idx="minor">
+            <a:schemeClr val="tx1"/>
+          </a:fontRef>
+        </p:style>
+      </p:cxnSp>
+      <p:sp>
+        <p:nvSpPr>
+          <p:cNvPr id="3" name="Textfeld 2"/>
+          <p:cNvSpPr txBox="1"/>
+          <p:nvPr/>
+        </p:nvSpPr>
+        <p:spPr>
+          <a:xfrm rot="3596617">
+            <a:off x="2100374" y="3862159"/>
+            <a:ext cx="1479892" cy="307777"/>
+          </a:xfrm>
+          <a:prstGeom prst="rect">
+            <a:avLst/>
+          </a:prstGeom>
+          <a:noFill/>
+        </p:spPr>
+        <p:txBody>
+          <a:bodyPr wrap="none" rtlCol="0">
+            <a:spAutoFit/>
+          </a:bodyPr>
+          <a:lstStyle/>
+          <a:p>
+            <a:r>
+              <a:rPr lang="de-DE" sz="1400" dirty="0" err="1">
+                <a:solidFill>
+                  <a:srgbClr val="4A5C66"/>
+                </a:solidFill>
+                <a:latin typeface="Arial" panose="020B0604020202020204" pitchFamily="34" charset="0"/>
+                <a:cs typeface="Arial" panose="020B0604020202020204" pitchFamily="34" charset="0"/>
+              </a:rPr>
+              <a:t>With</a:t>
+            </a:r>
+            <a:r>
+              <a:rPr lang="de-DE" sz="1400" dirty="0">
+                <a:solidFill>
+                  <a:srgbClr val="4A5C66"/>
+                </a:solidFill>
+                <a:latin typeface="Arial" panose="020B0604020202020204" pitchFamily="34" charset="0"/>
+                <a:cs typeface="Arial" panose="020B0604020202020204" pitchFamily="34" charset="0"/>
+              </a:rPr>
+              <a:t> </a:t>
+            </a:r>
+            <a:r>
+              <a:rPr lang="de-DE" sz="1400" dirty="0" err="1">
+                <a:solidFill>
+                  <a:srgbClr val="4A5C66"/>
+                </a:solidFill>
+                <a:latin typeface="Arial" panose="020B0604020202020204" pitchFamily="34" charset="0"/>
+                <a:cs typeface="Arial" panose="020B0604020202020204" pitchFamily="34" charset="0"/>
+              </a:rPr>
+              <a:t>Clients.ads</a:t>
+            </a:r>
+            <a:endParaRPr lang="de-DE" sz="1400" dirty="0">
+              <a:solidFill>
+                <a:srgbClr val="4A5C66"/>
+              </a:solidFill>
+              <a:latin typeface="Arial" panose="020B0604020202020204" pitchFamily="34" charset="0"/>
+              <a:cs typeface="Arial" panose="020B0604020202020204" pitchFamily="34" charset="0"/>
+            </a:endParaRPr>
+          </a:p>
+        </p:txBody>
+      </p:sp>
+      <p:sp>
+        <p:nvSpPr>
+          <p:cNvPr id="20" name="Textfeld 19"/>
+          <p:cNvSpPr txBox="1"/>
+          <p:nvPr/>
+        </p:nvSpPr>
+        <p:spPr>
+          <a:xfrm>
+            <a:off x="3424834" y="2527910"/>
+            <a:ext cx="1806905" cy="307777"/>
+          </a:xfrm>
+          <a:prstGeom prst="rect">
+            <a:avLst/>
+          </a:prstGeom>
+          <a:noFill/>
+        </p:spPr>
+        <p:txBody>
+          <a:bodyPr wrap="none" rtlCol="0">
+            <a:spAutoFit/>
+          </a:bodyPr>
+          <a:lstStyle/>
+          <a:p>
+            <a:r>
+              <a:rPr lang="de-DE" sz="1400" dirty="0" err="1">
+                <a:solidFill>
+                  <a:srgbClr val="4A5C66"/>
+                </a:solidFill>
+                <a:latin typeface="Arial" panose="020B0604020202020204" pitchFamily="34" charset="0"/>
+                <a:cs typeface="Arial" panose="020B0604020202020204" pitchFamily="34" charset="0"/>
+              </a:rPr>
+              <a:t>With</a:t>
+            </a:r>
+            <a:r>
+              <a:rPr lang="de-DE" sz="1400" dirty="0">
+                <a:solidFill>
+                  <a:srgbClr val="4A5C66"/>
+                </a:solidFill>
+                <a:latin typeface="Arial" panose="020B0604020202020204" pitchFamily="34" charset="0"/>
+                <a:cs typeface="Arial" panose="020B0604020202020204" pitchFamily="34" charset="0"/>
+              </a:rPr>
+              <a:t> </a:t>
+            </a:r>
+            <a:r>
+              <a:rPr lang="de-DE" sz="1400" dirty="0" err="1">
+                <a:solidFill>
+                  <a:srgbClr val="4A5C66"/>
+                </a:solidFill>
+                <a:latin typeface="Arial" panose="020B0604020202020204" pitchFamily="34" charset="0"/>
+                <a:cs typeface="Arial" panose="020B0604020202020204" pitchFamily="34" charset="0"/>
+              </a:rPr>
+              <a:t>Chatrooms.ads</a:t>
+            </a:r>
+            <a:endParaRPr lang="de-DE" sz="1400" dirty="0">
+              <a:solidFill>
+                <a:srgbClr val="4A5C66"/>
+              </a:solidFill>
+              <a:latin typeface="Arial" panose="020B0604020202020204" pitchFamily="34" charset="0"/>
+              <a:cs typeface="Arial" panose="020B0604020202020204" pitchFamily="34" charset="0"/>
+            </a:endParaRPr>
+          </a:p>
+        </p:txBody>
+      </p:sp>
+      <p:sp>
+        <p:nvSpPr>
+          <p:cNvPr id="27" name="Rechteck 26"/>
+          <p:cNvSpPr/>
+          <p:nvPr/>
+        </p:nvSpPr>
+        <p:spPr>
+          <a:xfrm>
+            <a:off x="3257489" y="4726264"/>
             <a:ext cx="1779911" cy="1641372"/>
           </a:xfrm>
           <a:prstGeom prst="rect">
@@ -19993,7 +20227,7 @@
 </p:sld>
 </file>
 
-<file path=ppt/slides/slide35.xml><?xml version="1.0" encoding="utf-8"?>
+<file path=ppt/slides/slide37.xml><?xml version="1.0" encoding="utf-8"?>
 <p:sld xmlns:a="http://schemas.openxmlformats.org/drawingml/2006/main" xmlns:r="http://schemas.openxmlformats.org/officeDocument/2006/relationships" xmlns:p="http://schemas.openxmlformats.org/presentationml/2006/main">
   <p:cSld>
     <p:spTree>
@@ -20407,11 +20641,11 @@
   <p:clrMapOvr>
     <a:masterClrMapping/>
   </p:clrMapOvr>
-  <mc:AlternateContent xmlns:mc="http://schemas.openxmlformats.org/markup-compatibility/2006" xmlns:p14="http://schemas.microsoft.com/office/powerpoint/2010/main">
-    <mc:Choice Requires="p14">
+  <mc:AlternateContent xmlns:mc="http://schemas.openxmlformats.org/markup-compatibility/2006">
+    <mc:Choice xmlns:p14="http://schemas.microsoft.com/office/powerpoint/2010/main" Requires="p14">
       <p:transition spd="slow" p14:dur="2000"/>
     </mc:Choice>
-    <mc:Fallback xmlns="">
+    <mc:Fallback>
       <p:transition spd="slow"/>
     </mc:Fallback>
   </mc:AlternateContent>
@@ -20525,11 +20759,11 @@
   <p:clrMapOvr>
     <a:masterClrMapping/>
   </p:clrMapOvr>
-  <mc:AlternateContent xmlns:mc="http://schemas.openxmlformats.org/markup-compatibility/2006" xmlns:p14="http://schemas.microsoft.com/office/powerpoint/2010/main">
-    <mc:Choice Requires="p14">
+  <mc:AlternateContent xmlns:mc="http://schemas.openxmlformats.org/markup-compatibility/2006">
+    <mc:Choice xmlns:p14="http://schemas.microsoft.com/office/powerpoint/2010/main" Requires="p14">
       <p:transition spd="slow" p14:dur="2000"/>
     </mc:Choice>
-    <mc:Fallback xmlns="">
+    <mc:Fallback>
       <p:transition spd="slow"/>
     </mc:Fallback>
   </mc:AlternateContent>

--- a/documentation/Ada Chat.pptx
+++ b/documentation/Ada Chat.pptx
@@ -5,7 +5,7 @@
     <p:sldMasterId id="2147483648" r:id="rId1"/>
   </p:sldMasterIdLst>
   <p:notesMasterIdLst>
-    <p:notesMasterId r:id="rId39"/>
+    <p:notesMasterId r:id="rId41"/>
   </p:notesMasterIdLst>
   <p:sldIdLst>
     <p:sldId id="256" r:id="rId2"/>
@@ -34,17 +34,19 @@
     <p:sldId id="294" r:id="rId25"/>
     <p:sldId id="264" r:id="rId26"/>
     <p:sldId id="267" r:id="rId27"/>
-    <p:sldId id="278" r:id="rId28"/>
-    <p:sldId id="269" r:id="rId29"/>
-    <p:sldId id="268" r:id="rId30"/>
-    <p:sldId id="276" r:id="rId31"/>
-    <p:sldId id="270" r:id="rId32"/>
-    <p:sldId id="298" r:id="rId33"/>
-    <p:sldId id="299" r:id="rId34"/>
-    <p:sldId id="300" r:id="rId35"/>
-    <p:sldId id="301" r:id="rId36"/>
-    <p:sldId id="302" r:id="rId37"/>
-    <p:sldId id="293" r:id="rId38"/>
+    <p:sldId id="305" r:id="rId28"/>
+    <p:sldId id="278" r:id="rId29"/>
+    <p:sldId id="269" r:id="rId30"/>
+    <p:sldId id="268" r:id="rId31"/>
+    <p:sldId id="306" r:id="rId32"/>
+    <p:sldId id="276" r:id="rId33"/>
+    <p:sldId id="270" r:id="rId34"/>
+    <p:sldId id="298" r:id="rId35"/>
+    <p:sldId id="299" r:id="rId36"/>
+    <p:sldId id="300" r:id="rId37"/>
+    <p:sldId id="301" r:id="rId38"/>
+    <p:sldId id="302" r:id="rId39"/>
+    <p:sldId id="293" r:id="rId40"/>
   </p:sldIdLst>
   <p:sldSz cx="9144000" cy="6858000" type="screen4x3"/>
   <p:notesSz cx="6858000" cy="9144000"/>
@@ -233,7 +235,7 @@
           <a:p>
             <a:fld id="{17D3A48C-A592-4DCA-964C-2AA7FC1C9F64}" type="datetimeFigureOut">
               <a:rPr lang="de-DE" smtClean="0"/>
-              <a:t>10.05.16</a:t>
+              <a:t>10.05.2016</a:t>
             </a:fld>
             <a:endParaRPr lang="de-DE"/>
           </a:p>
@@ -935,43 +937,43 @@
           <a:lstStyle/>
           <a:p>
             <a:r>
-              <a:rPr lang="de-DE" dirty="0" smtClean="0"/>
+              <a:rPr lang="de-DE" dirty="0"/>
               <a:t>Warum</a:t>
             </a:r>
             <a:r>
-              <a:rPr lang="de-DE" baseline="0" dirty="0" smtClean="0"/>
+              <a:rPr lang="de-DE" baseline="0" dirty="0"/>
               <a:t> keine Objekte sondern Strings? Leicht </a:t>
             </a:r>
             <a:r>
-              <a:rPr lang="de-DE" baseline="0" dirty="0" err="1" smtClean="0"/>
+              <a:rPr lang="de-DE" baseline="0" dirty="0" err="1"/>
               <a:t>testbar</a:t>
             </a:r>
             <a:r>
-              <a:rPr lang="de-DE" baseline="0" dirty="0" smtClean="0"/>
+              <a:rPr lang="de-DE" baseline="0" dirty="0"/>
               <a:t> mit </a:t>
             </a:r>
             <a:r>
-              <a:rPr lang="de-DE" baseline="0" dirty="0" err="1" smtClean="0"/>
+              <a:rPr lang="de-DE" baseline="0" dirty="0" err="1"/>
               <a:t>Putty</a:t>
             </a:r>
             <a:r>
-              <a:rPr lang="de-DE" baseline="0" dirty="0" smtClean="0"/>
+              <a:rPr lang="de-DE" baseline="0" dirty="0"/>
               <a:t>, gefundene Beispiele zur </a:t>
             </a:r>
             <a:r>
-              <a:rPr lang="de-DE" baseline="0" dirty="0" err="1" smtClean="0"/>
+              <a:rPr lang="de-DE" baseline="0" dirty="0" err="1"/>
               <a:t>Objektserialisierung</a:t>
             </a:r>
             <a:r>
-              <a:rPr lang="de-DE" baseline="0" dirty="0" smtClean="0"/>
+              <a:rPr lang="de-DE" baseline="0" dirty="0"/>
               <a:t> benutzten auch nur „</a:t>
             </a:r>
             <a:r>
-              <a:rPr lang="de-DE" baseline="0" dirty="0" err="1" smtClean="0"/>
+              <a:rPr lang="de-DE" baseline="0" dirty="0" err="1"/>
               <a:t>toString</a:t>
             </a:r>
             <a:r>
-              <a:rPr lang="de-DE" baseline="0" dirty="0" smtClean="0"/>
+              <a:rPr lang="de-DE" baseline="0" dirty="0"/>
               <a:t>“, schlechte Dokumentation</a:t>
             </a:r>
             <a:endParaRPr lang="de-DE" dirty="0"/>
@@ -1059,59 +1061,59 @@
           <a:lstStyle/>
           <a:p>
             <a:r>
-              <a:rPr lang="de-DE" dirty="0" smtClean="0"/>
+              <a:rPr lang="de-DE" dirty="0"/>
               <a:t>Trennzeichen,</a:t>
             </a:r>
             <a:r>
-              <a:rPr lang="de-DE" baseline="0" dirty="0" smtClean="0"/>
+              <a:rPr lang="de-DE" baseline="0" dirty="0"/>
               <a:t> weil </a:t>
             </a:r>
             <a:r>
-              <a:rPr lang="de-DE" baseline="0" dirty="0" err="1" smtClean="0"/>
+              <a:rPr lang="de-DE" baseline="0" dirty="0" err="1"/>
               <a:t>Serialisiert</a:t>
             </a:r>
             <a:r>
-              <a:rPr lang="de-DE" baseline="0" dirty="0" smtClean="0"/>
+              <a:rPr lang="de-DE" baseline="0" dirty="0"/>
               <a:t>. </a:t>
             </a:r>
             <a:r>
-              <a:rPr lang="de-DE" dirty="0" smtClean="0"/>
+              <a:rPr lang="de-DE" dirty="0"/>
               <a:t>Warum</a:t>
             </a:r>
             <a:r>
-              <a:rPr lang="de-DE" baseline="0" dirty="0" smtClean="0"/>
+              <a:rPr lang="de-DE" baseline="0" dirty="0"/>
               <a:t> keine Objekte sondern Strings? Leicht </a:t>
             </a:r>
             <a:r>
-              <a:rPr lang="de-DE" baseline="0" dirty="0" err="1" smtClean="0"/>
+              <a:rPr lang="de-DE" baseline="0" dirty="0" err="1"/>
               <a:t>testbar</a:t>
             </a:r>
             <a:r>
-              <a:rPr lang="de-DE" baseline="0" dirty="0" smtClean="0"/>
+              <a:rPr lang="de-DE" baseline="0" dirty="0"/>
               <a:t> mit </a:t>
             </a:r>
             <a:r>
-              <a:rPr lang="de-DE" baseline="0" dirty="0" err="1" smtClean="0"/>
+              <a:rPr lang="de-DE" baseline="0" dirty="0" err="1"/>
               <a:t>Putty</a:t>
             </a:r>
             <a:r>
-              <a:rPr lang="de-DE" baseline="0" dirty="0" smtClean="0"/>
+              <a:rPr lang="de-DE" baseline="0" dirty="0"/>
               <a:t>, gefundene Beispiele zur </a:t>
             </a:r>
             <a:r>
-              <a:rPr lang="de-DE" baseline="0" dirty="0" err="1" smtClean="0"/>
+              <a:rPr lang="de-DE" baseline="0" dirty="0" err="1"/>
               <a:t>Objektserialisierung</a:t>
             </a:r>
             <a:r>
-              <a:rPr lang="de-DE" baseline="0" dirty="0" smtClean="0"/>
+              <a:rPr lang="de-DE" baseline="0" dirty="0"/>
               <a:t> benutzten auch nur „</a:t>
             </a:r>
             <a:r>
-              <a:rPr lang="de-DE" baseline="0" dirty="0" err="1" smtClean="0"/>
+              <a:rPr lang="de-DE" baseline="0" dirty="0" err="1"/>
               <a:t>toString</a:t>
             </a:r>
             <a:r>
-              <a:rPr lang="de-DE" baseline="0" dirty="0" smtClean="0"/>
+              <a:rPr lang="de-DE" baseline="0" dirty="0"/>
               <a:t>“, schlechte Dokumentation</a:t>
             </a:r>
             <a:endParaRPr lang="de-DE" dirty="0"/>
@@ -1199,59 +1201,59 @@
           <a:lstStyle/>
           <a:p>
             <a:r>
-              <a:rPr lang="de-DE" dirty="0" smtClean="0"/>
+              <a:rPr lang="de-DE" dirty="0"/>
               <a:t>Trennzeichen,</a:t>
             </a:r>
             <a:r>
-              <a:rPr lang="de-DE" baseline="0" dirty="0" smtClean="0"/>
+              <a:rPr lang="de-DE" baseline="0" dirty="0"/>
               <a:t> weil </a:t>
             </a:r>
             <a:r>
-              <a:rPr lang="de-DE" baseline="0" dirty="0" err="1" smtClean="0"/>
+              <a:rPr lang="de-DE" baseline="0" dirty="0" err="1"/>
               <a:t>Serialisiert</a:t>
             </a:r>
             <a:r>
-              <a:rPr lang="de-DE" baseline="0" dirty="0" smtClean="0"/>
+              <a:rPr lang="de-DE" baseline="0" dirty="0"/>
               <a:t>. </a:t>
             </a:r>
             <a:r>
-              <a:rPr lang="de-DE" dirty="0" smtClean="0"/>
+              <a:rPr lang="de-DE" dirty="0"/>
               <a:t>Warum</a:t>
             </a:r>
             <a:r>
-              <a:rPr lang="de-DE" baseline="0" dirty="0" smtClean="0"/>
+              <a:rPr lang="de-DE" baseline="0" dirty="0"/>
               <a:t> keine Objekte sondern Strings? Leicht </a:t>
             </a:r>
             <a:r>
-              <a:rPr lang="de-DE" baseline="0" dirty="0" err="1" smtClean="0"/>
+              <a:rPr lang="de-DE" baseline="0" dirty="0" err="1"/>
               <a:t>testbar</a:t>
             </a:r>
             <a:r>
-              <a:rPr lang="de-DE" baseline="0" dirty="0" smtClean="0"/>
+              <a:rPr lang="de-DE" baseline="0" dirty="0"/>
               <a:t> mit </a:t>
             </a:r>
             <a:r>
-              <a:rPr lang="de-DE" baseline="0" dirty="0" err="1" smtClean="0"/>
+              <a:rPr lang="de-DE" baseline="0" dirty="0" err="1"/>
               <a:t>Putty</a:t>
             </a:r>
             <a:r>
-              <a:rPr lang="de-DE" baseline="0" dirty="0" smtClean="0"/>
+              <a:rPr lang="de-DE" baseline="0" dirty="0"/>
               <a:t>, gefundene Beispiele zur </a:t>
             </a:r>
             <a:r>
-              <a:rPr lang="de-DE" baseline="0" dirty="0" err="1" smtClean="0"/>
+              <a:rPr lang="de-DE" baseline="0" dirty="0" err="1"/>
               <a:t>Objektserialisierung</a:t>
             </a:r>
             <a:r>
-              <a:rPr lang="de-DE" baseline="0" dirty="0" smtClean="0"/>
+              <a:rPr lang="de-DE" baseline="0" dirty="0"/>
               <a:t> benutzten auch nur „</a:t>
             </a:r>
             <a:r>
-              <a:rPr lang="de-DE" baseline="0" dirty="0" err="1" smtClean="0"/>
+              <a:rPr lang="de-DE" baseline="0" dirty="0" err="1"/>
               <a:t>toString</a:t>
             </a:r>
             <a:r>
-              <a:rPr lang="de-DE" baseline="0" dirty="0" smtClean="0"/>
+              <a:rPr lang="de-DE" baseline="0" dirty="0"/>
               <a:t>“, schlechte Dokumentation</a:t>
             </a:r>
             <a:endParaRPr lang="de-DE" dirty="0"/>
@@ -1339,59 +1341,59 @@
           <a:lstStyle/>
           <a:p>
             <a:r>
-              <a:rPr lang="de-DE" dirty="0" smtClean="0"/>
+              <a:rPr lang="de-DE" dirty="0"/>
               <a:t>Trennzeichen,</a:t>
             </a:r>
             <a:r>
-              <a:rPr lang="de-DE" baseline="0" dirty="0" smtClean="0"/>
+              <a:rPr lang="de-DE" baseline="0" dirty="0"/>
               <a:t> weil </a:t>
             </a:r>
             <a:r>
-              <a:rPr lang="de-DE" baseline="0" dirty="0" err="1" smtClean="0"/>
+              <a:rPr lang="de-DE" baseline="0" dirty="0" err="1"/>
               <a:t>Serialisiert</a:t>
             </a:r>
             <a:r>
-              <a:rPr lang="de-DE" baseline="0" dirty="0" smtClean="0"/>
+              <a:rPr lang="de-DE" baseline="0" dirty="0"/>
               <a:t>. </a:t>
             </a:r>
             <a:r>
-              <a:rPr lang="de-DE" dirty="0" smtClean="0"/>
+              <a:rPr lang="de-DE" dirty="0"/>
               <a:t>Warum</a:t>
             </a:r>
             <a:r>
-              <a:rPr lang="de-DE" baseline="0" dirty="0" smtClean="0"/>
+              <a:rPr lang="de-DE" baseline="0" dirty="0"/>
               <a:t> keine Objekte sondern Strings? Leicht </a:t>
             </a:r>
             <a:r>
-              <a:rPr lang="de-DE" baseline="0" dirty="0" err="1" smtClean="0"/>
+              <a:rPr lang="de-DE" baseline="0" dirty="0" err="1"/>
               <a:t>testbar</a:t>
             </a:r>
             <a:r>
-              <a:rPr lang="de-DE" baseline="0" dirty="0" smtClean="0"/>
+              <a:rPr lang="de-DE" baseline="0" dirty="0"/>
               <a:t> mit </a:t>
             </a:r>
             <a:r>
-              <a:rPr lang="de-DE" baseline="0" dirty="0" err="1" smtClean="0"/>
+              <a:rPr lang="de-DE" baseline="0" dirty="0" err="1"/>
               <a:t>Putty</a:t>
             </a:r>
             <a:r>
-              <a:rPr lang="de-DE" baseline="0" dirty="0" smtClean="0"/>
+              <a:rPr lang="de-DE" baseline="0" dirty="0"/>
               <a:t>, gefundene Beispiele zur </a:t>
             </a:r>
             <a:r>
-              <a:rPr lang="de-DE" baseline="0" dirty="0" err="1" smtClean="0"/>
+              <a:rPr lang="de-DE" baseline="0" dirty="0" err="1"/>
               <a:t>Objektserialisierung</a:t>
             </a:r>
             <a:r>
-              <a:rPr lang="de-DE" baseline="0" dirty="0" smtClean="0"/>
+              <a:rPr lang="de-DE" baseline="0" dirty="0"/>
               <a:t> benutzten auch nur „</a:t>
             </a:r>
             <a:r>
-              <a:rPr lang="de-DE" baseline="0" dirty="0" err="1" smtClean="0"/>
+              <a:rPr lang="de-DE" baseline="0" dirty="0" err="1"/>
               <a:t>toString</a:t>
             </a:r>
             <a:r>
-              <a:rPr lang="de-DE" baseline="0" dirty="0" smtClean="0"/>
+              <a:rPr lang="de-DE" baseline="0" dirty="0"/>
               <a:t>“, schlechte Dokumentation</a:t>
             </a:r>
             <a:endParaRPr lang="de-DE" dirty="0"/>
@@ -1479,59 +1481,59 @@
           <a:lstStyle/>
           <a:p>
             <a:r>
-              <a:rPr lang="de-DE" dirty="0" smtClean="0"/>
+              <a:rPr lang="de-DE" dirty="0"/>
               <a:t>Trennzeichen,</a:t>
             </a:r>
             <a:r>
-              <a:rPr lang="de-DE" baseline="0" dirty="0" smtClean="0"/>
+              <a:rPr lang="de-DE" baseline="0" dirty="0"/>
               <a:t> weil </a:t>
             </a:r>
             <a:r>
-              <a:rPr lang="de-DE" baseline="0" dirty="0" err="1" smtClean="0"/>
+              <a:rPr lang="de-DE" baseline="0" dirty="0" err="1"/>
               <a:t>Serialisiert</a:t>
             </a:r>
             <a:r>
-              <a:rPr lang="de-DE" baseline="0" dirty="0" smtClean="0"/>
+              <a:rPr lang="de-DE" baseline="0" dirty="0"/>
               <a:t>. </a:t>
             </a:r>
             <a:r>
-              <a:rPr lang="de-DE" dirty="0" smtClean="0"/>
+              <a:rPr lang="de-DE" dirty="0"/>
               <a:t>Warum</a:t>
             </a:r>
             <a:r>
-              <a:rPr lang="de-DE" baseline="0" dirty="0" smtClean="0"/>
+              <a:rPr lang="de-DE" baseline="0" dirty="0"/>
               <a:t> keine Objekte sondern Strings? Leicht </a:t>
             </a:r>
             <a:r>
-              <a:rPr lang="de-DE" baseline="0" dirty="0" err="1" smtClean="0"/>
+              <a:rPr lang="de-DE" baseline="0" dirty="0" err="1"/>
               <a:t>testbar</a:t>
             </a:r>
             <a:r>
-              <a:rPr lang="de-DE" baseline="0" dirty="0" smtClean="0"/>
+              <a:rPr lang="de-DE" baseline="0" dirty="0"/>
               <a:t> mit </a:t>
             </a:r>
             <a:r>
-              <a:rPr lang="de-DE" baseline="0" dirty="0" err="1" smtClean="0"/>
+              <a:rPr lang="de-DE" baseline="0" dirty="0" err="1"/>
               <a:t>Putty</a:t>
             </a:r>
             <a:r>
-              <a:rPr lang="de-DE" baseline="0" dirty="0" smtClean="0"/>
+              <a:rPr lang="de-DE" baseline="0" dirty="0"/>
               <a:t>, gefundene Beispiele zur </a:t>
             </a:r>
             <a:r>
-              <a:rPr lang="de-DE" baseline="0" dirty="0" err="1" smtClean="0"/>
+              <a:rPr lang="de-DE" baseline="0" dirty="0" err="1"/>
               <a:t>Objektserialisierung</a:t>
             </a:r>
             <a:r>
-              <a:rPr lang="de-DE" baseline="0" dirty="0" smtClean="0"/>
+              <a:rPr lang="de-DE" baseline="0" dirty="0"/>
               <a:t> benutzten auch nur „</a:t>
             </a:r>
             <a:r>
-              <a:rPr lang="de-DE" baseline="0" dirty="0" err="1" smtClean="0"/>
+              <a:rPr lang="de-DE" baseline="0" dirty="0" err="1"/>
               <a:t>toString</a:t>
             </a:r>
             <a:r>
-              <a:rPr lang="de-DE" baseline="0" dirty="0" smtClean="0"/>
+              <a:rPr lang="de-DE" baseline="0" dirty="0"/>
               <a:t>“, schlechte Dokumentation</a:t>
             </a:r>
             <a:endParaRPr lang="de-DE" dirty="0"/>
@@ -1619,59 +1621,59 @@
           <a:lstStyle/>
           <a:p>
             <a:r>
-              <a:rPr lang="de-DE" dirty="0" smtClean="0"/>
+              <a:rPr lang="de-DE" dirty="0"/>
               <a:t>Trennzeichen,</a:t>
             </a:r>
             <a:r>
-              <a:rPr lang="de-DE" baseline="0" dirty="0" smtClean="0"/>
+              <a:rPr lang="de-DE" baseline="0" dirty="0"/>
               <a:t> weil </a:t>
             </a:r>
             <a:r>
-              <a:rPr lang="de-DE" baseline="0" dirty="0" err="1" smtClean="0"/>
+              <a:rPr lang="de-DE" baseline="0" dirty="0" err="1"/>
               <a:t>Serialisiert</a:t>
             </a:r>
             <a:r>
-              <a:rPr lang="de-DE" baseline="0" dirty="0" smtClean="0"/>
+              <a:rPr lang="de-DE" baseline="0" dirty="0"/>
               <a:t>. </a:t>
             </a:r>
             <a:r>
-              <a:rPr lang="de-DE" dirty="0" smtClean="0"/>
+              <a:rPr lang="de-DE" dirty="0"/>
               <a:t>Warum</a:t>
             </a:r>
             <a:r>
-              <a:rPr lang="de-DE" baseline="0" dirty="0" smtClean="0"/>
+              <a:rPr lang="de-DE" baseline="0" dirty="0"/>
               <a:t> keine Objekte sondern Strings? Leicht </a:t>
             </a:r>
             <a:r>
-              <a:rPr lang="de-DE" baseline="0" dirty="0" err="1" smtClean="0"/>
+              <a:rPr lang="de-DE" baseline="0" dirty="0" err="1"/>
               <a:t>testbar</a:t>
             </a:r>
             <a:r>
-              <a:rPr lang="de-DE" baseline="0" dirty="0" smtClean="0"/>
+              <a:rPr lang="de-DE" baseline="0" dirty="0"/>
               <a:t> mit </a:t>
             </a:r>
             <a:r>
-              <a:rPr lang="de-DE" baseline="0" dirty="0" err="1" smtClean="0"/>
+              <a:rPr lang="de-DE" baseline="0" dirty="0" err="1"/>
               <a:t>Putty</a:t>
             </a:r>
             <a:r>
-              <a:rPr lang="de-DE" baseline="0" dirty="0" smtClean="0"/>
+              <a:rPr lang="de-DE" baseline="0" dirty="0"/>
               <a:t>, gefundene Beispiele zur </a:t>
             </a:r>
             <a:r>
-              <a:rPr lang="de-DE" baseline="0" dirty="0" err="1" smtClean="0"/>
+              <a:rPr lang="de-DE" baseline="0" dirty="0" err="1"/>
               <a:t>Objektserialisierung</a:t>
             </a:r>
             <a:r>
-              <a:rPr lang="de-DE" baseline="0" dirty="0" smtClean="0"/>
+              <a:rPr lang="de-DE" baseline="0" dirty="0"/>
               <a:t> benutzten auch nur „</a:t>
             </a:r>
             <a:r>
-              <a:rPr lang="de-DE" baseline="0" dirty="0" err="1" smtClean="0"/>
+              <a:rPr lang="de-DE" baseline="0" dirty="0" err="1"/>
               <a:t>toString</a:t>
             </a:r>
             <a:r>
-              <a:rPr lang="de-DE" baseline="0" dirty="0" smtClean="0"/>
+              <a:rPr lang="de-DE" baseline="0" dirty="0"/>
               <a:t>“, schlechte Dokumentation</a:t>
             </a:r>
             <a:endParaRPr lang="de-DE" dirty="0"/>
@@ -1759,11 +1761,11 @@
           <a:lstStyle/>
           <a:p>
             <a:r>
-              <a:rPr lang="de-DE" dirty="0" smtClean="0"/>
+              <a:rPr lang="de-DE" dirty="0"/>
               <a:t>Kontakt hinzufügen</a:t>
             </a:r>
             <a:r>
-              <a:rPr lang="de-DE" baseline="0" dirty="0" smtClean="0"/>
+              <a:rPr lang="de-DE" baseline="0" dirty="0"/>
               <a:t> für Gruppenchat!</a:t>
             </a:r>
             <a:endParaRPr lang="de-DE" dirty="0"/>
@@ -3215,7 +3217,7 @@
           <a:p>
             <a:pPr algn="r"/>
             <a:r>
-              <a:rPr lang="de-DE" dirty="0" smtClean="0">
+              <a:rPr lang="de-DE" dirty="0">
                 <a:solidFill>
                   <a:srgbClr val="4A5C66"/>
                 </a:solidFill>
@@ -3225,7 +3227,7 @@
               <a:t>Daniel </a:t>
             </a:r>
             <a:r>
-              <a:rPr lang="de-DE" dirty="0" err="1" smtClean="0">
+              <a:rPr lang="de-DE" dirty="0" err="1">
                 <a:solidFill>
                   <a:srgbClr val="4A5C66"/>
                 </a:solidFill>
@@ -3233,65 +3235,6 @@
                 <a:cs typeface="Arial" panose="020B0604020202020204" pitchFamily="34" charset="0"/>
               </a:rPr>
               <a:t>Kreck</a:t>
-            </a:r>
-            <a:endParaRPr lang="de-DE" dirty="0" smtClean="0">
-              <a:solidFill>
-                <a:srgbClr val="4A5C66"/>
-              </a:solidFill>
-              <a:latin typeface="Arial" panose="020B0604020202020204" pitchFamily="34" charset="0"/>
-              <a:cs typeface="Arial" panose="020B0604020202020204" pitchFamily="34" charset="0"/>
-            </a:endParaRPr>
-          </a:p>
-          <a:p>
-            <a:pPr algn="r"/>
-            <a:r>
-              <a:rPr lang="de-DE" dirty="0" smtClean="0">
-                <a:solidFill>
-                  <a:srgbClr val="4A5C66"/>
-                </a:solidFill>
-                <a:latin typeface="Arial" panose="020B0604020202020204" pitchFamily="34" charset="0"/>
-                <a:cs typeface="Arial" panose="020B0604020202020204" pitchFamily="34" charset="0"/>
-              </a:rPr>
-              <a:t>Ewald Bayer</a:t>
-            </a:r>
-          </a:p>
-          <a:p>
-            <a:pPr algn="r"/>
-            <a:r>
-              <a:rPr lang="de-DE" dirty="0" smtClean="0">
-                <a:solidFill>
-                  <a:srgbClr val="4A5C66"/>
-                </a:solidFill>
-                <a:latin typeface="Arial" panose="020B0604020202020204" pitchFamily="34" charset="0"/>
-                <a:cs typeface="Arial" panose="020B0604020202020204" pitchFamily="34" charset="0"/>
-              </a:rPr>
-              <a:t>Leonard Schmischke</a:t>
-            </a:r>
-          </a:p>
-          <a:p>
-            <a:pPr algn="r"/>
-            <a:r>
-              <a:rPr lang="de-DE" dirty="0" smtClean="0">
-                <a:solidFill>
-                  <a:srgbClr val="4A5C66"/>
-                </a:solidFill>
-                <a:latin typeface="Arial" panose="020B0604020202020204" pitchFamily="34" charset="0"/>
-                <a:cs typeface="Arial" panose="020B0604020202020204" pitchFamily="34" charset="0"/>
-              </a:rPr>
-              <a:t>Sebastian Westbrock</a:t>
-            </a:r>
-          </a:p>
-          <a:p>
-            <a:pPr algn="r"/>
-            <a:r>
-              <a:rPr lang="de-DE" dirty="0" smtClean="0">
-                <a:solidFill>
-                  <a:srgbClr val="4A5C66"/>
-                </a:solidFill>
-                <a:latin typeface="Arial" panose="020B0604020202020204" pitchFamily="34" charset="0"/>
-                <a:cs typeface="Arial" panose="020B0604020202020204" pitchFamily="34" charset="0"/>
-              </a:rPr>
-              <a:t>Thomas Iffland</a:t>
             </a:r>
             <a:endParaRPr lang="de-DE" dirty="0">
               <a:solidFill>
@@ -3300,6 +3243,58 @@
               <a:latin typeface="Arial" panose="020B0604020202020204" pitchFamily="34" charset="0"/>
               <a:cs typeface="Arial" panose="020B0604020202020204" pitchFamily="34" charset="0"/>
             </a:endParaRPr>
+          </a:p>
+          <a:p>
+            <a:pPr algn="r"/>
+            <a:r>
+              <a:rPr lang="de-DE" dirty="0">
+                <a:solidFill>
+                  <a:srgbClr val="4A5C66"/>
+                </a:solidFill>
+                <a:latin typeface="Arial" panose="020B0604020202020204" pitchFamily="34" charset="0"/>
+                <a:cs typeface="Arial" panose="020B0604020202020204" pitchFamily="34" charset="0"/>
+              </a:rPr>
+              <a:t>Ewald Bayer</a:t>
+            </a:r>
+          </a:p>
+          <a:p>
+            <a:pPr algn="r"/>
+            <a:r>
+              <a:rPr lang="de-DE" dirty="0">
+                <a:solidFill>
+                  <a:srgbClr val="4A5C66"/>
+                </a:solidFill>
+                <a:latin typeface="Arial" panose="020B0604020202020204" pitchFamily="34" charset="0"/>
+                <a:cs typeface="Arial" panose="020B0604020202020204" pitchFamily="34" charset="0"/>
+              </a:rPr>
+              <a:t>Leonard Schmischke</a:t>
+            </a:r>
+          </a:p>
+          <a:p>
+            <a:pPr algn="r"/>
+            <a:r>
+              <a:rPr lang="de-DE" dirty="0">
+                <a:solidFill>
+                  <a:srgbClr val="4A5C66"/>
+                </a:solidFill>
+                <a:latin typeface="Arial" panose="020B0604020202020204" pitchFamily="34" charset="0"/>
+                <a:cs typeface="Arial" panose="020B0604020202020204" pitchFamily="34" charset="0"/>
+              </a:rPr>
+              <a:t>Sebastian Westbrock</a:t>
+            </a:r>
+          </a:p>
+          <a:p>
+            <a:pPr algn="r"/>
+            <a:r>
+              <a:rPr lang="de-DE" dirty="0">
+                <a:solidFill>
+                  <a:srgbClr val="4A5C66"/>
+                </a:solidFill>
+                <a:latin typeface="Arial" panose="020B0604020202020204" pitchFamily="34" charset="0"/>
+                <a:cs typeface="Arial" panose="020B0604020202020204" pitchFamily="34" charset="0"/>
+              </a:rPr>
+              <a:t>Thomas Iffland</a:t>
+            </a:r>
           </a:p>
         </p:txBody>
       </p:sp>
@@ -3313,21 +3308,6 @@
   <p:clrMapOvr>
     <a:masterClrMapping/>
   </p:clrMapOvr>
-  <mc:AlternateContent xmlns:mc="http://schemas.openxmlformats.org/markup-compatibility/2006">
-    <mc:Choice xmlns:p14="http://schemas.microsoft.com/office/powerpoint/2010/main" Requires="p14">
-      <p:transition spd="slow" p14:dur="2000"/>
-    </mc:Choice>
-    <mc:Fallback>
-      <p:transition spd="slow"/>
-    </mc:Fallback>
-  </mc:AlternateContent>
-  <p:timing>
-    <p:tnLst>
-      <p:par>
-        <p:cTn id="1" dur="indefinite" restart="never" nodeType="tmRoot"/>
-      </p:par>
-    </p:tnLst>
-  </p:timing>
 </p:sld>
 </file>
 
@@ -3431,7 +3411,7 @@
               <a:buChar char="•"/>
             </a:pPr>
             <a:r>
-              <a:rPr lang="de-DE" sz="1700" dirty="0" smtClean="0">
+              <a:rPr lang="de-DE" sz="1700" dirty="0">
                 <a:solidFill>
                   <a:schemeClr val="bg1">
                     <a:lumMod val="75000"/>
@@ -3449,7 +3429,7 @@
               <a:buChar char="•"/>
             </a:pPr>
             <a:r>
-              <a:rPr lang="de-DE" sz="1700" dirty="0" smtClean="0">
+              <a:rPr lang="de-DE" sz="1700" dirty="0">
                 <a:solidFill>
                   <a:schemeClr val="bg1">
                     <a:lumMod val="75000"/>
@@ -3467,7 +3447,7 @@
               <a:buChar char="•"/>
             </a:pPr>
             <a:r>
-              <a:rPr lang="de-DE" sz="1700" dirty="0" err="1" smtClean="0">
+              <a:rPr lang="de-DE" sz="1700" dirty="0" err="1">
                 <a:solidFill>
                   <a:schemeClr val="bg1">
                     <a:lumMod val="75000"/>
@@ -3478,7 +3458,7 @@
               </a:rPr>
               <a:t>Addcontact</a:t>
             </a:r>
-            <a:endParaRPr lang="de-DE" sz="1700" dirty="0" smtClean="0">
+            <a:endParaRPr lang="de-DE" sz="1700" dirty="0">
               <a:solidFill>
                 <a:schemeClr val="bg1">
                   <a:lumMod val="75000"/>
@@ -3494,7 +3474,7 @@
               <a:buChar char="•"/>
             </a:pPr>
             <a:r>
-              <a:rPr lang="de-DE" sz="1700" dirty="0" err="1" smtClean="0">
+              <a:rPr lang="de-DE" sz="1700" dirty="0" err="1">
                 <a:solidFill>
                   <a:schemeClr val="bg1">
                     <a:lumMod val="75000"/>
@@ -3505,7 +3485,7 @@
               </a:rPr>
               <a:t>Chatrequest</a:t>
             </a:r>
-            <a:endParaRPr lang="de-DE" sz="1700" dirty="0" smtClean="0">
+            <a:endParaRPr lang="de-DE" sz="1700" dirty="0">
               <a:solidFill>
                 <a:schemeClr val="bg1">
                   <a:lumMod val="75000"/>
@@ -3521,7 +3501,7 @@
               <a:buChar char="•"/>
             </a:pPr>
             <a:r>
-              <a:rPr lang="de-DE" sz="1700" dirty="0" smtClean="0">
+              <a:rPr lang="de-DE" sz="1700" dirty="0">
                 <a:solidFill>
                   <a:schemeClr val="bg1">
                     <a:lumMod val="75000"/>
@@ -3539,7 +3519,7 @@
               <a:buChar char="•"/>
             </a:pPr>
             <a:r>
-              <a:rPr lang="de-DE" sz="1700" dirty="0" smtClean="0">
+              <a:rPr lang="de-DE" sz="1700" dirty="0">
                 <a:solidFill>
                   <a:schemeClr val="bg1">
                     <a:lumMod val="75000"/>
@@ -3550,20 +3530,6 @@
               </a:rPr>
               <a:t>…</a:t>
             </a:r>
-          </a:p>
-          <a:p>
-            <a:pPr marL="285750" indent="-285750">
-              <a:buFont typeface="Arial" panose="020B0604020202020204" pitchFamily="34" charset="0"/>
-              <a:buChar char="•"/>
-            </a:pPr>
-            <a:endParaRPr lang="de-DE" dirty="0" smtClean="0"/>
-          </a:p>
-          <a:p>
-            <a:pPr marL="285750" indent="-285750">
-              <a:buFont typeface="Arial" panose="020B0604020202020204" pitchFamily="34" charset="0"/>
-              <a:buChar char="•"/>
-            </a:pPr>
-            <a:endParaRPr lang="de-DE" dirty="0" smtClean="0"/>
           </a:p>
           <a:p>
             <a:pPr marL="285750" indent="-285750">
@@ -3572,151 +3538,6 @@
             </a:pPr>
             <a:endParaRPr lang="de-DE" dirty="0"/>
           </a:p>
-        </p:txBody>
-      </p:sp>
-      <p:sp>
-        <p:nvSpPr>
-          <p:cNvPr id="6" name="Textfeld 5"/>
-          <p:cNvSpPr txBox="1"/>
-          <p:nvPr/>
-        </p:nvSpPr>
-        <p:spPr>
-          <a:xfrm>
-            <a:off x="2377439" y="2800119"/>
-            <a:ext cx="2105297" cy="2585323"/>
-          </a:xfrm>
-          <a:prstGeom prst="rect">
-            <a:avLst/>
-          </a:prstGeom>
-          <a:noFill/>
-        </p:spPr>
-        <p:txBody>
-          <a:bodyPr wrap="square" rtlCol="0">
-            <a:spAutoFit/>
-          </a:bodyPr>
-          <a:lstStyle/>
-          <a:p>
-            <a:pPr marL="285750" indent="-285750">
-              <a:buFont typeface="Arial" panose="020B0604020202020204" pitchFamily="34" charset="0"/>
-              <a:buChar char="•"/>
-            </a:pPr>
-            <a:r>
-              <a:rPr lang="de-DE" sz="1700" dirty="0" smtClean="0">
-                <a:solidFill>
-                  <a:schemeClr val="bg1">
-                    <a:lumMod val="75000"/>
-                  </a:schemeClr>
-                </a:solidFill>
-                <a:latin typeface="Arial" panose="020B0604020202020204" pitchFamily="34" charset="0"/>
-                <a:cs typeface="Arial" panose="020B0604020202020204" pitchFamily="34" charset="0"/>
-              </a:rPr>
-              <a:t>Server</a:t>
-            </a:r>
-          </a:p>
-          <a:p>
-            <a:pPr marL="285750" indent="-285750">
-              <a:buFont typeface="Arial" panose="020B0604020202020204" pitchFamily="34" charset="0"/>
-              <a:buChar char="•"/>
-            </a:pPr>
-            <a:r>
-              <a:rPr lang="de-DE" sz="1700" dirty="0" smtClean="0">
-                <a:solidFill>
-                  <a:schemeClr val="bg1">
-                    <a:lumMod val="75000"/>
-                  </a:schemeClr>
-                </a:solidFill>
-                <a:latin typeface="Arial" panose="020B0604020202020204" pitchFamily="34" charset="0"/>
-                <a:cs typeface="Arial" panose="020B0604020202020204" pitchFamily="34" charset="0"/>
-              </a:rPr>
-              <a:t>S3xyH3xy</a:t>
-            </a:r>
-          </a:p>
-          <a:p>
-            <a:pPr marL="285750" indent="-285750">
-              <a:buFont typeface="Arial" panose="020B0604020202020204" pitchFamily="34" charset="0"/>
-              <a:buChar char="•"/>
-            </a:pPr>
-            <a:r>
-              <a:rPr lang="de-DE" sz="1700" dirty="0" smtClean="0">
-                <a:solidFill>
-                  <a:schemeClr val="bg1">
-                    <a:lumMod val="75000"/>
-                  </a:schemeClr>
-                </a:solidFill>
-                <a:latin typeface="Arial" panose="020B0604020202020204" pitchFamily="34" charset="0"/>
-                <a:cs typeface="Arial" panose="020B0604020202020204" pitchFamily="34" charset="0"/>
-              </a:rPr>
-              <a:t>DarkMaster123</a:t>
-            </a:r>
-          </a:p>
-          <a:p>
-            <a:pPr marL="285750" indent="-285750">
-              <a:buFont typeface="Arial" panose="020B0604020202020204" pitchFamily="34" charset="0"/>
-              <a:buChar char="•"/>
-            </a:pPr>
-            <a:r>
-              <a:rPr lang="de-DE" sz="1700" dirty="0" smtClean="0">
-                <a:solidFill>
-                  <a:schemeClr val="bg1">
-                    <a:lumMod val="75000"/>
-                  </a:schemeClr>
-                </a:solidFill>
-                <a:latin typeface="Arial" panose="020B0604020202020204" pitchFamily="34" charset="0"/>
-                <a:cs typeface="Arial" panose="020B0604020202020204" pitchFamily="34" charset="0"/>
-              </a:rPr>
-              <a:t>L1chK1ng</a:t>
-            </a:r>
-          </a:p>
-          <a:p>
-            <a:pPr marL="285750" indent="-285750">
-              <a:buFont typeface="Arial" panose="020B0604020202020204" pitchFamily="34" charset="0"/>
-              <a:buChar char="•"/>
-            </a:pPr>
-            <a:r>
-              <a:rPr lang="de-DE" sz="1700" dirty="0" smtClean="0">
-                <a:solidFill>
-                  <a:schemeClr val="bg1">
-                    <a:lumMod val="75000"/>
-                  </a:schemeClr>
-                </a:solidFill>
-                <a:latin typeface="Arial" panose="020B0604020202020204" pitchFamily="34" charset="0"/>
-                <a:cs typeface="Arial" panose="020B0604020202020204" pitchFamily="34" charset="0"/>
-              </a:rPr>
-              <a:t>Harald</a:t>
-            </a:r>
-          </a:p>
-          <a:p>
-            <a:pPr marL="285750" indent="-285750">
-              <a:buFont typeface="Arial" panose="020B0604020202020204" pitchFamily="34" charset="0"/>
-              <a:buChar char="•"/>
-            </a:pPr>
-            <a:r>
-              <a:rPr lang="de-DE" sz="1700" dirty="0" smtClean="0">
-                <a:solidFill>
-                  <a:schemeClr val="bg1">
-                    <a:lumMod val="75000"/>
-                  </a:schemeClr>
-                </a:solidFill>
-                <a:latin typeface="Arial" panose="020B0604020202020204" pitchFamily="34" charset="0"/>
-                <a:cs typeface="Arial" panose="020B0604020202020204" pitchFamily="34" charset="0"/>
-              </a:rPr>
-              <a:t>…</a:t>
-            </a:r>
-          </a:p>
-          <a:p>
-            <a:pPr marL="285750" indent="-285750">
-              <a:buFont typeface="Arial" panose="020B0604020202020204" pitchFamily="34" charset="0"/>
-              <a:buChar char="•"/>
-            </a:pPr>
-            <a:endParaRPr lang="de-DE" dirty="0" smtClean="0"/>
-          </a:p>
-          <a:p>
-            <a:pPr marL="285750" indent="-285750">
-              <a:buFont typeface="Arial" panose="020B0604020202020204" pitchFamily="34" charset="0"/>
-              <a:buChar char="•"/>
-            </a:pPr>
-            <a:endParaRPr lang="de-DE" dirty="0" smtClean="0"/>
-          </a:p>
           <a:p>
             <a:pPr marL="285750" indent="-285750">
               <a:buFont typeface="Arial" panose="020B0604020202020204" pitchFamily="34" charset="0"/>
@@ -3724,36 +3545,195 @@
             </a:pPr>
             <a:endParaRPr lang="de-DE" dirty="0"/>
           </a:p>
-        </p:txBody>
-      </p:sp>
-      <p:sp>
-        <p:nvSpPr>
-          <p:cNvPr id="7" name="Textfeld 6"/>
-          <p:cNvSpPr txBox="1"/>
-          <p:nvPr/>
-        </p:nvSpPr>
-        <p:spPr>
-          <a:xfrm>
-            <a:off x="4324290" y="2800119"/>
-            <a:ext cx="2219815" cy="1754326"/>
-          </a:xfrm>
-          <a:prstGeom prst="rect">
-            <a:avLst/>
-          </a:prstGeom>
-          <a:noFill/>
-        </p:spPr>
-        <p:txBody>
-          <a:bodyPr wrap="square" rtlCol="0">
-            <a:spAutoFit/>
-          </a:bodyPr>
-          <a:lstStyle/>
           <a:p>
             <a:pPr marL="285750" indent="-285750">
               <a:buFont typeface="Arial" panose="020B0604020202020204" pitchFamily="34" charset="0"/>
               <a:buChar char="•"/>
             </a:pPr>
-            <a:r>
-              <a:rPr lang="de-DE" sz="1700" dirty="0" smtClean="0">
+            <a:endParaRPr lang="de-DE" dirty="0"/>
+          </a:p>
+        </p:txBody>
+      </p:sp>
+      <p:sp>
+        <p:nvSpPr>
+          <p:cNvPr id="6" name="Textfeld 5"/>
+          <p:cNvSpPr txBox="1"/>
+          <p:nvPr/>
+        </p:nvSpPr>
+        <p:spPr>
+          <a:xfrm>
+            <a:off x="2377439" y="2800119"/>
+            <a:ext cx="2105297" cy="2585323"/>
+          </a:xfrm>
+          <a:prstGeom prst="rect">
+            <a:avLst/>
+          </a:prstGeom>
+          <a:noFill/>
+        </p:spPr>
+        <p:txBody>
+          <a:bodyPr wrap="square" rtlCol="0">
+            <a:spAutoFit/>
+          </a:bodyPr>
+          <a:lstStyle/>
+          <a:p>
+            <a:pPr marL="285750" indent="-285750">
+              <a:buFont typeface="Arial" panose="020B0604020202020204" pitchFamily="34" charset="0"/>
+              <a:buChar char="•"/>
+            </a:pPr>
+            <a:r>
+              <a:rPr lang="de-DE" sz="1700" dirty="0">
+                <a:solidFill>
+                  <a:schemeClr val="bg1">
+                    <a:lumMod val="75000"/>
+                  </a:schemeClr>
+                </a:solidFill>
+                <a:latin typeface="Arial" panose="020B0604020202020204" pitchFamily="34" charset="0"/>
+                <a:cs typeface="Arial" panose="020B0604020202020204" pitchFamily="34" charset="0"/>
+              </a:rPr>
+              <a:t>Server</a:t>
+            </a:r>
+          </a:p>
+          <a:p>
+            <a:pPr marL="285750" indent="-285750">
+              <a:buFont typeface="Arial" panose="020B0604020202020204" pitchFamily="34" charset="0"/>
+              <a:buChar char="•"/>
+            </a:pPr>
+            <a:r>
+              <a:rPr lang="de-DE" sz="1700" dirty="0">
+                <a:solidFill>
+                  <a:schemeClr val="bg1">
+                    <a:lumMod val="75000"/>
+                  </a:schemeClr>
+                </a:solidFill>
+                <a:latin typeface="Arial" panose="020B0604020202020204" pitchFamily="34" charset="0"/>
+                <a:cs typeface="Arial" panose="020B0604020202020204" pitchFamily="34" charset="0"/>
+              </a:rPr>
+              <a:t>S3xyH3xy</a:t>
+            </a:r>
+          </a:p>
+          <a:p>
+            <a:pPr marL="285750" indent="-285750">
+              <a:buFont typeface="Arial" panose="020B0604020202020204" pitchFamily="34" charset="0"/>
+              <a:buChar char="•"/>
+            </a:pPr>
+            <a:r>
+              <a:rPr lang="de-DE" sz="1700" dirty="0">
+                <a:solidFill>
+                  <a:schemeClr val="bg1">
+                    <a:lumMod val="75000"/>
+                  </a:schemeClr>
+                </a:solidFill>
+                <a:latin typeface="Arial" panose="020B0604020202020204" pitchFamily="34" charset="0"/>
+                <a:cs typeface="Arial" panose="020B0604020202020204" pitchFamily="34" charset="0"/>
+              </a:rPr>
+              <a:t>DarkMaster123</a:t>
+            </a:r>
+          </a:p>
+          <a:p>
+            <a:pPr marL="285750" indent="-285750">
+              <a:buFont typeface="Arial" panose="020B0604020202020204" pitchFamily="34" charset="0"/>
+              <a:buChar char="•"/>
+            </a:pPr>
+            <a:r>
+              <a:rPr lang="de-DE" sz="1700" dirty="0">
+                <a:solidFill>
+                  <a:schemeClr val="bg1">
+                    <a:lumMod val="75000"/>
+                  </a:schemeClr>
+                </a:solidFill>
+                <a:latin typeface="Arial" panose="020B0604020202020204" pitchFamily="34" charset="0"/>
+                <a:cs typeface="Arial" panose="020B0604020202020204" pitchFamily="34" charset="0"/>
+              </a:rPr>
+              <a:t>L1chK1ng</a:t>
+            </a:r>
+          </a:p>
+          <a:p>
+            <a:pPr marL="285750" indent="-285750">
+              <a:buFont typeface="Arial" panose="020B0604020202020204" pitchFamily="34" charset="0"/>
+              <a:buChar char="•"/>
+            </a:pPr>
+            <a:r>
+              <a:rPr lang="de-DE" sz="1700" dirty="0">
+                <a:solidFill>
+                  <a:schemeClr val="bg1">
+                    <a:lumMod val="75000"/>
+                  </a:schemeClr>
+                </a:solidFill>
+                <a:latin typeface="Arial" panose="020B0604020202020204" pitchFamily="34" charset="0"/>
+                <a:cs typeface="Arial" panose="020B0604020202020204" pitchFamily="34" charset="0"/>
+              </a:rPr>
+              <a:t>Harald</a:t>
+            </a:r>
+          </a:p>
+          <a:p>
+            <a:pPr marL="285750" indent="-285750">
+              <a:buFont typeface="Arial" panose="020B0604020202020204" pitchFamily="34" charset="0"/>
+              <a:buChar char="•"/>
+            </a:pPr>
+            <a:r>
+              <a:rPr lang="de-DE" sz="1700" dirty="0">
+                <a:solidFill>
+                  <a:schemeClr val="bg1">
+                    <a:lumMod val="75000"/>
+                  </a:schemeClr>
+                </a:solidFill>
+                <a:latin typeface="Arial" panose="020B0604020202020204" pitchFamily="34" charset="0"/>
+                <a:cs typeface="Arial" panose="020B0604020202020204" pitchFamily="34" charset="0"/>
+              </a:rPr>
+              <a:t>…</a:t>
+            </a:r>
+          </a:p>
+          <a:p>
+            <a:pPr marL="285750" indent="-285750">
+              <a:buFont typeface="Arial" panose="020B0604020202020204" pitchFamily="34" charset="0"/>
+              <a:buChar char="•"/>
+            </a:pPr>
+            <a:endParaRPr lang="de-DE" dirty="0"/>
+          </a:p>
+          <a:p>
+            <a:pPr marL="285750" indent="-285750">
+              <a:buFont typeface="Arial" panose="020B0604020202020204" pitchFamily="34" charset="0"/>
+              <a:buChar char="•"/>
+            </a:pPr>
+            <a:endParaRPr lang="de-DE" dirty="0"/>
+          </a:p>
+          <a:p>
+            <a:pPr marL="285750" indent="-285750">
+              <a:buFont typeface="Arial" panose="020B0604020202020204" pitchFamily="34" charset="0"/>
+              <a:buChar char="•"/>
+            </a:pPr>
+            <a:endParaRPr lang="de-DE" dirty="0"/>
+          </a:p>
+        </p:txBody>
+      </p:sp>
+      <p:sp>
+        <p:nvSpPr>
+          <p:cNvPr id="7" name="Textfeld 6"/>
+          <p:cNvSpPr txBox="1"/>
+          <p:nvPr/>
+        </p:nvSpPr>
+        <p:spPr>
+          <a:xfrm>
+            <a:off x="4324290" y="2800119"/>
+            <a:ext cx="2219815" cy="1754326"/>
+          </a:xfrm>
+          <a:prstGeom prst="rect">
+            <a:avLst/>
+          </a:prstGeom>
+          <a:noFill/>
+        </p:spPr>
+        <p:txBody>
+          <a:bodyPr wrap="square" rtlCol="0">
+            <a:spAutoFit/>
+          </a:bodyPr>
+          <a:lstStyle/>
+          <a:p>
+            <a:pPr marL="285750" indent="-285750">
+              <a:buFont typeface="Arial" panose="020B0604020202020204" pitchFamily="34" charset="0"/>
+              <a:buChar char="•"/>
+            </a:pPr>
+            <a:r>
+              <a:rPr lang="de-DE" sz="1700" dirty="0">
                 <a:solidFill>
                   <a:srgbClr val="4A5C66"/>
                 </a:solidFill>
@@ -3763,7 +3743,7 @@
               <a:t>0 </a:t>
             </a:r>
             <a:r>
-              <a:rPr lang="de-DE" sz="1700" dirty="0" err="1" smtClean="0">
+              <a:rPr lang="de-DE" sz="1700" dirty="0" err="1">
                 <a:solidFill>
                   <a:srgbClr val="4A5C66"/>
                 </a:solidFill>
@@ -3772,7 +3752,7 @@
               </a:rPr>
               <a:t>Standart</a:t>
             </a:r>
-            <a:endParaRPr lang="de-DE" sz="1700" dirty="0" smtClean="0">
+            <a:endParaRPr lang="de-DE" sz="1700" dirty="0">
               <a:solidFill>
                 <a:srgbClr val="4A5C66"/>
               </a:solidFill>
@@ -3786,7 +3766,7 @@
               <a:buChar char="•"/>
             </a:pPr>
             <a:r>
-              <a:rPr lang="de-DE" sz="1700" dirty="0" smtClean="0">
+              <a:rPr lang="de-DE" sz="1700" dirty="0">
                 <a:solidFill>
                   <a:srgbClr val="4A5C66"/>
                 </a:solidFill>
@@ -3796,7 +3776,7 @@
               <a:t>1 </a:t>
             </a:r>
             <a:r>
-              <a:rPr lang="de-DE" sz="1700" dirty="0" err="1" smtClean="0">
+              <a:rPr lang="de-DE" sz="1700" dirty="0" err="1">
                 <a:solidFill>
                   <a:srgbClr val="4A5C66"/>
                 </a:solidFill>
@@ -3805,7 +3785,7 @@
               </a:rPr>
               <a:t>ServerRoomID</a:t>
             </a:r>
-            <a:endParaRPr lang="de-DE" sz="1700" dirty="0" smtClean="0">
+            <a:endParaRPr lang="de-DE" sz="1700" dirty="0">
               <a:solidFill>
                 <a:srgbClr val="4A5C66"/>
               </a:solidFill>
@@ -3819,7 +3799,7 @@
               <a:buChar char="•"/>
             </a:pPr>
             <a:r>
-              <a:rPr lang="de-DE" sz="1700" dirty="0" smtClean="0">
+              <a:rPr lang="de-DE" sz="1700" dirty="0">
                 <a:solidFill>
                   <a:srgbClr val="4A5C66"/>
                 </a:solidFill>
@@ -3829,7 +3809,7 @@
               <a:t>3 </a:t>
             </a:r>
             <a:r>
-              <a:rPr lang="de-DE" sz="1700" dirty="0" err="1" smtClean="0">
+              <a:rPr lang="de-DE" sz="1700" dirty="0" err="1">
                 <a:solidFill>
                   <a:srgbClr val="4A5C66"/>
                 </a:solidFill>
@@ -3838,7 +3818,7 @@
               </a:rPr>
               <a:t>ChatRoomID</a:t>
             </a:r>
-            <a:endParaRPr lang="de-DE" sz="1700" dirty="0" smtClean="0">
+            <a:endParaRPr lang="de-DE" sz="1700" dirty="0">
               <a:solidFill>
                 <a:srgbClr val="4A5C66"/>
               </a:solidFill>
@@ -3852,7 +3832,7 @@
               <a:buChar char="•"/>
             </a:pPr>
             <a:r>
-              <a:rPr lang="de-DE" sz="1700" dirty="0" smtClean="0">
+              <a:rPr lang="de-DE" sz="1700" dirty="0">
                 <a:solidFill>
                   <a:srgbClr val="4A5C66"/>
                 </a:solidFill>
@@ -3867,7 +3847,7 @@
               <a:buFont typeface="Arial" panose="020B0604020202020204" pitchFamily="34" charset="0"/>
               <a:buChar char="•"/>
             </a:pPr>
-            <a:endParaRPr lang="de-DE" dirty="0" smtClean="0"/>
+            <a:endParaRPr lang="de-DE" dirty="0"/>
           </a:p>
           <a:p>
             <a:pPr marL="285750" indent="-285750">
@@ -3888,13 +3868,6 @@
   <p:clrMapOvr>
     <a:masterClrMapping/>
   </p:clrMapOvr>
-  <p:timing>
-    <p:tnLst>
-      <p:par>
-        <p:cTn id="1" dur="indefinite" restart="never" nodeType="tmRoot"/>
-      </p:par>
-    </p:tnLst>
-  </p:timing>
 </p:sld>
 </file>
 
@@ -3998,7 +3971,7 @@
               <a:buChar char="•"/>
             </a:pPr>
             <a:r>
-              <a:rPr lang="de-DE" sz="1700" dirty="0" smtClean="0">
+              <a:rPr lang="de-DE" sz="1700" dirty="0">
                 <a:solidFill>
                   <a:schemeClr val="bg1">
                     <a:lumMod val="75000"/>
@@ -4016,7 +3989,7 @@
               <a:buChar char="•"/>
             </a:pPr>
             <a:r>
-              <a:rPr lang="de-DE" sz="1700" dirty="0" smtClean="0">
+              <a:rPr lang="de-DE" sz="1700" dirty="0">
                 <a:solidFill>
                   <a:schemeClr val="bg1">
                     <a:lumMod val="75000"/>
@@ -4034,7 +4007,7 @@
               <a:buChar char="•"/>
             </a:pPr>
             <a:r>
-              <a:rPr lang="de-DE" sz="1700" dirty="0" err="1" smtClean="0">
+              <a:rPr lang="de-DE" sz="1700" dirty="0" err="1">
                 <a:solidFill>
                   <a:schemeClr val="bg1">
                     <a:lumMod val="75000"/>
@@ -4045,7 +4018,7 @@
               </a:rPr>
               <a:t>Addcontact</a:t>
             </a:r>
-            <a:endParaRPr lang="de-DE" sz="1700" dirty="0" smtClean="0">
+            <a:endParaRPr lang="de-DE" sz="1700" dirty="0">
               <a:solidFill>
                 <a:schemeClr val="bg1">
                   <a:lumMod val="75000"/>
@@ -4061,7 +4034,7 @@
               <a:buChar char="•"/>
             </a:pPr>
             <a:r>
-              <a:rPr lang="de-DE" sz="1700" dirty="0" err="1" smtClean="0">
+              <a:rPr lang="de-DE" sz="1700" dirty="0" err="1">
                 <a:solidFill>
                   <a:schemeClr val="bg1">
                     <a:lumMod val="75000"/>
@@ -4072,7 +4045,7 @@
               </a:rPr>
               <a:t>Chatrequest</a:t>
             </a:r>
-            <a:endParaRPr lang="de-DE" sz="1700" dirty="0" smtClean="0">
+            <a:endParaRPr lang="de-DE" sz="1700" dirty="0">
               <a:solidFill>
                 <a:schemeClr val="bg1">
                   <a:lumMod val="75000"/>
@@ -4088,7 +4061,7 @@
               <a:buChar char="•"/>
             </a:pPr>
             <a:r>
-              <a:rPr lang="de-DE" sz="1700" dirty="0" smtClean="0">
+              <a:rPr lang="de-DE" sz="1700" dirty="0">
                 <a:solidFill>
                   <a:schemeClr val="bg1">
                     <a:lumMod val="75000"/>
@@ -4106,7 +4079,7 @@
               <a:buChar char="•"/>
             </a:pPr>
             <a:r>
-              <a:rPr lang="de-DE" sz="1700" dirty="0" smtClean="0">
+              <a:rPr lang="de-DE" sz="1700" dirty="0">
                 <a:solidFill>
                   <a:schemeClr val="bg1">
                     <a:lumMod val="75000"/>
@@ -4117,20 +4090,6 @@
               </a:rPr>
               <a:t>…</a:t>
             </a:r>
-          </a:p>
-          <a:p>
-            <a:pPr marL="285750" indent="-285750">
-              <a:buFont typeface="Arial" panose="020B0604020202020204" pitchFamily="34" charset="0"/>
-              <a:buChar char="•"/>
-            </a:pPr>
-            <a:endParaRPr lang="de-DE" dirty="0" smtClean="0"/>
-          </a:p>
-          <a:p>
-            <a:pPr marL="285750" indent="-285750">
-              <a:buFont typeface="Arial" panose="020B0604020202020204" pitchFamily="34" charset="0"/>
-              <a:buChar char="•"/>
-            </a:pPr>
-            <a:endParaRPr lang="de-DE" dirty="0" smtClean="0"/>
           </a:p>
           <a:p>
             <a:pPr marL="285750" indent="-285750">
@@ -4139,151 +4098,6 @@
             </a:pPr>
             <a:endParaRPr lang="de-DE" dirty="0"/>
           </a:p>
-        </p:txBody>
-      </p:sp>
-      <p:sp>
-        <p:nvSpPr>
-          <p:cNvPr id="6" name="Textfeld 5"/>
-          <p:cNvSpPr txBox="1"/>
-          <p:nvPr/>
-        </p:nvSpPr>
-        <p:spPr>
-          <a:xfrm>
-            <a:off x="2377439" y="2798064"/>
-            <a:ext cx="2061369" cy="2585323"/>
-          </a:xfrm>
-          <a:prstGeom prst="rect">
-            <a:avLst/>
-          </a:prstGeom>
-          <a:noFill/>
-        </p:spPr>
-        <p:txBody>
-          <a:bodyPr wrap="square" rtlCol="0">
-            <a:spAutoFit/>
-          </a:bodyPr>
-          <a:lstStyle/>
-          <a:p>
-            <a:pPr marL="285750" indent="-285750">
-              <a:buFont typeface="Arial" panose="020B0604020202020204" pitchFamily="34" charset="0"/>
-              <a:buChar char="•"/>
-            </a:pPr>
-            <a:r>
-              <a:rPr lang="de-DE" sz="1700" dirty="0" smtClean="0">
-                <a:solidFill>
-                  <a:schemeClr val="bg1">
-                    <a:lumMod val="75000"/>
-                  </a:schemeClr>
-                </a:solidFill>
-                <a:latin typeface="Arial" panose="020B0604020202020204" pitchFamily="34" charset="0"/>
-                <a:cs typeface="Arial" panose="020B0604020202020204" pitchFamily="34" charset="0"/>
-              </a:rPr>
-              <a:t>Server</a:t>
-            </a:r>
-          </a:p>
-          <a:p>
-            <a:pPr marL="285750" indent="-285750">
-              <a:buFont typeface="Arial" panose="020B0604020202020204" pitchFamily="34" charset="0"/>
-              <a:buChar char="•"/>
-            </a:pPr>
-            <a:r>
-              <a:rPr lang="de-DE" sz="1700" dirty="0" smtClean="0">
-                <a:solidFill>
-                  <a:schemeClr val="bg1">
-                    <a:lumMod val="75000"/>
-                  </a:schemeClr>
-                </a:solidFill>
-                <a:latin typeface="Arial" panose="020B0604020202020204" pitchFamily="34" charset="0"/>
-                <a:cs typeface="Arial" panose="020B0604020202020204" pitchFamily="34" charset="0"/>
-              </a:rPr>
-              <a:t>S3xyH3xy</a:t>
-            </a:r>
-          </a:p>
-          <a:p>
-            <a:pPr marL="285750" indent="-285750">
-              <a:buFont typeface="Arial" panose="020B0604020202020204" pitchFamily="34" charset="0"/>
-              <a:buChar char="•"/>
-            </a:pPr>
-            <a:r>
-              <a:rPr lang="de-DE" sz="1700" dirty="0" smtClean="0">
-                <a:solidFill>
-                  <a:schemeClr val="bg1">
-                    <a:lumMod val="75000"/>
-                  </a:schemeClr>
-                </a:solidFill>
-                <a:latin typeface="Arial" panose="020B0604020202020204" pitchFamily="34" charset="0"/>
-                <a:cs typeface="Arial" panose="020B0604020202020204" pitchFamily="34" charset="0"/>
-              </a:rPr>
-              <a:t>DarkMaster123</a:t>
-            </a:r>
-          </a:p>
-          <a:p>
-            <a:pPr marL="285750" indent="-285750">
-              <a:buFont typeface="Arial" panose="020B0604020202020204" pitchFamily="34" charset="0"/>
-              <a:buChar char="•"/>
-            </a:pPr>
-            <a:r>
-              <a:rPr lang="de-DE" sz="1700" dirty="0" smtClean="0">
-                <a:solidFill>
-                  <a:schemeClr val="bg1">
-                    <a:lumMod val="75000"/>
-                  </a:schemeClr>
-                </a:solidFill>
-                <a:latin typeface="Arial" panose="020B0604020202020204" pitchFamily="34" charset="0"/>
-                <a:cs typeface="Arial" panose="020B0604020202020204" pitchFamily="34" charset="0"/>
-              </a:rPr>
-              <a:t>L1chK1ng</a:t>
-            </a:r>
-          </a:p>
-          <a:p>
-            <a:pPr marL="285750" indent="-285750">
-              <a:buFont typeface="Arial" panose="020B0604020202020204" pitchFamily="34" charset="0"/>
-              <a:buChar char="•"/>
-            </a:pPr>
-            <a:r>
-              <a:rPr lang="de-DE" sz="1700" dirty="0" smtClean="0">
-                <a:solidFill>
-                  <a:schemeClr val="bg1">
-                    <a:lumMod val="75000"/>
-                  </a:schemeClr>
-                </a:solidFill>
-                <a:latin typeface="Arial" panose="020B0604020202020204" pitchFamily="34" charset="0"/>
-                <a:cs typeface="Arial" panose="020B0604020202020204" pitchFamily="34" charset="0"/>
-              </a:rPr>
-              <a:t>Harald</a:t>
-            </a:r>
-          </a:p>
-          <a:p>
-            <a:pPr marL="285750" indent="-285750">
-              <a:buFont typeface="Arial" panose="020B0604020202020204" pitchFamily="34" charset="0"/>
-              <a:buChar char="•"/>
-            </a:pPr>
-            <a:r>
-              <a:rPr lang="de-DE" sz="1700" dirty="0" smtClean="0">
-                <a:solidFill>
-                  <a:schemeClr val="bg1">
-                    <a:lumMod val="75000"/>
-                  </a:schemeClr>
-                </a:solidFill>
-                <a:latin typeface="Arial" panose="020B0604020202020204" pitchFamily="34" charset="0"/>
-                <a:cs typeface="Arial" panose="020B0604020202020204" pitchFamily="34" charset="0"/>
-              </a:rPr>
-              <a:t>…</a:t>
-            </a:r>
-          </a:p>
-          <a:p>
-            <a:pPr marL="285750" indent="-285750">
-              <a:buFont typeface="Arial" panose="020B0604020202020204" pitchFamily="34" charset="0"/>
-              <a:buChar char="•"/>
-            </a:pPr>
-            <a:endParaRPr lang="de-DE" dirty="0" smtClean="0"/>
-          </a:p>
-          <a:p>
-            <a:pPr marL="285750" indent="-285750">
-              <a:buFont typeface="Arial" panose="020B0604020202020204" pitchFamily="34" charset="0"/>
-              <a:buChar char="•"/>
-            </a:pPr>
-            <a:endParaRPr lang="de-DE" dirty="0" smtClean="0"/>
-          </a:p>
           <a:p>
             <a:pPr marL="285750" indent="-285750">
               <a:buFont typeface="Arial" panose="020B0604020202020204" pitchFamily="34" charset="0"/>
@@ -4291,36 +4105,43 @@
             </a:pPr>
             <a:endParaRPr lang="de-DE" dirty="0"/>
           </a:p>
-        </p:txBody>
-      </p:sp>
-      <p:sp>
-        <p:nvSpPr>
-          <p:cNvPr id="7" name="Textfeld 6"/>
-          <p:cNvSpPr txBox="1"/>
-          <p:nvPr/>
-        </p:nvSpPr>
-        <p:spPr>
-          <a:xfrm>
-            <a:off x="4336725" y="2796009"/>
-            <a:ext cx="2265536" cy="1754326"/>
-          </a:xfrm>
-          <a:prstGeom prst="rect">
-            <a:avLst/>
-          </a:prstGeom>
-          <a:noFill/>
-        </p:spPr>
-        <p:txBody>
-          <a:bodyPr wrap="square" rtlCol="0">
-            <a:spAutoFit/>
-          </a:bodyPr>
-          <a:lstStyle/>
           <a:p>
             <a:pPr marL="285750" indent="-285750">
               <a:buFont typeface="Arial" panose="020B0604020202020204" pitchFamily="34" charset="0"/>
               <a:buChar char="•"/>
             </a:pPr>
-            <a:r>
-              <a:rPr lang="de-DE" sz="1700" dirty="0" smtClean="0">
+            <a:endParaRPr lang="de-DE" dirty="0"/>
+          </a:p>
+        </p:txBody>
+      </p:sp>
+      <p:sp>
+        <p:nvSpPr>
+          <p:cNvPr id="6" name="Textfeld 5"/>
+          <p:cNvSpPr txBox="1"/>
+          <p:nvPr/>
+        </p:nvSpPr>
+        <p:spPr>
+          <a:xfrm>
+            <a:off x="2377439" y="2798064"/>
+            <a:ext cx="2061369" cy="2585323"/>
+          </a:xfrm>
+          <a:prstGeom prst="rect">
+            <a:avLst/>
+          </a:prstGeom>
+          <a:noFill/>
+        </p:spPr>
+        <p:txBody>
+          <a:bodyPr wrap="square" rtlCol="0">
+            <a:spAutoFit/>
+          </a:bodyPr>
+          <a:lstStyle/>
+          <a:p>
+            <a:pPr marL="285750" indent="-285750">
+              <a:buFont typeface="Arial" panose="020B0604020202020204" pitchFamily="34" charset="0"/>
+              <a:buChar char="•"/>
+            </a:pPr>
+            <a:r>
+              <a:rPr lang="de-DE" sz="1700" dirty="0">
                 <a:solidFill>
                   <a:schemeClr val="bg1">
                     <a:lumMod val="75000"/>
@@ -4329,10 +4150,16 @@
                 <a:latin typeface="Arial" panose="020B0604020202020204" pitchFamily="34" charset="0"/>
                 <a:cs typeface="Arial" panose="020B0604020202020204" pitchFamily="34" charset="0"/>
               </a:rPr>
-              <a:t>0 </a:t>
-            </a:r>
-            <a:r>
-              <a:rPr lang="de-DE" sz="1700" dirty="0" err="1" smtClean="0">
+              <a:t>Server</a:t>
+            </a:r>
+          </a:p>
+          <a:p>
+            <a:pPr marL="285750" indent="-285750">
+              <a:buFont typeface="Arial" panose="020B0604020202020204" pitchFamily="34" charset="0"/>
+              <a:buChar char="•"/>
+            </a:pPr>
+            <a:r>
+              <a:rPr lang="de-DE" sz="1700" dirty="0">
                 <a:solidFill>
                   <a:schemeClr val="bg1">
                     <a:lumMod val="75000"/>
@@ -4341,9 +4168,155 @@
                 <a:latin typeface="Arial" panose="020B0604020202020204" pitchFamily="34" charset="0"/>
                 <a:cs typeface="Arial" panose="020B0604020202020204" pitchFamily="34" charset="0"/>
               </a:rPr>
+              <a:t>S3xyH3xy</a:t>
+            </a:r>
+          </a:p>
+          <a:p>
+            <a:pPr marL="285750" indent="-285750">
+              <a:buFont typeface="Arial" panose="020B0604020202020204" pitchFamily="34" charset="0"/>
+              <a:buChar char="•"/>
+            </a:pPr>
+            <a:r>
+              <a:rPr lang="de-DE" sz="1700" dirty="0">
+                <a:solidFill>
+                  <a:schemeClr val="bg1">
+                    <a:lumMod val="75000"/>
+                  </a:schemeClr>
+                </a:solidFill>
+                <a:latin typeface="Arial" panose="020B0604020202020204" pitchFamily="34" charset="0"/>
+                <a:cs typeface="Arial" panose="020B0604020202020204" pitchFamily="34" charset="0"/>
+              </a:rPr>
+              <a:t>DarkMaster123</a:t>
+            </a:r>
+          </a:p>
+          <a:p>
+            <a:pPr marL="285750" indent="-285750">
+              <a:buFont typeface="Arial" panose="020B0604020202020204" pitchFamily="34" charset="0"/>
+              <a:buChar char="•"/>
+            </a:pPr>
+            <a:r>
+              <a:rPr lang="de-DE" sz="1700" dirty="0">
+                <a:solidFill>
+                  <a:schemeClr val="bg1">
+                    <a:lumMod val="75000"/>
+                  </a:schemeClr>
+                </a:solidFill>
+                <a:latin typeface="Arial" panose="020B0604020202020204" pitchFamily="34" charset="0"/>
+                <a:cs typeface="Arial" panose="020B0604020202020204" pitchFamily="34" charset="0"/>
+              </a:rPr>
+              <a:t>L1chK1ng</a:t>
+            </a:r>
+          </a:p>
+          <a:p>
+            <a:pPr marL="285750" indent="-285750">
+              <a:buFont typeface="Arial" panose="020B0604020202020204" pitchFamily="34" charset="0"/>
+              <a:buChar char="•"/>
+            </a:pPr>
+            <a:r>
+              <a:rPr lang="de-DE" sz="1700" dirty="0">
+                <a:solidFill>
+                  <a:schemeClr val="bg1">
+                    <a:lumMod val="75000"/>
+                  </a:schemeClr>
+                </a:solidFill>
+                <a:latin typeface="Arial" panose="020B0604020202020204" pitchFamily="34" charset="0"/>
+                <a:cs typeface="Arial" panose="020B0604020202020204" pitchFamily="34" charset="0"/>
+              </a:rPr>
+              <a:t>Harald</a:t>
+            </a:r>
+          </a:p>
+          <a:p>
+            <a:pPr marL="285750" indent="-285750">
+              <a:buFont typeface="Arial" panose="020B0604020202020204" pitchFamily="34" charset="0"/>
+              <a:buChar char="•"/>
+            </a:pPr>
+            <a:r>
+              <a:rPr lang="de-DE" sz="1700" dirty="0">
+                <a:solidFill>
+                  <a:schemeClr val="bg1">
+                    <a:lumMod val="75000"/>
+                  </a:schemeClr>
+                </a:solidFill>
+                <a:latin typeface="Arial" panose="020B0604020202020204" pitchFamily="34" charset="0"/>
+                <a:cs typeface="Arial" panose="020B0604020202020204" pitchFamily="34" charset="0"/>
+              </a:rPr>
+              <a:t>…</a:t>
+            </a:r>
+          </a:p>
+          <a:p>
+            <a:pPr marL="285750" indent="-285750">
+              <a:buFont typeface="Arial" panose="020B0604020202020204" pitchFamily="34" charset="0"/>
+              <a:buChar char="•"/>
+            </a:pPr>
+            <a:endParaRPr lang="de-DE" dirty="0"/>
+          </a:p>
+          <a:p>
+            <a:pPr marL="285750" indent="-285750">
+              <a:buFont typeface="Arial" panose="020B0604020202020204" pitchFamily="34" charset="0"/>
+              <a:buChar char="•"/>
+            </a:pPr>
+            <a:endParaRPr lang="de-DE" dirty="0"/>
+          </a:p>
+          <a:p>
+            <a:pPr marL="285750" indent="-285750">
+              <a:buFont typeface="Arial" panose="020B0604020202020204" pitchFamily="34" charset="0"/>
+              <a:buChar char="•"/>
+            </a:pPr>
+            <a:endParaRPr lang="de-DE" dirty="0"/>
+          </a:p>
+        </p:txBody>
+      </p:sp>
+      <p:sp>
+        <p:nvSpPr>
+          <p:cNvPr id="7" name="Textfeld 6"/>
+          <p:cNvSpPr txBox="1"/>
+          <p:nvPr/>
+        </p:nvSpPr>
+        <p:spPr>
+          <a:xfrm>
+            <a:off x="4336725" y="2796009"/>
+            <a:ext cx="2265536" cy="1754326"/>
+          </a:xfrm>
+          <a:prstGeom prst="rect">
+            <a:avLst/>
+          </a:prstGeom>
+          <a:noFill/>
+        </p:spPr>
+        <p:txBody>
+          <a:bodyPr wrap="square" rtlCol="0">
+            <a:spAutoFit/>
+          </a:bodyPr>
+          <a:lstStyle/>
+          <a:p>
+            <a:pPr marL="285750" indent="-285750">
+              <a:buFont typeface="Arial" panose="020B0604020202020204" pitchFamily="34" charset="0"/>
+              <a:buChar char="•"/>
+            </a:pPr>
+            <a:r>
+              <a:rPr lang="de-DE" sz="1700" dirty="0">
+                <a:solidFill>
+                  <a:schemeClr val="bg1">
+                    <a:lumMod val="75000"/>
+                  </a:schemeClr>
+                </a:solidFill>
+                <a:latin typeface="Arial" panose="020B0604020202020204" pitchFamily="34" charset="0"/>
+                <a:cs typeface="Arial" panose="020B0604020202020204" pitchFamily="34" charset="0"/>
+              </a:rPr>
+              <a:t>0 </a:t>
+            </a:r>
+            <a:r>
+              <a:rPr lang="de-DE" sz="1700" dirty="0" err="1">
+                <a:solidFill>
+                  <a:schemeClr val="bg1">
+                    <a:lumMod val="75000"/>
+                  </a:schemeClr>
+                </a:solidFill>
+                <a:latin typeface="Arial" panose="020B0604020202020204" pitchFamily="34" charset="0"/>
+                <a:cs typeface="Arial" panose="020B0604020202020204" pitchFamily="34" charset="0"/>
+              </a:rPr>
               <a:t>Standart</a:t>
             </a:r>
-            <a:endParaRPr lang="de-DE" sz="1700" dirty="0" smtClean="0">
+            <a:endParaRPr lang="de-DE" sz="1700" dirty="0">
               <a:solidFill>
                 <a:schemeClr val="bg1">
                   <a:lumMod val="75000"/>
@@ -4359,7 +4332,7 @@
               <a:buChar char="•"/>
             </a:pPr>
             <a:r>
-              <a:rPr lang="de-DE" sz="1700" dirty="0" smtClean="0">
+              <a:rPr lang="de-DE" sz="1700" dirty="0">
                 <a:solidFill>
                   <a:schemeClr val="bg1">
                     <a:lumMod val="75000"/>
@@ -4371,7 +4344,7 @@
               <a:t>1 </a:t>
             </a:r>
             <a:r>
-              <a:rPr lang="de-DE" sz="1700" dirty="0" err="1" smtClean="0">
+              <a:rPr lang="de-DE" sz="1700" dirty="0" err="1">
                 <a:solidFill>
                   <a:schemeClr val="bg1">
                     <a:lumMod val="75000"/>
@@ -4382,7 +4355,7 @@
               </a:rPr>
               <a:t>ServerRoomID</a:t>
             </a:r>
-            <a:endParaRPr lang="de-DE" sz="1700" dirty="0" smtClean="0">
+            <a:endParaRPr lang="de-DE" sz="1700" dirty="0">
               <a:solidFill>
                 <a:schemeClr val="bg1">
                   <a:lumMod val="75000"/>
@@ -4398,7 +4371,7 @@
               <a:buChar char="•"/>
             </a:pPr>
             <a:r>
-              <a:rPr lang="de-DE" sz="1700" dirty="0" smtClean="0">
+              <a:rPr lang="de-DE" sz="1700" dirty="0">
                 <a:solidFill>
                   <a:schemeClr val="bg1">
                     <a:lumMod val="75000"/>
@@ -4410,7 +4383,7 @@
               <a:t>3 </a:t>
             </a:r>
             <a:r>
-              <a:rPr lang="de-DE" sz="1700" dirty="0" err="1" smtClean="0">
+              <a:rPr lang="de-DE" sz="1700" dirty="0" err="1">
                 <a:solidFill>
                   <a:schemeClr val="bg1">
                     <a:lumMod val="75000"/>
@@ -4421,7 +4394,7 @@
               </a:rPr>
               <a:t>ChatRoomID</a:t>
             </a:r>
-            <a:endParaRPr lang="de-DE" sz="1700" dirty="0" smtClean="0">
+            <a:endParaRPr lang="de-DE" sz="1700" dirty="0">
               <a:solidFill>
                 <a:schemeClr val="bg1">
                   <a:lumMod val="75000"/>
@@ -4437,7 +4410,7 @@
               <a:buChar char="•"/>
             </a:pPr>
             <a:r>
-              <a:rPr lang="de-DE" sz="1700" dirty="0" smtClean="0">
+              <a:rPr lang="de-DE" sz="1700" dirty="0">
                 <a:solidFill>
                   <a:schemeClr val="bg1">
                     <a:lumMod val="75000"/>
@@ -4454,7 +4427,7 @@
               <a:buFont typeface="Arial" panose="020B0604020202020204" pitchFamily="34" charset="0"/>
               <a:buChar char="•"/>
             </a:pPr>
-            <a:endParaRPr lang="de-DE" dirty="0" smtClean="0">
+            <a:endParaRPr lang="de-DE" dirty="0">
               <a:solidFill>
                 <a:schemeClr val="bg1">
                   <a:lumMod val="75000"/>
@@ -4498,7 +4471,7 @@
               <a:buChar char="•"/>
             </a:pPr>
             <a:r>
-              <a:rPr lang="de-DE" sz="1700" dirty="0" smtClean="0">
+              <a:rPr lang="de-DE" sz="1700" dirty="0">
                 <a:solidFill>
                   <a:srgbClr val="4A5C66"/>
                 </a:solidFill>
@@ -4508,7 +4481,7 @@
               <a:t>&lt;</a:t>
             </a:r>
             <a:r>
-              <a:rPr lang="de-DE" sz="1700" dirty="0" err="1" smtClean="0">
+              <a:rPr lang="de-DE" sz="1700" dirty="0" err="1">
                 <a:solidFill>
                   <a:srgbClr val="4A5C66"/>
                 </a:solidFill>
@@ -4518,7 +4491,7 @@
               <a:t>password</a:t>
             </a:r>
             <a:r>
-              <a:rPr lang="de-DE" sz="1700" dirty="0" smtClean="0">
+              <a:rPr lang="de-DE" sz="1700" dirty="0">
                 <a:solidFill>
                   <a:srgbClr val="4A5C66"/>
                 </a:solidFill>
@@ -4534,7 +4507,7 @@
               <a:buChar char="•"/>
             </a:pPr>
             <a:r>
-              <a:rPr lang="de-DE" sz="1700" dirty="0" smtClean="0">
+              <a:rPr lang="de-DE" sz="1700" dirty="0">
                 <a:solidFill>
                   <a:srgbClr val="4A5C66"/>
                 </a:solidFill>
@@ -4544,7 +4517,7 @@
               <a:t>&lt;</a:t>
             </a:r>
             <a:r>
-              <a:rPr lang="de-DE" sz="1700" dirty="0" err="1" smtClean="0">
+              <a:rPr lang="de-DE" sz="1700" dirty="0" err="1">
                 <a:solidFill>
                   <a:srgbClr val="4A5C66"/>
                 </a:solidFill>
@@ -4554,7 +4527,7 @@
               <a:t>contact</a:t>
             </a:r>
             <a:r>
-              <a:rPr lang="de-DE" sz="1700" dirty="0" smtClean="0">
+              <a:rPr lang="de-DE" sz="1700" dirty="0">
                 <a:solidFill>
                   <a:srgbClr val="4A5C66"/>
                 </a:solidFill>
@@ -4570,7 +4543,7 @@
               <a:buChar char="•"/>
             </a:pPr>
             <a:r>
-              <a:rPr lang="de-DE" sz="1700" dirty="0" smtClean="0">
+              <a:rPr lang="de-DE" sz="1700" dirty="0">
                 <a:solidFill>
                   <a:srgbClr val="4A5C66"/>
                 </a:solidFill>
@@ -4586,7 +4559,7 @@
               <a:buChar char="•"/>
             </a:pPr>
             <a:r>
-              <a:rPr lang="de-DE" sz="1700" dirty="0" smtClean="0">
+              <a:rPr lang="de-DE" sz="1700" dirty="0">
                 <a:solidFill>
                   <a:srgbClr val="4A5C66"/>
                 </a:solidFill>
@@ -4601,14 +4574,14 @@
               <a:buFont typeface="Arial" panose="020B0604020202020204" pitchFamily="34" charset="0"/>
               <a:buChar char="•"/>
             </a:pPr>
-            <a:endParaRPr lang="de-DE" dirty="0" smtClean="0"/>
+            <a:endParaRPr lang="de-DE" dirty="0"/>
           </a:p>
           <a:p>
             <a:pPr marL="285750" indent="-285750">
               <a:buFont typeface="Arial" panose="020B0604020202020204" pitchFamily="34" charset="0"/>
               <a:buChar char="•"/>
             </a:pPr>
-            <a:endParaRPr lang="de-DE" dirty="0" smtClean="0"/>
+            <a:endParaRPr lang="de-DE" dirty="0"/>
           </a:p>
           <a:p>
             <a:pPr marL="285750" indent="-285750">
@@ -4629,13 +4602,6 @@
   <p:clrMapOvr>
     <a:masterClrMapping/>
   </p:clrMapOvr>
-  <p:timing>
-    <p:tnLst>
-      <p:par>
-        <p:cTn id="1" dur="indefinite" restart="never" nodeType="tmRoot"/>
-      </p:par>
-    </p:tnLst>
-  </p:timing>
 </p:sld>
 </file>
 
@@ -4722,13 +4688,6 @@
   <p:clrMapOvr>
     <a:masterClrMapping/>
   </p:clrMapOvr>
-  <p:timing>
-    <p:tnLst>
-      <p:par>
-        <p:cTn id="1" dur="indefinite" restart="never" nodeType="tmRoot"/>
-      </p:par>
-    </p:tnLst>
-  </p:timing>
 </p:sld>
 </file>
 
@@ -4845,13 +4804,6 @@
   <p:clrMapOvr>
     <a:masterClrMapping/>
   </p:clrMapOvr>
-  <p:timing>
-    <p:tnLst>
-      <p:par>
-        <p:cTn id="1" dur="indefinite" restart="never" nodeType="tmRoot"/>
-      </p:par>
-    </p:tnLst>
-  </p:timing>
 </p:sld>
 </file>
 
@@ -4938,13 +4890,6 @@
   <p:clrMapOvr>
     <a:masterClrMapping/>
   </p:clrMapOvr>
-  <p:timing>
-    <p:tnLst>
-      <p:par>
-        <p:cTn id="1" dur="indefinite" restart="never" nodeType="tmRoot"/>
-      </p:par>
-    </p:tnLst>
-  </p:timing>
 </p:sld>
 </file>
 
@@ -5061,13 +5006,6 @@
   <p:clrMapOvr>
     <a:masterClrMapping/>
   </p:clrMapOvr>
-  <p:timing>
-    <p:tnLst>
-      <p:par>
-        <p:cTn id="1" dur="indefinite" restart="never" nodeType="tmRoot"/>
-      </p:par>
-    </p:tnLst>
-  </p:timing>
 </p:sld>
 </file>
 
@@ -5154,13 +5092,6 @@
   <p:clrMapOvr>
     <a:masterClrMapping/>
   </p:clrMapOvr>
-  <p:timing>
-    <p:tnLst>
-      <p:par>
-        <p:cTn id="1" dur="indefinite" restart="never" nodeType="tmRoot"/>
-      </p:par>
-    </p:tnLst>
-  </p:timing>
 </p:sld>
 </file>
 
@@ -5202,10 +5133,9 @@
           <a:lstStyle/>
           <a:p>
             <a:r>
-              <a:rPr lang="de-DE" dirty="0" smtClean="0"/>
+              <a:rPr lang="de-DE" dirty="0"/>
               <a:t>Implementierungslogik</a:t>
             </a:r>
-            <a:endParaRPr lang="de-DE" dirty="0"/>
           </a:p>
         </p:txBody>
       </p:sp>
@@ -6949,13 +6879,6 @@
   <p:clrMapOvr>
     <a:masterClrMapping/>
   </p:clrMapOvr>
-  <p:timing>
-    <p:tnLst>
-      <p:par>
-        <p:cTn id="1" dur="indefinite" restart="never" nodeType="tmRoot"/>
-      </p:par>
-    </p:tnLst>
-  </p:timing>
 </p:sld>
 </file>
 
@@ -6997,10 +6920,9 @@
           <a:lstStyle/>
           <a:p>
             <a:r>
-              <a:rPr lang="de-DE" dirty="0" smtClean="0"/>
+              <a:rPr lang="de-DE" dirty="0"/>
               <a:t>Implementierungslogik</a:t>
             </a:r>
-            <a:endParaRPr lang="de-DE" dirty="0"/>
           </a:p>
         </p:txBody>
       </p:sp>
@@ -7486,13 +7408,6 @@
   <p:clrMapOvr>
     <a:masterClrMapping/>
   </p:clrMapOvr>
-  <p:timing>
-    <p:tnLst>
-      <p:par>
-        <p:cTn id="1" dur="indefinite" restart="never" nodeType="tmRoot"/>
-      </p:par>
-    </p:tnLst>
-  </p:timing>
 </p:sld>
 </file>
 
@@ -7534,10 +7449,9 @@
           <a:lstStyle/>
           <a:p>
             <a:r>
-              <a:rPr lang="de-DE" dirty="0" smtClean="0"/>
+              <a:rPr lang="de-DE" dirty="0"/>
               <a:t>GTK+</a:t>
             </a:r>
-            <a:endParaRPr lang="de-DE" dirty="0"/>
           </a:p>
         </p:txBody>
       </p:sp>
@@ -7557,44 +7471,43 @@
           <a:lstStyle/>
           <a:p>
             <a:r>
-              <a:rPr lang="de-DE" dirty="0" smtClean="0"/>
+              <a:rPr lang="de-DE" dirty="0"/>
               <a:t>GTK+ ist neben </a:t>
             </a:r>
             <a:r>
-              <a:rPr lang="de-DE" dirty="0" err="1" smtClean="0"/>
+              <a:rPr lang="de-DE" dirty="0" err="1"/>
               <a:t>Qt</a:t>
             </a:r>
             <a:r>
-              <a:rPr lang="de-DE" dirty="0" smtClean="0"/>
+              <a:rPr lang="de-DE" dirty="0"/>
               <a:t> eines der erfolgreichsten Oberflächentoolkits</a:t>
             </a:r>
           </a:p>
           <a:p>
             <a:r>
-              <a:rPr lang="de-DE" dirty="0" smtClean="0"/>
+              <a:rPr lang="de-DE" dirty="0"/>
               <a:t>Erstmals implementiert 1998 in C</a:t>
             </a:r>
           </a:p>
           <a:p>
             <a:r>
-              <a:rPr lang="de-DE" dirty="0" smtClean="0"/>
+              <a:rPr lang="de-DE" dirty="0"/>
               <a:t>Für viele Sprachen portiert(Python, Ruby, </a:t>
             </a:r>
             <a:r>
-              <a:rPr lang="de-DE" dirty="0" err="1" smtClean="0"/>
+              <a:rPr lang="de-DE" dirty="0" err="1"/>
               <a:t>Haskell</a:t>
             </a:r>
             <a:r>
-              <a:rPr lang="de-DE" dirty="0" smtClean="0"/>
+              <a:rPr lang="de-DE" dirty="0"/>
               <a:t> etc.)</a:t>
             </a:r>
           </a:p>
           <a:p>
             <a:r>
-              <a:rPr lang="de-DE" dirty="0" smtClean="0"/>
+              <a:rPr lang="de-DE" dirty="0"/>
               <a:t>Wird aktiv von Open-Source-Community weiterentwickelt (aktuell in Version 3.2)</a:t>
             </a:r>
-            <a:endParaRPr lang="de-DE" dirty="0"/>
           </a:p>
         </p:txBody>
       </p:sp>
@@ -7701,7 +7614,7 @@
           <a:p>
             <a:pPr algn="ctr"/>
             <a:r>
-              <a:rPr lang="de-DE" sz="1600" dirty="0" smtClean="0">
+              <a:rPr lang="de-DE" sz="1600" dirty="0">
                 <a:solidFill>
                   <a:srgbClr val="4A5C66"/>
                 </a:solidFill>
@@ -7711,7 +7624,7 @@
               <a:t>Daniel </a:t>
             </a:r>
             <a:r>
-              <a:rPr lang="de-DE" sz="1600" dirty="0" err="1" smtClean="0">
+              <a:rPr lang="de-DE" sz="1600" dirty="0" err="1">
                 <a:solidFill>
                   <a:srgbClr val="4A5C66"/>
                 </a:solidFill>
@@ -7721,7 +7634,7 @@
               <a:t>Kreck</a:t>
             </a:r>
             <a:r>
-              <a:rPr lang="de-DE" sz="1600" dirty="0" smtClean="0">
+              <a:rPr lang="de-DE" sz="1600" dirty="0">
                 <a:solidFill>
                   <a:srgbClr val="4A5C66"/>
                 </a:solidFill>
@@ -7730,17 +7643,10 @@
               </a:rPr>
               <a:t> ● Ewald Bayer ● Leonard Schmischke ● Sebastian Westbrock ● Thomas Iffland</a:t>
             </a:r>
+          </a:p>
+          <a:p>
+            <a:pPr algn="ctr"/>
             <a:endParaRPr lang="de-DE" sz="1600" dirty="0">
-              <a:solidFill>
-                <a:srgbClr val="4A5C66"/>
-              </a:solidFill>
-              <a:latin typeface="Arial" panose="020B0604020202020204" pitchFamily="34" charset="0"/>
-              <a:cs typeface="Arial" panose="020B0604020202020204" pitchFamily="34" charset="0"/>
-            </a:endParaRPr>
-          </a:p>
-          <a:p>
-            <a:pPr algn="ctr"/>
-            <a:endParaRPr lang="de-DE" sz="1600" dirty="0" smtClean="0">
               <a:solidFill>
                 <a:srgbClr val="4A5C66"/>
               </a:solidFill>
@@ -7760,13 +7666,6 @@
   <p:clrMapOvr>
     <a:masterClrMapping/>
   </p:clrMapOvr>
-  <p:timing>
-    <p:tnLst>
-      <p:par>
-        <p:cTn id="1" dur="indefinite" restart="never" nodeType="tmRoot"/>
-      </p:par>
-    </p:tnLst>
-  </p:timing>
 </p:sld>
 </file>
 
@@ -7808,7 +7707,7 @@
           <a:lstStyle/>
           <a:p>
             <a:r>
-              <a:rPr lang="de-DE" dirty="0" err="1" smtClean="0"/>
+              <a:rPr lang="de-DE" dirty="0" err="1"/>
               <a:t>GtkAda</a:t>
             </a:r>
             <a:endParaRPr lang="de-DE" dirty="0"/>
@@ -7831,52 +7730,52 @@
           <a:lstStyle/>
           <a:p>
             <a:r>
-              <a:rPr lang="de-DE" dirty="0" err="1" smtClean="0"/>
+              <a:rPr lang="de-DE" dirty="0" err="1"/>
               <a:t>GtkAda</a:t>
             </a:r>
             <a:r>
-              <a:rPr lang="de-DE" dirty="0" smtClean="0"/>
+              <a:rPr lang="de-DE" dirty="0"/>
               <a:t> ist die Portierung von GTK+ für Ada</a:t>
             </a:r>
           </a:p>
           <a:p>
             <a:r>
-              <a:rPr lang="de-DE" dirty="0" smtClean="0"/>
+              <a:rPr lang="de-DE" dirty="0"/>
               <a:t>Alle Komponenten verfügbar</a:t>
             </a:r>
           </a:p>
           <a:p>
             <a:r>
-              <a:rPr lang="de-DE" dirty="0" smtClean="0"/>
+              <a:rPr lang="de-DE" dirty="0"/>
               <a:t>Leider einige Probleme:</a:t>
             </a:r>
           </a:p>
           <a:p>
             <a:pPr lvl="1"/>
             <a:r>
-              <a:rPr lang="de-DE" dirty="0" smtClean="0"/>
+              <a:rPr lang="de-DE" dirty="0"/>
               <a:t>Dokumentation oft nur für andere Sprachen</a:t>
             </a:r>
           </a:p>
           <a:p>
             <a:pPr lvl="1"/>
             <a:r>
-              <a:rPr lang="de-DE" dirty="0" err="1" smtClean="0"/>
+              <a:rPr lang="de-DE" dirty="0" err="1"/>
               <a:t>Tasking</a:t>
             </a:r>
             <a:endParaRPr lang="de-DE" dirty="0"/>
           </a:p>
           <a:p>
             <a:r>
-              <a:rPr lang="de-DE" dirty="0" smtClean="0"/>
+              <a:rPr lang="de-DE" dirty="0"/>
               <a:t>Es gibt einen WYSIWYG Editor, der auch von </a:t>
             </a:r>
             <a:r>
-              <a:rPr lang="de-DE" dirty="0" err="1" smtClean="0"/>
+              <a:rPr lang="de-DE" dirty="0" err="1"/>
               <a:t>GtkAda</a:t>
             </a:r>
             <a:r>
-              <a:rPr lang="de-DE" dirty="0" smtClean="0"/>
+              <a:rPr lang="de-DE" dirty="0"/>
               <a:t> unterstützt wird</a:t>
             </a:r>
           </a:p>
@@ -7933,7 +7832,7 @@
           <a:lstStyle/>
           <a:p>
             <a:r>
-              <a:rPr lang="de-DE" dirty="0" err="1" smtClean="0"/>
+              <a:rPr lang="de-DE" dirty="0" err="1"/>
               <a:t>Glade</a:t>
             </a:r>
             <a:endParaRPr lang="de-DE" dirty="0"/>
@@ -7988,13 +7887,6 @@
   <p:clrMapOvr>
     <a:masterClrMapping/>
   </p:clrMapOvr>
-  <p:timing>
-    <p:tnLst>
-      <p:par>
-        <p:cTn id="1" dur="indefinite" restart="never" nodeType="tmRoot"/>
-      </p:par>
-    </p:tnLst>
-  </p:timing>
 </p:sld>
 </file>
 
@@ -8082,13 +7974,6 @@
   <p:clrMapOvr>
     <a:masterClrMapping/>
   </p:clrMapOvr>
-  <p:timing>
-    <p:tnLst>
-      <p:par>
-        <p:cTn id="1" dur="indefinite" restart="never" nodeType="tmRoot"/>
-      </p:par>
-    </p:tnLst>
-  </p:timing>
 </p:sld>
 </file>
 
@@ -8206,21 +8091,6 @@
   <p:clrMapOvr>
     <a:masterClrMapping/>
   </p:clrMapOvr>
-  <mc:AlternateContent xmlns:mc="http://schemas.openxmlformats.org/markup-compatibility/2006">
-    <mc:Choice xmlns:p14="http://schemas.microsoft.com/office/powerpoint/2010/main" Requires="p14">
-      <p:transition spd="slow" p14:dur="2000"/>
-    </mc:Choice>
-    <mc:Fallback>
-      <p:transition spd="slow"/>
-    </mc:Fallback>
-  </mc:AlternateContent>
-  <p:timing>
-    <p:tnLst>
-      <p:par>
-        <p:cTn id="1" dur="indefinite" restart="never" nodeType="tmRoot"/>
-      </p:par>
-    </p:tnLst>
-  </p:timing>
 </p:sld>
 </file>
 
@@ -8312,13 +8182,6 @@
   <p:clrMapOvr>
     <a:masterClrMapping/>
   </p:clrMapOvr>
-  <p:timing>
-    <p:tnLst>
-      <p:par>
-        <p:cTn id="1" dur="indefinite" restart="never" nodeType="tmRoot"/>
-      </p:par>
-    </p:tnLst>
-  </p:timing>
 </p:sld>
 </file>
 
@@ -8387,17 +8250,13 @@
             </a:r>
             <a:r>
               <a:rPr lang="de-DE"/>
-              <a:t>von </a:t>
-            </a:r>
-            <a:r>
-              <a:rPr lang="de-DE" smtClean="0"/>
-              <a:t>Ada</a:t>
-            </a:r>
-            <a:endParaRPr lang="de-DE" dirty="0" smtClean="0"/>
-          </a:p>
-          <a:p>
-            <a:r>
-              <a:rPr lang="de-DE" dirty="0" err="1" smtClean="0"/>
+              <a:t>von Ada</a:t>
+            </a:r>
+            <a:endParaRPr lang="de-DE" dirty="0"/>
+          </a:p>
+          <a:p>
+            <a:r>
+              <a:rPr lang="de-DE" dirty="0" err="1"/>
               <a:t>GtkAda</a:t>
             </a:r>
             <a:endParaRPr lang="de-DE" dirty="0"/>
@@ -8426,17 +8285,613 @@
   <p:clrMapOvr>
     <a:masterClrMapping/>
   </p:clrMapOvr>
-  <p:timing>
-    <p:tnLst>
-      <p:par>
-        <p:cTn id="1" dur="indefinite" restart="never" nodeType="tmRoot"/>
-      </p:par>
-    </p:tnLst>
-  </p:timing>
 </p:sld>
 </file>
 
 <file path=ppt/slides/slide26.xml><?xml version="1.0" encoding="utf-8"?>
+<p:sld xmlns:a="http://schemas.openxmlformats.org/drawingml/2006/main" xmlns:r="http://schemas.openxmlformats.org/officeDocument/2006/relationships" xmlns:p="http://schemas.openxmlformats.org/presentationml/2006/main">
+  <p:cSld>
+    <p:spTree>
+      <p:nvGrpSpPr>
+        <p:cNvPr id="1" name=""/>
+        <p:cNvGrpSpPr/>
+        <p:nvPr/>
+      </p:nvGrpSpPr>
+      <p:grpSpPr>
+        <a:xfrm>
+          <a:off x="0" y="0"/>
+          <a:ext cx="0" cy="0"/>
+          <a:chOff x="0" y="0"/>
+          <a:chExt cx="0" cy="0"/>
+        </a:xfrm>
+      </p:grpSpPr>
+      <p:sp>
+        <p:nvSpPr>
+          <p:cNvPr id="2" name="Titel 1"/>
+          <p:cNvSpPr>
+            <a:spLocks noGrp="1"/>
+          </p:cNvSpPr>
+          <p:nvPr>
+            <p:ph type="title"/>
+          </p:nvPr>
+        </p:nvSpPr>
+        <p:spPr>
+          <a:xfrm>
+            <a:off x="360000" y="1317222"/>
+            <a:ext cx="8246118" cy="569556"/>
+          </a:xfrm>
+        </p:spPr>
+        <p:txBody>
+          <a:bodyPr/>
+          <a:lstStyle/>
+          <a:p>
+            <a:r>
+              <a:rPr lang="de-DE" dirty="0"/>
+              <a:t>Zirkuläre Abhängigkeiten</a:t>
+            </a:r>
+          </a:p>
+        </p:txBody>
+      </p:sp>
+      <p:sp>
+        <p:nvSpPr>
+          <p:cNvPr id="6" name="Rechteck 5"/>
+          <p:cNvSpPr/>
+          <p:nvPr/>
+        </p:nvSpPr>
+        <p:spPr>
+          <a:xfrm>
+            <a:off x="553673" y="2224209"/>
+            <a:ext cx="1744911" cy="2176715"/>
+          </a:xfrm>
+          <a:prstGeom prst="rect">
+            <a:avLst/>
+          </a:prstGeom>
+          <a:noFill/>
+          <a:ln/>
+        </p:spPr>
+        <p:style>
+          <a:lnRef idx="2">
+            <a:schemeClr val="dk1">
+              <a:shade val="50000"/>
+            </a:schemeClr>
+          </a:lnRef>
+          <a:fillRef idx="1">
+            <a:schemeClr val="dk1"/>
+          </a:fillRef>
+          <a:effectRef idx="0">
+            <a:schemeClr val="dk1"/>
+          </a:effectRef>
+          <a:fontRef idx="minor">
+            <a:schemeClr val="lt1"/>
+          </a:fontRef>
+        </p:style>
+        <p:txBody>
+          <a:bodyPr rtlCol="0" anchor="ctr"/>
+          <a:lstStyle/>
+          <a:p>
+            <a:pPr algn="ctr"/>
+            <a:endParaRPr lang="de-DE">
+              <a:latin typeface="Arial" panose="020B0604020202020204" pitchFamily="34" charset="0"/>
+              <a:cs typeface="Arial" panose="020B0604020202020204" pitchFamily="34" charset="0"/>
+            </a:endParaRPr>
+          </a:p>
+        </p:txBody>
+      </p:sp>
+      <p:sp>
+        <p:nvSpPr>
+          <p:cNvPr id="12" name="Textfeld 11"/>
+          <p:cNvSpPr txBox="1"/>
+          <p:nvPr/>
+        </p:nvSpPr>
+        <p:spPr>
+          <a:xfrm>
+            <a:off x="441114" y="1886778"/>
+            <a:ext cx="1656675" cy="338554"/>
+          </a:xfrm>
+          <a:prstGeom prst="rect">
+            <a:avLst/>
+          </a:prstGeom>
+          <a:noFill/>
+        </p:spPr>
+        <p:txBody>
+          <a:bodyPr wrap="square" rtlCol="0">
+            <a:spAutoFit/>
+          </a:bodyPr>
+          <a:lstStyle/>
+          <a:p>
+            <a:r>
+              <a:rPr lang="de-DE" sz="1600" dirty="0" err="1">
+                <a:solidFill>
+                  <a:srgbClr val="4A5C66"/>
+                </a:solidFill>
+                <a:latin typeface="Arial" panose="020B0604020202020204" pitchFamily="34" charset="0"/>
+                <a:cs typeface="Arial" panose="020B0604020202020204" pitchFamily="34" charset="0"/>
+              </a:rPr>
+              <a:t>Chatrooms.ads</a:t>
+            </a:r>
+            <a:endParaRPr lang="de-DE" sz="1600" dirty="0">
+              <a:solidFill>
+                <a:srgbClr val="4A5C66"/>
+              </a:solidFill>
+              <a:latin typeface="Arial" panose="020B0604020202020204" pitchFamily="34" charset="0"/>
+              <a:cs typeface="Arial" panose="020B0604020202020204" pitchFamily="34" charset="0"/>
+            </a:endParaRPr>
+          </a:p>
+        </p:txBody>
+      </p:sp>
+      <p:sp>
+        <p:nvSpPr>
+          <p:cNvPr id="17" name="Rechteck 16"/>
+          <p:cNvSpPr/>
+          <p:nvPr/>
+        </p:nvSpPr>
+        <p:spPr>
+          <a:xfrm>
+            <a:off x="675169" y="2353487"/>
+            <a:ext cx="1459684" cy="738664"/>
+          </a:xfrm>
+          <a:prstGeom prst="rect">
+            <a:avLst/>
+          </a:prstGeom>
+          <a:noFill/>
+        </p:spPr>
+        <p:style>
+          <a:lnRef idx="2">
+            <a:schemeClr val="accent1">
+              <a:shade val="50000"/>
+            </a:schemeClr>
+          </a:lnRef>
+          <a:fillRef idx="1">
+            <a:schemeClr val="accent1"/>
+          </a:fillRef>
+          <a:effectRef idx="0">
+            <a:schemeClr val="accent1"/>
+          </a:effectRef>
+          <a:fontRef idx="minor">
+            <a:schemeClr val="lt1"/>
+          </a:fontRef>
+        </p:style>
+        <p:txBody>
+          <a:bodyPr rtlCol="0" anchor="ctr"/>
+          <a:lstStyle/>
+          <a:p>
+            <a:pPr algn="ctr"/>
+            <a:endParaRPr lang="de-DE">
+              <a:latin typeface="Arial" panose="020B0604020202020204" pitchFamily="34" charset="0"/>
+              <a:cs typeface="Arial" panose="020B0604020202020204" pitchFamily="34" charset="0"/>
+            </a:endParaRPr>
+          </a:p>
+        </p:txBody>
+      </p:sp>
+      <p:sp>
+        <p:nvSpPr>
+          <p:cNvPr id="19" name="Textfeld 18"/>
+          <p:cNvSpPr txBox="1"/>
+          <p:nvPr/>
+        </p:nvSpPr>
+        <p:spPr>
+          <a:xfrm>
+            <a:off x="675169" y="2353486"/>
+            <a:ext cx="1688264" cy="692497"/>
+          </a:xfrm>
+          <a:prstGeom prst="rect">
+            <a:avLst/>
+          </a:prstGeom>
+          <a:noFill/>
+        </p:spPr>
+        <p:txBody>
+          <a:bodyPr wrap="square" rtlCol="0">
+            <a:spAutoFit/>
+          </a:bodyPr>
+          <a:lstStyle/>
+          <a:p>
+            <a:r>
+              <a:rPr lang="de-DE" sz="1300" dirty="0">
+                <a:solidFill>
+                  <a:srgbClr val="4A5C66"/>
+                </a:solidFill>
+                <a:latin typeface="Arial" panose="020B0604020202020204" pitchFamily="34" charset="0"/>
+                <a:cs typeface="Arial" panose="020B0604020202020204" pitchFamily="34" charset="0"/>
+              </a:rPr>
+              <a:t>Type Chatroom </a:t>
+            </a:r>
+            <a:r>
+              <a:rPr lang="de-DE" sz="1300" dirty="0" err="1">
+                <a:solidFill>
+                  <a:srgbClr val="4A5C66"/>
+                </a:solidFill>
+                <a:latin typeface="Arial" panose="020B0604020202020204" pitchFamily="34" charset="0"/>
+                <a:cs typeface="Arial" panose="020B0604020202020204" pitchFamily="34" charset="0"/>
+              </a:rPr>
+              <a:t>is</a:t>
+            </a:r>
+            <a:endParaRPr lang="de-DE" sz="1300" dirty="0">
+              <a:solidFill>
+                <a:srgbClr val="4A5C66"/>
+              </a:solidFill>
+              <a:latin typeface="Arial" panose="020B0604020202020204" pitchFamily="34" charset="0"/>
+              <a:cs typeface="Arial" panose="020B0604020202020204" pitchFamily="34" charset="0"/>
+            </a:endParaRPr>
+          </a:p>
+          <a:p>
+            <a:r>
+              <a:rPr lang="de-DE" sz="1300" dirty="0">
+                <a:solidFill>
+                  <a:srgbClr val="4A5C66"/>
+                </a:solidFill>
+                <a:latin typeface="Arial" panose="020B0604020202020204" pitchFamily="34" charset="0"/>
+                <a:cs typeface="Arial" panose="020B0604020202020204" pitchFamily="34" charset="0"/>
+              </a:rPr>
+              <a:t>      - Client</a:t>
+            </a:r>
+          </a:p>
+          <a:p>
+            <a:r>
+              <a:rPr lang="de-DE" sz="1300" dirty="0">
+                <a:solidFill>
+                  <a:srgbClr val="4A5C66"/>
+                </a:solidFill>
+                <a:latin typeface="Arial" panose="020B0604020202020204" pitchFamily="34" charset="0"/>
+                <a:cs typeface="Arial" panose="020B0604020202020204" pitchFamily="34" charset="0"/>
+              </a:rPr>
+              <a:t>End type;</a:t>
+            </a:r>
+          </a:p>
+        </p:txBody>
+      </p:sp>
+      <p:sp>
+        <p:nvSpPr>
+          <p:cNvPr id="38" name="Rechteck 37"/>
+          <p:cNvSpPr/>
+          <p:nvPr/>
+        </p:nvSpPr>
+        <p:spPr>
+          <a:xfrm>
+            <a:off x="6204911" y="2224209"/>
+            <a:ext cx="2293137" cy="2725658"/>
+          </a:xfrm>
+          <a:prstGeom prst="rect">
+            <a:avLst/>
+          </a:prstGeom>
+          <a:noFill/>
+          <a:ln/>
+        </p:spPr>
+        <p:style>
+          <a:lnRef idx="2">
+            <a:schemeClr val="dk1">
+              <a:shade val="50000"/>
+            </a:schemeClr>
+          </a:lnRef>
+          <a:fillRef idx="1">
+            <a:schemeClr val="dk1"/>
+          </a:fillRef>
+          <a:effectRef idx="0">
+            <a:schemeClr val="dk1"/>
+          </a:effectRef>
+          <a:fontRef idx="minor">
+            <a:schemeClr val="lt1"/>
+          </a:fontRef>
+        </p:style>
+        <p:txBody>
+          <a:bodyPr rtlCol="0" anchor="ctr"/>
+          <a:lstStyle/>
+          <a:p>
+            <a:pPr algn="ctr"/>
+            <a:endParaRPr lang="de-DE">
+              <a:latin typeface="Arial" panose="020B0604020202020204" pitchFamily="34" charset="0"/>
+              <a:cs typeface="Arial" panose="020B0604020202020204" pitchFamily="34" charset="0"/>
+            </a:endParaRPr>
+          </a:p>
+        </p:txBody>
+      </p:sp>
+      <p:sp>
+        <p:nvSpPr>
+          <p:cNvPr id="39" name="Textfeld 38"/>
+          <p:cNvSpPr txBox="1"/>
+          <p:nvPr/>
+        </p:nvSpPr>
+        <p:spPr>
+          <a:xfrm>
+            <a:off x="6105081" y="1886778"/>
+            <a:ext cx="1693739" cy="338554"/>
+          </a:xfrm>
+          <a:prstGeom prst="rect">
+            <a:avLst/>
+          </a:prstGeom>
+          <a:noFill/>
+        </p:spPr>
+        <p:txBody>
+          <a:bodyPr wrap="square" rtlCol="0">
+            <a:spAutoFit/>
+          </a:bodyPr>
+          <a:lstStyle/>
+          <a:p>
+            <a:r>
+              <a:rPr lang="de-DE" sz="1600" dirty="0" err="1">
+                <a:solidFill>
+                  <a:srgbClr val="4A5C66"/>
+                </a:solidFill>
+                <a:latin typeface="Arial" panose="020B0604020202020204" pitchFamily="34" charset="0"/>
+                <a:cs typeface="Arial" panose="020B0604020202020204" pitchFamily="34" charset="0"/>
+              </a:rPr>
+              <a:t>ServerLogic.ads</a:t>
+            </a:r>
+            <a:endParaRPr lang="de-DE" sz="1600" dirty="0">
+              <a:solidFill>
+                <a:srgbClr val="4A5C66"/>
+              </a:solidFill>
+              <a:latin typeface="Arial" panose="020B0604020202020204" pitchFamily="34" charset="0"/>
+              <a:cs typeface="Arial" panose="020B0604020202020204" pitchFamily="34" charset="0"/>
+            </a:endParaRPr>
+          </a:p>
+        </p:txBody>
+      </p:sp>
+      <p:sp>
+        <p:nvSpPr>
+          <p:cNvPr id="40" name="Rechteck 39"/>
+          <p:cNvSpPr/>
+          <p:nvPr/>
+        </p:nvSpPr>
+        <p:spPr>
+          <a:xfrm>
+            <a:off x="6339136" y="2353487"/>
+            <a:ext cx="1459684" cy="954106"/>
+          </a:xfrm>
+          <a:prstGeom prst="rect">
+            <a:avLst/>
+          </a:prstGeom>
+          <a:noFill/>
+        </p:spPr>
+        <p:style>
+          <a:lnRef idx="2">
+            <a:schemeClr val="accent1">
+              <a:shade val="50000"/>
+            </a:schemeClr>
+          </a:lnRef>
+          <a:fillRef idx="1">
+            <a:schemeClr val="accent1"/>
+          </a:fillRef>
+          <a:effectRef idx="0">
+            <a:schemeClr val="accent1"/>
+          </a:effectRef>
+          <a:fontRef idx="minor">
+            <a:schemeClr val="lt1"/>
+          </a:fontRef>
+        </p:style>
+        <p:txBody>
+          <a:bodyPr rtlCol="0" anchor="ctr"/>
+          <a:lstStyle/>
+          <a:p>
+            <a:pPr algn="ctr"/>
+            <a:endParaRPr lang="de-DE">
+              <a:latin typeface="Arial" panose="020B0604020202020204" pitchFamily="34" charset="0"/>
+              <a:cs typeface="Arial" panose="020B0604020202020204" pitchFamily="34" charset="0"/>
+            </a:endParaRPr>
+          </a:p>
+        </p:txBody>
+      </p:sp>
+      <p:sp>
+        <p:nvSpPr>
+          <p:cNvPr id="41" name="Textfeld 40"/>
+          <p:cNvSpPr txBox="1"/>
+          <p:nvPr/>
+        </p:nvSpPr>
+        <p:spPr>
+          <a:xfrm>
+            <a:off x="6339136" y="2353486"/>
+            <a:ext cx="1688264" cy="892552"/>
+          </a:xfrm>
+          <a:prstGeom prst="rect">
+            <a:avLst/>
+          </a:prstGeom>
+          <a:noFill/>
+        </p:spPr>
+        <p:txBody>
+          <a:bodyPr wrap="square" rtlCol="0">
+            <a:spAutoFit/>
+          </a:bodyPr>
+          <a:lstStyle/>
+          <a:p>
+            <a:r>
+              <a:rPr lang="de-DE" sz="1300" dirty="0">
+                <a:solidFill>
+                  <a:srgbClr val="4A5C66"/>
+                </a:solidFill>
+                <a:latin typeface="Arial" panose="020B0604020202020204" pitchFamily="34" charset="0"/>
+                <a:cs typeface="Arial" panose="020B0604020202020204" pitchFamily="34" charset="0"/>
+              </a:rPr>
+              <a:t>Type Server </a:t>
+            </a:r>
+            <a:r>
+              <a:rPr lang="de-DE" sz="1300" dirty="0" err="1">
+                <a:solidFill>
+                  <a:srgbClr val="4A5C66"/>
+                </a:solidFill>
+                <a:latin typeface="Arial" panose="020B0604020202020204" pitchFamily="34" charset="0"/>
+                <a:cs typeface="Arial" panose="020B0604020202020204" pitchFamily="34" charset="0"/>
+              </a:rPr>
+              <a:t>is</a:t>
+            </a:r>
+            <a:endParaRPr lang="de-DE" sz="1300" dirty="0">
+              <a:solidFill>
+                <a:srgbClr val="4A5C66"/>
+              </a:solidFill>
+              <a:latin typeface="Arial" panose="020B0604020202020204" pitchFamily="34" charset="0"/>
+              <a:cs typeface="Arial" panose="020B0604020202020204" pitchFamily="34" charset="0"/>
+            </a:endParaRPr>
+          </a:p>
+          <a:p>
+            <a:r>
+              <a:rPr lang="de-DE" sz="1300" dirty="0">
+                <a:solidFill>
+                  <a:srgbClr val="4A5C66"/>
+                </a:solidFill>
+                <a:latin typeface="Arial" panose="020B0604020202020204" pitchFamily="34" charset="0"/>
+                <a:cs typeface="Arial" panose="020B0604020202020204" pitchFamily="34" charset="0"/>
+              </a:rPr>
+              <a:t>      - Client</a:t>
+            </a:r>
+          </a:p>
+          <a:p>
+            <a:r>
+              <a:rPr lang="de-DE" sz="1300" dirty="0">
+                <a:solidFill>
+                  <a:srgbClr val="4A5C66"/>
+                </a:solidFill>
+                <a:latin typeface="Arial" panose="020B0604020202020204" pitchFamily="34" charset="0"/>
+                <a:cs typeface="Arial" panose="020B0604020202020204" pitchFamily="34" charset="0"/>
+              </a:rPr>
+              <a:t>      - Chatroom</a:t>
+            </a:r>
+          </a:p>
+          <a:p>
+            <a:r>
+              <a:rPr lang="de-DE" sz="1300" dirty="0">
+                <a:solidFill>
+                  <a:srgbClr val="4A5C66"/>
+                </a:solidFill>
+                <a:latin typeface="Arial" panose="020B0604020202020204" pitchFamily="34" charset="0"/>
+                <a:cs typeface="Arial" panose="020B0604020202020204" pitchFamily="34" charset="0"/>
+              </a:rPr>
+              <a:t>End type;</a:t>
+            </a:r>
+          </a:p>
+        </p:txBody>
+      </p:sp>
+      <p:sp>
+        <p:nvSpPr>
+          <p:cNvPr id="42" name="Rechteck 41"/>
+          <p:cNvSpPr/>
+          <p:nvPr/>
+        </p:nvSpPr>
+        <p:spPr>
+          <a:xfrm>
+            <a:off x="6339136" y="3436871"/>
+            <a:ext cx="1459684" cy="728804"/>
+          </a:xfrm>
+          <a:prstGeom prst="rect">
+            <a:avLst/>
+          </a:prstGeom>
+          <a:noFill/>
+        </p:spPr>
+        <p:style>
+          <a:lnRef idx="2">
+            <a:schemeClr val="accent1">
+              <a:shade val="50000"/>
+            </a:schemeClr>
+          </a:lnRef>
+          <a:fillRef idx="1">
+            <a:schemeClr val="accent1"/>
+          </a:fillRef>
+          <a:effectRef idx="0">
+            <a:schemeClr val="accent1"/>
+          </a:effectRef>
+          <a:fontRef idx="minor">
+            <a:schemeClr val="lt1"/>
+          </a:fontRef>
+        </p:style>
+        <p:txBody>
+          <a:bodyPr rtlCol="0" anchor="ctr"/>
+          <a:lstStyle/>
+          <a:p>
+            <a:pPr algn="ctr"/>
+            <a:endParaRPr lang="de-DE">
+              <a:latin typeface="Arial" panose="020B0604020202020204" pitchFamily="34" charset="0"/>
+              <a:cs typeface="Arial" panose="020B0604020202020204" pitchFamily="34" charset="0"/>
+            </a:endParaRPr>
+          </a:p>
+        </p:txBody>
+      </p:sp>
+      <p:sp>
+        <p:nvSpPr>
+          <p:cNvPr id="43" name="Textfeld 42"/>
+          <p:cNvSpPr txBox="1"/>
+          <p:nvPr/>
+        </p:nvSpPr>
+        <p:spPr>
+          <a:xfrm>
+            <a:off x="6339136" y="3427011"/>
+            <a:ext cx="1688264" cy="692497"/>
+          </a:xfrm>
+          <a:prstGeom prst="rect">
+            <a:avLst/>
+          </a:prstGeom>
+          <a:noFill/>
+        </p:spPr>
+        <p:txBody>
+          <a:bodyPr wrap="square" rtlCol="0">
+            <a:spAutoFit/>
+          </a:bodyPr>
+          <a:lstStyle/>
+          <a:p>
+            <a:r>
+              <a:rPr lang="de-DE" sz="1300" dirty="0">
+                <a:solidFill>
+                  <a:srgbClr val="4A5C66"/>
+                </a:solidFill>
+                <a:latin typeface="Arial" panose="020B0604020202020204" pitchFamily="34" charset="0"/>
+                <a:cs typeface="Arial" panose="020B0604020202020204" pitchFamily="34" charset="0"/>
+              </a:rPr>
+              <a:t>Type Client </a:t>
+            </a:r>
+            <a:r>
+              <a:rPr lang="de-DE" sz="1300" dirty="0" err="1">
+                <a:solidFill>
+                  <a:srgbClr val="4A5C66"/>
+                </a:solidFill>
+                <a:latin typeface="Arial" panose="020B0604020202020204" pitchFamily="34" charset="0"/>
+                <a:cs typeface="Arial" panose="020B0604020202020204" pitchFamily="34" charset="0"/>
+              </a:rPr>
+              <a:t>is</a:t>
+            </a:r>
+            <a:endParaRPr lang="de-DE" sz="1300" dirty="0">
+              <a:solidFill>
+                <a:srgbClr val="4A5C66"/>
+              </a:solidFill>
+              <a:latin typeface="Arial" panose="020B0604020202020204" pitchFamily="34" charset="0"/>
+              <a:cs typeface="Arial" panose="020B0604020202020204" pitchFamily="34" charset="0"/>
+            </a:endParaRPr>
+          </a:p>
+          <a:p>
+            <a:r>
+              <a:rPr lang="de-DE" sz="1300" dirty="0">
+                <a:solidFill>
+                  <a:srgbClr val="4A5C66"/>
+                </a:solidFill>
+                <a:latin typeface="Arial" panose="020B0604020202020204" pitchFamily="34" charset="0"/>
+                <a:cs typeface="Arial" panose="020B0604020202020204" pitchFamily="34" charset="0"/>
+              </a:rPr>
+              <a:t>      …</a:t>
+            </a:r>
+          </a:p>
+          <a:p>
+            <a:r>
+              <a:rPr lang="de-DE" sz="1300" dirty="0">
+                <a:solidFill>
+                  <a:srgbClr val="4A5C66"/>
+                </a:solidFill>
+                <a:latin typeface="Arial" panose="020B0604020202020204" pitchFamily="34" charset="0"/>
+                <a:cs typeface="Arial" panose="020B0604020202020204" pitchFamily="34" charset="0"/>
+              </a:rPr>
+              <a:t>End type;</a:t>
+            </a:r>
+          </a:p>
+        </p:txBody>
+      </p:sp>
+    </p:spTree>
+    <p:extLst>
+      <p:ext uri="{BB962C8B-B14F-4D97-AF65-F5344CB8AC3E}">
+        <p14:creationId xmlns:p14="http://schemas.microsoft.com/office/powerpoint/2010/main" val="923356769"/>
+      </p:ext>
+    </p:extLst>
+  </p:cSld>
+  <p:clrMapOvr>
+    <a:masterClrMapping/>
+  </p:clrMapOvr>
+</p:sld>
+</file>
+
+<file path=ppt/slides/slide27.xml><?xml version="1.0" encoding="utf-8"?>
 <p:sld xmlns:a="http://schemas.openxmlformats.org/drawingml/2006/main" xmlns:r="http://schemas.openxmlformats.org/officeDocument/2006/relationships" xmlns:p="http://schemas.openxmlformats.org/presentationml/2006/main">
   <p:cSld>
     <p:spTree>
@@ -9318,24 +9773,17 @@
     </p:spTree>
     <p:extLst>
       <p:ext uri="{BB962C8B-B14F-4D97-AF65-F5344CB8AC3E}">
-        <p14:creationId xmlns:p14="http://schemas.microsoft.com/office/powerpoint/2010/main" val="923356769"/>
+        <p14:creationId xmlns:p14="http://schemas.microsoft.com/office/powerpoint/2010/main" val="2351451106"/>
       </p:ext>
     </p:extLst>
   </p:cSld>
   <p:clrMapOvr>
     <a:masterClrMapping/>
   </p:clrMapOvr>
-  <p:timing>
-    <p:tnLst>
-      <p:par>
-        <p:cTn id="1" dur="indefinite" restart="never" nodeType="tmRoot"/>
-      </p:par>
-    </p:tnLst>
-  </p:timing>
 </p:sld>
 </file>
 
-<file path=ppt/slides/slide27.xml><?xml version="1.0" encoding="utf-8"?>
+<file path=ppt/slides/slide28.xml><?xml version="1.0" encoding="utf-8"?>
 <p:sld xmlns:a="http://schemas.openxmlformats.org/drawingml/2006/main" xmlns:r="http://schemas.openxmlformats.org/officeDocument/2006/relationships" xmlns:p="http://schemas.openxmlformats.org/presentationml/2006/main">
   <p:cSld>
     <p:spTree>
@@ -10286,17 +10734,10 @@
   <p:clrMapOvr>
     <a:masterClrMapping/>
   </p:clrMapOvr>
-  <p:timing>
-    <p:tnLst>
-      <p:par>
-        <p:cTn id="1" dur="indefinite" restart="never" nodeType="tmRoot"/>
-      </p:par>
-    </p:tnLst>
-  </p:timing>
 </p:sld>
 </file>
 
-<file path=ppt/slides/slide28.xml><?xml version="1.0" encoding="utf-8"?>
+<file path=ppt/slides/slide29.xml><?xml version="1.0" encoding="utf-8"?>
 <p:sld xmlns:a="http://schemas.openxmlformats.org/drawingml/2006/main" xmlns:r="http://schemas.openxmlformats.org/officeDocument/2006/relationships" xmlns:p="http://schemas.openxmlformats.org/presentationml/2006/main">
   <p:cSld>
     <p:spTree>
@@ -10856,17 +11297,167 @@
   <p:clrMapOvr>
     <a:masterClrMapping/>
   </p:clrMapOvr>
-  <p:timing>
-    <p:tnLst>
-      <p:par>
-        <p:cTn id="1" dur="indefinite" restart="never" nodeType="tmRoot"/>
-      </p:par>
-    </p:tnLst>
-  </p:timing>
 </p:sld>
 </file>
 
-<file path=ppt/slides/slide29.xml><?xml version="1.0" encoding="utf-8"?>
+<file path=ppt/slides/slide3.xml><?xml version="1.0" encoding="utf-8"?>
+<p:sld xmlns:a="http://schemas.openxmlformats.org/drawingml/2006/main" xmlns:r="http://schemas.openxmlformats.org/officeDocument/2006/relationships" xmlns:p="http://schemas.openxmlformats.org/presentationml/2006/main">
+  <p:cSld>
+    <p:spTree>
+      <p:nvGrpSpPr>
+        <p:cNvPr id="1" name=""/>
+        <p:cNvGrpSpPr/>
+        <p:nvPr/>
+      </p:nvGrpSpPr>
+      <p:grpSpPr>
+        <a:xfrm>
+          <a:off x="0" y="0"/>
+          <a:ext cx="0" cy="0"/>
+          <a:chOff x="0" y="0"/>
+          <a:chExt cx="0" cy="0"/>
+        </a:xfrm>
+      </p:grpSpPr>
+      <p:sp>
+        <p:nvSpPr>
+          <p:cNvPr id="2" name="Titel 1"/>
+          <p:cNvSpPr>
+            <a:spLocks noGrp="1"/>
+          </p:cNvSpPr>
+          <p:nvPr>
+            <p:ph type="title"/>
+          </p:nvPr>
+        </p:nvSpPr>
+        <p:spPr>
+          <a:xfrm>
+            <a:off x="360000" y="1317222"/>
+            <a:ext cx="8246118" cy="569556"/>
+          </a:xfrm>
+        </p:spPr>
+        <p:txBody>
+          <a:bodyPr/>
+          <a:lstStyle/>
+          <a:p>
+            <a:r>
+              <a:rPr lang="de-DE" dirty="0"/>
+              <a:t>Gliederung</a:t>
+            </a:r>
+          </a:p>
+        </p:txBody>
+      </p:sp>
+      <p:sp>
+        <p:nvSpPr>
+          <p:cNvPr id="3" name="Inhaltsplatzhalter 2"/>
+          <p:cNvSpPr>
+            <a:spLocks noGrp="1"/>
+          </p:cNvSpPr>
+          <p:nvPr>
+            <p:ph idx="1"/>
+          </p:nvPr>
+        </p:nvSpPr>
+        <p:spPr/>
+        <p:txBody>
+          <a:bodyPr/>
+          <a:lstStyle/>
+          <a:p>
+            <a:r>
+              <a:rPr lang="de-DE" dirty="0"/>
+              <a:t>Projektidee </a:t>
+            </a:r>
+          </a:p>
+          <a:p>
+            <a:r>
+              <a:rPr lang="de-DE" dirty="0"/>
+              <a:t>Kommunikationsprotokoll</a:t>
+            </a:r>
+          </a:p>
+          <a:p>
+            <a:r>
+              <a:rPr lang="de-DE" dirty="0"/>
+              <a:t>Implementierungslogik</a:t>
+            </a:r>
+          </a:p>
+          <a:p>
+            <a:r>
+              <a:rPr lang="de-DE" dirty="0" err="1"/>
+              <a:t>GtkAda</a:t>
+            </a:r>
+            <a:r>
+              <a:rPr lang="de-DE" dirty="0"/>
+              <a:t> mit </a:t>
+            </a:r>
+            <a:r>
+              <a:rPr lang="de-DE" dirty="0" err="1"/>
+              <a:t>Glade</a:t>
+            </a:r>
+            <a:endParaRPr lang="de-DE" dirty="0"/>
+          </a:p>
+          <a:p>
+            <a:r>
+              <a:rPr lang="de-DE" dirty="0"/>
+              <a:t>Anwendungspräsentation</a:t>
+            </a:r>
+          </a:p>
+          <a:p>
+            <a:r>
+              <a:rPr lang="de-DE" dirty="0"/>
+              <a:t>Erweiterbarkeit</a:t>
+            </a:r>
+          </a:p>
+          <a:p>
+            <a:r>
+              <a:rPr lang="de-DE" dirty="0"/>
+              <a:t>Hindernisse</a:t>
+            </a:r>
+          </a:p>
+        </p:txBody>
+      </p:sp>
+      <p:pic>
+        <p:nvPicPr>
+          <p:cNvPr id="4" name="Grafik 12"/>
+          <p:cNvPicPr>
+            <a:picLocks noChangeAspect="1"/>
+          </p:cNvPicPr>
+          <p:nvPr/>
+        </p:nvPicPr>
+        <p:blipFill>
+          <a:blip r:embed="rId2" cstate="print">
+            <a:extLst>
+              <a:ext uri="{28A0092B-C50C-407E-A947-70E740481C1C}">
+                <a14:useLocalDpi xmlns:a14="http://schemas.microsoft.com/office/drawing/2010/main" val="0"/>
+              </a:ext>
+            </a:extLst>
+          </a:blip>
+          <a:stretch>
+            <a:fillRect/>
+          </a:stretch>
+        </p:blipFill>
+        <p:spPr>
+          <a:xfrm>
+            <a:off x="7444307" y="4844132"/>
+            <a:ext cx="1584176" cy="1579610"/>
+          </a:xfrm>
+          <a:prstGeom prst="rect">
+            <a:avLst/>
+          </a:prstGeom>
+          <a:effectLst>
+            <a:softEdge rad="127000"/>
+          </a:effectLst>
+        </p:spPr>
+      </p:pic>
+    </p:spTree>
+    <p:extLst>
+      <p:ext uri="{BB962C8B-B14F-4D97-AF65-F5344CB8AC3E}">
+        <p14:creationId xmlns:p14="http://schemas.microsoft.com/office/powerpoint/2010/main" val="1351708337"/>
+      </p:ext>
+    </p:extLst>
+  </p:cSld>
+  <p:clrMapOvr>
+    <a:masterClrMapping/>
+  </p:clrMapOvr>
+</p:sld>
+</file>
+
+<file path=ppt/slides/slide30.xml><?xml version="1.0" encoding="utf-8"?>
 <p:sld xmlns:a="http://schemas.openxmlformats.org/drawingml/2006/main" xmlns:r="http://schemas.openxmlformats.org/officeDocument/2006/relationships" xmlns:p="http://schemas.openxmlformats.org/presentationml/2006/main">
   <p:cSld>
     <p:spTree>
@@ -11858,17 +12449,10 @@
   <p:clrMapOvr>
     <a:masterClrMapping/>
   </p:clrMapOvr>
-  <p:timing>
-    <p:tnLst>
-      <p:par>
-        <p:cTn id="1" dur="indefinite" restart="never" nodeType="tmRoot"/>
-      </p:par>
-    </p:tnLst>
-  </p:timing>
 </p:sld>
 </file>
 
-<file path=ppt/slides/slide3.xml><?xml version="1.0" encoding="utf-8"?>
+<file path=ppt/slides/slide31.xml><?xml version="1.0" encoding="utf-8"?>
 <p:sld xmlns:a="http://schemas.openxmlformats.org/drawingml/2006/main" xmlns:r="http://schemas.openxmlformats.org/officeDocument/2006/relationships" xmlns:p="http://schemas.openxmlformats.org/presentationml/2006/main">
   <p:cSld>
     <p:spTree>
@@ -11907,132 +12491,676 @@
           <a:p>
             <a:r>
               <a:rPr lang="de-DE" dirty="0"/>
-              <a:t>Gliederung</a:t>
-            </a:r>
-          </a:p>
-        </p:txBody>
-      </p:sp>
-      <p:sp>
-        <p:nvSpPr>
-          <p:cNvPr id="3" name="Inhaltsplatzhalter 2"/>
-          <p:cNvSpPr>
-            <a:spLocks noGrp="1"/>
-          </p:cNvSpPr>
-          <p:nvPr>
-            <p:ph idx="1"/>
-          </p:nvPr>
-        </p:nvSpPr>
-        <p:spPr/>
-        <p:txBody>
-          <a:bodyPr/>
-          <a:lstStyle/>
-          <a:p>
-            <a:r>
-              <a:rPr lang="de-DE" dirty="0"/>
-              <a:t>Projektidee </a:t>
-            </a:r>
-          </a:p>
-          <a:p>
-            <a:r>
-              <a:rPr lang="de-DE" dirty="0"/>
-              <a:t>Kommunikationsprotokoll</a:t>
-            </a:r>
-          </a:p>
-          <a:p>
-            <a:r>
-              <a:rPr lang="de-DE" dirty="0"/>
-              <a:t>Implementierungslogik</a:t>
-            </a:r>
-          </a:p>
-          <a:p>
-            <a:r>
-              <a:rPr lang="de-DE" dirty="0" err="1"/>
-              <a:t>GtkAda</a:t>
-            </a:r>
-            <a:r>
-              <a:rPr lang="de-DE" dirty="0"/>
-              <a:t> mit </a:t>
-            </a:r>
-            <a:r>
-              <a:rPr lang="de-DE" dirty="0" err="1"/>
-              <a:t>Glade</a:t>
-            </a:r>
-            <a:endParaRPr lang="de-DE" dirty="0"/>
-          </a:p>
-          <a:p>
-            <a:r>
-              <a:rPr lang="de-DE" dirty="0"/>
-              <a:t>Anwendungspräsentation</a:t>
-            </a:r>
-          </a:p>
-          <a:p>
-            <a:r>
-              <a:rPr lang="de-DE" dirty="0"/>
-              <a:t>Erweiterbarkeit</a:t>
-            </a:r>
-          </a:p>
-          <a:p>
-            <a:r>
-              <a:rPr lang="de-DE" dirty="0"/>
-              <a:t>Hindernisse</a:t>
-            </a:r>
-          </a:p>
-        </p:txBody>
-      </p:sp>
-      <p:pic>
-        <p:nvPicPr>
-          <p:cNvPr id="4" name="Grafik 12"/>
-          <p:cNvPicPr>
-            <a:picLocks noChangeAspect="1"/>
-          </p:cNvPicPr>
-          <p:nvPr/>
-        </p:nvPicPr>
-        <p:blipFill>
-          <a:blip r:embed="rId2" cstate="print">
-            <a:extLst>
-              <a:ext uri="{28A0092B-C50C-407E-A947-70E740481C1C}">
-                <a14:useLocalDpi xmlns:a14="http://schemas.microsoft.com/office/drawing/2010/main" val="0"/>
-              </a:ext>
-            </a:extLst>
-          </a:blip>
-          <a:stretch>
-            <a:fillRect/>
-          </a:stretch>
-        </p:blipFill>
-        <p:spPr>
-          <a:xfrm>
-            <a:off x="7444307" y="4844132"/>
-            <a:ext cx="1584176" cy="1579610"/>
-          </a:xfrm>
-          <a:prstGeom prst="rect">
-            <a:avLst/>
-          </a:prstGeom>
-          <a:effectLst>
-            <a:softEdge rad="127000"/>
-          </a:effectLst>
-        </p:spPr>
-      </p:pic>
+              <a:t>Zirkuläre Abhängigkeiten</a:t>
+            </a:r>
+          </a:p>
+        </p:txBody>
+      </p:sp>
+      <p:sp>
+        <p:nvSpPr>
+          <p:cNvPr id="6" name="Rechteck 5"/>
+          <p:cNvSpPr/>
+          <p:nvPr/>
+        </p:nvSpPr>
+        <p:spPr>
+          <a:xfrm>
+            <a:off x="553673" y="2224209"/>
+            <a:ext cx="1744911" cy="2176715"/>
+          </a:xfrm>
+          <a:prstGeom prst="rect">
+            <a:avLst/>
+          </a:prstGeom>
+          <a:noFill/>
+          <a:ln/>
+        </p:spPr>
+        <p:style>
+          <a:lnRef idx="2">
+            <a:schemeClr val="dk1">
+              <a:shade val="50000"/>
+            </a:schemeClr>
+          </a:lnRef>
+          <a:fillRef idx="1">
+            <a:schemeClr val="dk1"/>
+          </a:fillRef>
+          <a:effectRef idx="0">
+            <a:schemeClr val="dk1"/>
+          </a:effectRef>
+          <a:fontRef idx="minor">
+            <a:schemeClr val="lt1"/>
+          </a:fontRef>
+        </p:style>
+        <p:txBody>
+          <a:bodyPr rtlCol="0" anchor="ctr"/>
+          <a:lstStyle/>
+          <a:p>
+            <a:pPr algn="ctr"/>
+            <a:endParaRPr lang="de-DE">
+              <a:solidFill>
+                <a:srgbClr val="4A5C66"/>
+              </a:solidFill>
+              <a:latin typeface="Arial" panose="020B0604020202020204" pitchFamily="34" charset="0"/>
+              <a:cs typeface="Arial" panose="020B0604020202020204" pitchFamily="34" charset="0"/>
+            </a:endParaRPr>
+          </a:p>
+        </p:txBody>
+      </p:sp>
+      <p:sp>
+        <p:nvSpPr>
+          <p:cNvPr id="12" name="Textfeld 11"/>
+          <p:cNvSpPr txBox="1"/>
+          <p:nvPr/>
+        </p:nvSpPr>
+        <p:spPr>
+          <a:xfrm>
+            <a:off x="441114" y="1886778"/>
+            <a:ext cx="1593909" cy="338554"/>
+          </a:xfrm>
+          <a:prstGeom prst="rect">
+            <a:avLst/>
+          </a:prstGeom>
+          <a:noFill/>
+        </p:spPr>
+        <p:txBody>
+          <a:bodyPr wrap="square" rtlCol="0">
+            <a:spAutoFit/>
+          </a:bodyPr>
+          <a:lstStyle/>
+          <a:p>
+            <a:r>
+              <a:rPr lang="de-DE" sz="1600" dirty="0" err="1">
+                <a:solidFill>
+                  <a:srgbClr val="4A5C66"/>
+                </a:solidFill>
+                <a:latin typeface="Arial" panose="020B0604020202020204" pitchFamily="34" charset="0"/>
+                <a:cs typeface="Arial" panose="020B0604020202020204" pitchFamily="34" charset="0"/>
+              </a:rPr>
+              <a:t>Chatrooms.ads</a:t>
+            </a:r>
+            <a:endParaRPr lang="de-DE" sz="1600" dirty="0">
+              <a:solidFill>
+                <a:srgbClr val="4A5C66"/>
+              </a:solidFill>
+              <a:latin typeface="Arial" panose="020B0604020202020204" pitchFamily="34" charset="0"/>
+              <a:cs typeface="Arial" panose="020B0604020202020204" pitchFamily="34" charset="0"/>
+            </a:endParaRPr>
+          </a:p>
+        </p:txBody>
+      </p:sp>
+      <p:sp>
+        <p:nvSpPr>
+          <p:cNvPr id="17" name="Rechteck 16"/>
+          <p:cNvSpPr/>
+          <p:nvPr/>
+        </p:nvSpPr>
+        <p:spPr>
+          <a:xfrm>
+            <a:off x="675169" y="2353487"/>
+            <a:ext cx="1459684" cy="738664"/>
+          </a:xfrm>
+          <a:prstGeom prst="rect">
+            <a:avLst/>
+          </a:prstGeom>
+          <a:noFill/>
+        </p:spPr>
+        <p:style>
+          <a:lnRef idx="2">
+            <a:schemeClr val="accent1">
+              <a:shade val="50000"/>
+            </a:schemeClr>
+          </a:lnRef>
+          <a:fillRef idx="1">
+            <a:schemeClr val="accent1"/>
+          </a:fillRef>
+          <a:effectRef idx="0">
+            <a:schemeClr val="accent1"/>
+          </a:effectRef>
+          <a:fontRef idx="minor">
+            <a:schemeClr val="lt1"/>
+          </a:fontRef>
+        </p:style>
+        <p:txBody>
+          <a:bodyPr rtlCol="0" anchor="ctr"/>
+          <a:lstStyle/>
+          <a:p>
+            <a:pPr algn="ctr"/>
+            <a:endParaRPr lang="de-DE" sz="1300">
+              <a:solidFill>
+                <a:srgbClr val="4A5C66"/>
+              </a:solidFill>
+              <a:latin typeface="Arial" panose="020B0604020202020204" pitchFamily="34" charset="0"/>
+              <a:cs typeface="Arial" panose="020B0604020202020204" pitchFamily="34" charset="0"/>
+            </a:endParaRPr>
+          </a:p>
+        </p:txBody>
+      </p:sp>
+      <p:sp>
+        <p:nvSpPr>
+          <p:cNvPr id="19" name="Textfeld 18"/>
+          <p:cNvSpPr txBox="1"/>
+          <p:nvPr/>
+        </p:nvSpPr>
+        <p:spPr>
+          <a:xfrm>
+            <a:off x="675169" y="2353486"/>
+            <a:ext cx="1688264" cy="692497"/>
+          </a:xfrm>
+          <a:prstGeom prst="rect">
+            <a:avLst/>
+          </a:prstGeom>
+          <a:noFill/>
+        </p:spPr>
+        <p:txBody>
+          <a:bodyPr wrap="square" rtlCol="0">
+            <a:spAutoFit/>
+          </a:bodyPr>
+          <a:lstStyle/>
+          <a:p>
+            <a:r>
+              <a:rPr lang="de-DE" sz="1300" dirty="0">
+                <a:solidFill>
+                  <a:srgbClr val="4A5C66"/>
+                </a:solidFill>
+                <a:latin typeface="Arial" panose="020B0604020202020204" pitchFamily="34" charset="0"/>
+                <a:cs typeface="Arial" panose="020B0604020202020204" pitchFamily="34" charset="0"/>
+              </a:rPr>
+              <a:t>Type Chatroom </a:t>
+            </a:r>
+            <a:r>
+              <a:rPr lang="de-DE" sz="1300" dirty="0" err="1">
+                <a:solidFill>
+                  <a:srgbClr val="4A5C66"/>
+                </a:solidFill>
+                <a:latin typeface="Arial" panose="020B0604020202020204" pitchFamily="34" charset="0"/>
+                <a:cs typeface="Arial" panose="020B0604020202020204" pitchFamily="34" charset="0"/>
+              </a:rPr>
+              <a:t>is</a:t>
+            </a:r>
+            <a:endParaRPr lang="de-DE" sz="1300" dirty="0">
+              <a:solidFill>
+                <a:srgbClr val="4A5C66"/>
+              </a:solidFill>
+              <a:latin typeface="Arial" panose="020B0604020202020204" pitchFamily="34" charset="0"/>
+              <a:cs typeface="Arial" panose="020B0604020202020204" pitchFamily="34" charset="0"/>
+            </a:endParaRPr>
+          </a:p>
+          <a:p>
+            <a:r>
+              <a:rPr lang="de-DE" sz="1300" dirty="0">
+                <a:solidFill>
+                  <a:srgbClr val="4A5C66"/>
+                </a:solidFill>
+                <a:latin typeface="Arial" panose="020B0604020202020204" pitchFamily="34" charset="0"/>
+                <a:cs typeface="Arial" panose="020B0604020202020204" pitchFamily="34" charset="0"/>
+              </a:rPr>
+              <a:t>      - Client</a:t>
+            </a:r>
+          </a:p>
+          <a:p>
+            <a:r>
+              <a:rPr lang="de-DE" sz="1300" dirty="0">
+                <a:solidFill>
+                  <a:srgbClr val="4A5C66"/>
+                </a:solidFill>
+                <a:latin typeface="Arial" panose="020B0604020202020204" pitchFamily="34" charset="0"/>
+                <a:cs typeface="Arial" panose="020B0604020202020204" pitchFamily="34" charset="0"/>
+              </a:rPr>
+              <a:t>End type;</a:t>
+            </a:r>
+          </a:p>
+        </p:txBody>
+      </p:sp>
+      <p:sp>
+        <p:nvSpPr>
+          <p:cNvPr id="38" name="Rechteck 37"/>
+          <p:cNvSpPr/>
+          <p:nvPr/>
+        </p:nvSpPr>
+        <p:spPr>
+          <a:xfrm>
+            <a:off x="6204911" y="2224209"/>
+            <a:ext cx="2293137" cy="2725658"/>
+          </a:xfrm>
+          <a:prstGeom prst="rect">
+            <a:avLst/>
+          </a:prstGeom>
+          <a:noFill/>
+          <a:ln/>
+        </p:spPr>
+        <p:style>
+          <a:lnRef idx="2">
+            <a:schemeClr val="dk1">
+              <a:shade val="50000"/>
+            </a:schemeClr>
+          </a:lnRef>
+          <a:fillRef idx="1">
+            <a:schemeClr val="dk1"/>
+          </a:fillRef>
+          <a:effectRef idx="0">
+            <a:schemeClr val="dk1"/>
+          </a:effectRef>
+          <a:fontRef idx="minor">
+            <a:schemeClr val="lt1"/>
+          </a:fontRef>
+        </p:style>
+        <p:txBody>
+          <a:bodyPr rtlCol="0" anchor="ctr"/>
+          <a:lstStyle/>
+          <a:p>
+            <a:pPr algn="ctr"/>
+            <a:endParaRPr lang="de-DE">
+              <a:solidFill>
+                <a:srgbClr val="4A5C66"/>
+              </a:solidFill>
+              <a:latin typeface="Arial" panose="020B0604020202020204" pitchFamily="34" charset="0"/>
+              <a:cs typeface="Arial" panose="020B0604020202020204" pitchFamily="34" charset="0"/>
+            </a:endParaRPr>
+          </a:p>
+        </p:txBody>
+      </p:sp>
+      <p:sp>
+        <p:nvSpPr>
+          <p:cNvPr id="39" name="Textfeld 38"/>
+          <p:cNvSpPr txBox="1"/>
+          <p:nvPr/>
+        </p:nvSpPr>
+        <p:spPr>
+          <a:xfrm>
+            <a:off x="6105081" y="1886778"/>
+            <a:ext cx="1693739" cy="338554"/>
+          </a:xfrm>
+          <a:prstGeom prst="rect">
+            <a:avLst/>
+          </a:prstGeom>
+          <a:noFill/>
+        </p:spPr>
+        <p:txBody>
+          <a:bodyPr wrap="square" rtlCol="0">
+            <a:spAutoFit/>
+          </a:bodyPr>
+          <a:lstStyle/>
+          <a:p>
+            <a:r>
+              <a:rPr lang="de-DE" sz="1600" dirty="0" err="1">
+                <a:solidFill>
+                  <a:srgbClr val="4A5C66"/>
+                </a:solidFill>
+                <a:latin typeface="Arial" panose="020B0604020202020204" pitchFamily="34" charset="0"/>
+                <a:cs typeface="Arial" panose="020B0604020202020204" pitchFamily="34" charset="0"/>
+              </a:rPr>
+              <a:t>ServerLogic.ads</a:t>
+            </a:r>
+            <a:endParaRPr lang="de-DE" sz="1600" dirty="0">
+              <a:solidFill>
+                <a:srgbClr val="4A5C66"/>
+              </a:solidFill>
+              <a:latin typeface="Arial" panose="020B0604020202020204" pitchFamily="34" charset="0"/>
+              <a:cs typeface="Arial" panose="020B0604020202020204" pitchFamily="34" charset="0"/>
+            </a:endParaRPr>
+          </a:p>
+        </p:txBody>
+      </p:sp>
+      <p:sp>
+        <p:nvSpPr>
+          <p:cNvPr id="40" name="Rechteck 39"/>
+          <p:cNvSpPr/>
+          <p:nvPr/>
+        </p:nvSpPr>
+        <p:spPr>
+          <a:xfrm>
+            <a:off x="6339136" y="2353487"/>
+            <a:ext cx="1459684" cy="954106"/>
+          </a:xfrm>
+          <a:prstGeom prst="rect">
+            <a:avLst/>
+          </a:prstGeom>
+          <a:noFill/>
+        </p:spPr>
+        <p:style>
+          <a:lnRef idx="2">
+            <a:schemeClr val="accent1">
+              <a:shade val="50000"/>
+            </a:schemeClr>
+          </a:lnRef>
+          <a:fillRef idx="1">
+            <a:schemeClr val="accent1"/>
+          </a:fillRef>
+          <a:effectRef idx="0">
+            <a:schemeClr val="accent1"/>
+          </a:effectRef>
+          <a:fontRef idx="minor">
+            <a:schemeClr val="lt1"/>
+          </a:fontRef>
+        </p:style>
+        <p:txBody>
+          <a:bodyPr rtlCol="0" anchor="ctr"/>
+          <a:lstStyle/>
+          <a:p>
+            <a:pPr algn="ctr"/>
+            <a:endParaRPr lang="de-DE">
+              <a:solidFill>
+                <a:srgbClr val="4A5C66"/>
+              </a:solidFill>
+              <a:latin typeface="Arial" panose="020B0604020202020204" pitchFamily="34" charset="0"/>
+              <a:cs typeface="Arial" panose="020B0604020202020204" pitchFamily="34" charset="0"/>
+            </a:endParaRPr>
+          </a:p>
+        </p:txBody>
+      </p:sp>
+      <p:sp>
+        <p:nvSpPr>
+          <p:cNvPr id="41" name="Textfeld 40"/>
+          <p:cNvSpPr txBox="1"/>
+          <p:nvPr/>
+        </p:nvSpPr>
+        <p:spPr>
+          <a:xfrm>
+            <a:off x="6339136" y="2353486"/>
+            <a:ext cx="1688264" cy="892552"/>
+          </a:xfrm>
+          <a:prstGeom prst="rect">
+            <a:avLst/>
+          </a:prstGeom>
+          <a:noFill/>
+        </p:spPr>
+        <p:txBody>
+          <a:bodyPr wrap="square" rtlCol="0">
+            <a:spAutoFit/>
+          </a:bodyPr>
+          <a:lstStyle/>
+          <a:p>
+            <a:r>
+              <a:rPr lang="de-DE" sz="1300" dirty="0">
+                <a:solidFill>
+                  <a:srgbClr val="4A5C66"/>
+                </a:solidFill>
+                <a:latin typeface="Arial" panose="020B0604020202020204" pitchFamily="34" charset="0"/>
+                <a:cs typeface="Arial" panose="020B0604020202020204" pitchFamily="34" charset="0"/>
+              </a:rPr>
+              <a:t>Type Server </a:t>
+            </a:r>
+            <a:r>
+              <a:rPr lang="de-DE" sz="1300" dirty="0" err="1">
+                <a:solidFill>
+                  <a:srgbClr val="4A5C66"/>
+                </a:solidFill>
+                <a:latin typeface="Arial" panose="020B0604020202020204" pitchFamily="34" charset="0"/>
+                <a:cs typeface="Arial" panose="020B0604020202020204" pitchFamily="34" charset="0"/>
+              </a:rPr>
+              <a:t>is</a:t>
+            </a:r>
+            <a:endParaRPr lang="de-DE" sz="1300" dirty="0">
+              <a:solidFill>
+                <a:srgbClr val="4A5C66"/>
+              </a:solidFill>
+              <a:latin typeface="Arial" panose="020B0604020202020204" pitchFamily="34" charset="0"/>
+              <a:cs typeface="Arial" panose="020B0604020202020204" pitchFamily="34" charset="0"/>
+            </a:endParaRPr>
+          </a:p>
+          <a:p>
+            <a:r>
+              <a:rPr lang="de-DE" sz="1300" dirty="0">
+                <a:solidFill>
+                  <a:srgbClr val="4A5C66"/>
+                </a:solidFill>
+                <a:latin typeface="Arial" panose="020B0604020202020204" pitchFamily="34" charset="0"/>
+                <a:cs typeface="Arial" panose="020B0604020202020204" pitchFamily="34" charset="0"/>
+              </a:rPr>
+              <a:t>      - Client</a:t>
+            </a:r>
+          </a:p>
+          <a:p>
+            <a:r>
+              <a:rPr lang="de-DE" sz="1300" dirty="0">
+                <a:solidFill>
+                  <a:srgbClr val="4A5C66"/>
+                </a:solidFill>
+                <a:latin typeface="Arial" panose="020B0604020202020204" pitchFamily="34" charset="0"/>
+                <a:cs typeface="Arial" panose="020B0604020202020204" pitchFamily="34" charset="0"/>
+              </a:rPr>
+              <a:t>      - Chatroom</a:t>
+            </a:r>
+          </a:p>
+          <a:p>
+            <a:r>
+              <a:rPr lang="de-DE" sz="1300" dirty="0">
+                <a:solidFill>
+                  <a:srgbClr val="4A5C66"/>
+                </a:solidFill>
+                <a:latin typeface="Arial" panose="020B0604020202020204" pitchFamily="34" charset="0"/>
+                <a:cs typeface="Arial" panose="020B0604020202020204" pitchFamily="34" charset="0"/>
+              </a:rPr>
+              <a:t>End type;</a:t>
+            </a:r>
+          </a:p>
+        </p:txBody>
+      </p:sp>
+      <p:sp>
+        <p:nvSpPr>
+          <p:cNvPr id="27" name="Rechteck 26"/>
+          <p:cNvSpPr/>
+          <p:nvPr/>
+        </p:nvSpPr>
+        <p:spPr>
+          <a:xfrm>
+            <a:off x="3257489" y="4726264"/>
+            <a:ext cx="1779911" cy="1492125"/>
+          </a:xfrm>
+          <a:prstGeom prst="rect">
+            <a:avLst/>
+          </a:prstGeom>
+          <a:noFill/>
+          <a:ln/>
+        </p:spPr>
+        <p:style>
+          <a:lnRef idx="2">
+            <a:schemeClr val="dk1">
+              <a:shade val="50000"/>
+            </a:schemeClr>
+          </a:lnRef>
+          <a:fillRef idx="1">
+            <a:schemeClr val="dk1"/>
+          </a:fillRef>
+          <a:effectRef idx="0">
+            <a:schemeClr val="dk1"/>
+          </a:effectRef>
+          <a:fontRef idx="minor">
+            <a:schemeClr val="lt1"/>
+          </a:fontRef>
+        </p:style>
+        <p:txBody>
+          <a:bodyPr rtlCol="0" anchor="ctr"/>
+          <a:lstStyle/>
+          <a:p>
+            <a:pPr algn="ctr"/>
+            <a:endParaRPr lang="de-DE">
+              <a:solidFill>
+                <a:srgbClr val="4A5C66"/>
+              </a:solidFill>
+              <a:latin typeface="Arial" panose="020B0604020202020204" pitchFamily="34" charset="0"/>
+              <a:cs typeface="Arial" panose="020B0604020202020204" pitchFamily="34" charset="0"/>
+            </a:endParaRPr>
+          </a:p>
+        </p:txBody>
+      </p:sp>
+      <p:sp>
+        <p:nvSpPr>
+          <p:cNvPr id="28" name="Textfeld 27"/>
+          <p:cNvSpPr txBox="1"/>
+          <p:nvPr/>
+        </p:nvSpPr>
+        <p:spPr>
+          <a:xfrm>
+            <a:off x="3187670" y="4400924"/>
+            <a:ext cx="1629569" cy="369332"/>
+          </a:xfrm>
+          <a:prstGeom prst="rect">
+            <a:avLst/>
+          </a:prstGeom>
+          <a:noFill/>
+        </p:spPr>
+        <p:txBody>
+          <a:bodyPr wrap="square" rtlCol="0">
+            <a:spAutoFit/>
+          </a:bodyPr>
+          <a:lstStyle/>
+          <a:p>
+            <a:r>
+              <a:rPr lang="de-DE" dirty="0" err="1">
+                <a:solidFill>
+                  <a:srgbClr val="4A5C66"/>
+                </a:solidFill>
+                <a:latin typeface="Arial" panose="020B0604020202020204" pitchFamily="34" charset="0"/>
+                <a:cs typeface="Arial" panose="020B0604020202020204" pitchFamily="34" charset="0"/>
+              </a:rPr>
+              <a:t>Clients.ads</a:t>
+            </a:r>
+            <a:endParaRPr lang="de-DE" dirty="0">
+              <a:solidFill>
+                <a:srgbClr val="4A5C66"/>
+              </a:solidFill>
+              <a:latin typeface="Arial" panose="020B0604020202020204" pitchFamily="34" charset="0"/>
+              <a:cs typeface="Arial" panose="020B0604020202020204" pitchFamily="34" charset="0"/>
+            </a:endParaRPr>
+          </a:p>
+        </p:txBody>
+      </p:sp>
+      <p:sp>
+        <p:nvSpPr>
+          <p:cNvPr id="29" name="Textfeld 28"/>
+          <p:cNvSpPr txBox="1"/>
+          <p:nvPr/>
+        </p:nvSpPr>
+        <p:spPr>
+          <a:xfrm>
+            <a:off x="3349136" y="4823640"/>
+            <a:ext cx="1688264" cy="738664"/>
+          </a:xfrm>
+          <a:prstGeom prst="rect">
+            <a:avLst/>
+          </a:prstGeom>
+          <a:noFill/>
+        </p:spPr>
+        <p:txBody>
+          <a:bodyPr wrap="square" rtlCol="0">
+            <a:spAutoFit/>
+          </a:bodyPr>
+          <a:lstStyle/>
+          <a:p>
+            <a:r>
+              <a:rPr lang="de-DE" sz="1400" dirty="0">
+                <a:solidFill>
+                  <a:srgbClr val="4A5C66"/>
+                </a:solidFill>
+                <a:latin typeface="Arial" panose="020B0604020202020204" pitchFamily="34" charset="0"/>
+                <a:cs typeface="Arial" panose="020B0604020202020204" pitchFamily="34" charset="0"/>
+              </a:rPr>
+              <a:t>Type Client </a:t>
+            </a:r>
+            <a:r>
+              <a:rPr lang="de-DE" sz="1400" dirty="0" err="1">
+                <a:solidFill>
+                  <a:srgbClr val="4A5C66"/>
+                </a:solidFill>
+                <a:latin typeface="Arial" panose="020B0604020202020204" pitchFamily="34" charset="0"/>
+                <a:cs typeface="Arial" panose="020B0604020202020204" pitchFamily="34" charset="0"/>
+              </a:rPr>
+              <a:t>is</a:t>
+            </a:r>
+            <a:endParaRPr lang="de-DE" sz="1400" dirty="0">
+              <a:solidFill>
+                <a:srgbClr val="4A5C66"/>
+              </a:solidFill>
+              <a:latin typeface="Arial" panose="020B0604020202020204" pitchFamily="34" charset="0"/>
+              <a:cs typeface="Arial" panose="020B0604020202020204" pitchFamily="34" charset="0"/>
+            </a:endParaRPr>
+          </a:p>
+          <a:p>
+            <a:r>
+              <a:rPr lang="de-DE" sz="1400" dirty="0">
+                <a:solidFill>
+                  <a:srgbClr val="4A5C66"/>
+                </a:solidFill>
+                <a:latin typeface="Arial" panose="020B0604020202020204" pitchFamily="34" charset="0"/>
+                <a:cs typeface="Arial" panose="020B0604020202020204" pitchFamily="34" charset="0"/>
+              </a:rPr>
+              <a:t>      …</a:t>
+            </a:r>
+          </a:p>
+          <a:p>
+            <a:r>
+              <a:rPr lang="de-DE" sz="1400" dirty="0">
+                <a:solidFill>
+                  <a:srgbClr val="4A5C66"/>
+                </a:solidFill>
+                <a:latin typeface="Arial" panose="020B0604020202020204" pitchFamily="34" charset="0"/>
+                <a:cs typeface="Arial" panose="020B0604020202020204" pitchFamily="34" charset="0"/>
+              </a:rPr>
+              <a:t>End type;</a:t>
+            </a:r>
+          </a:p>
+        </p:txBody>
+      </p:sp>
+      <p:sp>
+        <p:nvSpPr>
+          <p:cNvPr id="31" name="Rechteck 30"/>
+          <p:cNvSpPr/>
+          <p:nvPr/>
+        </p:nvSpPr>
+        <p:spPr>
+          <a:xfrm>
+            <a:off x="3357555" y="4823641"/>
+            <a:ext cx="1459684" cy="836039"/>
+          </a:xfrm>
+          <a:prstGeom prst="rect">
+            <a:avLst/>
+          </a:prstGeom>
+          <a:noFill/>
+        </p:spPr>
+        <p:style>
+          <a:lnRef idx="2">
+            <a:schemeClr val="accent1">
+              <a:shade val="50000"/>
+            </a:schemeClr>
+          </a:lnRef>
+          <a:fillRef idx="1">
+            <a:schemeClr val="accent1"/>
+          </a:fillRef>
+          <a:effectRef idx="0">
+            <a:schemeClr val="accent1"/>
+          </a:effectRef>
+          <a:fontRef idx="minor">
+            <a:schemeClr val="lt1"/>
+          </a:fontRef>
+        </p:style>
+        <p:txBody>
+          <a:bodyPr rtlCol="0" anchor="ctr"/>
+          <a:lstStyle/>
+          <a:p>
+            <a:pPr algn="ctr"/>
+            <a:endParaRPr lang="de-DE" sz="1300">
+              <a:solidFill>
+                <a:srgbClr val="4A5C66"/>
+              </a:solidFill>
+              <a:latin typeface="Arial" panose="020B0604020202020204" pitchFamily="34" charset="0"/>
+              <a:cs typeface="Arial" panose="020B0604020202020204" pitchFamily="34" charset="0"/>
+            </a:endParaRPr>
+          </a:p>
+        </p:txBody>
+      </p:sp>
     </p:spTree>
     <p:extLst>
       <p:ext uri="{BB962C8B-B14F-4D97-AF65-F5344CB8AC3E}">
-        <p14:creationId xmlns:p14="http://schemas.microsoft.com/office/powerpoint/2010/main" val="1351708337"/>
+        <p14:creationId xmlns:p14="http://schemas.microsoft.com/office/powerpoint/2010/main" val="2197332772"/>
       </p:ext>
     </p:extLst>
   </p:cSld>
   <p:clrMapOvr>
     <a:masterClrMapping/>
   </p:clrMapOvr>
-  <p:timing>
-    <p:tnLst>
-      <p:par>
-        <p:cTn id="1" dur="indefinite" restart="never" nodeType="tmRoot"/>
-      </p:par>
-    </p:tnLst>
-  </p:timing>
 </p:sld>
 </file>
 
-<file path=ppt/slides/slide30.xml><?xml version="1.0" encoding="utf-8"?>
+<file path=ppt/slides/slide32.xml><?xml version="1.0" encoding="utf-8"?>
 <p:sld xmlns:a="http://schemas.openxmlformats.org/drawingml/2006/main" xmlns:r="http://schemas.openxmlformats.org/officeDocument/2006/relationships" xmlns:p="http://schemas.openxmlformats.org/presentationml/2006/main">
   <p:cSld>
     <p:spTree>
@@ -13054,17 +14182,10 @@
   <p:clrMapOvr>
     <a:masterClrMapping/>
   </p:clrMapOvr>
-  <p:timing>
-    <p:tnLst>
-      <p:par>
-        <p:cTn id="1" dur="indefinite" restart="never" nodeType="tmRoot"/>
-      </p:par>
-    </p:tnLst>
-  </p:timing>
 </p:sld>
 </file>
 
-<file path=ppt/slides/slide31.xml><?xml version="1.0" encoding="utf-8"?>
+<file path=ppt/slides/slide33.xml><?xml version="1.0" encoding="utf-8"?>
 <p:sld xmlns:a="http://schemas.openxmlformats.org/drawingml/2006/main" xmlns:r="http://schemas.openxmlformats.org/officeDocument/2006/relationships" xmlns:p="http://schemas.openxmlformats.org/presentationml/2006/main">
   <p:cSld>
     <p:spTree>
@@ -13887,27 +15008,7 @@
                 <a:latin typeface="Arial" panose="020B0604020202020204" pitchFamily="34" charset="0"/>
                 <a:cs typeface="Arial" panose="020B0604020202020204" pitchFamily="34" charset="0"/>
               </a:rPr>
-              <a:t>    </a:t>
-            </a:r>
-            <a:r>
-              <a:rPr lang="de-DE" sz="1400" dirty="0" smtClean="0">
-                <a:solidFill>
-                  <a:srgbClr val="4A5C66"/>
-                </a:solidFill>
-                <a:latin typeface="Arial" panose="020B0604020202020204" pitchFamily="34" charset="0"/>
-                <a:cs typeface="Arial" panose="020B0604020202020204" pitchFamily="34" charset="0"/>
-              </a:rPr>
-              <a:t>- </a:t>
-            </a:r>
-            <a:r>
-              <a:rPr lang="de-DE" sz="1400" dirty="0">
-                <a:solidFill>
-                  <a:srgbClr val="4A5C66"/>
-                </a:solidFill>
-                <a:latin typeface="Arial" panose="020B0604020202020204" pitchFamily="34" charset="0"/>
-                <a:cs typeface="Arial" panose="020B0604020202020204" pitchFamily="34" charset="0"/>
-              </a:rPr>
-              <a:t>Chatroom</a:t>
+              <a:t>    - Chatroom</a:t>
             </a:r>
           </a:p>
           <a:p>
@@ -14171,17 +15272,10 @@
   <p:clrMapOvr>
     <a:masterClrMapping/>
   </p:clrMapOvr>
-  <p:timing>
-    <p:tnLst>
-      <p:par>
-        <p:cTn id="1" dur="indefinite" restart="never" nodeType="tmRoot"/>
-      </p:par>
-    </p:tnLst>
-  </p:timing>
 </p:sld>
 </file>
 
-<file path=ppt/slides/slide32.xml><?xml version="1.0" encoding="utf-8"?>
+<file path=ppt/slides/slide34.xml><?xml version="1.0" encoding="utf-8"?>
 <p:sld xmlns:a="http://schemas.openxmlformats.org/drawingml/2006/main" xmlns:r="http://schemas.openxmlformats.org/officeDocument/2006/relationships" xmlns:p="http://schemas.openxmlformats.org/presentationml/2006/main">
   <p:cSld>
     <p:spTree>
@@ -15004,27 +16098,7 @@
                 <a:latin typeface="Arial" panose="020B0604020202020204" pitchFamily="34" charset="0"/>
                 <a:cs typeface="Arial" panose="020B0604020202020204" pitchFamily="34" charset="0"/>
               </a:rPr>
-              <a:t>    </a:t>
-            </a:r>
-            <a:r>
-              <a:rPr lang="de-DE" sz="1400" dirty="0" smtClean="0">
-                <a:solidFill>
-                  <a:srgbClr val="4A5C66"/>
-                </a:solidFill>
-                <a:latin typeface="Arial" panose="020B0604020202020204" pitchFamily="34" charset="0"/>
-                <a:cs typeface="Arial" panose="020B0604020202020204" pitchFamily="34" charset="0"/>
-              </a:rPr>
-              <a:t>- </a:t>
-            </a:r>
-            <a:r>
-              <a:rPr lang="de-DE" sz="1400" dirty="0">
-                <a:solidFill>
-                  <a:srgbClr val="4A5C66"/>
-                </a:solidFill>
-                <a:latin typeface="Arial" panose="020B0604020202020204" pitchFamily="34" charset="0"/>
-                <a:cs typeface="Arial" panose="020B0604020202020204" pitchFamily="34" charset="0"/>
-              </a:rPr>
-              <a:t>Chatroom</a:t>
+              <a:t>    - Chatroom</a:t>
             </a:r>
           </a:p>
           <a:p>
@@ -15335,17 +16409,10 @@
   <p:clrMapOvr>
     <a:masterClrMapping/>
   </p:clrMapOvr>
-  <p:timing>
-    <p:tnLst>
-      <p:par>
-        <p:cTn id="1" dur="indefinite" restart="never" nodeType="tmRoot"/>
-      </p:par>
-    </p:tnLst>
-  </p:timing>
 </p:sld>
 </file>
 
-<file path=ppt/slides/slide33.xml><?xml version="1.0" encoding="utf-8"?>
+<file path=ppt/slides/slide35.xml><?xml version="1.0" encoding="utf-8"?>
 <p:sld xmlns:a="http://schemas.openxmlformats.org/drawingml/2006/main" xmlns:r="http://schemas.openxmlformats.org/officeDocument/2006/relationships" xmlns:p="http://schemas.openxmlformats.org/presentationml/2006/main">
   <p:cSld>
     <p:spTree>
@@ -16168,27 +17235,7 @@
                 <a:latin typeface="Arial" panose="020B0604020202020204" pitchFamily="34" charset="0"/>
                 <a:cs typeface="Arial" panose="020B0604020202020204" pitchFamily="34" charset="0"/>
               </a:rPr>
-              <a:t>    </a:t>
-            </a:r>
-            <a:r>
-              <a:rPr lang="de-DE" sz="1400" dirty="0" smtClean="0">
-                <a:solidFill>
-                  <a:srgbClr val="4A5C66"/>
-                </a:solidFill>
-                <a:latin typeface="Arial" panose="020B0604020202020204" pitchFamily="34" charset="0"/>
-                <a:cs typeface="Arial" panose="020B0604020202020204" pitchFamily="34" charset="0"/>
-              </a:rPr>
-              <a:t>- </a:t>
-            </a:r>
-            <a:r>
-              <a:rPr lang="de-DE" sz="1400" dirty="0">
-                <a:solidFill>
-                  <a:srgbClr val="4A5C66"/>
-                </a:solidFill>
-                <a:latin typeface="Arial" panose="020B0604020202020204" pitchFamily="34" charset="0"/>
-                <a:cs typeface="Arial" panose="020B0604020202020204" pitchFamily="34" charset="0"/>
-              </a:rPr>
-              <a:t>Chatroom</a:t>
+              <a:t>    - Chatroom</a:t>
             </a:r>
           </a:p>
           <a:p>
@@ -16404,7 +17451,7 @@
           <a:lstStyle/>
           <a:p>
             <a:r>
-              <a:rPr lang="de-DE" sz="1400" dirty="0" smtClean="0">
+              <a:rPr lang="de-DE" sz="1400" dirty="0">
                 <a:solidFill>
                   <a:srgbClr val="4A5C66"/>
                 </a:solidFill>
@@ -16414,7 +17461,7 @@
               <a:t>Limited </a:t>
             </a:r>
             <a:r>
-              <a:rPr lang="de-DE" sz="1400" dirty="0" err="1" smtClean="0">
+              <a:rPr lang="de-DE" sz="1400" dirty="0" err="1">
                 <a:solidFill>
                   <a:srgbClr val="4A5C66"/>
                 </a:solidFill>
@@ -16423,7 +17470,7 @@
               </a:rPr>
               <a:t>with</a:t>
             </a:r>
-            <a:endParaRPr lang="de-DE" sz="1400" dirty="0" smtClean="0">
+            <a:endParaRPr lang="de-DE" sz="1400" dirty="0">
               <a:solidFill>
                 <a:srgbClr val="4A5C66"/>
               </a:solidFill>
@@ -16433,7 +17480,7 @@
           </a:p>
           <a:p>
             <a:r>
-              <a:rPr lang="de-DE" sz="1400" dirty="0" smtClean="0">
+              <a:rPr lang="de-DE" sz="1400" dirty="0">
                 <a:solidFill>
                   <a:srgbClr val="4A5C66"/>
                 </a:solidFill>
@@ -16472,17 +17519,10 @@
   <p:clrMapOvr>
     <a:masterClrMapping/>
   </p:clrMapOvr>
-  <p:timing>
-    <p:tnLst>
-      <p:par>
-        <p:cTn id="1" dur="indefinite" restart="never" nodeType="tmRoot"/>
-      </p:par>
-    </p:tnLst>
-  </p:timing>
 </p:sld>
 </file>
 
-<file path=ppt/slides/slide34.xml><?xml version="1.0" encoding="utf-8"?>
+<file path=ppt/slides/slide36.xml><?xml version="1.0" encoding="utf-8"?>
 <p:sld xmlns:a="http://schemas.openxmlformats.org/drawingml/2006/main" xmlns:r="http://schemas.openxmlformats.org/officeDocument/2006/relationships" xmlns:p="http://schemas.openxmlformats.org/presentationml/2006/main">
   <p:cSld>
     <p:spTree>
@@ -17308,24 +18348,14 @@
               <a:t>    </a:t>
             </a:r>
             <a:r>
-              <a:rPr lang="de-DE" sz="1400" dirty="0" smtClean="0">
+              <a:rPr lang="de-DE" sz="1400" dirty="0">
                 <a:solidFill>
                   <a:srgbClr val="FF0000"/>
                 </a:solidFill>
                 <a:latin typeface="Arial" panose="020B0604020202020204" pitchFamily="34" charset="0"/>
                 <a:cs typeface="Arial" panose="020B0604020202020204" pitchFamily="34" charset="0"/>
               </a:rPr>
-              <a:t>- </a:t>
-            </a:r>
-            <a:r>
-              <a:rPr lang="de-DE" sz="1400" dirty="0">
-                <a:solidFill>
-                  <a:srgbClr val="FF0000"/>
-                </a:solidFill>
-                <a:latin typeface="Arial" panose="020B0604020202020204" pitchFamily="34" charset="0"/>
-                <a:cs typeface="Arial" panose="020B0604020202020204" pitchFamily="34" charset="0"/>
-              </a:rPr>
-              <a:t>Chatroom</a:t>
+              <a:t>- Chatroom</a:t>
             </a:r>
           </a:p>
           <a:p>
@@ -17541,7 +18571,7 @@
           <a:lstStyle/>
           <a:p>
             <a:r>
-              <a:rPr lang="de-DE" sz="1400" dirty="0" smtClean="0">
+              <a:rPr lang="de-DE" sz="1400" dirty="0">
                 <a:solidFill>
                   <a:srgbClr val="4A5C66"/>
                 </a:solidFill>
@@ -17551,7 +18581,7 @@
               <a:t>Limited </a:t>
             </a:r>
             <a:r>
-              <a:rPr lang="de-DE" sz="1400" dirty="0" err="1" smtClean="0">
+              <a:rPr lang="de-DE" sz="1400" dirty="0" err="1">
                 <a:solidFill>
                   <a:srgbClr val="4A5C66"/>
                 </a:solidFill>
@@ -17560,7 +18590,7 @@
               </a:rPr>
               <a:t>with</a:t>
             </a:r>
-            <a:endParaRPr lang="de-DE" sz="1400" dirty="0" smtClean="0">
+            <a:endParaRPr lang="de-DE" sz="1400" dirty="0">
               <a:solidFill>
                 <a:srgbClr val="4A5C66"/>
               </a:solidFill>
@@ -17570,7 +18600,7 @@
           </a:p>
           <a:p>
             <a:r>
-              <a:rPr lang="de-DE" sz="1400" dirty="0" smtClean="0">
+              <a:rPr lang="de-DE" sz="1400" dirty="0">
                 <a:solidFill>
                   <a:srgbClr val="4A5C66"/>
                 </a:solidFill>
@@ -17609,17 +18639,10 @@
   <p:clrMapOvr>
     <a:masterClrMapping/>
   </p:clrMapOvr>
-  <p:timing>
-    <p:tnLst>
-      <p:par>
-        <p:cTn id="1" dur="indefinite" restart="never" nodeType="tmRoot"/>
-      </p:par>
-    </p:tnLst>
-  </p:timing>
 </p:sld>
 </file>
 
-<file path=ppt/slides/slide35.xml><?xml version="1.0" encoding="utf-8"?>
+<file path=ppt/slides/slide37.xml><?xml version="1.0" encoding="utf-8"?>
 <p:sld xmlns:a="http://schemas.openxmlformats.org/drawingml/2006/main" xmlns:r="http://schemas.openxmlformats.org/officeDocument/2006/relationships" xmlns:p="http://schemas.openxmlformats.org/presentationml/2006/main">
   <p:cSld>
     <p:spTree>
@@ -18445,24 +19468,14 @@
               <a:t>    </a:t>
             </a:r>
             <a:r>
-              <a:rPr lang="de-DE" sz="1400" dirty="0" smtClean="0">
+              <a:rPr lang="de-DE" sz="1400" dirty="0">
                 <a:solidFill>
                   <a:srgbClr val="FF0000"/>
                 </a:solidFill>
                 <a:latin typeface="Arial" panose="020B0604020202020204" pitchFamily="34" charset="0"/>
                 <a:cs typeface="Arial" panose="020B0604020202020204" pitchFamily="34" charset="0"/>
               </a:rPr>
-              <a:t>- </a:t>
-            </a:r>
-            <a:r>
-              <a:rPr lang="de-DE" sz="1400" dirty="0">
-                <a:solidFill>
-                  <a:srgbClr val="FF0000"/>
-                </a:solidFill>
-                <a:latin typeface="Arial" panose="020B0604020202020204" pitchFamily="34" charset="0"/>
-                <a:cs typeface="Arial" panose="020B0604020202020204" pitchFamily="34" charset="0"/>
-              </a:rPr>
-              <a:t>Chatroom</a:t>
+              <a:t>- Chatroom</a:t>
             </a:r>
           </a:p>
           <a:p>
@@ -18678,7 +19691,7 @@
           <a:lstStyle/>
           <a:p>
             <a:r>
-              <a:rPr lang="de-DE" sz="1400" dirty="0" smtClean="0">
+              <a:rPr lang="de-DE" sz="1400" dirty="0">
                 <a:solidFill>
                   <a:srgbClr val="4A5C66"/>
                 </a:solidFill>
@@ -18688,7 +19701,7 @@
               <a:t>Limited </a:t>
             </a:r>
             <a:r>
-              <a:rPr lang="de-DE" sz="1400" dirty="0" err="1" smtClean="0">
+              <a:rPr lang="de-DE" sz="1400" dirty="0" err="1">
                 <a:solidFill>
                   <a:srgbClr val="4A5C66"/>
                 </a:solidFill>
@@ -18696,35 +19709,6 @@
                 <a:cs typeface="Arial" panose="020B0604020202020204" pitchFamily="34" charset="0"/>
               </a:rPr>
               <a:t>with</a:t>
-            </a:r>
-            <a:endParaRPr lang="de-DE" sz="1400" dirty="0" smtClean="0">
-              <a:solidFill>
-                <a:srgbClr val="4A5C66"/>
-              </a:solidFill>
-              <a:latin typeface="Arial" panose="020B0604020202020204" pitchFamily="34" charset="0"/>
-              <a:cs typeface="Arial" panose="020B0604020202020204" pitchFamily="34" charset="0"/>
-            </a:endParaRPr>
-          </a:p>
-          <a:p>
-            <a:r>
-              <a:rPr lang="de-DE" sz="1400" dirty="0" smtClean="0">
-                <a:solidFill>
-                  <a:srgbClr val="4A5C66"/>
-                </a:solidFill>
-                <a:latin typeface="Arial" panose="020B0604020202020204" pitchFamily="34" charset="0"/>
-                <a:cs typeface="Arial" panose="020B0604020202020204" pitchFamily="34" charset="0"/>
-              </a:rPr>
-              <a:t> </a:t>
-            </a:r>
-            <a:r>
-              <a:rPr lang="de-DE" sz="1400" dirty="0" err="1">
-                <a:solidFill>
-                  <a:srgbClr val="4A5C66"/>
-                </a:solidFill>
-                <a:latin typeface="Arial" panose="020B0604020202020204" pitchFamily="34" charset="0"/>
-                <a:cs typeface="Arial" panose="020B0604020202020204" pitchFamily="34" charset="0"/>
-              </a:rPr>
-              <a:t>Chatrooms.ads</a:t>
             </a:r>
             <a:endParaRPr lang="de-DE" sz="1400" dirty="0">
               <a:solidFill>
@@ -18734,6 +19718,35 @@
               <a:cs typeface="Arial" panose="020B0604020202020204" pitchFamily="34" charset="0"/>
             </a:endParaRPr>
           </a:p>
+          <a:p>
+            <a:r>
+              <a:rPr lang="de-DE" sz="1400" dirty="0">
+                <a:solidFill>
+                  <a:srgbClr val="4A5C66"/>
+                </a:solidFill>
+                <a:latin typeface="Arial" panose="020B0604020202020204" pitchFamily="34" charset="0"/>
+                <a:cs typeface="Arial" panose="020B0604020202020204" pitchFamily="34" charset="0"/>
+              </a:rPr>
+              <a:t> </a:t>
+            </a:r>
+            <a:r>
+              <a:rPr lang="de-DE" sz="1400" dirty="0" err="1">
+                <a:solidFill>
+                  <a:srgbClr val="4A5C66"/>
+                </a:solidFill>
+                <a:latin typeface="Arial" panose="020B0604020202020204" pitchFamily="34" charset="0"/>
+                <a:cs typeface="Arial" panose="020B0604020202020204" pitchFamily="34" charset="0"/>
+              </a:rPr>
+              <a:t>Chatrooms.ads</a:t>
+            </a:r>
+            <a:endParaRPr lang="de-DE" sz="1400" dirty="0">
+              <a:solidFill>
+                <a:srgbClr val="4A5C66"/>
+              </a:solidFill>
+              <a:latin typeface="Arial" panose="020B0604020202020204" pitchFamily="34" charset="0"/>
+              <a:cs typeface="Arial" panose="020B0604020202020204" pitchFamily="34" charset="0"/>
+            </a:endParaRPr>
+          </a:p>
         </p:txBody>
       </p:sp>
       <p:sp>
@@ -18769,7 +19782,7 @@
               <a:t>Type </a:t>
             </a:r>
             <a:r>
-              <a:rPr lang="de-DE" sz="1300" dirty="0" err="1" smtClean="0">
+              <a:rPr lang="de-DE" sz="1300" dirty="0" err="1">
                 <a:solidFill>
                   <a:schemeClr val="accent2"/>
                 </a:solidFill>
@@ -18891,17 +19904,10 @@
   <p:clrMapOvr>
     <a:masterClrMapping/>
   </p:clrMapOvr>
-  <p:timing>
-    <p:tnLst>
-      <p:par>
-        <p:cTn id="1" dur="indefinite" restart="never" nodeType="tmRoot"/>
-      </p:par>
-    </p:tnLst>
-  </p:timing>
 </p:sld>
 </file>
 
-<file path=ppt/slides/slide36.xml><?xml version="1.0" encoding="utf-8"?>
+<file path=ppt/slides/slide38.xml><?xml version="1.0" encoding="utf-8"?>
 <p:sld xmlns:a="http://schemas.openxmlformats.org/drawingml/2006/main" xmlns:r="http://schemas.openxmlformats.org/officeDocument/2006/relationships" xmlns:p="http://schemas.openxmlformats.org/presentationml/2006/main">
   <p:cSld>
     <p:spTree>
@@ -19724,20 +20730,10 @@
                 <a:latin typeface="Arial" panose="020B0604020202020204" pitchFamily="34" charset="0"/>
                 <a:cs typeface="Arial" panose="020B0604020202020204" pitchFamily="34" charset="0"/>
               </a:rPr>
-              <a:t>    </a:t>
-            </a:r>
-            <a:r>
-              <a:rPr lang="de-DE" sz="1400" dirty="0" smtClean="0">
-                <a:solidFill>
-                  <a:srgbClr val="4A5C66"/>
-                </a:solidFill>
-                <a:latin typeface="Arial" panose="020B0604020202020204" pitchFamily="34" charset="0"/>
-                <a:cs typeface="Arial" panose="020B0604020202020204" pitchFamily="34" charset="0"/>
-              </a:rPr>
-              <a:t>- </a:t>
-            </a:r>
-            <a:r>
-              <a:rPr lang="de-DE" sz="1400" dirty="0" err="1" smtClean="0">
+              <a:t>    - </a:t>
+            </a:r>
+            <a:r>
+              <a:rPr lang="de-DE" sz="1400" dirty="0" err="1">
                 <a:solidFill>
                   <a:srgbClr val="4A5C66"/>
                 </a:solidFill>
@@ -19967,7 +20963,7 @@
           <a:lstStyle/>
           <a:p>
             <a:r>
-              <a:rPr lang="de-DE" sz="1400" dirty="0" smtClean="0">
+              <a:rPr lang="de-DE" sz="1400" dirty="0">
                 <a:solidFill>
                   <a:srgbClr val="4A5C66"/>
                 </a:solidFill>
@@ -19977,7 +20973,7 @@
               <a:t>Limited </a:t>
             </a:r>
             <a:r>
-              <a:rPr lang="de-DE" sz="1400" dirty="0" err="1" smtClean="0">
+              <a:rPr lang="de-DE" sz="1400" dirty="0" err="1">
                 <a:solidFill>
                   <a:srgbClr val="4A5C66"/>
                 </a:solidFill>
@@ -19985,35 +20981,6 @@
                 <a:cs typeface="Arial" panose="020B0604020202020204" pitchFamily="34" charset="0"/>
               </a:rPr>
               <a:t>with</a:t>
-            </a:r>
-            <a:endParaRPr lang="de-DE" sz="1400" dirty="0" smtClean="0">
-              <a:solidFill>
-                <a:srgbClr val="4A5C66"/>
-              </a:solidFill>
-              <a:latin typeface="Arial" panose="020B0604020202020204" pitchFamily="34" charset="0"/>
-              <a:cs typeface="Arial" panose="020B0604020202020204" pitchFamily="34" charset="0"/>
-            </a:endParaRPr>
-          </a:p>
-          <a:p>
-            <a:r>
-              <a:rPr lang="de-DE" sz="1400" dirty="0" smtClean="0">
-                <a:solidFill>
-                  <a:srgbClr val="4A5C66"/>
-                </a:solidFill>
-                <a:latin typeface="Arial" panose="020B0604020202020204" pitchFamily="34" charset="0"/>
-                <a:cs typeface="Arial" panose="020B0604020202020204" pitchFamily="34" charset="0"/>
-              </a:rPr>
-              <a:t> </a:t>
-            </a:r>
-            <a:r>
-              <a:rPr lang="de-DE" sz="1400" dirty="0" err="1">
-                <a:solidFill>
-                  <a:srgbClr val="4A5C66"/>
-                </a:solidFill>
-                <a:latin typeface="Arial" panose="020B0604020202020204" pitchFamily="34" charset="0"/>
-                <a:cs typeface="Arial" panose="020B0604020202020204" pitchFamily="34" charset="0"/>
-              </a:rPr>
-              <a:t>Chatrooms.ads</a:t>
             </a:r>
             <a:endParaRPr lang="de-DE" sz="1400" dirty="0">
               <a:solidFill>
@@ -20023,51 +20990,28 @@
               <a:cs typeface="Arial" panose="020B0604020202020204" pitchFamily="34" charset="0"/>
             </a:endParaRPr>
           </a:p>
-        </p:txBody>
-      </p:sp>
-      <p:sp>
-        <p:nvSpPr>
-          <p:cNvPr id="23" name="Textfeld 22"/>
-          <p:cNvSpPr txBox="1"/>
-          <p:nvPr/>
-        </p:nvSpPr>
-        <p:spPr>
-          <a:xfrm>
-            <a:off x="3299361" y="5787302"/>
-            <a:ext cx="1697901" cy="492443"/>
-          </a:xfrm>
-          <a:prstGeom prst="rect">
-            <a:avLst/>
-          </a:prstGeom>
-          <a:noFill/>
-        </p:spPr>
-        <p:txBody>
-          <a:bodyPr wrap="none" rtlCol="0">
-            <a:spAutoFit/>
-          </a:bodyPr>
-          <a:lstStyle/>
-          <a:p>
-            <a:r>
-              <a:rPr lang="de-DE" sz="1300" dirty="0" smtClean="0">
-                <a:solidFill>
-                  <a:srgbClr val="4A5C66"/>
-                </a:solidFill>
-                <a:latin typeface="Arial" panose="020B0604020202020204" pitchFamily="34" charset="0"/>
-                <a:cs typeface="Arial" panose="020B0604020202020204" pitchFamily="34" charset="0"/>
-              </a:rPr>
-              <a:t>Type </a:t>
-            </a:r>
-            <a:r>
-              <a:rPr lang="de-DE" sz="1300" dirty="0" err="1" smtClean="0">
-                <a:solidFill>
-                  <a:srgbClr val="4A5C66"/>
-                </a:solidFill>
-                <a:latin typeface="Arial" panose="020B0604020202020204" pitchFamily="34" charset="0"/>
-                <a:cs typeface="Arial" panose="020B0604020202020204" pitchFamily="34" charset="0"/>
-              </a:rPr>
-              <a:t>ChatroomPtr</a:t>
-            </a:r>
-            <a:endParaRPr lang="de-DE" sz="1300" dirty="0" smtClean="0">
+          <a:p>
+            <a:r>
+              <a:rPr lang="de-DE" sz="1400" dirty="0">
+                <a:solidFill>
+                  <a:srgbClr val="4A5C66"/>
+                </a:solidFill>
+                <a:latin typeface="Arial" panose="020B0604020202020204" pitchFamily="34" charset="0"/>
+                <a:cs typeface="Arial" panose="020B0604020202020204" pitchFamily="34" charset="0"/>
+              </a:rPr>
+              <a:t> </a:t>
+            </a:r>
+            <a:r>
+              <a:rPr lang="de-DE" sz="1400" dirty="0" err="1">
+                <a:solidFill>
+                  <a:srgbClr val="4A5C66"/>
+                </a:solidFill>
+                <a:latin typeface="Arial" panose="020B0604020202020204" pitchFamily="34" charset="0"/>
+                <a:cs typeface="Arial" panose="020B0604020202020204" pitchFamily="34" charset="0"/>
+              </a:rPr>
+              <a:t>Chatrooms.ads</a:t>
+            </a:r>
+            <a:endParaRPr lang="de-DE" sz="1400" dirty="0">
               <a:solidFill>
                 <a:srgbClr val="4A5C66"/>
               </a:solidFill>
@@ -20075,56 +21019,49 @@
               <a:cs typeface="Arial" panose="020B0604020202020204" pitchFamily="34" charset="0"/>
             </a:endParaRPr>
           </a:p>
-          <a:p>
-            <a:r>
-              <a:rPr lang="de-DE" sz="1300" dirty="0" smtClean="0">
-                <a:solidFill>
-                  <a:srgbClr val="4A5C66"/>
-                </a:solidFill>
-                <a:latin typeface="Arial" panose="020B0604020202020204" pitchFamily="34" charset="0"/>
-                <a:cs typeface="Arial" panose="020B0604020202020204" pitchFamily="34" charset="0"/>
-              </a:rPr>
-              <a:t> </a:t>
-            </a:r>
-            <a:r>
-              <a:rPr lang="de-DE" sz="1300" dirty="0" err="1" smtClean="0">
-                <a:solidFill>
-                  <a:srgbClr val="4A5C66"/>
-                </a:solidFill>
-                <a:latin typeface="Arial" panose="020B0604020202020204" pitchFamily="34" charset="0"/>
-                <a:cs typeface="Arial" panose="020B0604020202020204" pitchFamily="34" charset="0"/>
-              </a:rPr>
-              <a:t>is</a:t>
-            </a:r>
-            <a:r>
-              <a:rPr lang="de-DE" sz="1300" dirty="0" smtClean="0">
-                <a:solidFill>
-                  <a:srgbClr val="4A5C66"/>
-                </a:solidFill>
-                <a:latin typeface="Arial" panose="020B0604020202020204" pitchFamily="34" charset="0"/>
-                <a:cs typeface="Arial" panose="020B0604020202020204" pitchFamily="34" charset="0"/>
-              </a:rPr>
-              <a:t> </a:t>
-            </a:r>
-            <a:r>
-              <a:rPr lang="de-DE" sz="1300" dirty="0" err="1" smtClean="0">
-                <a:solidFill>
-                  <a:srgbClr val="4A5C66"/>
-                </a:solidFill>
-                <a:latin typeface="Arial" panose="020B0604020202020204" pitchFamily="34" charset="0"/>
-                <a:cs typeface="Arial" panose="020B0604020202020204" pitchFamily="34" charset="0"/>
-              </a:rPr>
-              <a:t>access</a:t>
-            </a:r>
-            <a:r>
-              <a:rPr lang="de-DE" sz="1300" dirty="0" smtClean="0">
-                <a:solidFill>
-                  <a:srgbClr val="4A5C66"/>
-                </a:solidFill>
-                <a:latin typeface="Arial" panose="020B0604020202020204" pitchFamily="34" charset="0"/>
-                <a:cs typeface="Arial" panose="020B0604020202020204" pitchFamily="34" charset="0"/>
-              </a:rPr>
-              <a:t> Chatroom</a:t>
+        </p:txBody>
+      </p:sp>
+      <p:sp>
+        <p:nvSpPr>
+          <p:cNvPr id="23" name="Textfeld 22"/>
+          <p:cNvSpPr txBox="1"/>
+          <p:nvPr/>
+        </p:nvSpPr>
+        <p:spPr>
+          <a:xfrm>
+            <a:off x="3299361" y="5787302"/>
+            <a:ext cx="1697901" cy="492443"/>
+          </a:xfrm>
+          <a:prstGeom prst="rect">
+            <a:avLst/>
+          </a:prstGeom>
+          <a:noFill/>
+        </p:spPr>
+        <p:txBody>
+          <a:bodyPr wrap="none" rtlCol="0">
+            <a:spAutoFit/>
+          </a:bodyPr>
+          <a:lstStyle/>
+          <a:p>
+            <a:r>
+              <a:rPr lang="de-DE" sz="1300" dirty="0">
+                <a:solidFill>
+                  <a:srgbClr val="4A5C66"/>
+                </a:solidFill>
+                <a:latin typeface="Arial" panose="020B0604020202020204" pitchFamily="34" charset="0"/>
+                <a:cs typeface="Arial" panose="020B0604020202020204" pitchFamily="34" charset="0"/>
+              </a:rPr>
+              <a:t>Type </a:t>
+            </a:r>
+            <a:r>
+              <a:rPr lang="de-DE" sz="1300" dirty="0" err="1">
+                <a:solidFill>
+                  <a:srgbClr val="4A5C66"/>
+                </a:solidFill>
+                <a:latin typeface="Arial" panose="020B0604020202020204" pitchFamily="34" charset="0"/>
+                <a:cs typeface="Arial" panose="020B0604020202020204" pitchFamily="34" charset="0"/>
+              </a:rPr>
+              <a:t>ChatroomPtr</a:t>
             </a:r>
             <a:endParaRPr lang="de-DE" sz="1300" dirty="0">
               <a:solidFill>
@@ -20133,6 +21070,58 @@
               <a:latin typeface="Arial" panose="020B0604020202020204" pitchFamily="34" charset="0"/>
               <a:cs typeface="Arial" panose="020B0604020202020204" pitchFamily="34" charset="0"/>
             </a:endParaRPr>
+          </a:p>
+          <a:p>
+            <a:r>
+              <a:rPr lang="de-DE" sz="1300" dirty="0">
+                <a:solidFill>
+                  <a:srgbClr val="4A5C66"/>
+                </a:solidFill>
+                <a:latin typeface="Arial" panose="020B0604020202020204" pitchFamily="34" charset="0"/>
+                <a:cs typeface="Arial" panose="020B0604020202020204" pitchFamily="34" charset="0"/>
+              </a:rPr>
+              <a:t> </a:t>
+            </a:r>
+            <a:r>
+              <a:rPr lang="de-DE" sz="1300" dirty="0" err="1">
+                <a:solidFill>
+                  <a:srgbClr val="4A5C66"/>
+                </a:solidFill>
+                <a:latin typeface="Arial" panose="020B0604020202020204" pitchFamily="34" charset="0"/>
+                <a:cs typeface="Arial" panose="020B0604020202020204" pitchFamily="34" charset="0"/>
+              </a:rPr>
+              <a:t>is</a:t>
+            </a:r>
+            <a:r>
+              <a:rPr lang="de-DE" sz="1300" dirty="0">
+                <a:solidFill>
+                  <a:srgbClr val="4A5C66"/>
+                </a:solidFill>
+                <a:latin typeface="Arial" panose="020B0604020202020204" pitchFamily="34" charset="0"/>
+                <a:cs typeface="Arial" panose="020B0604020202020204" pitchFamily="34" charset="0"/>
+              </a:rPr>
+              <a:t> </a:t>
+            </a:r>
+            <a:r>
+              <a:rPr lang="de-DE" sz="1300" dirty="0" err="1">
+                <a:solidFill>
+                  <a:srgbClr val="4A5C66"/>
+                </a:solidFill>
+                <a:latin typeface="Arial" panose="020B0604020202020204" pitchFamily="34" charset="0"/>
+                <a:cs typeface="Arial" panose="020B0604020202020204" pitchFamily="34" charset="0"/>
+              </a:rPr>
+              <a:t>access</a:t>
+            </a:r>
+            <a:r>
+              <a:rPr lang="de-DE" sz="1300" dirty="0">
+                <a:solidFill>
+                  <a:srgbClr val="4A5C66"/>
+                </a:solidFill>
+                <a:latin typeface="Arial" panose="020B0604020202020204" pitchFamily="34" charset="0"/>
+                <a:cs typeface="Arial" panose="020B0604020202020204" pitchFamily="34" charset="0"/>
+              </a:rPr>
+              <a:t> Chatroom</a:t>
+            </a:r>
           </a:p>
         </p:txBody>
       </p:sp>
@@ -20217,17 +21206,10 @@
   <p:clrMapOvr>
     <a:masterClrMapping/>
   </p:clrMapOvr>
-  <p:timing>
-    <p:tnLst>
-      <p:par>
-        <p:cTn id="1" dur="indefinite" restart="never" nodeType="tmRoot"/>
-      </p:par>
-    </p:tnLst>
-  </p:timing>
 </p:sld>
 </file>
 
-<file path=ppt/slides/slide37.xml><?xml version="1.0" encoding="utf-8"?>
+<file path=ppt/slides/slide39.xml><?xml version="1.0" encoding="utf-8"?>
 <p:sld xmlns:a="http://schemas.openxmlformats.org/drawingml/2006/main" xmlns:r="http://schemas.openxmlformats.org/officeDocument/2006/relationships" xmlns:p="http://schemas.openxmlformats.org/presentationml/2006/main">
   <p:cSld>
     <p:spTree>
@@ -20265,10 +21247,9 @@
           <a:lstStyle/>
           <a:p>
             <a:r>
-              <a:rPr lang="de-DE" dirty="0" smtClean="0"/>
+              <a:rPr lang="de-DE" dirty="0"/>
               <a:t>Compilerfehler</a:t>
             </a:r>
-            <a:endParaRPr lang="de-DE" dirty="0"/>
           </a:p>
         </p:txBody>
       </p:sp>
@@ -20323,13 +21304,6 @@
   <p:clrMapOvr>
     <a:masterClrMapping/>
   </p:clrMapOvr>
-  <p:timing>
-    <p:tnLst>
-      <p:par>
-        <p:cTn id="1" dur="indefinite" restart="never" nodeType="tmRoot"/>
-      </p:par>
-    </p:tnLst>
-  </p:timing>
 </p:sld>
 </file>
 
@@ -20641,21 +21615,6 @@
   <p:clrMapOvr>
     <a:masterClrMapping/>
   </p:clrMapOvr>
-  <mc:AlternateContent xmlns:mc="http://schemas.openxmlformats.org/markup-compatibility/2006">
-    <mc:Choice xmlns:p14="http://schemas.microsoft.com/office/powerpoint/2010/main" Requires="p14">
-      <p:transition spd="slow" p14:dur="2000"/>
-    </mc:Choice>
-    <mc:Fallback>
-      <p:transition spd="slow"/>
-    </mc:Fallback>
-  </mc:AlternateContent>
-  <p:timing>
-    <p:tnLst>
-      <p:par>
-        <p:cTn id="1" dur="indefinite" restart="never" nodeType="tmRoot"/>
-      </p:par>
-    </p:tnLst>
-  </p:timing>
 </p:sld>
 </file>
 
@@ -20759,21 +21718,6 @@
   <p:clrMapOvr>
     <a:masterClrMapping/>
   </p:clrMapOvr>
-  <mc:AlternateContent xmlns:mc="http://schemas.openxmlformats.org/markup-compatibility/2006">
-    <mc:Choice xmlns:p14="http://schemas.microsoft.com/office/powerpoint/2010/main" Requires="p14">
-      <p:transition spd="slow" p14:dur="2000"/>
-    </mc:Choice>
-    <mc:Fallback>
-      <p:transition spd="slow"/>
-    </mc:Fallback>
-  </mc:AlternateContent>
-  <p:timing>
-    <p:tnLst>
-      <p:par>
-        <p:cTn id="1" dur="indefinite" restart="never" nodeType="tmRoot"/>
-      </p:par>
-    </p:tnLst>
-  </p:timing>
 </p:sld>
 </file>
 
@@ -20860,13 +21804,6 @@
   <p:clrMapOvr>
     <a:masterClrMapping/>
   </p:clrMapOvr>
-  <p:timing>
-    <p:tnLst>
-      <p:par>
-        <p:cTn id="1" dur="indefinite" restart="never" nodeType="tmRoot"/>
-      </p:par>
-    </p:tnLst>
-  </p:timing>
 </p:sld>
 </file>
 
@@ -20970,7 +21907,7 @@
               <a:buChar char="•"/>
             </a:pPr>
             <a:r>
-              <a:rPr lang="de-DE" sz="1700" dirty="0" smtClean="0">
+              <a:rPr lang="de-DE" sz="1700" dirty="0">
                 <a:solidFill>
                   <a:srgbClr val="4A5C66"/>
                 </a:solidFill>
@@ -20986,7 +21923,7 @@
               <a:buChar char="•"/>
             </a:pPr>
             <a:r>
-              <a:rPr lang="de-DE" sz="1700" dirty="0" smtClean="0">
+              <a:rPr lang="de-DE" sz="1700" dirty="0">
                 <a:solidFill>
                   <a:srgbClr val="4A5C66"/>
                 </a:solidFill>
@@ -21002,7 +21939,7 @@
               <a:buChar char="•"/>
             </a:pPr>
             <a:r>
-              <a:rPr lang="de-DE" sz="1700" dirty="0" err="1" smtClean="0">
+              <a:rPr lang="de-DE" sz="1700" dirty="0" err="1">
                 <a:solidFill>
                   <a:srgbClr val="4A5C66"/>
                 </a:solidFill>
@@ -21011,7 +21948,7 @@
               </a:rPr>
               <a:t>Addcontact</a:t>
             </a:r>
-            <a:endParaRPr lang="de-DE" sz="1700" dirty="0" smtClean="0">
+            <a:endParaRPr lang="de-DE" sz="1700" dirty="0">
               <a:solidFill>
                 <a:srgbClr val="4A5C66"/>
               </a:solidFill>
@@ -21025,7 +21962,7 @@
               <a:buChar char="•"/>
             </a:pPr>
             <a:r>
-              <a:rPr lang="de-DE" sz="1700" dirty="0" err="1" smtClean="0">
+              <a:rPr lang="de-DE" sz="1700" dirty="0" err="1">
                 <a:solidFill>
                   <a:srgbClr val="4A5C66"/>
                 </a:solidFill>
@@ -21034,7 +21971,7 @@
               </a:rPr>
               <a:t>Chatrequest</a:t>
             </a:r>
-            <a:endParaRPr lang="de-DE" sz="1700" dirty="0" smtClean="0">
+            <a:endParaRPr lang="de-DE" sz="1700" dirty="0">
               <a:solidFill>
                 <a:srgbClr val="4A5C66"/>
               </a:solidFill>
@@ -21048,7 +21985,7 @@
               <a:buChar char="•"/>
             </a:pPr>
             <a:r>
-              <a:rPr lang="de-DE" sz="1700" dirty="0" smtClean="0">
+              <a:rPr lang="de-DE" sz="1700" dirty="0">
                 <a:solidFill>
                   <a:srgbClr val="4A5C66"/>
                 </a:solidFill>
@@ -21064,7 +22001,7 @@
               <a:buChar char="•"/>
             </a:pPr>
             <a:r>
-              <a:rPr lang="de-DE" sz="1700" dirty="0" smtClean="0">
+              <a:rPr lang="de-DE" sz="1700" dirty="0">
                 <a:solidFill>
                   <a:srgbClr val="4A5C66"/>
                 </a:solidFill>
@@ -21079,14 +22016,14 @@
               <a:buFont typeface="Arial" panose="020B0604020202020204" pitchFamily="34" charset="0"/>
               <a:buChar char="•"/>
             </a:pPr>
-            <a:endParaRPr lang="de-DE" dirty="0" smtClean="0"/>
+            <a:endParaRPr lang="de-DE" dirty="0"/>
           </a:p>
           <a:p>
             <a:pPr marL="285750" indent="-285750">
               <a:buFont typeface="Arial" panose="020B0604020202020204" pitchFamily="34" charset="0"/>
               <a:buChar char="•"/>
             </a:pPr>
-            <a:endParaRPr lang="de-DE" dirty="0" smtClean="0"/>
+            <a:endParaRPr lang="de-DE" dirty="0"/>
           </a:p>
           <a:p>
             <a:pPr marL="285750" indent="-285750">
@@ -21107,13 +22044,6 @@
   <p:clrMapOvr>
     <a:masterClrMapping/>
   </p:clrMapOvr>
-  <p:timing>
-    <p:tnLst>
-      <p:par>
-        <p:cTn id="1" dur="indefinite" restart="never" nodeType="tmRoot"/>
-      </p:par>
-    </p:tnLst>
-  </p:timing>
 </p:sld>
 </file>
 
@@ -21217,7 +22147,7 @@
               <a:buChar char="•"/>
             </a:pPr>
             <a:r>
-              <a:rPr lang="de-DE" sz="1700" dirty="0" smtClean="0">
+              <a:rPr lang="de-DE" sz="1700" dirty="0">
                 <a:solidFill>
                   <a:schemeClr val="bg1">
                     <a:lumMod val="75000"/>
@@ -21235,7 +22165,7 @@
               <a:buChar char="•"/>
             </a:pPr>
             <a:r>
-              <a:rPr lang="de-DE" sz="1700" dirty="0" smtClean="0">
+              <a:rPr lang="de-DE" sz="1700" dirty="0">
                 <a:solidFill>
                   <a:schemeClr val="bg1">
                     <a:lumMod val="75000"/>
@@ -21253,7 +22183,7 @@
               <a:buChar char="•"/>
             </a:pPr>
             <a:r>
-              <a:rPr lang="de-DE" sz="1700" dirty="0" err="1" smtClean="0">
+              <a:rPr lang="de-DE" sz="1700" dirty="0" err="1">
                 <a:solidFill>
                   <a:schemeClr val="bg1">
                     <a:lumMod val="75000"/>
@@ -21264,7 +22194,7 @@
               </a:rPr>
               <a:t>Addcontact</a:t>
             </a:r>
-            <a:endParaRPr lang="de-DE" sz="1700" dirty="0" smtClean="0">
+            <a:endParaRPr lang="de-DE" sz="1700" dirty="0">
               <a:solidFill>
                 <a:schemeClr val="bg1">
                   <a:lumMod val="75000"/>
@@ -21280,7 +22210,7 @@
               <a:buChar char="•"/>
             </a:pPr>
             <a:r>
-              <a:rPr lang="de-DE" sz="1700" dirty="0" err="1" smtClean="0">
+              <a:rPr lang="de-DE" sz="1700" dirty="0" err="1">
                 <a:solidFill>
                   <a:schemeClr val="bg1">
                     <a:lumMod val="75000"/>
@@ -21291,7 +22221,7 @@
               </a:rPr>
               <a:t>Chatrequest</a:t>
             </a:r>
-            <a:endParaRPr lang="de-DE" sz="1700" dirty="0" smtClean="0">
+            <a:endParaRPr lang="de-DE" sz="1700" dirty="0">
               <a:solidFill>
                 <a:schemeClr val="bg1">
                   <a:lumMod val="75000"/>
@@ -21307,7 +22237,7 @@
               <a:buChar char="•"/>
             </a:pPr>
             <a:r>
-              <a:rPr lang="de-DE" sz="1700" dirty="0" smtClean="0">
+              <a:rPr lang="de-DE" sz="1700" dirty="0">
                 <a:solidFill>
                   <a:schemeClr val="bg1">
                     <a:lumMod val="75000"/>
@@ -21325,7 +22255,7 @@
               <a:buChar char="•"/>
             </a:pPr>
             <a:r>
-              <a:rPr lang="de-DE" sz="1700" dirty="0" smtClean="0">
+              <a:rPr lang="de-DE" sz="1700" dirty="0">
                 <a:solidFill>
                   <a:schemeClr val="bg1">
                     <a:lumMod val="75000"/>
@@ -21336,32 +22266,6 @@
               </a:rPr>
               <a:t>…</a:t>
             </a:r>
-          </a:p>
-          <a:p>
-            <a:pPr marL="285750" indent="-285750">
-              <a:buFont typeface="Arial" panose="020B0604020202020204" pitchFamily="34" charset="0"/>
-              <a:buChar char="•"/>
-            </a:pPr>
-            <a:endParaRPr lang="de-DE" dirty="0" smtClean="0">
-              <a:solidFill>
-                <a:srgbClr val="4A5C66"/>
-              </a:solidFill>
-              <a:latin typeface="Arial" panose="020B0604020202020204" pitchFamily="34" charset="0"/>
-              <a:cs typeface="Arial" panose="020B0604020202020204" pitchFamily="34" charset="0"/>
-            </a:endParaRPr>
-          </a:p>
-          <a:p>
-            <a:pPr marL="285750" indent="-285750">
-              <a:buFont typeface="Arial" panose="020B0604020202020204" pitchFamily="34" charset="0"/>
-              <a:buChar char="•"/>
-            </a:pPr>
-            <a:endParaRPr lang="de-DE" dirty="0" smtClean="0">
-              <a:solidFill>
-                <a:srgbClr val="4A5C66"/>
-              </a:solidFill>
-              <a:latin typeface="Arial" panose="020B0604020202020204" pitchFamily="34" charset="0"/>
-              <a:cs typeface="Arial" panose="020B0604020202020204" pitchFamily="34" charset="0"/>
-            </a:endParaRPr>
           </a:p>
           <a:p>
             <a:pPr marL="285750" indent="-285750">
@@ -21376,158 +22280,6 @@
               <a:cs typeface="Arial" panose="020B0604020202020204" pitchFamily="34" charset="0"/>
             </a:endParaRPr>
           </a:p>
-        </p:txBody>
-      </p:sp>
-      <p:sp>
-        <p:nvSpPr>
-          <p:cNvPr id="6" name="Textfeld 5"/>
-          <p:cNvSpPr txBox="1"/>
-          <p:nvPr/>
-        </p:nvSpPr>
-        <p:spPr>
-          <a:xfrm>
-            <a:off x="2377440" y="2800119"/>
-            <a:ext cx="2017440" cy="2585323"/>
-          </a:xfrm>
-          <a:prstGeom prst="rect">
-            <a:avLst/>
-          </a:prstGeom>
-          <a:noFill/>
-        </p:spPr>
-        <p:txBody>
-          <a:bodyPr wrap="square" rtlCol="0">
-            <a:spAutoFit/>
-          </a:bodyPr>
-          <a:lstStyle/>
-          <a:p>
-            <a:pPr marL="285750" indent="-285750">
-              <a:buFont typeface="Arial" panose="020B0604020202020204" pitchFamily="34" charset="0"/>
-              <a:buChar char="•"/>
-            </a:pPr>
-            <a:r>
-              <a:rPr lang="de-DE" sz="1700" dirty="0" smtClean="0">
-                <a:solidFill>
-                  <a:srgbClr val="4A5C66"/>
-                </a:solidFill>
-                <a:latin typeface="Arial" panose="020B0604020202020204" pitchFamily="34" charset="0"/>
-                <a:cs typeface="Arial" panose="020B0604020202020204" pitchFamily="34" charset="0"/>
-              </a:rPr>
-              <a:t>Server</a:t>
-            </a:r>
-          </a:p>
-          <a:p>
-            <a:pPr marL="285750" indent="-285750">
-              <a:buFont typeface="Arial" panose="020B0604020202020204" pitchFamily="34" charset="0"/>
-              <a:buChar char="•"/>
-            </a:pPr>
-            <a:r>
-              <a:rPr lang="de-DE" sz="1700" dirty="0" smtClean="0">
-                <a:solidFill>
-                  <a:srgbClr val="4A5C66"/>
-                </a:solidFill>
-                <a:latin typeface="Arial" panose="020B0604020202020204" pitchFamily="34" charset="0"/>
-                <a:cs typeface="Arial" panose="020B0604020202020204" pitchFamily="34" charset="0"/>
-              </a:rPr>
-              <a:t>S3xyH3xy</a:t>
-            </a:r>
-          </a:p>
-          <a:p>
-            <a:pPr marL="285750" indent="-285750">
-              <a:buFont typeface="Arial" panose="020B0604020202020204" pitchFamily="34" charset="0"/>
-              <a:buChar char="•"/>
-            </a:pPr>
-            <a:r>
-              <a:rPr lang="de-DE" sz="1700" dirty="0" err="1" smtClean="0">
-                <a:solidFill>
-                  <a:srgbClr val="4A5C66"/>
-                </a:solidFill>
-                <a:latin typeface="Arial" panose="020B0604020202020204" pitchFamily="34" charset="0"/>
-                <a:cs typeface="Arial" panose="020B0604020202020204" pitchFamily="34" charset="0"/>
-              </a:rPr>
-              <a:t>DarkMaster</a:t>
-            </a:r>
-            <a:endParaRPr lang="de-DE" sz="1700" dirty="0" smtClean="0">
-              <a:solidFill>
-                <a:srgbClr val="4A5C66"/>
-              </a:solidFill>
-              <a:latin typeface="Arial" panose="020B0604020202020204" pitchFamily="34" charset="0"/>
-              <a:cs typeface="Arial" panose="020B0604020202020204" pitchFamily="34" charset="0"/>
-            </a:endParaRPr>
-          </a:p>
-          <a:p>
-            <a:pPr marL="285750" indent="-285750">
-              <a:buFont typeface="Arial" panose="020B0604020202020204" pitchFamily="34" charset="0"/>
-              <a:buChar char="•"/>
-            </a:pPr>
-            <a:r>
-              <a:rPr lang="de-DE" sz="1700" dirty="0" smtClean="0">
-                <a:solidFill>
-                  <a:srgbClr val="4A5C66"/>
-                </a:solidFill>
-                <a:latin typeface="Arial" panose="020B0604020202020204" pitchFamily="34" charset="0"/>
-                <a:cs typeface="Arial" panose="020B0604020202020204" pitchFamily="34" charset="0"/>
-              </a:rPr>
-              <a:t>L1chK1ng</a:t>
-            </a:r>
-          </a:p>
-          <a:p>
-            <a:pPr marL="285750" indent="-285750">
-              <a:buFont typeface="Arial" panose="020B0604020202020204" pitchFamily="34" charset="0"/>
-              <a:buChar char="•"/>
-            </a:pPr>
-            <a:r>
-              <a:rPr lang="de-DE" sz="1700" dirty="0" smtClean="0">
-                <a:solidFill>
-                  <a:srgbClr val="4A5C66"/>
-                </a:solidFill>
-                <a:latin typeface="Arial" panose="020B0604020202020204" pitchFamily="34" charset="0"/>
-                <a:cs typeface="Arial" panose="020B0604020202020204" pitchFamily="34" charset="0"/>
-              </a:rPr>
-              <a:t>Harald</a:t>
-            </a:r>
-          </a:p>
-          <a:p>
-            <a:pPr marL="285750" indent="-285750">
-              <a:buFont typeface="Arial" panose="020B0604020202020204" pitchFamily="34" charset="0"/>
-              <a:buChar char="•"/>
-            </a:pPr>
-            <a:r>
-              <a:rPr lang="de-DE" sz="1700" dirty="0" smtClean="0">
-                <a:solidFill>
-                  <a:srgbClr val="4A5C66"/>
-                </a:solidFill>
-                <a:latin typeface="Arial" panose="020B0604020202020204" pitchFamily="34" charset="0"/>
-                <a:cs typeface="Arial" panose="020B0604020202020204" pitchFamily="34" charset="0"/>
-              </a:rPr>
-              <a:t>…</a:t>
-            </a:r>
-          </a:p>
-          <a:p>
-            <a:pPr marL="285750" indent="-285750">
-              <a:buFont typeface="Arial" panose="020B0604020202020204" pitchFamily="34" charset="0"/>
-              <a:buChar char="•"/>
-            </a:pPr>
-            <a:endParaRPr lang="de-DE" dirty="0" smtClean="0">
-              <a:solidFill>
-                <a:srgbClr val="4A5C66"/>
-              </a:solidFill>
-              <a:latin typeface="Arial" panose="020B0604020202020204" pitchFamily="34" charset="0"/>
-              <a:cs typeface="Arial" panose="020B0604020202020204" pitchFamily="34" charset="0"/>
-            </a:endParaRPr>
-          </a:p>
-          <a:p>
-            <a:pPr marL="285750" indent="-285750">
-              <a:buFont typeface="Arial" panose="020B0604020202020204" pitchFamily="34" charset="0"/>
-              <a:buChar char="•"/>
-            </a:pPr>
-            <a:endParaRPr lang="de-DE" dirty="0" smtClean="0">
-              <a:solidFill>
-                <a:srgbClr val="4A5C66"/>
-              </a:solidFill>
-              <a:latin typeface="Arial" panose="020B0604020202020204" pitchFamily="34" charset="0"/>
-              <a:cs typeface="Arial" panose="020B0604020202020204" pitchFamily="34" charset="0"/>
-            </a:endParaRPr>
-          </a:p>
           <a:p>
             <a:pPr marL="285750" indent="-285750">
               <a:buFont typeface="Arial" panose="020B0604020202020204" pitchFamily="34" charset="0"/>
@@ -21541,6 +22293,184 @@
               <a:cs typeface="Arial" panose="020B0604020202020204" pitchFamily="34" charset="0"/>
             </a:endParaRPr>
           </a:p>
+          <a:p>
+            <a:pPr marL="285750" indent="-285750">
+              <a:buFont typeface="Arial" panose="020B0604020202020204" pitchFamily="34" charset="0"/>
+              <a:buChar char="•"/>
+            </a:pPr>
+            <a:endParaRPr lang="de-DE" dirty="0">
+              <a:solidFill>
+                <a:srgbClr val="4A5C66"/>
+              </a:solidFill>
+              <a:latin typeface="Arial" panose="020B0604020202020204" pitchFamily="34" charset="0"/>
+              <a:cs typeface="Arial" panose="020B0604020202020204" pitchFamily="34" charset="0"/>
+            </a:endParaRPr>
+          </a:p>
+        </p:txBody>
+      </p:sp>
+      <p:sp>
+        <p:nvSpPr>
+          <p:cNvPr id="6" name="Textfeld 5"/>
+          <p:cNvSpPr txBox="1"/>
+          <p:nvPr/>
+        </p:nvSpPr>
+        <p:spPr>
+          <a:xfrm>
+            <a:off x="2377440" y="2800119"/>
+            <a:ext cx="2017440" cy="2585323"/>
+          </a:xfrm>
+          <a:prstGeom prst="rect">
+            <a:avLst/>
+          </a:prstGeom>
+          <a:noFill/>
+        </p:spPr>
+        <p:txBody>
+          <a:bodyPr wrap="square" rtlCol="0">
+            <a:spAutoFit/>
+          </a:bodyPr>
+          <a:lstStyle/>
+          <a:p>
+            <a:pPr marL="285750" indent="-285750">
+              <a:buFont typeface="Arial" panose="020B0604020202020204" pitchFamily="34" charset="0"/>
+              <a:buChar char="•"/>
+            </a:pPr>
+            <a:r>
+              <a:rPr lang="de-DE" sz="1700" dirty="0">
+                <a:solidFill>
+                  <a:srgbClr val="4A5C66"/>
+                </a:solidFill>
+                <a:latin typeface="Arial" panose="020B0604020202020204" pitchFamily="34" charset="0"/>
+                <a:cs typeface="Arial" panose="020B0604020202020204" pitchFamily="34" charset="0"/>
+              </a:rPr>
+              <a:t>Server</a:t>
+            </a:r>
+          </a:p>
+          <a:p>
+            <a:pPr marL="285750" indent="-285750">
+              <a:buFont typeface="Arial" panose="020B0604020202020204" pitchFamily="34" charset="0"/>
+              <a:buChar char="•"/>
+            </a:pPr>
+            <a:r>
+              <a:rPr lang="de-DE" sz="1700" dirty="0">
+                <a:solidFill>
+                  <a:srgbClr val="4A5C66"/>
+                </a:solidFill>
+                <a:latin typeface="Arial" panose="020B0604020202020204" pitchFamily="34" charset="0"/>
+                <a:cs typeface="Arial" panose="020B0604020202020204" pitchFamily="34" charset="0"/>
+              </a:rPr>
+              <a:t>S3xyH3xy</a:t>
+            </a:r>
+          </a:p>
+          <a:p>
+            <a:pPr marL="285750" indent="-285750">
+              <a:buFont typeface="Arial" panose="020B0604020202020204" pitchFamily="34" charset="0"/>
+              <a:buChar char="•"/>
+            </a:pPr>
+            <a:r>
+              <a:rPr lang="de-DE" sz="1700" dirty="0" err="1">
+                <a:solidFill>
+                  <a:srgbClr val="4A5C66"/>
+                </a:solidFill>
+                <a:latin typeface="Arial" panose="020B0604020202020204" pitchFamily="34" charset="0"/>
+                <a:cs typeface="Arial" panose="020B0604020202020204" pitchFamily="34" charset="0"/>
+              </a:rPr>
+              <a:t>DarkMaster</a:t>
+            </a:r>
+            <a:endParaRPr lang="de-DE" sz="1700" dirty="0">
+              <a:solidFill>
+                <a:srgbClr val="4A5C66"/>
+              </a:solidFill>
+              <a:latin typeface="Arial" panose="020B0604020202020204" pitchFamily="34" charset="0"/>
+              <a:cs typeface="Arial" panose="020B0604020202020204" pitchFamily="34" charset="0"/>
+            </a:endParaRPr>
+          </a:p>
+          <a:p>
+            <a:pPr marL="285750" indent="-285750">
+              <a:buFont typeface="Arial" panose="020B0604020202020204" pitchFamily="34" charset="0"/>
+              <a:buChar char="•"/>
+            </a:pPr>
+            <a:r>
+              <a:rPr lang="de-DE" sz="1700" dirty="0">
+                <a:solidFill>
+                  <a:srgbClr val="4A5C66"/>
+                </a:solidFill>
+                <a:latin typeface="Arial" panose="020B0604020202020204" pitchFamily="34" charset="0"/>
+                <a:cs typeface="Arial" panose="020B0604020202020204" pitchFamily="34" charset="0"/>
+              </a:rPr>
+              <a:t>L1chK1ng</a:t>
+            </a:r>
+          </a:p>
+          <a:p>
+            <a:pPr marL="285750" indent="-285750">
+              <a:buFont typeface="Arial" panose="020B0604020202020204" pitchFamily="34" charset="0"/>
+              <a:buChar char="•"/>
+            </a:pPr>
+            <a:r>
+              <a:rPr lang="de-DE" sz="1700" dirty="0">
+                <a:solidFill>
+                  <a:srgbClr val="4A5C66"/>
+                </a:solidFill>
+                <a:latin typeface="Arial" panose="020B0604020202020204" pitchFamily="34" charset="0"/>
+                <a:cs typeface="Arial" panose="020B0604020202020204" pitchFamily="34" charset="0"/>
+              </a:rPr>
+              <a:t>Harald</a:t>
+            </a:r>
+          </a:p>
+          <a:p>
+            <a:pPr marL="285750" indent="-285750">
+              <a:buFont typeface="Arial" panose="020B0604020202020204" pitchFamily="34" charset="0"/>
+              <a:buChar char="•"/>
+            </a:pPr>
+            <a:r>
+              <a:rPr lang="de-DE" sz="1700" dirty="0">
+                <a:solidFill>
+                  <a:srgbClr val="4A5C66"/>
+                </a:solidFill>
+                <a:latin typeface="Arial" panose="020B0604020202020204" pitchFamily="34" charset="0"/>
+                <a:cs typeface="Arial" panose="020B0604020202020204" pitchFamily="34" charset="0"/>
+              </a:rPr>
+              <a:t>…</a:t>
+            </a:r>
+          </a:p>
+          <a:p>
+            <a:pPr marL="285750" indent="-285750">
+              <a:buFont typeface="Arial" panose="020B0604020202020204" pitchFamily="34" charset="0"/>
+              <a:buChar char="•"/>
+            </a:pPr>
+            <a:endParaRPr lang="de-DE" dirty="0">
+              <a:solidFill>
+                <a:srgbClr val="4A5C66"/>
+              </a:solidFill>
+              <a:latin typeface="Arial" panose="020B0604020202020204" pitchFamily="34" charset="0"/>
+              <a:cs typeface="Arial" panose="020B0604020202020204" pitchFamily="34" charset="0"/>
+            </a:endParaRPr>
+          </a:p>
+          <a:p>
+            <a:pPr marL="285750" indent="-285750">
+              <a:buFont typeface="Arial" panose="020B0604020202020204" pitchFamily="34" charset="0"/>
+              <a:buChar char="•"/>
+            </a:pPr>
+            <a:endParaRPr lang="de-DE" dirty="0">
+              <a:solidFill>
+                <a:srgbClr val="4A5C66"/>
+              </a:solidFill>
+              <a:latin typeface="Arial" panose="020B0604020202020204" pitchFamily="34" charset="0"/>
+              <a:cs typeface="Arial" panose="020B0604020202020204" pitchFamily="34" charset="0"/>
+            </a:endParaRPr>
+          </a:p>
+          <a:p>
+            <a:pPr marL="285750" indent="-285750">
+              <a:buFont typeface="Arial" panose="020B0604020202020204" pitchFamily="34" charset="0"/>
+              <a:buChar char="•"/>
+            </a:pPr>
+            <a:endParaRPr lang="de-DE" dirty="0">
+              <a:solidFill>
+                <a:srgbClr val="4A5C66"/>
+              </a:solidFill>
+              <a:latin typeface="Arial" panose="020B0604020202020204" pitchFamily="34" charset="0"/>
+              <a:cs typeface="Arial" panose="020B0604020202020204" pitchFamily="34" charset="0"/>
+            </a:endParaRPr>
+          </a:p>
         </p:txBody>
       </p:sp>
     </p:spTree>
@@ -21553,13 +22483,6 @@
   <p:clrMapOvr>
     <a:masterClrMapping/>
   </p:clrMapOvr>
-  <p:timing>
-    <p:tnLst>
-      <p:par>
-        <p:cTn id="1" dur="indefinite" restart="never" nodeType="tmRoot"/>
-      </p:par>
-    </p:tnLst>
-  </p:timing>
 </p:sld>
 </file>
 

--- a/documentation/Ada Chat.pptx
+++ b/documentation/Ada Chat.pptx
@@ -37,8 +37,8 @@
     <p:sldId id="305" r:id="rId28"/>
     <p:sldId id="278" r:id="rId29"/>
     <p:sldId id="269" r:id="rId30"/>
-    <p:sldId id="268" r:id="rId31"/>
-    <p:sldId id="306" r:id="rId32"/>
+    <p:sldId id="306" r:id="rId31"/>
+    <p:sldId id="268" r:id="rId32"/>
     <p:sldId id="276" r:id="rId33"/>
     <p:sldId id="270" r:id="rId34"/>
     <p:sldId id="298" r:id="rId35"/>
@@ -7747,27 +7747,6 @@
           <a:p>
             <a:r>
               <a:rPr lang="de-DE" dirty="0"/>
-              <a:t>Leider einige Probleme:</a:t>
-            </a:r>
-          </a:p>
-          <a:p>
-            <a:pPr lvl="1"/>
-            <a:r>
-              <a:rPr lang="de-DE" dirty="0"/>
-              <a:t>Dokumentation oft nur für andere Sprachen</a:t>
-            </a:r>
-          </a:p>
-          <a:p>
-            <a:pPr lvl="1"/>
-            <a:r>
-              <a:rPr lang="de-DE" dirty="0" err="1"/>
-              <a:t>Tasking</a:t>
-            </a:r>
-            <a:endParaRPr lang="de-DE" dirty="0"/>
-          </a:p>
-          <a:p>
-            <a:r>
-              <a:rPr lang="de-DE" dirty="0"/>
               <a:t>Es gibt einen WYSIWYG Editor, der auch von </a:t>
             </a:r>
             <a:r>
@@ -8095,7 +8074,7 @@
 </file>
 
 <file path=ppt/slides/slide24.xml><?xml version="1.0" encoding="utf-8"?>
-<p:sld xmlns:a="http://schemas.openxmlformats.org/drawingml/2006/main" xmlns:r="http://schemas.openxmlformats.org/officeDocument/2006/relationships" xmlns:p="http://schemas.openxmlformats.org/presentationml/2006/main">
+<p:sld xmlns:a="http://schemas.openxmlformats.org/drawingml/2006/main" xmlns:r="http://schemas.openxmlformats.org/officeDocument/2006/relationships" xmlns:p="http://schemas.openxmlformats.org/presentationml/2006/main" show="0">
   <p:cSld>
     <p:spTree>
       <p:nvGrpSpPr>
@@ -8245,21 +8224,16 @@
           <a:lstStyle/>
           <a:p>
             <a:r>
-              <a:rPr lang="de-DE" dirty="0"/>
-              <a:t>Dokumentation </a:t>
-            </a:r>
-            <a:r>
-              <a:rPr lang="de-DE"/>
-              <a:t>von Ada</a:t>
-            </a:r>
-            <a:endParaRPr lang="de-DE" dirty="0"/>
-          </a:p>
-          <a:p>
-            <a:r>
               <a:rPr lang="de-DE" dirty="0" err="1"/>
               <a:t>GtkAda</a:t>
             </a:r>
             <a:endParaRPr lang="de-DE" dirty="0"/>
+          </a:p>
+          <a:p>
+            <a:r>
+              <a:rPr lang="de-DE" dirty="0"/>
+              <a:t>Dokumentation von Ada</a:t>
+            </a:r>
           </a:p>
           <a:p>
             <a:r>
@@ -11395,12 +11369,6 @@
             <a:r>
               <a:rPr lang="de-DE" dirty="0"/>
               <a:t>Anwendungspräsentation</a:t>
-            </a:r>
-          </a:p>
-          <a:p>
-            <a:r>
-              <a:rPr lang="de-DE" dirty="0"/>
-              <a:t>Erweiterbarkeit</a:t>
             </a:r>
           </a:p>
           <a:p>
@@ -11939,198 +11907,6 @@
           </a:p>
         </p:txBody>
       </p:sp>
-      <p:cxnSp>
-        <p:nvCxnSpPr>
-          <p:cNvPr id="2069" name="Gerade Verbindung mit Pfeil 2068"/>
-          <p:cNvCxnSpPr/>
-          <p:nvPr/>
-        </p:nvCxnSpPr>
-        <p:spPr>
-          <a:xfrm>
-            <a:off x="2134853" y="2995232"/>
-            <a:ext cx="1222702" cy="2123715"/>
-          </a:xfrm>
-          <a:prstGeom prst="straightConnector1">
-            <a:avLst/>
-          </a:prstGeom>
-          <a:ln w="28575">
-            <a:tailEnd type="triangle"/>
-          </a:ln>
-        </p:spPr>
-        <p:style>
-          <a:lnRef idx="2">
-            <a:schemeClr val="accent2"/>
-          </a:lnRef>
-          <a:fillRef idx="0">
-            <a:schemeClr val="accent2"/>
-          </a:fillRef>
-          <a:effectRef idx="1">
-            <a:schemeClr val="accent2"/>
-          </a:effectRef>
-          <a:fontRef idx="minor">
-            <a:schemeClr val="tx1"/>
-          </a:fontRef>
-        </p:style>
-      </p:cxnSp>
-      <p:cxnSp>
-        <p:nvCxnSpPr>
-          <p:cNvPr id="2071" name="Gerade Verbindung mit Pfeil 2070"/>
-          <p:cNvCxnSpPr>
-            <a:stCxn id="41" idx="1"/>
-          </p:cNvCxnSpPr>
-          <p:nvPr/>
-        </p:nvCxnSpPr>
-        <p:spPr>
-          <a:xfrm flipH="1">
-            <a:off x="2134854" y="2799762"/>
-            <a:ext cx="4204282" cy="10914"/>
-          </a:xfrm>
-          <a:prstGeom prst="straightConnector1">
-            <a:avLst/>
-          </a:prstGeom>
-          <a:ln w="28575">
-            <a:tailEnd type="triangle"/>
-          </a:ln>
-        </p:spPr>
-        <p:style>
-          <a:lnRef idx="2">
-            <a:schemeClr val="accent2"/>
-          </a:lnRef>
-          <a:fillRef idx="0">
-            <a:schemeClr val="accent2"/>
-          </a:fillRef>
-          <a:effectRef idx="1">
-            <a:schemeClr val="accent2"/>
-          </a:effectRef>
-          <a:fontRef idx="minor">
-            <a:schemeClr val="tx1"/>
-          </a:fontRef>
-        </p:style>
-      </p:cxnSp>
-      <p:sp>
-        <p:nvSpPr>
-          <p:cNvPr id="3" name="Textfeld 2"/>
-          <p:cNvSpPr txBox="1"/>
-          <p:nvPr/>
-        </p:nvSpPr>
-        <p:spPr>
-          <a:xfrm rot="3596617">
-            <a:off x="2100374" y="3862159"/>
-            <a:ext cx="1479892" cy="307777"/>
-          </a:xfrm>
-          <a:prstGeom prst="rect">
-            <a:avLst/>
-          </a:prstGeom>
-          <a:noFill/>
-        </p:spPr>
-        <p:txBody>
-          <a:bodyPr wrap="none" rtlCol="0">
-            <a:spAutoFit/>
-          </a:bodyPr>
-          <a:lstStyle/>
-          <a:p>
-            <a:r>
-              <a:rPr lang="de-DE" sz="1400" dirty="0" err="1">
-                <a:solidFill>
-                  <a:srgbClr val="4A5C66"/>
-                </a:solidFill>
-                <a:latin typeface="Arial" panose="020B0604020202020204" pitchFamily="34" charset="0"/>
-                <a:cs typeface="Arial" panose="020B0604020202020204" pitchFamily="34" charset="0"/>
-              </a:rPr>
-              <a:t>With</a:t>
-            </a:r>
-            <a:r>
-              <a:rPr lang="de-DE" sz="1400" dirty="0">
-                <a:solidFill>
-                  <a:srgbClr val="4A5C66"/>
-                </a:solidFill>
-                <a:latin typeface="Arial" panose="020B0604020202020204" pitchFamily="34" charset="0"/>
-                <a:cs typeface="Arial" panose="020B0604020202020204" pitchFamily="34" charset="0"/>
-              </a:rPr>
-              <a:t> </a:t>
-            </a:r>
-            <a:r>
-              <a:rPr lang="de-DE" sz="1400" dirty="0" err="1">
-                <a:solidFill>
-                  <a:srgbClr val="4A5C66"/>
-                </a:solidFill>
-                <a:latin typeface="Arial" panose="020B0604020202020204" pitchFamily="34" charset="0"/>
-                <a:cs typeface="Arial" panose="020B0604020202020204" pitchFamily="34" charset="0"/>
-              </a:rPr>
-              <a:t>Clients.ads</a:t>
-            </a:r>
-            <a:endParaRPr lang="de-DE" sz="1400" dirty="0">
-              <a:solidFill>
-                <a:srgbClr val="4A5C66"/>
-              </a:solidFill>
-              <a:latin typeface="Arial" panose="020B0604020202020204" pitchFamily="34" charset="0"/>
-              <a:cs typeface="Arial" panose="020B0604020202020204" pitchFamily="34" charset="0"/>
-            </a:endParaRPr>
-          </a:p>
-        </p:txBody>
-      </p:sp>
-      <p:sp>
-        <p:nvSpPr>
-          <p:cNvPr id="20" name="Textfeld 19"/>
-          <p:cNvSpPr txBox="1"/>
-          <p:nvPr/>
-        </p:nvSpPr>
-        <p:spPr>
-          <a:xfrm>
-            <a:off x="3424834" y="2527910"/>
-            <a:ext cx="1806905" cy="307777"/>
-          </a:xfrm>
-          <a:prstGeom prst="rect">
-            <a:avLst/>
-          </a:prstGeom>
-          <a:noFill/>
-        </p:spPr>
-        <p:txBody>
-          <a:bodyPr wrap="none" rtlCol="0">
-            <a:spAutoFit/>
-          </a:bodyPr>
-          <a:lstStyle/>
-          <a:p>
-            <a:r>
-              <a:rPr lang="de-DE" sz="1400" dirty="0" err="1">
-                <a:solidFill>
-                  <a:srgbClr val="4A5C66"/>
-                </a:solidFill>
-                <a:latin typeface="Arial" panose="020B0604020202020204" pitchFamily="34" charset="0"/>
-                <a:cs typeface="Arial" panose="020B0604020202020204" pitchFamily="34" charset="0"/>
-              </a:rPr>
-              <a:t>With</a:t>
-            </a:r>
-            <a:r>
-              <a:rPr lang="de-DE" sz="1400" dirty="0">
-                <a:solidFill>
-                  <a:srgbClr val="4A5C66"/>
-                </a:solidFill>
-                <a:latin typeface="Arial" panose="020B0604020202020204" pitchFamily="34" charset="0"/>
-                <a:cs typeface="Arial" panose="020B0604020202020204" pitchFamily="34" charset="0"/>
-              </a:rPr>
-              <a:t> </a:t>
-            </a:r>
-            <a:r>
-              <a:rPr lang="de-DE" sz="1400" dirty="0" err="1">
-                <a:solidFill>
-                  <a:srgbClr val="4A5C66"/>
-                </a:solidFill>
-                <a:latin typeface="Arial" panose="020B0604020202020204" pitchFamily="34" charset="0"/>
-                <a:cs typeface="Arial" panose="020B0604020202020204" pitchFamily="34" charset="0"/>
-              </a:rPr>
-              <a:t>Chatrooms.ads</a:t>
-            </a:r>
-            <a:endParaRPr lang="de-DE" sz="1400" dirty="0">
-              <a:solidFill>
-                <a:srgbClr val="4A5C66"/>
-              </a:solidFill>
-              <a:latin typeface="Arial" panose="020B0604020202020204" pitchFamily="34" charset="0"/>
-              <a:cs typeface="Arial" panose="020B0604020202020204" pitchFamily="34" charset="0"/>
-            </a:endParaRPr>
-          </a:p>
-        </p:txBody>
-      </p:sp>
       <p:sp>
         <p:nvSpPr>
           <p:cNvPr id="27" name="Rechteck 26"/>
@@ -12344,105 +12120,10 @@
           </a:p>
         </p:txBody>
       </p:sp>
-      <p:cxnSp>
-        <p:nvCxnSpPr>
-          <p:cNvPr id="7" name="Gerade Verbindung mit Pfeil 6"/>
-          <p:cNvCxnSpPr/>
-          <p:nvPr/>
-        </p:nvCxnSpPr>
-        <p:spPr>
-          <a:xfrm flipH="1">
-            <a:off x="5102154" y="3307593"/>
-            <a:ext cx="1236982" cy="1717413"/>
-          </a:xfrm>
-          <a:prstGeom prst="straightConnector1">
-            <a:avLst/>
-          </a:prstGeom>
-          <a:ln w="28575">
-            <a:tailEnd type="triangle"/>
-          </a:ln>
-        </p:spPr>
-        <p:style>
-          <a:lnRef idx="2">
-            <a:schemeClr val="accent2"/>
-          </a:lnRef>
-          <a:fillRef idx="0">
-            <a:schemeClr val="accent2"/>
-          </a:fillRef>
-          <a:effectRef idx="1">
-            <a:schemeClr val="accent2"/>
-          </a:effectRef>
-          <a:fontRef idx="minor">
-            <a:schemeClr val="tx1"/>
-          </a:fontRef>
-        </p:style>
-      </p:cxnSp>
-      <p:sp>
-        <p:nvSpPr>
-          <p:cNvPr id="36" name="Textfeld 35"/>
-          <p:cNvSpPr txBox="1"/>
-          <p:nvPr/>
-        </p:nvSpPr>
-        <p:spPr>
-          <a:xfrm rot="18339854">
-            <a:off x="4710006" y="3881325"/>
-            <a:ext cx="1887055" cy="307777"/>
-          </a:xfrm>
-          <a:prstGeom prst="rect">
-            <a:avLst/>
-          </a:prstGeom>
-          <a:noFill/>
-        </p:spPr>
-        <p:txBody>
-          <a:bodyPr wrap="none" rtlCol="0">
-            <a:spAutoFit/>
-          </a:bodyPr>
-          <a:lstStyle/>
-          <a:p>
-            <a:r>
-              <a:rPr lang="de-DE" sz="1400" dirty="0" err="1">
-                <a:solidFill>
-                  <a:srgbClr val="4A5C66"/>
-                </a:solidFill>
-                <a:latin typeface="Arial" panose="020B0604020202020204" pitchFamily="34" charset="0"/>
-                <a:cs typeface="Arial" panose="020B0604020202020204" pitchFamily="34" charset="0"/>
-              </a:rPr>
-              <a:t>With</a:t>
-            </a:r>
-            <a:r>
-              <a:rPr lang="de-DE" sz="1400" dirty="0">
-                <a:solidFill>
-                  <a:srgbClr val="4A5C66"/>
-                </a:solidFill>
-                <a:latin typeface="Arial" panose="020B0604020202020204" pitchFamily="34" charset="0"/>
-                <a:cs typeface="Arial" panose="020B0604020202020204" pitchFamily="34" charset="0"/>
-              </a:rPr>
-              <a:t> </a:t>
-            </a:r>
-            <a:r>
-              <a:rPr lang="de-DE" sz="1400" dirty="0" err="1">
-                <a:solidFill>
-                  <a:srgbClr val="4A5C66"/>
-                </a:solidFill>
-                <a:latin typeface="Arial" panose="020B0604020202020204" pitchFamily="34" charset="0"/>
-                <a:cs typeface="Arial" panose="020B0604020202020204" pitchFamily="34" charset="0"/>
-              </a:rPr>
-              <a:t>ServerLogic.ads</a:t>
-            </a:r>
-            <a:endParaRPr lang="de-DE" sz="1400" dirty="0">
-              <a:solidFill>
-                <a:srgbClr val="4A5C66"/>
-              </a:solidFill>
-              <a:latin typeface="Arial" panose="020B0604020202020204" pitchFamily="34" charset="0"/>
-              <a:cs typeface="Arial" panose="020B0604020202020204" pitchFamily="34" charset="0"/>
-            </a:endParaRPr>
-          </a:p>
-        </p:txBody>
-      </p:sp>
     </p:spTree>
     <p:extLst>
       <p:ext uri="{BB962C8B-B14F-4D97-AF65-F5344CB8AC3E}">
-        <p14:creationId xmlns:p14="http://schemas.microsoft.com/office/powerpoint/2010/main" val="4243061322"/>
+        <p14:creationId xmlns:p14="http://schemas.microsoft.com/office/powerpoint/2010/main" val="2197332772"/>
       </p:ext>
     </p:extLst>
   </p:cSld>
@@ -12934,6 +12615,198 @@
           </a:p>
         </p:txBody>
       </p:sp>
+      <p:cxnSp>
+        <p:nvCxnSpPr>
+          <p:cNvPr id="2069" name="Gerade Verbindung mit Pfeil 2068"/>
+          <p:cNvCxnSpPr/>
+          <p:nvPr/>
+        </p:nvCxnSpPr>
+        <p:spPr>
+          <a:xfrm>
+            <a:off x="2134853" y="2995232"/>
+            <a:ext cx="1222702" cy="2123715"/>
+          </a:xfrm>
+          <a:prstGeom prst="straightConnector1">
+            <a:avLst/>
+          </a:prstGeom>
+          <a:ln w="28575">
+            <a:tailEnd type="triangle"/>
+          </a:ln>
+        </p:spPr>
+        <p:style>
+          <a:lnRef idx="2">
+            <a:schemeClr val="accent2"/>
+          </a:lnRef>
+          <a:fillRef idx="0">
+            <a:schemeClr val="accent2"/>
+          </a:fillRef>
+          <a:effectRef idx="1">
+            <a:schemeClr val="accent2"/>
+          </a:effectRef>
+          <a:fontRef idx="minor">
+            <a:schemeClr val="tx1"/>
+          </a:fontRef>
+        </p:style>
+      </p:cxnSp>
+      <p:cxnSp>
+        <p:nvCxnSpPr>
+          <p:cNvPr id="2071" name="Gerade Verbindung mit Pfeil 2070"/>
+          <p:cNvCxnSpPr>
+            <a:stCxn id="41" idx="1"/>
+          </p:cNvCxnSpPr>
+          <p:nvPr/>
+        </p:nvCxnSpPr>
+        <p:spPr>
+          <a:xfrm flipH="1">
+            <a:off x="2134854" y="2799762"/>
+            <a:ext cx="4204282" cy="10914"/>
+          </a:xfrm>
+          <a:prstGeom prst="straightConnector1">
+            <a:avLst/>
+          </a:prstGeom>
+          <a:ln w="28575">
+            <a:tailEnd type="triangle"/>
+          </a:ln>
+        </p:spPr>
+        <p:style>
+          <a:lnRef idx="2">
+            <a:schemeClr val="accent2"/>
+          </a:lnRef>
+          <a:fillRef idx="0">
+            <a:schemeClr val="accent2"/>
+          </a:fillRef>
+          <a:effectRef idx="1">
+            <a:schemeClr val="accent2"/>
+          </a:effectRef>
+          <a:fontRef idx="minor">
+            <a:schemeClr val="tx1"/>
+          </a:fontRef>
+        </p:style>
+      </p:cxnSp>
+      <p:sp>
+        <p:nvSpPr>
+          <p:cNvPr id="3" name="Textfeld 2"/>
+          <p:cNvSpPr txBox="1"/>
+          <p:nvPr/>
+        </p:nvSpPr>
+        <p:spPr>
+          <a:xfrm rot="3596617">
+            <a:off x="2100374" y="3862159"/>
+            <a:ext cx="1479892" cy="307777"/>
+          </a:xfrm>
+          <a:prstGeom prst="rect">
+            <a:avLst/>
+          </a:prstGeom>
+          <a:noFill/>
+        </p:spPr>
+        <p:txBody>
+          <a:bodyPr wrap="none" rtlCol="0">
+            <a:spAutoFit/>
+          </a:bodyPr>
+          <a:lstStyle/>
+          <a:p>
+            <a:r>
+              <a:rPr lang="de-DE" sz="1400" dirty="0" err="1">
+                <a:solidFill>
+                  <a:srgbClr val="4A5C66"/>
+                </a:solidFill>
+                <a:latin typeface="Arial" panose="020B0604020202020204" pitchFamily="34" charset="0"/>
+                <a:cs typeface="Arial" panose="020B0604020202020204" pitchFamily="34" charset="0"/>
+              </a:rPr>
+              <a:t>With</a:t>
+            </a:r>
+            <a:r>
+              <a:rPr lang="de-DE" sz="1400" dirty="0">
+                <a:solidFill>
+                  <a:srgbClr val="4A5C66"/>
+                </a:solidFill>
+                <a:latin typeface="Arial" panose="020B0604020202020204" pitchFamily="34" charset="0"/>
+                <a:cs typeface="Arial" panose="020B0604020202020204" pitchFamily="34" charset="0"/>
+              </a:rPr>
+              <a:t> </a:t>
+            </a:r>
+            <a:r>
+              <a:rPr lang="de-DE" sz="1400" dirty="0" err="1">
+                <a:solidFill>
+                  <a:srgbClr val="4A5C66"/>
+                </a:solidFill>
+                <a:latin typeface="Arial" panose="020B0604020202020204" pitchFamily="34" charset="0"/>
+                <a:cs typeface="Arial" panose="020B0604020202020204" pitchFamily="34" charset="0"/>
+              </a:rPr>
+              <a:t>Clients.ads</a:t>
+            </a:r>
+            <a:endParaRPr lang="de-DE" sz="1400" dirty="0">
+              <a:solidFill>
+                <a:srgbClr val="4A5C66"/>
+              </a:solidFill>
+              <a:latin typeface="Arial" panose="020B0604020202020204" pitchFamily="34" charset="0"/>
+              <a:cs typeface="Arial" panose="020B0604020202020204" pitchFamily="34" charset="0"/>
+            </a:endParaRPr>
+          </a:p>
+        </p:txBody>
+      </p:sp>
+      <p:sp>
+        <p:nvSpPr>
+          <p:cNvPr id="20" name="Textfeld 19"/>
+          <p:cNvSpPr txBox="1"/>
+          <p:nvPr/>
+        </p:nvSpPr>
+        <p:spPr>
+          <a:xfrm>
+            <a:off x="3424834" y="2527910"/>
+            <a:ext cx="1806905" cy="307777"/>
+          </a:xfrm>
+          <a:prstGeom prst="rect">
+            <a:avLst/>
+          </a:prstGeom>
+          <a:noFill/>
+        </p:spPr>
+        <p:txBody>
+          <a:bodyPr wrap="none" rtlCol="0">
+            <a:spAutoFit/>
+          </a:bodyPr>
+          <a:lstStyle/>
+          <a:p>
+            <a:r>
+              <a:rPr lang="de-DE" sz="1400" dirty="0" err="1">
+                <a:solidFill>
+                  <a:srgbClr val="4A5C66"/>
+                </a:solidFill>
+                <a:latin typeface="Arial" panose="020B0604020202020204" pitchFamily="34" charset="0"/>
+                <a:cs typeface="Arial" panose="020B0604020202020204" pitchFamily="34" charset="0"/>
+              </a:rPr>
+              <a:t>With</a:t>
+            </a:r>
+            <a:r>
+              <a:rPr lang="de-DE" sz="1400" dirty="0">
+                <a:solidFill>
+                  <a:srgbClr val="4A5C66"/>
+                </a:solidFill>
+                <a:latin typeface="Arial" panose="020B0604020202020204" pitchFamily="34" charset="0"/>
+                <a:cs typeface="Arial" panose="020B0604020202020204" pitchFamily="34" charset="0"/>
+              </a:rPr>
+              <a:t> </a:t>
+            </a:r>
+            <a:r>
+              <a:rPr lang="de-DE" sz="1400" dirty="0" err="1">
+                <a:solidFill>
+                  <a:srgbClr val="4A5C66"/>
+                </a:solidFill>
+                <a:latin typeface="Arial" panose="020B0604020202020204" pitchFamily="34" charset="0"/>
+                <a:cs typeface="Arial" panose="020B0604020202020204" pitchFamily="34" charset="0"/>
+              </a:rPr>
+              <a:t>Chatrooms.ads</a:t>
+            </a:r>
+            <a:endParaRPr lang="de-DE" sz="1400" dirty="0">
+              <a:solidFill>
+                <a:srgbClr val="4A5C66"/>
+              </a:solidFill>
+              <a:latin typeface="Arial" panose="020B0604020202020204" pitchFamily="34" charset="0"/>
+              <a:cs typeface="Arial" panose="020B0604020202020204" pitchFamily="34" charset="0"/>
+            </a:endParaRPr>
+          </a:p>
+        </p:txBody>
+      </p:sp>
       <p:sp>
         <p:nvSpPr>
           <p:cNvPr id="27" name="Rechteck 26"/>
@@ -13147,10 +13020,105 @@
           </a:p>
         </p:txBody>
       </p:sp>
+      <p:cxnSp>
+        <p:nvCxnSpPr>
+          <p:cNvPr id="7" name="Gerade Verbindung mit Pfeil 6"/>
+          <p:cNvCxnSpPr/>
+          <p:nvPr/>
+        </p:nvCxnSpPr>
+        <p:spPr>
+          <a:xfrm flipH="1">
+            <a:off x="5102154" y="3307593"/>
+            <a:ext cx="1236982" cy="1717413"/>
+          </a:xfrm>
+          <a:prstGeom prst="straightConnector1">
+            <a:avLst/>
+          </a:prstGeom>
+          <a:ln w="28575">
+            <a:tailEnd type="triangle"/>
+          </a:ln>
+        </p:spPr>
+        <p:style>
+          <a:lnRef idx="2">
+            <a:schemeClr val="accent2"/>
+          </a:lnRef>
+          <a:fillRef idx="0">
+            <a:schemeClr val="accent2"/>
+          </a:fillRef>
+          <a:effectRef idx="1">
+            <a:schemeClr val="accent2"/>
+          </a:effectRef>
+          <a:fontRef idx="minor">
+            <a:schemeClr val="tx1"/>
+          </a:fontRef>
+        </p:style>
+      </p:cxnSp>
+      <p:sp>
+        <p:nvSpPr>
+          <p:cNvPr id="36" name="Textfeld 35"/>
+          <p:cNvSpPr txBox="1"/>
+          <p:nvPr/>
+        </p:nvSpPr>
+        <p:spPr>
+          <a:xfrm rot="18339854">
+            <a:off x="4710006" y="3881325"/>
+            <a:ext cx="1887055" cy="307777"/>
+          </a:xfrm>
+          <a:prstGeom prst="rect">
+            <a:avLst/>
+          </a:prstGeom>
+          <a:noFill/>
+        </p:spPr>
+        <p:txBody>
+          <a:bodyPr wrap="none" rtlCol="0">
+            <a:spAutoFit/>
+          </a:bodyPr>
+          <a:lstStyle/>
+          <a:p>
+            <a:r>
+              <a:rPr lang="de-DE" sz="1400" dirty="0" err="1">
+                <a:solidFill>
+                  <a:srgbClr val="4A5C66"/>
+                </a:solidFill>
+                <a:latin typeface="Arial" panose="020B0604020202020204" pitchFamily="34" charset="0"/>
+                <a:cs typeface="Arial" panose="020B0604020202020204" pitchFamily="34" charset="0"/>
+              </a:rPr>
+              <a:t>With</a:t>
+            </a:r>
+            <a:r>
+              <a:rPr lang="de-DE" sz="1400" dirty="0">
+                <a:solidFill>
+                  <a:srgbClr val="4A5C66"/>
+                </a:solidFill>
+                <a:latin typeface="Arial" panose="020B0604020202020204" pitchFamily="34" charset="0"/>
+                <a:cs typeface="Arial" panose="020B0604020202020204" pitchFamily="34" charset="0"/>
+              </a:rPr>
+              <a:t> </a:t>
+            </a:r>
+            <a:r>
+              <a:rPr lang="de-DE" sz="1400" dirty="0" err="1">
+                <a:solidFill>
+                  <a:srgbClr val="4A5C66"/>
+                </a:solidFill>
+                <a:latin typeface="Arial" panose="020B0604020202020204" pitchFamily="34" charset="0"/>
+                <a:cs typeface="Arial" panose="020B0604020202020204" pitchFamily="34" charset="0"/>
+              </a:rPr>
+              <a:t>ServerLogic.ads</a:t>
+            </a:r>
+            <a:endParaRPr lang="de-DE" sz="1400" dirty="0">
+              <a:solidFill>
+                <a:srgbClr val="4A5C66"/>
+              </a:solidFill>
+              <a:latin typeface="Arial" panose="020B0604020202020204" pitchFamily="34" charset="0"/>
+              <a:cs typeface="Arial" panose="020B0604020202020204" pitchFamily="34" charset="0"/>
+            </a:endParaRPr>
+          </a:p>
+        </p:txBody>
+      </p:sp>
     </p:spTree>
     <p:extLst>
       <p:ext uri="{BB962C8B-B14F-4D97-AF65-F5344CB8AC3E}">
-        <p14:creationId xmlns:p14="http://schemas.microsoft.com/office/powerpoint/2010/main" val="2197332772"/>
+        <p14:creationId xmlns:p14="http://schemas.microsoft.com/office/powerpoint/2010/main" val="4243061322"/>
       </p:ext>
     </p:extLst>
   </p:cSld>
